--- a/docs/figures/figures.pptx
+++ b/docs/figures/figures.pptx
@@ -7,6 +7,7 @@
   <p:sldIdLst>
     <p:sldId id="256" r:id="rId2"/>
     <p:sldId id="257" r:id="rId3"/>
+    <p:sldId id="258" r:id="rId4"/>
   </p:sldIdLst>
   <p:sldSz cx="12192000" cy="6858000"/>
   <p:notesSz cx="6858000" cy="9144000"/>
@@ -5657,22 +5658,13 @@
           <a:p>
             <a:pPr algn="ctr"/>
             <a:r>
-              <a:rPr lang="en-US" sz="1000">
-                <a:solidFill>
-                  <a:schemeClr val="tx1"/>
-                </a:solidFill>
-                <a:latin typeface="Avenir Book" panose="02000503020000020003" pitchFamily="2" charset="0"/>
-              </a:rPr>
-              <a:t>Encrypted </a:t>
-            </a:r>
-            <a:r>
               <a:rPr lang="en-US" sz="1000" dirty="0">
                 <a:solidFill>
                   <a:schemeClr val="tx1"/>
                 </a:solidFill>
                 <a:latin typeface="Avenir Book" panose="02000503020000020003" pitchFamily="2" charset="0"/>
               </a:rPr>
-              <a:t>tunnel</a:t>
+              <a:t>Encrypted tunnel</a:t>
             </a:r>
           </a:p>
         </p:txBody>
@@ -5851,7 +5843,7 @@
         </p:nvGrpSpPr>
         <p:grpSpPr>
           <a:xfrm>
-            <a:off x="9745811" y="1434512"/>
+            <a:off x="9649561" y="1434512"/>
             <a:ext cx="600778" cy="3537023"/>
             <a:chOff x="3608757" y="1282112"/>
             <a:chExt cx="600778" cy="3537023"/>
@@ -6458,10 +6450,3218 @@
           </a:p>
         </p:txBody>
       </p:sp>
+      <p:grpSp>
+        <p:nvGrpSpPr>
+          <p:cNvPr id="35" name="Group 34">
+            <a:extLst>
+              <a:ext uri="{FF2B5EF4-FFF2-40B4-BE49-F238E27FC236}">
+                <a16:creationId xmlns:a16="http://schemas.microsoft.com/office/drawing/2014/main" id="{F945E0F3-5B89-C3E6-C48C-891A71320874}"/>
+              </a:ext>
+            </a:extLst>
+          </p:cNvPr>
+          <p:cNvGrpSpPr/>
+          <p:nvPr/>
+        </p:nvGrpSpPr>
+        <p:grpSpPr>
+          <a:xfrm>
+            <a:off x="2145799" y="2077799"/>
+            <a:ext cx="3195826" cy="612038"/>
+            <a:chOff x="2145799" y="2684192"/>
+            <a:chExt cx="3195826" cy="612038"/>
+          </a:xfrm>
+        </p:grpSpPr>
+        <p:grpSp>
+          <p:nvGrpSpPr>
+            <p:cNvPr id="31" name="Group 30">
+              <a:extLst>
+                <a:ext uri="{FF2B5EF4-FFF2-40B4-BE49-F238E27FC236}">
+                  <a16:creationId xmlns:a16="http://schemas.microsoft.com/office/drawing/2014/main" id="{C7252AA2-859F-3FA4-8A67-65BCCAB56F56}"/>
+                </a:ext>
+              </a:extLst>
+            </p:cNvPr>
+            <p:cNvGrpSpPr/>
+            <p:nvPr/>
+          </p:nvGrpSpPr>
+          <p:grpSpPr>
+            <a:xfrm>
+              <a:off x="2145799" y="2684192"/>
+              <a:ext cx="3195826" cy="298861"/>
+              <a:chOff x="2145799" y="2684192"/>
+              <a:chExt cx="3195826" cy="298861"/>
+            </a:xfrm>
+          </p:grpSpPr>
+          <p:cxnSp>
+            <p:nvCxnSpPr>
+              <p:cNvPr id="27" name="Straight Connector 26">
+                <a:extLst>
+                  <a:ext uri="{FF2B5EF4-FFF2-40B4-BE49-F238E27FC236}">
+                    <a16:creationId xmlns:a16="http://schemas.microsoft.com/office/drawing/2014/main" id="{E7E85747-01A3-5EC6-D841-BF173DAB9362}"/>
+                  </a:ext>
+                </a:extLst>
+              </p:cNvPr>
+              <p:cNvCxnSpPr>
+                <a:cxnSpLocks/>
+              </p:cNvCxnSpPr>
+              <p:nvPr/>
+            </p:nvCxnSpPr>
+            <p:spPr>
+              <a:xfrm flipH="1">
+                <a:off x="2145799" y="2934929"/>
+                <a:ext cx="3195826" cy="0"/>
+              </a:xfrm>
+              <a:prstGeom prst="line">
+                <a:avLst/>
+              </a:prstGeom>
+              <a:ln w="9525">
+                <a:solidFill>
+                  <a:srgbClr val="FF0000"/>
+                </a:solidFill>
+                <a:headEnd type="triangle"/>
+              </a:ln>
+            </p:spPr>
+            <p:style>
+              <a:lnRef idx="2">
+                <a:schemeClr val="accent1"/>
+              </a:lnRef>
+              <a:fillRef idx="0">
+                <a:schemeClr val="accent1"/>
+              </a:fillRef>
+              <a:effectRef idx="1">
+                <a:schemeClr val="accent1"/>
+              </a:effectRef>
+              <a:fontRef idx="minor">
+                <a:schemeClr val="tx1"/>
+              </a:fontRef>
+            </p:style>
+          </p:cxnSp>
+          <p:sp>
+            <p:nvSpPr>
+              <p:cNvPr id="30" name="Rectangle 29">
+                <a:extLst>
+                  <a:ext uri="{FF2B5EF4-FFF2-40B4-BE49-F238E27FC236}">
+                    <a16:creationId xmlns:a16="http://schemas.microsoft.com/office/drawing/2014/main" id="{8F5122EC-8E1F-DE8B-5685-836CD4D299F6}"/>
+                  </a:ext>
+                </a:extLst>
+              </p:cNvPr>
+              <p:cNvSpPr/>
+              <p:nvPr/>
+            </p:nvSpPr>
+            <p:spPr>
+              <a:xfrm>
+                <a:off x="2145799" y="2684192"/>
+                <a:ext cx="2784678" cy="298861"/>
+              </a:xfrm>
+              <a:prstGeom prst="rect">
+                <a:avLst/>
+              </a:prstGeom>
+              <a:noFill/>
+              <a:ln w="9525">
+                <a:noFill/>
+              </a:ln>
+            </p:spPr>
+            <p:style>
+              <a:lnRef idx="2">
+                <a:schemeClr val="accent1">
+                  <a:shade val="15000"/>
+                </a:schemeClr>
+              </a:lnRef>
+              <a:fillRef idx="1">
+                <a:schemeClr val="accent1"/>
+              </a:fillRef>
+              <a:effectRef idx="0">
+                <a:schemeClr val="accent1"/>
+              </a:effectRef>
+              <a:fontRef idx="minor">
+                <a:schemeClr val="lt1"/>
+              </a:fontRef>
+            </p:style>
+            <p:txBody>
+              <a:bodyPr rtlCol="0" anchor="ctr"/>
+              <a:lstStyle/>
+              <a:p>
+                <a:r>
+                  <a:rPr lang="en-US" sz="1000" dirty="0">
+                    <a:solidFill>
+                      <a:srgbClr val="FF0000"/>
+                    </a:solidFill>
+                    <a:latin typeface="Avenir Book" panose="02000503020000020003" pitchFamily="2" charset="0"/>
+                  </a:rPr>
+                  <a:t>PUT client-registration</a:t>
+                </a:r>
+              </a:p>
+            </p:txBody>
+          </p:sp>
+        </p:grpSp>
+        <p:grpSp>
+          <p:nvGrpSpPr>
+            <p:cNvPr id="32" name="Group 31">
+              <a:extLst>
+                <a:ext uri="{FF2B5EF4-FFF2-40B4-BE49-F238E27FC236}">
+                  <a16:creationId xmlns:a16="http://schemas.microsoft.com/office/drawing/2014/main" id="{BBA2A2DD-8DF3-80E0-FF55-77291C7B0B60}"/>
+                </a:ext>
+              </a:extLst>
+            </p:cNvPr>
+            <p:cNvGrpSpPr/>
+            <p:nvPr/>
+          </p:nvGrpSpPr>
+          <p:grpSpPr>
+            <a:xfrm>
+              <a:off x="2145799" y="2997369"/>
+              <a:ext cx="3195826" cy="298861"/>
+              <a:chOff x="2145799" y="2684192"/>
+              <a:chExt cx="3195826" cy="298861"/>
+            </a:xfrm>
+          </p:grpSpPr>
+          <p:cxnSp>
+            <p:nvCxnSpPr>
+              <p:cNvPr id="33" name="Straight Connector 32">
+                <a:extLst>
+                  <a:ext uri="{FF2B5EF4-FFF2-40B4-BE49-F238E27FC236}">
+                    <a16:creationId xmlns:a16="http://schemas.microsoft.com/office/drawing/2014/main" id="{65CA86CA-BDC4-A983-82B9-B8D39E73DCCD}"/>
+                  </a:ext>
+                </a:extLst>
+              </p:cNvPr>
+              <p:cNvCxnSpPr>
+                <a:cxnSpLocks/>
+              </p:cNvCxnSpPr>
+              <p:nvPr/>
+            </p:nvCxnSpPr>
+            <p:spPr>
+              <a:xfrm flipH="1">
+                <a:off x="2145799" y="2934929"/>
+                <a:ext cx="3195826" cy="0"/>
+              </a:xfrm>
+              <a:prstGeom prst="line">
+                <a:avLst/>
+              </a:prstGeom>
+              <a:ln w="9525">
+                <a:solidFill>
+                  <a:srgbClr val="FF0000"/>
+                </a:solidFill>
+                <a:headEnd type="triangle"/>
+              </a:ln>
+            </p:spPr>
+            <p:style>
+              <a:lnRef idx="2">
+                <a:schemeClr val="accent1"/>
+              </a:lnRef>
+              <a:fillRef idx="0">
+                <a:schemeClr val="accent1"/>
+              </a:fillRef>
+              <a:effectRef idx="1">
+                <a:schemeClr val="accent1"/>
+              </a:effectRef>
+              <a:fontRef idx="minor">
+                <a:schemeClr val="tx1"/>
+              </a:fontRef>
+            </p:style>
+          </p:cxnSp>
+          <p:sp>
+            <p:nvSpPr>
+              <p:cNvPr id="34" name="Rectangle 33">
+                <a:extLst>
+                  <a:ext uri="{FF2B5EF4-FFF2-40B4-BE49-F238E27FC236}">
+                    <a16:creationId xmlns:a16="http://schemas.microsoft.com/office/drawing/2014/main" id="{E4485CA7-40CF-0BC4-B8F1-912E0746168B}"/>
+                  </a:ext>
+                </a:extLst>
+              </p:cNvPr>
+              <p:cNvSpPr/>
+              <p:nvPr/>
+            </p:nvSpPr>
+            <p:spPr>
+              <a:xfrm>
+                <a:off x="2145799" y="2684192"/>
+                <a:ext cx="2784678" cy="298861"/>
+              </a:xfrm>
+              <a:prstGeom prst="rect">
+                <a:avLst/>
+              </a:prstGeom>
+              <a:noFill/>
+              <a:ln w="9525">
+                <a:noFill/>
+              </a:ln>
+            </p:spPr>
+            <p:style>
+              <a:lnRef idx="2">
+                <a:schemeClr val="accent1">
+                  <a:shade val="15000"/>
+                </a:schemeClr>
+              </a:lnRef>
+              <a:fillRef idx="1">
+                <a:schemeClr val="accent1"/>
+              </a:fillRef>
+              <a:effectRef idx="0">
+                <a:schemeClr val="accent1"/>
+              </a:effectRef>
+              <a:fontRef idx="minor">
+                <a:schemeClr val="lt1"/>
+              </a:fontRef>
+            </p:style>
+            <p:txBody>
+              <a:bodyPr rtlCol="0" anchor="ctr"/>
+              <a:lstStyle/>
+              <a:p>
+                <a:r>
+                  <a:rPr lang="en-US" sz="1000" dirty="0">
+                    <a:solidFill>
+                      <a:srgbClr val="FF0000"/>
+                    </a:solidFill>
+                    <a:latin typeface="Avenir Book" panose="02000503020000020003" pitchFamily="2" charset="0"/>
+                  </a:rPr>
+                  <a:t>GET pre-shared-random-data</a:t>
+                </a:r>
+              </a:p>
+            </p:txBody>
+          </p:sp>
+        </p:grpSp>
+      </p:grpSp>
+      <p:grpSp>
+        <p:nvGrpSpPr>
+          <p:cNvPr id="36" name="Group 35">
+            <a:extLst>
+              <a:ext uri="{FF2B5EF4-FFF2-40B4-BE49-F238E27FC236}">
+                <a16:creationId xmlns:a16="http://schemas.microsoft.com/office/drawing/2014/main" id="{0DDCE860-A8CB-3B9A-A77F-A74DAB0D0295}"/>
+              </a:ext>
+            </a:extLst>
+          </p:cNvPr>
+          <p:cNvGrpSpPr/>
+          <p:nvPr/>
+        </p:nvGrpSpPr>
+        <p:grpSpPr>
+          <a:xfrm>
+            <a:off x="2145799" y="2794782"/>
+            <a:ext cx="4607274" cy="612038"/>
+            <a:chOff x="2145799" y="2684192"/>
+            <a:chExt cx="4607274" cy="612038"/>
+          </a:xfrm>
+        </p:grpSpPr>
+        <p:grpSp>
+          <p:nvGrpSpPr>
+            <p:cNvPr id="37" name="Group 36">
+              <a:extLst>
+                <a:ext uri="{FF2B5EF4-FFF2-40B4-BE49-F238E27FC236}">
+                  <a16:creationId xmlns:a16="http://schemas.microsoft.com/office/drawing/2014/main" id="{89B52564-CB00-C57B-FA65-FB393B5C5E57}"/>
+                </a:ext>
+              </a:extLst>
+            </p:cNvPr>
+            <p:cNvGrpSpPr/>
+            <p:nvPr/>
+          </p:nvGrpSpPr>
+          <p:grpSpPr>
+            <a:xfrm>
+              <a:off x="2145799" y="2684192"/>
+              <a:ext cx="4607274" cy="298861"/>
+              <a:chOff x="2145799" y="2684192"/>
+              <a:chExt cx="4607274" cy="298861"/>
+            </a:xfrm>
+          </p:grpSpPr>
+          <p:cxnSp>
+            <p:nvCxnSpPr>
+              <p:cNvPr id="41" name="Straight Connector 40">
+                <a:extLst>
+                  <a:ext uri="{FF2B5EF4-FFF2-40B4-BE49-F238E27FC236}">
+                    <a16:creationId xmlns:a16="http://schemas.microsoft.com/office/drawing/2014/main" id="{3ACBE410-1217-C1F0-0962-DA9E39547C2A}"/>
+                  </a:ext>
+                </a:extLst>
+              </p:cNvPr>
+              <p:cNvCxnSpPr>
+                <a:cxnSpLocks/>
+              </p:cNvCxnSpPr>
+              <p:nvPr/>
+            </p:nvCxnSpPr>
+            <p:spPr>
+              <a:xfrm flipH="1">
+                <a:off x="2145799" y="2934929"/>
+                <a:ext cx="4607274" cy="0"/>
+              </a:xfrm>
+              <a:prstGeom prst="line">
+                <a:avLst/>
+              </a:prstGeom>
+              <a:ln w="9525">
+                <a:solidFill>
+                  <a:srgbClr val="FF0000"/>
+                </a:solidFill>
+                <a:headEnd type="triangle"/>
+              </a:ln>
+            </p:spPr>
+            <p:style>
+              <a:lnRef idx="2">
+                <a:schemeClr val="accent1"/>
+              </a:lnRef>
+              <a:fillRef idx="0">
+                <a:schemeClr val="accent1"/>
+              </a:fillRef>
+              <a:effectRef idx="1">
+                <a:schemeClr val="accent1"/>
+              </a:effectRef>
+              <a:fontRef idx="minor">
+                <a:schemeClr val="tx1"/>
+              </a:fontRef>
+            </p:style>
+          </p:cxnSp>
+          <p:sp>
+            <p:nvSpPr>
+              <p:cNvPr id="42" name="Rectangle 41">
+                <a:extLst>
+                  <a:ext uri="{FF2B5EF4-FFF2-40B4-BE49-F238E27FC236}">
+                    <a16:creationId xmlns:a16="http://schemas.microsoft.com/office/drawing/2014/main" id="{E1884416-8714-C367-508F-11ECFA456D2B}"/>
+                  </a:ext>
+                </a:extLst>
+              </p:cNvPr>
+              <p:cNvSpPr/>
+              <p:nvPr/>
+            </p:nvSpPr>
+            <p:spPr>
+              <a:xfrm>
+                <a:off x="2145799" y="2684192"/>
+                <a:ext cx="2784678" cy="298861"/>
+              </a:xfrm>
+              <a:prstGeom prst="rect">
+                <a:avLst/>
+              </a:prstGeom>
+              <a:noFill/>
+              <a:ln w="9525">
+                <a:noFill/>
+              </a:ln>
+            </p:spPr>
+            <p:style>
+              <a:lnRef idx="2">
+                <a:schemeClr val="accent1">
+                  <a:shade val="15000"/>
+                </a:schemeClr>
+              </a:lnRef>
+              <a:fillRef idx="1">
+                <a:schemeClr val="accent1"/>
+              </a:fillRef>
+              <a:effectRef idx="0">
+                <a:schemeClr val="accent1"/>
+              </a:effectRef>
+              <a:fontRef idx="minor">
+                <a:schemeClr val="lt1"/>
+              </a:fontRef>
+            </p:style>
+            <p:txBody>
+              <a:bodyPr rtlCol="0" anchor="ctr"/>
+              <a:lstStyle/>
+              <a:p>
+                <a:r>
+                  <a:rPr lang="en-US" sz="1000" dirty="0">
+                    <a:solidFill>
+                      <a:srgbClr val="FF0000"/>
+                    </a:solidFill>
+                    <a:latin typeface="Avenir Book" panose="02000503020000020003" pitchFamily="2" charset="0"/>
+                  </a:rPr>
+                  <a:t>PUT client-registration</a:t>
+                </a:r>
+              </a:p>
+            </p:txBody>
+          </p:sp>
+        </p:grpSp>
+        <p:grpSp>
+          <p:nvGrpSpPr>
+            <p:cNvPr id="38" name="Group 37">
+              <a:extLst>
+                <a:ext uri="{FF2B5EF4-FFF2-40B4-BE49-F238E27FC236}">
+                  <a16:creationId xmlns:a16="http://schemas.microsoft.com/office/drawing/2014/main" id="{4D63BEAA-B914-5169-CBF2-E839586B288F}"/>
+                </a:ext>
+              </a:extLst>
+            </p:cNvPr>
+            <p:cNvGrpSpPr/>
+            <p:nvPr/>
+          </p:nvGrpSpPr>
+          <p:grpSpPr>
+            <a:xfrm>
+              <a:off x="2145799" y="2997369"/>
+              <a:ext cx="4607274" cy="298861"/>
+              <a:chOff x="2145799" y="2684192"/>
+              <a:chExt cx="4607274" cy="298861"/>
+            </a:xfrm>
+          </p:grpSpPr>
+          <p:cxnSp>
+            <p:nvCxnSpPr>
+              <p:cNvPr id="39" name="Straight Connector 38">
+                <a:extLst>
+                  <a:ext uri="{FF2B5EF4-FFF2-40B4-BE49-F238E27FC236}">
+                    <a16:creationId xmlns:a16="http://schemas.microsoft.com/office/drawing/2014/main" id="{CDBA45C2-048D-7835-06A7-C403393483B0}"/>
+                  </a:ext>
+                </a:extLst>
+              </p:cNvPr>
+              <p:cNvCxnSpPr>
+                <a:cxnSpLocks/>
+              </p:cNvCxnSpPr>
+              <p:nvPr/>
+            </p:nvCxnSpPr>
+            <p:spPr>
+              <a:xfrm flipH="1">
+                <a:off x="2145799" y="2934929"/>
+                <a:ext cx="4607274" cy="0"/>
+              </a:xfrm>
+              <a:prstGeom prst="line">
+                <a:avLst/>
+              </a:prstGeom>
+              <a:ln w="9525">
+                <a:solidFill>
+                  <a:srgbClr val="FF0000"/>
+                </a:solidFill>
+                <a:headEnd type="triangle"/>
+              </a:ln>
+            </p:spPr>
+            <p:style>
+              <a:lnRef idx="2">
+                <a:schemeClr val="accent1"/>
+              </a:lnRef>
+              <a:fillRef idx="0">
+                <a:schemeClr val="accent1"/>
+              </a:fillRef>
+              <a:effectRef idx="1">
+                <a:schemeClr val="accent1"/>
+              </a:effectRef>
+              <a:fontRef idx="minor">
+                <a:schemeClr val="tx1"/>
+              </a:fontRef>
+            </p:style>
+          </p:cxnSp>
+          <p:sp>
+            <p:nvSpPr>
+              <p:cNvPr id="40" name="Rectangle 39">
+                <a:extLst>
+                  <a:ext uri="{FF2B5EF4-FFF2-40B4-BE49-F238E27FC236}">
+                    <a16:creationId xmlns:a16="http://schemas.microsoft.com/office/drawing/2014/main" id="{723966DC-C1A4-88DF-7B9B-601C78B06C0F}"/>
+                  </a:ext>
+                </a:extLst>
+              </p:cNvPr>
+              <p:cNvSpPr/>
+              <p:nvPr/>
+            </p:nvSpPr>
+            <p:spPr>
+              <a:xfrm>
+                <a:off x="2145799" y="2684192"/>
+                <a:ext cx="2784678" cy="298861"/>
+              </a:xfrm>
+              <a:prstGeom prst="rect">
+                <a:avLst/>
+              </a:prstGeom>
+              <a:noFill/>
+              <a:ln w="9525">
+                <a:noFill/>
+              </a:ln>
+            </p:spPr>
+            <p:style>
+              <a:lnRef idx="2">
+                <a:schemeClr val="accent1">
+                  <a:shade val="15000"/>
+                </a:schemeClr>
+              </a:lnRef>
+              <a:fillRef idx="1">
+                <a:schemeClr val="accent1"/>
+              </a:fillRef>
+              <a:effectRef idx="0">
+                <a:schemeClr val="accent1"/>
+              </a:effectRef>
+              <a:fontRef idx="minor">
+                <a:schemeClr val="lt1"/>
+              </a:fontRef>
+            </p:style>
+            <p:txBody>
+              <a:bodyPr rtlCol="0" anchor="ctr"/>
+              <a:lstStyle/>
+              <a:p>
+                <a:r>
+                  <a:rPr lang="en-US" sz="1000" dirty="0">
+                    <a:solidFill>
+                      <a:srgbClr val="FF0000"/>
+                    </a:solidFill>
+                    <a:latin typeface="Avenir Book" panose="02000503020000020003" pitchFamily="2" charset="0"/>
+                  </a:rPr>
+                  <a:t>GET pre-shared-random-data</a:t>
+                </a:r>
+              </a:p>
+            </p:txBody>
+          </p:sp>
+        </p:grpSp>
+      </p:grpSp>
+      <p:grpSp>
+        <p:nvGrpSpPr>
+          <p:cNvPr id="45" name="Group 44">
+            <a:extLst>
+              <a:ext uri="{FF2B5EF4-FFF2-40B4-BE49-F238E27FC236}">
+                <a16:creationId xmlns:a16="http://schemas.microsoft.com/office/drawing/2014/main" id="{CF4C12BA-A173-B622-AB35-8A4667510D1A}"/>
+              </a:ext>
+            </a:extLst>
+          </p:cNvPr>
+          <p:cNvGrpSpPr/>
+          <p:nvPr/>
+        </p:nvGrpSpPr>
+        <p:grpSpPr>
+          <a:xfrm flipH="1">
+            <a:off x="6753073" y="3526779"/>
+            <a:ext cx="3195826" cy="612038"/>
+            <a:chOff x="2145799" y="2684192"/>
+            <a:chExt cx="3195826" cy="612038"/>
+          </a:xfrm>
+        </p:grpSpPr>
+        <p:grpSp>
+          <p:nvGrpSpPr>
+            <p:cNvPr id="46" name="Group 45">
+              <a:extLst>
+                <a:ext uri="{FF2B5EF4-FFF2-40B4-BE49-F238E27FC236}">
+                  <a16:creationId xmlns:a16="http://schemas.microsoft.com/office/drawing/2014/main" id="{45E8EA47-294A-E762-99AC-26233B315772}"/>
+                </a:ext>
+              </a:extLst>
+            </p:cNvPr>
+            <p:cNvGrpSpPr/>
+            <p:nvPr/>
+          </p:nvGrpSpPr>
+          <p:grpSpPr>
+            <a:xfrm>
+              <a:off x="2145799" y="2684192"/>
+              <a:ext cx="3195826" cy="298861"/>
+              <a:chOff x="2145799" y="2684192"/>
+              <a:chExt cx="3195826" cy="298861"/>
+            </a:xfrm>
+          </p:grpSpPr>
+          <p:cxnSp>
+            <p:nvCxnSpPr>
+              <p:cNvPr id="50" name="Straight Connector 49">
+                <a:extLst>
+                  <a:ext uri="{FF2B5EF4-FFF2-40B4-BE49-F238E27FC236}">
+                    <a16:creationId xmlns:a16="http://schemas.microsoft.com/office/drawing/2014/main" id="{C3B6AFCA-5CE0-C31C-CF5C-925A5B71FF90}"/>
+                  </a:ext>
+                </a:extLst>
+              </p:cNvPr>
+              <p:cNvCxnSpPr>
+                <a:cxnSpLocks/>
+              </p:cNvCxnSpPr>
+              <p:nvPr/>
+            </p:nvCxnSpPr>
+            <p:spPr>
+              <a:xfrm flipH="1">
+                <a:off x="2145799" y="2934929"/>
+                <a:ext cx="3195826" cy="0"/>
+              </a:xfrm>
+              <a:prstGeom prst="line">
+                <a:avLst/>
+              </a:prstGeom>
+              <a:ln w="9525">
+                <a:solidFill>
+                  <a:srgbClr val="FF0000"/>
+                </a:solidFill>
+                <a:headEnd type="triangle"/>
+              </a:ln>
+            </p:spPr>
+            <p:style>
+              <a:lnRef idx="2">
+                <a:schemeClr val="accent1"/>
+              </a:lnRef>
+              <a:fillRef idx="0">
+                <a:schemeClr val="accent1"/>
+              </a:fillRef>
+              <a:effectRef idx="1">
+                <a:schemeClr val="accent1"/>
+              </a:effectRef>
+              <a:fontRef idx="minor">
+                <a:schemeClr val="tx1"/>
+              </a:fontRef>
+            </p:style>
+          </p:cxnSp>
+          <p:sp>
+            <p:nvSpPr>
+              <p:cNvPr id="51" name="Rectangle 50">
+                <a:extLst>
+                  <a:ext uri="{FF2B5EF4-FFF2-40B4-BE49-F238E27FC236}">
+                    <a16:creationId xmlns:a16="http://schemas.microsoft.com/office/drawing/2014/main" id="{6551DE2D-B0FD-7650-348F-790BF15D06A7}"/>
+                  </a:ext>
+                </a:extLst>
+              </p:cNvPr>
+              <p:cNvSpPr/>
+              <p:nvPr/>
+            </p:nvSpPr>
+            <p:spPr>
+              <a:xfrm>
+                <a:off x="2145799" y="2684192"/>
+                <a:ext cx="2784678" cy="298861"/>
+              </a:xfrm>
+              <a:prstGeom prst="rect">
+                <a:avLst/>
+              </a:prstGeom>
+              <a:noFill/>
+              <a:ln w="9525">
+                <a:noFill/>
+              </a:ln>
+            </p:spPr>
+            <p:style>
+              <a:lnRef idx="2">
+                <a:schemeClr val="accent1">
+                  <a:shade val="15000"/>
+                </a:schemeClr>
+              </a:lnRef>
+              <a:fillRef idx="1">
+                <a:schemeClr val="accent1"/>
+              </a:fillRef>
+              <a:effectRef idx="0">
+                <a:schemeClr val="accent1"/>
+              </a:effectRef>
+              <a:fontRef idx="minor">
+                <a:schemeClr val="lt1"/>
+              </a:fontRef>
+            </p:style>
+            <p:txBody>
+              <a:bodyPr rtlCol="0" anchor="ctr"/>
+              <a:lstStyle/>
+              <a:p>
+                <a:r>
+                  <a:rPr lang="en-US" sz="1000" dirty="0">
+                    <a:solidFill>
+                      <a:srgbClr val="FF0000"/>
+                    </a:solidFill>
+                    <a:latin typeface="Avenir Book" panose="02000503020000020003" pitchFamily="2" charset="0"/>
+                  </a:rPr>
+                  <a:t>PUT client-registration</a:t>
+                </a:r>
+              </a:p>
+            </p:txBody>
+          </p:sp>
+        </p:grpSp>
+        <p:grpSp>
+          <p:nvGrpSpPr>
+            <p:cNvPr id="47" name="Group 46">
+              <a:extLst>
+                <a:ext uri="{FF2B5EF4-FFF2-40B4-BE49-F238E27FC236}">
+                  <a16:creationId xmlns:a16="http://schemas.microsoft.com/office/drawing/2014/main" id="{91C9EEE2-FD1B-09E1-3D71-B150D7C89084}"/>
+                </a:ext>
+              </a:extLst>
+            </p:cNvPr>
+            <p:cNvGrpSpPr/>
+            <p:nvPr/>
+          </p:nvGrpSpPr>
+          <p:grpSpPr>
+            <a:xfrm>
+              <a:off x="2145799" y="2997369"/>
+              <a:ext cx="3195826" cy="298861"/>
+              <a:chOff x="2145799" y="2684192"/>
+              <a:chExt cx="3195826" cy="298861"/>
+            </a:xfrm>
+          </p:grpSpPr>
+          <p:cxnSp>
+            <p:nvCxnSpPr>
+              <p:cNvPr id="48" name="Straight Connector 47">
+                <a:extLst>
+                  <a:ext uri="{FF2B5EF4-FFF2-40B4-BE49-F238E27FC236}">
+                    <a16:creationId xmlns:a16="http://schemas.microsoft.com/office/drawing/2014/main" id="{42E1CF90-8451-2888-A8D1-72959D1BF1C9}"/>
+                  </a:ext>
+                </a:extLst>
+              </p:cNvPr>
+              <p:cNvCxnSpPr>
+                <a:cxnSpLocks/>
+              </p:cNvCxnSpPr>
+              <p:nvPr/>
+            </p:nvCxnSpPr>
+            <p:spPr>
+              <a:xfrm flipH="1">
+                <a:off x="2145799" y="2934929"/>
+                <a:ext cx="3195826" cy="0"/>
+              </a:xfrm>
+              <a:prstGeom prst="line">
+                <a:avLst/>
+              </a:prstGeom>
+              <a:ln w="9525">
+                <a:solidFill>
+                  <a:srgbClr val="FF0000"/>
+                </a:solidFill>
+                <a:headEnd type="triangle"/>
+              </a:ln>
+            </p:spPr>
+            <p:style>
+              <a:lnRef idx="2">
+                <a:schemeClr val="accent1"/>
+              </a:lnRef>
+              <a:fillRef idx="0">
+                <a:schemeClr val="accent1"/>
+              </a:fillRef>
+              <a:effectRef idx="1">
+                <a:schemeClr val="accent1"/>
+              </a:effectRef>
+              <a:fontRef idx="minor">
+                <a:schemeClr val="tx1"/>
+              </a:fontRef>
+            </p:style>
+          </p:cxnSp>
+          <p:sp>
+            <p:nvSpPr>
+              <p:cNvPr id="49" name="Rectangle 48">
+                <a:extLst>
+                  <a:ext uri="{FF2B5EF4-FFF2-40B4-BE49-F238E27FC236}">
+                    <a16:creationId xmlns:a16="http://schemas.microsoft.com/office/drawing/2014/main" id="{60BF63FD-3A8E-CAC4-755E-1C25CE465046}"/>
+                  </a:ext>
+                </a:extLst>
+              </p:cNvPr>
+              <p:cNvSpPr/>
+              <p:nvPr/>
+            </p:nvSpPr>
+            <p:spPr>
+              <a:xfrm>
+                <a:off x="2145799" y="2684192"/>
+                <a:ext cx="2784678" cy="298861"/>
+              </a:xfrm>
+              <a:prstGeom prst="rect">
+                <a:avLst/>
+              </a:prstGeom>
+              <a:noFill/>
+              <a:ln w="9525">
+                <a:noFill/>
+              </a:ln>
+            </p:spPr>
+            <p:style>
+              <a:lnRef idx="2">
+                <a:schemeClr val="accent1">
+                  <a:shade val="15000"/>
+                </a:schemeClr>
+              </a:lnRef>
+              <a:fillRef idx="1">
+                <a:schemeClr val="accent1"/>
+              </a:fillRef>
+              <a:effectRef idx="0">
+                <a:schemeClr val="accent1"/>
+              </a:effectRef>
+              <a:fontRef idx="minor">
+                <a:schemeClr val="lt1"/>
+              </a:fontRef>
+            </p:style>
+            <p:txBody>
+              <a:bodyPr rtlCol="0" anchor="ctr"/>
+              <a:lstStyle/>
+              <a:p>
+                <a:r>
+                  <a:rPr lang="en-US" sz="1000" dirty="0">
+                    <a:solidFill>
+                      <a:srgbClr val="FF0000"/>
+                    </a:solidFill>
+                    <a:latin typeface="Avenir Book" panose="02000503020000020003" pitchFamily="2" charset="0"/>
+                  </a:rPr>
+                  <a:t>GET pre-shared-random-data</a:t>
+                </a:r>
+              </a:p>
+            </p:txBody>
+          </p:sp>
+        </p:grpSp>
+      </p:grpSp>
+      <p:grpSp>
+        <p:nvGrpSpPr>
+          <p:cNvPr id="52" name="Group 51">
+            <a:extLst>
+              <a:ext uri="{FF2B5EF4-FFF2-40B4-BE49-F238E27FC236}">
+                <a16:creationId xmlns:a16="http://schemas.microsoft.com/office/drawing/2014/main" id="{274C9872-2A0F-3D2E-7ABC-D2A623D5F965}"/>
+              </a:ext>
+            </a:extLst>
+          </p:cNvPr>
+          <p:cNvGrpSpPr/>
+          <p:nvPr/>
+        </p:nvGrpSpPr>
+        <p:grpSpPr>
+          <a:xfrm flipH="1">
+            <a:off x="5341625" y="4243762"/>
+            <a:ext cx="4607274" cy="612038"/>
+            <a:chOff x="2145799" y="2684192"/>
+            <a:chExt cx="4607274" cy="612038"/>
+          </a:xfrm>
+        </p:grpSpPr>
+        <p:grpSp>
+          <p:nvGrpSpPr>
+            <p:cNvPr id="53" name="Group 52">
+              <a:extLst>
+                <a:ext uri="{FF2B5EF4-FFF2-40B4-BE49-F238E27FC236}">
+                  <a16:creationId xmlns:a16="http://schemas.microsoft.com/office/drawing/2014/main" id="{511382C1-4879-95D2-F2C2-F1AD324FF722}"/>
+                </a:ext>
+              </a:extLst>
+            </p:cNvPr>
+            <p:cNvGrpSpPr/>
+            <p:nvPr/>
+          </p:nvGrpSpPr>
+          <p:grpSpPr>
+            <a:xfrm>
+              <a:off x="2145799" y="2684192"/>
+              <a:ext cx="4607274" cy="298861"/>
+              <a:chOff x="2145799" y="2684192"/>
+              <a:chExt cx="4607274" cy="298861"/>
+            </a:xfrm>
+          </p:grpSpPr>
+          <p:cxnSp>
+            <p:nvCxnSpPr>
+              <p:cNvPr id="57" name="Straight Connector 56">
+                <a:extLst>
+                  <a:ext uri="{FF2B5EF4-FFF2-40B4-BE49-F238E27FC236}">
+                    <a16:creationId xmlns:a16="http://schemas.microsoft.com/office/drawing/2014/main" id="{7EB06316-808F-603D-1386-89EA49CB6B14}"/>
+                  </a:ext>
+                </a:extLst>
+              </p:cNvPr>
+              <p:cNvCxnSpPr>
+                <a:cxnSpLocks/>
+              </p:cNvCxnSpPr>
+              <p:nvPr/>
+            </p:nvCxnSpPr>
+            <p:spPr>
+              <a:xfrm flipH="1">
+                <a:off x="2145799" y="2934929"/>
+                <a:ext cx="4607274" cy="0"/>
+              </a:xfrm>
+              <a:prstGeom prst="line">
+                <a:avLst/>
+              </a:prstGeom>
+              <a:ln w="9525">
+                <a:solidFill>
+                  <a:srgbClr val="FF0000"/>
+                </a:solidFill>
+                <a:headEnd type="triangle"/>
+              </a:ln>
+            </p:spPr>
+            <p:style>
+              <a:lnRef idx="2">
+                <a:schemeClr val="accent1"/>
+              </a:lnRef>
+              <a:fillRef idx="0">
+                <a:schemeClr val="accent1"/>
+              </a:fillRef>
+              <a:effectRef idx="1">
+                <a:schemeClr val="accent1"/>
+              </a:effectRef>
+              <a:fontRef idx="minor">
+                <a:schemeClr val="tx1"/>
+              </a:fontRef>
+            </p:style>
+          </p:cxnSp>
+          <p:sp>
+            <p:nvSpPr>
+              <p:cNvPr id="58" name="Rectangle 57">
+                <a:extLst>
+                  <a:ext uri="{FF2B5EF4-FFF2-40B4-BE49-F238E27FC236}">
+                    <a16:creationId xmlns:a16="http://schemas.microsoft.com/office/drawing/2014/main" id="{2D396F21-9B29-2E42-1089-F4B634C22103}"/>
+                  </a:ext>
+                </a:extLst>
+              </p:cNvPr>
+              <p:cNvSpPr/>
+              <p:nvPr/>
+            </p:nvSpPr>
+            <p:spPr>
+              <a:xfrm>
+                <a:off x="2145799" y="2684192"/>
+                <a:ext cx="2784678" cy="298861"/>
+              </a:xfrm>
+              <a:prstGeom prst="rect">
+                <a:avLst/>
+              </a:prstGeom>
+              <a:noFill/>
+              <a:ln w="9525">
+                <a:noFill/>
+              </a:ln>
+            </p:spPr>
+            <p:style>
+              <a:lnRef idx="2">
+                <a:schemeClr val="accent1">
+                  <a:shade val="15000"/>
+                </a:schemeClr>
+              </a:lnRef>
+              <a:fillRef idx="1">
+                <a:schemeClr val="accent1"/>
+              </a:fillRef>
+              <a:effectRef idx="0">
+                <a:schemeClr val="accent1"/>
+              </a:effectRef>
+              <a:fontRef idx="minor">
+                <a:schemeClr val="lt1"/>
+              </a:fontRef>
+            </p:style>
+            <p:txBody>
+              <a:bodyPr rtlCol="0" anchor="ctr"/>
+              <a:lstStyle/>
+              <a:p>
+                <a:r>
+                  <a:rPr lang="en-US" sz="1000" dirty="0">
+                    <a:solidFill>
+                      <a:srgbClr val="FF0000"/>
+                    </a:solidFill>
+                    <a:latin typeface="Avenir Book" panose="02000503020000020003" pitchFamily="2" charset="0"/>
+                  </a:rPr>
+                  <a:t>PUT client-registration</a:t>
+                </a:r>
+              </a:p>
+            </p:txBody>
+          </p:sp>
+        </p:grpSp>
+        <p:grpSp>
+          <p:nvGrpSpPr>
+            <p:cNvPr id="54" name="Group 53">
+              <a:extLst>
+                <a:ext uri="{FF2B5EF4-FFF2-40B4-BE49-F238E27FC236}">
+                  <a16:creationId xmlns:a16="http://schemas.microsoft.com/office/drawing/2014/main" id="{41A69A98-1D44-171B-BF83-373AADFBD424}"/>
+                </a:ext>
+              </a:extLst>
+            </p:cNvPr>
+            <p:cNvGrpSpPr/>
+            <p:nvPr/>
+          </p:nvGrpSpPr>
+          <p:grpSpPr>
+            <a:xfrm>
+              <a:off x="2145799" y="2997369"/>
+              <a:ext cx="4607274" cy="298861"/>
+              <a:chOff x="2145799" y="2684192"/>
+              <a:chExt cx="4607274" cy="298861"/>
+            </a:xfrm>
+          </p:grpSpPr>
+          <p:cxnSp>
+            <p:nvCxnSpPr>
+              <p:cNvPr id="55" name="Straight Connector 54">
+                <a:extLst>
+                  <a:ext uri="{FF2B5EF4-FFF2-40B4-BE49-F238E27FC236}">
+                    <a16:creationId xmlns:a16="http://schemas.microsoft.com/office/drawing/2014/main" id="{127435E4-4637-76A9-0C5F-D6C9CF13C3DA}"/>
+                  </a:ext>
+                </a:extLst>
+              </p:cNvPr>
+              <p:cNvCxnSpPr>
+                <a:cxnSpLocks/>
+              </p:cNvCxnSpPr>
+              <p:nvPr/>
+            </p:nvCxnSpPr>
+            <p:spPr>
+              <a:xfrm flipH="1">
+                <a:off x="2145799" y="2934929"/>
+                <a:ext cx="4607274" cy="0"/>
+              </a:xfrm>
+              <a:prstGeom prst="line">
+                <a:avLst/>
+              </a:prstGeom>
+              <a:ln w="9525">
+                <a:solidFill>
+                  <a:srgbClr val="FF0000"/>
+                </a:solidFill>
+                <a:headEnd type="triangle"/>
+              </a:ln>
+            </p:spPr>
+            <p:style>
+              <a:lnRef idx="2">
+                <a:schemeClr val="accent1"/>
+              </a:lnRef>
+              <a:fillRef idx="0">
+                <a:schemeClr val="accent1"/>
+              </a:fillRef>
+              <a:effectRef idx="1">
+                <a:schemeClr val="accent1"/>
+              </a:effectRef>
+              <a:fontRef idx="minor">
+                <a:schemeClr val="tx1"/>
+              </a:fontRef>
+            </p:style>
+          </p:cxnSp>
+          <p:sp>
+            <p:nvSpPr>
+              <p:cNvPr id="56" name="Rectangle 55">
+                <a:extLst>
+                  <a:ext uri="{FF2B5EF4-FFF2-40B4-BE49-F238E27FC236}">
+                    <a16:creationId xmlns:a16="http://schemas.microsoft.com/office/drawing/2014/main" id="{3928276B-7CC2-C69B-F819-F4EEF1C57120}"/>
+                  </a:ext>
+                </a:extLst>
+              </p:cNvPr>
+              <p:cNvSpPr/>
+              <p:nvPr/>
+            </p:nvSpPr>
+            <p:spPr>
+              <a:xfrm>
+                <a:off x="2145799" y="2684192"/>
+                <a:ext cx="2784678" cy="298861"/>
+              </a:xfrm>
+              <a:prstGeom prst="rect">
+                <a:avLst/>
+              </a:prstGeom>
+              <a:noFill/>
+              <a:ln w="9525">
+                <a:noFill/>
+              </a:ln>
+            </p:spPr>
+            <p:style>
+              <a:lnRef idx="2">
+                <a:schemeClr val="accent1">
+                  <a:shade val="15000"/>
+                </a:schemeClr>
+              </a:lnRef>
+              <a:fillRef idx="1">
+                <a:schemeClr val="accent1"/>
+              </a:fillRef>
+              <a:effectRef idx="0">
+                <a:schemeClr val="accent1"/>
+              </a:effectRef>
+              <a:fontRef idx="minor">
+                <a:schemeClr val="lt1"/>
+              </a:fontRef>
+            </p:style>
+            <p:txBody>
+              <a:bodyPr rtlCol="0" anchor="ctr"/>
+              <a:lstStyle/>
+              <a:p>
+                <a:r>
+                  <a:rPr lang="en-US" sz="1000" dirty="0">
+                    <a:solidFill>
+                      <a:srgbClr val="FF0000"/>
+                    </a:solidFill>
+                    <a:latin typeface="Avenir Book" panose="02000503020000020003" pitchFamily="2" charset="0"/>
+                  </a:rPr>
+                  <a:t>GET pre-shared-random-data</a:t>
+                </a:r>
+              </a:p>
+            </p:txBody>
+          </p:sp>
+        </p:grpSp>
+      </p:grpSp>
     </p:spTree>
     <p:extLst>
       <p:ext uri="{BB962C8B-B14F-4D97-AF65-F5344CB8AC3E}">
         <p14:creationId xmlns:p14="http://schemas.microsoft.com/office/powerpoint/2010/main" val="2243908987"/>
+      </p:ext>
+    </p:extLst>
+  </p:cSld>
+  <p:clrMapOvr>
+    <a:masterClrMapping/>
+  </p:clrMapOvr>
+</p:sld>
+</file>
+
+<file path=ppt/slides/slide3.xml><?xml version="1.0" encoding="utf-8"?>
+<p:sld xmlns:a="http://schemas.openxmlformats.org/drawingml/2006/main" xmlns:r="http://schemas.openxmlformats.org/officeDocument/2006/relationships" xmlns:p="http://schemas.openxmlformats.org/presentationml/2006/main">
+  <p:cSld>
+    <p:spTree>
+      <p:nvGrpSpPr>
+        <p:cNvPr id="1" name="">
+          <a:extLst>
+            <a:ext uri="{FF2B5EF4-FFF2-40B4-BE49-F238E27FC236}">
+              <a16:creationId xmlns:a16="http://schemas.microsoft.com/office/drawing/2014/main" id="{F4612488-BD3A-0934-3FB7-CAD432D8B117}"/>
+            </a:ext>
+          </a:extLst>
+        </p:cNvPr>
+        <p:cNvGrpSpPr/>
+        <p:nvPr/>
+      </p:nvGrpSpPr>
+      <p:grpSpPr>
+        <a:xfrm>
+          <a:off x="0" y="0"/>
+          <a:ext cx="0" cy="0"/>
+          <a:chOff x="0" y="0"/>
+          <a:chExt cx="0" cy="0"/>
+        </a:xfrm>
+      </p:grpSpPr>
+      <p:grpSp>
+        <p:nvGrpSpPr>
+          <p:cNvPr id="13" name="Group 12">
+            <a:extLst>
+              <a:ext uri="{FF2B5EF4-FFF2-40B4-BE49-F238E27FC236}">
+                <a16:creationId xmlns:a16="http://schemas.microsoft.com/office/drawing/2014/main" id="{E7EF711E-0297-4F9E-48A7-18E4148C4D96}"/>
+              </a:ext>
+            </a:extLst>
+          </p:cNvPr>
+          <p:cNvGrpSpPr/>
+          <p:nvPr/>
+        </p:nvGrpSpPr>
+        <p:grpSpPr>
+          <a:xfrm>
+            <a:off x="8510158" y="1434512"/>
+            <a:ext cx="600778" cy="3537023"/>
+            <a:chOff x="3608757" y="1282112"/>
+            <a:chExt cx="600778" cy="3537023"/>
+          </a:xfrm>
+        </p:grpSpPr>
+        <p:sp>
+          <p:nvSpPr>
+            <p:cNvPr id="2" name="Rectangle 1">
+              <a:extLst>
+                <a:ext uri="{FF2B5EF4-FFF2-40B4-BE49-F238E27FC236}">
+                  <a16:creationId xmlns:a16="http://schemas.microsoft.com/office/drawing/2014/main" id="{429A68AC-2BE3-8165-5DF8-91BF7AC7DB92}"/>
+                </a:ext>
+              </a:extLst>
+            </p:cNvPr>
+            <p:cNvSpPr/>
+            <p:nvPr/>
+          </p:nvSpPr>
+          <p:spPr>
+            <a:xfrm>
+              <a:off x="3608757" y="1282112"/>
+              <a:ext cx="600778" cy="600778"/>
+            </a:xfrm>
+            <a:prstGeom prst="rect">
+              <a:avLst/>
+            </a:prstGeom>
+            <a:solidFill>
+              <a:schemeClr val="tx2">
+                <a:lumMod val="10000"/>
+                <a:lumOff val="90000"/>
+              </a:schemeClr>
+            </a:solidFill>
+            <a:ln w="9525"/>
+          </p:spPr>
+          <p:style>
+            <a:lnRef idx="2">
+              <a:schemeClr val="accent1">
+                <a:shade val="15000"/>
+              </a:schemeClr>
+            </a:lnRef>
+            <a:fillRef idx="1">
+              <a:schemeClr val="accent1"/>
+            </a:fillRef>
+            <a:effectRef idx="0">
+              <a:schemeClr val="accent1"/>
+            </a:effectRef>
+            <a:fontRef idx="minor">
+              <a:schemeClr val="lt1"/>
+            </a:fontRef>
+          </p:style>
+          <p:txBody>
+            <a:bodyPr rtlCol="0" anchor="ctr"/>
+            <a:lstStyle/>
+            <a:p>
+              <a:pPr algn="ctr"/>
+              <a:r>
+                <a:rPr lang="en-US" sz="1000" dirty="0">
+                  <a:solidFill>
+                    <a:schemeClr val="tx1"/>
+                  </a:solidFill>
+                  <a:latin typeface="Avenir Book" panose="02000503020000020003" pitchFamily="2" charset="0"/>
+                </a:rPr>
+                <a:t>Conny</a:t>
+              </a:r>
+            </a:p>
+          </p:txBody>
+        </p:sp>
+        <p:cxnSp>
+          <p:nvCxnSpPr>
+            <p:cNvPr id="3" name="Straight Connector 2">
+              <a:extLst>
+                <a:ext uri="{FF2B5EF4-FFF2-40B4-BE49-F238E27FC236}">
+                  <a16:creationId xmlns:a16="http://schemas.microsoft.com/office/drawing/2014/main" id="{9F686646-6167-4992-1D29-77D8607269FE}"/>
+                </a:ext>
+              </a:extLst>
+            </p:cNvPr>
+            <p:cNvCxnSpPr>
+              <a:cxnSpLocks/>
+              <a:stCxn id="2" idx="2"/>
+            </p:cNvCxnSpPr>
+            <p:nvPr/>
+          </p:nvCxnSpPr>
+          <p:spPr>
+            <a:xfrm>
+              <a:off x="3909146" y="1882890"/>
+              <a:ext cx="0" cy="2936245"/>
+            </a:xfrm>
+            <a:prstGeom prst="line">
+              <a:avLst/>
+            </a:prstGeom>
+            <a:ln w="9525">
+              <a:solidFill>
+                <a:schemeClr val="tx1"/>
+              </a:solidFill>
+            </a:ln>
+          </p:spPr>
+          <p:style>
+            <a:lnRef idx="2">
+              <a:schemeClr val="accent1"/>
+            </a:lnRef>
+            <a:fillRef idx="0">
+              <a:schemeClr val="accent1"/>
+            </a:fillRef>
+            <a:effectRef idx="1">
+              <a:schemeClr val="accent1"/>
+            </a:effectRef>
+            <a:fontRef idx="minor">
+              <a:schemeClr val="tx1"/>
+            </a:fontRef>
+          </p:style>
+        </p:cxnSp>
+      </p:grpSp>
+      <p:grpSp>
+        <p:nvGrpSpPr>
+          <p:cNvPr id="14" name="Group 13">
+            <a:extLst>
+              <a:ext uri="{FF2B5EF4-FFF2-40B4-BE49-F238E27FC236}">
+                <a16:creationId xmlns:a16="http://schemas.microsoft.com/office/drawing/2014/main" id="{35DD520D-BC11-13C9-083E-D310BA03708B}"/>
+              </a:ext>
+            </a:extLst>
+          </p:cNvPr>
+          <p:cNvGrpSpPr/>
+          <p:nvPr/>
+        </p:nvGrpSpPr>
+        <p:grpSpPr>
+          <a:xfrm>
+            <a:off x="2992741" y="1434512"/>
+            <a:ext cx="600778" cy="3537023"/>
+            <a:chOff x="3608757" y="1282112"/>
+            <a:chExt cx="600778" cy="3537023"/>
+          </a:xfrm>
+        </p:grpSpPr>
+        <p:sp>
+          <p:nvSpPr>
+            <p:cNvPr id="15" name="Rectangle 14">
+              <a:extLst>
+                <a:ext uri="{FF2B5EF4-FFF2-40B4-BE49-F238E27FC236}">
+                  <a16:creationId xmlns:a16="http://schemas.microsoft.com/office/drawing/2014/main" id="{B92C6239-B889-9882-3728-BA3AA1D26B43}"/>
+                </a:ext>
+              </a:extLst>
+            </p:cNvPr>
+            <p:cNvSpPr/>
+            <p:nvPr/>
+          </p:nvSpPr>
+          <p:spPr>
+            <a:xfrm>
+              <a:off x="3608757" y="1282112"/>
+              <a:ext cx="600778" cy="600778"/>
+            </a:xfrm>
+            <a:prstGeom prst="rect">
+              <a:avLst/>
+            </a:prstGeom>
+            <a:solidFill>
+              <a:schemeClr val="tx2">
+                <a:lumMod val="10000"/>
+                <a:lumOff val="90000"/>
+              </a:schemeClr>
+            </a:solidFill>
+            <a:ln w="9525"/>
+          </p:spPr>
+          <p:style>
+            <a:lnRef idx="2">
+              <a:schemeClr val="accent1">
+                <a:shade val="15000"/>
+              </a:schemeClr>
+            </a:lnRef>
+            <a:fillRef idx="1">
+              <a:schemeClr val="accent1"/>
+            </a:fillRef>
+            <a:effectRef idx="0">
+              <a:schemeClr val="accent1"/>
+            </a:effectRef>
+            <a:fontRef idx="minor">
+              <a:schemeClr val="lt1"/>
+            </a:fontRef>
+          </p:style>
+          <p:txBody>
+            <a:bodyPr rtlCol="0" anchor="ctr"/>
+            <a:lstStyle/>
+            <a:p>
+              <a:pPr algn="ctr"/>
+              <a:r>
+                <a:rPr lang="en-US" sz="1000" dirty="0">
+                  <a:solidFill>
+                    <a:schemeClr val="tx1"/>
+                  </a:solidFill>
+                  <a:latin typeface="Avenir Book" panose="02000503020000020003" pitchFamily="2" charset="0"/>
+                </a:rPr>
+                <a:t>Carol</a:t>
+              </a:r>
+            </a:p>
+          </p:txBody>
+        </p:sp>
+        <p:cxnSp>
+          <p:nvCxnSpPr>
+            <p:cNvPr id="16" name="Straight Connector 15">
+              <a:extLst>
+                <a:ext uri="{FF2B5EF4-FFF2-40B4-BE49-F238E27FC236}">
+                  <a16:creationId xmlns:a16="http://schemas.microsoft.com/office/drawing/2014/main" id="{723F08AE-809E-C032-D548-E3CA535D39A5}"/>
+                </a:ext>
+              </a:extLst>
+            </p:cNvPr>
+            <p:cNvCxnSpPr>
+              <a:cxnSpLocks/>
+              <a:stCxn id="15" idx="2"/>
+            </p:cNvCxnSpPr>
+            <p:nvPr/>
+          </p:nvCxnSpPr>
+          <p:spPr>
+            <a:xfrm>
+              <a:off x="3909146" y="1882890"/>
+              <a:ext cx="0" cy="2936245"/>
+            </a:xfrm>
+            <a:prstGeom prst="line">
+              <a:avLst/>
+            </a:prstGeom>
+            <a:ln w="9525">
+              <a:solidFill>
+                <a:schemeClr val="tx1"/>
+              </a:solidFill>
+            </a:ln>
+          </p:spPr>
+          <p:style>
+            <a:lnRef idx="2">
+              <a:schemeClr val="accent1"/>
+            </a:lnRef>
+            <a:fillRef idx="0">
+              <a:schemeClr val="accent1"/>
+            </a:fillRef>
+            <a:effectRef idx="1">
+              <a:schemeClr val="accent1"/>
+            </a:effectRef>
+            <a:fontRef idx="minor">
+              <a:schemeClr val="tx1"/>
+            </a:fontRef>
+          </p:style>
+        </p:cxnSp>
+      </p:grpSp>
+      <p:grpSp>
+        <p:nvGrpSpPr>
+          <p:cNvPr id="20" name="Group 19">
+            <a:extLst>
+              <a:ext uri="{FF2B5EF4-FFF2-40B4-BE49-F238E27FC236}">
+                <a16:creationId xmlns:a16="http://schemas.microsoft.com/office/drawing/2014/main" id="{048FE7B4-3B4B-0BFB-672A-04364DE09667}"/>
+              </a:ext>
+            </a:extLst>
+          </p:cNvPr>
+          <p:cNvGrpSpPr/>
+          <p:nvPr/>
+        </p:nvGrpSpPr>
+        <p:grpSpPr>
+          <a:xfrm>
+            <a:off x="5041237" y="1434512"/>
+            <a:ext cx="600777" cy="3537023"/>
+            <a:chOff x="4840314" y="1500414"/>
+            <a:chExt cx="600777" cy="3537023"/>
+          </a:xfrm>
+        </p:grpSpPr>
+        <p:sp>
+          <p:nvSpPr>
+            <p:cNvPr id="17" name="Oval 16">
+              <a:extLst>
+                <a:ext uri="{FF2B5EF4-FFF2-40B4-BE49-F238E27FC236}">
+                  <a16:creationId xmlns:a16="http://schemas.microsoft.com/office/drawing/2014/main" id="{6153BA0C-1699-9304-C16C-71BE54A7C4D9}"/>
+                </a:ext>
+              </a:extLst>
+            </p:cNvPr>
+            <p:cNvSpPr/>
+            <p:nvPr/>
+          </p:nvSpPr>
+          <p:spPr>
+            <a:xfrm>
+              <a:off x="4840314" y="1500414"/>
+              <a:ext cx="600777" cy="600778"/>
+            </a:xfrm>
+            <a:prstGeom prst="ellipse">
+              <a:avLst/>
+            </a:prstGeom>
+            <a:solidFill>
+              <a:schemeClr val="tx2">
+                <a:lumMod val="10000"/>
+                <a:lumOff val="90000"/>
+              </a:schemeClr>
+            </a:solidFill>
+            <a:ln w="6350"/>
+          </p:spPr>
+          <p:style>
+            <a:lnRef idx="2">
+              <a:schemeClr val="accent1">
+                <a:shade val="15000"/>
+              </a:schemeClr>
+            </a:lnRef>
+            <a:fillRef idx="1">
+              <a:schemeClr val="accent1"/>
+            </a:fillRef>
+            <a:effectRef idx="0">
+              <a:schemeClr val="accent1"/>
+            </a:effectRef>
+            <a:fontRef idx="minor">
+              <a:schemeClr val="lt1"/>
+            </a:fontRef>
+          </p:style>
+          <p:txBody>
+            <a:bodyPr lIns="0" tIns="0" rIns="0" bIns="0" rtlCol="0" anchor="ctr"/>
+            <a:lstStyle/>
+            <a:p>
+              <a:pPr algn="ctr"/>
+              <a:r>
+                <a:rPr lang="en-US" sz="1000" dirty="0">
+                  <a:solidFill>
+                    <a:schemeClr val="tx1"/>
+                  </a:solidFill>
+                  <a:latin typeface="AVENIR LIGHT OBLIQUE" panose="020B0402020203090204" pitchFamily="34" charset="77"/>
+                </a:rPr>
+                <a:t>Hank</a:t>
+              </a:r>
+            </a:p>
+          </p:txBody>
+        </p:sp>
+        <p:cxnSp>
+          <p:nvCxnSpPr>
+            <p:cNvPr id="18" name="Straight Connector 17">
+              <a:extLst>
+                <a:ext uri="{FF2B5EF4-FFF2-40B4-BE49-F238E27FC236}">
+                  <a16:creationId xmlns:a16="http://schemas.microsoft.com/office/drawing/2014/main" id="{0CC99823-5A86-F169-19FA-970A7C80AC95}"/>
+                </a:ext>
+              </a:extLst>
+            </p:cNvPr>
+            <p:cNvCxnSpPr>
+              <a:cxnSpLocks/>
+              <a:stCxn id="17" idx="4"/>
+            </p:cNvCxnSpPr>
+            <p:nvPr/>
+          </p:nvCxnSpPr>
+          <p:spPr>
+            <a:xfrm>
+              <a:off x="5140703" y="2101192"/>
+              <a:ext cx="4410" cy="2936245"/>
+            </a:xfrm>
+            <a:prstGeom prst="line">
+              <a:avLst/>
+            </a:prstGeom>
+            <a:ln w="9525">
+              <a:solidFill>
+                <a:schemeClr val="tx1"/>
+              </a:solidFill>
+            </a:ln>
+          </p:spPr>
+          <p:style>
+            <a:lnRef idx="2">
+              <a:schemeClr val="accent1"/>
+            </a:lnRef>
+            <a:fillRef idx="0">
+              <a:schemeClr val="accent1"/>
+            </a:fillRef>
+            <a:effectRef idx="1">
+              <a:schemeClr val="accent1"/>
+            </a:effectRef>
+            <a:fontRef idx="minor">
+              <a:schemeClr val="tx1"/>
+            </a:fontRef>
+          </p:style>
+        </p:cxnSp>
+      </p:grpSp>
+      <p:grpSp>
+        <p:nvGrpSpPr>
+          <p:cNvPr id="21" name="Group 20">
+            <a:extLst>
+              <a:ext uri="{FF2B5EF4-FFF2-40B4-BE49-F238E27FC236}">
+                <a16:creationId xmlns:a16="http://schemas.microsoft.com/office/drawing/2014/main" id="{9A27BF8A-DA36-7628-B1D4-A4F9DA31A7C2}"/>
+              </a:ext>
+            </a:extLst>
+          </p:cNvPr>
+          <p:cNvGrpSpPr/>
+          <p:nvPr/>
+        </p:nvGrpSpPr>
+        <p:grpSpPr>
+          <a:xfrm>
+            <a:off x="6452685" y="1434512"/>
+            <a:ext cx="600777" cy="3537023"/>
+            <a:chOff x="4840314" y="1500414"/>
+            <a:chExt cx="600777" cy="3537023"/>
+          </a:xfrm>
+        </p:grpSpPr>
+        <p:sp>
+          <p:nvSpPr>
+            <p:cNvPr id="22" name="Oval 21">
+              <a:extLst>
+                <a:ext uri="{FF2B5EF4-FFF2-40B4-BE49-F238E27FC236}">
+                  <a16:creationId xmlns:a16="http://schemas.microsoft.com/office/drawing/2014/main" id="{5EC12F80-7B6F-4C76-1071-421B8522C1C1}"/>
+                </a:ext>
+              </a:extLst>
+            </p:cNvPr>
+            <p:cNvSpPr/>
+            <p:nvPr/>
+          </p:nvSpPr>
+          <p:spPr>
+            <a:xfrm>
+              <a:off x="4840314" y="1500414"/>
+              <a:ext cx="600777" cy="600778"/>
+            </a:xfrm>
+            <a:prstGeom prst="ellipse">
+              <a:avLst/>
+            </a:prstGeom>
+            <a:solidFill>
+              <a:schemeClr val="tx2">
+                <a:lumMod val="10000"/>
+                <a:lumOff val="90000"/>
+              </a:schemeClr>
+            </a:solidFill>
+            <a:ln w="6350"/>
+          </p:spPr>
+          <p:style>
+            <a:lnRef idx="2">
+              <a:schemeClr val="accent1">
+                <a:shade val="15000"/>
+              </a:schemeClr>
+            </a:lnRef>
+            <a:fillRef idx="1">
+              <a:schemeClr val="accent1"/>
+            </a:fillRef>
+            <a:effectRef idx="0">
+              <a:schemeClr val="accent1"/>
+            </a:effectRef>
+            <a:fontRef idx="minor">
+              <a:schemeClr val="lt1"/>
+            </a:fontRef>
+          </p:style>
+          <p:txBody>
+            <a:bodyPr lIns="0" tIns="0" rIns="0" bIns="0" rtlCol="0" anchor="ctr"/>
+            <a:lstStyle/>
+            <a:p>
+              <a:pPr algn="ctr"/>
+              <a:r>
+                <a:rPr lang="en-US" sz="1000" dirty="0">
+                  <a:solidFill>
+                    <a:schemeClr val="tx1"/>
+                  </a:solidFill>
+                  <a:latin typeface="AVENIR LIGHT OBLIQUE" panose="020B0402020203090204" pitchFamily="34" charset="77"/>
+                </a:rPr>
+                <a:t>Holly</a:t>
+              </a:r>
+            </a:p>
+          </p:txBody>
+        </p:sp>
+        <p:cxnSp>
+          <p:nvCxnSpPr>
+            <p:cNvPr id="23" name="Straight Connector 22">
+              <a:extLst>
+                <a:ext uri="{FF2B5EF4-FFF2-40B4-BE49-F238E27FC236}">
+                  <a16:creationId xmlns:a16="http://schemas.microsoft.com/office/drawing/2014/main" id="{CA9C7910-E0AB-4993-516B-B8E1D3D4A3CF}"/>
+                </a:ext>
+              </a:extLst>
+            </p:cNvPr>
+            <p:cNvCxnSpPr>
+              <a:cxnSpLocks/>
+              <a:stCxn id="22" idx="4"/>
+            </p:cNvCxnSpPr>
+            <p:nvPr/>
+          </p:nvCxnSpPr>
+          <p:spPr>
+            <a:xfrm>
+              <a:off x="5140703" y="2101192"/>
+              <a:ext cx="4410" cy="2936245"/>
+            </a:xfrm>
+            <a:prstGeom prst="line">
+              <a:avLst/>
+            </a:prstGeom>
+            <a:ln w="9525">
+              <a:solidFill>
+                <a:schemeClr val="tx1"/>
+              </a:solidFill>
+            </a:ln>
+          </p:spPr>
+          <p:style>
+            <a:lnRef idx="2">
+              <a:schemeClr val="accent1"/>
+            </a:lnRef>
+            <a:fillRef idx="0">
+              <a:schemeClr val="accent1"/>
+            </a:fillRef>
+            <a:effectRef idx="1">
+              <a:schemeClr val="accent1"/>
+            </a:effectRef>
+            <a:fontRef idx="minor">
+              <a:schemeClr val="tx1"/>
+            </a:fontRef>
+          </p:style>
+        </p:cxnSp>
+      </p:grpSp>
+      <p:sp>
+        <p:nvSpPr>
+          <p:cNvPr id="24" name="Rectangle 23">
+            <a:extLst>
+              <a:ext uri="{FF2B5EF4-FFF2-40B4-BE49-F238E27FC236}">
+                <a16:creationId xmlns:a16="http://schemas.microsoft.com/office/drawing/2014/main" id="{46921A29-58B5-7398-6A3E-78FCA4CE9A42}"/>
+              </a:ext>
+            </a:extLst>
+          </p:cNvPr>
+          <p:cNvSpPr/>
+          <p:nvPr/>
+        </p:nvSpPr>
+        <p:spPr>
+          <a:xfrm>
+            <a:off x="575426" y="1027238"/>
+            <a:ext cx="11045074" cy="4396250"/>
+          </a:xfrm>
+          <a:prstGeom prst="rect">
+            <a:avLst/>
+          </a:prstGeom>
+          <a:noFill/>
+          <a:ln w="9525">
+            <a:solidFill>
+              <a:schemeClr val="bg1">
+                <a:lumMod val="65000"/>
+              </a:schemeClr>
+            </a:solidFill>
+          </a:ln>
+        </p:spPr>
+        <p:style>
+          <a:lnRef idx="2">
+            <a:schemeClr val="accent1">
+              <a:shade val="15000"/>
+            </a:schemeClr>
+          </a:lnRef>
+          <a:fillRef idx="1">
+            <a:schemeClr val="accent1"/>
+          </a:fillRef>
+          <a:effectRef idx="0">
+            <a:schemeClr val="accent1"/>
+          </a:effectRef>
+          <a:fontRef idx="minor">
+            <a:schemeClr val="lt1"/>
+          </a:fontRef>
+        </p:style>
+        <p:txBody>
+          <a:bodyPr rtlCol="0" anchor="ctr"/>
+          <a:lstStyle/>
+          <a:p>
+            <a:pPr algn="ctr"/>
+            <a:endParaRPr lang="en-US" sz="1000" dirty="0">
+              <a:solidFill>
+                <a:schemeClr val="tx1"/>
+              </a:solidFill>
+              <a:latin typeface="Avenir Book" panose="02000503020000020003" pitchFamily="2" charset="0"/>
+            </a:endParaRPr>
+          </a:p>
+        </p:txBody>
+      </p:sp>
+      <p:sp>
+        <p:nvSpPr>
+          <p:cNvPr id="25" name="Rectangle 24">
+            <a:extLst>
+              <a:ext uri="{FF2B5EF4-FFF2-40B4-BE49-F238E27FC236}">
+                <a16:creationId xmlns:a16="http://schemas.microsoft.com/office/drawing/2014/main" id="{61FA4103-79E9-0B1D-8B6B-F0F0C8B01950}"/>
+              </a:ext>
+            </a:extLst>
+          </p:cNvPr>
+          <p:cNvSpPr/>
+          <p:nvPr/>
+        </p:nvSpPr>
+        <p:spPr>
+          <a:xfrm>
+            <a:off x="5462324" y="1301780"/>
+            <a:ext cx="1203948" cy="600778"/>
+          </a:xfrm>
+          <a:prstGeom prst="rect">
+            <a:avLst/>
+          </a:prstGeom>
+          <a:noFill/>
+          <a:ln w="9525">
+            <a:noFill/>
+          </a:ln>
+        </p:spPr>
+        <p:style>
+          <a:lnRef idx="2">
+            <a:schemeClr val="accent1">
+              <a:shade val="15000"/>
+            </a:schemeClr>
+          </a:lnRef>
+          <a:fillRef idx="1">
+            <a:schemeClr val="accent1"/>
+          </a:fillRef>
+          <a:effectRef idx="0">
+            <a:schemeClr val="accent1"/>
+          </a:effectRef>
+          <a:fontRef idx="minor">
+            <a:schemeClr val="lt1"/>
+          </a:fontRef>
+        </p:style>
+        <p:txBody>
+          <a:bodyPr rtlCol="0" anchor="ctr"/>
+          <a:lstStyle/>
+          <a:p>
+            <a:pPr algn="ctr"/>
+            <a:r>
+              <a:rPr lang="en-US" sz="4000" dirty="0">
+                <a:solidFill>
+                  <a:schemeClr val="tx1"/>
+                </a:solidFill>
+                <a:latin typeface="Avenir Book" panose="02000503020000020003" pitchFamily="2" charset="0"/>
+              </a:rPr>
+              <a:t>...</a:t>
+            </a:r>
+          </a:p>
+        </p:txBody>
+      </p:sp>
+      <p:grpSp>
+        <p:nvGrpSpPr>
+          <p:cNvPr id="26" name="Group 25">
+            <a:extLst>
+              <a:ext uri="{FF2B5EF4-FFF2-40B4-BE49-F238E27FC236}">
+                <a16:creationId xmlns:a16="http://schemas.microsoft.com/office/drawing/2014/main" id="{A1F24D39-EEA4-53CC-3F72-2A47F83B40EC}"/>
+              </a:ext>
+            </a:extLst>
+          </p:cNvPr>
+          <p:cNvGrpSpPr/>
+          <p:nvPr/>
+        </p:nvGrpSpPr>
+        <p:grpSpPr>
+          <a:xfrm>
+            <a:off x="911322" y="1411212"/>
+            <a:ext cx="624076" cy="3560323"/>
+            <a:chOff x="911322" y="1411212"/>
+            <a:chExt cx="624076" cy="3560323"/>
+          </a:xfrm>
+        </p:grpSpPr>
+        <p:sp>
+          <p:nvSpPr>
+            <p:cNvPr id="4" name="Regular Pentagon 3">
+              <a:extLst>
+                <a:ext uri="{FF2B5EF4-FFF2-40B4-BE49-F238E27FC236}">
+                  <a16:creationId xmlns:a16="http://schemas.microsoft.com/office/drawing/2014/main" id="{C223F1F4-E632-DC29-2EAD-3100152D3F31}"/>
+                </a:ext>
+              </a:extLst>
+            </p:cNvPr>
+            <p:cNvSpPr/>
+            <p:nvPr/>
+          </p:nvSpPr>
+          <p:spPr>
+            <a:xfrm>
+              <a:off x="911322" y="1411212"/>
+              <a:ext cx="624076" cy="624078"/>
+            </a:xfrm>
+            <a:prstGeom prst="pentagon">
+              <a:avLst/>
+            </a:prstGeom>
+            <a:solidFill>
+              <a:schemeClr val="accent6">
+                <a:lumMod val="20000"/>
+                <a:lumOff val="80000"/>
+              </a:schemeClr>
+            </a:solidFill>
+            <a:ln w="9525">
+              <a:solidFill>
+                <a:schemeClr val="tx1"/>
+              </a:solidFill>
+            </a:ln>
+          </p:spPr>
+          <p:style>
+            <a:lnRef idx="2">
+              <a:schemeClr val="accent1">
+                <a:shade val="15000"/>
+              </a:schemeClr>
+            </a:lnRef>
+            <a:fillRef idx="1">
+              <a:schemeClr val="accent1"/>
+            </a:fillRef>
+            <a:effectRef idx="0">
+              <a:schemeClr val="accent1"/>
+            </a:effectRef>
+            <a:fontRef idx="minor">
+              <a:schemeClr val="lt1"/>
+            </a:fontRef>
+          </p:style>
+          <p:txBody>
+            <a:bodyPr lIns="0" tIns="0" rIns="0" bIns="0" rtlCol="0" anchor="ctr"/>
+            <a:lstStyle/>
+            <a:p>
+              <a:pPr algn="ctr"/>
+              <a:r>
+                <a:rPr lang="en-US" sz="1000" dirty="0">
+                  <a:solidFill>
+                    <a:schemeClr val="tx1"/>
+                  </a:solidFill>
+                  <a:latin typeface="Avenir Book" panose="02000503020000020003" pitchFamily="2" charset="0"/>
+                </a:rPr>
+                <a:t>Patrick</a:t>
+              </a:r>
+            </a:p>
+          </p:txBody>
+        </p:sp>
+        <p:cxnSp>
+          <p:nvCxnSpPr>
+            <p:cNvPr id="9" name="Straight Connector 8">
+              <a:extLst>
+                <a:ext uri="{FF2B5EF4-FFF2-40B4-BE49-F238E27FC236}">
+                  <a16:creationId xmlns:a16="http://schemas.microsoft.com/office/drawing/2014/main" id="{2D67388C-EB4E-E7EA-AA48-DA18FE69C20D}"/>
+                </a:ext>
+              </a:extLst>
+            </p:cNvPr>
+            <p:cNvCxnSpPr>
+              <a:cxnSpLocks/>
+              <a:stCxn id="4" idx="3"/>
+            </p:cNvCxnSpPr>
+            <p:nvPr/>
+          </p:nvCxnSpPr>
+          <p:spPr>
+            <a:xfrm>
+              <a:off x="1223360" y="2035290"/>
+              <a:ext cx="0" cy="2936245"/>
+            </a:xfrm>
+            <a:prstGeom prst="line">
+              <a:avLst/>
+            </a:prstGeom>
+            <a:ln w="9525">
+              <a:solidFill>
+                <a:schemeClr val="tx1"/>
+              </a:solidFill>
+            </a:ln>
+          </p:spPr>
+          <p:style>
+            <a:lnRef idx="2">
+              <a:schemeClr val="accent1"/>
+            </a:lnRef>
+            <a:fillRef idx="0">
+              <a:schemeClr val="accent1"/>
+            </a:fillRef>
+            <a:effectRef idx="1">
+              <a:schemeClr val="accent1"/>
+            </a:effectRef>
+            <a:fontRef idx="minor">
+              <a:schemeClr val="tx1"/>
+            </a:fontRef>
+          </p:style>
+        </p:cxnSp>
+      </p:grpSp>
+      <p:grpSp>
+        <p:nvGrpSpPr>
+          <p:cNvPr id="28" name="Group 27">
+            <a:extLst>
+              <a:ext uri="{FF2B5EF4-FFF2-40B4-BE49-F238E27FC236}">
+                <a16:creationId xmlns:a16="http://schemas.microsoft.com/office/drawing/2014/main" id="{A736EB56-BD6C-9F79-8F11-846615AE129B}"/>
+              </a:ext>
+            </a:extLst>
+          </p:cNvPr>
+          <p:cNvGrpSpPr/>
+          <p:nvPr/>
+        </p:nvGrpSpPr>
+        <p:grpSpPr>
+          <a:xfrm>
+            <a:off x="10567632" y="1411212"/>
+            <a:ext cx="624076" cy="3560323"/>
+            <a:chOff x="911322" y="1411212"/>
+            <a:chExt cx="624076" cy="3560323"/>
+          </a:xfrm>
+        </p:grpSpPr>
+        <p:sp>
+          <p:nvSpPr>
+            <p:cNvPr id="29" name="Regular Pentagon 28">
+              <a:extLst>
+                <a:ext uri="{FF2B5EF4-FFF2-40B4-BE49-F238E27FC236}">
+                  <a16:creationId xmlns:a16="http://schemas.microsoft.com/office/drawing/2014/main" id="{D7AB490C-8238-0760-C2CA-8D6642DC5189}"/>
+                </a:ext>
+              </a:extLst>
+            </p:cNvPr>
+            <p:cNvSpPr/>
+            <p:nvPr/>
+          </p:nvSpPr>
+          <p:spPr>
+            <a:xfrm>
+              <a:off x="911322" y="1411212"/>
+              <a:ext cx="624076" cy="624078"/>
+            </a:xfrm>
+            <a:prstGeom prst="pentagon">
+              <a:avLst/>
+            </a:prstGeom>
+            <a:solidFill>
+              <a:schemeClr val="accent6">
+                <a:lumMod val="20000"/>
+                <a:lumOff val="80000"/>
+              </a:schemeClr>
+            </a:solidFill>
+            <a:ln w="9525">
+              <a:solidFill>
+                <a:schemeClr val="tx1"/>
+              </a:solidFill>
+            </a:ln>
+          </p:spPr>
+          <p:style>
+            <a:lnRef idx="2">
+              <a:schemeClr val="accent1">
+                <a:shade val="15000"/>
+              </a:schemeClr>
+            </a:lnRef>
+            <a:fillRef idx="1">
+              <a:schemeClr val="accent1"/>
+            </a:fillRef>
+            <a:effectRef idx="0">
+              <a:schemeClr val="accent1"/>
+            </a:effectRef>
+            <a:fontRef idx="minor">
+              <a:schemeClr val="lt1"/>
+            </a:fontRef>
+          </p:style>
+          <p:txBody>
+            <a:bodyPr lIns="0" tIns="0" rIns="0" bIns="0" rtlCol="0" anchor="ctr"/>
+            <a:lstStyle/>
+            <a:p>
+              <a:pPr algn="ctr"/>
+              <a:r>
+                <a:rPr lang="en-US" sz="1000" dirty="0">
+                  <a:solidFill>
+                    <a:schemeClr val="tx1"/>
+                  </a:solidFill>
+                  <a:latin typeface="Avenir Book" panose="02000503020000020003" pitchFamily="2" charset="0"/>
+                </a:rPr>
+                <a:t>Patrick</a:t>
+              </a:r>
+            </a:p>
+          </p:txBody>
+        </p:sp>
+        <p:cxnSp>
+          <p:nvCxnSpPr>
+            <p:cNvPr id="43" name="Straight Connector 42">
+              <a:extLst>
+                <a:ext uri="{FF2B5EF4-FFF2-40B4-BE49-F238E27FC236}">
+                  <a16:creationId xmlns:a16="http://schemas.microsoft.com/office/drawing/2014/main" id="{3A47B77B-B9C7-9F86-3A25-9DDEE50FABBE}"/>
+                </a:ext>
+              </a:extLst>
+            </p:cNvPr>
+            <p:cNvCxnSpPr>
+              <a:cxnSpLocks/>
+              <a:stCxn id="29" idx="3"/>
+            </p:cNvCxnSpPr>
+            <p:nvPr/>
+          </p:nvCxnSpPr>
+          <p:spPr>
+            <a:xfrm>
+              <a:off x="1223360" y="2035290"/>
+              <a:ext cx="0" cy="2936245"/>
+            </a:xfrm>
+            <a:prstGeom prst="line">
+              <a:avLst/>
+            </a:prstGeom>
+            <a:ln w="9525">
+              <a:solidFill>
+                <a:schemeClr val="tx1"/>
+              </a:solidFill>
+            </a:ln>
+          </p:spPr>
+          <p:style>
+            <a:lnRef idx="2">
+              <a:schemeClr val="accent1"/>
+            </a:lnRef>
+            <a:fillRef idx="0">
+              <a:schemeClr val="accent1"/>
+            </a:fillRef>
+            <a:effectRef idx="1">
+              <a:schemeClr val="accent1"/>
+            </a:effectRef>
+            <a:fontRef idx="minor">
+              <a:schemeClr val="tx1"/>
+            </a:fontRef>
+          </p:style>
+        </p:cxnSp>
+      </p:grpSp>
+      <p:grpSp>
+        <p:nvGrpSpPr>
+          <p:cNvPr id="92" name="Group 91">
+            <a:extLst>
+              <a:ext uri="{FF2B5EF4-FFF2-40B4-BE49-F238E27FC236}">
+                <a16:creationId xmlns:a16="http://schemas.microsoft.com/office/drawing/2014/main" id="{F8548963-714B-AA39-724F-7517FE20440D}"/>
+              </a:ext>
+            </a:extLst>
+          </p:cNvPr>
+          <p:cNvGrpSpPr/>
+          <p:nvPr/>
+        </p:nvGrpSpPr>
+        <p:grpSpPr>
+          <a:xfrm>
+            <a:off x="1217284" y="2098130"/>
+            <a:ext cx="5535789" cy="894811"/>
+            <a:chOff x="1217284" y="2047330"/>
+            <a:chExt cx="5535789" cy="894811"/>
+          </a:xfrm>
+        </p:grpSpPr>
+        <p:grpSp>
+          <p:nvGrpSpPr>
+            <p:cNvPr id="62" name="Group 61">
+              <a:extLst>
+                <a:ext uri="{FF2B5EF4-FFF2-40B4-BE49-F238E27FC236}">
+                  <a16:creationId xmlns:a16="http://schemas.microsoft.com/office/drawing/2014/main" id="{FBDDC775-6BB0-7841-27E6-4318EE492888}"/>
+                </a:ext>
+              </a:extLst>
+            </p:cNvPr>
+            <p:cNvGrpSpPr/>
+            <p:nvPr/>
+          </p:nvGrpSpPr>
+          <p:grpSpPr>
+            <a:xfrm>
+              <a:off x="1223360" y="2047330"/>
+              <a:ext cx="2013616" cy="298861"/>
+              <a:chOff x="2145799" y="2684192"/>
+              <a:chExt cx="3115997" cy="298861"/>
+            </a:xfrm>
+          </p:grpSpPr>
+          <p:cxnSp>
+            <p:nvCxnSpPr>
+              <p:cNvPr id="66" name="Straight Connector 65">
+                <a:extLst>
+                  <a:ext uri="{FF2B5EF4-FFF2-40B4-BE49-F238E27FC236}">
+                    <a16:creationId xmlns:a16="http://schemas.microsoft.com/office/drawing/2014/main" id="{3461BD3E-CD27-4531-5BF0-C2D8ED723FFF}"/>
+                  </a:ext>
+                </a:extLst>
+              </p:cNvPr>
+              <p:cNvCxnSpPr>
+                <a:cxnSpLocks/>
+              </p:cNvCxnSpPr>
+              <p:nvPr/>
+            </p:nvCxnSpPr>
+            <p:spPr>
+              <a:xfrm flipH="1">
+                <a:off x="2145799" y="2934929"/>
+                <a:ext cx="3115997" cy="0"/>
+              </a:xfrm>
+              <a:prstGeom prst="line">
+                <a:avLst/>
+              </a:prstGeom>
+              <a:ln w="9525">
+                <a:solidFill>
+                  <a:srgbClr val="FF0000"/>
+                </a:solidFill>
+                <a:headEnd type="triangle"/>
+              </a:ln>
+            </p:spPr>
+            <p:style>
+              <a:lnRef idx="2">
+                <a:schemeClr val="accent1"/>
+              </a:lnRef>
+              <a:fillRef idx="0">
+                <a:schemeClr val="accent1"/>
+              </a:fillRef>
+              <a:effectRef idx="1">
+                <a:schemeClr val="accent1"/>
+              </a:effectRef>
+              <a:fontRef idx="minor">
+                <a:schemeClr val="tx1"/>
+              </a:fontRef>
+            </p:style>
+          </p:cxnSp>
+          <p:sp>
+            <p:nvSpPr>
+              <p:cNvPr id="67" name="Rectangle 66">
+                <a:extLst>
+                  <a:ext uri="{FF2B5EF4-FFF2-40B4-BE49-F238E27FC236}">
+                    <a16:creationId xmlns:a16="http://schemas.microsoft.com/office/drawing/2014/main" id="{0079B1DA-0B2B-3B76-1605-4014C252EDC0}"/>
+                  </a:ext>
+                </a:extLst>
+              </p:cNvPr>
+              <p:cNvSpPr/>
+              <p:nvPr/>
+            </p:nvSpPr>
+            <p:spPr>
+              <a:xfrm>
+                <a:off x="2145799" y="2684192"/>
+                <a:ext cx="2784678" cy="298861"/>
+              </a:xfrm>
+              <a:prstGeom prst="rect">
+                <a:avLst/>
+              </a:prstGeom>
+              <a:noFill/>
+              <a:ln w="9525">
+                <a:noFill/>
+              </a:ln>
+            </p:spPr>
+            <p:style>
+              <a:lnRef idx="2">
+                <a:schemeClr val="accent1">
+                  <a:shade val="15000"/>
+                </a:schemeClr>
+              </a:lnRef>
+              <a:fillRef idx="1">
+                <a:schemeClr val="accent1"/>
+              </a:fillRef>
+              <a:effectRef idx="0">
+                <a:schemeClr val="accent1"/>
+              </a:effectRef>
+              <a:fontRef idx="minor">
+                <a:schemeClr val="lt1"/>
+              </a:fontRef>
+            </p:style>
+            <p:txBody>
+              <a:bodyPr rtlCol="0" anchor="ctr"/>
+              <a:lstStyle/>
+              <a:p>
+                <a:r>
+                  <a:rPr lang="en-US" sz="1000" dirty="0">
+                    <a:solidFill>
+                      <a:srgbClr val="FF0000"/>
+                    </a:solidFill>
+                    <a:latin typeface="Avenir Book" panose="02000503020000020003" pitchFamily="2" charset="0"/>
+                  </a:rPr>
+                  <a:t>GET key</a:t>
+                </a:r>
+              </a:p>
+            </p:txBody>
+          </p:sp>
+        </p:grpSp>
+        <p:cxnSp>
+          <p:nvCxnSpPr>
+            <p:cNvPr id="71" name="Straight Connector 70">
+              <a:extLst>
+                <a:ext uri="{FF2B5EF4-FFF2-40B4-BE49-F238E27FC236}">
+                  <a16:creationId xmlns:a16="http://schemas.microsoft.com/office/drawing/2014/main" id="{D09FBAE0-6937-C0B9-90FB-31AAE0A6D6C5}"/>
+                </a:ext>
+              </a:extLst>
+            </p:cNvPr>
+            <p:cNvCxnSpPr>
+              <a:cxnSpLocks/>
+            </p:cNvCxnSpPr>
+            <p:nvPr/>
+          </p:nvCxnSpPr>
+          <p:spPr>
+            <a:xfrm>
+              <a:off x="1225296" y="2893588"/>
+              <a:ext cx="2011215" cy="0"/>
+            </a:xfrm>
+            <a:prstGeom prst="line">
+              <a:avLst/>
+            </a:prstGeom>
+            <a:ln w="9525">
+              <a:solidFill>
+                <a:srgbClr val="FF0000"/>
+              </a:solidFill>
+              <a:headEnd type="triangle"/>
+            </a:ln>
+          </p:spPr>
+          <p:style>
+            <a:lnRef idx="2">
+              <a:schemeClr val="accent1"/>
+            </a:lnRef>
+            <a:fillRef idx="0">
+              <a:schemeClr val="accent1"/>
+            </a:fillRef>
+            <a:effectRef idx="1">
+              <a:schemeClr val="accent1"/>
+            </a:effectRef>
+            <a:fontRef idx="minor">
+              <a:schemeClr val="tx1"/>
+            </a:fontRef>
+          </p:style>
+        </p:cxnSp>
+        <p:sp>
+          <p:nvSpPr>
+            <p:cNvPr id="72" name="Rectangle 71">
+              <a:extLst>
+                <a:ext uri="{FF2B5EF4-FFF2-40B4-BE49-F238E27FC236}">
+                  <a16:creationId xmlns:a16="http://schemas.microsoft.com/office/drawing/2014/main" id="{5F7B3F76-FA7C-30D9-C241-05E4DC032827}"/>
+                </a:ext>
+              </a:extLst>
+            </p:cNvPr>
+            <p:cNvSpPr/>
+            <p:nvPr/>
+          </p:nvSpPr>
+          <p:spPr>
+            <a:xfrm>
+              <a:off x="3236511" y="2298068"/>
+              <a:ext cx="126715" cy="600778"/>
+            </a:xfrm>
+            <a:prstGeom prst="rect">
+              <a:avLst/>
+            </a:prstGeom>
+            <a:solidFill>
+              <a:schemeClr val="accent2">
+                <a:lumMod val="20000"/>
+                <a:lumOff val="80000"/>
+              </a:schemeClr>
+            </a:solidFill>
+            <a:ln w="9525">
+              <a:solidFill>
+                <a:srgbClr val="FF0000"/>
+              </a:solidFill>
+            </a:ln>
+          </p:spPr>
+          <p:style>
+            <a:lnRef idx="2">
+              <a:schemeClr val="accent1">
+                <a:shade val="15000"/>
+              </a:schemeClr>
+            </a:lnRef>
+            <a:fillRef idx="1">
+              <a:schemeClr val="accent1"/>
+            </a:fillRef>
+            <a:effectRef idx="0">
+              <a:schemeClr val="accent1"/>
+            </a:effectRef>
+            <a:fontRef idx="minor">
+              <a:schemeClr val="lt1"/>
+            </a:fontRef>
+          </p:style>
+          <p:txBody>
+            <a:bodyPr rtlCol="0" anchor="ctr"/>
+            <a:lstStyle/>
+            <a:p>
+              <a:pPr algn="ctr"/>
+              <a:endParaRPr lang="en-US" sz="1000" dirty="0">
+                <a:solidFill>
+                  <a:schemeClr val="tx1"/>
+                </a:solidFill>
+                <a:latin typeface="Avenir Book" panose="02000503020000020003" pitchFamily="2" charset="0"/>
+              </a:endParaRPr>
+            </a:p>
+          </p:txBody>
+        </p:sp>
+        <p:sp>
+          <p:nvSpPr>
+            <p:cNvPr id="75" name="Rectangle 74">
+              <a:extLst>
+                <a:ext uri="{FF2B5EF4-FFF2-40B4-BE49-F238E27FC236}">
+                  <a16:creationId xmlns:a16="http://schemas.microsoft.com/office/drawing/2014/main" id="{5F72597D-0DDD-A40B-A702-2B75C9DDD5EE}"/>
+                </a:ext>
+              </a:extLst>
+            </p:cNvPr>
+            <p:cNvSpPr/>
+            <p:nvPr/>
+          </p:nvSpPr>
+          <p:spPr>
+            <a:xfrm>
+              <a:off x="1217284" y="2643280"/>
+              <a:ext cx="1799511" cy="298861"/>
+            </a:xfrm>
+            <a:prstGeom prst="rect">
+              <a:avLst/>
+            </a:prstGeom>
+            <a:noFill/>
+            <a:ln w="9525">
+              <a:noFill/>
+            </a:ln>
+          </p:spPr>
+          <p:style>
+            <a:lnRef idx="2">
+              <a:schemeClr val="accent1">
+                <a:shade val="15000"/>
+              </a:schemeClr>
+            </a:lnRef>
+            <a:fillRef idx="1">
+              <a:schemeClr val="accent1"/>
+            </a:fillRef>
+            <a:effectRef idx="0">
+              <a:schemeClr val="accent1"/>
+            </a:effectRef>
+            <a:fontRef idx="minor">
+              <a:schemeClr val="lt1"/>
+            </a:fontRef>
+          </p:style>
+          <p:txBody>
+            <a:bodyPr rtlCol="0" anchor="ctr"/>
+            <a:lstStyle/>
+            <a:p>
+              <a:r>
+                <a:rPr lang="en-US" sz="1000" dirty="0">
+                  <a:solidFill>
+                    <a:srgbClr val="FF0000"/>
+                  </a:solidFill>
+                  <a:latin typeface="Avenir Book" panose="02000503020000020003" pitchFamily="2" charset="0"/>
+                </a:rPr>
+                <a:t>Key + Key-ID</a:t>
+              </a:r>
+            </a:p>
+          </p:txBody>
+        </p:sp>
+        <p:grpSp>
+          <p:nvGrpSpPr>
+            <p:cNvPr id="76" name="Group 75">
+              <a:extLst>
+                <a:ext uri="{FF2B5EF4-FFF2-40B4-BE49-F238E27FC236}">
+                  <a16:creationId xmlns:a16="http://schemas.microsoft.com/office/drawing/2014/main" id="{F7AEFDE4-FB51-2979-8BF5-6BE370924610}"/>
+                </a:ext>
+              </a:extLst>
+            </p:cNvPr>
+            <p:cNvGrpSpPr/>
+            <p:nvPr/>
+          </p:nvGrpSpPr>
+          <p:grpSpPr>
+            <a:xfrm>
+              <a:off x="3363226" y="2178472"/>
+              <a:ext cx="1978399" cy="298861"/>
+              <a:chOff x="2145799" y="2684192"/>
+              <a:chExt cx="3061500" cy="298861"/>
+            </a:xfrm>
+          </p:grpSpPr>
+          <p:cxnSp>
+            <p:nvCxnSpPr>
+              <p:cNvPr id="77" name="Straight Connector 76">
+                <a:extLst>
+                  <a:ext uri="{FF2B5EF4-FFF2-40B4-BE49-F238E27FC236}">
+                    <a16:creationId xmlns:a16="http://schemas.microsoft.com/office/drawing/2014/main" id="{0C70C868-53DE-F5C2-8229-2F8940F388D8}"/>
+                  </a:ext>
+                </a:extLst>
+              </p:cNvPr>
+              <p:cNvCxnSpPr>
+                <a:cxnSpLocks/>
+              </p:cNvCxnSpPr>
+              <p:nvPr/>
+            </p:nvCxnSpPr>
+            <p:spPr>
+              <a:xfrm flipH="1">
+                <a:off x="2145799" y="2934929"/>
+                <a:ext cx="3061500" cy="0"/>
+              </a:xfrm>
+              <a:prstGeom prst="line">
+                <a:avLst/>
+              </a:prstGeom>
+              <a:ln w="9525">
+                <a:solidFill>
+                  <a:srgbClr val="FF0000"/>
+                </a:solidFill>
+                <a:headEnd type="triangle"/>
+              </a:ln>
+            </p:spPr>
+            <p:style>
+              <a:lnRef idx="2">
+                <a:schemeClr val="accent1"/>
+              </a:lnRef>
+              <a:fillRef idx="0">
+                <a:schemeClr val="accent1"/>
+              </a:fillRef>
+              <a:effectRef idx="1">
+                <a:schemeClr val="accent1"/>
+              </a:effectRef>
+              <a:fontRef idx="minor">
+                <a:schemeClr val="tx1"/>
+              </a:fontRef>
+            </p:style>
+          </p:cxnSp>
+          <p:sp>
+            <p:nvSpPr>
+              <p:cNvPr id="78" name="Rectangle 77">
+                <a:extLst>
+                  <a:ext uri="{FF2B5EF4-FFF2-40B4-BE49-F238E27FC236}">
+                    <a16:creationId xmlns:a16="http://schemas.microsoft.com/office/drawing/2014/main" id="{56594116-FF96-FF00-F076-65EFD26E16E9}"/>
+                  </a:ext>
+                </a:extLst>
+              </p:cNvPr>
+              <p:cNvSpPr/>
+              <p:nvPr/>
+            </p:nvSpPr>
+            <p:spPr>
+              <a:xfrm>
+                <a:off x="2145799" y="2684192"/>
+                <a:ext cx="2784678" cy="298861"/>
+              </a:xfrm>
+              <a:prstGeom prst="rect">
+                <a:avLst/>
+              </a:prstGeom>
+              <a:noFill/>
+              <a:ln w="9525">
+                <a:noFill/>
+              </a:ln>
+            </p:spPr>
+            <p:style>
+              <a:lnRef idx="2">
+                <a:schemeClr val="accent1">
+                  <a:shade val="15000"/>
+                </a:schemeClr>
+              </a:lnRef>
+              <a:fillRef idx="1">
+                <a:schemeClr val="accent1"/>
+              </a:fillRef>
+              <a:effectRef idx="0">
+                <a:schemeClr val="accent1"/>
+              </a:effectRef>
+              <a:fontRef idx="minor">
+                <a:schemeClr val="lt1"/>
+              </a:fontRef>
+            </p:style>
+            <p:txBody>
+              <a:bodyPr rtlCol="0" anchor="ctr"/>
+              <a:lstStyle/>
+              <a:p>
+                <a:r>
+                  <a:rPr lang="en-US" sz="1000" dirty="0">
+                    <a:solidFill>
+                      <a:srgbClr val="FF0000"/>
+                    </a:solidFill>
+                    <a:latin typeface="Avenir Book" panose="02000503020000020003" pitchFamily="2" charset="0"/>
+                  </a:rPr>
+                  <a:t>PUT key-share</a:t>
+                </a:r>
+              </a:p>
+            </p:txBody>
+          </p:sp>
+        </p:grpSp>
+        <p:grpSp>
+          <p:nvGrpSpPr>
+            <p:cNvPr id="81" name="Group 80">
+              <a:extLst>
+                <a:ext uri="{FF2B5EF4-FFF2-40B4-BE49-F238E27FC236}">
+                  <a16:creationId xmlns:a16="http://schemas.microsoft.com/office/drawing/2014/main" id="{3F753FF3-87C6-4CE9-DC6B-5AD173A1AE7E}"/>
+                </a:ext>
+              </a:extLst>
+            </p:cNvPr>
+            <p:cNvGrpSpPr/>
+            <p:nvPr/>
+          </p:nvGrpSpPr>
+          <p:grpSpPr>
+            <a:xfrm>
+              <a:off x="3363226" y="2519503"/>
+              <a:ext cx="3389847" cy="298861"/>
+              <a:chOff x="2145799" y="2684192"/>
+              <a:chExt cx="5245664" cy="298861"/>
+            </a:xfrm>
+          </p:grpSpPr>
+          <p:cxnSp>
+            <p:nvCxnSpPr>
+              <p:cNvPr id="82" name="Straight Connector 81">
+                <a:extLst>
+                  <a:ext uri="{FF2B5EF4-FFF2-40B4-BE49-F238E27FC236}">
+                    <a16:creationId xmlns:a16="http://schemas.microsoft.com/office/drawing/2014/main" id="{948565C5-7DD8-0FBF-CF95-A4D770B9B674}"/>
+                  </a:ext>
+                </a:extLst>
+              </p:cNvPr>
+              <p:cNvCxnSpPr>
+                <a:cxnSpLocks/>
+              </p:cNvCxnSpPr>
+              <p:nvPr/>
+            </p:nvCxnSpPr>
+            <p:spPr>
+              <a:xfrm flipH="1">
+                <a:off x="2145799" y="2934929"/>
+                <a:ext cx="5245664" cy="0"/>
+              </a:xfrm>
+              <a:prstGeom prst="line">
+                <a:avLst/>
+              </a:prstGeom>
+              <a:ln w="9525">
+                <a:solidFill>
+                  <a:srgbClr val="FF0000"/>
+                </a:solidFill>
+                <a:headEnd type="triangle"/>
+              </a:ln>
+            </p:spPr>
+            <p:style>
+              <a:lnRef idx="2">
+                <a:schemeClr val="accent1"/>
+              </a:lnRef>
+              <a:fillRef idx="0">
+                <a:schemeClr val="accent1"/>
+              </a:fillRef>
+              <a:effectRef idx="1">
+                <a:schemeClr val="accent1"/>
+              </a:effectRef>
+              <a:fontRef idx="minor">
+                <a:schemeClr val="tx1"/>
+              </a:fontRef>
+            </p:style>
+          </p:cxnSp>
+          <p:sp>
+            <p:nvSpPr>
+              <p:cNvPr id="83" name="Rectangle 82">
+                <a:extLst>
+                  <a:ext uri="{FF2B5EF4-FFF2-40B4-BE49-F238E27FC236}">
+                    <a16:creationId xmlns:a16="http://schemas.microsoft.com/office/drawing/2014/main" id="{2CE5C9B2-ED36-9319-4528-F06B1BCBCC85}"/>
+                  </a:ext>
+                </a:extLst>
+              </p:cNvPr>
+              <p:cNvSpPr/>
+              <p:nvPr/>
+            </p:nvSpPr>
+            <p:spPr>
+              <a:xfrm>
+                <a:off x="2145799" y="2684192"/>
+                <a:ext cx="2784678" cy="298861"/>
+              </a:xfrm>
+              <a:prstGeom prst="rect">
+                <a:avLst/>
+              </a:prstGeom>
+              <a:noFill/>
+              <a:ln w="9525">
+                <a:noFill/>
+              </a:ln>
+            </p:spPr>
+            <p:style>
+              <a:lnRef idx="2">
+                <a:schemeClr val="accent1">
+                  <a:shade val="15000"/>
+                </a:schemeClr>
+              </a:lnRef>
+              <a:fillRef idx="1">
+                <a:schemeClr val="accent1"/>
+              </a:fillRef>
+              <a:effectRef idx="0">
+                <a:schemeClr val="accent1"/>
+              </a:effectRef>
+              <a:fontRef idx="minor">
+                <a:schemeClr val="lt1"/>
+              </a:fontRef>
+            </p:style>
+            <p:txBody>
+              <a:bodyPr rtlCol="0" anchor="ctr"/>
+              <a:lstStyle/>
+              <a:p>
+                <a:r>
+                  <a:rPr lang="en-US" sz="1000" dirty="0">
+                    <a:solidFill>
+                      <a:srgbClr val="FF0000"/>
+                    </a:solidFill>
+                    <a:latin typeface="Avenir Book" panose="02000503020000020003" pitchFamily="2" charset="0"/>
+                  </a:rPr>
+                  <a:t>PUT key-share</a:t>
+                </a:r>
+              </a:p>
+            </p:txBody>
+          </p:sp>
+        </p:grpSp>
+      </p:grpSp>
+      <p:grpSp>
+        <p:nvGrpSpPr>
+          <p:cNvPr id="85" name="Group 84">
+            <a:extLst>
+              <a:ext uri="{FF2B5EF4-FFF2-40B4-BE49-F238E27FC236}">
+                <a16:creationId xmlns:a16="http://schemas.microsoft.com/office/drawing/2014/main" id="{21823690-E568-F844-A180-4A4461260547}"/>
+              </a:ext>
+            </a:extLst>
+          </p:cNvPr>
+          <p:cNvGrpSpPr/>
+          <p:nvPr/>
+        </p:nvGrpSpPr>
+        <p:grpSpPr>
+          <a:xfrm>
+            <a:off x="1223360" y="3315482"/>
+            <a:ext cx="9656310" cy="298861"/>
+            <a:chOff x="2145799" y="2855777"/>
+            <a:chExt cx="14942787" cy="298861"/>
+          </a:xfrm>
+        </p:grpSpPr>
+        <p:cxnSp>
+          <p:nvCxnSpPr>
+            <p:cNvPr id="86" name="Straight Connector 85">
+              <a:extLst>
+                <a:ext uri="{FF2B5EF4-FFF2-40B4-BE49-F238E27FC236}">
+                  <a16:creationId xmlns:a16="http://schemas.microsoft.com/office/drawing/2014/main" id="{2FF917E0-1D83-3161-C074-0C9DE35388F5}"/>
+                </a:ext>
+              </a:extLst>
+            </p:cNvPr>
+            <p:cNvCxnSpPr>
+              <a:cxnSpLocks/>
+            </p:cNvCxnSpPr>
+            <p:nvPr/>
+          </p:nvCxnSpPr>
+          <p:spPr>
+            <a:xfrm flipH="1">
+              <a:off x="2145799" y="3106514"/>
+              <a:ext cx="14942787" cy="0"/>
+            </a:xfrm>
+            <a:prstGeom prst="line">
+              <a:avLst/>
+            </a:prstGeom>
+            <a:ln w="9525">
+              <a:solidFill>
+                <a:srgbClr val="FF0000"/>
+              </a:solidFill>
+              <a:headEnd type="triangle"/>
+            </a:ln>
+          </p:spPr>
+          <p:style>
+            <a:lnRef idx="2">
+              <a:schemeClr val="accent1"/>
+            </a:lnRef>
+            <a:fillRef idx="0">
+              <a:schemeClr val="accent1"/>
+            </a:fillRef>
+            <a:effectRef idx="1">
+              <a:schemeClr val="accent1"/>
+            </a:effectRef>
+            <a:fontRef idx="minor">
+              <a:schemeClr val="tx1"/>
+            </a:fontRef>
+          </p:style>
+        </p:cxnSp>
+        <p:sp>
+          <p:nvSpPr>
+            <p:cNvPr id="87" name="Rectangle 86">
+              <a:extLst>
+                <a:ext uri="{FF2B5EF4-FFF2-40B4-BE49-F238E27FC236}">
+                  <a16:creationId xmlns:a16="http://schemas.microsoft.com/office/drawing/2014/main" id="{F8361EBC-4CB3-07C3-3A74-E4A297307904}"/>
+                </a:ext>
+              </a:extLst>
+            </p:cNvPr>
+            <p:cNvSpPr/>
+            <p:nvPr/>
+          </p:nvSpPr>
+          <p:spPr>
+            <a:xfrm>
+              <a:off x="2145799" y="2855777"/>
+              <a:ext cx="2784678" cy="298861"/>
+            </a:xfrm>
+            <a:prstGeom prst="rect">
+              <a:avLst/>
+            </a:prstGeom>
+            <a:noFill/>
+            <a:ln w="9525">
+              <a:noFill/>
+            </a:ln>
+          </p:spPr>
+          <p:style>
+            <a:lnRef idx="2">
+              <a:schemeClr val="accent1">
+                <a:shade val="15000"/>
+              </a:schemeClr>
+            </a:lnRef>
+            <a:fillRef idx="1">
+              <a:schemeClr val="accent1"/>
+            </a:fillRef>
+            <a:effectRef idx="0">
+              <a:schemeClr val="accent1"/>
+            </a:effectRef>
+            <a:fontRef idx="minor">
+              <a:schemeClr val="lt1"/>
+            </a:fontRef>
+          </p:style>
+          <p:txBody>
+            <a:bodyPr rtlCol="0" anchor="ctr"/>
+            <a:lstStyle/>
+            <a:p>
+              <a:r>
+                <a:rPr lang="en-US" sz="1000" dirty="0">
+                  <a:solidFill>
+                    <a:srgbClr val="FF0000"/>
+                  </a:solidFill>
+                  <a:latin typeface="Avenir Book" panose="02000503020000020003" pitchFamily="2" charset="0"/>
+                </a:rPr>
+                <a:t>Relay Key-ID</a:t>
+              </a:r>
+            </a:p>
+          </p:txBody>
+        </p:sp>
+      </p:grpSp>
+      <p:grpSp>
+        <p:nvGrpSpPr>
+          <p:cNvPr id="93" name="Group 92">
+            <a:extLst>
+              <a:ext uri="{FF2B5EF4-FFF2-40B4-BE49-F238E27FC236}">
+                <a16:creationId xmlns:a16="http://schemas.microsoft.com/office/drawing/2014/main" id="{B4F0D75B-5EE5-C7C1-DBD0-0680B87101BA}"/>
+              </a:ext>
+            </a:extLst>
+          </p:cNvPr>
+          <p:cNvGrpSpPr/>
+          <p:nvPr/>
+        </p:nvGrpSpPr>
+        <p:grpSpPr>
+          <a:xfrm flipH="1">
+            <a:off x="5343881" y="3815869"/>
+            <a:ext cx="5535789" cy="894811"/>
+            <a:chOff x="1217284" y="2047330"/>
+            <a:chExt cx="5535789" cy="894811"/>
+          </a:xfrm>
+        </p:grpSpPr>
+        <p:grpSp>
+          <p:nvGrpSpPr>
+            <p:cNvPr id="94" name="Group 93">
+              <a:extLst>
+                <a:ext uri="{FF2B5EF4-FFF2-40B4-BE49-F238E27FC236}">
+                  <a16:creationId xmlns:a16="http://schemas.microsoft.com/office/drawing/2014/main" id="{8F1D091B-840E-0231-0DE0-4CC5CD3882AA}"/>
+                </a:ext>
+              </a:extLst>
+            </p:cNvPr>
+            <p:cNvGrpSpPr/>
+            <p:nvPr/>
+          </p:nvGrpSpPr>
+          <p:grpSpPr>
+            <a:xfrm>
+              <a:off x="1223360" y="2047330"/>
+              <a:ext cx="2013616" cy="298861"/>
+              <a:chOff x="2145799" y="2684192"/>
+              <a:chExt cx="3115997" cy="298861"/>
+            </a:xfrm>
+          </p:grpSpPr>
+          <p:cxnSp>
+            <p:nvCxnSpPr>
+              <p:cNvPr id="104" name="Straight Connector 103">
+                <a:extLst>
+                  <a:ext uri="{FF2B5EF4-FFF2-40B4-BE49-F238E27FC236}">
+                    <a16:creationId xmlns:a16="http://schemas.microsoft.com/office/drawing/2014/main" id="{0913FD8D-1F3B-C0B5-958B-B85ED4A409E3}"/>
+                  </a:ext>
+                </a:extLst>
+              </p:cNvPr>
+              <p:cNvCxnSpPr>
+                <a:cxnSpLocks/>
+              </p:cNvCxnSpPr>
+              <p:nvPr/>
+            </p:nvCxnSpPr>
+            <p:spPr>
+              <a:xfrm flipH="1">
+                <a:off x="2145799" y="2934929"/>
+                <a:ext cx="3115997" cy="0"/>
+              </a:xfrm>
+              <a:prstGeom prst="line">
+                <a:avLst/>
+              </a:prstGeom>
+              <a:ln w="9525">
+                <a:solidFill>
+                  <a:srgbClr val="FF0000"/>
+                </a:solidFill>
+                <a:headEnd type="triangle"/>
+              </a:ln>
+            </p:spPr>
+            <p:style>
+              <a:lnRef idx="2">
+                <a:schemeClr val="accent1"/>
+              </a:lnRef>
+              <a:fillRef idx="0">
+                <a:schemeClr val="accent1"/>
+              </a:fillRef>
+              <a:effectRef idx="1">
+                <a:schemeClr val="accent1"/>
+              </a:effectRef>
+              <a:fontRef idx="minor">
+                <a:schemeClr val="tx1"/>
+              </a:fontRef>
+            </p:style>
+          </p:cxnSp>
+          <p:sp>
+            <p:nvSpPr>
+              <p:cNvPr id="105" name="Rectangle 104">
+                <a:extLst>
+                  <a:ext uri="{FF2B5EF4-FFF2-40B4-BE49-F238E27FC236}">
+                    <a16:creationId xmlns:a16="http://schemas.microsoft.com/office/drawing/2014/main" id="{01EDA7E6-775E-8B49-BE3C-F8B35576E3A5}"/>
+                  </a:ext>
+                </a:extLst>
+              </p:cNvPr>
+              <p:cNvSpPr/>
+              <p:nvPr/>
+            </p:nvSpPr>
+            <p:spPr>
+              <a:xfrm>
+                <a:off x="2145799" y="2684192"/>
+                <a:ext cx="2784678" cy="298861"/>
+              </a:xfrm>
+              <a:prstGeom prst="rect">
+                <a:avLst/>
+              </a:prstGeom>
+              <a:noFill/>
+              <a:ln w="9525">
+                <a:noFill/>
+              </a:ln>
+            </p:spPr>
+            <p:style>
+              <a:lnRef idx="2">
+                <a:schemeClr val="accent1">
+                  <a:shade val="15000"/>
+                </a:schemeClr>
+              </a:lnRef>
+              <a:fillRef idx="1">
+                <a:schemeClr val="accent1"/>
+              </a:fillRef>
+              <a:effectRef idx="0">
+                <a:schemeClr val="accent1"/>
+              </a:effectRef>
+              <a:fontRef idx="minor">
+                <a:schemeClr val="lt1"/>
+              </a:fontRef>
+            </p:style>
+            <p:txBody>
+              <a:bodyPr rtlCol="0" anchor="ctr"/>
+              <a:lstStyle/>
+              <a:p>
+                <a:r>
+                  <a:rPr lang="en-US" sz="1000" dirty="0">
+                    <a:solidFill>
+                      <a:srgbClr val="FF0000"/>
+                    </a:solidFill>
+                    <a:latin typeface="Avenir Book" panose="02000503020000020003" pitchFamily="2" charset="0"/>
+                  </a:rPr>
+                  <a:t>GET key-with-key-ID</a:t>
+                </a:r>
+              </a:p>
+            </p:txBody>
+          </p:sp>
+        </p:grpSp>
+        <p:cxnSp>
+          <p:nvCxnSpPr>
+            <p:cNvPr id="95" name="Straight Connector 94">
+              <a:extLst>
+                <a:ext uri="{FF2B5EF4-FFF2-40B4-BE49-F238E27FC236}">
+                  <a16:creationId xmlns:a16="http://schemas.microsoft.com/office/drawing/2014/main" id="{CF5FE163-EFC1-252B-2202-33A0CF174B4E}"/>
+                </a:ext>
+              </a:extLst>
+            </p:cNvPr>
+            <p:cNvCxnSpPr>
+              <a:cxnSpLocks/>
+            </p:cNvCxnSpPr>
+            <p:nvPr/>
+          </p:nvCxnSpPr>
+          <p:spPr>
+            <a:xfrm>
+              <a:off x="1225296" y="2893588"/>
+              <a:ext cx="2011215" cy="0"/>
+            </a:xfrm>
+            <a:prstGeom prst="line">
+              <a:avLst/>
+            </a:prstGeom>
+            <a:ln w="9525">
+              <a:solidFill>
+                <a:srgbClr val="FF0000"/>
+              </a:solidFill>
+              <a:headEnd type="triangle"/>
+            </a:ln>
+          </p:spPr>
+          <p:style>
+            <a:lnRef idx="2">
+              <a:schemeClr val="accent1"/>
+            </a:lnRef>
+            <a:fillRef idx="0">
+              <a:schemeClr val="accent1"/>
+            </a:fillRef>
+            <a:effectRef idx="1">
+              <a:schemeClr val="accent1"/>
+            </a:effectRef>
+            <a:fontRef idx="minor">
+              <a:schemeClr val="tx1"/>
+            </a:fontRef>
+          </p:style>
+        </p:cxnSp>
+        <p:sp>
+          <p:nvSpPr>
+            <p:cNvPr id="96" name="Rectangle 95">
+              <a:extLst>
+                <a:ext uri="{FF2B5EF4-FFF2-40B4-BE49-F238E27FC236}">
+                  <a16:creationId xmlns:a16="http://schemas.microsoft.com/office/drawing/2014/main" id="{4D06398F-7398-B109-CBB7-BFC906ABA483}"/>
+                </a:ext>
+              </a:extLst>
+            </p:cNvPr>
+            <p:cNvSpPr/>
+            <p:nvPr/>
+          </p:nvSpPr>
+          <p:spPr>
+            <a:xfrm>
+              <a:off x="3236511" y="2298068"/>
+              <a:ext cx="126715" cy="600778"/>
+            </a:xfrm>
+            <a:prstGeom prst="rect">
+              <a:avLst/>
+            </a:prstGeom>
+            <a:solidFill>
+              <a:schemeClr val="accent2">
+                <a:lumMod val="20000"/>
+                <a:lumOff val="80000"/>
+              </a:schemeClr>
+            </a:solidFill>
+            <a:ln w="9525">
+              <a:solidFill>
+                <a:srgbClr val="FF0000"/>
+              </a:solidFill>
+            </a:ln>
+          </p:spPr>
+          <p:style>
+            <a:lnRef idx="2">
+              <a:schemeClr val="accent1">
+                <a:shade val="15000"/>
+              </a:schemeClr>
+            </a:lnRef>
+            <a:fillRef idx="1">
+              <a:schemeClr val="accent1"/>
+            </a:fillRef>
+            <a:effectRef idx="0">
+              <a:schemeClr val="accent1"/>
+            </a:effectRef>
+            <a:fontRef idx="minor">
+              <a:schemeClr val="lt1"/>
+            </a:fontRef>
+          </p:style>
+          <p:txBody>
+            <a:bodyPr rtlCol="0" anchor="ctr"/>
+            <a:lstStyle/>
+            <a:p>
+              <a:pPr algn="ctr"/>
+              <a:endParaRPr lang="en-US" sz="1000" dirty="0">
+                <a:solidFill>
+                  <a:schemeClr val="tx1"/>
+                </a:solidFill>
+                <a:latin typeface="Avenir Book" panose="02000503020000020003" pitchFamily="2" charset="0"/>
+              </a:endParaRPr>
+            </a:p>
+          </p:txBody>
+        </p:sp>
+        <p:sp>
+          <p:nvSpPr>
+            <p:cNvPr id="97" name="Rectangle 96">
+              <a:extLst>
+                <a:ext uri="{FF2B5EF4-FFF2-40B4-BE49-F238E27FC236}">
+                  <a16:creationId xmlns:a16="http://schemas.microsoft.com/office/drawing/2014/main" id="{DEDD8038-A8D9-38EE-BD64-C279C72DAEC4}"/>
+                </a:ext>
+              </a:extLst>
+            </p:cNvPr>
+            <p:cNvSpPr/>
+            <p:nvPr/>
+          </p:nvSpPr>
+          <p:spPr>
+            <a:xfrm>
+              <a:off x="1217284" y="2643280"/>
+              <a:ext cx="1799511" cy="298861"/>
+            </a:xfrm>
+            <a:prstGeom prst="rect">
+              <a:avLst/>
+            </a:prstGeom>
+            <a:noFill/>
+            <a:ln w="9525">
+              <a:noFill/>
+            </a:ln>
+          </p:spPr>
+          <p:style>
+            <a:lnRef idx="2">
+              <a:schemeClr val="accent1">
+                <a:shade val="15000"/>
+              </a:schemeClr>
+            </a:lnRef>
+            <a:fillRef idx="1">
+              <a:schemeClr val="accent1"/>
+            </a:fillRef>
+            <a:effectRef idx="0">
+              <a:schemeClr val="accent1"/>
+            </a:effectRef>
+            <a:fontRef idx="minor">
+              <a:schemeClr val="lt1"/>
+            </a:fontRef>
+          </p:style>
+          <p:txBody>
+            <a:bodyPr rtlCol="0" anchor="ctr"/>
+            <a:lstStyle/>
+            <a:p>
+              <a:r>
+                <a:rPr lang="en-US" sz="1000" dirty="0">
+                  <a:solidFill>
+                    <a:srgbClr val="FF0000"/>
+                  </a:solidFill>
+                  <a:latin typeface="Avenir Book" panose="02000503020000020003" pitchFamily="2" charset="0"/>
+                </a:rPr>
+                <a:t>Key</a:t>
+              </a:r>
+            </a:p>
+          </p:txBody>
+        </p:sp>
+        <p:grpSp>
+          <p:nvGrpSpPr>
+            <p:cNvPr id="98" name="Group 97">
+              <a:extLst>
+                <a:ext uri="{FF2B5EF4-FFF2-40B4-BE49-F238E27FC236}">
+                  <a16:creationId xmlns:a16="http://schemas.microsoft.com/office/drawing/2014/main" id="{883A7E9D-DA33-97A8-3792-8A941324AAD1}"/>
+                </a:ext>
+              </a:extLst>
+            </p:cNvPr>
+            <p:cNvGrpSpPr/>
+            <p:nvPr/>
+          </p:nvGrpSpPr>
+          <p:grpSpPr>
+            <a:xfrm>
+              <a:off x="3363226" y="2178472"/>
+              <a:ext cx="1978399" cy="298861"/>
+              <a:chOff x="2145799" y="2684192"/>
+              <a:chExt cx="3061500" cy="298861"/>
+            </a:xfrm>
+          </p:grpSpPr>
+          <p:cxnSp>
+            <p:nvCxnSpPr>
+              <p:cNvPr id="102" name="Straight Connector 101">
+                <a:extLst>
+                  <a:ext uri="{FF2B5EF4-FFF2-40B4-BE49-F238E27FC236}">
+                    <a16:creationId xmlns:a16="http://schemas.microsoft.com/office/drawing/2014/main" id="{2A2CC460-7466-789D-C0B5-6B498212CC12}"/>
+                  </a:ext>
+                </a:extLst>
+              </p:cNvPr>
+              <p:cNvCxnSpPr>
+                <a:cxnSpLocks/>
+              </p:cNvCxnSpPr>
+              <p:nvPr/>
+            </p:nvCxnSpPr>
+            <p:spPr>
+              <a:xfrm flipH="1">
+                <a:off x="2145799" y="2934929"/>
+                <a:ext cx="3061500" cy="0"/>
+              </a:xfrm>
+              <a:prstGeom prst="line">
+                <a:avLst/>
+              </a:prstGeom>
+              <a:ln w="9525">
+                <a:solidFill>
+                  <a:srgbClr val="FF0000"/>
+                </a:solidFill>
+                <a:headEnd type="triangle"/>
+              </a:ln>
+            </p:spPr>
+            <p:style>
+              <a:lnRef idx="2">
+                <a:schemeClr val="accent1"/>
+              </a:lnRef>
+              <a:fillRef idx="0">
+                <a:schemeClr val="accent1"/>
+              </a:fillRef>
+              <a:effectRef idx="1">
+                <a:schemeClr val="accent1"/>
+              </a:effectRef>
+              <a:fontRef idx="minor">
+                <a:schemeClr val="tx1"/>
+              </a:fontRef>
+            </p:style>
+          </p:cxnSp>
+          <p:sp>
+            <p:nvSpPr>
+              <p:cNvPr id="103" name="Rectangle 102">
+                <a:extLst>
+                  <a:ext uri="{FF2B5EF4-FFF2-40B4-BE49-F238E27FC236}">
+                    <a16:creationId xmlns:a16="http://schemas.microsoft.com/office/drawing/2014/main" id="{0C2C119B-096E-5860-0240-91FD38A557B9}"/>
+                  </a:ext>
+                </a:extLst>
+              </p:cNvPr>
+              <p:cNvSpPr/>
+              <p:nvPr/>
+            </p:nvSpPr>
+            <p:spPr>
+              <a:xfrm>
+                <a:off x="2145799" y="2684192"/>
+                <a:ext cx="2784678" cy="298861"/>
+              </a:xfrm>
+              <a:prstGeom prst="rect">
+                <a:avLst/>
+              </a:prstGeom>
+              <a:noFill/>
+              <a:ln w="9525">
+                <a:noFill/>
+              </a:ln>
+            </p:spPr>
+            <p:style>
+              <a:lnRef idx="2">
+                <a:schemeClr val="accent1">
+                  <a:shade val="15000"/>
+                </a:schemeClr>
+              </a:lnRef>
+              <a:fillRef idx="1">
+                <a:schemeClr val="accent1"/>
+              </a:fillRef>
+              <a:effectRef idx="0">
+                <a:schemeClr val="accent1"/>
+              </a:effectRef>
+              <a:fontRef idx="minor">
+                <a:schemeClr val="lt1"/>
+              </a:fontRef>
+            </p:style>
+            <p:txBody>
+              <a:bodyPr rtlCol="0" anchor="ctr"/>
+              <a:lstStyle/>
+              <a:p>
+                <a:r>
+                  <a:rPr lang="en-US" sz="1000" dirty="0">
+                    <a:solidFill>
+                      <a:srgbClr val="FF0000"/>
+                    </a:solidFill>
+                    <a:latin typeface="Avenir Book" panose="02000503020000020003" pitchFamily="2" charset="0"/>
+                  </a:rPr>
+                  <a:t>GET key-share</a:t>
+                </a:r>
+              </a:p>
+            </p:txBody>
+          </p:sp>
+        </p:grpSp>
+        <p:grpSp>
+          <p:nvGrpSpPr>
+            <p:cNvPr id="99" name="Group 98">
+              <a:extLst>
+                <a:ext uri="{FF2B5EF4-FFF2-40B4-BE49-F238E27FC236}">
+                  <a16:creationId xmlns:a16="http://schemas.microsoft.com/office/drawing/2014/main" id="{D8E80D79-197A-5BCD-F24D-6070F761C3E1}"/>
+                </a:ext>
+              </a:extLst>
+            </p:cNvPr>
+            <p:cNvGrpSpPr/>
+            <p:nvPr/>
+          </p:nvGrpSpPr>
+          <p:grpSpPr>
+            <a:xfrm>
+              <a:off x="3363226" y="2519503"/>
+              <a:ext cx="3389847" cy="298861"/>
+              <a:chOff x="2145799" y="2684192"/>
+              <a:chExt cx="5245664" cy="298861"/>
+            </a:xfrm>
+          </p:grpSpPr>
+          <p:cxnSp>
+            <p:nvCxnSpPr>
+              <p:cNvPr id="100" name="Straight Connector 99">
+                <a:extLst>
+                  <a:ext uri="{FF2B5EF4-FFF2-40B4-BE49-F238E27FC236}">
+                    <a16:creationId xmlns:a16="http://schemas.microsoft.com/office/drawing/2014/main" id="{C8DF76A0-98D5-A127-32A9-B5805B48A99F}"/>
+                  </a:ext>
+                </a:extLst>
+              </p:cNvPr>
+              <p:cNvCxnSpPr>
+                <a:cxnSpLocks/>
+              </p:cNvCxnSpPr>
+              <p:nvPr/>
+            </p:nvCxnSpPr>
+            <p:spPr>
+              <a:xfrm flipH="1">
+                <a:off x="2145799" y="2934929"/>
+                <a:ext cx="5245664" cy="0"/>
+              </a:xfrm>
+              <a:prstGeom prst="line">
+                <a:avLst/>
+              </a:prstGeom>
+              <a:ln w="9525">
+                <a:solidFill>
+                  <a:srgbClr val="FF0000"/>
+                </a:solidFill>
+                <a:headEnd type="triangle"/>
+              </a:ln>
+            </p:spPr>
+            <p:style>
+              <a:lnRef idx="2">
+                <a:schemeClr val="accent1"/>
+              </a:lnRef>
+              <a:fillRef idx="0">
+                <a:schemeClr val="accent1"/>
+              </a:fillRef>
+              <a:effectRef idx="1">
+                <a:schemeClr val="accent1"/>
+              </a:effectRef>
+              <a:fontRef idx="minor">
+                <a:schemeClr val="tx1"/>
+              </a:fontRef>
+            </p:style>
+          </p:cxnSp>
+          <p:sp>
+            <p:nvSpPr>
+              <p:cNvPr id="101" name="Rectangle 100">
+                <a:extLst>
+                  <a:ext uri="{FF2B5EF4-FFF2-40B4-BE49-F238E27FC236}">
+                    <a16:creationId xmlns:a16="http://schemas.microsoft.com/office/drawing/2014/main" id="{5C3DCE52-DD1D-2B18-5FB1-918149EEEF96}"/>
+                  </a:ext>
+                </a:extLst>
+              </p:cNvPr>
+              <p:cNvSpPr/>
+              <p:nvPr/>
+            </p:nvSpPr>
+            <p:spPr>
+              <a:xfrm>
+                <a:off x="2145799" y="2684192"/>
+                <a:ext cx="2784678" cy="298861"/>
+              </a:xfrm>
+              <a:prstGeom prst="rect">
+                <a:avLst/>
+              </a:prstGeom>
+              <a:noFill/>
+              <a:ln w="9525">
+                <a:noFill/>
+              </a:ln>
+            </p:spPr>
+            <p:style>
+              <a:lnRef idx="2">
+                <a:schemeClr val="accent1">
+                  <a:shade val="15000"/>
+                </a:schemeClr>
+              </a:lnRef>
+              <a:fillRef idx="1">
+                <a:schemeClr val="accent1"/>
+              </a:fillRef>
+              <a:effectRef idx="0">
+                <a:schemeClr val="accent1"/>
+              </a:effectRef>
+              <a:fontRef idx="minor">
+                <a:schemeClr val="lt1"/>
+              </a:fontRef>
+            </p:style>
+            <p:txBody>
+              <a:bodyPr rtlCol="0" anchor="ctr"/>
+              <a:lstStyle/>
+              <a:p>
+                <a:r>
+                  <a:rPr lang="en-US" sz="1000">
+                    <a:solidFill>
+                      <a:srgbClr val="FF0000"/>
+                    </a:solidFill>
+                    <a:latin typeface="Avenir Book" panose="02000503020000020003" pitchFamily="2" charset="0"/>
+                  </a:rPr>
+                  <a:t>GET </a:t>
+                </a:r>
+                <a:r>
+                  <a:rPr lang="en-US" sz="1000" dirty="0">
+                    <a:solidFill>
+                      <a:srgbClr val="FF0000"/>
+                    </a:solidFill>
+                    <a:latin typeface="Avenir Book" panose="02000503020000020003" pitchFamily="2" charset="0"/>
+                  </a:rPr>
+                  <a:t>key-share</a:t>
+                </a:r>
+              </a:p>
+            </p:txBody>
+          </p:sp>
+        </p:grpSp>
+      </p:grpSp>
+    </p:spTree>
+    <p:extLst>
+      <p:ext uri="{BB962C8B-B14F-4D97-AF65-F5344CB8AC3E}">
+        <p14:creationId xmlns:p14="http://schemas.microsoft.com/office/powerpoint/2010/main" val="1266981807"/>
       </p:ext>
     </p:extLst>
   </p:cSld>

--- a/docs/figures/figures.pptx
+++ b/docs/figures/figures.pptx
@@ -4,6 +4,9 @@
   <p:sldMasterIdLst>
     <p:sldMasterId id="2147483648" r:id="rId1"/>
   </p:sldMasterIdLst>
+  <p:notesMasterIdLst>
+    <p:notesMasterId r:id="rId5"/>
+  </p:notesMasterIdLst>
   <p:sldIdLst>
     <p:sldId id="256" r:id="rId2"/>
     <p:sldId id="257" r:id="rId3"/>
@@ -107,6 +110,439 @@
     </a:lvl9pPr>
   </p:defaultTextStyle>
 </p:presentation>
+</file>
+
+<file path=ppt/notesMasters/notesMaster1.xml><?xml version="1.0" encoding="utf-8"?>
+<p:notesMaster xmlns:a="http://schemas.openxmlformats.org/drawingml/2006/main" xmlns:r="http://schemas.openxmlformats.org/officeDocument/2006/relationships" xmlns:p="http://schemas.openxmlformats.org/presentationml/2006/main">
+  <p:cSld>
+    <p:bg>
+      <p:bgRef idx="1001">
+        <a:schemeClr val="bg1"/>
+      </p:bgRef>
+    </p:bg>
+    <p:spTree>
+      <p:nvGrpSpPr>
+        <p:cNvPr id="1" name=""/>
+        <p:cNvGrpSpPr/>
+        <p:nvPr/>
+      </p:nvGrpSpPr>
+      <p:grpSpPr>
+        <a:xfrm>
+          <a:off x="0" y="0"/>
+          <a:ext cx="0" cy="0"/>
+          <a:chOff x="0" y="0"/>
+          <a:chExt cx="0" cy="0"/>
+        </a:xfrm>
+      </p:grpSpPr>
+      <p:sp>
+        <p:nvSpPr>
+          <p:cNvPr id="2" name="Header Placeholder 1"/>
+          <p:cNvSpPr>
+            <a:spLocks noGrp="1"/>
+          </p:cNvSpPr>
+          <p:nvPr>
+            <p:ph type="hdr" sz="quarter"/>
+          </p:nvPr>
+        </p:nvSpPr>
+        <p:spPr>
+          <a:xfrm>
+            <a:off x="0" y="0"/>
+            <a:ext cx="2971800" cy="458788"/>
+          </a:xfrm>
+          <a:prstGeom prst="rect">
+            <a:avLst/>
+          </a:prstGeom>
+        </p:spPr>
+        <p:txBody>
+          <a:bodyPr vert="horz" lIns="91440" tIns="45720" rIns="91440" bIns="45720" rtlCol="0"/>
+          <a:lstStyle>
+            <a:lvl1pPr algn="l">
+              <a:defRPr sz="1200"/>
+            </a:lvl1pPr>
+          </a:lstStyle>
+          <a:p>
+            <a:endParaRPr lang="en-US"/>
+          </a:p>
+        </p:txBody>
+      </p:sp>
+      <p:sp>
+        <p:nvSpPr>
+          <p:cNvPr id="3" name="Date Placeholder 2"/>
+          <p:cNvSpPr>
+            <a:spLocks noGrp="1"/>
+          </p:cNvSpPr>
+          <p:nvPr>
+            <p:ph type="dt" idx="1"/>
+          </p:nvPr>
+        </p:nvSpPr>
+        <p:spPr>
+          <a:xfrm>
+            <a:off x="3884613" y="0"/>
+            <a:ext cx="2971800" cy="458788"/>
+          </a:xfrm>
+          <a:prstGeom prst="rect">
+            <a:avLst/>
+          </a:prstGeom>
+        </p:spPr>
+        <p:txBody>
+          <a:bodyPr vert="horz" lIns="91440" tIns="45720" rIns="91440" bIns="45720" rtlCol="0"/>
+          <a:lstStyle>
+            <a:lvl1pPr algn="r">
+              <a:defRPr sz="1200"/>
+            </a:lvl1pPr>
+          </a:lstStyle>
+          <a:p>
+            <a:fld id="{66C4A6C0-F2EC-FC45-B98B-ED31D507F3F3}" type="datetimeFigureOut">
+              <a:rPr lang="en-US" smtClean="0"/>
+              <a:t>9/2/25</a:t>
+            </a:fld>
+            <a:endParaRPr lang="en-US"/>
+          </a:p>
+        </p:txBody>
+      </p:sp>
+      <p:sp>
+        <p:nvSpPr>
+          <p:cNvPr id="4" name="Slide Image Placeholder 3"/>
+          <p:cNvSpPr>
+            <a:spLocks noGrp="1" noRot="1" noChangeAspect="1"/>
+          </p:cNvSpPr>
+          <p:nvPr>
+            <p:ph type="sldImg" idx="2"/>
+          </p:nvPr>
+        </p:nvSpPr>
+        <p:spPr>
+          <a:xfrm>
+            <a:off x="685800" y="1143000"/>
+            <a:ext cx="5486400" cy="3086100"/>
+          </a:xfrm>
+          <a:prstGeom prst="rect">
+            <a:avLst/>
+          </a:prstGeom>
+          <a:noFill/>
+          <a:ln w="12700">
+            <a:solidFill>
+              <a:prstClr val="black"/>
+            </a:solidFill>
+          </a:ln>
+        </p:spPr>
+        <p:txBody>
+          <a:bodyPr vert="horz" lIns="91440" tIns="45720" rIns="91440" bIns="45720" rtlCol="0" anchor="ctr"/>
+          <a:lstStyle/>
+          <a:p>
+            <a:endParaRPr lang="en-US"/>
+          </a:p>
+        </p:txBody>
+      </p:sp>
+      <p:sp>
+        <p:nvSpPr>
+          <p:cNvPr id="5" name="Notes Placeholder 4"/>
+          <p:cNvSpPr>
+            <a:spLocks noGrp="1"/>
+          </p:cNvSpPr>
+          <p:nvPr>
+            <p:ph type="body" sz="quarter" idx="3"/>
+          </p:nvPr>
+        </p:nvSpPr>
+        <p:spPr>
+          <a:xfrm>
+            <a:off x="685800" y="4400550"/>
+            <a:ext cx="5486400" cy="3600450"/>
+          </a:xfrm>
+          <a:prstGeom prst="rect">
+            <a:avLst/>
+          </a:prstGeom>
+        </p:spPr>
+        <p:txBody>
+          <a:bodyPr vert="horz" lIns="91440" tIns="45720" rIns="91440" bIns="45720" rtlCol="0"/>
+          <a:lstStyle/>
+          <a:p>
+            <a:pPr lvl="0"/>
+            <a:r>
+              <a:rPr lang="en-US"/>
+              <a:t>Click to edit Master text styles</a:t>
+            </a:r>
+          </a:p>
+          <a:p>
+            <a:pPr lvl="1"/>
+            <a:r>
+              <a:rPr lang="en-US"/>
+              <a:t>Second level</a:t>
+            </a:r>
+          </a:p>
+          <a:p>
+            <a:pPr lvl="2"/>
+            <a:r>
+              <a:rPr lang="en-US"/>
+              <a:t>Third level</a:t>
+            </a:r>
+          </a:p>
+          <a:p>
+            <a:pPr lvl="3"/>
+            <a:r>
+              <a:rPr lang="en-US"/>
+              <a:t>Fourth level</a:t>
+            </a:r>
+          </a:p>
+          <a:p>
+            <a:pPr lvl="4"/>
+            <a:r>
+              <a:rPr lang="en-US"/>
+              <a:t>Fifth level</a:t>
+            </a:r>
+          </a:p>
+        </p:txBody>
+      </p:sp>
+      <p:sp>
+        <p:nvSpPr>
+          <p:cNvPr id="6" name="Footer Placeholder 5"/>
+          <p:cNvSpPr>
+            <a:spLocks noGrp="1"/>
+          </p:cNvSpPr>
+          <p:nvPr>
+            <p:ph type="ftr" sz="quarter" idx="4"/>
+          </p:nvPr>
+        </p:nvSpPr>
+        <p:spPr>
+          <a:xfrm>
+            <a:off x="0" y="8685213"/>
+            <a:ext cx="2971800" cy="458787"/>
+          </a:xfrm>
+          <a:prstGeom prst="rect">
+            <a:avLst/>
+          </a:prstGeom>
+        </p:spPr>
+        <p:txBody>
+          <a:bodyPr vert="horz" lIns="91440" tIns="45720" rIns="91440" bIns="45720" rtlCol="0" anchor="b"/>
+          <a:lstStyle>
+            <a:lvl1pPr algn="l">
+              <a:defRPr sz="1200"/>
+            </a:lvl1pPr>
+          </a:lstStyle>
+          <a:p>
+            <a:endParaRPr lang="en-US"/>
+          </a:p>
+        </p:txBody>
+      </p:sp>
+      <p:sp>
+        <p:nvSpPr>
+          <p:cNvPr id="7" name="Slide Number Placeholder 6"/>
+          <p:cNvSpPr>
+            <a:spLocks noGrp="1"/>
+          </p:cNvSpPr>
+          <p:nvPr>
+            <p:ph type="sldNum" sz="quarter" idx="5"/>
+          </p:nvPr>
+        </p:nvSpPr>
+        <p:spPr>
+          <a:xfrm>
+            <a:off x="3884613" y="8685213"/>
+            <a:ext cx="2971800" cy="458787"/>
+          </a:xfrm>
+          <a:prstGeom prst="rect">
+            <a:avLst/>
+          </a:prstGeom>
+        </p:spPr>
+        <p:txBody>
+          <a:bodyPr vert="horz" lIns="91440" tIns="45720" rIns="91440" bIns="45720" rtlCol="0" anchor="b"/>
+          <a:lstStyle>
+            <a:lvl1pPr algn="r">
+              <a:defRPr sz="1200"/>
+            </a:lvl1pPr>
+          </a:lstStyle>
+          <a:p>
+            <a:fld id="{9E526F2C-6B23-EF40-8ED8-C98EB975494B}" type="slidenum">
+              <a:rPr lang="en-US" smtClean="0"/>
+              <a:t>‹#›</a:t>
+            </a:fld>
+            <a:endParaRPr lang="en-US"/>
+          </a:p>
+        </p:txBody>
+      </p:sp>
+    </p:spTree>
+    <p:extLst>
+      <p:ext uri="{BB962C8B-B14F-4D97-AF65-F5344CB8AC3E}">
+        <p14:creationId xmlns:p14="http://schemas.microsoft.com/office/powerpoint/2010/main" val="2794821264"/>
+      </p:ext>
+    </p:extLst>
+  </p:cSld>
+  <p:clrMap bg1="lt1" tx1="dk1" bg2="lt2" tx2="dk2" accent1="accent1" accent2="accent2" accent3="accent3" accent4="accent4" accent5="accent5" accent6="accent6" hlink="hlink" folHlink="folHlink"/>
+  <p:notesStyle>
+    <a:lvl1pPr marL="0" algn="l" defTabSz="914400" rtl="0" eaLnBrk="1" latinLnBrk="0" hangingPunct="1">
+      <a:defRPr sz="1200" kern="1200">
+        <a:solidFill>
+          <a:schemeClr val="tx1"/>
+        </a:solidFill>
+        <a:latin typeface="+mn-lt"/>
+        <a:ea typeface="+mn-ea"/>
+        <a:cs typeface="+mn-cs"/>
+      </a:defRPr>
+    </a:lvl1pPr>
+    <a:lvl2pPr marL="457200" algn="l" defTabSz="914400" rtl="0" eaLnBrk="1" latinLnBrk="0" hangingPunct="1">
+      <a:defRPr sz="1200" kern="1200">
+        <a:solidFill>
+          <a:schemeClr val="tx1"/>
+        </a:solidFill>
+        <a:latin typeface="+mn-lt"/>
+        <a:ea typeface="+mn-ea"/>
+        <a:cs typeface="+mn-cs"/>
+      </a:defRPr>
+    </a:lvl2pPr>
+    <a:lvl3pPr marL="914400" algn="l" defTabSz="914400" rtl="0" eaLnBrk="1" latinLnBrk="0" hangingPunct="1">
+      <a:defRPr sz="1200" kern="1200">
+        <a:solidFill>
+          <a:schemeClr val="tx1"/>
+        </a:solidFill>
+        <a:latin typeface="+mn-lt"/>
+        <a:ea typeface="+mn-ea"/>
+        <a:cs typeface="+mn-cs"/>
+      </a:defRPr>
+    </a:lvl3pPr>
+    <a:lvl4pPr marL="1371600" algn="l" defTabSz="914400" rtl="0" eaLnBrk="1" latinLnBrk="0" hangingPunct="1">
+      <a:defRPr sz="1200" kern="1200">
+        <a:solidFill>
+          <a:schemeClr val="tx1"/>
+        </a:solidFill>
+        <a:latin typeface="+mn-lt"/>
+        <a:ea typeface="+mn-ea"/>
+        <a:cs typeface="+mn-cs"/>
+      </a:defRPr>
+    </a:lvl4pPr>
+    <a:lvl5pPr marL="1828800" algn="l" defTabSz="914400" rtl="0" eaLnBrk="1" latinLnBrk="0" hangingPunct="1">
+      <a:defRPr sz="1200" kern="1200">
+        <a:solidFill>
+          <a:schemeClr val="tx1"/>
+        </a:solidFill>
+        <a:latin typeface="+mn-lt"/>
+        <a:ea typeface="+mn-ea"/>
+        <a:cs typeface="+mn-cs"/>
+      </a:defRPr>
+    </a:lvl5pPr>
+    <a:lvl6pPr marL="2286000" algn="l" defTabSz="914400" rtl="0" eaLnBrk="1" latinLnBrk="0" hangingPunct="1">
+      <a:defRPr sz="1200" kern="1200">
+        <a:solidFill>
+          <a:schemeClr val="tx1"/>
+        </a:solidFill>
+        <a:latin typeface="+mn-lt"/>
+        <a:ea typeface="+mn-ea"/>
+        <a:cs typeface="+mn-cs"/>
+      </a:defRPr>
+    </a:lvl6pPr>
+    <a:lvl7pPr marL="2743200" algn="l" defTabSz="914400" rtl="0" eaLnBrk="1" latinLnBrk="0" hangingPunct="1">
+      <a:defRPr sz="1200" kern="1200">
+        <a:solidFill>
+          <a:schemeClr val="tx1"/>
+        </a:solidFill>
+        <a:latin typeface="+mn-lt"/>
+        <a:ea typeface="+mn-ea"/>
+        <a:cs typeface="+mn-cs"/>
+      </a:defRPr>
+    </a:lvl7pPr>
+    <a:lvl8pPr marL="3200400" algn="l" defTabSz="914400" rtl="0" eaLnBrk="1" latinLnBrk="0" hangingPunct="1">
+      <a:defRPr sz="1200" kern="1200">
+        <a:solidFill>
+          <a:schemeClr val="tx1"/>
+        </a:solidFill>
+        <a:latin typeface="+mn-lt"/>
+        <a:ea typeface="+mn-ea"/>
+        <a:cs typeface="+mn-cs"/>
+      </a:defRPr>
+    </a:lvl8pPr>
+    <a:lvl9pPr marL="3657600" algn="l" defTabSz="914400" rtl="0" eaLnBrk="1" latinLnBrk="0" hangingPunct="1">
+      <a:defRPr sz="1200" kern="1200">
+        <a:solidFill>
+          <a:schemeClr val="tx1"/>
+        </a:solidFill>
+        <a:latin typeface="+mn-lt"/>
+        <a:ea typeface="+mn-ea"/>
+        <a:cs typeface="+mn-cs"/>
+      </a:defRPr>
+    </a:lvl9pPr>
+  </p:notesStyle>
+</p:notesMaster>
+</file>
+
+<file path=ppt/notesSlides/notesSlide1.xml><?xml version="1.0" encoding="utf-8"?>
+<p:notes xmlns:a="http://schemas.openxmlformats.org/drawingml/2006/main" xmlns:r="http://schemas.openxmlformats.org/officeDocument/2006/relationships" xmlns:p="http://schemas.openxmlformats.org/presentationml/2006/main">
+  <p:cSld>
+    <p:spTree>
+      <p:nvGrpSpPr>
+        <p:cNvPr id="1" name=""/>
+        <p:cNvGrpSpPr/>
+        <p:nvPr/>
+      </p:nvGrpSpPr>
+      <p:grpSpPr>
+        <a:xfrm>
+          <a:off x="0" y="0"/>
+          <a:ext cx="0" cy="0"/>
+          <a:chOff x="0" y="0"/>
+          <a:chExt cx="0" cy="0"/>
+        </a:xfrm>
+      </p:grpSpPr>
+      <p:sp>
+        <p:nvSpPr>
+          <p:cNvPr id="2" name="Slide Image Placeholder 1"/>
+          <p:cNvSpPr>
+            <a:spLocks noGrp="1" noRot="1" noChangeAspect="1"/>
+          </p:cNvSpPr>
+          <p:nvPr>
+            <p:ph type="sldImg"/>
+          </p:nvPr>
+        </p:nvSpPr>
+        <p:spPr/>
+      </p:sp>
+      <p:sp>
+        <p:nvSpPr>
+          <p:cNvPr id="3" name="Notes Placeholder 2"/>
+          <p:cNvSpPr>
+            <a:spLocks noGrp="1"/>
+          </p:cNvSpPr>
+          <p:nvPr>
+            <p:ph type="body" idx="1"/>
+          </p:nvPr>
+        </p:nvSpPr>
+        <p:spPr/>
+        <p:txBody>
+          <a:bodyPr/>
+          <a:lstStyle/>
+          <a:p>
+            <a:endParaRPr lang="en-US" dirty="0"/>
+          </a:p>
+        </p:txBody>
+      </p:sp>
+      <p:sp>
+        <p:nvSpPr>
+          <p:cNvPr id="4" name="Slide Number Placeholder 3"/>
+          <p:cNvSpPr>
+            <a:spLocks noGrp="1"/>
+          </p:cNvSpPr>
+          <p:nvPr>
+            <p:ph type="sldNum" sz="quarter" idx="5"/>
+          </p:nvPr>
+        </p:nvSpPr>
+        <p:spPr/>
+        <p:txBody>
+          <a:bodyPr/>
+          <a:lstStyle/>
+          <a:p>
+            <a:fld id="{9E526F2C-6B23-EF40-8ED8-C98EB975494B}" type="slidenum">
+              <a:rPr lang="en-US" smtClean="0"/>
+              <a:t>3</a:t>
+            </a:fld>
+            <a:endParaRPr lang="en-US"/>
+          </a:p>
+        </p:txBody>
+      </p:sp>
+    </p:spTree>
+    <p:extLst>
+      <p:ext uri="{BB962C8B-B14F-4D97-AF65-F5344CB8AC3E}">
+        <p14:creationId xmlns:p14="http://schemas.microsoft.com/office/powerpoint/2010/main" val="2405605952"/>
+      </p:ext>
+    </p:extLst>
+  </p:cSld>
+  <p:clrMapOvr>
+    <a:masterClrMapping/>
+  </p:clrMapOvr>
+</p:notes>
 </file>
 
 <file path=ppt/slideLayouts/slideLayout1.xml><?xml version="1.0" encoding="utf-8"?>
@@ -6283,7 +6719,7 @@
                   </a:solidFill>
                   <a:latin typeface="AVENIR LIGHT OBLIQUE" panose="020B0402020203090204" pitchFamily="34" charset="77"/>
                 </a:rPr>
-                <a:t>Holly</a:t>
+                <a:t>Hugo</a:t>
               </a:r>
             </a:p>
           </p:txBody>
@@ -7994,14 +8430,20 @@
             <a:p>
               <a:pPr algn="ctr"/>
               <a:r>
-                <a:rPr lang="en-US" sz="1000" dirty="0">
+                <a:rPr lang="en-US" sz="1000">
                   <a:solidFill>
                     <a:schemeClr val="tx1"/>
                   </a:solidFill>
                   <a:latin typeface="AVENIR LIGHT OBLIQUE" panose="020B0402020203090204" pitchFamily="34" charset="77"/>
                 </a:rPr>
-                <a:t>Holly</a:t>
+                <a:t>Hugo</a:t>
               </a:r>
+              <a:endParaRPr lang="en-US" sz="1000" dirty="0">
+                <a:solidFill>
+                  <a:schemeClr val="tx1"/>
+                </a:solidFill>
+                <a:latin typeface="AVENIR LIGHT OBLIQUE" panose="020B0402020203090204" pitchFamily="34" charset="77"/>
+              </a:endParaRPr>
             </a:p>
           </p:txBody>
         </p:sp>
@@ -9636,22 +10078,13 @@
               <a:lstStyle/>
               <a:p>
                 <a:r>
-                  <a:rPr lang="en-US" sz="1000">
-                    <a:solidFill>
-                      <a:srgbClr val="FF0000"/>
-                    </a:solidFill>
-                    <a:latin typeface="Avenir Book" panose="02000503020000020003" pitchFamily="2" charset="0"/>
-                  </a:rPr>
-                  <a:t>GET </a:t>
-                </a:r>
-                <a:r>
                   <a:rPr lang="en-US" sz="1000" dirty="0">
                     <a:solidFill>
                       <a:srgbClr val="FF0000"/>
                     </a:solidFill>
                     <a:latin typeface="Avenir Book" panose="02000503020000020003" pitchFamily="2" charset="0"/>
                   </a:rPr>
-                  <a:t>key-share</a:t>
+                  <a:t>GET key-share</a:t>
                 </a:r>
               </a:p>
             </p:txBody>
@@ -9984,4 +10417,319 @@
     </a:ext>
   </a:extLst>
 </a:theme>
+</file>
+
+<file path=ppt/theme/theme2.xml><?xml version="1.0" encoding="utf-8"?>
+<a:theme xmlns:a="http://schemas.openxmlformats.org/drawingml/2006/main" name="Office Theme">
+  <a:themeElements>
+    <a:clrScheme name="Office">
+      <a:dk1>
+        <a:sysClr val="windowText" lastClr="000000"/>
+      </a:dk1>
+      <a:lt1>
+        <a:sysClr val="window" lastClr="FFFFFF"/>
+      </a:lt1>
+      <a:dk2>
+        <a:srgbClr val="0E2841"/>
+      </a:dk2>
+      <a:lt2>
+        <a:srgbClr val="E8E8E8"/>
+      </a:lt2>
+      <a:accent1>
+        <a:srgbClr val="156082"/>
+      </a:accent1>
+      <a:accent2>
+        <a:srgbClr val="E97132"/>
+      </a:accent2>
+      <a:accent3>
+        <a:srgbClr val="196B24"/>
+      </a:accent3>
+      <a:accent4>
+        <a:srgbClr val="0F9ED5"/>
+      </a:accent4>
+      <a:accent5>
+        <a:srgbClr val="A02B93"/>
+      </a:accent5>
+      <a:accent6>
+        <a:srgbClr val="4EA72E"/>
+      </a:accent6>
+      <a:hlink>
+        <a:srgbClr val="467886"/>
+      </a:hlink>
+      <a:folHlink>
+        <a:srgbClr val="96607D"/>
+      </a:folHlink>
+    </a:clrScheme>
+    <a:fontScheme name="Office">
+      <a:majorFont>
+        <a:latin typeface="Aptos Display" panose="02110004020202020204"/>
+        <a:ea typeface=""/>
+        <a:cs typeface=""/>
+        <a:font script="Jpan" typeface="游ゴシック Light"/>
+        <a:font script="Hang" typeface="맑은 고딕"/>
+        <a:font script="Hans" typeface="等线 Light"/>
+        <a:font script="Hant" typeface="新細明體"/>
+        <a:font script="Arab" typeface="Times New Roman"/>
+        <a:font script="Hebr" typeface="Times New Roman"/>
+        <a:font script="Thai" typeface="Angsana New"/>
+        <a:font script="Ethi" typeface="Nyala"/>
+        <a:font script="Beng" typeface="Vrinda"/>
+        <a:font script="Gujr" typeface="Shruti"/>
+        <a:font script="Khmr" typeface="MoolBoran"/>
+        <a:font script="Knda" typeface="Tunga"/>
+        <a:font script="Guru" typeface="Raavi"/>
+        <a:font script="Cans" typeface="Euphemia"/>
+        <a:font script="Cher" typeface="Plantagenet Cherokee"/>
+        <a:font script="Yiii" typeface="Microsoft Yi Baiti"/>
+        <a:font script="Tibt" typeface="Microsoft Himalaya"/>
+        <a:font script="Thaa" typeface="MV Boli"/>
+        <a:font script="Deva" typeface="Mangal"/>
+        <a:font script="Telu" typeface="Gautami"/>
+        <a:font script="Taml" typeface="Latha"/>
+        <a:font script="Syrc" typeface="Estrangelo Edessa"/>
+        <a:font script="Orya" typeface="Kalinga"/>
+        <a:font script="Mlym" typeface="Kartika"/>
+        <a:font script="Laoo" typeface="DokChampa"/>
+        <a:font script="Sinh" typeface="Iskoola Pota"/>
+        <a:font script="Mong" typeface="Mongolian Baiti"/>
+        <a:font script="Viet" typeface="Times New Roman"/>
+        <a:font script="Uigh" typeface="Microsoft Uighur"/>
+        <a:font script="Geor" typeface="Sylfaen"/>
+        <a:font script="Armn" typeface="Arial"/>
+        <a:font script="Bugi" typeface="Leelawadee UI"/>
+        <a:font script="Bopo" typeface="Microsoft JhengHei"/>
+        <a:font script="Java" typeface="Javanese Text"/>
+        <a:font script="Lisu" typeface="Segoe UI"/>
+        <a:font script="Mymr" typeface="Myanmar Text"/>
+        <a:font script="Nkoo" typeface="Ebrima"/>
+        <a:font script="Olck" typeface="Nirmala UI"/>
+        <a:font script="Osma" typeface="Ebrima"/>
+        <a:font script="Phag" typeface="Phagspa"/>
+        <a:font script="Syrn" typeface="Estrangelo Edessa"/>
+        <a:font script="Syrj" typeface="Estrangelo Edessa"/>
+        <a:font script="Syre" typeface="Estrangelo Edessa"/>
+        <a:font script="Sora" typeface="Nirmala UI"/>
+        <a:font script="Tale" typeface="Microsoft Tai Le"/>
+        <a:font script="Talu" typeface="Microsoft New Tai Lue"/>
+        <a:font script="Tfng" typeface="Ebrima"/>
+      </a:majorFont>
+      <a:minorFont>
+        <a:latin typeface="Aptos" panose="02110004020202020204"/>
+        <a:ea typeface=""/>
+        <a:cs typeface=""/>
+        <a:font script="Jpan" typeface="游ゴシック"/>
+        <a:font script="Hang" typeface="맑은 고딕"/>
+        <a:font script="Hans" typeface="等线"/>
+        <a:font script="Hant" typeface="新細明體"/>
+        <a:font script="Arab" typeface="Arial"/>
+        <a:font script="Hebr" typeface="Arial"/>
+        <a:font script="Thai" typeface="Cordia New"/>
+        <a:font script="Ethi" typeface="Nyala"/>
+        <a:font script="Beng" typeface="Vrinda"/>
+        <a:font script="Gujr" typeface="Shruti"/>
+        <a:font script="Khmr" typeface="DaunPenh"/>
+        <a:font script="Knda" typeface="Tunga"/>
+        <a:font script="Guru" typeface="Raavi"/>
+        <a:font script="Cans" typeface="Euphemia"/>
+        <a:font script="Cher" typeface="Plantagenet Cherokee"/>
+        <a:font script="Yiii" typeface="Microsoft Yi Baiti"/>
+        <a:font script="Tibt" typeface="Microsoft Himalaya"/>
+        <a:font script="Thaa" typeface="MV Boli"/>
+        <a:font script="Deva" typeface="Mangal"/>
+        <a:font script="Telu" typeface="Gautami"/>
+        <a:font script="Taml" typeface="Latha"/>
+        <a:font script="Syrc" typeface="Estrangelo Edessa"/>
+        <a:font script="Orya" typeface="Kalinga"/>
+        <a:font script="Mlym" typeface="Kartika"/>
+        <a:font script="Laoo" typeface="DokChampa"/>
+        <a:font script="Sinh" typeface="Iskoola Pota"/>
+        <a:font script="Mong" typeface="Mongolian Baiti"/>
+        <a:font script="Viet" typeface="Arial"/>
+        <a:font script="Uigh" typeface="Microsoft Uighur"/>
+        <a:font script="Geor" typeface="Sylfaen"/>
+        <a:font script="Armn" typeface="Arial"/>
+        <a:font script="Bugi" typeface="Leelawadee UI"/>
+        <a:font script="Bopo" typeface="Microsoft JhengHei"/>
+        <a:font script="Java" typeface="Javanese Text"/>
+        <a:font script="Lisu" typeface="Segoe UI"/>
+        <a:font script="Mymr" typeface="Myanmar Text"/>
+        <a:font script="Nkoo" typeface="Ebrima"/>
+        <a:font script="Olck" typeface="Nirmala UI"/>
+        <a:font script="Osma" typeface="Ebrima"/>
+        <a:font script="Phag" typeface="Phagspa"/>
+        <a:font script="Syrn" typeface="Estrangelo Edessa"/>
+        <a:font script="Syrj" typeface="Estrangelo Edessa"/>
+        <a:font script="Syre" typeface="Estrangelo Edessa"/>
+        <a:font script="Sora" typeface="Nirmala UI"/>
+        <a:font script="Tale" typeface="Microsoft Tai Le"/>
+        <a:font script="Talu" typeface="Microsoft New Tai Lue"/>
+        <a:font script="Tfng" typeface="Ebrima"/>
+      </a:minorFont>
+    </a:fontScheme>
+    <a:fmtScheme name="Office">
+      <a:fillStyleLst>
+        <a:solidFill>
+          <a:schemeClr val="phClr"/>
+        </a:solidFill>
+        <a:gradFill rotWithShape="1">
+          <a:gsLst>
+            <a:gs pos="0">
+              <a:schemeClr val="phClr">
+                <a:lumMod val="110000"/>
+                <a:satMod val="105000"/>
+                <a:tint val="67000"/>
+              </a:schemeClr>
+            </a:gs>
+            <a:gs pos="50000">
+              <a:schemeClr val="phClr">
+                <a:lumMod val="105000"/>
+                <a:satMod val="103000"/>
+                <a:tint val="73000"/>
+              </a:schemeClr>
+            </a:gs>
+            <a:gs pos="100000">
+              <a:schemeClr val="phClr">
+                <a:lumMod val="105000"/>
+                <a:satMod val="109000"/>
+                <a:tint val="81000"/>
+              </a:schemeClr>
+            </a:gs>
+          </a:gsLst>
+          <a:lin ang="5400000" scaled="0"/>
+        </a:gradFill>
+        <a:gradFill rotWithShape="1">
+          <a:gsLst>
+            <a:gs pos="0">
+              <a:schemeClr val="phClr">
+                <a:satMod val="103000"/>
+                <a:lumMod val="102000"/>
+                <a:tint val="94000"/>
+              </a:schemeClr>
+            </a:gs>
+            <a:gs pos="50000">
+              <a:schemeClr val="phClr">
+                <a:satMod val="110000"/>
+                <a:lumMod val="100000"/>
+                <a:shade val="100000"/>
+              </a:schemeClr>
+            </a:gs>
+            <a:gs pos="100000">
+              <a:schemeClr val="phClr">
+                <a:lumMod val="99000"/>
+                <a:satMod val="120000"/>
+                <a:shade val="78000"/>
+              </a:schemeClr>
+            </a:gs>
+          </a:gsLst>
+          <a:lin ang="5400000" scaled="0"/>
+        </a:gradFill>
+      </a:fillStyleLst>
+      <a:lnStyleLst>
+        <a:ln w="12700" cap="flat" cmpd="sng" algn="ctr">
+          <a:solidFill>
+            <a:schemeClr val="phClr"/>
+          </a:solidFill>
+          <a:prstDash val="solid"/>
+          <a:miter lim="800000"/>
+        </a:ln>
+        <a:ln w="19050" cap="flat" cmpd="sng" algn="ctr">
+          <a:solidFill>
+            <a:schemeClr val="phClr"/>
+          </a:solidFill>
+          <a:prstDash val="solid"/>
+          <a:miter lim="800000"/>
+        </a:ln>
+        <a:ln w="25400" cap="flat" cmpd="sng" algn="ctr">
+          <a:solidFill>
+            <a:schemeClr val="phClr"/>
+          </a:solidFill>
+          <a:prstDash val="solid"/>
+          <a:miter lim="800000"/>
+        </a:ln>
+      </a:lnStyleLst>
+      <a:effectStyleLst>
+        <a:effectStyle>
+          <a:effectLst/>
+        </a:effectStyle>
+        <a:effectStyle>
+          <a:effectLst/>
+        </a:effectStyle>
+        <a:effectStyle>
+          <a:effectLst>
+            <a:outerShdw blurRad="57150" dist="19050" dir="5400000" algn="ctr" rotWithShape="0">
+              <a:srgbClr val="000000">
+                <a:alpha val="63000"/>
+              </a:srgbClr>
+            </a:outerShdw>
+          </a:effectLst>
+        </a:effectStyle>
+      </a:effectStyleLst>
+      <a:bgFillStyleLst>
+        <a:solidFill>
+          <a:schemeClr val="phClr"/>
+        </a:solidFill>
+        <a:solidFill>
+          <a:schemeClr val="phClr">
+            <a:tint val="95000"/>
+            <a:satMod val="170000"/>
+          </a:schemeClr>
+        </a:solidFill>
+        <a:gradFill rotWithShape="1">
+          <a:gsLst>
+            <a:gs pos="0">
+              <a:schemeClr val="phClr">
+                <a:tint val="93000"/>
+                <a:satMod val="150000"/>
+                <a:shade val="98000"/>
+                <a:lumMod val="102000"/>
+              </a:schemeClr>
+            </a:gs>
+            <a:gs pos="50000">
+              <a:schemeClr val="phClr">
+                <a:tint val="98000"/>
+                <a:satMod val="130000"/>
+                <a:shade val="90000"/>
+                <a:lumMod val="103000"/>
+              </a:schemeClr>
+            </a:gs>
+            <a:gs pos="100000">
+              <a:schemeClr val="phClr">
+                <a:shade val="63000"/>
+                <a:satMod val="120000"/>
+              </a:schemeClr>
+            </a:gs>
+          </a:gsLst>
+          <a:lin ang="5400000" scaled="0"/>
+        </a:gradFill>
+      </a:bgFillStyleLst>
+    </a:fmtScheme>
+  </a:themeElements>
+  <a:objectDefaults>
+    <a:lnDef>
+      <a:spPr/>
+      <a:bodyPr/>
+      <a:lstStyle/>
+      <a:style>
+        <a:lnRef idx="2">
+          <a:schemeClr val="accent1"/>
+        </a:lnRef>
+        <a:fillRef idx="0">
+          <a:schemeClr val="accent1"/>
+        </a:fillRef>
+        <a:effectRef idx="1">
+          <a:schemeClr val="accent1"/>
+        </a:effectRef>
+        <a:fontRef idx="minor">
+          <a:schemeClr val="tx1"/>
+        </a:fontRef>
+      </a:style>
+    </a:lnDef>
+  </a:objectDefaults>
+  <a:extraClrSchemeLst/>
+  <a:extLst>
+    <a:ext uri="{05A4C25C-085E-4340-85A3-A5531E510DB2}">
+      <thm15:themeFamily xmlns:thm15="http://schemas.microsoft.com/office/thememl/2012/main" name="Office Theme" id="{2E142A2C-CD16-42D6-873A-C26D2A0506FA}" vid="{1BDDFF52-6CD6-40A5-AB3C-68EB2F1E4D0A}"/>
+    </a:ext>
+  </a:extLst>
+</a:theme>
 </file>
--- a/docs/figures/figures.pptx
+++ b/docs/figures/figures.pptx
@@ -8430,7 +8430,7 @@
             <a:p>
               <a:pPr algn="ctr"/>
               <a:r>
-                <a:rPr lang="en-US" sz="1000">
+                <a:rPr lang="en-US" sz="1000" dirty="0">
                   <a:solidFill>
                     <a:schemeClr val="tx1"/>
                   </a:solidFill>
@@ -8438,12 +8438,6 @@
                 </a:rPr>
                 <a:t>Hugo</a:t>
               </a:r>
-              <a:endParaRPr lang="en-US" sz="1000" dirty="0">
-                <a:solidFill>
-                  <a:schemeClr val="tx1"/>
-                </a:solidFill>
-                <a:latin typeface="AVENIR LIGHT OBLIQUE" panose="020B0402020203090204" pitchFamily="34" charset="77"/>
-              </a:endParaRPr>
             </a:p>
           </p:txBody>
         </p:sp>

--- a/docs/figures/figures.pptx
+++ b/docs/figures/figures.pptx
@@ -109,6 +109,11 @@
       </a:defRPr>
     </a:lvl9pPr>
   </p:defaultTextStyle>
+  <p:extLst>
+    <p:ext uri="{EFAFB233-063F-42B5-8137-9DF3F51BA10A}">
+      <p15:sldGuideLst xmlns:p15="http://schemas.microsoft.com/office/powerpoint/2012/main"/>
+    </p:ext>
+  </p:extLst>
 </p:presentation>
 </file>
 
@@ -194,7 +199,7 @@
           <a:p>
             <a:fld id="{66C4A6C0-F2EC-FC45-B98B-ED31D507F3F3}" type="datetimeFigureOut">
               <a:rPr lang="en-US" smtClean="0"/>
-              <a:t>9/2/25</a:t>
+              <a:t>9/3/25</a:t>
             </a:fld>
             <a:endParaRPr lang="en-US"/>
           </a:p>
@@ -692,7 +697,7 @@
           <a:p>
             <a:fld id="{6E32B2FD-E7C2-BB4E-8CD5-3A0929CC3D5F}" type="datetimeFigureOut">
               <a:rPr lang="en-US" smtClean="0"/>
-              <a:t>9/2/25</a:t>
+              <a:t>9/3/25</a:t>
             </a:fld>
             <a:endParaRPr lang="en-US"/>
           </a:p>
@@ -890,7 +895,7 @@
           <a:p>
             <a:fld id="{6E32B2FD-E7C2-BB4E-8CD5-3A0929CC3D5F}" type="datetimeFigureOut">
               <a:rPr lang="en-US" smtClean="0"/>
-              <a:t>9/2/25</a:t>
+              <a:t>9/3/25</a:t>
             </a:fld>
             <a:endParaRPr lang="en-US"/>
           </a:p>
@@ -1098,7 +1103,7 @@
           <a:p>
             <a:fld id="{6E32B2FD-E7C2-BB4E-8CD5-3A0929CC3D5F}" type="datetimeFigureOut">
               <a:rPr lang="en-US" smtClean="0"/>
-              <a:t>9/2/25</a:t>
+              <a:t>9/3/25</a:t>
             </a:fld>
             <a:endParaRPr lang="en-US"/>
           </a:p>
@@ -1296,7 +1301,7 @@
           <a:p>
             <a:fld id="{6E32B2FD-E7C2-BB4E-8CD5-3A0929CC3D5F}" type="datetimeFigureOut">
               <a:rPr lang="en-US" smtClean="0"/>
-              <a:t>9/2/25</a:t>
+              <a:t>9/3/25</a:t>
             </a:fld>
             <a:endParaRPr lang="en-US"/>
           </a:p>
@@ -1571,7 +1576,7 @@
           <a:p>
             <a:fld id="{6E32B2FD-E7C2-BB4E-8CD5-3A0929CC3D5F}" type="datetimeFigureOut">
               <a:rPr lang="en-US" smtClean="0"/>
-              <a:t>9/2/25</a:t>
+              <a:t>9/3/25</a:t>
             </a:fld>
             <a:endParaRPr lang="en-US"/>
           </a:p>
@@ -1836,7 +1841,7 @@
           <a:p>
             <a:fld id="{6E32B2FD-E7C2-BB4E-8CD5-3A0929CC3D5F}" type="datetimeFigureOut">
               <a:rPr lang="en-US" smtClean="0"/>
-              <a:t>9/2/25</a:t>
+              <a:t>9/3/25</a:t>
             </a:fld>
             <a:endParaRPr lang="en-US"/>
           </a:p>
@@ -2248,7 +2253,7 @@
           <a:p>
             <a:fld id="{6E32B2FD-E7C2-BB4E-8CD5-3A0929CC3D5F}" type="datetimeFigureOut">
               <a:rPr lang="en-US" smtClean="0"/>
-              <a:t>9/2/25</a:t>
+              <a:t>9/3/25</a:t>
             </a:fld>
             <a:endParaRPr lang="en-US"/>
           </a:p>
@@ -2389,7 +2394,7 @@
           <a:p>
             <a:fld id="{6E32B2FD-E7C2-BB4E-8CD5-3A0929CC3D5F}" type="datetimeFigureOut">
               <a:rPr lang="en-US" smtClean="0"/>
-              <a:t>9/2/25</a:t>
+              <a:t>9/3/25</a:t>
             </a:fld>
             <a:endParaRPr lang="en-US"/>
           </a:p>
@@ -2502,7 +2507,7 @@
           <a:p>
             <a:fld id="{6E32B2FD-E7C2-BB4E-8CD5-3A0929CC3D5F}" type="datetimeFigureOut">
               <a:rPr lang="en-US" smtClean="0"/>
-              <a:t>9/2/25</a:t>
+              <a:t>9/3/25</a:t>
             </a:fld>
             <a:endParaRPr lang="en-US"/>
           </a:p>
@@ -2813,7 +2818,7 @@
           <a:p>
             <a:fld id="{6E32B2FD-E7C2-BB4E-8CD5-3A0929CC3D5F}" type="datetimeFigureOut">
               <a:rPr lang="en-US" smtClean="0"/>
-              <a:t>9/2/25</a:t>
+              <a:t>9/3/25</a:t>
             </a:fld>
             <a:endParaRPr lang="en-US"/>
           </a:p>
@@ -3101,7 +3106,7 @@
           <a:p>
             <a:fld id="{6E32B2FD-E7C2-BB4E-8CD5-3A0929CC3D5F}" type="datetimeFigureOut">
               <a:rPr lang="en-US" smtClean="0"/>
-              <a:t>9/2/25</a:t>
+              <a:t>9/3/25</a:t>
             </a:fld>
             <a:endParaRPr lang="en-US"/>
           </a:p>
@@ -3342,7 +3347,7 @@
           <a:p>
             <a:fld id="{6E32B2FD-E7C2-BB4E-8CD5-3A0929CC3D5F}" type="datetimeFigureOut">
               <a:rPr lang="en-US" smtClean="0"/>
-              <a:t>9/2/25</a:t>
+              <a:t>9/3/25</a:t>
             </a:fld>
             <a:endParaRPr lang="en-US"/>
           </a:p>
@@ -6126,9 +6131,9 @@
             <a:avLst/>
           </a:prstGeom>
           <a:solidFill>
-            <a:schemeClr val="accent6">
-              <a:lumMod val="20000"/>
-              <a:lumOff val="80000"/>
+            <a:schemeClr val="tx2">
+              <a:lumMod val="10000"/>
+              <a:lumOff val="90000"/>
             </a:schemeClr>
           </a:solidFill>
           <a:ln w="9525">
@@ -6191,9 +6196,9 @@
             <a:avLst/>
           </a:prstGeom>
           <a:solidFill>
-            <a:schemeClr val="accent6">
-              <a:lumMod val="20000"/>
-              <a:lumOff val="80000"/>
+            <a:schemeClr val="tx2">
+              <a:lumMod val="10000"/>
+              <a:lumOff val="90000"/>
             </a:schemeClr>
           </a:solidFill>
           <a:ln w="9525">
@@ -7982,510 +7987,426 @@
           <a:chExt cx="0" cy="0"/>
         </a:xfrm>
       </p:grpSpPr>
-      <p:grpSp>
-        <p:nvGrpSpPr>
-          <p:cNvPr id="13" name="Group 12">
-            <a:extLst>
-              <a:ext uri="{FF2B5EF4-FFF2-40B4-BE49-F238E27FC236}">
-                <a16:creationId xmlns:a16="http://schemas.microsoft.com/office/drawing/2014/main" id="{E7EF711E-0297-4F9E-48A7-18E4148C4D96}"/>
-              </a:ext>
-            </a:extLst>
-          </p:cNvPr>
-          <p:cNvGrpSpPr/>
+      <p:sp>
+        <p:nvSpPr>
+          <p:cNvPr id="2" name="Rectangle 1">
+            <a:extLst>
+              <a:ext uri="{FF2B5EF4-FFF2-40B4-BE49-F238E27FC236}">
+                <a16:creationId xmlns:a16="http://schemas.microsoft.com/office/drawing/2014/main" id="{429A68AC-2BE3-8165-5DF8-91BF7AC7DB92}"/>
+              </a:ext>
+            </a:extLst>
+          </p:cNvPr>
+          <p:cNvSpPr/>
           <p:nvPr/>
-        </p:nvGrpSpPr>
-        <p:grpSpPr>
+        </p:nvSpPr>
+        <p:spPr>
           <a:xfrm>
             <a:off x="8510158" y="1434512"/>
-            <a:ext cx="600778" cy="3537023"/>
-            <a:chOff x="3608757" y="1282112"/>
-            <a:chExt cx="600778" cy="3537023"/>
-          </a:xfrm>
-        </p:grpSpPr>
-        <p:sp>
-          <p:nvSpPr>
-            <p:cNvPr id="2" name="Rectangle 1">
-              <a:extLst>
-                <a:ext uri="{FF2B5EF4-FFF2-40B4-BE49-F238E27FC236}">
-                  <a16:creationId xmlns:a16="http://schemas.microsoft.com/office/drawing/2014/main" id="{429A68AC-2BE3-8165-5DF8-91BF7AC7DB92}"/>
-                </a:ext>
-              </a:extLst>
-            </p:cNvPr>
-            <p:cNvSpPr/>
-            <p:nvPr/>
-          </p:nvSpPr>
-          <p:spPr>
-            <a:xfrm>
-              <a:off x="3608757" y="1282112"/>
-              <a:ext cx="600778" cy="600778"/>
-            </a:xfrm>
-            <a:prstGeom prst="rect">
-              <a:avLst/>
-            </a:prstGeom>
+            <a:ext cx="600778" cy="600778"/>
+          </a:xfrm>
+          <a:prstGeom prst="rect">
+            <a:avLst/>
+          </a:prstGeom>
+          <a:solidFill>
+            <a:schemeClr val="tx2">
+              <a:lumMod val="10000"/>
+              <a:lumOff val="90000"/>
+            </a:schemeClr>
+          </a:solidFill>
+          <a:ln w="9525"/>
+        </p:spPr>
+        <p:style>
+          <a:lnRef idx="2">
+            <a:schemeClr val="accent1">
+              <a:shade val="15000"/>
+            </a:schemeClr>
+          </a:lnRef>
+          <a:fillRef idx="1">
+            <a:schemeClr val="accent1"/>
+          </a:fillRef>
+          <a:effectRef idx="0">
+            <a:schemeClr val="accent1"/>
+          </a:effectRef>
+          <a:fontRef idx="minor">
+            <a:schemeClr val="lt1"/>
+          </a:fontRef>
+        </p:style>
+        <p:txBody>
+          <a:bodyPr rtlCol="0" anchor="ctr"/>
+          <a:lstStyle/>
+          <a:p>
+            <a:pPr algn="ctr"/>
+            <a:r>
+              <a:rPr lang="en-US" sz="1000" dirty="0">
+                <a:solidFill>
+                  <a:schemeClr val="tx1"/>
+                </a:solidFill>
+                <a:latin typeface="Avenir Book" panose="02000503020000020003" pitchFamily="2" charset="0"/>
+              </a:rPr>
+              <a:t>Conny</a:t>
+            </a:r>
+          </a:p>
+        </p:txBody>
+      </p:sp>
+      <p:cxnSp>
+        <p:nvCxnSpPr>
+          <p:cNvPr id="3" name="Straight Connector 2">
+            <a:extLst>
+              <a:ext uri="{FF2B5EF4-FFF2-40B4-BE49-F238E27FC236}">
+                <a16:creationId xmlns:a16="http://schemas.microsoft.com/office/drawing/2014/main" id="{9F686646-6167-4992-1D29-77D8607269FE}"/>
+              </a:ext>
+            </a:extLst>
+          </p:cNvPr>
+          <p:cNvCxnSpPr>
+            <a:cxnSpLocks/>
+            <a:stCxn id="2" idx="2"/>
+          </p:cNvCxnSpPr>
+          <p:nvPr/>
+        </p:nvCxnSpPr>
+        <p:spPr>
+          <a:xfrm>
+            <a:off x="8810547" y="2035290"/>
+            <a:ext cx="0" cy="2936245"/>
+          </a:xfrm>
+          <a:prstGeom prst="line">
+            <a:avLst/>
+          </a:prstGeom>
+          <a:ln w="9525">
             <a:solidFill>
-              <a:schemeClr val="tx2">
-                <a:lumMod val="10000"/>
-                <a:lumOff val="90000"/>
-              </a:schemeClr>
+              <a:schemeClr val="tx1"/>
             </a:solidFill>
-            <a:ln w="9525"/>
-          </p:spPr>
-          <p:style>
-            <a:lnRef idx="2">
-              <a:schemeClr val="accent1">
-                <a:shade val="15000"/>
-              </a:schemeClr>
-            </a:lnRef>
-            <a:fillRef idx="1">
-              <a:schemeClr val="accent1"/>
-            </a:fillRef>
-            <a:effectRef idx="0">
-              <a:schemeClr val="accent1"/>
-            </a:effectRef>
-            <a:fontRef idx="minor">
-              <a:schemeClr val="lt1"/>
-            </a:fontRef>
-          </p:style>
-          <p:txBody>
-            <a:bodyPr rtlCol="0" anchor="ctr"/>
-            <a:lstStyle/>
-            <a:p>
-              <a:pPr algn="ctr"/>
-              <a:r>
-                <a:rPr lang="en-US" sz="1000" dirty="0">
-                  <a:solidFill>
-                    <a:schemeClr val="tx1"/>
-                  </a:solidFill>
-                  <a:latin typeface="Avenir Book" panose="02000503020000020003" pitchFamily="2" charset="0"/>
-                </a:rPr>
-                <a:t>Conny</a:t>
-              </a:r>
-            </a:p>
-          </p:txBody>
-        </p:sp>
-        <p:cxnSp>
-          <p:nvCxnSpPr>
-            <p:cNvPr id="3" name="Straight Connector 2">
-              <a:extLst>
-                <a:ext uri="{FF2B5EF4-FFF2-40B4-BE49-F238E27FC236}">
-                  <a16:creationId xmlns:a16="http://schemas.microsoft.com/office/drawing/2014/main" id="{9F686646-6167-4992-1D29-77D8607269FE}"/>
-                </a:ext>
-              </a:extLst>
-            </p:cNvPr>
-            <p:cNvCxnSpPr>
-              <a:cxnSpLocks/>
-              <a:stCxn id="2" idx="2"/>
-            </p:cNvCxnSpPr>
-            <p:nvPr/>
-          </p:nvCxnSpPr>
-          <p:spPr>
-            <a:xfrm>
-              <a:off x="3909146" y="1882890"/>
-              <a:ext cx="0" cy="2936245"/>
-            </a:xfrm>
-            <a:prstGeom prst="line">
-              <a:avLst/>
-            </a:prstGeom>
-            <a:ln w="9525">
-              <a:solidFill>
-                <a:schemeClr val="tx1"/>
-              </a:solidFill>
-            </a:ln>
-          </p:spPr>
-          <p:style>
-            <a:lnRef idx="2">
-              <a:schemeClr val="accent1"/>
-            </a:lnRef>
-            <a:fillRef idx="0">
-              <a:schemeClr val="accent1"/>
-            </a:fillRef>
-            <a:effectRef idx="1">
-              <a:schemeClr val="accent1"/>
-            </a:effectRef>
-            <a:fontRef idx="minor">
-              <a:schemeClr val="tx1"/>
-            </a:fontRef>
-          </p:style>
-        </p:cxnSp>
-      </p:grpSp>
-      <p:grpSp>
-        <p:nvGrpSpPr>
-          <p:cNvPr id="14" name="Group 13">
-            <a:extLst>
-              <a:ext uri="{FF2B5EF4-FFF2-40B4-BE49-F238E27FC236}">
-                <a16:creationId xmlns:a16="http://schemas.microsoft.com/office/drawing/2014/main" id="{35DD520D-BC11-13C9-083E-D310BA03708B}"/>
-              </a:ext>
-            </a:extLst>
-          </p:cNvPr>
-          <p:cNvGrpSpPr/>
+          </a:ln>
+        </p:spPr>
+        <p:style>
+          <a:lnRef idx="2">
+            <a:schemeClr val="accent1"/>
+          </a:lnRef>
+          <a:fillRef idx="0">
+            <a:schemeClr val="accent1"/>
+          </a:fillRef>
+          <a:effectRef idx="1">
+            <a:schemeClr val="accent1"/>
+          </a:effectRef>
+          <a:fontRef idx="minor">
+            <a:schemeClr val="tx1"/>
+          </a:fontRef>
+        </p:style>
+      </p:cxnSp>
+      <p:sp>
+        <p:nvSpPr>
+          <p:cNvPr id="15" name="Rectangle 14">
+            <a:extLst>
+              <a:ext uri="{FF2B5EF4-FFF2-40B4-BE49-F238E27FC236}">
+                <a16:creationId xmlns:a16="http://schemas.microsoft.com/office/drawing/2014/main" id="{B92C6239-B889-9882-3728-BA3AA1D26B43}"/>
+              </a:ext>
+            </a:extLst>
+          </p:cNvPr>
+          <p:cNvSpPr/>
           <p:nvPr/>
-        </p:nvGrpSpPr>
-        <p:grpSpPr>
+        </p:nvSpPr>
+        <p:spPr>
           <a:xfrm>
             <a:off x="2992741" y="1434512"/>
-            <a:ext cx="600778" cy="3537023"/>
-            <a:chOff x="3608757" y="1282112"/>
-            <a:chExt cx="600778" cy="3537023"/>
-          </a:xfrm>
-        </p:grpSpPr>
-        <p:sp>
-          <p:nvSpPr>
-            <p:cNvPr id="15" name="Rectangle 14">
-              <a:extLst>
-                <a:ext uri="{FF2B5EF4-FFF2-40B4-BE49-F238E27FC236}">
-                  <a16:creationId xmlns:a16="http://schemas.microsoft.com/office/drawing/2014/main" id="{B92C6239-B889-9882-3728-BA3AA1D26B43}"/>
-                </a:ext>
-              </a:extLst>
-            </p:cNvPr>
-            <p:cNvSpPr/>
-            <p:nvPr/>
-          </p:nvSpPr>
-          <p:spPr>
-            <a:xfrm>
-              <a:off x="3608757" y="1282112"/>
-              <a:ext cx="600778" cy="600778"/>
-            </a:xfrm>
-            <a:prstGeom prst="rect">
-              <a:avLst/>
-            </a:prstGeom>
+            <a:ext cx="600778" cy="600778"/>
+          </a:xfrm>
+          <a:prstGeom prst="rect">
+            <a:avLst/>
+          </a:prstGeom>
+          <a:solidFill>
+            <a:schemeClr val="tx2">
+              <a:lumMod val="10000"/>
+              <a:lumOff val="90000"/>
+            </a:schemeClr>
+          </a:solidFill>
+          <a:ln w="9525"/>
+        </p:spPr>
+        <p:style>
+          <a:lnRef idx="2">
+            <a:schemeClr val="accent1">
+              <a:shade val="15000"/>
+            </a:schemeClr>
+          </a:lnRef>
+          <a:fillRef idx="1">
+            <a:schemeClr val="accent1"/>
+          </a:fillRef>
+          <a:effectRef idx="0">
+            <a:schemeClr val="accent1"/>
+          </a:effectRef>
+          <a:fontRef idx="minor">
+            <a:schemeClr val="lt1"/>
+          </a:fontRef>
+        </p:style>
+        <p:txBody>
+          <a:bodyPr rtlCol="0" anchor="ctr"/>
+          <a:lstStyle/>
+          <a:p>
+            <a:pPr algn="ctr"/>
+            <a:r>
+              <a:rPr lang="en-US" sz="1000" dirty="0">
+                <a:solidFill>
+                  <a:schemeClr val="tx1"/>
+                </a:solidFill>
+                <a:latin typeface="Avenir Book" panose="02000503020000020003" pitchFamily="2" charset="0"/>
+              </a:rPr>
+              <a:t>Carol</a:t>
+            </a:r>
+          </a:p>
+        </p:txBody>
+      </p:sp>
+      <p:cxnSp>
+        <p:nvCxnSpPr>
+          <p:cNvPr id="16" name="Straight Connector 15">
+            <a:extLst>
+              <a:ext uri="{FF2B5EF4-FFF2-40B4-BE49-F238E27FC236}">
+                <a16:creationId xmlns:a16="http://schemas.microsoft.com/office/drawing/2014/main" id="{723F08AE-809E-C032-D548-E3CA535D39A5}"/>
+              </a:ext>
+            </a:extLst>
+          </p:cNvPr>
+          <p:cNvCxnSpPr>
+            <a:cxnSpLocks/>
+            <a:stCxn id="15" idx="2"/>
+          </p:cNvCxnSpPr>
+          <p:nvPr/>
+        </p:nvCxnSpPr>
+        <p:spPr>
+          <a:xfrm>
+            <a:off x="3293130" y="2035290"/>
+            <a:ext cx="0" cy="2936245"/>
+          </a:xfrm>
+          <a:prstGeom prst="line">
+            <a:avLst/>
+          </a:prstGeom>
+          <a:ln w="9525">
             <a:solidFill>
-              <a:schemeClr val="tx2">
-                <a:lumMod val="10000"/>
-                <a:lumOff val="90000"/>
-              </a:schemeClr>
+              <a:schemeClr val="tx1"/>
             </a:solidFill>
-            <a:ln w="9525"/>
-          </p:spPr>
-          <p:style>
-            <a:lnRef idx="2">
-              <a:schemeClr val="accent1">
-                <a:shade val="15000"/>
-              </a:schemeClr>
-            </a:lnRef>
-            <a:fillRef idx="1">
-              <a:schemeClr val="accent1"/>
-            </a:fillRef>
-            <a:effectRef idx="0">
-              <a:schemeClr val="accent1"/>
-            </a:effectRef>
-            <a:fontRef idx="minor">
-              <a:schemeClr val="lt1"/>
-            </a:fontRef>
-          </p:style>
-          <p:txBody>
-            <a:bodyPr rtlCol="0" anchor="ctr"/>
-            <a:lstStyle/>
-            <a:p>
-              <a:pPr algn="ctr"/>
-              <a:r>
-                <a:rPr lang="en-US" sz="1000" dirty="0">
-                  <a:solidFill>
-                    <a:schemeClr val="tx1"/>
-                  </a:solidFill>
-                  <a:latin typeface="Avenir Book" panose="02000503020000020003" pitchFamily="2" charset="0"/>
-                </a:rPr>
-                <a:t>Carol</a:t>
-              </a:r>
-            </a:p>
-          </p:txBody>
-        </p:sp>
-        <p:cxnSp>
-          <p:nvCxnSpPr>
-            <p:cNvPr id="16" name="Straight Connector 15">
-              <a:extLst>
-                <a:ext uri="{FF2B5EF4-FFF2-40B4-BE49-F238E27FC236}">
-                  <a16:creationId xmlns:a16="http://schemas.microsoft.com/office/drawing/2014/main" id="{723F08AE-809E-C032-D548-E3CA535D39A5}"/>
-                </a:ext>
-              </a:extLst>
-            </p:cNvPr>
-            <p:cNvCxnSpPr>
-              <a:cxnSpLocks/>
-              <a:stCxn id="15" idx="2"/>
-            </p:cNvCxnSpPr>
-            <p:nvPr/>
-          </p:nvCxnSpPr>
-          <p:spPr>
-            <a:xfrm>
-              <a:off x="3909146" y="1882890"/>
-              <a:ext cx="0" cy="2936245"/>
-            </a:xfrm>
-            <a:prstGeom prst="line">
-              <a:avLst/>
-            </a:prstGeom>
-            <a:ln w="9525">
-              <a:solidFill>
-                <a:schemeClr val="tx1"/>
-              </a:solidFill>
-            </a:ln>
-          </p:spPr>
-          <p:style>
-            <a:lnRef idx="2">
-              <a:schemeClr val="accent1"/>
-            </a:lnRef>
-            <a:fillRef idx="0">
-              <a:schemeClr val="accent1"/>
-            </a:fillRef>
-            <a:effectRef idx="1">
-              <a:schemeClr val="accent1"/>
-            </a:effectRef>
-            <a:fontRef idx="minor">
-              <a:schemeClr val="tx1"/>
-            </a:fontRef>
-          </p:style>
-        </p:cxnSp>
-      </p:grpSp>
-      <p:grpSp>
-        <p:nvGrpSpPr>
-          <p:cNvPr id="20" name="Group 19">
-            <a:extLst>
-              <a:ext uri="{FF2B5EF4-FFF2-40B4-BE49-F238E27FC236}">
-                <a16:creationId xmlns:a16="http://schemas.microsoft.com/office/drawing/2014/main" id="{048FE7B4-3B4B-0BFB-672A-04364DE09667}"/>
-              </a:ext>
-            </a:extLst>
-          </p:cNvPr>
-          <p:cNvGrpSpPr/>
+          </a:ln>
+        </p:spPr>
+        <p:style>
+          <a:lnRef idx="2">
+            <a:schemeClr val="accent1"/>
+          </a:lnRef>
+          <a:fillRef idx="0">
+            <a:schemeClr val="accent1"/>
+          </a:fillRef>
+          <a:effectRef idx="1">
+            <a:schemeClr val="accent1"/>
+          </a:effectRef>
+          <a:fontRef idx="minor">
+            <a:schemeClr val="tx1"/>
+          </a:fontRef>
+        </p:style>
+      </p:cxnSp>
+      <p:sp>
+        <p:nvSpPr>
+          <p:cNvPr id="17" name="Oval 16">
+            <a:extLst>
+              <a:ext uri="{FF2B5EF4-FFF2-40B4-BE49-F238E27FC236}">
+                <a16:creationId xmlns:a16="http://schemas.microsoft.com/office/drawing/2014/main" id="{6153BA0C-1699-9304-C16C-71BE54A7C4D9}"/>
+              </a:ext>
+            </a:extLst>
+          </p:cNvPr>
+          <p:cNvSpPr/>
           <p:nvPr/>
-        </p:nvGrpSpPr>
-        <p:grpSpPr>
+        </p:nvSpPr>
+        <p:spPr>
           <a:xfrm>
             <a:off x="5041237" y="1434512"/>
-            <a:ext cx="600777" cy="3537023"/>
-            <a:chOff x="4840314" y="1500414"/>
-            <a:chExt cx="600777" cy="3537023"/>
-          </a:xfrm>
-        </p:grpSpPr>
-        <p:sp>
-          <p:nvSpPr>
-            <p:cNvPr id="17" name="Oval 16">
-              <a:extLst>
-                <a:ext uri="{FF2B5EF4-FFF2-40B4-BE49-F238E27FC236}">
-                  <a16:creationId xmlns:a16="http://schemas.microsoft.com/office/drawing/2014/main" id="{6153BA0C-1699-9304-C16C-71BE54A7C4D9}"/>
-                </a:ext>
-              </a:extLst>
-            </p:cNvPr>
-            <p:cNvSpPr/>
-            <p:nvPr/>
-          </p:nvSpPr>
-          <p:spPr>
-            <a:xfrm>
-              <a:off x="4840314" y="1500414"/>
-              <a:ext cx="600777" cy="600778"/>
-            </a:xfrm>
-            <a:prstGeom prst="ellipse">
-              <a:avLst/>
-            </a:prstGeom>
+            <a:ext cx="600777" cy="600778"/>
+          </a:xfrm>
+          <a:prstGeom prst="ellipse">
+            <a:avLst/>
+          </a:prstGeom>
+          <a:solidFill>
+            <a:schemeClr val="tx2">
+              <a:lumMod val="10000"/>
+              <a:lumOff val="90000"/>
+            </a:schemeClr>
+          </a:solidFill>
+          <a:ln w="6350"/>
+        </p:spPr>
+        <p:style>
+          <a:lnRef idx="2">
+            <a:schemeClr val="accent1">
+              <a:shade val="15000"/>
+            </a:schemeClr>
+          </a:lnRef>
+          <a:fillRef idx="1">
+            <a:schemeClr val="accent1"/>
+          </a:fillRef>
+          <a:effectRef idx="0">
+            <a:schemeClr val="accent1"/>
+          </a:effectRef>
+          <a:fontRef idx="minor">
+            <a:schemeClr val="lt1"/>
+          </a:fontRef>
+        </p:style>
+        <p:txBody>
+          <a:bodyPr lIns="0" tIns="0" rIns="0" bIns="0" rtlCol="0" anchor="ctr"/>
+          <a:lstStyle/>
+          <a:p>
+            <a:pPr algn="ctr"/>
+            <a:r>
+              <a:rPr lang="en-US" sz="1000" dirty="0">
+                <a:solidFill>
+                  <a:schemeClr val="tx1"/>
+                </a:solidFill>
+                <a:latin typeface="AVENIR LIGHT OBLIQUE" panose="020B0402020203090204" pitchFamily="34" charset="77"/>
+              </a:rPr>
+              <a:t>Hank</a:t>
+            </a:r>
+          </a:p>
+        </p:txBody>
+      </p:sp>
+      <p:cxnSp>
+        <p:nvCxnSpPr>
+          <p:cNvPr id="18" name="Straight Connector 17">
+            <a:extLst>
+              <a:ext uri="{FF2B5EF4-FFF2-40B4-BE49-F238E27FC236}">
+                <a16:creationId xmlns:a16="http://schemas.microsoft.com/office/drawing/2014/main" id="{0CC99823-5A86-F169-19FA-970A7C80AC95}"/>
+              </a:ext>
+            </a:extLst>
+          </p:cNvPr>
+          <p:cNvCxnSpPr>
+            <a:cxnSpLocks/>
+            <a:stCxn id="17" idx="4"/>
+          </p:cNvCxnSpPr>
+          <p:nvPr/>
+        </p:nvCxnSpPr>
+        <p:spPr>
+          <a:xfrm>
+            <a:off x="5341626" y="2035290"/>
+            <a:ext cx="4410" cy="2936245"/>
+          </a:xfrm>
+          <a:prstGeom prst="line">
+            <a:avLst/>
+          </a:prstGeom>
+          <a:ln w="9525">
             <a:solidFill>
-              <a:schemeClr val="tx2">
-                <a:lumMod val="10000"/>
-                <a:lumOff val="90000"/>
-              </a:schemeClr>
+              <a:schemeClr val="tx1"/>
             </a:solidFill>
-            <a:ln w="6350"/>
-          </p:spPr>
-          <p:style>
-            <a:lnRef idx="2">
-              <a:schemeClr val="accent1">
-                <a:shade val="15000"/>
-              </a:schemeClr>
-            </a:lnRef>
-            <a:fillRef idx="1">
-              <a:schemeClr val="accent1"/>
-            </a:fillRef>
-            <a:effectRef idx="0">
-              <a:schemeClr val="accent1"/>
-            </a:effectRef>
-            <a:fontRef idx="minor">
-              <a:schemeClr val="lt1"/>
-            </a:fontRef>
-          </p:style>
-          <p:txBody>
-            <a:bodyPr lIns="0" tIns="0" rIns="0" bIns="0" rtlCol="0" anchor="ctr"/>
-            <a:lstStyle/>
-            <a:p>
-              <a:pPr algn="ctr"/>
-              <a:r>
-                <a:rPr lang="en-US" sz="1000" dirty="0">
-                  <a:solidFill>
-                    <a:schemeClr val="tx1"/>
-                  </a:solidFill>
-                  <a:latin typeface="AVENIR LIGHT OBLIQUE" panose="020B0402020203090204" pitchFamily="34" charset="77"/>
-                </a:rPr>
-                <a:t>Hank</a:t>
-              </a:r>
-            </a:p>
-          </p:txBody>
-        </p:sp>
-        <p:cxnSp>
-          <p:nvCxnSpPr>
-            <p:cNvPr id="18" name="Straight Connector 17">
-              <a:extLst>
-                <a:ext uri="{FF2B5EF4-FFF2-40B4-BE49-F238E27FC236}">
-                  <a16:creationId xmlns:a16="http://schemas.microsoft.com/office/drawing/2014/main" id="{0CC99823-5A86-F169-19FA-970A7C80AC95}"/>
-                </a:ext>
-              </a:extLst>
-            </p:cNvPr>
-            <p:cNvCxnSpPr>
-              <a:cxnSpLocks/>
-              <a:stCxn id="17" idx="4"/>
-            </p:cNvCxnSpPr>
-            <p:nvPr/>
-          </p:nvCxnSpPr>
-          <p:spPr>
-            <a:xfrm>
-              <a:off x="5140703" y="2101192"/>
-              <a:ext cx="4410" cy="2936245"/>
-            </a:xfrm>
-            <a:prstGeom prst="line">
-              <a:avLst/>
-            </a:prstGeom>
-            <a:ln w="9525">
-              <a:solidFill>
-                <a:schemeClr val="tx1"/>
-              </a:solidFill>
-            </a:ln>
-          </p:spPr>
-          <p:style>
-            <a:lnRef idx="2">
-              <a:schemeClr val="accent1"/>
-            </a:lnRef>
-            <a:fillRef idx="0">
-              <a:schemeClr val="accent1"/>
-            </a:fillRef>
-            <a:effectRef idx="1">
-              <a:schemeClr val="accent1"/>
-            </a:effectRef>
-            <a:fontRef idx="minor">
-              <a:schemeClr val="tx1"/>
-            </a:fontRef>
-          </p:style>
-        </p:cxnSp>
-      </p:grpSp>
-      <p:grpSp>
-        <p:nvGrpSpPr>
-          <p:cNvPr id="21" name="Group 20">
-            <a:extLst>
-              <a:ext uri="{FF2B5EF4-FFF2-40B4-BE49-F238E27FC236}">
-                <a16:creationId xmlns:a16="http://schemas.microsoft.com/office/drawing/2014/main" id="{9A27BF8A-DA36-7628-B1D4-A4F9DA31A7C2}"/>
-              </a:ext>
-            </a:extLst>
-          </p:cNvPr>
-          <p:cNvGrpSpPr/>
+          </a:ln>
+        </p:spPr>
+        <p:style>
+          <a:lnRef idx="2">
+            <a:schemeClr val="accent1"/>
+          </a:lnRef>
+          <a:fillRef idx="0">
+            <a:schemeClr val="accent1"/>
+          </a:fillRef>
+          <a:effectRef idx="1">
+            <a:schemeClr val="accent1"/>
+          </a:effectRef>
+          <a:fontRef idx="minor">
+            <a:schemeClr val="tx1"/>
+          </a:fontRef>
+        </p:style>
+      </p:cxnSp>
+      <p:sp>
+        <p:nvSpPr>
+          <p:cNvPr id="22" name="Oval 21">
+            <a:extLst>
+              <a:ext uri="{FF2B5EF4-FFF2-40B4-BE49-F238E27FC236}">
+                <a16:creationId xmlns:a16="http://schemas.microsoft.com/office/drawing/2014/main" id="{5EC12F80-7B6F-4C76-1071-421B8522C1C1}"/>
+              </a:ext>
+            </a:extLst>
+          </p:cNvPr>
+          <p:cNvSpPr/>
           <p:nvPr/>
-        </p:nvGrpSpPr>
-        <p:grpSpPr>
+        </p:nvSpPr>
+        <p:spPr>
           <a:xfrm>
             <a:off x="6452685" y="1434512"/>
-            <a:ext cx="600777" cy="3537023"/>
-            <a:chOff x="4840314" y="1500414"/>
-            <a:chExt cx="600777" cy="3537023"/>
-          </a:xfrm>
-        </p:grpSpPr>
-        <p:sp>
-          <p:nvSpPr>
-            <p:cNvPr id="22" name="Oval 21">
-              <a:extLst>
-                <a:ext uri="{FF2B5EF4-FFF2-40B4-BE49-F238E27FC236}">
-                  <a16:creationId xmlns:a16="http://schemas.microsoft.com/office/drawing/2014/main" id="{5EC12F80-7B6F-4C76-1071-421B8522C1C1}"/>
-                </a:ext>
-              </a:extLst>
-            </p:cNvPr>
-            <p:cNvSpPr/>
-            <p:nvPr/>
-          </p:nvSpPr>
-          <p:spPr>
-            <a:xfrm>
-              <a:off x="4840314" y="1500414"/>
-              <a:ext cx="600777" cy="600778"/>
-            </a:xfrm>
-            <a:prstGeom prst="ellipse">
-              <a:avLst/>
-            </a:prstGeom>
+            <a:ext cx="600777" cy="600778"/>
+          </a:xfrm>
+          <a:prstGeom prst="ellipse">
+            <a:avLst/>
+          </a:prstGeom>
+          <a:solidFill>
+            <a:schemeClr val="tx2">
+              <a:lumMod val="10000"/>
+              <a:lumOff val="90000"/>
+            </a:schemeClr>
+          </a:solidFill>
+          <a:ln w="6350"/>
+        </p:spPr>
+        <p:style>
+          <a:lnRef idx="2">
+            <a:schemeClr val="accent1">
+              <a:shade val="15000"/>
+            </a:schemeClr>
+          </a:lnRef>
+          <a:fillRef idx="1">
+            <a:schemeClr val="accent1"/>
+          </a:fillRef>
+          <a:effectRef idx="0">
+            <a:schemeClr val="accent1"/>
+          </a:effectRef>
+          <a:fontRef idx="minor">
+            <a:schemeClr val="lt1"/>
+          </a:fontRef>
+        </p:style>
+        <p:txBody>
+          <a:bodyPr lIns="0" tIns="0" rIns="0" bIns="0" rtlCol="0" anchor="ctr"/>
+          <a:lstStyle/>
+          <a:p>
+            <a:pPr algn="ctr"/>
+            <a:r>
+              <a:rPr lang="en-US" sz="1000" dirty="0">
+                <a:solidFill>
+                  <a:schemeClr val="tx1"/>
+                </a:solidFill>
+                <a:latin typeface="AVENIR LIGHT OBLIQUE" panose="020B0402020203090204" pitchFamily="34" charset="77"/>
+              </a:rPr>
+              <a:t>Hugo</a:t>
+            </a:r>
+          </a:p>
+        </p:txBody>
+      </p:sp>
+      <p:cxnSp>
+        <p:nvCxnSpPr>
+          <p:cNvPr id="23" name="Straight Connector 22">
+            <a:extLst>
+              <a:ext uri="{FF2B5EF4-FFF2-40B4-BE49-F238E27FC236}">
+                <a16:creationId xmlns:a16="http://schemas.microsoft.com/office/drawing/2014/main" id="{CA9C7910-E0AB-4993-516B-B8E1D3D4A3CF}"/>
+              </a:ext>
+            </a:extLst>
+          </p:cNvPr>
+          <p:cNvCxnSpPr>
+            <a:cxnSpLocks/>
+            <a:stCxn id="22" idx="4"/>
+          </p:cNvCxnSpPr>
+          <p:nvPr/>
+        </p:nvCxnSpPr>
+        <p:spPr>
+          <a:xfrm>
+            <a:off x="6753074" y="2035290"/>
+            <a:ext cx="4410" cy="2936245"/>
+          </a:xfrm>
+          <a:prstGeom prst="line">
+            <a:avLst/>
+          </a:prstGeom>
+          <a:ln w="9525">
             <a:solidFill>
-              <a:schemeClr val="tx2">
-                <a:lumMod val="10000"/>
-                <a:lumOff val="90000"/>
-              </a:schemeClr>
+              <a:schemeClr val="tx1"/>
             </a:solidFill>
-            <a:ln w="6350"/>
-          </p:spPr>
-          <p:style>
-            <a:lnRef idx="2">
-              <a:schemeClr val="accent1">
-                <a:shade val="15000"/>
-              </a:schemeClr>
-            </a:lnRef>
-            <a:fillRef idx="1">
-              <a:schemeClr val="accent1"/>
-            </a:fillRef>
-            <a:effectRef idx="0">
-              <a:schemeClr val="accent1"/>
-            </a:effectRef>
-            <a:fontRef idx="minor">
-              <a:schemeClr val="lt1"/>
-            </a:fontRef>
-          </p:style>
-          <p:txBody>
-            <a:bodyPr lIns="0" tIns="0" rIns="0" bIns="0" rtlCol="0" anchor="ctr"/>
-            <a:lstStyle/>
-            <a:p>
-              <a:pPr algn="ctr"/>
-              <a:r>
-                <a:rPr lang="en-US" sz="1000" dirty="0">
-                  <a:solidFill>
-                    <a:schemeClr val="tx1"/>
-                  </a:solidFill>
-                  <a:latin typeface="AVENIR LIGHT OBLIQUE" panose="020B0402020203090204" pitchFamily="34" charset="77"/>
-                </a:rPr>
-                <a:t>Hugo</a:t>
-              </a:r>
-            </a:p>
-          </p:txBody>
-        </p:sp>
-        <p:cxnSp>
-          <p:nvCxnSpPr>
-            <p:cNvPr id="23" name="Straight Connector 22">
-              <a:extLst>
-                <a:ext uri="{FF2B5EF4-FFF2-40B4-BE49-F238E27FC236}">
-                  <a16:creationId xmlns:a16="http://schemas.microsoft.com/office/drawing/2014/main" id="{CA9C7910-E0AB-4993-516B-B8E1D3D4A3CF}"/>
-                </a:ext>
-              </a:extLst>
-            </p:cNvPr>
-            <p:cNvCxnSpPr>
-              <a:cxnSpLocks/>
-              <a:stCxn id="22" idx="4"/>
-            </p:cNvCxnSpPr>
-            <p:nvPr/>
-          </p:nvCxnSpPr>
-          <p:spPr>
-            <a:xfrm>
-              <a:off x="5140703" y="2101192"/>
-              <a:ext cx="4410" cy="2936245"/>
-            </a:xfrm>
-            <a:prstGeom prst="line">
-              <a:avLst/>
-            </a:prstGeom>
-            <a:ln w="9525">
-              <a:solidFill>
-                <a:schemeClr val="tx1"/>
-              </a:solidFill>
-            </a:ln>
-          </p:spPr>
-          <p:style>
-            <a:lnRef idx="2">
-              <a:schemeClr val="accent1"/>
-            </a:lnRef>
-            <a:fillRef idx="0">
-              <a:schemeClr val="accent1"/>
-            </a:fillRef>
-            <a:effectRef idx="1">
-              <a:schemeClr val="accent1"/>
-            </a:effectRef>
-            <a:fontRef idx="minor">
-              <a:schemeClr val="tx1"/>
-            </a:fontRef>
-          </p:style>
-        </p:cxnSp>
-      </p:grpSp>
+          </a:ln>
+        </p:spPr>
+        <p:style>
+          <a:lnRef idx="2">
+            <a:schemeClr val="accent1"/>
+          </a:lnRef>
+          <a:fillRef idx="0">
+            <a:schemeClr val="accent1"/>
+          </a:fillRef>
+          <a:effectRef idx="1">
+            <a:schemeClr val="accent1"/>
+          </a:effectRef>
+          <a:fontRef idx="minor">
+            <a:schemeClr val="tx1"/>
+          </a:fontRef>
+        </p:style>
+      </p:cxnSp>
       <p:sp>
         <p:nvSpPr>
           <p:cNvPr id="24" name="Rectangle 23">
@@ -8603,1488 +8524,1295 @@
           </a:p>
         </p:txBody>
       </p:sp>
-      <p:grpSp>
-        <p:nvGrpSpPr>
-          <p:cNvPr id="26" name="Group 25">
-            <a:extLst>
-              <a:ext uri="{FF2B5EF4-FFF2-40B4-BE49-F238E27FC236}">
-                <a16:creationId xmlns:a16="http://schemas.microsoft.com/office/drawing/2014/main" id="{A1F24D39-EEA4-53CC-3F72-2A47F83B40EC}"/>
-              </a:ext>
-            </a:extLst>
-          </p:cNvPr>
-          <p:cNvGrpSpPr/>
+      <p:sp>
+        <p:nvSpPr>
+          <p:cNvPr id="4" name="Regular Pentagon 3">
+            <a:extLst>
+              <a:ext uri="{FF2B5EF4-FFF2-40B4-BE49-F238E27FC236}">
+                <a16:creationId xmlns:a16="http://schemas.microsoft.com/office/drawing/2014/main" id="{C223F1F4-E632-DC29-2EAD-3100152D3F31}"/>
+              </a:ext>
+            </a:extLst>
+          </p:cNvPr>
+          <p:cNvSpPr/>
           <p:nvPr/>
-        </p:nvGrpSpPr>
-        <p:grpSpPr>
+        </p:nvSpPr>
+        <p:spPr>
           <a:xfrm>
             <a:off x="911322" y="1411212"/>
-            <a:ext cx="624076" cy="3560323"/>
-            <a:chOff x="911322" y="1411212"/>
-            <a:chExt cx="624076" cy="3560323"/>
-          </a:xfrm>
-        </p:grpSpPr>
-        <p:sp>
-          <p:nvSpPr>
-            <p:cNvPr id="4" name="Regular Pentagon 3">
-              <a:extLst>
-                <a:ext uri="{FF2B5EF4-FFF2-40B4-BE49-F238E27FC236}">
-                  <a16:creationId xmlns:a16="http://schemas.microsoft.com/office/drawing/2014/main" id="{C223F1F4-E632-DC29-2EAD-3100152D3F31}"/>
-                </a:ext>
-              </a:extLst>
-            </p:cNvPr>
-            <p:cNvSpPr/>
-            <p:nvPr/>
-          </p:nvSpPr>
-          <p:spPr>
-            <a:xfrm>
-              <a:off x="911322" y="1411212"/>
-              <a:ext cx="624076" cy="624078"/>
-            </a:xfrm>
-            <a:prstGeom prst="pentagon">
-              <a:avLst/>
-            </a:prstGeom>
+            <a:ext cx="624076" cy="624078"/>
+          </a:xfrm>
+          <a:prstGeom prst="pentagon">
+            <a:avLst/>
+          </a:prstGeom>
+          <a:solidFill>
+            <a:schemeClr val="accent6">
+              <a:lumMod val="20000"/>
+              <a:lumOff val="80000"/>
+            </a:schemeClr>
+          </a:solidFill>
+          <a:ln w="9525">
             <a:solidFill>
-              <a:schemeClr val="accent6">
-                <a:lumMod val="20000"/>
-                <a:lumOff val="80000"/>
-              </a:schemeClr>
+              <a:schemeClr val="tx1"/>
             </a:solidFill>
-            <a:ln w="9525">
-              <a:solidFill>
-                <a:schemeClr val="tx1"/>
-              </a:solidFill>
-            </a:ln>
-          </p:spPr>
-          <p:style>
-            <a:lnRef idx="2">
-              <a:schemeClr val="accent1">
-                <a:shade val="15000"/>
-              </a:schemeClr>
-            </a:lnRef>
-            <a:fillRef idx="1">
-              <a:schemeClr val="accent1"/>
-            </a:fillRef>
-            <a:effectRef idx="0">
-              <a:schemeClr val="accent1"/>
-            </a:effectRef>
-            <a:fontRef idx="minor">
-              <a:schemeClr val="lt1"/>
-            </a:fontRef>
-          </p:style>
-          <p:txBody>
-            <a:bodyPr lIns="0" tIns="0" rIns="0" bIns="0" rtlCol="0" anchor="ctr"/>
-            <a:lstStyle/>
-            <a:p>
-              <a:pPr algn="ctr"/>
-              <a:r>
-                <a:rPr lang="en-US" sz="1000" dirty="0">
-                  <a:solidFill>
-                    <a:schemeClr val="tx1"/>
-                  </a:solidFill>
-                  <a:latin typeface="Avenir Book" panose="02000503020000020003" pitchFamily="2" charset="0"/>
-                </a:rPr>
-                <a:t>Patrick</a:t>
-              </a:r>
-            </a:p>
-          </p:txBody>
-        </p:sp>
-        <p:cxnSp>
-          <p:nvCxnSpPr>
-            <p:cNvPr id="9" name="Straight Connector 8">
-              <a:extLst>
-                <a:ext uri="{FF2B5EF4-FFF2-40B4-BE49-F238E27FC236}">
-                  <a16:creationId xmlns:a16="http://schemas.microsoft.com/office/drawing/2014/main" id="{2D67388C-EB4E-E7EA-AA48-DA18FE69C20D}"/>
-                </a:ext>
-              </a:extLst>
-            </p:cNvPr>
-            <p:cNvCxnSpPr>
-              <a:cxnSpLocks/>
-              <a:stCxn id="4" idx="3"/>
-            </p:cNvCxnSpPr>
-            <p:nvPr/>
-          </p:nvCxnSpPr>
-          <p:spPr>
-            <a:xfrm>
-              <a:off x="1223360" y="2035290"/>
-              <a:ext cx="0" cy="2936245"/>
-            </a:xfrm>
-            <a:prstGeom prst="line">
-              <a:avLst/>
-            </a:prstGeom>
-            <a:ln w="9525">
-              <a:solidFill>
-                <a:schemeClr val="tx1"/>
-              </a:solidFill>
-            </a:ln>
-          </p:spPr>
-          <p:style>
-            <a:lnRef idx="2">
-              <a:schemeClr val="accent1"/>
-            </a:lnRef>
-            <a:fillRef idx="0">
-              <a:schemeClr val="accent1"/>
-            </a:fillRef>
-            <a:effectRef idx="1">
-              <a:schemeClr val="accent1"/>
-            </a:effectRef>
-            <a:fontRef idx="minor">
-              <a:schemeClr val="tx1"/>
-            </a:fontRef>
-          </p:style>
-        </p:cxnSp>
-      </p:grpSp>
-      <p:grpSp>
-        <p:nvGrpSpPr>
-          <p:cNvPr id="28" name="Group 27">
-            <a:extLst>
-              <a:ext uri="{FF2B5EF4-FFF2-40B4-BE49-F238E27FC236}">
-                <a16:creationId xmlns:a16="http://schemas.microsoft.com/office/drawing/2014/main" id="{A736EB56-BD6C-9F79-8F11-846615AE129B}"/>
-              </a:ext>
-            </a:extLst>
-          </p:cNvPr>
-          <p:cNvGrpSpPr/>
-          <p:nvPr/>
-        </p:nvGrpSpPr>
-        <p:grpSpPr>
-          <a:xfrm>
-            <a:off x="10567632" y="1411212"/>
-            <a:ext cx="624076" cy="3560323"/>
-            <a:chOff x="911322" y="1411212"/>
-            <a:chExt cx="624076" cy="3560323"/>
-          </a:xfrm>
-        </p:grpSpPr>
-        <p:sp>
-          <p:nvSpPr>
-            <p:cNvPr id="29" name="Regular Pentagon 28">
-              <a:extLst>
-                <a:ext uri="{FF2B5EF4-FFF2-40B4-BE49-F238E27FC236}">
-                  <a16:creationId xmlns:a16="http://schemas.microsoft.com/office/drawing/2014/main" id="{D7AB490C-8238-0760-C2CA-8D6642DC5189}"/>
-                </a:ext>
-              </a:extLst>
-            </p:cNvPr>
-            <p:cNvSpPr/>
-            <p:nvPr/>
-          </p:nvSpPr>
-          <p:spPr>
-            <a:xfrm>
-              <a:off x="911322" y="1411212"/>
-              <a:ext cx="624076" cy="624078"/>
-            </a:xfrm>
-            <a:prstGeom prst="pentagon">
-              <a:avLst/>
-            </a:prstGeom>
-            <a:solidFill>
-              <a:schemeClr val="accent6">
-                <a:lumMod val="20000"/>
-                <a:lumOff val="80000"/>
-              </a:schemeClr>
-            </a:solidFill>
-            <a:ln w="9525">
-              <a:solidFill>
-                <a:schemeClr val="tx1"/>
-              </a:solidFill>
-            </a:ln>
-          </p:spPr>
-          <p:style>
-            <a:lnRef idx="2">
-              <a:schemeClr val="accent1">
-                <a:shade val="15000"/>
-              </a:schemeClr>
-            </a:lnRef>
-            <a:fillRef idx="1">
-              <a:schemeClr val="accent1"/>
-            </a:fillRef>
-            <a:effectRef idx="0">
-              <a:schemeClr val="accent1"/>
-            </a:effectRef>
-            <a:fontRef idx="minor">
-              <a:schemeClr val="lt1"/>
-            </a:fontRef>
-          </p:style>
-          <p:txBody>
-            <a:bodyPr lIns="0" tIns="0" rIns="0" bIns="0" rtlCol="0" anchor="ctr"/>
-            <a:lstStyle/>
-            <a:p>
-              <a:pPr algn="ctr"/>
-              <a:r>
-                <a:rPr lang="en-US" sz="1000" dirty="0">
-                  <a:solidFill>
-                    <a:schemeClr val="tx1"/>
-                  </a:solidFill>
-                  <a:latin typeface="Avenir Book" panose="02000503020000020003" pitchFamily="2" charset="0"/>
-                </a:rPr>
-                <a:t>Patrick</a:t>
-              </a:r>
-            </a:p>
-          </p:txBody>
-        </p:sp>
-        <p:cxnSp>
-          <p:nvCxnSpPr>
-            <p:cNvPr id="43" name="Straight Connector 42">
-              <a:extLst>
-                <a:ext uri="{FF2B5EF4-FFF2-40B4-BE49-F238E27FC236}">
-                  <a16:creationId xmlns:a16="http://schemas.microsoft.com/office/drawing/2014/main" id="{3A47B77B-B9C7-9F86-3A25-9DDEE50FABBE}"/>
-                </a:ext>
-              </a:extLst>
-            </p:cNvPr>
-            <p:cNvCxnSpPr>
-              <a:cxnSpLocks/>
-              <a:stCxn id="29" idx="3"/>
-            </p:cNvCxnSpPr>
-            <p:nvPr/>
-          </p:nvCxnSpPr>
-          <p:spPr>
-            <a:xfrm>
-              <a:off x="1223360" y="2035290"/>
-              <a:ext cx="0" cy="2936245"/>
-            </a:xfrm>
-            <a:prstGeom prst="line">
-              <a:avLst/>
-            </a:prstGeom>
-            <a:ln w="9525">
-              <a:solidFill>
-                <a:schemeClr val="tx1"/>
-              </a:solidFill>
-            </a:ln>
-          </p:spPr>
-          <p:style>
-            <a:lnRef idx="2">
-              <a:schemeClr val="accent1"/>
-            </a:lnRef>
-            <a:fillRef idx="0">
-              <a:schemeClr val="accent1"/>
-            </a:fillRef>
-            <a:effectRef idx="1">
-              <a:schemeClr val="accent1"/>
-            </a:effectRef>
-            <a:fontRef idx="minor">
-              <a:schemeClr val="tx1"/>
-            </a:fontRef>
-          </p:style>
-        </p:cxnSp>
-      </p:grpSp>
-      <p:grpSp>
-        <p:nvGrpSpPr>
-          <p:cNvPr id="92" name="Group 91">
-            <a:extLst>
-              <a:ext uri="{FF2B5EF4-FFF2-40B4-BE49-F238E27FC236}">
-                <a16:creationId xmlns:a16="http://schemas.microsoft.com/office/drawing/2014/main" id="{F8548963-714B-AA39-724F-7517FE20440D}"/>
-              </a:ext>
-            </a:extLst>
-          </p:cNvPr>
-          <p:cNvGrpSpPr/>
-          <p:nvPr/>
-        </p:nvGrpSpPr>
-        <p:grpSpPr>
-          <a:xfrm>
-            <a:off x="1217284" y="2098130"/>
-            <a:ext cx="5535789" cy="894811"/>
-            <a:chOff x="1217284" y="2047330"/>
-            <a:chExt cx="5535789" cy="894811"/>
-          </a:xfrm>
-        </p:grpSpPr>
-        <p:grpSp>
-          <p:nvGrpSpPr>
-            <p:cNvPr id="62" name="Group 61">
-              <a:extLst>
-                <a:ext uri="{FF2B5EF4-FFF2-40B4-BE49-F238E27FC236}">
-                  <a16:creationId xmlns:a16="http://schemas.microsoft.com/office/drawing/2014/main" id="{FBDDC775-6BB0-7841-27E6-4318EE492888}"/>
-                </a:ext>
-              </a:extLst>
-            </p:cNvPr>
-            <p:cNvGrpSpPr/>
-            <p:nvPr/>
-          </p:nvGrpSpPr>
-          <p:grpSpPr>
-            <a:xfrm>
-              <a:off x="1223360" y="2047330"/>
-              <a:ext cx="2013616" cy="298861"/>
-              <a:chOff x="2145799" y="2684192"/>
-              <a:chExt cx="3115997" cy="298861"/>
-            </a:xfrm>
-          </p:grpSpPr>
-          <p:cxnSp>
-            <p:nvCxnSpPr>
-              <p:cNvPr id="66" name="Straight Connector 65">
-                <a:extLst>
-                  <a:ext uri="{FF2B5EF4-FFF2-40B4-BE49-F238E27FC236}">
-                    <a16:creationId xmlns:a16="http://schemas.microsoft.com/office/drawing/2014/main" id="{3461BD3E-CD27-4531-5BF0-C2D8ED723FFF}"/>
-                  </a:ext>
-                </a:extLst>
-              </p:cNvPr>
-              <p:cNvCxnSpPr>
-                <a:cxnSpLocks/>
-              </p:cNvCxnSpPr>
-              <p:nvPr/>
-            </p:nvCxnSpPr>
-            <p:spPr>
-              <a:xfrm flipH="1">
-                <a:off x="2145799" y="2934929"/>
-                <a:ext cx="3115997" cy="0"/>
-              </a:xfrm>
-              <a:prstGeom prst="line">
-                <a:avLst/>
-              </a:prstGeom>
-              <a:ln w="9525">
-                <a:solidFill>
-                  <a:srgbClr val="FF0000"/>
-                </a:solidFill>
-                <a:headEnd type="triangle"/>
-              </a:ln>
-            </p:spPr>
-            <p:style>
-              <a:lnRef idx="2">
-                <a:schemeClr val="accent1"/>
-              </a:lnRef>
-              <a:fillRef idx="0">
-                <a:schemeClr val="accent1"/>
-              </a:fillRef>
-              <a:effectRef idx="1">
-                <a:schemeClr val="accent1"/>
-              </a:effectRef>
-              <a:fontRef idx="minor">
-                <a:schemeClr val="tx1"/>
-              </a:fontRef>
-            </p:style>
-          </p:cxnSp>
-          <p:sp>
-            <p:nvSpPr>
-              <p:cNvPr id="67" name="Rectangle 66">
-                <a:extLst>
-                  <a:ext uri="{FF2B5EF4-FFF2-40B4-BE49-F238E27FC236}">
-                    <a16:creationId xmlns:a16="http://schemas.microsoft.com/office/drawing/2014/main" id="{0079B1DA-0B2B-3B76-1605-4014C252EDC0}"/>
-                  </a:ext>
-                </a:extLst>
-              </p:cNvPr>
-              <p:cNvSpPr/>
-              <p:nvPr/>
-            </p:nvSpPr>
-            <p:spPr>
-              <a:xfrm>
-                <a:off x="2145799" y="2684192"/>
-                <a:ext cx="2784678" cy="298861"/>
-              </a:xfrm>
-              <a:prstGeom prst="rect">
-                <a:avLst/>
-              </a:prstGeom>
-              <a:noFill/>
-              <a:ln w="9525">
-                <a:noFill/>
-              </a:ln>
-            </p:spPr>
-            <p:style>
-              <a:lnRef idx="2">
-                <a:schemeClr val="accent1">
-                  <a:shade val="15000"/>
-                </a:schemeClr>
-              </a:lnRef>
-              <a:fillRef idx="1">
-                <a:schemeClr val="accent1"/>
-              </a:fillRef>
-              <a:effectRef idx="0">
-                <a:schemeClr val="accent1"/>
-              </a:effectRef>
-              <a:fontRef idx="minor">
-                <a:schemeClr val="lt1"/>
-              </a:fontRef>
-            </p:style>
-            <p:txBody>
-              <a:bodyPr rtlCol="0" anchor="ctr"/>
-              <a:lstStyle/>
-              <a:p>
-                <a:r>
-                  <a:rPr lang="en-US" sz="1000" dirty="0">
-                    <a:solidFill>
-                      <a:srgbClr val="FF0000"/>
-                    </a:solidFill>
-                    <a:latin typeface="Avenir Book" panose="02000503020000020003" pitchFamily="2" charset="0"/>
-                  </a:rPr>
-                  <a:t>GET key</a:t>
-                </a:r>
-              </a:p>
-            </p:txBody>
-          </p:sp>
-        </p:grpSp>
-        <p:cxnSp>
-          <p:nvCxnSpPr>
-            <p:cNvPr id="71" name="Straight Connector 70">
-              <a:extLst>
-                <a:ext uri="{FF2B5EF4-FFF2-40B4-BE49-F238E27FC236}">
-                  <a16:creationId xmlns:a16="http://schemas.microsoft.com/office/drawing/2014/main" id="{D09FBAE0-6937-C0B9-90FB-31AAE0A6D6C5}"/>
-                </a:ext>
-              </a:extLst>
-            </p:cNvPr>
-            <p:cNvCxnSpPr>
-              <a:cxnSpLocks/>
-            </p:cNvCxnSpPr>
-            <p:nvPr/>
-          </p:nvCxnSpPr>
-          <p:spPr>
-            <a:xfrm>
-              <a:off x="1225296" y="2893588"/>
-              <a:ext cx="2011215" cy="0"/>
-            </a:xfrm>
-            <a:prstGeom prst="line">
-              <a:avLst/>
-            </a:prstGeom>
-            <a:ln w="9525">
-              <a:solidFill>
-                <a:srgbClr val="FF0000"/>
-              </a:solidFill>
-              <a:headEnd type="triangle"/>
-            </a:ln>
-          </p:spPr>
-          <p:style>
-            <a:lnRef idx="2">
-              <a:schemeClr val="accent1"/>
-            </a:lnRef>
-            <a:fillRef idx="0">
-              <a:schemeClr val="accent1"/>
-            </a:fillRef>
-            <a:effectRef idx="1">
-              <a:schemeClr val="accent1"/>
-            </a:effectRef>
-            <a:fontRef idx="minor">
-              <a:schemeClr val="tx1"/>
-            </a:fontRef>
-          </p:style>
-        </p:cxnSp>
-        <p:sp>
-          <p:nvSpPr>
-            <p:cNvPr id="72" name="Rectangle 71">
-              <a:extLst>
-                <a:ext uri="{FF2B5EF4-FFF2-40B4-BE49-F238E27FC236}">
-                  <a16:creationId xmlns:a16="http://schemas.microsoft.com/office/drawing/2014/main" id="{5F7B3F76-FA7C-30D9-C241-05E4DC032827}"/>
-                </a:ext>
-              </a:extLst>
-            </p:cNvPr>
-            <p:cNvSpPr/>
-            <p:nvPr/>
-          </p:nvSpPr>
-          <p:spPr>
-            <a:xfrm>
-              <a:off x="3236511" y="2298068"/>
-              <a:ext cx="126715" cy="600778"/>
-            </a:xfrm>
-            <a:prstGeom prst="rect">
-              <a:avLst/>
-            </a:prstGeom>
-            <a:solidFill>
-              <a:schemeClr val="accent2">
-                <a:lumMod val="20000"/>
-                <a:lumOff val="80000"/>
-              </a:schemeClr>
-            </a:solidFill>
-            <a:ln w="9525">
-              <a:solidFill>
-                <a:srgbClr val="FF0000"/>
-              </a:solidFill>
-            </a:ln>
-          </p:spPr>
-          <p:style>
-            <a:lnRef idx="2">
-              <a:schemeClr val="accent1">
-                <a:shade val="15000"/>
-              </a:schemeClr>
-            </a:lnRef>
-            <a:fillRef idx="1">
-              <a:schemeClr val="accent1"/>
-            </a:fillRef>
-            <a:effectRef idx="0">
-              <a:schemeClr val="accent1"/>
-            </a:effectRef>
-            <a:fontRef idx="minor">
-              <a:schemeClr val="lt1"/>
-            </a:fontRef>
-          </p:style>
-          <p:txBody>
-            <a:bodyPr rtlCol="0" anchor="ctr"/>
-            <a:lstStyle/>
-            <a:p>
-              <a:pPr algn="ctr"/>
-              <a:endParaRPr lang="en-US" sz="1000" dirty="0">
+          </a:ln>
+        </p:spPr>
+        <p:style>
+          <a:lnRef idx="2">
+            <a:schemeClr val="accent1">
+              <a:shade val="15000"/>
+            </a:schemeClr>
+          </a:lnRef>
+          <a:fillRef idx="1">
+            <a:schemeClr val="accent1"/>
+          </a:fillRef>
+          <a:effectRef idx="0">
+            <a:schemeClr val="accent1"/>
+          </a:effectRef>
+          <a:fontRef idx="minor">
+            <a:schemeClr val="lt1"/>
+          </a:fontRef>
+        </p:style>
+        <p:txBody>
+          <a:bodyPr lIns="0" tIns="0" rIns="0" bIns="0" rtlCol="0" anchor="ctr"/>
+          <a:lstStyle/>
+          <a:p>
+            <a:pPr algn="ctr"/>
+            <a:r>
+              <a:rPr lang="en-US" sz="1000" dirty="0">
                 <a:solidFill>
                   <a:schemeClr val="tx1"/>
                 </a:solidFill>
                 <a:latin typeface="Avenir Book" panose="02000503020000020003" pitchFamily="2" charset="0"/>
-              </a:endParaRPr>
-            </a:p>
-          </p:txBody>
-        </p:sp>
-        <p:sp>
-          <p:nvSpPr>
-            <p:cNvPr id="75" name="Rectangle 74">
-              <a:extLst>
-                <a:ext uri="{FF2B5EF4-FFF2-40B4-BE49-F238E27FC236}">
-                  <a16:creationId xmlns:a16="http://schemas.microsoft.com/office/drawing/2014/main" id="{5F72597D-0DDD-A40B-A702-2B75C9DDD5EE}"/>
-                </a:ext>
-              </a:extLst>
-            </p:cNvPr>
-            <p:cNvSpPr/>
-            <p:nvPr/>
-          </p:nvSpPr>
-          <p:spPr>
-            <a:xfrm>
-              <a:off x="1217284" y="2643280"/>
-              <a:ext cx="1799511" cy="298861"/>
-            </a:xfrm>
-            <a:prstGeom prst="rect">
-              <a:avLst/>
-            </a:prstGeom>
-            <a:noFill/>
-            <a:ln w="9525">
-              <a:noFill/>
-            </a:ln>
-          </p:spPr>
-          <p:style>
-            <a:lnRef idx="2">
-              <a:schemeClr val="accent1">
-                <a:shade val="15000"/>
-              </a:schemeClr>
-            </a:lnRef>
-            <a:fillRef idx="1">
-              <a:schemeClr val="accent1"/>
-            </a:fillRef>
-            <a:effectRef idx="0">
-              <a:schemeClr val="accent1"/>
-            </a:effectRef>
-            <a:fontRef idx="minor">
-              <a:schemeClr val="lt1"/>
-            </a:fontRef>
-          </p:style>
-          <p:txBody>
-            <a:bodyPr rtlCol="0" anchor="ctr"/>
-            <a:lstStyle/>
-            <a:p>
-              <a:r>
-                <a:rPr lang="en-US" sz="1000" dirty="0">
-                  <a:solidFill>
-                    <a:srgbClr val="FF0000"/>
-                  </a:solidFill>
-                  <a:latin typeface="Avenir Book" panose="02000503020000020003" pitchFamily="2" charset="0"/>
-                </a:rPr>
-                <a:t>Key + Key-ID</a:t>
-              </a:r>
-            </a:p>
-          </p:txBody>
-        </p:sp>
-        <p:grpSp>
-          <p:nvGrpSpPr>
-            <p:cNvPr id="76" name="Group 75">
-              <a:extLst>
-                <a:ext uri="{FF2B5EF4-FFF2-40B4-BE49-F238E27FC236}">
-                  <a16:creationId xmlns:a16="http://schemas.microsoft.com/office/drawing/2014/main" id="{F7AEFDE4-FB51-2979-8BF5-6BE370924610}"/>
-                </a:ext>
-              </a:extLst>
-            </p:cNvPr>
-            <p:cNvGrpSpPr/>
-            <p:nvPr/>
-          </p:nvGrpSpPr>
-          <p:grpSpPr>
-            <a:xfrm>
-              <a:off x="3363226" y="2178472"/>
-              <a:ext cx="1978399" cy="298861"/>
-              <a:chOff x="2145799" y="2684192"/>
-              <a:chExt cx="3061500" cy="298861"/>
-            </a:xfrm>
-          </p:grpSpPr>
-          <p:cxnSp>
-            <p:nvCxnSpPr>
-              <p:cNvPr id="77" name="Straight Connector 76">
-                <a:extLst>
-                  <a:ext uri="{FF2B5EF4-FFF2-40B4-BE49-F238E27FC236}">
-                    <a16:creationId xmlns:a16="http://schemas.microsoft.com/office/drawing/2014/main" id="{0C70C868-53DE-F5C2-8229-2F8940F388D8}"/>
-                  </a:ext>
-                </a:extLst>
-              </p:cNvPr>
-              <p:cNvCxnSpPr>
-                <a:cxnSpLocks/>
-              </p:cNvCxnSpPr>
-              <p:nvPr/>
-            </p:nvCxnSpPr>
-            <p:spPr>
-              <a:xfrm flipH="1">
-                <a:off x="2145799" y="2934929"/>
-                <a:ext cx="3061500" cy="0"/>
-              </a:xfrm>
-              <a:prstGeom prst="line">
-                <a:avLst/>
-              </a:prstGeom>
-              <a:ln w="9525">
-                <a:solidFill>
-                  <a:srgbClr val="FF0000"/>
-                </a:solidFill>
-                <a:headEnd type="triangle"/>
-              </a:ln>
-            </p:spPr>
-            <p:style>
-              <a:lnRef idx="2">
-                <a:schemeClr val="accent1"/>
-              </a:lnRef>
-              <a:fillRef idx="0">
-                <a:schemeClr val="accent1"/>
-              </a:fillRef>
-              <a:effectRef idx="1">
-                <a:schemeClr val="accent1"/>
-              </a:effectRef>
-              <a:fontRef idx="minor">
-                <a:schemeClr val="tx1"/>
-              </a:fontRef>
-            </p:style>
-          </p:cxnSp>
-          <p:sp>
-            <p:nvSpPr>
-              <p:cNvPr id="78" name="Rectangle 77">
-                <a:extLst>
-                  <a:ext uri="{FF2B5EF4-FFF2-40B4-BE49-F238E27FC236}">
-                    <a16:creationId xmlns:a16="http://schemas.microsoft.com/office/drawing/2014/main" id="{56594116-FF96-FF00-F076-65EFD26E16E9}"/>
-                  </a:ext>
-                </a:extLst>
-              </p:cNvPr>
-              <p:cNvSpPr/>
-              <p:nvPr/>
-            </p:nvSpPr>
-            <p:spPr>
-              <a:xfrm>
-                <a:off x="2145799" y="2684192"/>
-                <a:ext cx="2784678" cy="298861"/>
-              </a:xfrm>
-              <a:prstGeom prst="rect">
-                <a:avLst/>
-              </a:prstGeom>
-              <a:noFill/>
-              <a:ln w="9525">
-                <a:noFill/>
-              </a:ln>
-            </p:spPr>
-            <p:style>
-              <a:lnRef idx="2">
-                <a:schemeClr val="accent1">
-                  <a:shade val="15000"/>
-                </a:schemeClr>
-              </a:lnRef>
-              <a:fillRef idx="1">
-                <a:schemeClr val="accent1"/>
-              </a:fillRef>
-              <a:effectRef idx="0">
-                <a:schemeClr val="accent1"/>
-              </a:effectRef>
-              <a:fontRef idx="minor">
-                <a:schemeClr val="lt1"/>
-              </a:fontRef>
-            </p:style>
-            <p:txBody>
-              <a:bodyPr rtlCol="0" anchor="ctr"/>
-              <a:lstStyle/>
-              <a:p>
-                <a:r>
-                  <a:rPr lang="en-US" sz="1000" dirty="0">
-                    <a:solidFill>
-                      <a:srgbClr val="FF0000"/>
-                    </a:solidFill>
-                    <a:latin typeface="Avenir Book" panose="02000503020000020003" pitchFamily="2" charset="0"/>
-                  </a:rPr>
-                  <a:t>PUT key-share</a:t>
-                </a:r>
-              </a:p>
-            </p:txBody>
-          </p:sp>
-        </p:grpSp>
-        <p:grpSp>
-          <p:nvGrpSpPr>
-            <p:cNvPr id="81" name="Group 80">
-              <a:extLst>
-                <a:ext uri="{FF2B5EF4-FFF2-40B4-BE49-F238E27FC236}">
-                  <a16:creationId xmlns:a16="http://schemas.microsoft.com/office/drawing/2014/main" id="{3F753FF3-87C6-4CE9-DC6B-5AD173A1AE7E}"/>
-                </a:ext>
-              </a:extLst>
-            </p:cNvPr>
-            <p:cNvGrpSpPr/>
-            <p:nvPr/>
-          </p:nvGrpSpPr>
-          <p:grpSpPr>
-            <a:xfrm>
-              <a:off x="3363226" y="2519503"/>
-              <a:ext cx="3389847" cy="298861"/>
-              <a:chOff x="2145799" y="2684192"/>
-              <a:chExt cx="5245664" cy="298861"/>
-            </a:xfrm>
-          </p:grpSpPr>
-          <p:cxnSp>
-            <p:nvCxnSpPr>
-              <p:cNvPr id="82" name="Straight Connector 81">
-                <a:extLst>
-                  <a:ext uri="{FF2B5EF4-FFF2-40B4-BE49-F238E27FC236}">
-                    <a16:creationId xmlns:a16="http://schemas.microsoft.com/office/drawing/2014/main" id="{948565C5-7DD8-0FBF-CF95-A4D770B9B674}"/>
-                  </a:ext>
-                </a:extLst>
-              </p:cNvPr>
-              <p:cNvCxnSpPr>
-                <a:cxnSpLocks/>
-              </p:cNvCxnSpPr>
-              <p:nvPr/>
-            </p:nvCxnSpPr>
-            <p:spPr>
-              <a:xfrm flipH="1">
-                <a:off x="2145799" y="2934929"/>
-                <a:ext cx="5245664" cy="0"/>
-              </a:xfrm>
-              <a:prstGeom prst="line">
-                <a:avLst/>
-              </a:prstGeom>
-              <a:ln w="9525">
-                <a:solidFill>
-                  <a:srgbClr val="FF0000"/>
-                </a:solidFill>
-                <a:headEnd type="triangle"/>
-              </a:ln>
-            </p:spPr>
-            <p:style>
-              <a:lnRef idx="2">
-                <a:schemeClr val="accent1"/>
-              </a:lnRef>
-              <a:fillRef idx="0">
-                <a:schemeClr val="accent1"/>
-              </a:fillRef>
-              <a:effectRef idx="1">
-                <a:schemeClr val="accent1"/>
-              </a:effectRef>
-              <a:fontRef idx="minor">
-                <a:schemeClr val="tx1"/>
-              </a:fontRef>
-            </p:style>
-          </p:cxnSp>
-          <p:sp>
-            <p:nvSpPr>
-              <p:cNvPr id="83" name="Rectangle 82">
-                <a:extLst>
-                  <a:ext uri="{FF2B5EF4-FFF2-40B4-BE49-F238E27FC236}">
-                    <a16:creationId xmlns:a16="http://schemas.microsoft.com/office/drawing/2014/main" id="{2CE5C9B2-ED36-9319-4528-F06B1BCBCC85}"/>
-                  </a:ext>
-                </a:extLst>
-              </p:cNvPr>
-              <p:cNvSpPr/>
-              <p:nvPr/>
-            </p:nvSpPr>
-            <p:spPr>
-              <a:xfrm>
-                <a:off x="2145799" y="2684192"/>
-                <a:ext cx="2784678" cy="298861"/>
-              </a:xfrm>
-              <a:prstGeom prst="rect">
-                <a:avLst/>
-              </a:prstGeom>
-              <a:noFill/>
-              <a:ln w="9525">
-                <a:noFill/>
-              </a:ln>
-            </p:spPr>
-            <p:style>
-              <a:lnRef idx="2">
-                <a:schemeClr val="accent1">
-                  <a:shade val="15000"/>
-                </a:schemeClr>
-              </a:lnRef>
-              <a:fillRef idx="1">
-                <a:schemeClr val="accent1"/>
-              </a:fillRef>
-              <a:effectRef idx="0">
-                <a:schemeClr val="accent1"/>
-              </a:effectRef>
-              <a:fontRef idx="minor">
-                <a:schemeClr val="lt1"/>
-              </a:fontRef>
-            </p:style>
-            <p:txBody>
-              <a:bodyPr rtlCol="0" anchor="ctr"/>
-              <a:lstStyle/>
-              <a:p>
-                <a:r>
-                  <a:rPr lang="en-US" sz="1000" dirty="0">
-                    <a:solidFill>
-                      <a:srgbClr val="FF0000"/>
-                    </a:solidFill>
-                    <a:latin typeface="Avenir Book" panose="02000503020000020003" pitchFamily="2" charset="0"/>
-                  </a:rPr>
-                  <a:t>PUT key-share</a:t>
-                </a:r>
-              </a:p>
-            </p:txBody>
-          </p:sp>
-        </p:grpSp>
-      </p:grpSp>
-      <p:grpSp>
-        <p:nvGrpSpPr>
-          <p:cNvPr id="85" name="Group 84">
-            <a:extLst>
-              <a:ext uri="{FF2B5EF4-FFF2-40B4-BE49-F238E27FC236}">
-                <a16:creationId xmlns:a16="http://schemas.microsoft.com/office/drawing/2014/main" id="{21823690-E568-F844-A180-4A4461260547}"/>
-              </a:ext>
-            </a:extLst>
-          </p:cNvPr>
-          <p:cNvGrpSpPr/>
+              </a:rPr>
+              <a:t>Patrick</a:t>
+            </a:r>
+          </a:p>
+        </p:txBody>
+      </p:sp>
+      <p:cxnSp>
+        <p:nvCxnSpPr>
+          <p:cNvPr id="9" name="Straight Connector 8">
+            <a:extLst>
+              <a:ext uri="{FF2B5EF4-FFF2-40B4-BE49-F238E27FC236}">
+                <a16:creationId xmlns:a16="http://schemas.microsoft.com/office/drawing/2014/main" id="{2D67388C-EB4E-E7EA-AA48-DA18FE69C20D}"/>
+              </a:ext>
+            </a:extLst>
+          </p:cNvPr>
+          <p:cNvCxnSpPr>
+            <a:cxnSpLocks/>
+            <a:stCxn id="4" idx="3"/>
+          </p:cNvCxnSpPr>
           <p:nvPr/>
-        </p:nvGrpSpPr>
-        <p:grpSpPr>
+        </p:nvCxnSpPr>
+        <p:spPr>
           <a:xfrm>
-            <a:off x="1223360" y="3315482"/>
-            <a:ext cx="9656310" cy="298861"/>
-            <a:chOff x="2145799" y="2855777"/>
-            <a:chExt cx="14942787" cy="298861"/>
-          </a:xfrm>
-        </p:grpSpPr>
-        <p:cxnSp>
-          <p:nvCxnSpPr>
-            <p:cNvPr id="86" name="Straight Connector 85">
-              <a:extLst>
-                <a:ext uri="{FF2B5EF4-FFF2-40B4-BE49-F238E27FC236}">
-                  <a16:creationId xmlns:a16="http://schemas.microsoft.com/office/drawing/2014/main" id="{2FF917E0-1D83-3161-C074-0C9DE35388F5}"/>
-                </a:ext>
-              </a:extLst>
-            </p:cNvPr>
-            <p:cNvCxnSpPr>
-              <a:cxnSpLocks/>
-            </p:cNvCxnSpPr>
-            <p:nvPr/>
-          </p:nvCxnSpPr>
-          <p:spPr>
-            <a:xfrm flipH="1">
-              <a:off x="2145799" y="3106514"/>
-              <a:ext cx="14942787" cy="0"/>
-            </a:xfrm>
-            <a:prstGeom prst="line">
-              <a:avLst/>
-            </a:prstGeom>
-            <a:ln w="9525">
-              <a:solidFill>
-                <a:srgbClr val="FF0000"/>
-              </a:solidFill>
-              <a:headEnd type="triangle"/>
-            </a:ln>
-          </p:spPr>
-          <p:style>
-            <a:lnRef idx="2">
-              <a:schemeClr val="accent1"/>
-            </a:lnRef>
-            <a:fillRef idx="0">
-              <a:schemeClr val="accent1"/>
-            </a:fillRef>
-            <a:effectRef idx="1">
-              <a:schemeClr val="accent1"/>
-            </a:effectRef>
-            <a:fontRef idx="minor">
+            <a:off x="1223360" y="2035290"/>
+            <a:ext cx="0" cy="2936245"/>
+          </a:xfrm>
+          <a:prstGeom prst="line">
+            <a:avLst/>
+          </a:prstGeom>
+          <a:ln w="9525">
+            <a:solidFill>
               <a:schemeClr val="tx1"/>
-            </a:fontRef>
-          </p:style>
-        </p:cxnSp>
-        <p:sp>
-          <p:nvSpPr>
-            <p:cNvPr id="87" name="Rectangle 86">
-              <a:extLst>
-                <a:ext uri="{FF2B5EF4-FFF2-40B4-BE49-F238E27FC236}">
-                  <a16:creationId xmlns:a16="http://schemas.microsoft.com/office/drawing/2014/main" id="{F8361EBC-4CB3-07C3-3A74-E4A297307904}"/>
-                </a:ext>
-              </a:extLst>
-            </p:cNvPr>
-            <p:cNvSpPr/>
-            <p:nvPr/>
-          </p:nvSpPr>
-          <p:spPr>
-            <a:xfrm>
-              <a:off x="2145799" y="2855777"/>
-              <a:ext cx="2784678" cy="298861"/>
-            </a:xfrm>
-            <a:prstGeom prst="rect">
-              <a:avLst/>
-            </a:prstGeom>
-            <a:noFill/>
-            <a:ln w="9525">
-              <a:noFill/>
-            </a:ln>
-          </p:spPr>
-          <p:style>
-            <a:lnRef idx="2">
-              <a:schemeClr val="accent1">
-                <a:shade val="15000"/>
-              </a:schemeClr>
-            </a:lnRef>
-            <a:fillRef idx="1">
-              <a:schemeClr val="accent1"/>
-            </a:fillRef>
-            <a:effectRef idx="0">
-              <a:schemeClr val="accent1"/>
-            </a:effectRef>
-            <a:fontRef idx="minor">
-              <a:schemeClr val="lt1"/>
-            </a:fontRef>
-          </p:style>
-          <p:txBody>
-            <a:bodyPr rtlCol="0" anchor="ctr"/>
-            <a:lstStyle/>
-            <a:p>
-              <a:r>
-                <a:rPr lang="en-US" sz="1000" dirty="0">
-                  <a:solidFill>
-                    <a:srgbClr val="FF0000"/>
-                  </a:solidFill>
-                  <a:latin typeface="Avenir Book" panose="02000503020000020003" pitchFamily="2" charset="0"/>
-                </a:rPr>
-                <a:t>Relay Key-ID</a:t>
-              </a:r>
-            </a:p>
-          </p:txBody>
-        </p:sp>
-      </p:grpSp>
-      <p:grpSp>
-        <p:nvGrpSpPr>
-          <p:cNvPr id="93" name="Group 92">
-            <a:extLst>
-              <a:ext uri="{FF2B5EF4-FFF2-40B4-BE49-F238E27FC236}">
-                <a16:creationId xmlns:a16="http://schemas.microsoft.com/office/drawing/2014/main" id="{B4F0D75B-5EE5-C7C1-DBD0-0680B87101BA}"/>
-              </a:ext>
-            </a:extLst>
-          </p:cNvPr>
-          <p:cNvGrpSpPr/>
+            </a:solidFill>
+          </a:ln>
+        </p:spPr>
+        <p:style>
+          <a:lnRef idx="2">
+            <a:schemeClr val="accent1"/>
+          </a:lnRef>
+          <a:fillRef idx="0">
+            <a:schemeClr val="accent1"/>
+          </a:fillRef>
+          <a:effectRef idx="1">
+            <a:schemeClr val="accent1"/>
+          </a:effectRef>
+          <a:fontRef idx="minor">
+            <a:schemeClr val="tx1"/>
+          </a:fontRef>
+        </p:style>
+      </p:cxnSp>
+      <p:sp>
+        <p:nvSpPr>
+          <p:cNvPr id="29" name="Regular Pentagon 28">
+            <a:extLst>
+              <a:ext uri="{FF2B5EF4-FFF2-40B4-BE49-F238E27FC236}">
+                <a16:creationId xmlns:a16="http://schemas.microsoft.com/office/drawing/2014/main" id="{D7AB490C-8238-0760-C2CA-8D6642DC5189}"/>
+              </a:ext>
+            </a:extLst>
+          </p:cNvPr>
+          <p:cNvSpPr/>
           <p:nvPr/>
-        </p:nvGrpSpPr>
-        <p:grpSpPr>
-          <a:xfrm flipH="1">
-            <a:off x="5343881" y="3815869"/>
-            <a:ext cx="5535789" cy="894811"/>
-            <a:chOff x="1217284" y="2047330"/>
-            <a:chExt cx="5535789" cy="894811"/>
-          </a:xfrm>
-        </p:grpSpPr>
-        <p:grpSp>
-          <p:nvGrpSpPr>
-            <p:cNvPr id="94" name="Group 93">
-              <a:extLst>
-                <a:ext uri="{FF2B5EF4-FFF2-40B4-BE49-F238E27FC236}">
-                  <a16:creationId xmlns:a16="http://schemas.microsoft.com/office/drawing/2014/main" id="{8F1D091B-840E-0231-0DE0-4CC5CD3882AA}"/>
-                </a:ext>
-              </a:extLst>
-            </p:cNvPr>
-            <p:cNvGrpSpPr/>
-            <p:nvPr/>
-          </p:nvGrpSpPr>
-          <p:grpSpPr>
-            <a:xfrm>
-              <a:off x="1223360" y="2047330"/>
-              <a:ext cx="2013616" cy="298861"/>
-              <a:chOff x="2145799" y="2684192"/>
-              <a:chExt cx="3115997" cy="298861"/>
-            </a:xfrm>
-          </p:grpSpPr>
-          <p:cxnSp>
-            <p:nvCxnSpPr>
-              <p:cNvPr id="104" name="Straight Connector 103">
-                <a:extLst>
-                  <a:ext uri="{FF2B5EF4-FFF2-40B4-BE49-F238E27FC236}">
-                    <a16:creationId xmlns:a16="http://schemas.microsoft.com/office/drawing/2014/main" id="{0913FD8D-1F3B-C0B5-958B-B85ED4A409E3}"/>
-                  </a:ext>
-                </a:extLst>
-              </p:cNvPr>
-              <p:cNvCxnSpPr>
-                <a:cxnSpLocks/>
-              </p:cNvCxnSpPr>
-              <p:nvPr/>
-            </p:nvCxnSpPr>
-            <p:spPr>
-              <a:xfrm flipH="1">
-                <a:off x="2145799" y="2934929"/>
-                <a:ext cx="3115997" cy="0"/>
-              </a:xfrm>
-              <a:prstGeom prst="line">
-                <a:avLst/>
-              </a:prstGeom>
-              <a:ln w="9525">
-                <a:solidFill>
-                  <a:srgbClr val="FF0000"/>
-                </a:solidFill>
-                <a:headEnd type="triangle"/>
-              </a:ln>
-            </p:spPr>
-            <p:style>
-              <a:lnRef idx="2">
-                <a:schemeClr val="accent1"/>
-              </a:lnRef>
-              <a:fillRef idx="0">
-                <a:schemeClr val="accent1"/>
-              </a:fillRef>
-              <a:effectRef idx="1">
-                <a:schemeClr val="accent1"/>
-              </a:effectRef>
-              <a:fontRef idx="minor">
-                <a:schemeClr val="tx1"/>
-              </a:fontRef>
-            </p:style>
-          </p:cxnSp>
-          <p:sp>
-            <p:nvSpPr>
-              <p:cNvPr id="105" name="Rectangle 104">
-                <a:extLst>
-                  <a:ext uri="{FF2B5EF4-FFF2-40B4-BE49-F238E27FC236}">
-                    <a16:creationId xmlns:a16="http://schemas.microsoft.com/office/drawing/2014/main" id="{01EDA7E6-775E-8B49-BE3C-F8B35576E3A5}"/>
-                  </a:ext>
-                </a:extLst>
-              </p:cNvPr>
-              <p:cNvSpPr/>
-              <p:nvPr/>
-            </p:nvSpPr>
-            <p:spPr>
-              <a:xfrm>
-                <a:off x="2145799" y="2684192"/>
-                <a:ext cx="2784678" cy="298861"/>
-              </a:xfrm>
-              <a:prstGeom prst="rect">
-                <a:avLst/>
-              </a:prstGeom>
-              <a:noFill/>
-              <a:ln w="9525">
-                <a:noFill/>
-              </a:ln>
-            </p:spPr>
-            <p:style>
-              <a:lnRef idx="2">
-                <a:schemeClr val="accent1">
-                  <a:shade val="15000"/>
-                </a:schemeClr>
-              </a:lnRef>
-              <a:fillRef idx="1">
-                <a:schemeClr val="accent1"/>
-              </a:fillRef>
-              <a:effectRef idx="0">
-                <a:schemeClr val="accent1"/>
-              </a:effectRef>
-              <a:fontRef idx="minor">
-                <a:schemeClr val="lt1"/>
-              </a:fontRef>
-            </p:style>
-            <p:txBody>
-              <a:bodyPr rtlCol="0" anchor="ctr"/>
-              <a:lstStyle/>
-              <a:p>
-                <a:r>
-                  <a:rPr lang="en-US" sz="1000" dirty="0">
-                    <a:solidFill>
-                      <a:srgbClr val="FF0000"/>
-                    </a:solidFill>
-                    <a:latin typeface="Avenir Book" panose="02000503020000020003" pitchFamily="2" charset="0"/>
-                  </a:rPr>
-                  <a:t>GET key-with-key-ID</a:t>
-                </a:r>
-              </a:p>
-            </p:txBody>
-          </p:sp>
-        </p:grpSp>
-        <p:cxnSp>
-          <p:nvCxnSpPr>
-            <p:cNvPr id="95" name="Straight Connector 94">
-              <a:extLst>
-                <a:ext uri="{FF2B5EF4-FFF2-40B4-BE49-F238E27FC236}">
-                  <a16:creationId xmlns:a16="http://schemas.microsoft.com/office/drawing/2014/main" id="{CF5FE163-EFC1-252B-2202-33A0CF174B4E}"/>
-                </a:ext>
-              </a:extLst>
-            </p:cNvPr>
-            <p:cNvCxnSpPr>
-              <a:cxnSpLocks/>
-            </p:cNvCxnSpPr>
-            <p:nvPr/>
-          </p:nvCxnSpPr>
-          <p:spPr>
-            <a:xfrm>
-              <a:off x="1225296" y="2893588"/>
-              <a:ext cx="2011215" cy="0"/>
-            </a:xfrm>
-            <a:prstGeom prst="line">
-              <a:avLst/>
-            </a:prstGeom>
-            <a:ln w="9525">
-              <a:solidFill>
-                <a:srgbClr val="FF0000"/>
-              </a:solidFill>
-              <a:headEnd type="triangle"/>
-            </a:ln>
-          </p:spPr>
-          <p:style>
-            <a:lnRef idx="2">
-              <a:schemeClr val="accent1"/>
-            </a:lnRef>
-            <a:fillRef idx="0">
-              <a:schemeClr val="accent1"/>
-            </a:fillRef>
-            <a:effectRef idx="1">
-              <a:schemeClr val="accent1"/>
-            </a:effectRef>
-            <a:fontRef idx="minor">
+        </p:nvSpPr>
+        <p:spPr>
+          <a:xfrm>
+            <a:off x="10567632" y="1411212"/>
+            <a:ext cx="624076" cy="624078"/>
+          </a:xfrm>
+          <a:prstGeom prst="pentagon">
+            <a:avLst/>
+          </a:prstGeom>
+          <a:solidFill>
+            <a:schemeClr val="accent6">
+              <a:lumMod val="20000"/>
+              <a:lumOff val="80000"/>
+            </a:schemeClr>
+          </a:solidFill>
+          <a:ln w="9525">
+            <a:solidFill>
               <a:schemeClr val="tx1"/>
-            </a:fontRef>
-          </p:style>
-        </p:cxnSp>
-        <p:sp>
-          <p:nvSpPr>
-            <p:cNvPr id="96" name="Rectangle 95">
-              <a:extLst>
-                <a:ext uri="{FF2B5EF4-FFF2-40B4-BE49-F238E27FC236}">
-                  <a16:creationId xmlns:a16="http://schemas.microsoft.com/office/drawing/2014/main" id="{4D06398F-7398-B109-CBB7-BFC906ABA483}"/>
-                </a:ext>
-              </a:extLst>
-            </p:cNvPr>
-            <p:cNvSpPr/>
-            <p:nvPr/>
-          </p:nvSpPr>
-          <p:spPr>
-            <a:xfrm>
-              <a:off x="3236511" y="2298068"/>
-              <a:ext cx="126715" cy="600778"/>
-            </a:xfrm>
-            <a:prstGeom prst="rect">
-              <a:avLst/>
-            </a:prstGeom>
-            <a:solidFill>
-              <a:schemeClr val="accent2">
-                <a:lumMod val="20000"/>
-                <a:lumOff val="80000"/>
-              </a:schemeClr>
             </a:solidFill>
-            <a:ln w="9525">
-              <a:solidFill>
-                <a:srgbClr val="FF0000"/>
-              </a:solidFill>
-            </a:ln>
-          </p:spPr>
-          <p:style>
-            <a:lnRef idx="2">
-              <a:schemeClr val="accent1">
-                <a:shade val="15000"/>
-              </a:schemeClr>
-            </a:lnRef>
-            <a:fillRef idx="1">
-              <a:schemeClr val="accent1"/>
-            </a:fillRef>
-            <a:effectRef idx="0">
-              <a:schemeClr val="accent1"/>
-            </a:effectRef>
-            <a:fontRef idx="minor">
-              <a:schemeClr val="lt1"/>
-            </a:fontRef>
-          </p:style>
-          <p:txBody>
-            <a:bodyPr rtlCol="0" anchor="ctr"/>
-            <a:lstStyle/>
-            <a:p>
-              <a:pPr algn="ctr"/>
-              <a:endParaRPr lang="en-US" sz="1000" dirty="0">
+          </a:ln>
+        </p:spPr>
+        <p:style>
+          <a:lnRef idx="2">
+            <a:schemeClr val="accent1">
+              <a:shade val="15000"/>
+            </a:schemeClr>
+          </a:lnRef>
+          <a:fillRef idx="1">
+            <a:schemeClr val="accent1"/>
+          </a:fillRef>
+          <a:effectRef idx="0">
+            <a:schemeClr val="accent1"/>
+          </a:effectRef>
+          <a:fontRef idx="minor">
+            <a:schemeClr val="lt1"/>
+          </a:fontRef>
+        </p:style>
+        <p:txBody>
+          <a:bodyPr lIns="0" tIns="0" rIns="0" bIns="0" rtlCol="0" anchor="ctr"/>
+          <a:lstStyle/>
+          <a:p>
+            <a:pPr algn="ctr"/>
+            <a:r>
+              <a:rPr lang="en-US" sz="1000" dirty="0">
                 <a:solidFill>
                   <a:schemeClr val="tx1"/>
                 </a:solidFill>
                 <a:latin typeface="Avenir Book" panose="02000503020000020003" pitchFamily="2" charset="0"/>
-              </a:endParaRPr>
-            </a:p>
-          </p:txBody>
-        </p:sp>
-        <p:sp>
-          <p:nvSpPr>
-            <p:cNvPr id="97" name="Rectangle 96">
-              <a:extLst>
-                <a:ext uri="{FF2B5EF4-FFF2-40B4-BE49-F238E27FC236}">
-                  <a16:creationId xmlns:a16="http://schemas.microsoft.com/office/drawing/2014/main" id="{DEDD8038-A8D9-38EE-BD64-C279C72DAEC4}"/>
-                </a:ext>
-              </a:extLst>
-            </p:cNvPr>
-            <p:cNvSpPr/>
-            <p:nvPr/>
-          </p:nvSpPr>
-          <p:spPr>
-            <a:xfrm>
-              <a:off x="1217284" y="2643280"/>
-              <a:ext cx="1799511" cy="298861"/>
-            </a:xfrm>
-            <a:prstGeom prst="rect">
-              <a:avLst/>
-            </a:prstGeom>
+              </a:rPr>
+              <a:t>Patrick</a:t>
+            </a:r>
+          </a:p>
+        </p:txBody>
+      </p:sp>
+      <p:cxnSp>
+        <p:nvCxnSpPr>
+          <p:cNvPr id="43" name="Straight Connector 42">
+            <a:extLst>
+              <a:ext uri="{FF2B5EF4-FFF2-40B4-BE49-F238E27FC236}">
+                <a16:creationId xmlns:a16="http://schemas.microsoft.com/office/drawing/2014/main" id="{3A47B77B-B9C7-9F86-3A25-9DDEE50FABBE}"/>
+              </a:ext>
+            </a:extLst>
+          </p:cNvPr>
+          <p:cNvCxnSpPr>
+            <a:cxnSpLocks/>
+            <a:stCxn id="29" idx="3"/>
+          </p:cNvCxnSpPr>
+          <p:nvPr/>
+        </p:nvCxnSpPr>
+        <p:spPr>
+          <a:xfrm>
+            <a:off x="10879670" y="2035290"/>
+            <a:ext cx="0" cy="2936245"/>
+          </a:xfrm>
+          <a:prstGeom prst="line">
+            <a:avLst/>
+          </a:prstGeom>
+          <a:ln w="9525">
+            <a:solidFill>
+              <a:schemeClr val="tx1"/>
+            </a:solidFill>
+          </a:ln>
+        </p:spPr>
+        <p:style>
+          <a:lnRef idx="2">
+            <a:schemeClr val="accent1"/>
+          </a:lnRef>
+          <a:fillRef idx="0">
+            <a:schemeClr val="accent1"/>
+          </a:fillRef>
+          <a:effectRef idx="1">
+            <a:schemeClr val="accent1"/>
+          </a:effectRef>
+          <a:fontRef idx="minor">
+            <a:schemeClr val="tx1"/>
+          </a:fontRef>
+        </p:style>
+      </p:cxnSp>
+      <p:cxnSp>
+        <p:nvCxnSpPr>
+          <p:cNvPr id="66" name="Straight Connector 65">
+            <a:extLst>
+              <a:ext uri="{FF2B5EF4-FFF2-40B4-BE49-F238E27FC236}">
+                <a16:creationId xmlns:a16="http://schemas.microsoft.com/office/drawing/2014/main" id="{3461BD3E-CD27-4531-5BF0-C2D8ED723FFF}"/>
+              </a:ext>
+            </a:extLst>
+          </p:cNvPr>
+          <p:cNvCxnSpPr>
+            <a:cxnSpLocks/>
+          </p:cNvCxnSpPr>
+          <p:nvPr/>
+        </p:nvCxnSpPr>
+        <p:spPr>
+          <a:xfrm flipH="1">
+            <a:off x="1223360" y="2348867"/>
+            <a:ext cx="2013616" cy="0"/>
+          </a:xfrm>
+          <a:prstGeom prst="line">
+            <a:avLst/>
+          </a:prstGeom>
+          <a:ln w="9525">
+            <a:solidFill>
+              <a:schemeClr val="accent6">
+                <a:lumMod val="75000"/>
+              </a:schemeClr>
+            </a:solidFill>
+            <a:headEnd type="triangle"/>
+          </a:ln>
+        </p:spPr>
+        <p:style>
+          <a:lnRef idx="2">
+            <a:schemeClr val="accent1"/>
+          </a:lnRef>
+          <a:fillRef idx="0">
+            <a:schemeClr val="accent1"/>
+          </a:fillRef>
+          <a:effectRef idx="1">
+            <a:schemeClr val="accent1"/>
+          </a:effectRef>
+          <a:fontRef idx="minor">
+            <a:schemeClr val="tx1"/>
+          </a:fontRef>
+        </p:style>
+      </p:cxnSp>
+      <p:sp>
+        <p:nvSpPr>
+          <p:cNvPr id="67" name="Rectangle 66">
+            <a:extLst>
+              <a:ext uri="{FF2B5EF4-FFF2-40B4-BE49-F238E27FC236}">
+                <a16:creationId xmlns:a16="http://schemas.microsoft.com/office/drawing/2014/main" id="{0079B1DA-0B2B-3B76-1605-4014C252EDC0}"/>
+              </a:ext>
+            </a:extLst>
+          </p:cNvPr>
+          <p:cNvSpPr/>
+          <p:nvPr/>
+        </p:nvSpPr>
+        <p:spPr>
+          <a:xfrm>
+            <a:off x="1223360" y="2098130"/>
+            <a:ext cx="1799511" cy="298861"/>
+          </a:xfrm>
+          <a:prstGeom prst="rect">
+            <a:avLst/>
+          </a:prstGeom>
+          <a:noFill/>
+          <a:ln w="9525">
             <a:noFill/>
-            <a:ln w="9525">
-              <a:noFill/>
-            </a:ln>
-          </p:spPr>
-          <p:style>
-            <a:lnRef idx="2">
-              <a:schemeClr val="accent1">
-                <a:shade val="15000"/>
+          </a:ln>
+        </p:spPr>
+        <p:style>
+          <a:lnRef idx="2">
+            <a:schemeClr val="accent1">
+              <a:shade val="15000"/>
+            </a:schemeClr>
+          </a:lnRef>
+          <a:fillRef idx="1">
+            <a:schemeClr val="accent1"/>
+          </a:fillRef>
+          <a:effectRef idx="0">
+            <a:schemeClr val="accent1"/>
+          </a:effectRef>
+          <a:fontRef idx="minor">
+            <a:schemeClr val="lt1"/>
+          </a:fontRef>
+        </p:style>
+        <p:txBody>
+          <a:bodyPr rtlCol="0" anchor="ctr"/>
+          <a:lstStyle/>
+          <a:p>
+            <a:r>
+              <a:rPr lang="en-US" sz="1000" dirty="0">
+                <a:solidFill>
+                  <a:schemeClr val="accent6">
+                    <a:lumMod val="75000"/>
+                  </a:schemeClr>
+                </a:solidFill>
+                <a:latin typeface="Avenir Book" panose="02000503020000020003" pitchFamily="2" charset="0"/>
+              </a:rPr>
+              <a:t>GET key</a:t>
+            </a:r>
+          </a:p>
+        </p:txBody>
+      </p:sp>
+      <p:cxnSp>
+        <p:nvCxnSpPr>
+          <p:cNvPr id="71" name="Straight Connector 70">
+            <a:extLst>
+              <a:ext uri="{FF2B5EF4-FFF2-40B4-BE49-F238E27FC236}">
+                <a16:creationId xmlns:a16="http://schemas.microsoft.com/office/drawing/2014/main" id="{D09FBAE0-6937-C0B9-90FB-31AAE0A6D6C5}"/>
+              </a:ext>
+            </a:extLst>
+          </p:cNvPr>
+          <p:cNvCxnSpPr>
+            <a:cxnSpLocks/>
+          </p:cNvCxnSpPr>
+          <p:nvPr/>
+        </p:nvCxnSpPr>
+        <p:spPr>
+          <a:xfrm>
+            <a:off x="1225296" y="2944388"/>
+            <a:ext cx="2011215" cy="0"/>
+          </a:xfrm>
+          <a:prstGeom prst="line">
+            <a:avLst/>
+          </a:prstGeom>
+          <a:ln w="9525">
+            <a:solidFill>
+              <a:schemeClr val="accent6">
+                <a:lumMod val="75000"/>
               </a:schemeClr>
-            </a:lnRef>
-            <a:fillRef idx="1">
-              <a:schemeClr val="accent1"/>
-            </a:fillRef>
-            <a:effectRef idx="0">
-              <a:schemeClr val="accent1"/>
-            </a:effectRef>
-            <a:fontRef idx="minor">
-              <a:schemeClr val="lt1"/>
-            </a:fontRef>
-          </p:style>
-          <p:txBody>
-            <a:bodyPr rtlCol="0" anchor="ctr"/>
-            <a:lstStyle/>
-            <a:p>
-              <a:r>
-                <a:rPr lang="en-US" sz="1000" dirty="0">
-                  <a:solidFill>
-                    <a:srgbClr val="FF0000"/>
-                  </a:solidFill>
-                  <a:latin typeface="Avenir Book" panose="02000503020000020003" pitchFamily="2" charset="0"/>
-                </a:rPr>
-                <a:t>Key</a:t>
-              </a:r>
-            </a:p>
-          </p:txBody>
-        </p:sp>
-        <p:grpSp>
-          <p:nvGrpSpPr>
-            <p:cNvPr id="98" name="Group 97">
-              <a:extLst>
-                <a:ext uri="{FF2B5EF4-FFF2-40B4-BE49-F238E27FC236}">
-                  <a16:creationId xmlns:a16="http://schemas.microsoft.com/office/drawing/2014/main" id="{883A7E9D-DA33-97A8-3792-8A941324AAD1}"/>
-                </a:ext>
-              </a:extLst>
-            </p:cNvPr>
-            <p:cNvGrpSpPr/>
-            <p:nvPr/>
-          </p:nvGrpSpPr>
-          <p:grpSpPr>
-            <a:xfrm>
-              <a:off x="3363226" y="2178472"/>
-              <a:ext cx="1978399" cy="298861"/>
-              <a:chOff x="2145799" y="2684192"/>
-              <a:chExt cx="3061500" cy="298861"/>
-            </a:xfrm>
-          </p:grpSpPr>
-          <p:cxnSp>
-            <p:nvCxnSpPr>
-              <p:cNvPr id="102" name="Straight Connector 101">
-                <a:extLst>
-                  <a:ext uri="{FF2B5EF4-FFF2-40B4-BE49-F238E27FC236}">
-                    <a16:creationId xmlns:a16="http://schemas.microsoft.com/office/drawing/2014/main" id="{2A2CC460-7466-789D-C0B5-6B498212CC12}"/>
-                  </a:ext>
-                </a:extLst>
-              </p:cNvPr>
-              <p:cNvCxnSpPr>
-                <a:cxnSpLocks/>
-              </p:cNvCxnSpPr>
-              <p:nvPr/>
-            </p:nvCxnSpPr>
-            <p:spPr>
-              <a:xfrm flipH="1">
-                <a:off x="2145799" y="2934929"/>
-                <a:ext cx="3061500" cy="0"/>
-              </a:xfrm>
-              <a:prstGeom prst="line">
-                <a:avLst/>
-              </a:prstGeom>
-              <a:ln w="9525">
+            </a:solidFill>
+            <a:headEnd type="triangle"/>
+          </a:ln>
+        </p:spPr>
+        <p:style>
+          <a:lnRef idx="2">
+            <a:schemeClr val="accent1"/>
+          </a:lnRef>
+          <a:fillRef idx="0">
+            <a:schemeClr val="accent1"/>
+          </a:fillRef>
+          <a:effectRef idx="1">
+            <a:schemeClr val="accent1"/>
+          </a:effectRef>
+          <a:fontRef idx="minor">
+            <a:schemeClr val="tx1"/>
+          </a:fontRef>
+        </p:style>
+      </p:cxnSp>
+      <p:sp>
+        <p:nvSpPr>
+          <p:cNvPr id="72" name="Rectangle 71">
+            <a:extLst>
+              <a:ext uri="{FF2B5EF4-FFF2-40B4-BE49-F238E27FC236}">
+                <a16:creationId xmlns:a16="http://schemas.microsoft.com/office/drawing/2014/main" id="{5F7B3F76-FA7C-30D9-C241-05E4DC032827}"/>
+              </a:ext>
+            </a:extLst>
+          </p:cNvPr>
+          <p:cNvSpPr/>
+          <p:nvPr/>
+        </p:nvSpPr>
+        <p:spPr>
+          <a:xfrm>
+            <a:off x="3236511" y="2348868"/>
+            <a:ext cx="126715" cy="600778"/>
+          </a:xfrm>
+          <a:prstGeom prst="rect">
+            <a:avLst/>
+          </a:prstGeom>
+          <a:solidFill>
+            <a:schemeClr val="accent6">
+              <a:lumMod val="20000"/>
+              <a:lumOff val="80000"/>
+            </a:schemeClr>
+          </a:solidFill>
+          <a:ln w="9525">
+            <a:solidFill>
+              <a:schemeClr val="accent6">
+                <a:lumMod val="75000"/>
+              </a:schemeClr>
+            </a:solidFill>
+          </a:ln>
+        </p:spPr>
+        <p:style>
+          <a:lnRef idx="2">
+            <a:schemeClr val="accent1">
+              <a:shade val="15000"/>
+            </a:schemeClr>
+          </a:lnRef>
+          <a:fillRef idx="1">
+            <a:schemeClr val="accent1"/>
+          </a:fillRef>
+          <a:effectRef idx="0">
+            <a:schemeClr val="accent1"/>
+          </a:effectRef>
+          <a:fontRef idx="minor">
+            <a:schemeClr val="lt1"/>
+          </a:fontRef>
+        </p:style>
+        <p:txBody>
+          <a:bodyPr rtlCol="0" anchor="ctr"/>
+          <a:lstStyle/>
+          <a:p>
+            <a:pPr algn="ctr"/>
+            <a:endParaRPr lang="en-US" sz="1000" dirty="0">
+              <a:solidFill>
+                <a:schemeClr val="tx1"/>
+              </a:solidFill>
+              <a:latin typeface="Avenir Book" panose="02000503020000020003" pitchFamily="2" charset="0"/>
+            </a:endParaRPr>
+          </a:p>
+        </p:txBody>
+      </p:sp>
+      <p:sp>
+        <p:nvSpPr>
+          <p:cNvPr id="75" name="Rectangle 74">
+            <a:extLst>
+              <a:ext uri="{FF2B5EF4-FFF2-40B4-BE49-F238E27FC236}">
+                <a16:creationId xmlns:a16="http://schemas.microsoft.com/office/drawing/2014/main" id="{5F72597D-0DDD-A40B-A702-2B75C9DDD5EE}"/>
+              </a:ext>
+            </a:extLst>
+          </p:cNvPr>
+          <p:cNvSpPr/>
+          <p:nvPr/>
+        </p:nvSpPr>
+        <p:spPr>
+          <a:xfrm>
+            <a:off x="1217284" y="2694080"/>
+            <a:ext cx="1799511" cy="298861"/>
+          </a:xfrm>
+          <a:prstGeom prst="rect">
+            <a:avLst/>
+          </a:prstGeom>
+          <a:noFill/>
+          <a:ln w="9525">
+            <a:noFill/>
+          </a:ln>
+        </p:spPr>
+        <p:style>
+          <a:lnRef idx="2">
+            <a:schemeClr val="accent1">
+              <a:shade val="15000"/>
+            </a:schemeClr>
+          </a:lnRef>
+          <a:fillRef idx="1">
+            <a:schemeClr val="accent1"/>
+          </a:fillRef>
+          <a:effectRef idx="0">
+            <a:schemeClr val="accent1"/>
+          </a:effectRef>
+          <a:fontRef idx="minor">
+            <a:schemeClr val="lt1"/>
+          </a:fontRef>
+        </p:style>
+        <p:txBody>
+          <a:bodyPr rtlCol="0" anchor="ctr"/>
+          <a:lstStyle/>
+          <a:p>
+            <a:r>
+              <a:rPr lang="en-US" sz="1000" dirty="0">
                 <a:solidFill>
-                  <a:srgbClr val="FF0000"/>
+                  <a:schemeClr val="accent6">
+                    <a:lumMod val="75000"/>
+                  </a:schemeClr>
                 </a:solidFill>
-                <a:headEnd type="triangle"/>
-              </a:ln>
-            </p:spPr>
-            <p:style>
-              <a:lnRef idx="2">
-                <a:schemeClr val="accent1"/>
-              </a:lnRef>
-              <a:fillRef idx="0">
-                <a:schemeClr val="accent1"/>
-              </a:fillRef>
-              <a:effectRef idx="1">
-                <a:schemeClr val="accent1"/>
-              </a:effectRef>
-              <a:fontRef idx="minor">
+                <a:latin typeface="Avenir Book" panose="02000503020000020003" pitchFamily="2" charset="0"/>
+              </a:rPr>
+              <a:t>Key + Key-ID</a:t>
+            </a:r>
+          </a:p>
+        </p:txBody>
+      </p:sp>
+      <p:cxnSp>
+        <p:nvCxnSpPr>
+          <p:cNvPr id="77" name="Straight Connector 76">
+            <a:extLst>
+              <a:ext uri="{FF2B5EF4-FFF2-40B4-BE49-F238E27FC236}">
+                <a16:creationId xmlns:a16="http://schemas.microsoft.com/office/drawing/2014/main" id="{0C70C868-53DE-F5C2-8229-2F8940F388D8}"/>
+              </a:ext>
+            </a:extLst>
+          </p:cNvPr>
+          <p:cNvCxnSpPr>
+            <a:cxnSpLocks/>
+          </p:cNvCxnSpPr>
+          <p:nvPr/>
+        </p:nvCxnSpPr>
+        <p:spPr>
+          <a:xfrm flipH="1">
+            <a:off x="3363226" y="2480009"/>
+            <a:ext cx="1978399" cy="0"/>
+          </a:xfrm>
+          <a:prstGeom prst="line">
+            <a:avLst/>
+          </a:prstGeom>
+          <a:ln w="9525">
+            <a:solidFill>
+              <a:srgbClr val="00B050"/>
+            </a:solidFill>
+            <a:headEnd type="triangle"/>
+          </a:ln>
+        </p:spPr>
+        <p:style>
+          <a:lnRef idx="2">
+            <a:schemeClr val="accent1"/>
+          </a:lnRef>
+          <a:fillRef idx="0">
+            <a:schemeClr val="accent1"/>
+          </a:fillRef>
+          <a:effectRef idx="1">
+            <a:schemeClr val="accent1"/>
+          </a:effectRef>
+          <a:fontRef idx="minor">
+            <a:schemeClr val="tx1"/>
+          </a:fontRef>
+        </p:style>
+      </p:cxnSp>
+      <p:sp>
+        <p:nvSpPr>
+          <p:cNvPr id="78" name="Rectangle 77">
+            <a:extLst>
+              <a:ext uri="{FF2B5EF4-FFF2-40B4-BE49-F238E27FC236}">
+                <a16:creationId xmlns:a16="http://schemas.microsoft.com/office/drawing/2014/main" id="{56594116-FF96-FF00-F076-65EFD26E16E9}"/>
+              </a:ext>
+            </a:extLst>
+          </p:cNvPr>
+          <p:cNvSpPr/>
+          <p:nvPr/>
+        </p:nvSpPr>
+        <p:spPr>
+          <a:xfrm>
+            <a:off x="3363226" y="2229272"/>
+            <a:ext cx="1799511" cy="298861"/>
+          </a:xfrm>
+          <a:prstGeom prst="rect">
+            <a:avLst/>
+          </a:prstGeom>
+          <a:noFill/>
+          <a:ln w="9525">
+            <a:noFill/>
+          </a:ln>
+        </p:spPr>
+        <p:style>
+          <a:lnRef idx="2">
+            <a:schemeClr val="accent1">
+              <a:shade val="15000"/>
+            </a:schemeClr>
+          </a:lnRef>
+          <a:fillRef idx="1">
+            <a:schemeClr val="accent1"/>
+          </a:fillRef>
+          <a:effectRef idx="0">
+            <a:schemeClr val="accent1"/>
+          </a:effectRef>
+          <a:fontRef idx="minor">
+            <a:schemeClr val="lt1"/>
+          </a:fontRef>
+        </p:style>
+        <p:txBody>
+          <a:bodyPr rtlCol="0" anchor="ctr"/>
+          <a:lstStyle/>
+          <a:p>
+            <a:r>
+              <a:rPr lang="en-US" sz="1000" dirty="0">
+                <a:solidFill>
+                  <a:schemeClr val="accent6">
+                    <a:lumMod val="75000"/>
+                  </a:schemeClr>
+                </a:solidFill>
+                <a:latin typeface="Avenir Book" panose="02000503020000020003" pitchFamily="2" charset="0"/>
+              </a:rPr>
+              <a:t>PUT key-share</a:t>
+            </a:r>
+          </a:p>
+        </p:txBody>
+      </p:sp>
+      <p:cxnSp>
+        <p:nvCxnSpPr>
+          <p:cNvPr id="82" name="Straight Connector 81">
+            <a:extLst>
+              <a:ext uri="{FF2B5EF4-FFF2-40B4-BE49-F238E27FC236}">
+                <a16:creationId xmlns:a16="http://schemas.microsoft.com/office/drawing/2014/main" id="{948565C5-7DD8-0FBF-CF95-A4D770B9B674}"/>
+              </a:ext>
+            </a:extLst>
+          </p:cNvPr>
+          <p:cNvCxnSpPr>
+            <a:cxnSpLocks/>
+          </p:cNvCxnSpPr>
+          <p:nvPr/>
+        </p:nvCxnSpPr>
+        <p:spPr>
+          <a:xfrm flipH="1">
+            <a:off x="3363226" y="2821040"/>
+            <a:ext cx="3389847" cy="0"/>
+          </a:xfrm>
+          <a:prstGeom prst="line">
+            <a:avLst/>
+          </a:prstGeom>
+          <a:ln w="9525">
+            <a:solidFill>
+              <a:schemeClr val="accent6">
+                <a:lumMod val="75000"/>
+              </a:schemeClr>
+            </a:solidFill>
+            <a:headEnd type="triangle"/>
+          </a:ln>
+        </p:spPr>
+        <p:style>
+          <a:lnRef idx="2">
+            <a:schemeClr val="accent1"/>
+          </a:lnRef>
+          <a:fillRef idx="0">
+            <a:schemeClr val="accent1"/>
+          </a:fillRef>
+          <a:effectRef idx="1">
+            <a:schemeClr val="accent1"/>
+          </a:effectRef>
+          <a:fontRef idx="minor">
+            <a:schemeClr val="tx1"/>
+          </a:fontRef>
+        </p:style>
+      </p:cxnSp>
+      <p:sp>
+        <p:nvSpPr>
+          <p:cNvPr id="83" name="Rectangle 82">
+            <a:extLst>
+              <a:ext uri="{FF2B5EF4-FFF2-40B4-BE49-F238E27FC236}">
+                <a16:creationId xmlns:a16="http://schemas.microsoft.com/office/drawing/2014/main" id="{2CE5C9B2-ED36-9319-4528-F06B1BCBCC85}"/>
+              </a:ext>
+            </a:extLst>
+          </p:cNvPr>
+          <p:cNvSpPr/>
+          <p:nvPr/>
+        </p:nvSpPr>
+        <p:spPr>
+          <a:xfrm>
+            <a:off x="3363226" y="2570303"/>
+            <a:ext cx="1799511" cy="298861"/>
+          </a:xfrm>
+          <a:prstGeom prst="rect">
+            <a:avLst/>
+          </a:prstGeom>
+          <a:noFill/>
+          <a:ln w="9525">
+            <a:noFill/>
+          </a:ln>
+        </p:spPr>
+        <p:style>
+          <a:lnRef idx="2">
+            <a:schemeClr val="accent1">
+              <a:shade val="15000"/>
+            </a:schemeClr>
+          </a:lnRef>
+          <a:fillRef idx="1">
+            <a:schemeClr val="accent1"/>
+          </a:fillRef>
+          <a:effectRef idx="0">
+            <a:schemeClr val="accent1"/>
+          </a:effectRef>
+          <a:fontRef idx="minor">
+            <a:schemeClr val="lt1"/>
+          </a:fontRef>
+        </p:style>
+        <p:txBody>
+          <a:bodyPr rtlCol="0" anchor="ctr"/>
+          <a:lstStyle/>
+          <a:p>
+            <a:r>
+              <a:rPr lang="en-US" sz="1000" dirty="0">
+                <a:solidFill>
+                  <a:schemeClr val="accent6">
+                    <a:lumMod val="75000"/>
+                  </a:schemeClr>
+                </a:solidFill>
+                <a:latin typeface="Avenir Book" panose="02000503020000020003" pitchFamily="2" charset="0"/>
+              </a:rPr>
+              <a:t>PUT key-share</a:t>
+            </a:r>
+          </a:p>
+        </p:txBody>
+      </p:sp>
+      <p:cxnSp>
+        <p:nvCxnSpPr>
+          <p:cNvPr id="86" name="Straight Connector 85">
+            <a:extLst>
+              <a:ext uri="{FF2B5EF4-FFF2-40B4-BE49-F238E27FC236}">
+                <a16:creationId xmlns:a16="http://schemas.microsoft.com/office/drawing/2014/main" id="{2FF917E0-1D83-3161-C074-0C9DE35388F5}"/>
+              </a:ext>
+            </a:extLst>
+          </p:cNvPr>
+          <p:cNvCxnSpPr>
+            <a:cxnSpLocks/>
+          </p:cNvCxnSpPr>
+          <p:nvPr/>
+        </p:nvCxnSpPr>
+        <p:spPr>
+          <a:xfrm flipH="1">
+            <a:off x="1223360" y="3566219"/>
+            <a:ext cx="9656310" cy="0"/>
+          </a:xfrm>
+          <a:prstGeom prst="line">
+            <a:avLst/>
+          </a:prstGeom>
+          <a:ln w="9525">
+            <a:solidFill>
+              <a:schemeClr val="accent6">
+                <a:lumMod val="75000"/>
+              </a:schemeClr>
+            </a:solidFill>
+            <a:headEnd type="triangle"/>
+          </a:ln>
+        </p:spPr>
+        <p:style>
+          <a:lnRef idx="2">
+            <a:schemeClr val="accent1"/>
+          </a:lnRef>
+          <a:fillRef idx="0">
+            <a:schemeClr val="accent1"/>
+          </a:fillRef>
+          <a:effectRef idx="1">
+            <a:schemeClr val="accent1"/>
+          </a:effectRef>
+          <a:fontRef idx="minor">
+            <a:schemeClr val="tx1"/>
+          </a:fontRef>
+        </p:style>
+      </p:cxnSp>
+      <p:sp>
+        <p:nvSpPr>
+          <p:cNvPr id="87" name="Rectangle 86">
+            <a:extLst>
+              <a:ext uri="{FF2B5EF4-FFF2-40B4-BE49-F238E27FC236}">
+                <a16:creationId xmlns:a16="http://schemas.microsoft.com/office/drawing/2014/main" id="{F8361EBC-4CB3-07C3-3A74-E4A297307904}"/>
+              </a:ext>
+            </a:extLst>
+          </p:cNvPr>
+          <p:cNvSpPr/>
+          <p:nvPr/>
+        </p:nvSpPr>
+        <p:spPr>
+          <a:xfrm>
+            <a:off x="1223360" y="3315482"/>
+            <a:ext cx="1799511" cy="298861"/>
+          </a:xfrm>
+          <a:prstGeom prst="rect">
+            <a:avLst/>
+          </a:prstGeom>
+          <a:noFill/>
+          <a:ln w="9525">
+            <a:noFill/>
+          </a:ln>
+        </p:spPr>
+        <p:style>
+          <a:lnRef idx="2">
+            <a:schemeClr val="accent1">
+              <a:shade val="15000"/>
+            </a:schemeClr>
+          </a:lnRef>
+          <a:fillRef idx="1">
+            <a:schemeClr val="accent1"/>
+          </a:fillRef>
+          <a:effectRef idx="0">
+            <a:schemeClr val="accent1"/>
+          </a:effectRef>
+          <a:fontRef idx="minor">
+            <a:schemeClr val="lt1"/>
+          </a:fontRef>
+        </p:style>
+        <p:txBody>
+          <a:bodyPr rtlCol="0" anchor="ctr"/>
+          <a:lstStyle/>
+          <a:p>
+            <a:r>
+              <a:rPr lang="en-US" sz="1000" dirty="0">
+                <a:solidFill>
+                  <a:schemeClr val="accent6">
+                    <a:lumMod val="75000"/>
+                  </a:schemeClr>
+                </a:solidFill>
+                <a:latin typeface="Avenir Book" panose="02000503020000020003" pitchFamily="2" charset="0"/>
+              </a:rPr>
+              <a:t>Relay Key-ID</a:t>
+            </a:r>
+          </a:p>
+        </p:txBody>
+      </p:sp>
+      <p:cxnSp>
+        <p:nvCxnSpPr>
+          <p:cNvPr id="104" name="Straight Connector 103">
+            <a:extLst>
+              <a:ext uri="{FF2B5EF4-FFF2-40B4-BE49-F238E27FC236}">
+                <a16:creationId xmlns:a16="http://schemas.microsoft.com/office/drawing/2014/main" id="{0913FD8D-1F3B-C0B5-958B-B85ED4A409E3}"/>
+              </a:ext>
+            </a:extLst>
+          </p:cNvPr>
+          <p:cNvCxnSpPr>
+            <a:cxnSpLocks/>
+          </p:cNvCxnSpPr>
+          <p:nvPr/>
+        </p:nvCxnSpPr>
+        <p:spPr>
+          <a:xfrm>
+            <a:off x="8859978" y="4066606"/>
+            <a:ext cx="2013616" cy="0"/>
+          </a:xfrm>
+          <a:prstGeom prst="line">
+            <a:avLst/>
+          </a:prstGeom>
+          <a:ln w="9525">
+            <a:solidFill>
+              <a:schemeClr val="accent6">
+                <a:lumMod val="75000"/>
+              </a:schemeClr>
+            </a:solidFill>
+            <a:headEnd type="triangle"/>
+          </a:ln>
+        </p:spPr>
+        <p:style>
+          <a:lnRef idx="2">
+            <a:schemeClr val="accent1"/>
+          </a:lnRef>
+          <a:fillRef idx="0">
+            <a:schemeClr val="accent1"/>
+          </a:fillRef>
+          <a:effectRef idx="1">
+            <a:schemeClr val="accent1"/>
+          </a:effectRef>
+          <a:fontRef idx="minor">
+            <a:schemeClr val="tx1"/>
+          </a:fontRef>
+        </p:style>
+      </p:cxnSp>
+      <p:sp>
+        <p:nvSpPr>
+          <p:cNvPr id="105" name="Rectangle 104">
+            <a:extLst>
+              <a:ext uri="{FF2B5EF4-FFF2-40B4-BE49-F238E27FC236}">
+                <a16:creationId xmlns:a16="http://schemas.microsoft.com/office/drawing/2014/main" id="{01EDA7E6-775E-8B49-BE3C-F8B35576E3A5}"/>
+              </a:ext>
+            </a:extLst>
+          </p:cNvPr>
+          <p:cNvSpPr/>
+          <p:nvPr/>
+        </p:nvSpPr>
+        <p:spPr>
+          <a:xfrm flipH="1">
+            <a:off x="9074083" y="3815869"/>
+            <a:ext cx="1799511" cy="298861"/>
+          </a:xfrm>
+          <a:prstGeom prst="rect">
+            <a:avLst/>
+          </a:prstGeom>
+          <a:noFill/>
+          <a:ln w="9525">
+            <a:noFill/>
+          </a:ln>
+        </p:spPr>
+        <p:style>
+          <a:lnRef idx="2">
+            <a:schemeClr val="accent1">
+              <a:shade val="15000"/>
+            </a:schemeClr>
+          </a:lnRef>
+          <a:fillRef idx="1">
+            <a:schemeClr val="accent1"/>
+          </a:fillRef>
+          <a:effectRef idx="0">
+            <a:schemeClr val="accent1"/>
+          </a:effectRef>
+          <a:fontRef idx="minor">
+            <a:schemeClr val="lt1"/>
+          </a:fontRef>
+        </p:style>
+        <p:txBody>
+          <a:bodyPr rtlCol="0" anchor="ctr"/>
+          <a:lstStyle/>
+          <a:p>
+            <a:r>
+              <a:rPr lang="en-US" sz="1000" dirty="0">
+                <a:solidFill>
+                  <a:schemeClr val="accent6">
+                    <a:lumMod val="75000"/>
+                  </a:schemeClr>
+                </a:solidFill>
+                <a:latin typeface="Avenir Book" panose="02000503020000020003" pitchFamily="2" charset="0"/>
+              </a:rPr>
+              <a:t>GET key-with-key-ID</a:t>
+            </a:r>
+          </a:p>
+        </p:txBody>
+      </p:sp>
+      <p:cxnSp>
+        <p:nvCxnSpPr>
+          <p:cNvPr id="95" name="Straight Connector 94">
+            <a:extLst>
+              <a:ext uri="{FF2B5EF4-FFF2-40B4-BE49-F238E27FC236}">
+                <a16:creationId xmlns:a16="http://schemas.microsoft.com/office/drawing/2014/main" id="{CF5FE163-EFC1-252B-2202-33A0CF174B4E}"/>
+              </a:ext>
+            </a:extLst>
+          </p:cNvPr>
+          <p:cNvCxnSpPr>
+            <a:cxnSpLocks/>
+          </p:cNvCxnSpPr>
+          <p:nvPr/>
+        </p:nvCxnSpPr>
+        <p:spPr>
+          <a:xfrm flipH="1">
+            <a:off x="8860443" y="4662127"/>
+            <a:ext cx="2011215" cy="0"/>
+          </a:xfrm>
+          <a:prstGeom prst="line">
+            <a:avLst/>
+          </a:prstGeom>
+          <a:ln w="9525">
+            <a:solidFill>
+              <a:schemeClr val="accent6">
+                <a:lumMod val="75000"/>
+              </a:schemeClr>
+            </a:solidFill>
+            <a:headEnd type="triangle"/>
+          </a:ln>
+        </p:spPr>
+        <p:style>
+          <a:lnRef idx="2">
+            <a:schemeClr val="accent1"/>
+          </a:lnRef>
+          <a:fillRef idx="0">
+            <a:schemeClr val="accent1"/>
+          </a:fillRef>
+          <a:effectRef idx="1">
+            <a:schemeClr val="accent1"/>
+          </a:effectRef>
+          <a:fontRef idx="minor">
+            <a:schemeClr val="tx1"/>
+          </a:fontRef>
+        </p:style>
+      </p:cxnSp>
+      <p:sp>
+        <p:nvSpPr>
+          <p:cNvPr id="96" name="Rectangle 95">
+            <a:extLst>
+              <a:ext uri="{FF2B5EF4-FFF2-40B4-BE49-F238E27FC236}">
+                <a16:creationId xmlns:a16="http://schemas.microsoft.com/office/drawing/2014/main" id="{4D06398F-7398-B109-CBB7-BFC906ABA483}"/>
+              </a:ext>
+            </a:extLst>
+          </p:cNvPr>
+          <p:cNvSpPr/>
+          <p:nvPr/>
+        </p:nvSpPr>
+        <p:spPr>
+          <a:xfrm flipH="1">
+            <a:off x="8733728" y="4066607"/>
+            <a:ext cx="126715" cy="600778"/>
+          </a:xfrm>
+          <a:prstGeom prst="rect">
+            <a:avLst/>
+          </a:prstGeom>
+          <a:solidFill>
+            <a:schemeClr val="accent6">
+              <a:lumMod val="20000"/>
+              <a:lumOff val="80000"/>
+            </a:schemeClr>
+          </a:solidFill>
+          <a:ln w="9525">
+            <a:solidFill>
+              <a:schemeClr val="accent6">
+                <a:lumMod val="75000"/>
+              </a:schemeClr>
+            </a:solidFill>
+          </a:ln>
+        </p:spPr>
+        <p:style>
+          <a:lnRef idx="2">
+            <a:schemeClr val="accent1">
+              <a:shade val="15000"/>
+            </a:schemeClr>
+          </a:lnRef>
+          <a:fillRef idx="1">
+            <a:schemeClr val="accent1"/>
+          </a:fillRef>
+          <a:effectRef idx="0">
+            <a:schemeClr val="accent1"/>
+          </a:effectRef>
+          <a:fontRef idx="minor">
+            <a:schemeClr val="lt1"/>
+          </a:fontRef>
+        </p:style>
+        <p:txBody>
+          <a:bodyPr rtlCol="0" anchor="ctr"/>
+          <a:lstStyle/>
+          <a:p>
+            <a:pPr algn="ctr"/>
+            <a:endParaRPr lang="en-US" sz="1000" dirty="0">
+              <a:solidFill>
                 <a:schemeClr val="tx1"/>
-              </a:fontRef>
-            </p:style>
-          </p:cxnSp>
-          <p:sp>
-            <p:nvSpPr>
-              <p:cNvPr id="103" name="Rectangle 102">
-                <a:extLst>
-                  <a:ext uri="{FF2B5EF4-FFF2-40B4-BE49-F238E27FC236}">
-                    <a16:creationId xmlns:a16="http://schemas.microsoft.com/office/drawing/2014/main" id="{0C2C119B-096E-5860-0240-91FD38A557B9}"/>
-                  </a:ext>
-                </a:extLst>
-              </p:cNvPr>
-              <p:cNvSpPr/>
-              <p:nvPr/>
-            </p:nvSpPr>
-            <p:spPr>
-              <a:xfrm>
-                <a:off x="2145799" y="2684192"/>
-                <a:ext cx="2784678" cy="298861"/>
-              </a:xfrm>
-              <a:prstGeom prst="rect">
-                <a:avLst/>
-              </a:prstGeom>
-              <a:noFill/>
-              <a:ln w="9525">
-                <a:noFill/>
-              </a:ln>
-            </p:spPr>
-            <p:style>
-              <a:lnRef idx="2">
-                <a:schemeClr val="accent1">
-                  <a:shade val="15000"/>
-                </a:schemeClr>
-              </a:lnRef>
-              <a:fillRef idx="1">
-                <a:schemeClr val="accent1"/>
-              </a:fillRef>
-              <a:effectRef idx="0">
-                <a:schemeClr val="accent1"/>
-              </a:effectRef>
-              <a:fontRef idx="minor">
-                <a:schemeClr val="lt1"/>
-              </a:fontRef>
-            </p:style>
-            <p:txBody>
-              <a:bodyPr rtlCol="0" anchor="ctr"/>
-              <a:lstStyle/>
-              <a:p>
-                <a:r>
-                  <a:rPr lang="en-US" sz="1000" dirty="0">
-                    <a:solidFill>
-                      <a:srgbClr val="FF0000"/>
-                    </a:solidFill>
-                    <a:latin typeface="Avenir Book" panose="02000503020000020003" pitchFamily="2" charset="0"/>
-                  </a:rPr>
-                  <a:t>GET key-share</a:t>
-                </a:r>
-              </a:p>
-            </p:txBody>
-          </p:sp>
-        </p:grpSp>
-        <p:grpSp>
-          <p:nvGrpSpPr>
-            <p:cNvPr id="99" name="Group 98">
-              <a:extLst>
-                <a:ext uri="{FF2B5EF4-FFF2-40B4-BE49-F238E27FC236}">
-                  <a16:creationId xmlns:a16="http://schemas.microsoft.com/office/drawing/2014/main" id="{D8E80D79-197A-5BCD-F24D-6070F761C3E1}"/>
-                </a:ext>
-              </a:extLst>
-            </p:cNvPr>
-            <p:cNvGrpSpPr/>
-            <p:nvPr/>
-          </p:nvGrpSpPr>
-          <p:grpSpPr>
-            <a:xfrm>
-              <a:off x="3363226" y="2519503"/>
-              <a:ext cx="3389847" cy="298861"/>
-              <a:chOff x="2145799" y="2684192"/>
-              <a:chExt cx="5245664" cy="298861"/>
-            </a:xfrm>
-          </p:grpSpPr>
-          <p:cxnSp>
-            <p:nvCxnSpPr>
-              <p:cNvPr id="100" name="Straight Connector 99">
-                <a:extLst>
-                  <a:ext uri="{FF2B5EF4-FFF2-40B4-BE49-F238E27FC236}">
-                    <a16:creationId xmlns:a16="http://schemas.microsoft.com/office/drawing/2014/main" id="{C8DF76A0-98D5-A127-32A9-B5805B48A99F}"/>
-                  </a:ext>
-                </a:extLst>
-              </p:cNvPr>
-              <p:cNvCxnSpPr>
-                <a:cxnSpLocks/>
-              </p:cNvCxnSpPr>
-              <p:nvPr/>
-            </p:nvCxnSpPr>
-            <p:spPr>
-              <a:xfrm flipH="1">
-                <a:off x="2145799" y="2934929"/>
-                <a:ext cx="5245664" cy="0"/>
-              </a:xfrm>
-              <a:prstGeom prst="line">
-                <a:avLst/>
-              </a:prstGeom>
-              <a:ln w="9525">
+              </a:solidFill>
+              <a:latin typeface="Avenir Book" panose="02000503020000020003" pitchFamily="2" charset="0"/>
+            </a:endParaRPr>
+          </a:p>
+        </p:txBody>
+      </p:sp>
+      <p:sp>
+        <p:nvSpPr>
+          <p:cNvPr id="97" name="Rectangle 96">
+            <a:extLst>
+              <a:ext uri="{FF2B5EF4-FFF2-40B4-BE49-F238E27FC236}">
+                <a16:creationId xmlns:a16="http://schemas.microsoft.com/office/drawing/2014/main" id="{DEDD8038-A8D9-38EE-BD64-C279C72DAEC4}"/>
+              </a:ext>
+            </a:extLst>
+          </p:cNvPr>
+          <p:cNvSpPr/>
+          <p:nvPr/>
+        </p:nvSpPr>
+        <p:spPr>
+          <a:xfrm flipH="1">
+            <a:off x="9080159" y="4411819"/>
+            <a:ext cx="1799511" cy="298861"/>
+          </a:xfrm>
+          <a:prstGeom prst="rect">
+            <a:avLst/>
+          </a:prstGeom>
+          <a:noFill/>
+          <a:ln w="9525">
+            <a:noFill/>
+          </a:ln>
+        </p:spPr>
+        <p:style>
+          <a:lnRef idx="2">
+            <a:schemeClr val="accent1">
+              <a:shade val="15000"/>
+            </a:schemeClr>
+          </a:lnRef>
+          <a:fillRef idx="1">
+            <a:schemeClr val="accent1"/>
+          </a:fillRef>
+          <a:effectRef idx="0">
+            <a:schemeClr val="accent1"/>
+          </a:effectRef>
+          <a:fontRef idx="minor">
+            <a:schemeClr val="lt1"/>
+          </a:fontRef>
+        </p:style>
+        <p:txBody>
+          <a:bodyPr rtlCol="0" anchor="ctr"/>
+          <a:lstStyle/>
+          <a:p>
+            <a:r>
+              <a:rPr lang="en-US" sz="1000" dirty="0">
                 <a:solidFill>
-                  <a:srgbClr val="FF0000"/>
+                  <a:schemeClr val="accent6">
+                    <a:lumMod val="75000"/>
+                  </a:schemeClr>
                 </a:solidFill>
-                <a:headEnd type="triangle"/>
-              </a:ln>
-            </p:spPr>
-            <p:style>
-              <a:lnRef idx="2">
-                <a:schemeClr val="accent1"/>
-              </a:lnRef>
-              <a:fillRef idx="0">
-                <a:schemeClr val="accent1"/>
-              </a:fillRef>
-              <a:effectRef idx="1">
-                <a:schemeClr val="accent1"/>
-              </a:effectRef>
-              <a:fontRef idx="minor">
-                <a:schemeClr val="tx1"/>
-              </a:fontRef>
-            </p:style>
-          </p:cxnSp>
-          <p:sp>
-            <p:nvSpPr>
-              <p:cNvPr id="101" name="Rectangle 100">
-                <a:extLst>
-                  <a:ext uri="{FF2B5EF4-FFF2-40B4-BE49-F238E27FC236}">
-                    <a16:creationId xmlns:a16="http://schemas.microsoft.com/office/drawing/2014/main" id="{5C3DCE52-DD1D-2B18-5FB1-918149EEEF96}"/>
-                  </a:ext>
-                </a:extLst>
-              </p:cNvPr>
-              <p:cNvSpPr/>
-              <p:nvPr/>
-            </p:nvSpPr>
-            <p:spPr>
-              <a:xfrm>
-                <a:off x="2145799" y="2684192"/>
-                <a:ext cx="2784678" cy="298861"/>
-              </a:xfrm>
-              <a:prstGeom prst="rect">
-                <a:avLst/>
-              </a:prstGeom>
-              <a:noFill/>
-              <a:ln w="9525">
-                <a:noFill/>
-              </a:ln>
-            </p:spPr>
-            <p:style>
-              <a:lnRef idx="2">
-                <a:schemeClr val="accent1">
-                  <a:shade val="15000"/>
-                </a:schemeClr>
-              </a:lnRef>
-              <a:fillRef idx="1">
-                <a:schemeClr val="accent1"/>
-              </a:fillRef>
-              <a:effectRef idx="0">
-                <a:schemeClr val="accent1"/>
-              </a:effectRef>
-              <a:fontRef idx="minor">
-                <a:schemeClr val="lt1"/>
-              </a:fontRef>
-            </p:style>
-            <p:txBody>
-              <a:bodyPr rtlCol="0" anchor="ctr"/>
-              <a:lstStyle/>
-              <a:p>
-                <a:r>
-                  <a:rPr lang="en-US" sz="1000" dirty="0">
-                    <a:solidFill>
-                      <a:srgbClr val="FF0000"/>
-                    </a:solidFill>
-                    <a:latin typeface="Avenir Book" panose="02000503020000020003" pitchFamily="2" charset="0"/>
-                  </a:rPr>
-                  <a:t>GET key-share</a:t>
-                </a:r>
-              </a:p>
-            </p:txBody>
-          </p:sp>
-        </p:grpSp>
-      </p:grpSp>
+                <a:latin typeface="Avenir Book" panose="02000503020000020003" pitchFamily="2" charset="0"/>
+              </a:rPr>
+              <a:t>Key</a:t>
+            </a:r>
+          </a:p>
+        </p:txBody>
+      </p:sp>
+      <p:cxnSp>
+        <p:nvCxnSpPr>
+          <p:cNvPr id="102" name="Straight Connector 101">
+            <a:extLst>
+              <a:ext uri="{FF2B5EF4-FFF2-40B4-BE49-F238E27FC236}">
+                <a16:creationId xmlns:a16="http://schemas.microsoft.com/office/drawing/2014/main" id="{2A2CC460-7466-789D-C0B5-6B498212CC12}"/>
+              </a:ext>
+            </a:extLst>
+          </p:cNvPr>
+          <p:cNvCxnSpPr>
+            <a:cxnSpLocks/>
+          </p:cNvCxnSpPr>
+          <p:nvPr/>
+        </p:nvCxnSpPr>
+        <p:spPr>
+          <a:xfrm>
+            <a:off x="6755329" y="4197748"/>
+            <a:ext cx="1978399" cy="0"/>
+          </a:xfrm>
+          <a:prstGeom prst="line">
+            <a:avLst/>
+          </a:prstGeom>
+          <a:ln w="9525">
+            <a:solidFill>
+              <a:schemeClr val="accent6">
+                <a:lumMod val="75000"/>
+              </a:schemeClr>
+            </a:solidFill>
+            <a:headEnd type="triangle"/>
+          </a:ln>
+        </p:spPr>
+        <p:style>
+          <a:lnRef idx="2">
+            <a:schemeClr val="accent1"/>
+          </a:lnRef>
+          <a:fillRef idx="0">
+            <a:schemeClr val="accent1"/>
+          </a:fillRef>
+          <a:effectRef idx="1">
+            <a:schemeClr val="accent1"/>
+          </a:effectRef>
+          <a:fontRef idx="minor">
+            <a:schemeClr val="tx1"/>
+          </a:fontRef>
+        </p:style>
+      </p:cxnSp>
+      <p:sp>
+        <p:nvSpPr>
+          <p:cNvPr id="103" name="Rectangle 102">
+            <a:extLst>
+              <a:ext uri="{FF2B5EF4-FFF2-40B4-BE49-F238E27FC236}">
+                <a16:creationId xmlns:a16="http://schemas.microsoft.com/office/drawing/2014/main" id="{0C2C119B-096E-5860-0240-91FD38A557B9}"/>
+              </a:ext>
+            </a:extLst>
+          </p:cNvPr>
+          <p:cNvSpPr/>
+          <p:nvPr/>
+        </p:nvSpPr>
+        <p:spPr>
+          <a:xfrm flipH="1">
+            <a:off x="6934217" y="3947011"/>
+            <a:ext cx="1799511" cy="298861"/>
+          </a:xfrm>
+          <a:prstGeom prst="rect">
+            <a:avLst/>
+          </a:prstGeom>
+          <a:noFill/>
+          <a:ln w="9525">
+            <a:noFill/>
+          </a:ln>
+        </p:spPr>
+        <p:style>
+          <a:lnRef idx="2">
+            <a:schemeClr val="accent1">
+              <a:shade val="15000"/>
+            </a:schemeClr>
+          </a:lnRef>
+          <a:fillRef idx="1">
+            <a:schemeClr val="accent1"/>
+          </a:fillRef>
+          <a:effectRef idx="0">
+            <a:schemeClr val="accent1"/>
+          </a:effectRef>
+          <a:fontRef idx="minor">
+            <a:schemeClr val="lt1"/>
+          </a:fontRef>
+        </p:style>
+        <p:txBody>
+          <a:bodyPr rtlCol="0" anchor="ctr"/>
+          <a:lstStyle/>
+          <a:p>
+            <a:r>
+              <a:rPr lang="en-US" sz="1000" dirty="0">
+                <a:solidFill>
+                  <a:schemeClr val="accent6">
+                    <a:lumMod val="75000"/>
+                  </a:schemeClr>
+                </a:solidFill>
+                <a:latin typeface="Avenir Book" panose="02000503020000020003" pitchFamily="2" charset="0"/>
+              </a:rPr>
+              <a:t>GET key-share</a:t>
+            </a:r>
+          </a:p>
+        </p:txBody>
+      </p:sp>
+      <p:cxnSp>
+        <p:nvCxnSpPr>
+          <p:cNvPr id="100" name="Straight Connector 99">
+            <a:extLst>
+              <a:ext uri="{FF2B5EF4-FFF2-40B4-BE49-F238E27FC236}">
+                <a16:creationId xmlns:a16="http://schemas.microsoft.com/office/drawing/2014/main" id="{C8DF76A0-98D5-A127-32A9-B5805B48A99F}"/>
+              </a:ext>
+            </a:extLst>
+          </p:cNvPr>
+          <p:cNvCxnSpPr>
+            <a:cxnSpLocks/>
+          </p:cNvCxnSpPr>
+          <p:nvPr/>
+        </p:nvCxnSpPr>
+        <p:spPr>
+          <a:xfrm>
+            <a:off x="5343881" y="4538779"/>
+            <a:ext cx="3389847" cy="0"/>
+          </a:xfrm>
+          <a:prstGeom prst="line">
+            <a:avLst/>
+          </a:prstGeom>
+          <a:ln w="9525">
+            <a:solidFill>
+              <a:schemeClr val="accent6">
+                <a:lumMod val="75000"/>
+              </a:schemeClr>
+            </a:solidFill>
+            <a:headEnd type="triangle"/>
+          </a:ln>
+        </p:spPr>
+        <p:style>
+          <a:lnRef idx="2">
+            <a:schemeClr val="accent1"/>
+          </a:lnRef>
+          <a:fillRef idx="0">
+            <a:schemeClr val="accent1"/>
+          </a:fillRef>
+          <a:effectRef idx="1">
+            <a:schemeClr val="accent1"/>
+          </a:effectRef>
+          <a:fontRef idx="minor">
+            <a:schemeClr val="tx1"/>
+          </a:fontRef>
+        </p:style>
+      </p:cxnSp>
+      <p:sp>
+        <p:nvSpPr>
+          <p:cNvPr id="101" name="Rectangle 100">
+            <a:extLst>
+              <a:ext uri="{FF2B5EF4-FFF2-40B4-BE49-F238E27FC236}">
+                <a16:creationId xmlns:a16="http://schemas.microsoft.com/office/drawing/2014/main" id="{5C3DCE52-DD1D-2B18-5FB1-918149EEEF96}"/>
+              </a:ext>
+            </a:extLst>
+          </p:cNvPr>
+          <p:cNvSpPr/>
+          <p:nvPr/>
+        </p:nvSpPr>
+        <p:spPr>
+          <a:xfrm flipH="1">
+            <a:off x="6934217" y="4288042"/>
+            <a:ext cx="1799511" cy="298861"/>
+          </a:xfrm>
+          <a:prstGeom prst="rect">
+            <a:avLst/>
+          </a:prstGeom>
+          <a:noFill/>
+          <a:ln w="9525">
+            <a:noFill/>
+          </a:ln>
+        </p:spPr>
+        <p:style>
+          <a:lnRef idx="2">
+            <a:schemeClr val="accent1">
+              <a:shade val="15000"/>
+            </a:schemeClr>
+          </a:lnRef>
+          <a:fillRef idx="1">
+            <a:schemeClr val="accent1"/>
+          </a:fillRef>
+          <a:effectRef idx="0">
+            <a:schemeClr val="accent1"/>
+          </a:effectRef>
+          <a:fontRef idx="minor">
+            <a:schemeClr val="lt1"/>
+          </a:fontRef>
+        </p:style>
+        <p:txBody>
+          <a:bodyPr rtlCol="0" anchor="ctr"/>
+          <a:lstStyle/>
+          <a:p>
+            <a:r>
+              <a:rPr lang="en-US" sz="1000" dirty="0">
+                <a:solidFill>
+                  <a:schemeClr val="accent6">
+                    <a:lumMod val="75000"/>
+                  </a:schemeClr>
+                </a:solidFill>
+                <a:latin typeface="Avenir Book" panose="02000503020000020003" pitchFamily="2" charset="0"/>
+              </a:rPr>
+              <a:t>GET key-share</a:t>
+            </a:r>
+          </a:p>
+        </p:txBody>
+      </p:sp>
     </p:spTree>
     <p:extLst>
       <p:ext uri="{BB962C8B-B14F-4D97-AF65-F5344CB8AC3E}">

--- a/docs/figures/figures.pptx
+++ b/docs/figures/figures.pptx
@@ -6099,14 +6099,20 @@
           <a:p>
             <a:pPr algn="ctr"/>
             <a:r>
-              <a:rPr lang="en-US" sz="1000" dirty="0">
+              <a:rPr lang="en-US" sz="1000">
                 <a:solidFill>
                   <a:schemeClr val="tx1"/>
                 </a:solidFill>
                 <a:latin typeface="Avenir Book" panose="02000503020000020003" pitchFamily="2" charset="0"/>
               </a:rPr>
-              <a:t>Encrypted tunnel</a:t>
+              <a:t>Encrypted connection</a:t>
             </a:r>
+            <a:endParaRPr lang="en-US" sz="1000" dirty="0">
+              <a:solidFill>
+                <a:schemeClr val="tx1"/>
+              </a:solidFill>
+              <a:latin typeface="Avenir Book" panose="02000503020000020003" pitchFamily="2" charset="0"/>
+            </a:endParaRPr>
           </a:p>
         </p:txBody>
       </p:sp>

--- a/docs/figures/figures.pptx
+++ b/docs/figures/figures.pptx
@@ -6099,7 +6099,7 @@
           <a:p>
             <a:pPr algn="ctr"/>
             <a:r>
-              <a:rPr lang="en-US" sz="1000">
+              <a:rPr lang="en-US" sz="1000" dirty="0">
                 <a:solidFill>
                   <a:schemeClr val="tx1"/>
                 </a:solidFill>
@@ -6107,12 +6107,6 @@
               </a:rPr>
               <a:t>Encrypted connection</a:t>
             </a:r>
-            <a:endParaRPr lang="en-US" sz="1000" dirty="0">
-              <a:solidFill>
-                <a:schemeClr val="tx1"/>
-              </a:solidFill>
-              <a:latin typeface="Avenir Book" panose="02000503020000020003" pitchFamily="2" charset="0"/>
-            </a:endParaRPr>
           </a:p>
         </p:txBody>
       </p:sp>

--- a/docs/figures/figures.pptx
+++ b/docs/figures/figures.pptx
@@ -199,7 +199,7 @@
           <a:p>
             <a:fld id="{66C4A6C0-F2EC-FC45-B98B-ED31D507F3F3}" type="datetimeFigureOut">
               <a:rPr lang="en-US" smtClean="0"/>
-              <a:t>9/3/25</a:t>
+              <a:t>9/5/25</a:t>
             </a:fld>
             <a:endParaRPr lang="en-US"/>
           </a:p>
@@ -697,7 +697,7 @@
           <a:p>
             <a:fld id="{6E32B2FD-E7C2-BB4E-8CD5-3A0929CC3D5F}" type="datetimeFigureOut">
               <a:rPr lang="en-US" smtClean="0"/>
-              <a:t>9/3/25</a:t>
+              <a:t>9/5/25</a:t>
             </a:fld>
             <a:endParaRPr lang="en-US"/>
           </a:p>
@@ -895,7 +895,7 @@
           <a:p>
             <a:fld id="{6E32B2FD-E7C2-BB4E-8CD5-3A0929CC3D5F}" type="datetimeFigureOut">
               <a:rPr lang="en-US" smtClean="0"/>
-              <a:t>9/3/25</a:t>
+              <a:t>9/5/25</a:t>
             </a:fld>
             <a:endParaRPr lang="en-US"/>
           </a:p>
@@ -1103,7 +1103,7 @@
           <a:p>
             <a:fld id="{6E32B2FD-E7C2-BB4E-8CD5-3A0929CC3D5F}" type="datetimeFigureOut">
               <a:rPr lang="en-US" smtClean="0"/>
-              <a:t>9/3/25</a:t>
+              <a:t>9/5/25</a:t>
             </a:fld>
             <a:endParaRPr lang="en-US"/>
           </a:p>
@@ -1301,7 +1301,7 @@
           <a:p>
             <a:fld id="{6E32B2FD-E7C2-BB4E-8CD5-3A0929CC3D5F}" type="datetimeFigureOut">
               <a:rPr lang="en-US" smtClean="0"/>
-              <a:t>9/3/25</a:t>
+              <a:t>9/5/25</a:t>
             </a:fld>
             <a:endParaRPr lang="en-US"/>
           </a:p>
@@ -1576,7 +1576,7 @@
           <a:p>
             <a:fld id="{6E32B2FD-E7C2-BB4E-8CD5-3A0929CC3D5F}" type="datetimeFigureOut">
               <a:rPr lang="en-US" smtClean="0"/>
-              <a:t>9/3/25</a:t>
+              <a:t>9/5/25</a:t>
             </a:fld>
             <a:endParaRPr lang="en-US"/>
           </a:p>
@@ -1841,7 +1841,7 @@
           <a:p>
             <a:fld id="{6E32B2FD-E7C2-BB4E-8CD5-3A0929CC3D5F}" type="datetimeFigureOut">
               <a:rPr lang="en-US" smtClean="0"/>
-              <a:t>9/3/25</a:t>
+              <a:t>9/5/25</a:t>
             </a:fld>
             <a:endParaRPr lang="en-US"/>
           </a:p>
@@ -2253,7 +2253,7 @@
           <a:p>
             <a:fld id="{6E32B2FD-E7C2-BB4E-8CD5-3A0929CC3D5F}" type="datetimeFigureOut">
               <a:rPr lang="en-US" smtClean="0"/>
-              <a:t>9/3/25</a:t>
+              <a:t>9/5/25</a:t>
             </a:fld>
             <a:endParaRPr lang="en-US"/>
           </a:p>
@@ -2394,7 +2394,7 @@
           <a:p>
             <a:fld id="{6E32B2FD-E7C2-BB4E-8CD5-3A0929CC3D5F}" type="datetimeFigureOut">
               <a:rPr lang="en-US" smtClean="0"/>
-              <a:t>9/3/25</a:t>
+              <a:t>9/5/25</a:t>
             </a:fld>
             <a:endParaRPr lang="en-US"/>
           </a:p>
@@ -2507,7 +2507,7 @@
           <a:p>
             <a:fld id="{6E32B2FD-E7C2-BB4E-8CD5-3A0929CC3D5F}" type="datetimeFigureOut">
               <a:rPr lang="en-US" smtClean="0"/>
-              <a:t>9/3/25</a:t>
+              <a:t>9/5/25</a:t>
             </a:fld>
             <a:endParaRPr lang="en-US"/>
           </a:p>
@@ -2818,7 +2818,7 @@
           <a:p>
             <a:fld id="{6E32B2FD-E7C2-BB4E-8CD5-3A0929CC3D5F}" type="datetimeFigureOut">
               <a:rPr lang="en-US" smtClean="0"/>
-              <a:t>9/3/25</a:t>
+              <a:t>9/5/25</a:t>
             </a:fld>
             <a:endParaRPr lang="en-US"/>
           </a:p>
@@ -3106,7 +3106,7 @@
           <a:p>
             <a:fld id="{6E32B2FD-E7C2-BB4E-8CD5-3A0929CC3D5F}" type="datetimeFigureOut">
               <a:rPr lang="en-US" smtClean="0"/>
-              <a:t>9/3/25</a:t>
+              <a:t>9/5/25</a:t>
             </a:fld>
             <a:endParaRPr lang="en-US"/>
           </a:p>
@@ -3347,7 +3347,7 @@
           <a:p>
             <a:fld id="{6E32B2FD-E7C2-BB4E-8CD5-3A0929CC3D5F}" type="datetimeFigureOut">
               <a:rPr lang="en-US" smtClean="0"/>
-              <a:t>9/3/25</a:t>
+              <a:t>9/5/25</a:t>
             </a:fld>
             <a:endParaRPr lang="en-US"/>
           </a:p>
@@ -9114,7 +9114,7 @@
                 </a:solidFill>
                 <a:latin typeface="Avenir Book" panose="02000503020000020003" pitchFamily="2" charset="0"/>
               </a:rPr>
-              <a:t>PUT key-share</a:t>
+              <a:t>POST key-share</a:t>
             </a:r>
           </a:p>
         </p:txBody>
@@ -9211,6 +9211,17 @@
           <a:lstStyle/>
           <a:p>
             <a:r>
+              <a:rPr lang="en-US" sz="1000">
+                <a:solidFill>
+                  <a:schemeClr val="accent6">
+                    <a:lumMod val="75000"/>
+                  </a:schemeClr>
+                </a:solidFill>
+                <a:latin typeface="Avenir Book" panose="02000503020000020003" pitchFamily="2" charset="0"/>
+              </a:rPr>
+              <a:t>POST </a:t>
+            </a:r>
+            <a:r>
               <a:rPr lang="en-US" sz="1000" dirty="0">
                 <a:solidFill>
                   <a:schemeClr val="accent6">
@@ -9219,7 +9230,7 @@
                 </a:solidFill>
                 <a:latin typeface="Avenir Book" panose="02000503020000020003" pitchFamily="2" charset="0"/>
               </a:rPr>
-              <a:t>PUT key-share</a:t>
+              <a:t>key-share</a:t>
             </a:r>
           </a:p>
         </p:txBody>

--- a/docs/figures/figures.pptx
+++ b/docs/figures/figures.pptx
@@ -5,12 +5,14 @@
     <p:sldMasterId id="2147483648" r:id="rId1"/>
   </p:sldMasterIdLst>
   <p:notesMasterIdLst>
-    <p:notesMasterId r:id="rId5"/>
+    <p:notesMasterId r:id="rId7"/>
   </p:notesMasterIdLst>
   <p:sldIdLst>
     <p:sldId id="256" r:id="rId2"/>
     <p:sldId id="257" r:id="rId3"/>
     <p:sldId id="258" r:id="rId4"/>
+    <p:sldId id="259" r:id="rId5"/>
+    <p:sldId id="260" r:id="rId6"/>
   </p:sldIdLst>
   <p:sldSz cx="12192000" cy="6858000"/>
   <p:notesSz cx="6858000" cy="9144000"/>
@@ -9211,17 +9213,6 @@
           <a:lstStyle/>
           <a:p>
             <a:r>
-              <a:rPr lang="en-US" sz="1000">
-                <a:solidFill>
-                  <a:schemeClr val="accent6">
-                    <a:lumMod val="75000"/>
-                  </a:schemeClr>
-                </a:solidFill>
-                <a:latin typeface="Avenir Book" panose="02000503020000020003" pitchFamily="2" charset="0"/>
-              </a:rPr>
-              <a:t>POST </a:t>
-            </a:r>
-            <a:r>
               <a:rPr lang="en-US" sz="1000" dirty="0">
                 <a:solidFill>
                   <a:schemeClr val="accent6">
@@ -9230,7 +9221,7 @@
                 </a:solidFill>
                 <a:latin typeface="Avenir Book" panose="02000503020000020003" pitchFamily="2" charset="0"/>
               </a:rPr>
-              <a:t>key-share</a:t>
+              <a:t>POST key-share</a:t>
             </a:r>
           </a:p>
         </p:txBody>
@@ -9828,6 +9819,5840 @@
     <p:extLst>
       <p:ext uri="{BB962C8B-B14F-4D97-AF65-F5344CB8AC3E}">
         <p14:creationId xmlns:p14="http://schemas.microsoft.com/office/powerpoint/2010/main" val="1266981807"/>
+      </p:ext>
+    </p:extLst>
+  </p:cSld>
+  <p:clrMapOvr>
+    <a:masterClrMapping/>
+  </p:clrMapOvr>
+</p:sld>
+</file>
+
+<file path=ppt/slides/slide4.xml><?xml version="1.0" encoding="utf-8"?>
+<p:sld xmlns:a="http://schemas.openxmlformats.org/drawingml/2006/main" xmlns:r="http://schemas.openxmlformats.org/officeDocument/2006/relationships" xmlns:p="http://schemas.openxmlformats.org/presentationml/2006/main">
+  <p:cSld>
+    <p:spTree>
+      <p:nvGrpSpPr>
+        <p:cNvPr id="1" name=""/>
+        <p:cNvGrpSpPr/>
+        <p:nvPr/>
+      </p:nvGrpSpPr>
+      <p:grpSpPr>
+        <a:xfrm>
+          <a:off x="0" y="0"/>
+          <a:ext cx="0" cy="0"/>
+          <a:chOff x="0" y="0"/>
+          <a:chExt cx="0" cy="0"/>
+        </a:xfrm>
+      </p:grpSpPr>
+      <p:sp>
+        <p:nvSpPr>
+          <p:cNvPr id="3" name="Rounded Rectangle 2">
+            <a:extLst>
+              <a:ext uri="{FF2B5EF4-FFF2-40B4-BE49-F238E27FC236}">
+                <a16:creationId xmlns:a16="http://schemas.microsoft.com/office/drawing/2014/main" id="{F26A96ED-63E6-A490-6410-9F80A30DEE6E}"/>
+              </a:ext>
+            </a:extLst>
+          </p:cNvPr>
+          <p:cNvSpPr/>
+          <p:nvPr/>
+        </p:nvSpPr>
+        <p:spPr>
+          <a:xfrm>
+            <a:off x="5228700" y="1813192"/>
+            <a:ext cx="1740665" cy="705080"/>
+          </a:xfrm>
+          <a:prstGeom prst="roundRect">
+            <a:avLst/>
+          </a:prstGeom>
+          <a:solidFill>
+            <a:schemeClr val="tx2">
+              <a:lumMod val="10000"/>
+              <a:lumOff val="90000"/>
+            </a:schemeClr>
+          </a:solidFill>
+          <a:ln w="6350"/>
+        </p:spPr>
+        <p:style>
+          <a:lnRef idx="2">
+            <a:schemeClr val="accent1">
+              <a:shade val="15000"/>
+            </a:schemeClr>
+          </a:lnRef>
+          <a:fillRef idx="1">
+            <a:schemeClr val="accent1"/>
+          </a:fillRef>
+          <a:effectRef idx="0">
+            <a:schemeClr val="accent1"/>
+          </a:effectRef>
+          <a:fontRef idx="minor">
+            <a:schemeClr val="lt1"/>
+          </a:fontRef>
+        </p:style>
+        <p:txBody>
+          <a:bodyPr lIns="0" tIns="0" rIns="0" bIns="0" rtlCol="0" anchor="ctr"/>
+          <a:lstStyle/>
+          <a:p>
+            <a:pPr algn="ctr"/>
+            <a:r>
+              <a:rPr lang="en-US" sz="1200" b="1" dirty="0">
+                <a:solidFill>
+                  <a:schemeClr val="tx1"/>
+                </a:solidFill>
+                <a:latin typeface="AVENIR LIGHT OBLIQUE" panose="020B0402020203090204" pitchFamily="34" charset="77"/>
+              </a:rPr>
+              <a:t>Unallocated</a:t>
+            </a:r>
+          </a:p>
+          <a:p>
+            <a:pPr algn="ctr"/>
+            <a:r>
+              <a:rPr lang="en-US" sz="1000" dirty="0">
+                <a:solidFill>
+                  <a:schemeClr val="tx1"/>
+                </a:solidFill>
+                <a:latin typeface="AVENIR LIGHT OBLIQUE" panose="020B0402020203090204" pitchFamily="34" charset="77"/>
+              </a:rPr>
+              <a:t>allocated = false</a:t>
+            </a:r>
+          </a:p>
+          <a:p>
+            <a:pPr algn="ctr"/>
+            <a:r>
+              <a:rPr lang="en-US" sz="1000" dirty="0">
+                <a:solidFill>
+                  <a:schemeClr val="tx1"/>
+                </a:solidFill>
+                <a:latin typeface="AVENIR LIGHT OBLIQUE" panose="020B0402020203090204" pitchFamily="34" charset="77"/>
+              </a:rPr>
+              <a:t>consumed = false</a:t>
+            </a:r>
+          </a:p>
+          <a:p>
+            <a:pPr algn="ctr"/>
+            <a:r>
+              <a:rPr lang="en-US" sz="1000" dirty="0">
+                <a:solidFill>
+                  <a:schemeClr val="tx1"/>
+                </a:solidFill>
+                <a:latin typeface="AVENIR LIGHT OBLIQUE" panose="020B0402020203090204" pitchFamily="34" charset="77"/>
+              </a:rPr>
+              <a:t>value = set</a:t>
+            </a:r>
+          </a:p>
+        </p:txBody>
+      </p:sp>
+      <p:sp>
+        <p:nvSpPr>
+          <p:cNvPr id="4" name="Rounded Rectangle 3">
+            <a:extLst>
+              <a:ext uri="{FF2B5EF4-FFF2-40B4-BE49-F238E27FC236}">
+                <a16:creationId xmlns:a16="http://schemas.microsoft.com/office/drawing/2014/main" id="{0B5E81F6-80F2-4496-D4B1-E97229DF8C61}"/>
+              </a:ext>
+            </a:extLst>
+          </p:cNvPr>
+          <p:cNvSpPr/>
+          <p:nvPr/>
+        </p:nvSpPr>
+        <p:spPr>
+          <a:xfrm>
+            <a:off x="5228700" y="3067279"/>
+            <a:ext cx="1740665" cy="705080"/>
+          </a:xfrm>
+          <a:prstGeom prst="roundRect">
+            <a:avLst/>
+          </a:prstGeom>
+          <a:solidFill>
+            <a:schemeClr val="tx2">
+              <a:lumMod val="10000"/>
+              <a:lumOff val="90000"/>
+            </a:schemeClr>
+          </a:solidFill>
+          <a:ln w="6350"/>
+        </p:spPr>
+        <p:style>
+          <a:lnRef idx="2">
+            <a:schemeClr val="accent1">
+              <a:shade val="15000"/>
+            </a:schemeClr>
+          </a:lnRef>
+          <a:fillRef idx="1">
+            <a:schemeClr val="accent1"/>
+          </a:fillRef>
+          <a:effectRef idx="0">
+            <a:schemeClr val="accent1"/>
+          </a:effectRef>
+          <a:fontRef idx="minor">
+            <a:schemeClr val="lt1"/>
+          </a:fontRef>
+        </p:style>
+        <p:txBody>
+          <a:bodyPr lIns="0" tIns="0" rIns="0" bIns="0" rtlCol="0" anchor="ctr"/>
+          <a:lstStyle/>
+          <a:p>
+            <a:pPr algn="ctr"/>
+            <a:r>
+              <a:rPr lang="en-US" sz="1200" b="1" dirty="0">
+                <a:solidFill>
+                  <a:schemeClr val="tx1"/>
+                </a:solidFill>
+                <a:latin typeface="AVENIR LIGHT OBLIQUE" panose="020B0402020203090204" pitchFamily="34" charset="77"/>
+              </a:rPr>
+              <a:t>Allocated</a:t>
+            </a:r>
+          </a:p>
+          <a:p>
+            <a:pPr algn="ctr"/>
+            <a:r>
+              <a:rPr lang="en-US" sz="1000" dirty="0">
+                <a:solidFill>
+                  <a:schemeClr val="tx1"/>
+                </a:solidFill>
+                <a:latin typeface="AVENIR LIGHT OBLIQUE" panose="020B0402020203090204" pitchFamily="34" charset="77"/>
+              </a:rPr>
+              <a:t>allocated = true</a:t>
+            </a:r>
+          </a:p>
+          <a:p>
+            <a:pPr algn="ctr"/>
+            <a:r>
+              <a:rPr lang="en-US" sz="1000" dirty="0">
+                <a:solidFill>
+                  <a:schemeClr val="tx1"/>
+                </a:solidFill>
+                <a:latin typeface="AVENIR LIGHT OBLIQUE" panose="020B0402020203090204" pitchFamily="34" charset="77"/>
+              </a:rPr>
+              <a:t>consumed = false</a:t>
+            </a:r>
+          </a:p>
+          <a:p>
+            <a:pPr algn="ctr"/>
+            <a:r>
+              <a:rPr lang="en-US" sz="1000" dirty="0">
+                <a:solidFill>
+                  <a:schemeClr val="tx1"/>
+                </a:solidFill>
+                <a:latin typeface="AVENIR LIGHT OBLIQUE" panose="020B0402020203090204" pitchFamily="34" charset="77"/>
+              </a:rPr>
+              <a:t>value = set</a:t>
+            </a:r>
+          </a:p>
+        </p:txBody>
+      </p:sp>
+      <p:sp>
+        <p:nvSpPr>
+          <p:cNvPr id="5" name="Rounded Rectangle 4">
+            <a:extLst>
+              <a:ext uri="{FF2B5EF4-FFF2-40B4-BE49-F238E27FC236}">
+                <a16:creationId xmlns:a16="http://schemas.microsoft.com/office/drawing/2014/main" id="{F99B66DA-E942-00CE-0484-74EC252B1978}"/>
+              </a:ext>
+            </a:extLst>
+          </p:cNvPr>
+          <p:cNvSpPr/>
+          <p:nvPr/>
+        </p:nvSpPr>
+        <p:spPr>
+          <a:xfrm>
+            <a:off x="5228700" y="4321366"/>
+            <a:ext cx="1740665" cy="705080"/>
+          </a:xfrm>
+          <a:prstGeom prst="roundRect">
+            <a:avLst/>
+          </a:prstGeom>
+          <a:solidFill>
+            <a:schemeClr val="tx2">
+              <a:lumMod val="10000"/>
+              <a:lumOff val="90000"/>
+            </a:schemeClr>
+          </a:solidFill>
+          <a:ln w="6350"/>
+        </p:spPr>
+        <p:style>
+          <a:lnRef idx="2">
+            <a:schemeClr val="accent1">
+              <a:shade val="15000"/>
+            </a:schemeClr>
+          </a:lnRef>
+          <a:fillRef idx="1">
+            <a:schemeClr val="accent1"/>
+          </a:fillRef>
+          <a:effectRef idx="0">
+            <a:schemeClr val="accent1"/>
+          </a:effectRef>
+          <a:fontRef idx="minor">
+            <a:schemeClr val="lt1"/>
+          </a:fontRef>
+        </p:style>
+        <p:txBody>
+          <a:bodyPr lIns="0" tIns="0" rIns="0" bIns="0" rtlCol="0" anchor="ctr"/>
+          <a:lstStyle/>
+          <a:p>
+            <a:pPr algn="ctr"/>
+            <a:r>
+              <a:rPr lang="en-US" sz="1200" b="1" dirty="0">
+                <a:solidFill>
+                  <a:schemeClr val="tx1"/>
+                </a:solidFill>
+                <a:latin typeface="AVENIR LIGHT OBLIQUE" panose="020B0402020203090204" pitchFamily="34" charset="77"/>
+              </a:rPr>
+              <a:t>Consumed</a:t>
+            </a:r>
+          </a:p>
+          <a:p>
+            <a:pPr algn="ctr"/>
+            <a:r>
+              <a:rPr lang="en-US" sz="1000" dirty="0">
+                <a:solidFill>
+                  <a:schemeClr val="tx1"/>
+                </a:solidFill>
+                <a:latin typeface="AVENIR LIGHT OBLIQUE" panose="020B0402020203090204" pitchFamily="34" charset="77"/>
+              </a:rPr>
+              <a:t>allocated = true</a:t>
+            </a:r>
+          </a:p>
+          <a:p>
+            <a:pPr algn="ctr"/>
+            <a:r>
+              <a:rPr lang="en-US" sz="1000" dirty="0">
+                <a:solidFill>
+                  <a:schemeClr val="tx1"/>
+                </a:solidFill>
+                <a:latin typeface="AVENIR LIGHT OBLIQUE" panose="020B0402020203090204" pitchFamily="34" charset="77"/>
+              </a:rPr>
+              <a:t>consumed = true</a:t>
+            </a:r>
+          </a:p>
+          <a:p>
+            <a:pPr algn="ctr"/>
+            <a:r>
+              <a:rPr lang="en-US" sz="1000" dirty="0">
+                <a:solidFill>
+                  <a:schemeClr val="tx1"/>
+                </a:solidFill>
+                <a:latin typeface="AVENIR LIGHT OBLIQUE" panose="020B0402020203090204" pitchFamily="34" charset="77"/>
+              </a:rPr>
+              <a:t>value = zeroed</a:t>
+            </a:r>
+          </a:p>
+        </p:txBody>
+      </p:sp>
+      <p:cxnSp>
+        <p:nvCxnSpPr>
+          <p:cNvPr id="6" name="Straight Connector 5">
+            <a:extLst>
+              <a:ext uri="{FF2B5EF4-FFF2-40B4-BE49-F238E27FC236}">
+                <a16:creationId xmlns:a16="http://schemas.microsoft.com/office/drawing/2014/main" id="{286CC8BF-C6C4-8016-25A7-0F58B65B5A82}"/>
+              </a:ext>
+            </a:extLst>
+          </p:cNvPr>
+          <p:cNvCxnSpPr>
+            <a:cxnSpLocks/>
+            <a:stCxn id="5" idx="0"/>
+            <a:endCxn id="4" idx="2"/>
+          </p:cNvCxnSpPr>
+          <p:nvPr/>
+        </p:nvCxnSpPr>
+        <p:spPr>
+          <a:xfrm flipV="1">
+            <a:off x="6099033" y="3772359"/>
+            <a:ext cx="0" cy="549007"/>
+          </a:xfrm>
+          <a:prstGeom prst="line">
+            <a:avLst/>
+          </a:prstGeom>
+          <a:ln w="9525">
+            <a:solidFill>
+              <a:schemeClr val="tx1"/>
+            </a:solidFill>
+            <a:headEnd type="triangle" w="lg" len="lg"/>
+          </a:ln>
+        </p:spPr>
+        <p:style>
+          <a:lnRef idx="2">
+            <a:schemeClr val="accent1"/>
+          </a:lnRef>
+          <a:fillRef idx="0">
+            <a:schemeClr val="accent1"/>
+          </a:fillRef>
+          <a:effectRef idx="1">
+            <a:schemeClr val="accent1"/>
+          </a:effectRef>
+          <a:fontRef idx="minor">
+            <a:schemeClr val="tx1"/>
+          </a:fontRef>
+        </p:style>
+      </p:cxnSp>
+      <p:cxnSp>
+        <p:nvCxnSpPr>
+          <p:cNvPr id="10" name="Straight Connector 9">
+            <a:extLst>
+              <a:ext uri="{FF2B5EF4-FFF2-40B4-BE49-F238E27FC236}">
+                <a16:creationId xmlns:a16="http://schemas.microsoft.com/office/drawing/2014/main" id="{D1C3D2D7-B45E-03F7-801A-3111052DAB30}"/>
+              </a:ext>
+            </a:extLst>
+          </p:cNvPr>
+          <p:cNvCxnSpPr>
+            <a:cxnSpLocks/>
+          </p:cNvCxnSpPr>
+          <p:nvPr/>
+        </p:nvCxnSpPr>
+        <p:spPr>
+          <a:xfrm flipV="1">
+            <a:off x="5726778" y="2518272"/>
+            <a:ext cx="0" cy="549007"/>
+          </a:xfrm>
+          <a:prstGeom prst="line">
+            <a:avLst/>
+          </a:prstGeom>
+          <a:ln w="9525">
+            <a:solidFill>
+              <a:schemeClr val="tx1"/>
+            </a:solidFill>
+            <a:headEnd type="triangle" w="lg" len="lg"/>
+          </a:ln>
+        </p:spPr>
+        <p:style>
+          <a:lnRef idx="2">
+            <a:schemeClr val="accent1"/>
+          </a:lnRef>
+          <a:fillRef idx="0">
+            <a:schemeClr val="accent1"/>
+          </a:fillRef>
+          <a:effectRef idx="1">
+            <a:schemeClr val="accent1"/>
+          </a:effectRef>
+          <a:fontRef idx="minor">
+            <a:schemeClr val="tx1"/>
+          </a:fontRef>
+        </p:style>
+      </p:cxnSp>
+      <p:cxnSp>
+        <p:nvCxnSpPr>
+          <p:cNvPr id="11" name="Straight Connector 10">
+            <a:extLst>
+              <a:ext uri="{FF2B5EF4-FFF2-40B4-BE49-F238E27FC236}">
+                <a16:creationId xmlns:a16="http://schemas.microsoft.com/office/drawing/2014/main" id="{840E2CDB-087F-6C52-33A2-94A1CDE8A89B}"/>
+              </a:ext>
+            </a:extLst>
+          </p:cNvPr>
+          <p:cNvCxnSpPr>
+            <a:cxnSpLocks/>
+          </p:cNvCxnSpPr>
+          <p:nvPr/>
+        </p:nvCxnSpPr>
+        <p:spPr>
+          <a:xfrm>
+            <a:off x="6488296" y="2518272"/>
+            <a:ext cx="0" cy="549007"/>
+          </a:xfrm>
+          <a:prstGeom prst="line">
+            <a:avLst/>
+          </a:prstGeom>
+          <a:ln w="9525">
+            <a:solidFill>
+              <a:schemeClr val="tx1"/>
+            </a:solidFill>
+            <a:headEnd type="triangle" w="lg" len="lg"/>
+          </a:ln>
+        </p:spPr>
+        <p:style>
+          <a:lnRef idx="2">
+            <a:schemeClr val="accent1"/>
+          </a:lnRef>
+          <a:fillRef idx="0">
+            <a:schemeClr val="accent1"/>
+          </a:fillRef>
+          <a:effectRef idx="1">
+            <a:schemeClr val="accent1"/>
+          </a:effectRef>
+          <a:fontRef idx="minor">
+            <a:schemeClr val="tx1"/>
+          </a:fontRef>
+        </p:style>
+      </p:cxnSp>
+      <p:sp>
+        <p:nvSpPr>
+          <p:cNvPr id="13" name="Rectangle 12">
+            <a:extLst>
+              <a:ext uri="{FF2B5EF4-FFF2-40B4-BE49-F238E27FC236}">
+                <a16:creationId xmlns:a16="http://schemas.microsoft.com/office/drawing/2014/main" id="{B21FCA3F-A87E-3004-8D4D-9BC420CA6C38}"/>
+              </a:ext>
+            </a:extLst>
+          </p:cNvPr>
+          <p:cNvSpPr/>
+          <p:nvPr/>
+        </p:nvSpPr>
+        <p:spPr>
+          <a:xfrm>
+            <a:off x="6602105" y="2597902"/>
+            <a:ext cx="1090393" cy="389745"/>
+          </a:xfrm>
+          <a:prstGeom prst="rect">
+            <a:avLst/>
+          </a:prstGeom>
+          <a:noFill/>
+          <a:ln w="6350">
+            <a:noFill/>
+          </a:ln>
+        </p:spPr>
+        <p:style>
+          <a:lnRef idx="2">
+            <a:schemeClr val="accent1">
+              <a:shade val="15000"/>
+            </a:schemeClr>
+          </a:lnRef>
+          <a:fillRef idx="1">
+            <a:schemeClr val="accent1"/>
+          </a:fillRef>
+          <a:effectRef idx="0">
+            <a:schemeClr val="accent1"/>
+          </a:effectRef>
+          <a:fontRef idx="minor">
+            <a:schemeClr val="lt1"/>
+          </a:fontRef>
+        </p:style>
+        <p:txBody>
+          <a:bodyPr lIns="0" tIns="0" rIns="0" bIns="0" rtlCol="0" anchor="ctr"/>
+          <a:lstStyle/>
+          <a:p>
+            <a:r>
+              <a:rPr lang="en-US" sz="1200" b="1" dirty="0">
+                <a:solidFill>
+                  <a:schemeClr val="tx1"/>
+                </a:solidFill>
+                <a:latin typeface="AVENIR LIGHT OBLIQUE" panose="020B0402020203090204" pitchFamily="34" charset="77"/>
+              </a:rPr>
+              <a:t>Deallocate</a:t>
+            </a:r>
+          </a:p>
+        </p:txBody>
+      </p:sp>
+      <p:sp>
+        <p:nvSpPr>
+          <p:cNvPr id="14" name="Rectangle 13">
+            <a:extLst>
+              <a:ext uri="{FF2B5EF4-FFF2-40B4-BE49-F238E27FC236}">
+                <a16:creationId xmlns:a16="http://schemas.microsoft.com/office/drawing/2014/main" id="{E94D85FE-7FD1-E66D-BA1D-2DC630AA32B4}"/>
+              </a:ext>
+            </a:extLst>
+          </p:cNvPr>
+          <p:cNvSpPr/>
+          <p:nvPr/>
+        </p:nvSpPr>
+        <p:spPr>
+          <a:xfrm>
+            <a:off x="4477658" y="2597901"/>
+            <a:ext cx="1090393" cy="389745"/>
+          </a:xfrm>
+          <a:prstGeom prst="rect">
+            <a:avLst/>
+          </a:prstGeom>
+          <a:noFill/>
+          <a:ln w="6350">
+            <a:noFill/>
+          </a:ln>
+        </p:spPr>
+        <p:style>
+          <a:lnRef idx="2">
+            <a:schemeClr val="accent1">
+              <a:shade val="15000"/>
+            </a:schemeClr>
+          </a:lnRef>
+          <a:fillRef idx="1">
+            <a:schemeClr val="accent1"/>
+          </a:fillRef>
+          <a:effectRef idx="0">
+            <a:schemeClr val="accent1"/>
+          </a:effectRef>
+          <a:fontRef idx="minor">
+            <a:schemeClr val="lt1"/>
+          </a:fontRef>
+        </p:style>
+        <p:txBody>
+          <a:bodyPr lIns="0" tIns="0" rIns="0" bIns="0" rtlCol="0" anchor="ctr"/>
+          <a:lstStyle/>
+          <a:p>
+            <a:pPr algn="r"/>
+            <a:r>
+              <a:rPr lang="en-US" sz="1200" b="1" dirty="0">
+                <a:solidFill>
+                  <a:schemeClr val="tx1"/>
+                </a:solidFill>
+                <a:latin typeface="AVENIR LIGHT OBLIQUE" panose="020B0402020203090204" pitchFamily="34" charset="77"/>
+              </a:rPr>
+              <a:t>Allocate</a:t>
+            </a:r>
+          </a:p>
+        </p:txBody>
+      </p:sp>
+      <p:sp>
+        <p:nvSpPr>
+          <p:cNvPr id="16" name="Rectangle 15">
+            <a:extLst>
+              <a:ext uri="{FF2B5EF4-FFF2-40B4-BE49-F238E27FC236}">
+                <a16:creationId xmlns:a16="http://schemas.microsoft.com/office/drawing/2014/main" id="{B61EC95D-DF99-9AF9-0A03-4597516C6D99}"/>
+              </a:ext>
+            </a:extLst>
+          </p:cNvPr>
+          <p:cNvSpPr/>
+          <p:nvPr/>
+        </p:nvSpPr>
+        <p:spPr>
+          <a:xfrm>
+            <a:off x="6214859" y="3849985"/>
+            <a:ext cx="1090393" cy="389745"/>
+          </a:xfrm>
+          <a:prstGeom prst="rect">
+            <a:avLst/>
+          </a:prstGeom>
+          <a:noFill/>
+          <a:ln w="6350">
+            <a:noFill/>
+          </a:ln>
+        </p:spPr>
+        <p:style>
+          <a:lnRef idx="2">
+            <a:schemeClr val="accent1">
+              <a:shade val="15000"/>
+            </a:schemeClr>
+          </a:lnRef>
+          <a:fillRef idx="1">
+            <a:schemeClr val="accent1"/>
+          </a:fillRef>
+          <a:effectRef idx="0">
+            <a:schemeClr val="accent1"/>
+          </a:effectRef>
+          <a:fontRef idx="minor">
+            <a:schemeClr val="lt1"/>
+          </a:fontRef>
+        </p:style>
+        <p:txBody>
+          <a:bodyPr lIns="0" tIns="0" rIns="0" bIns="0" rtlCol="0" anchor="ctr"/>
+          <a:lstStyle/>
+          <a:p>
+            <a:r>
+              <a:rPr lang="en-US" sz="1200" b="1" dirty="0">
+                <a:solidFill>
+                  <a:schemeClr val="tx1"/>
+                </a:solidFill>
+                <a:latin typeface="AVENIR LIGHT OBLIQUE" panose="020B0402020203090204" pitchFamily="34" charset="77"/>
+              </a:rPr>
+              <a:t>Consume</a:t>
+            </a:r>
+          </a:p>
+        </p:txBody>
+      </p:sp>
+      <p:sp>
+        <p:nvSpPr>
+          <p:cNvPr id="17" name="Rectangle 16">
+            <a:extLst>
+              <a:ext uri="{FF2B5EF4-FFF2-40B4-BE49-F238E27FC236}">
+                <a16:creationId xmlns:a16="http://schemas.microsoft.com/office/drawing/2014/main" id="{6263D0AF-51DC-EAF7-DE8F-DF05414A7A74}"/>
+              </a:ext>
+            </a:extLst>
+          </p:cNvPr>
+          <p:cNvSpPr/>
+          <p:nvPr/>
+        </p:nvSpPr>
+        <p:spPr>
+          <a:xfrm>
+            <a:off x="573463" y="1573491"/>
+            <a:ext cx="11045074" cy="3711017"/>
+          </a:xfrm>
+          <a:prstGeom prst="rect">
+            <a:avLst/>
+          </a:prstGeom>
+          <a:noFill/>
+          <a:ln w="9525">
+            <a:solidFill>
+              <a:schemeClr val="bg1">
+                <a:lumMod val="65000"/>
+              </a:schemeClr>
+            </a:solidFill>
+          </a:ln>
+        </p:spPr>
+        <p:style>
+          <a:lnRef idx="2">
+            <a:schemeClr val="accent1">
+              <a:shade val="15000"/>
+            </a:schemeClr>
+          </a:lnRef>
+          <a:fillRef idx="1">
+            <a:schemeClr val="accent1"/>
+          </a:fillRef>
+          <a:effectRef idx="0">
+            <a:schemeClr val="accent1"/>
+          </a:effectRef>
+          <a:fontRef idx="minor">
+            <a:schemeClr val="lt1"/>
+          </a:fontRef>
+        </p:style>
+        <p:txBody>
+          <a:bodyPr rtlCol="0" anchor="ctr"/>
+          <a:lstStyle/>
+          <a:p>
+            <a:pPr algn="ctr"/>
+            <a:endParaRPr lang="en-US" sz="1000" dirty="0">
+              <a:solidFill>
+                <a:schemeClr val="tx1"/>
+              </a:solidFill>
+              <a:latin typeface="Avenir Book" panose="02000503020000020003" pitchFamily="2" charset="0"/>
+            </a:endParaRPr>
+          </a:p>
+        </p:txBody>
+      </p:sp>
+      <p:cxnSp>
+        <p:nvCxnSpPr>
+          <p:cNvPr id="2" name="Straight Connector 1">
+            <a:extLst>
+              <a:ext uri="{FF2B5EF4-FFF2-40B4-BE49-F238E27FC236}">
+                <a16:creationId xmlns:a16="http://schemas.microsoft.com/office/drawing/2014/main" id="{ED4B9408-F0C2-B5FD-7CB1-0F8EC95E85E0}"/>
+              </a:ext>
+            </a:extLst>
+          </p:cNvPr>
+          <p:cNvCxnSpPr>
+            <a:cxnSpLocks/>
+          </p:cNvCxnSpPr>
+          <p:nvPr/>
+        </p:nvCxnSpPr>
+        <p:spPr>
+          <a:xfrm>
+            <a:off x="6969365" y="4689304"/>
+            <a:ext cx="875771" cy="0"/>
+          </a:xfrm>
+          <a:prstGeom prst="line">
+            <a:avLst/>
+          </a:prstGeom>
+          <a:ln w="9525">
+            <a:solidFill>
+              <a:schemeClr val="tx1"/>
+            </a:solidFill>
+            <a:headEnd type="triangle" w="lg" len="lg"/>
+          </a:ln>
+        </p:spPr>
+        <p:style>
+          <a:lnRef idx="2">
+            <a:schemeClr val="accent1"/>
+          </a:lnRef>
+          <a:fillRef idx="0">
+            <a:schemeClr val="accent1"/>
+          </a:fillRef>
+          <a:effectRef idx="1">
+            <a:schemeClr val="accent1"/>
+          </a:effectRef>
+          <a:fontRef idx="minor">
+            <a:schemeClr val="tx1"/>
+          </a:fontRef>
+        </p:style>
+      </p:cxnSp>
+      <p:cxnSp>
+        <p:nvCxnSpPr>
+          <p:cNvPr id="7" name="Straight Connector 6">
+            <a:extLst>
+              <a:ext uri="{FF2B5EF4-FFF2-40B4-BE49-F238E27FC236}">
+                <a16:creationId xmlns:a16="http://schemas.microsoft.com/office/drawing/2014/main" id="{292C02AE-44ED-CC6D-F507-D1C05F195F95}"/>
+              </a:ext>
+            </a:extLst>
+          </p:cNvPr>
+          <p:cNvCxnSpPr>
+            <a:cxnSpLocks/>
+          </p:cNvCxnSpPr>
+          <p:nvPr/>
+        </p:nvCxnSpPr>
+        <p:spPr>
+          <a:xfrm flipH="1">
+            <a:off x="6969365" y="2168696"/>
+            <a:ext cx="875771" cy="0"/>
+          </a:xfrm>
+          <a:prstGeom prst="line">
+            <a:avLst/>
+          </a:prstGeom>
+          <a:ln w="9525">
+            <a:solidFill>
+              <a:schemeClr val="tx1"/>
+            </a:solidFill>
+            <a:headEnd type="none" w="lg" len="lg"/>
+          </a:ln>
+        </p:spPr>
+        <p:style>
+          <a:lnRef idx="2">
+            <a:schemeClr val="accent1"/>
+          </a:lnRef>
+          <a:fillRef idx="0">
+            <a:schemeClr val="accent1"/>
+          </a:fillRef>
+          <a:effectRef idx="1">
+            <a:schemeClr val="accent1"/>
+          </a:effectRef>
+          <a:fontRef idx="minor">
+            <a:schemeClr val="tx1"/>
+          </a:fontRef>
+        </p:style>
+      </p:cxnSp>
+      <p:cxnSp>
+        <p:nvCxnSpPr>
+          <p:cNvPr id="9" name="Straight Connector 8">
+            <a:extLst>
+              <a:ext uri="{FF2B5EF4-FFF2-40B4-BE49-F238E27FC236}">
+                <a16:creationId xmlns:a16="http://schemas.microsoft.com/office/drawing/2014/main" id="{51B34769-615F-2E94-A650-D716825876F4}"/>
+              </a:ext>
+            </a:extLst>
+          </p:cNvPr>
+          <p:cNvCxnSpPr>
+            <a:cxnSpLocks/>
+          </p:cNvCxnSpPr>
+          <p:nvPr/>
+        </p:nvCxnSpPr>
+        <p:spPr>
+          <a:xfrm>
+            <a:off x="7845136" y="2168696"/>
+            <a:ext cx="0" cy="2520608"/>
+          </a:xfrm>
+          <a:prstGeom prst="line">
+            <a:avLst/>
+          </a:prstGeom>
+          <a:ln w="9525">
+            <a:solidFill>
+              <a:schemeClr val="tx1"/>
+            </a:solidFill>
+            <a:headEnd type="none" w="lg" len="lg"/>
+          </a:ln>
+        </p:spPr>
+        <p:style>
+          <a:lnRef idx="2">
+            <a:schemeClr val="accent1"/>
+          </a:lnRef>
+          <a:fillRef idx="0">
+            <a:schemeClr val="accent1"/>
+          </a:fillRef>
+          <a:effectRef idx="1">
+            <a:schemeClr val="accent1"/>
+          </a:effectRef>
+          <a:fontRef idx="minor">
+            <a:schemeClr val="tx1"/>
+          </a:fontRef>
+        </p:style>
+      </p:cxnSp>
+      <p:cxnSp>
+        <p:nvCxnSpPr>
+          <p:cNvPr id="21" name="Straight Connector 20">
+            <a:extLst>
+              <a:ext uri="{FF2B5EF4-FFF2-40B4-BE49-F238E27FC236}">
+                <a16:creationId xmlns:a16="http://schemas.microsoft.com/office/drawing/2014/main" id="{30F157EE-5EEE-875D-A0ED-9E23D9EE7C5A}"/>
+              </a:ext>
+            </a:extLst>
+          </p:cNvPr>
+          <p:cNvCxnSpPr>
+            <a:cxnSpLocks/>
+          </p:cNvCxnSpPr>
+          <p:nvPr/>
+        </p:nvCxnSpPr>
+        <p:spPr>
+          <a:xfrm flipH="1">
+            <a:off x="6969365" y="2168696"/>
+            <a:ext cx="529744" cy="0"/>
+          </a:xfrm>
+          <a:prstGeom prst="line">
+            <a:avLst/>
+          </a:prstGeom>
+          <a:ln w="9525">
+            <a:solidFill>
+              <a:schemeClr val="tx1"/>
+            </a:solidFill>
+            <a:headEnd type="none" w="lg" len="lg"/>
+          </a:ln>
+        </p:spPr>
+        <p:style>
+          <a:lnRef idx="2">
+            <a:schemeClr val="accent1"/>
+          </a:lnRef>
+          <a:fillRef idx="0">
+            <a:schemeClr val="accent1"/>
+          </a:fillRef>
+          <a:effectRef idx="1">
+            <a:schemeClr val="accent1"/>
+          </a:effectRef>
+          <a:fontRef idx="minor">
+            <a:schemeClr val="tx1"/>
+          </a:fontRef>
+        </p:style>
+      </p:cxnSp>
+      <p:sp>
+        <p:nvSpPr>
+          <p:cNvPr id="22" name="Rectangle 21">
+            <a:extLst>
+              <a:ext uri="{FF2B5EF4-FFF2-40B4-BE49-F238E27FC236}">
+                <a16:creationId xmlns:a16="http://schemas.microsoft.com/office/drawing/2014/main" id="{0F26BE90-F09A-1717-6D53-C16545A3F052}"/>
+              </a:ext>
+            </a:extLst>
+          </p:cNvPr>
+          <p:cNvSpPr/>
+          <p:nvPr/>
+        </p:nvSpPr>
+        <p:spPr>
+          <a:xfrm>
+            <a:off x="7997775" y="3224946"/>
+            <a:ext cx="1090393" cy="389745"/>
+          </a:xfrm>
+          <a:prstGeom prst="rect">
+            <a:avLst/>
+          </a:prstGeom>
+          <a:noFill/>
+          <a:ln w="6350">
+            <a:noFill/>
+          </a:ln>
+        </p:spPr>
+        <p:style>
+          <a:lnRef idx="2">
+            <a:schemeClr val="accent1">
+              <a:shade val="15000"/>
+            </a:schemeClr>
+          </a:lnRef>
+          <a:fillRef idx="1">
+            <a:schemeClr val="accent1"/>
+          </a:fillRef>
+          <a:effectRef idx="0">
+            <a:schemeClr val="accent1"/>
+          </a:effectRef>
+          <a:fontRef idx="minor">
+            <a:schemeClr val="lt1"/>
+          </a:fontRef>
+        </p:style>
+        <p:txBody>
+          <a:bodyPr lIns="0" tIns="0" rIns="0" bIns="0" rtlCol="0" anchor="ctr"/>
+          <a:lstStyle/>
+          <a:p>
+            <a:r>
+              <a:rPr lang="en-US" sz="1200" b="1" dirty="0">
+                <a:solidFill>
+                  <a:schemeClr val="tx1"/>
+                </a:solidFill>
+                <a:latin typeface="AVENIR LIGHT OBLIQUE" panose="020B0402020203090204" pitchFamily="34" charset="77"/>
+              </a:rPr>
+              <a:t>Consume</a:t>
+            </a:r>
+          </a:p>
+        </p:txBody>
+      </p:sp>
+    </p:spTree>
+    <p:extLst>
+      <p:ext uri="{BB962C8B-B14F-4D97-AF65-F5344CB8AC3E}">
+        <p14:creationId xmlns:p14="http://schemas.microsoft.com/office/powerpoint/2010/main" val="1726559745"/>
+      </p:ext>
+    </p:extLst>
+  </p:cSld>
+  <p:clrMapOvr>
+    <a:masterClrMapping/>
+  </p:clrMapOvr>
+</p:sld>
+</file>
+
+<file path=ppt/slides/slide5.xml><?xml version="1.0" encoding="utf-8"?>
+<p:sld xmlns:a="http://schemas.openxmlformats.org/drawingml/2006/main" xmlns:r="http://schemas.openxmlformats.org/officeDocument/2006/relationships" xmlns:p="http://schemas.openxmlformats.org/presentationml/2006/main">
+  <p:cSld>
+    <p:spTree>
+      <p:nvGrpSpPr>
+        <p:cNvPr id="1" name=""/>
+        <p:cNvGrpSpPr/>
+        <p:nvPr/>
+      </p:nvGrpSpPr>
+      <p:grpSpPr>
+        <a:xfrm>
+          <a:off x="0" y="0"/>
+          <a:ext cx="0" cy="0"/>
+          <a:chOff x="0" y="0"/>
+          <a:chExt cx="0" cy="0"/>
+        </a:xfrm>
+      </p:grpSpPr>
+      <p:grpSp>
+        <p:nvGrpSpPr>
+          <p:cNvPr id="62" name="Group 61">
+            <a:extLst>
+              <a:ext uri="{FF2B5EF4-FFF2-40B4-BE49-F238E27FC236}">
+                <a16:creationId xmlns:a16="http://schemas.microsoft.com/office/drawing/2014/main" id="{8335C3AA-55B7-D9E1-E2D0-492A8B4924AE}"/>
+              </a:ext>
+            </a:extLst>
+          </p:cNvPr>
+          <p:cNvGrpSpPr/>
+          <p:nvPr/>
+        </p:nvGrpSpPr>
+        <p:grpSpPr>
+          <a:xfrm>
+            <a:off x="2227631" y="349624"/>
+            <a:ext cx="6020930" cy="3227296"/>
+            <a:chOff x="1608170" y="903262"/>
+            <a:chExt cx="7197167" cy="3857772"/>
+          </a:xfrm>
+        </p:grpSpPr>
+        <p:sp>
+          <p:nvSpPr>
+            <p:cNvPr id="58" name="Rectangle 57">
+              <a:extLst>
+                <a:ext uri="{FF2B5EF4-FFF2-40B4-BE49-F238E27FC236}">
+                  <a16:creationId xmlns:a16="http://schemas.microsoft.com/office/drawing/2014/main" id="{CFA9D3F5-EA9C-C239-3DE1-636AA301B726}"/>
+                </a:ext>
+              </a:extLst>
+            </p:cNvPr>
+            <p:cNvSpPr/>
+            <p:nvPr/>
+          </p:nvSpPr>
+          <p:spPr>
+            <a:xfrm>
+              <a:off x="1710266" y="903262"/>
+              <a:ext cx="7095071" cy="3476824"/>
+            </a:xfrm>
+            <a:prstGeom prst="rect">
+              <a:avLst/>
+            </a:prstGeom>
+            <a:noFill/>
+            <a:ln w="12700">
+              <a:solidFill>
+                <a:schemeClr val="tx1"/>
+              </a:solidFill>
+            </a:ln>
+          </p:spPr>
+          <p:style>
+            <a:lnRef idx="2">
+              <a:schemeClr val="accent1">
+                <a:shade val="15000"/>
+              </a:schemeClr>
+            </a:lnRef>
+            <a:fillRef idx="1">
+              <a:schemeClr val="accent1"/>
+            </a:fillRef>
+            <a:effectRef idx="0">
+              <a:schemeClr val="accent1"/>
+            </a:effectRef>
+            <a:fontRef idx="minor">
+              <a:schemeClr val="lt1"/>
+            </a:fontRef>
+          </p:style>
+          <p:txBody>
+            <a:bodyPr rtlCol="0" anchor="ctr"/>
+            <a:lstStyle/>
+            <a:p>
+              <a:pPr algn="ctr"/>
+              <a:r>
+                <a:rPr lang="en-US" sz="1000" dirty="0">
+                  <a:solidFill>
+                    <a:schemeClr val="tx1"/>
+                  </a:solidFill>
+                  <a:latin typeface="Avenir Book" panose="02000503020000020003" pitchFamily="2" charset="0"/>
+                </a:rPr>
+                <a:t>11</a:t>
+              </a:r>
+            </a:p>
+          </p:txBody>
+        </p:sp>
+        <p:grpSp>
+          <p:nvGrpSpPr>
+            <p:cNvPr id="38" name="Group 37">
+              <a:extLst>
+                <a:ext uri="{FF2B5EF4-FFF2-40B4-BE49-F238E27FC236}">
+                  <a16:creationId xmlns:a16="http://schemas.microsoft.com/office/drawing/2014/main" id="{6614D717-7023-32A4-BA17-43C4A7F3EBE2}"/>
+                </a:ext>
+              </a:extLst>
+            </p:cNvPr>
+            <p:cNvGrpSpPr/>
+            <p:nvPr/>
+          </p:nvGrpSpPr>
+          <p:grpSpPr>
+            <a:xfrm>
+              <a:off x="2857275" y="2710155"/>
+              <a:ext cx="5805787" cy="450370"/>
+              <a:chOff x="2992741" y="1434512"/>
+              <a:chExt cx="5805785" cy="450370"/>
+            </a:xfrm>
+          </p:grpSpPr>
+          <p:sp>
+            <p:nvSpPr>
+              <p:cNvPr id="2" name="Rectangle 1">
+                <a:extLst>
+                  <a:ext uri="{FF2B5EF4-FFF2-40B4-BE49-F238E27FC236}">
+                    <a16:creationId xmlns:a16="http://schemas.microsoft.com/office/drawing/2014/main" id="{21FFE80B-611C-D28C-92FE-0281BEE5B139}"/>
+                  </a:ext>
+                </a:extLst>
+              </p:cNvPr>
+              <p:cNvSpPr/>
+              <p:nvPr/>
+            </p:nvSpPr>
+            <p:spPr>
+              <a:xfrm>
+                <a:off x="2992741" y="1434512"/>
+                <a:ext cx="450370" cy="450370"/>
+              </a:xfrm>
+              <a:prstGeom prst="rect">
+                <a:avLst/>
+              </a:prstGeom>
+              <a:solidFill>
+                <a:schemeClr val="tx2">
+                  <a:lumMod val="10000"/>
+                  <a:lumOff val="90000"/>
+                </a:schemeClr>
+              </a:solidFill>
+              <a:ln w="9525"/>
+            </p:spPr>
+            <p:style>
+              <a:lnRef idx="2">
+                <a:schemeClr val="accent1">
+                  <a:shade val="15000"/>
+                </a:schemeClr>
+              </a:lnRef>
+              <a:fillRef idx="1">
+                <a:schemeClr val="accent1"/>
+              </a:fillRef>
+              <a:effectRef idx="0">
+                <a:schemeClr val="accent1"/>
+              </a:effectRef>
+              <a:fontRef idx="minor">
+                <a:schemeClr val="lt1"/>
+              </a:fontRef>
+            </p:style>
+            <p:txBody>
+              <a:bodyPr rtlCol="0" anchor="ctr"/>
+              <a:lstStyle/>
+              <a:p>
+                <a:pPr algn="ctr"/>
+                <a:r>
+                  <a:rPr lang="en-US" sz="1000" dirty="0">
+                    <a:solidFill>
+                      <a:schemeClr val="tx1"/>
+                    </a:solidFill>
+                    <a:latin typeface="Avenir Book" panose="02000503020000020003" pitchFamily="2" charset="0"/>
+                  </a:rPr>
+                  <a:t>11</a:t>
+                </a:r>
+              </a:p>
+            </p:txBody>
+          </p:sp>
+          <p:sp>
+            <p:nvSpPr>
+              <p:cNvPr id="3" name="Rectangle 2">
+                <a:extLst>
+                  <a:ext uri="{FF2B5EF4-FFF2-40B4-BE49-F238E27FC236}">
+                    <a16:creationId xmlns:a16="http://schemas.microsoft.com/office/drawing/2014/main" id="{57CC4531-681E-2164-90E7-81C149D4A6CF}"/>
+                  </a:ext>
+                </a:extLst>
+              </p:cNvPr>
+              <p:cNvSpPr/>
+              <p:nvPr/>
+            </p:nvSpPr>
+            <p:spPr>
+              <a:xfrm>
+                <a:off x="3479597" y="1434512"/>
+                <a:ext cx="450370" cy="450370"/>
+              </a:xfrm>
+              <a:prstGeom prst="rect">
+                <a:avLst/>
+              </a:prstGeom>
+              <a:solidFill>
+                <a:schemeClr val="tx2">
+                  <a:lumMod val="10000"/>
+                  <a:lumOff val="90000"/>
+                </a:schemeClr>
+              </a:solidFill>
+              <a:ln w="9525"/>
+            </p:spPr>
+            <p:style>
+              <a:lnRef idx="2">
+                <a:schemeClr val="accent1">
+                  <a:shade val="15000"/>
+                </a:schemeClr>
+              </a:lnRef>
+              <a:fillRef idx="1">
+                <a:schemeClr val="accent1"/>
+              </a:fillRef>
+              <a:effectRef idx="0">
+                <a:schemeClr val="accent1"/>
+              </a:effectRef>
+              <a:fontRef idx="minor">
+                <a:schemeClr val="lt1"/>
+              </a:fontRef>
+            </p:style>
+            <p:txBody>
+              <a:bodyPr rtlCol="0" anchor="ctr"/>
+              <a:lstStyle/>
+              <a:p>
+                <a:pPr algn="ctr"/>
+                <a:r>
+                  <a:rPr lang="en-US" sz="1000" dirty="0">
+                    <a:solidFill>
+                      <a:schemeClr val="tx1"/>
+                    </a:solidFill>
+                    <a:latin typeface="Avenir Book" panose="02000503020000020003" pitchFamily="2" charset="0"/>
+                  </a:rPr>
+                  <a:t>22</a:t>
+                </a:r>
+              </a:p>
+            </p:txBody>
+          </p:sp>
+          <p:sp>
+            <p:nvSpPr>
+              <p:cNvPr id="4" name="Rectangle 3">
+                <a:extLst>
+                  <a:ext uri="{FF2B5EF4-FFF2-40B4-BE49-F238E27FC236}">
+                    <a16:creationId xmlns:a16="http://schemas.microsoft.com/office/drawing/2014/main" id="{2B1023F1-DDB2-9690-6A49-894F15FB4E8A}"/>
+                  </a:ext>
+                </a:extLst>
+              </p:cNvPr>
+              <p:cNvSpPr/>
+              <p:nvPr/>
+            </p:nvSpPr>
+            <p:spPr>
+              <a:xfrm>
+                <a:off x="3966453" y="1434512"/>
+                <a:ext cx="450370" cy="450370"/>
+              </a:xfrm>
+              <a:prstGeom prst="rect">
+                <a:avLst/>
+              </a:prstGeom>
+              <a:solidFill>
+                <a:schemeClr val="tx2">
+                  <a:lumMod val="10000"/>
+                  <a:lumOff val="90000"/>
+                </a:schemeClr>
+              </a:solidFill>
+              <a:ln w="9525"/>
+            </p:spPr>
+            <p:style>
+              <a:lnRef idx="2">
+                <a:schemeClr val="accent1">
+                  <a:shade val="15000"/>
+                </a:schemeClr>
+              </a:lnRef>
+              <a:fillRef idx="1">
+                <a:schemeClr val="accent1"/>
+              </a:fillRef>
+              <a:effectRef idx="0">
+                <a:schemeClr val="accent1"/>
+              </a:effectRef>
+              <a:fontRef idx="minor">
+                <a:schemeClr val="lt1"/>
+              </a:fontRef>
+            </p:style>
+            <p:txBody>
+              <a:bodyPr rtlCol="0" anchor="ctr"/>
+              <a:lstStyle/>
+              <a:p>
+                <a:pPr algn="ctr"/>
+                <a:r>
+                  <a:rPr lang="en-US" sz="1000" dirty="0">
+                    <a:solidFill>
+                      <a:schemeClr val="tx1"/>
+                    </a:solidFill>
+                    <a:latin typeface="Avenir Book" panose="02000503020000020003" pitchFamily="2" charset="0"/>
+                  </a:rPr>
+                  <a:t>33</a:t>
+                </a:r>
+              </a:p>
+            </p:txBody>
+          </p:sp>
+          <p:sp>
+            <p:nvSpPr>
+              <p:cNvPr id="5" name="Rectangle 4">
+                <a:extLst>
+                  <a:ext uri="{FF2B5EF4-FFF2-40B4-BE49-F238E27FC236}">
+                    <a16:creationId xmlns:a16="http://schemas.microsoft.com/office/drawing/2014/main" id="{3E739769-94E3-F161-4380-14EAEA66A3EE}"/>
+                  </a:ext>
+                </a:extLst>
+              </p:cNvPr>
+              <p:cNvSpPr/>
+              <p:nvPr/>
+            </p:nvSpPr>
+            <p:spPr>
+              <a:xfrm>
+                <a:off x="4453309" y="1434512"/>
+                <a:ext cx="450370" cy="450370"/>
+              </a:xfrm>
+              <a:prstGeom prst="rect">
+                <a:avLst/>
+              </a:prstGeom>
+              <a:solidFill>
+                <a:schemeClr val="tx2">
+                  <a:lumMod val="10000"/>
+                  <a:lumOff val="90000"/>
+                </a:schemeClr>
+              </a:solidFill>
+              <a:ln w="9525"/>
+            </p:spPr>
+            <p:style>
+              <a:lnRef idx="2">
+                <a:schemeClr val="accent1">
+                  <a:shade val="15000"/>
+                </a:schemeClr>
+              </a:lnRef>
+              <a:fillRef idx="1">
+                <a:schemeClr val="accent1"/>
+              </a:fillRef>
+              <a:effectRef idx="0">
+                <a:schemeClr val="accent1"/>
+              </a:effectRef>
+              <a:fontRef idx="minor">
+                <a:schemeClr val="lt1"/>
+              </a:fontRef>
+            </p:style>
+            <p:txBody>
+              <a:bodyPr rtlCol="0" anchor="ctr"/>
+              <a:lstStyle/>
+              <a:p>
+                <a:pPr algn="ctr"/>
+                <a:r>
+                  <a:rPr lang="en-US" sz="1000" dirty="0">
+                    <a:solidFill>
+                      <a:schemeClr val="tx1"/>
+                    </a:solidFill>
+                    <a:latin typeface="Avenir Book" panose="02000503020000020003" pitchFamily="2" charset="0"/>
+                  </a:rPr>
+                  <a:t>44</a:t>
+                </a:r>
+              </a:p>
+            </p:txBody>
+          </p:sp>
+          <p:sp>
+            <p:nvSpPr>
+              <p:cNvPr id="6" name="Rectangle 5">
+                <a:extLst>
+                  <a:ext uri="{FF2B5EF4-FFF2-40B4-BE49-F238E27FC236}">
+                    <a16:creationId xmlns:a16="http://schemas.microsoft.com/office/drawing/2014/main" id="{D3A22D3A-0969-2C49-0BDE-6542476E1EF0}"/>
+                  </a:ext>
+                </a:extLst>
+              </p:cNvPr>
+              <p:cNvSpPr/>
+              <p:nvPr/>
+            </p:nvSpPr>
+            <p:spPr>
+              <a:xfrm>
+                <a:off x="4940165" y="1434512"/>
+                <a:ext cx="450370" cy="450370"/>
+              </a:xfrm>
+              <a:prstGeom prst="rect">
+                <a:avLst/>
+              </a:prstGeom>
+              <a:solidFill>
+                <a:schemeClr val="tx2">
+                  <a:lumMod val="10000"/>
+                  <a:lumOff val="90000"/>
+                </a:schemeClr>
+              </a:solidFill>
+              <a:ln w="9525"/>
+            </p:spPr>
+            <p:style>
+              <a:lnRef idx="2">
+                <a:schemeClr val="accent1">
+                  <a:shade val="15000"/>
+                </a:schemeClr>
+              </a:lnRef>
+              <a:fillRef idx="1">
+                <a:schemeClr val="accent1"/>
+              </a:fillRef>
+              <a:effectRef idx="0">
+                <a:schemeClr val="accent1"/>
+              </a:effectRef>
+              <a:fontRef idx="minor">
+                <a:schemeClr val="lt1"/>
+              </a:fontRef>
+            </p:style>
+            <p:txBody>
+              <a:bodyPr rtlCol="0" anchor="ctr"/>
+              <a:lstStyle/>
+              <a:p>
+                <a:pPr algn="ctr"/>
+                <a:r>
+                  <a:rPr lang="en-US" sz="1000" dirty="0">
+                    <a:solidFill>
+                      <a:schemeClr val="tx1"/>
+                    </a:solidFill>
+                    <a:latin typeface="Avenir Book" panose="02000503020000020003" pitchFamily="2" charset="0"/>
+                  </a:rPr>
+                  <a:t>55</a:t>
+                </a:r>
+              </a:p>
+            </p:txBody>
+          </p:sp>
+          <p:sp>
+            <p:nvSpPr>
+              <p:cNvPr id="7" name="Rectangle 6">
+                <a:extLst>
+                  <a:ext uri="{FF2B5EF4-FFF2-40B4-BE49-F238E27FC236}">
+                    <a16:creationId xmlns:a16="http://schemas.microsoft.com/office/drawing/2014/main" id="{9B616E86-200A-0BD7-BC54-999EEFA723CE}"/>
+                  </a:ext>
+                </a:extLst>
+              </p:cNvPr>
+              <p:cNvSpPr/>
+              <p:nvPr/>
+            </p:nvSpPr>
+            <p:spPr>
+              <a:xfrm>
+                <a:off x="5427021" y="1434512"/>
+                <a:ext cx="450370" cy="450370"/>
+              </a:xfrm>
+              <a:prstGeom prst="rect">
+                <a:avLst/>
+              </a:prstGeom>
+              <a:solidFill>
+                <a:schemeClr val="tx2">
+                  <a:lumMod val="10000"/>
+                  <a:lumOff val="90000"/>
+                </a:schemeClr>
+              </a:solidFill>
+              <a:ln w="9525"/>
+            </p:spPr>
+            <p:style>
+              <a:lnRef idx="2">
+                <a:schemeClr val="accent1">
+                  <a:shade val="15000"/>
+                </a:schemeClr>
+              </a:lnRef>
+              <a:fillRef idx="1">
+                <a:schemeClr val="accent1"/>
+              </a:fillRef>
+              <a:effectRef idx="0">
+                <a:schemeClr val="accent1"/>
+              </a:effectRef>
+              <a:fontRef idx="minor">
+                <a:schemeClr val="lt1"/>
+              </a:fontRef>
+            </p:style>
+            <p:txBody>
+              <a:bodyPr rtlCol="0" anchor="ctr"/>
+              <a:lstStyle/>
+              <a:p>
+                <a:pPr algn="ctr"/>
+                <a:r>
+                  <a:rPr lang="en-US" sz="1000" dirty="0">
+                    <a:solidFill>
+                      <a:schemeClr val="tx1"/>
+                    </a:solidFill>
+                    <a:latin typeface="Avenir Book" panose="02000503020000020003" pitchFamily="2" charset="0"/>
+                  </a:rPr>
+                  <a:t>66</a:t>
+                </a:r>
+              </a:p>
+            </p:txBody>
+          </p:sp>
+          <p:sp>
+            <p:nvSpPr>
+              <p:cNvPr id="8" name="Rectangle 7">
+                <a:extLst>
+                  <a:ext uri="{FF2B5EF4-FFF2-40B4-BE49-F238E27FC236}">
+                    <a16:creationId xmlns:a16="http://schemas.microsoft.com/office/drawing/2014/main" id="{7994CED0-FDA2-AA71-2C9A-C1005938CDF5}"/>
+                  </a:ext>
+                </a:extLst>
+              </p:cNvPr>
+              <p:cNvSpPr/>
+              <p:nvPr/>
+            </p:nvSpPr>
+            <p:spPr>
+              <a:xfrm>
+                <a:off x="5913877" y="1434512"/>
+                <a:ext cx="450370" cy="450370"/>
+              </a:xfrm>
+              <a:prstGeom prst="rect">
+                <a:avLst/>
+              </a:prstGeom>
+              <a:solidFill>
+                <a:schemeClr val="tx2">
+                  <a:lumMod val="10000"/>
+                  <a:lumOff val="90000"/>
+                </a:schemeClr>
+              </a:solidFill>
+              <a:ln w="9525"/>
+            </p:spPr>
+            <p:style>
+              <a:lnRef idx="2">
+                <a:schemeClr val="accent1">
+                  <a:shade val="15000"/>
+                </a:schemeClr>
+              </a:lnRef>
+              <a:fillRef idx="1">
+                <a:schemeClr val="accent1"/>
+              </a:fillRef>
+              <a:effectRef idx="0">
+                <a:schemeClr val="accent1"/>
+              </a:effectRef>
+              <a:fontRef idx="minor">
+                <a:schemeClr val="lt1"/>
+              </a:fontRef>
+            </p:style>
+            <p:txBody>
+              <a:bodyPr rtlCol="0" anchor="ctr"/>
+              <a:lstStyle/>
+              <a:p>
+                <a:pPr algn="ctr"/>
+                <a:r>
+                  <a:rPr lang="en-US" sz="1000" dirty="0">
+                    <a:solidFill>
+                      <a:schemeClr val="tx1"/>
+                    </a:solidFill>
+                    <a:latin typeface="Avenir Book" panose="02000503020000020003" pitchFamily="2" charset="0"/>
+                  </a:rPr>
+                  <a:t>00</a:t>
+                </a:r>
+              </a:p>
+            </p:txBody>
+          </p:sp>
+          <p:sp>
+            <p:nvSpPr>
+              <p:cNvPr id="9" name="Rectangle 8">
+                <a:extLst>
+                  <a:ext uri="{FF2B5EF4-FFF2-40B4-BE49-F238E27FC236}">
+                    <a16:creationId xmlns:a16="http://schemas.microsoft.com/office/drawing/2014/main" id="{6685CAFA-DC62-1733-7F99-C935492D8900}"/>
+                  </a:ext>
+                </a:extLst>
+              </p:cNvPr>
+              <p:cNvSpPr/>
+              <p:nvPr/>
+            </p:nvSpPr>
+            <p:spPr>
+              <a:xfrm>
+                <a:off x="6400733" y="1434512"/>
+                <a:ext cx="450370" cy="450370"/>
+              </a:xfrm>
+              <a:prstGeom prst="rect">
+                <a:avLst/>
+              </a:prstGeom>
+              <a:solidFill>
+                <a:schemeClr val="tx2">
+                  <a:lumMod val="10000"/>
+                  <a:lumOff val="90000"/>
+                </a:schemeClr>
+              </a:solidFill>
+              <a:ln w="9525"/>
+            </p:spPr>
+            <p:style>
+              <a:lnRef idx="2">
+                <a:schemeClr val="accent1">
+                  <a:shade val="15000"/>
+                </a:schemeClr>
+              </a:lnRef>
+              <a:fillRef idx="1">
+                <a:schemeClr val="accent1"/>
+              </a:fillRef>
+              <a:effectRef idx="0">
+                <a:schemeClr val="accent1"/>
+              </a:effectRef>
+              <a:fontRef idx="minor">
+                <a:schemeClr val="lt1"/>
+              </a:fontRef>
+            </p:style>
+            <p:txBody>
+              <a:bodyPr rtlCol="0" anchor="ctr"/>
+              <a:lstStyle/>
+              <a:p>
+                <a:pPr algn="ctr"/>
+                <a:r>
+                  <a:rPr lang="en-US" sz="1000" dirty="0">
+                    <a:solidFill>
+                      <a:schemeClr val="tx1"/>
+                    </a:solidFill>
+                    <a:latin typeface="Avenir Book" panose="02000503020000020003" pitchFamily="2" charset="0"/>
+                  </a:rPr>
+                  <a:t>00</a:t>
+                </a:r>
+              </a:p>
+            </p:txBody>
+          </p:sp>
+          <p:sp>
+            <p:nvSpPr>
+              <p:cNvPr id="10" name="Rectangle 9">
+                <a:extLst>
+                  <a:ext uri="{FF2B5EF4-FFF2-40B4-BE49-F238E27FC236}">
+                    <a16:creationId xmlns:a16="http://schemas.microsoft.com/office/drawing/2014/main" id="{AF172717-B1BA-C13E-7138-D9C83F894FC3}"/>
+                  </a:ext>
+                </a:extLst>
+              </p:cNvPr>
+              <p:cNvSpPr/>
+              <p:nvPr/>
+            </p:nvSpPr>
+            <p:spPr>
+              <a:xfrm>
+                <a:off x="6887589" y="1434512"/>
+                <a:ext cx="450370" cy="450370"/>
+              </a:xfrm>
+              <a:prstGeom prst="rect">
+                <a:avLst/>
+              </a:prstGeom>
+              <a:solidFill>
+                <a:schemeClr val="tx2">
+                  <a:lumMod val="10000"/>
+                  <a:lumOff val="90000"/>
+                </a:schemeClr>
+              </a:solidFill>
+              <a:ln w="9525"/>
+            </p:spPr>
+            <p:style>
+              <a:lnRef idx="2">
+                <a:schemeClr val="accent1">
+                  <a:shade val="15000"/>
+                </a:schemeClr>
+              </a:lnRef>
+              <a:fillRef idx="1">
+                <a:schemeClr val="accent1"/>
+              </a:fillRef>
+              <a:effectRef idx="0">
+                <a:schemeClr val="accent1"/>
+              </a:effectRef>
+              <a:fontRef idx="minor">
+                <a:schemeClr val="lt1"/>
+              </a:fontRef>
+            </p:style>
+            <p:txBody>
+              <a:bodyPr rtlCol="0" anchor="ctr"/>
+              <a:lstStyle/>
+              <a:p>
+                <a:pPr algn="ctr"/>
+                <a:r>
+                  <a:rPr lang="en-US" sz="1000" dirty="0">
+                    <a:solidFill>
+                      <a:schemeClr val="tx1"/>
+                    </a:solidFill>
+                    <a:latin typeface="Avenir Book" panose="02000503020000020003" pitchFamily="2" charset="0"/>
+                  </a:rPr>
+                  <a:t>00</a:t>
+                </a:r>
+              </a:p>
+            </p:txBody>
+          </p:sp>
+          <p:sp>
+            <p:nvSpPr>
+              <p:cNvPr id="11" name="Rectangle 10">
+                <a:extLst>
+                  <a:ext uri="{FF2B5EF4-FFF2-40B4-BE49-F238E27FC236}">
+                    <a16:creationId xmlns:a16="http://schemas.microsoft.com/office/drawing/2014/main" id="{02D8F7F6-B804-3D16-BDC0-98AA992E01CC}"/>
+                  </a:ext>
+                </a:extLst>
+              </p:cNvPr>
+              <p:cNvSpPr/>
+              <p:nvPr/>
+            </p:nvSpPr>
+            <p:spPr>
+              <a:xfrm>
+                <a:off x="7374445" y="1434512"/>
+                <a:ext cx="450370" cy="450370"/>
+              </a:xfrm>
+              <a:prstGeom prst="rect">
+                <a:avLst/>
+              </a:prstGeom>
+              <a:solidFill>
+                <a:schemeClr val="tx2">
+                  <a:lumMod val="10000"/>
+                  <a:lumOff val="90000"/>
+                </a:schemeClr>
+              </a:solidFill>
+              <a:ln w="9525"/>
+            </p:spPr>
+            <p:style>
+              <a:lnRef idx="2">
+                <a:schemeClr val="accent1">
+                  <a:shade val="15000"/>
+                </a:schemeClr>
+              </a:lnRef>
+              <a:fillRef idx="1">
+                <a:schemeClr val="accent1"/>
+              </a:fillRef>
+              <a:effectRef idx="0">
+                <a:schemeClr val="accent1"/>
+              </a:effectRef>
+              <a:fontRef idx="minor">
+                <a:schemeClr val="lt1"/>
+              </a:fontRef>
+            </p:style>
+            <p:txBody>
+              <a:bodyPr rtlCol="0" anchor="ctr"/>
+              <a:lstStyle/>
+              <a:p>
+                <a:pPr algn="ctr"/>
+                <a:r>
+                  <a:rPr lang="en-US" sz="1000" dirty="0">
+                    <a:solidFill>
+                      <a:schemeClr val="tx1"/>
+                    </a:solidFill>
+                    <a:latin typeface="Avenir Book" panose="02000503020000020003" pitchFamily="2" charset="0"/>
+                  </a:rPr>
+                  <a:t>00</a:t>
+                </a:r>
+              </a:p>
+            </p:txBody>
+          </p:sp>
+          <p:sp>
+            <p:nvSpPr>
+              <p:cNvPr id="12" name="Rectangle 11">
+                <a:extLst>
+                  <a:ext uri="{FF2B5EF4-FFF2-40B4-BE49-F238E27FC236}">
+                    <a16:creationId xmlns:a16="http://schemas.microsoft.com/office/drawing/2014/main" id="{B5F2C9E7-2FC3-EB84-2BF8-33D343B9A8EF}"/>
+                  </a:ext>
+                </a:extLst>
+              </p:cNvPr>
+              <p:cNvSpPr/>
+              <p:nvPr/>
+            </p:nvSpPr>
+            <p:spPr>
+              <a:xfrm>
+                <a:off x="7861301" y="1434512"/>
+                <a:ext cx="450370" cy="450370"/>
+              </a:xfrm>
+              <a:prstGeom prst="rect">
+                <a:avLst/>
+              </a:prstGeom>
+              <a:solidFill>
+                <a:schemeClr val="tx2">
+                  <a:lumMod val="10000"/>
+                  <a:lumOff val="90000"/>
+                </a:schemeClr>
+              </a:solidFill>
+              <a:ln w="9525"/>
+            </p:spPr>
+            <p:style>
+              <a:lnRef idx="2">
+                <a:schemeClr val="accent1">
+                  <a:shade val="15000"/>
+                </a:schemeClr>
+              </a:lnRef>
+              <a:fillRef idx="1">
+                <a:schemeClr val="accent1"/>
+              </a:fillRef>
+              <a:effectRef idx="0">
+                <a:schemeClr val="accent1"/>
+              </a:effectRef>
+              <a:fontRef idx="minor">
+                <a:schemeClr val="lt1"/>
+              </a:fontRef>
+            </p:style>
+            <p:txBody>
+              <a:bodyPr rtlCol="0" anchor="ctr"/>
+              <a:lstStyle/>
+              <a:p>
+                <a:pPr algn="ctr"/>
+                <a:r>
+                  <a:rPr lang="en-US" sz="1000" dirty="0">
+                    <a:solidFill>
+                      <a:schemeClr val="tx1"/>
+                    </a:solidFill>
+                    <a:latin typeface="Avenir Book" panose="02000503020000020003" pitchFamily="2" charset="0"/>
+                  </a:rPr>
+                  <a:t>bb</a:t>
+                </a:r>
+              </a:p>
+            </p:txBody>
+          </p:sp>
+          <p:sp>
+            <p:nvSpPr>
+              <p:cNvPr id="13" name="Rectangle 12">
+                <a:extLst>
+                  <a:ext uri="{FF2B5EF4-FFF2-40B4-BE49-F238E27FC236}">
+                    <a16:creationId xmlns:a16="http://schemas.microsoft.com/office/drawing/2014/main" id="{166891B7-F971-7B6F-194B-55A60C33DE67}"/>
+                  </a:ext>
+                </a:extLst>
+              </p:cNvPr>
+              <p:cNvSpPr/>
+              <p:nvPr/>
+            </p:nvSpPr>
+            <p:spPr>
+              <a:xfrm>
+                <a:off x="8348156" y="1434512"/>
+                <a:ext cx="450370" cy="450370"/>
+              </a:xfrm>
+              <a:prstGeom prst="rect">
+                <a:avLst/>
+              </a:prstGeom>
+              <a:solidFill>
+                <a:schemeClr val="tx2">
+                  <a:lumMod val="10000"/>
+                  <a:lumOff val="90000"/>
+                </a:schemeClr>
+              </a:solidFill>
+              <a:ln w="9525"/>
+            </p:spPr>
+            <p:style>
+              <a:lnRef idx="2">
+                <a:schemeClr val="accent1">
+                  <a:shade val="15000"/>
+                </a:schemeClr>
+              </a:lnRef>
+              <a:fillRef idx="1">
+                <a:schemeClr val="accent1"/>
+              </a:fillRef>
+              <a:effectRef idx="0">
+                <a:schemeClr val="accent1"/>
+              </a:effectRef>
+              <a:fontRef idx="minor">
+                <a:schemeClr val="lt1"/>
+              </a:fontRef>
+            </p:style>
+            <p:txBody>
+              <a:bodyPr rtlCol="0" anchor="ctr"/>
+              <a:lstStyle/>
+              <a:p>
+                <a:pPr algn="ctr"/>
+                <a:r>
+                  <a:rPr lang="en-US" sz="1000" dirty="0">
+                    <a:solidFill>
+                      <a:schemeClr val="tx1"/>
+                    </a:solidFill>
+                    <a:latin typeface="Avenir Book" panose="02000503020000020003" pitchFamily="2" charset="0"/>
+                  </a:rPr>
+                  <a:t>cc</a:t>
+                </a:r>
+              </a:p>
+            </p:txBody>
+          </p:sp>
+        </p:grpSp>
+        <p:grpSp>
+          <p:nvGrpSpPr>
+            <p:cNvPr id="39" name="Group 38">
+              <a:extLst>
+                <a:ext uri="{FF2B5EF4-FFF2-40B4-BE49-F238E27FC236}">
+                  <a16:creationId xmlns:a16="http://schemas.microsoft.com/office/drawing/2014/main" id="{CE159865-BA19-B45F-7A2D-8786FE250B47}"/>
+                </a:ext>
+              </a:extLst>
+            </p:cNvPr>
+            <p:cNvGrpSpPr/>
+            <p:nvPr/>
+          </p:nvGrpSpPr>
+          <p:grpSpPr>
+            <a:xfrm>
+              <a:off x="2857275" y="3257667"/>
+              <a:ext cx="5805787" cy="450370"/>
+              <a:chOff x="2992741" y="1982024"/>
+              <a:chExt cx="5805785" cy="450370"/>
+            </a:xfrm>
+          </p:grpSpPr>
+          <p:sp>
+            <p:nvSpPr>
+              <p:cNvPr id="14" name="Rectangle 13">
+                <a:extLst>
+                  <a:ext uri="{FF2B5EF4-FFF2-40B4-BE49-F238E27FC236}">
+                    <a16:creationId xmlns:a16="http://schemas.microsoft.com/office/drawing/2014/main" id="{22598AE5-EAA4-9595-894E-6767C8717425}"/>
+                  </a:ext>
+                </a:extLst>
+              </p:cNvPr>
+              <p:cNvSpPr/>
+              <p:nvPr/>
+            </p:nvSpPr>
+            <p:spPr>
+              <a:xfrm>
+                <a:off x="2992741" y="1982024"/>
+                <a:ext cx="450370" cy="450370"/>
+              </a:xfrm>
+              <a:prstGeom prst="rect">
+                <a:avLst/>
+              </a:prstGeom>
+              <a:solidFill>
+                <a:schemeClr val="tx2">
+                  <a:lumMod val="10000"/>
+                  <a:lumOff val="90000"/>
+                </a:schemeClr>
+              </a:solidFill>
+              <a:ln w="9525"/>
+            </p:spPr>
+            <p:style>
+              <a:lnRef idx="2">
+                <a:schemeClr val="accent1">
+                  <a:shade val="15000"/>
+                </a:schemeClr>
+              </a:lnRef>
+              <a:fillRef idx="1">
+                <a:schemeClr val="accent1"/>
+              </a:fillRef>
+              <a:effectRef idx="0">
+                <a:schemeClr val="accent1"/>
+              </a:effectRef>
+              <a:fontRef idx="minor">
+                <a:schemeClr val="lt1"/>
+              </a:fontRef>
+            </p:style>
+            <p:txBody>
+              <a:bodyPr rtlCol="0" anchor="ctr"/>
+              <a:lstStyle/>
+              <a:p>
+                <a:pPr algn="ctr"/>
+                <a:r>
+                  <a:rPr lang="en-US" sz="1000" dirty="0">
+                    <a:solidFill>
+                      <a:schemeClr val="tx1"/>
+                    </a:solidFill>
+                    <a:latin typeface="Avenir Book" panose="02000503020000020003" pitchFamily="2" charset="0"/>
+                  </a:rPr>
+                  <a:t>1</a:t>
+                </a:r>
+              </a:p>
+            </p:txBody>
+          </p:sp>
+          <p:sp>
+            <p:nvSpPr>
+              <p:cNvPr id="15" name="Rectangle 14">
+                <a:extLst>
+                  <a:ext uri="{FF2B5EF4-FFF2-40B4-BE49-F238E27FC236}">
+                    <a16:creationId xmlns:a16="http://schemas.microsoft.com/office/drawing/2014/main" id="{8A1C7397-506B-9EA7-2085-171F5573989D}"/>
+                  </a:ext>
+                </a:extLst>
+              </p:cNvPr>
+              <p:cNvSpPr/>
+              <p:nvPr/>
+            </p:nvSpPr>
+            <p:spPr>
+              <a:xfrm>
+                <a:off x="3479597" y="1982024"/>
+                <a:ext cx="450370" cy="450370"/>
+              </a:xfrm>
+              <a:prstGeom prst="rect">
+                <a:avLst/>
+              </a:prstGeom>
+              <a:solidFill>
+                <a:schemeClr val="tx2">
+                  <a:lumMod val="10000"/>
+                  <a:lumOff val="90000"/>
+                </a:schemeClr>
+              </a:solidFill>
+              <a:ln w="9525"/>
+            </p:spPr>
+            <p:style>
+              <a:lnRef idx="2">
+                <a:schemeClr val="accent1">
+                  <a:shade val="15000"/>
+                </a:schemeClr>
+              </a:lnRef>
+              <a:fillRef idx="1">
+                <a:schemeClr val="accent1"/>
+              </a:fillRef>
+              <a:effectRef idx="0">
+                <a:schemeClr val="accent1"/>
+              </a:effectRef>
+              <a:fontRef idx="minor">
+                <a:schemeClr val="lt1"/>
+              </a:fontRef>
+            </p:style>
+            <p:txBody>
+              <a:bodyPr rtlCol="0" anchor="ctr"/>
+              <a:lstStyle/>
+              <a:p>
+                <a:pPr algn="ctr"/>
+                <a:r>
+                  <a:rPr lang="en-US" sz="1000" dirty="0">
+                    <a:solidFill>
+                      <a:schemeClr val="tx1"/>
+                    </a:solidFill>
+                    <a:latin typeface="Avenir Book" panose="02000503020000020003" pitchFamily="2" charset="0"/>
+                  </a:rPr>
+                  <a:t>1</a:t>
+                </a:r>
+              </a:p>
+            </p:txBody>
+          </p:sp>
+          <p:sp>
+            <p:nvSpPr>
+              <p:cNvPr id="16" name="Rectangle 15">
+                <a:extLst>
+                  <a:ext uri="{FF2B5EF4-FFF2-40B4-BE49-F238E27FC236}">
+                    <a16:creationId xmlns:a16="http://schemas.microsoft.com/office/drawing/2014/main" id="{8D324AA1-2478-5C86-C923-A72EC466475F}"/>
+                  </a:ext>
+                </a:extLst>
+              </p:cNvPr>
+              <p:cNvSpPr/>
+              <p:nvPr/>
+            </p:nvSpPr>
+            <p:spPr>
+              <a:xfrm>
+                <a:off x="3966453" y="1982024"/>
+                <a:ext cx="450370" cy="450370"/>
+              </a:xfrm>
+              <a:prstGeom prst="rect">
+                <a:avLst/>
+              </a:prstGeom>
+              <a:solidFill>
+                <a:schemeClr val="tx2">
+                  <a:lumMod val="10000"/>
+                  <a:lumOff val="90000"/>
+                </a:schemeClr>
+              </a:solidFill>
+              <a:ln w="9525"/>
+            </p:spPr>
+            <p:style>
+              <a:lnRef idx="2">
+                <a:schemeClr val="accent1">
+                  <a:shade val="15000"/>
+                </a:schemeClr>
+              </a:lnRef>
+              <a:fillRef idx="1">
+                <a:schemeClr val="accent1"/>
+              </a:fillRef>
+              <a:effectRef idx="0">
+                <a:schemeClr val="accent1"/>
+              </a:effectRef>
+              <a:fontRef idx="minor">
+                <a:schemeClr val="lt1"/>
+              </a:fontRef>
+            </p:style>
+            <p:txBody>
+              <a:bodyPr rtlCol="0" anchor="ctr"/>
+              <a:lstStyle/>
+              <a:p>
+                <a:pPr algn="ctr"/>
+                <a:r>
+                  <a:rPr lang="en-US" sz="1000" dirty="0">
+                    <a:solidFill>
+                      <a:schemeClr val="tx1"/>
+                    </a:solidFill>
+                    <a:latin typeface="Avenir Book" panose="02000503020000020003" pitchFamily="2" charset="0"/>
+                  </a:rPr>
+                  <a:t>1</a:t>
+                </a:r>
+              </a:p>
+            </p:txBody>
+          </p:sp>
+          <p:sp>
+            <p:nvSpPr>
+              <p:cNvPr id="17" name="Rectangle 16">
+                <a:extLst>
+                  <a:ext uri="{FF2B5EF4-FFF2-40B4-BE49-F238E27FC236}">
+                    <a16:creationId xmlns:a16="http://schemas.microsoft.com/office/drawing/2014/main" id="{EFCA75F6-B6C7-B982-D677-000B9E2F3655}"/>
+                  </a:ext>
+                </a:extLst>
+              </p:cNvPr>
+              <p:cNvSpPr/>
+              <p:nvPr/>
+            </p:nvSpPr>
+            <p:spPr>
+              <a:xfrm>
+                <a:off x="4453309" y="1982024"/>
+                <a:ext cx="450370" cy="450370"/>
+              </a:xfrm>
+              <a:prstGeom prst="rect">
+                <a:avLst/>
+              </a:prstGeom>
+              <a:solidFill>
+                <a:schemeClr val="tx2">
+                  <a:lumMod val="10000"/>
+                  <a:lumOff val="90000"/>
+                </a:schemeClr>
+              </a:solidFill>
+              <a:ln w="9525"/>
+            </p:spPr>
+            <p:style>
+              <a:lnRef idx="2">
+                <a:schemeClr val="accent1">
+                  <a:shade val="15000"/>
+                </a:schemeClr>
+              </a:lnRef>
+              <a:fillRef idx="1">
+                <a:schemeClr val="accent1"/>
+              </a:fillRef>
+              <a:effectRef idx="0">
+                <a:schemeClr val="accent1"/>
+              </a:effectRef>
+              <a:fontRef idx="minor">
+                <a:schemeClr val="lt1"/>
+              </a:fontRef>
+            </p:style>
+            <p:txBody>
+              <a:bodyPr rtlCol="0" anchor="ctr"/>
+              <a:lstStyle/>
+              <a:p>
+                <a:pPr algn="ctr"/>
+                <a:r>
+                  <a:rPr lang="en-US" sz="1000" dirty="0">
+                    <a:solidFill>
+                      <a:schemeClr val="tx1"/>
+                    </a:solidFill>
+                    <a:latin typeface="Avenir Book" panose="02000503020000020003" pitchFamily="2" charset="0"/>
+                  </a:rPr>
+                  <a:t>1</a:t>
+                </a:r>
+              </a:p>
+            </p:txBody>
+          </p:sp>
+          <p:sp>
+            <p:nvSpPr>
+              <p:cNvPr id="18" name="Rectangle 17">
+                <a:extLst>
+                  <a:ext uri="{FF2B5EF4-FFF2-40B4-BE49-F238E27FC236}">
+                    <a16:creationId xmlns:a16="http://schemas.microsoft.com/office/drawing/2014/main" id="{0EDCAF0F-99DA-139E-D882-4681D2382B25}"/>
+                  </a:ext>
+                </a:extLst>
+              </p:cNvPr>
+              <p:cNvSpPr/>
+              <p:nvPr/>
+            </p:nvSpPr>
+            <p:spPr>
+              <a:xfrm>
+                <a:off x="4940165" y="1982024"/>
+                <a:ext cx="450370" cy="450370"/>
+              </a:xfrm>
+              <a:prstGeom prst="rect">
+                <a:avLst/>
+              </a:prstGeom>
+              <a:solidFill>
+                <a:schemeClr val="tx2">
+                  <a:lumMod val="10000"/>
+                  <a:lumOff val="90000"/>
+                </a:schemeClr>
+              </a:solidFill>
+              <a:ln w="9525"/>
+            </p:spPr>
+            <p:style>
+              <a:lnRef idx="2">
+                <a:schemeClr val="accent1">
+                  <a:shade val="15000"/>
+                </a:schemeClr>
+              </a:lnRef>
+              <a:fillRef idx="1">
+                <a:schemeClr val="accent1"/>
+              </a:fillRef>
+              <a:effectRef idx="0">
+                <a:schemeClr val="accent1"/>
+              </a:effectRef>
+              <a:fontRef idx="minor">
+                <a:schemeClr val="lt1"/>
+              </a:fontRef>
+            </p:style>
+            <p:txBody>
+              <a:bodyPr rtlCol="0" anchor="ctr"/>
+              <a:lstStyle/>
+              <a:p>
+                <a:pPr algn="ctr"/>
+                <a:r>
+                  <a:rPr lang="en-US" sz="1000" dirty="0">
+                    <a:solidFill>
+                      <a:schemeClr val="tx1"/>
+                    </a:solidFill>
+                    <a:latin typeface="Avenir Book" panose="02000503020000020003" pitchFamily="2" charset="0"/>
+                  </a:rPr>
+                  <a:t>0</a:t>
+                </a:r>
+              </a:p>
+            </p:txBody>
+          </p:sp>
+          <p:sp>
+            <p:nvSpPr>
+              <p:cNvPr id="19" name="Rectangle 18">
+                <a:extLst>
+                  <a:ext uri="{FF2B5EF4-FFF2-40B4-BE49-F238E27FC236}">
+                    <a16:creationId xmlns:a16="http://schemas.microsoft.com/office/drawing/2014/main" id="{A26E059C-9035-A87E-6562-BBC1C9CC70C5}"/>
+                  </a:ext>
+                </a:extLst>
+              </p:cNvPr>
+              <p:cNvSpPr/>
+              <p:nvPr/>
+            </p:nvSpPr>
+            <p:spPr>
+              <a:xfrm>
+                <a:off x="5427021" y="1982024"/>
+                <a:ext cx="450370" cy="450370"/>
+              </a:xfrm>
+              <a:prstGeom prst="rect">
+                <a:avLst/>
+              </a:prstGeom>
+              <a:solidFill>
+                <a:schemeClr val="tx2">
+                  <a:lumMod val="10000"/>
+                  <a:lumOff val="90000"/>
+                </a:schemeClr>
+              </a:solidFill>
+              <a:ln w="9525"/>
+            </p:spPr>
+            <p:style>
+              <a:lnRef idx="2">
+                <a:schemeClr val="accent1">
+                  <a:shade val="15000"/>
+                </a:schemeClr>
+              </a:lnRef>
+              <a:fillRef idx="1">
+                <a:schemeClr val="accent1"/>
+              </a:fillRef>
+              <a:effectRef idx="0">
+                <a:schemeClr val="accent1"/>
+              </a:effectRef>
+              <a:fontRef idx="minor">
+                <a:schemeClr val="lt1"/>
+              </a:fontRef>
+            </p:style>
+            <p:txBody>
+              <a:bodyPr rtlCol="0" anchor="ctr"/>
+              <a:lstStyle/>
+              <a:p>
+                <a:pPr algn="ctr"/>
+                <a:r>
+                  <a:rPr lang="en-US" sz="1000" dirty="0">
+                    <a:solidFill>
+                      <a:schemeClr val="tx1"/>
+                    </a:solidFill>
+                    <a:latin typeface="Avenir Book" panose="02000503020000020003" pitchFamily="2" charset="0"/>
+                  </a:rPr>
+                  <a:t>0</a:t>
+                </a:r>
+              </a:p>
+            </p:txBody>
+          </p:sp>
+          <p:sp>
+            <p:nvSpPr>
+              <p:cNvPr id="20" name="Rectangle 19">
+                <a:extLst>
+                  <a:ext uri="{FF2B5EF4-FFF2-40B4-BE49-F238E27FC236}">
+                    <a16:creationId xmlns:a16="http://schemas.microsoft.com/office/drawing/2014/main" id="{33F64225-21B4-BB4A-F897-6A135323ABDD}"/>
+                  </a:ext>
+                </a:extLst>
+              </p:cNvPr>
+              <p:cNvSpPr/>
+              <p:nvPr/>
+            </p:nvSpPr>
+            <p:spPr>
+              <a:xfrm>
+                <a:off x="5913877" y="1982024"/>
+                <a:ext cx="450370" cy="450370"/>
+              </a:xfrm>
+              <a:prstGeom prst="rect">
+                <a:avLst/>
+              </a:prstGeom>
+              <a:solidFill>
+                <a:schemeClr val="tx2">
+                  <a:lumMod val="10000"/>
+                  <a:lumOff val="90000"/>
+                </a:schemeClr>
+              </a:solidFill>
+              <a:ln w="9525"/>
+            </p:spPr>
+            <p:style>
+              <a:lnRef idx="2">
+                <a:schemeClr val="accent1">
+                  <a:shade val="15000"/>
+                </a:schemeClr>
+              </a:lnRef>
+              <a:fillRef idx="1">
+                <a:schemeClr val="accent1"/>
+              </a:fillRef>
+              <a:effectRef idx="0">
+                <a:schemeClr val="accent1"/>
+              </a:effectRef>
+              <a:fontRef idx="minor">
+                <a:schemeClr val="lt1"/>
+              </a:fontRef>
+            </p:style>
+            <p:txBody>
+              <a:bodyPr rtlCol="0" anchor="ctr"/>
+              <a:lstStyle/>
+              <a:p>
+                <a:pPr algn="ctr"/>
+                <a:r>
+                  <a:rPr lang="en-US" sz="1000" dirty="0">
+                    <a:solidFill>
+                      <a:schemeClr val="tx1"/>
+                    </a:solidFill>
+                    <a:latin typeface="Avenir Book" panose="02000503020000020003" pitchFamily="2" charset="0"/>
+                  </a:rPr>
+                  <a:t>1</a:t>
+                </a:r>
+              </a:p>
+            </p:txBody>
+          </p:sp>
+          <p:sp>
+            <p:nvSpPr>
+              <p:cNvPr id="21" name="Rectangle 20">
+                <a:extLst>
+                  <a:ext uri="{FF2B5EF4-FFF2-40B4-BE49-F238E27FC236}">
+                    <a16:creationId xmlns:a16="http://schemas.microsoft.com/office/drawing/2014/main" id="{E5FB0495-4C33-99D4-AF56-5D8AC2827FEA}"/>
+                  </a:ext>
+                </a:extLst>
+              </p:cNvPr>
+              <p:cNvSpPr/>
+              <p:nvPr/>
+            </p:nvSpPr>
+            <p:spPr>
+              <a:xfrm>
+                <a:off x="6400733" y="1982024"/>
+                <a:ext cx="450370" cy="450370"/>
+              </a:xfrm>
+              <a:prstGeom prst="rect">
+                <a:avLst/>
+              </a:prstGeom>
+              <a:solidFill>
+                <a:schemeClr val="tx2">
+                  <a:lumMod val="10000"/>
+                  <a:lumOff val="90000"/>
+                </a:schemeClr>
+              </a:solidFill>
+              <a:ln w="9525"/>
+            </p:spPr>
+            <p:style>
+              <a:lnRef idx="2">
+                <a:schemeClr val="accent1">
+                  <a:shade val="15000"/>
+                </a:schemeClr>
+              </a:lnRef>
+              <a:fillRef idx="1">
+                <a:schemeClr val="accent1"/>
+              </a:fillRef>
+              <a:effectRef idx="0">
+                <a:schemeClr val="accent1"/>
+              </a:effectRef>
+              <a:fontRef idx="minor">
+                <a:schemeClr val="lt1"/>
+              </a:fontRef>
+            </p:style>
+            <p:txBody>
+              <a:bodyPr rtlCol="0" anchor="ctr"/>
+              <a:lstStyle/>
+              <a:p>
+                <a:pPr algn="ctr"/>
+                <a:r>
+                  <a:rPr lang="en-US" sz="1000" dirty="0">
+                    <a:solidFill>
+                      <a:schemeClr val="tx1"/>
+                    </a:solidFill>
+                    <a:latin typeface="Avenir Book" panose="02000503020000020003" pitchFamily="2" charset="0"/>
+                  </a:rPr>
+                  <a:t>1</a:t>
+                </a:r>
+              </a:p>
+            </p:txBody>
+          </p:sp>
+          <p:sp>
+            <p:nvSpPr>
+              <p:cNvPr id="22" name="Rectangle 21">
+                <a:extLst>
+                  <a:ext uri="{FF2B5EF4-FFF2-40B4-BE49-F238E27FC236}">
+                    <a16:creationId xmlns:a16="http://schemas.microsoft.com/office/drawing/2014/main" id="{CFCFF7DF-E7D1-9DF1-97C1-4B70C9A92CEC}"/>
+                  </a:ext>
+                </a:extLst>
+              </p:cNvPr>
+              <p:cNvSpPr/>
+              <p:nvPr/>
+            </p:nvSpPr>
+            <p:spPr>
+              <a:xfrm>
+                <a:off x="6887589" y="1982024"/>
+                <a:ext cx="450370" cy="450370"/>
+              </a:xfrm>
+              <a:prstGeom prst="rect">
+                <a:avLst/>
+              </a:prstGeom>
+              <a:solidFill>
+                <a:schemeClr val="tx2">
+                  <a:lumMod val="10000"/>
+                  <a:lumOff val="90000"/>
+                </a:schemeClr>
+              </a:solidFill>
+              <a:ln w="9525"/>
+            </p:spPr>
+            <p:style>
+              <a:lnRef idx="2">
+                <a:schemeClr val="accent1">
+                  <a:shade val="15000"/>
+                </a:schemeClr>
+              </a:lnRef>
+              <a:fillRef idx="1">
+                <a:schemeClr val="accent1"/>
+              </a:fillRef>
+              <a:effectRef idx="0">
+                <a:schemeClr val="accent1"/>
+              </a:effectRef>
+              <a:fontRef idx="minor">
+                <a:schemeClr val="lt1"/>
+              </a:fontRef>
+            </p:style>
+            <p:txBody>
+              <a:bodyPr rtlCol="0" anchor="ctr"/>
+              <a:lstStyle/>
+              <a:p>
+                <a:pPr algn="ctr"/>
+                <a:r>
+                  <a:rPr lang="en-US" sz="1000" dirty="0">
+                    <a:solidFill>
+                      <a:schemeClr val="tx1"/>
+                    </a:solidFill>
+                    <a:latin typeface="Avenir Book" panose="02000503020000020003" pitchFamily="2" charset="0"/>
+                  </a:rPr>
+                  <a:t>1</a:t>
+                </a:r>
+              </a:p>
+            </p:txBody>
+          </p:sp>
+          <p:sp>
+            <p:nvSpPr>
+              <p:cNvPr id="23" name="Rectangle 22">
+                <a:extLst>
+                  <a:ext uri="{FF2B5EF4-FFF2-40B4-BE49-F238E27FC236}">
+                    <a16:creationId xmlns:a16="http://schemas.microsoft.com/office/drawing/2014/main" id="{8F39D505-F73A-EE75-2A63-363E2509C0B1}"/>
+                  </a:ext>
+                </a:extLst>
+              </p:cNvPr>
+              <p:cNvSpPr/>
+              <p:nvPr/>
+            </p:nvSpPr>
+            <p:spPr>
+              <a:xfrm>
+                <a:off x="7374445" y="1982024"/>
+                <a:ext cx="450370" cy="450370"/>
+              </a:xfrm>
+              <a:prstGeom prst="rect">
+                <a:avLst/>
+              </a:prstGeom>
+              <a:solidFill>
+                <a:schemeClr val="tx2">
+                  <a:lumMod val="10000"/>
+                  <a:lumOff val="90000"/>
+                </a:schemeClr>
+              </a:solidFill>
+              <a:ln w="9525"/>
+            </p:spPr>
+            <p:style>
+              <a:lnRef idx="2">
+                <a:schemeClr val="accent1">
+                  <a:shade val="15000"/>
+                </a:schemeClr>
+              </a:lnRef>
+              <a:fillRef idx="1">
+                <a:schemeClr val="accent1"/>
+              </a:fillRef>
+              <a:effectRef idx="0">
+                <a:schemeClr val="accent1"/>
+              </a:effectRef>
+              <a:fontRef idx="minor">
+                <a:schemeClr val="lt1"/>
+              </a:fontRef>
+            </p:style>
+            <p:txBody>
+              <a:bodyPr rtlCol="0" anchor="ctr"/>
+              <a:lstStyle/>
+              <a:p>
+                <a:pPr algn="ctr"/>
+                <a:r>
+                  <a:rPr lang="en-US" sz="1000" dirty="0">
+                    <a:solidFill>
+                      <a:schemeClr val="tx1"/>
+                    </a:solidFill>
+                    <a:latin typeface="Avenir Book" panose="02000503020000020003" pitchFamily="2" charset="0"/>
+                  </a:rPr>
+                  <a:t>1</a:t>
+                </a:r>
+              </a:p>
+            </p:txBody>
+          </p:sp>
+          <p:sp>
+            <p:nvSpPr>
+              <p:cNvPr id="24" name="Rectangle 23">
+                <a:extLst>
+                  <a:ext uri="{FF2B5EF4-FFF2-40B4-BE49-F238E27FC236}">
+                    <a16:creationId xmlns:a16="http://schemas.microsoft.com/office/drawing/2014/main" id="{CF82F5C2-E69E-B5AA-B946-CEDD7D96DCEA}"/>
+                  </a:ext>
+                </a:extLst>
+              </p:cNvPr>
+              <p:cNvSpPr/>
+              <p:nvPr/>
+            </p:nvSpPr>
+            <p:spPr>
+              <a:xfrm>
+                <a:off x="7861301" y="1982024"/>
+                <a:ext cx="450370" cy="450370"/>
+              </a:xfrm>
+              <a:prstGeom prst="rect">
+                <a:avLst/>
+              </a:prstGeom>
+              <a:solidFill>
+                <a:schemeClr val="tx2">
+                  <a:lumMod val="10000"/>
+                  <a:lumOff val="90000"/>
+                </a:schemeClr>
+              </a:solidFill>
+              <a:ln w="9525"/>
+            </p:spPr>
+            <p:style>
+              <a:lnRef idx="2">
+                <a:schemeClr val="accent1">
+                  <a:shade val="15000"/>
+                </a:schemeClr>
+              </a:lnRef>
+              <a:fillRef idx="1">
+                <a:schemeClr val="accent1"/>
+              </a:fillRef>
+              <a:effectRef idx="0">
+                <a:schemeClr val="accent1"/>
+              </a:effectRef>
+              <a:fontRef idx="minor">
+                <a:schemeClr val="lt1"/>
+              </a:fontRef>
+            </p:style>
+            <p:txBody>
+              <a:bodyPr rtlCol="0" anchor="ctr"/>
+              <a:lstStyle/>
+              <a:p>
+                <a:pPr algn="ctr"/>
+                <a:r>
+                  <a:rPr lang="en-US" sz="1000" dirty="0">
+                    <a:solidFill>
+                      <a:schemeClr val="tx1"/>
+                    </a:solidFill>
+                    <a:latin typeface="Avenir Book" panose="02000503020000020003" pitchFamily="2" charset="0"/>
+                  </a:rPr>
+                  <a:t>0</a:t>
+                </a:r>
+              </a:p>
+            </p:txBody>
+          </p:sp>
+          <p:sp>
+            <p:nvSpPr>
+              <p:cNvPr id="25" name="Rectangle 24">
+                <a:extLst>
+                  <a:ext uri="{FF2B5EF4-FFF2-40B4-BE49-F238E27FC236}">
+                    <a16:creationId xmlns:a16="http://schemas.microsoft.com/office/drawing/2014/main" id="{9AD41B85-6993-2729-B6E7-8A54BAA56752}"/>
+                  </a:ext>
+                </a:extLst>
+              </p:cNvPr>
+              <p:cNvSpPr/>
+              <p:nvPr/>
+            </p:nvSpPr>
+            <p:spPr>
+              <a:xfrm>
+                <a:off x="8348156" y="1982024"/>
+                <a:ext cx="450370" cy="450370"/>
+              </a:xfrm>
+              <a:prstGeom prst="rect">
+                <a:avLst/>
+              </a:prstGeom>
+              <a:solidFill>
+                <a:schemeClr val="tx2">
+                  <a:lumMod val="10000"/>
+                  <a:lumOff val="90000"/>
+                </a:schemeClr>
+              </a:solidFill>
+              <a:ln w="9525"/>
+            </p:spPr>
+            <p:style>
+              <a:lnRef idx="2">
+                <a:schemeClr val="accent1">
+                  <a:shade val="15000"/>
+                </a:schemeClr>
+              </a:lnRef>
+              <a:fillRef idx="1">
+                <a:schemeClr val="accent1"/>
+              </a:fillRef>
+              <a:effectRef idx="0">
+                <a:schemeClr val="accent1"/>
+              </a:effectRef>
+              <a:fontRef idx="minor">
+                <a:schemeClr val="lt1"/>
+              </a:fontRef>
+            </p:style>
+            <p:txBody>
+              <a:bodyPr rtlCol="0" anchor="ctr"/>
+              <a:lstStyle/>
+              <a:p>
+                <a:pPr algn="ctr"/>
+                <a:r>
+                  <a:rPr lang="en-US" sz="1000" dirty="0">
+                    <a:solidFill>
+                      <a:schemeClr val="tx1"/>
+                    </a:solidFill>
+                    <a:latin typeface="Avenir Book" panose="02000503020000020003" pitchFamily="2" charset="0"/>
+                  </a:rPr>
+                  <a:t>0</a:t>
+                </a:r>
+              </a:p>
+            </p:txBody>
+          </p:sp>
+        </p:grpSp>
+        <p:grpSp>
+          <p:nvGrpSpPr>
+            <p:cNvPr id="40" name="Group 39">
+              <a:extLst>
+                <a:ext uri="{FF2B5EF4-FFF2-40B4-BE49-F238E27FC236}">
+                  <a16:creationId xmlns:a16="http://schemas.microsoft.com/office/drawing/2014/main" id="{822654FC-EFC2-DB6E-ECD3-C6D2F40648D3}"/>
+                </a:ext>
+              </a:extLst>
+            </p:cNvPr>
+            <p:cNvGrpSpPr/>
+            <p:nvPr/>
+          </p:nvGrpSpPr>
+          <p:grpSpPr>
+            <a:xfrm>
+              <a:off x="2875519" y="3805179"/>
+              <a:ext cx="5805788" cy="450370"/>
+              <a:chOff x="2992741" y="1982024"/>
+              <a:chExt cx="5805785" cy="450370"/>
+            </a:xfrm>
+          </p:grpSpPr>
+          <p:sp>
+            <p:nvSpPr>
+              <p:cNvPr id="41" name="Rectangle 40">
+                <a:extLst>
+                  <a:ext uri="{FF2B5EF4-FFF2-40B4-BE49-F238E27FC236}">
+                    <a16:creationId xmlns:a16="http://schemas.microsoft.com/office/drawing/2014/main" id="{8C4E2844-9A63-B0F8-948D-A4CC7B2E6522}"/>
+                  </a:ext>
+                </a:extLst>
+              </p:cNvPr>
+              <p:cNvSpPr/>
+              <p:nvPr/>
+            </p:nvSpPr>
+            <p:spPr>
+              <a:xfrm>
+                <a:off x="2992741" y="1982024"/>
+                <a:ext cx="450370" cy="450370"/>
+              </a:xfrm>
+              <a:prstGeom prst="rect">
+                <a:avLst/>
+              </a:prstGeom>
+              <a:solidFill>
+                <a:schemeClr val="tx2">
+                  <a:lumMod val="10000"/>
+                  <a:lumOff val="90000"/>
+                </a:schemeClr>
+              </a:solidFill>
+              <a:ln w="9525"/>
+            </p:spPr>
+            <p:style>
+              <a:lnRef idx="2">
+                <a:schemeClr val="accent1">
+                  <a:shade val="15000"/>
+                </a:schemeClr>
+              </a:lnRef>
+              <a:fillRef idx="1">
+                <a:schemeClr val="accent1"/>
+              </a:fillRef>
+              <a:effectRef idx="0">
+                <a:schemeClr val="accent1"/>
+              </a:effectRef>
+              <a:fontRef idx="minor">
+                <a:schemeClr val="lt1"/>
+              </a:fontRef>
+            </p:style>
+            <p:txBody>
+              <a:bodyPr rtlCol="0" anchor="ctr"/>
+              <a:lstStyle/>
+              <a:p>
+                <a:pPr algn="ctr"/>
+                <a:r>
+                  <a:rPr lang="en-US" sz="1000" dirty="0">
+                    <a:solidFill>
+                      <a:schemeClr val="tx1"/>
+                    </a:solidFill>
+                    <a:latin typeface="Avenir Book" panose="02000503020000020003" pitchFamily="2" charset="0"/>
+                  </a:rPr>
+                  <a:t>0</a:t>
+                </a:r>
+              </a:p>
+            </p:txBody>
+          </p:sp>
+          <p:sp>
+            <p:nvSpPr>
+              <p:cNvPr id="42" name="Rectangle 41">
+                <a:extLst>
+                  <a:ext uri="{FF2B5EF4-FFF2-40B4-BE49-F238E27FC236}">
+                    <a16:creationId xmlns:a16="http://schemas.microsoft.com/office/drawing/2014/main" id="{4FB404C9-B410-635E-1DA7-85646CBF8E2A}"/>
+                  </a:ext>
+                </a:extLst>
+              </p:cNvPr>
+              <p:cNvSpPr/>
+              <p:nvPr/>
+            </p:nvSpPr>
+            <p:spPr>
+              <a:xfrm>
+                <a:off x="3479597" y="1982024"/>
+                <a:ext cx="450370" cy="450370"/>
+              </a:xfrm>
+              <a:prstGeom prst="rect">
+                <a:avLst/>
+              </a:prstGeom>
+              <a:solidFill>
+                <a:schemeClr val="tx2">
+                  <a:lumMod val="10000"/>
+                  <a:lumOff val="90000"/>
+                </a:schemeClr>
+              </a:solidFill>
+              <a:ln w="9525"/>
+            </p:spPr>
+            <p:style>
+              <a:lnRef idx="2">
+                <a:schemeClr val="accent1">
+                  <a:shade val="15000"/>
+                </a:schemeClr>
+              </a:lnRef>
+              <a:fillRef idx="1">
+                <a:schemeClr val="accent1"/>
+              </a:fillRef>
+              <a:effectRef idx="0">
+                <a:schemeClr val="accent1"/>
+              </a:effectRef>
+              <a:fontRef idx="minor">
+                <a:schemeClr val="lt1"/>
+              </a:fontRef>
+            </p:style>
+            <p:txBody>
+              <a:bodyPr rtlCol="0" anchor="ctr"/>
+              <a:lstStyle/>
+              <a:p>
+                <a:pPr algn="ctr"/>
+                <a:r>
+                  <a:rPr lang="en-US" sz="1000" dirty="0">
+                    <a:solidFill>
+                      <a:schemeClr val="tx1"/>
+                    </a:solidFill>
+                    <a:latin typeface="Avenir Book" panose="02000503020000020003" pitchFamily="2" charset="0"/>
+                  </a:rPr>
+                  <a:t>0</a:t>
+                </a:r>
+              </a:p>
+            </p:txBody>
+          </p:sp>
+          <p:sp>
+            <p:nvSpPr>
+              <p:cNvPr id="43" name="Rectangle 42">
+                <a:extLst>
+                  <a:ext uri="{FF2B5EF4-FFF2-40B4-BE49-F238E27FC236}">
+                    <a16:creationId xmlns:a16="http://schemas.microsoft.com/office/drawing/2014/main" id="{44CC51E5-4761-2180-6EB7-6242437C29D8}"/>
+                  </a:ext>
+                </a:extLst>
+              </p:cNvPr>
+              <p:cNvSpPr/>
+              <p:nvPr/>
+            </p:nvSpPr>
+            <p:spPr>
+              <a:xfrm>
+                <a:off x="3966453" y="1982024"/>
+                <a:ext cx="450370" cy="450370"/>
+              </a:xfrm>
+              <a:prstGeom prst="rect">
+                <a:avLst/>
+              </a:prstGeom>
+              <a:solidFill>
+                <a:schemeClr val="tx2">
+                  <a:lumMod val="10000"/>
+                  <a:lumOff val="90000"/>
+                </a:schemeClr>
+              </a:solidFill>
+              <a:ln w="9525"/>
+            </p:spPr>
+            <p:style>
+              <a:lnRef idx="2">
+                <a:schemeClr val="accent1">
+                  <a:shade val="15000"/>
+                </a:schemeClr>
+              </a:lnRef>
+              <a:fillRef idx="1">
+                <a:schemeClr val="accent1"/>
+              </a:fillRef>
+              <a:effectRef idx="0">
+                <a:schemeClr val="accent1"/>
+              </a:effectRef>
+              <a:fontRef idx="minor">
+                <a:schemeClr val="lt1"/>
+              </a:fontRef>
+            </p:style>
+            <p:txBody>
+              <a:bodyPr rtlCol="0" anchor="ctr"/>
+              <a:lstStyle/>
+              <a:p>
+                <a:pPr algn="ctr"/>
+                <a:r>
+                  <a:rPr lang="en-US" sz="1000" dirty="0">
+                    <a:solidFill>
+                      <a:schemeClr val="tx1"/>
+                    </a:solidFill>
+                    <a:latin typeface="Avenir Book" panose="02000503020000020003" pitchFamily="2" charset="0"/>
+                  </a:rPr>
+                  <a:t>0</a:t>
+                </a:r>
+              </a:p>
+            </p:txBody>
+          </p:sp>
+          <p:sp>
+            <p:nvSpPr>
+              <p:cNvPr id="44" name="Rectangle 43">
+                <a:extLst>
+                  <a:ext uri="{FF2B5EF4-FFF2-40B4-BE49-F238E27FC236}">
+                    <a16:creationId xmlns:a16="http://schemas.microsoft.com/office/drawing/2014/main" id="{A068A7DA-5489-79EB-1232-46A4BA014307}"/>
+                  </a:ext>
+                </a:extLst>
+              </p:cNvPr>
+              <p:cNvSpPr/>
+              <p:nvPr/>
+            </p:nvSpPr>
+            <p:spPr>
+              <a:xfrm>
+                <a:off x="4453309" y="1982024"/>
+                <a:ext cx="450370" cy="450370"/>
+              </a:xfrm>
+              <a:prstGeom prst="rect">
+                <a:avLst/>
+              </a:prstGeom>
+              <a:solidFill>
+                <a:schemeClr val="tx2">
+                  <a:lumMod val="10000"/>
+                  <a:lumOff val="90000"/>
+                </a:schemeClr>
+              </a:solidFill>
+              <a:ln w="9525"/>
+            </p:spPr>
+            <p:style>
+              <a:lnRef idx="2">
+                <a:schemeClr val="accent1">
+                  <a:shade val="15000"/>
+                </a:schemeClr>
+              </a:lnRef>
+              <a:fillRef idx="1">
+                <a:schemeClr val="accent1"/>
+              </a:fillRef>
+              <a:effectRef idx="0">
+                <a:schemeClr val="accent1"/>
+              </a:effectRef>
+              <a:fontRef idx="minor">
+                <a:schemeClr val="lt1"/>
+              </a:fontRef>
+            </p:style>
+            <p:txBody>
+              <a:bodyPr rtlCol="0" anchor="ctr"/>
+              <a:lstStyle/>
+              <a:p>
+                <a:pPr algn="ctr"/>
+                <a:r>
+                  <a:rPr lang="en-US" sz="1000" dirty="0">
+                    <a:solidFill>
+                      <a:schemeClr val="tx1"/>
+                    </a:solidFill>
+                    <a:latin typeface="Avenir Book" panose="02000503020000020003" pitchFamily="2" charset="0"/>
+                  </a:rPr>
+                  <a:t>0</a:t>
+                </a:r>
+              </a:p>
+            </p:txBody>
+          </p:sp>
+          <p:sp>
+            <p:nvSpPr>
+              <p:cNvPr id="45" name="Rectangle 44">
+                <a:extLst>
+                  <a:ext uri="{FF2B5EF4-FFF2-40B4-BE49-F238E27FC236}">
+                    <a16:creationId xmlns:a16="http://schemas.microsoft.com/office/drawing/2014/main" id="{C966BA66-E8B1-3F2D-E4E3-AEDA47E739D4}"/>
+                  </a:ext>
+                </a:extLst>
+              </p:cNvPr>
+              <p:cNvSpPr/>
+              <p:nvPr/>
+            </p:nvSpPr>
+            <p:spPr>
+              <a:xfrm>
+                <a:off x="4940165" y="1982024"/>
+                <a:ext cx="450370" cy="450370"/>
+              </a:xfrm>
+              <a:prstGeom prst="rect">
+                <a:avLst/>
+              </a:prstGeom>
+              <a:solidFill>
+                <a:schemeClr val="tx2">
+                  <a:lumMod val="10000"/>
+                  <a:lumOff val="90000"/>
+                </a:schemeClr>
+              </a:solidFill>
+              <a:ln w="9525"/>
+            </p:spPr>
+            <p:style>
+              <a:lnRef idx="2">
+                <a:schemeClr val="accent1">
+                  <a:shade val="15000"/>
+                </a:schemeClr>
+              </a:lnRef>
+              <a:fillRef idx="1">
+                <a:schemeClr val="accent1"/>
+              </a:fillRef>
+              <a:effectRef idx="0">
+                <a:schemeClr val="accent1"/>
+              </a:effectRef>
+              <a:fontRef idx="minor">
+                <a:schemeClr val="lt1"/>
+              </a:fontRef>
+            </p:style>
+            <p:txBody>
+              <a:bodyPr rtlCol="0" anchor="ctr"/>
+              <a:lstStyle/>
+              <a:p>
+                <a:pPr algn="ctr"/>
+                <a:r>
+                  <a:rPr lang="en-US" sz="1000" dirty="0">
+                    <a:solidFill>
+                      <a:schemeClr val="tx1"/>
+                    </a:solidFill>
+                    <a:latin typeface="Avenir Book" panose="02000503020000020003" pitchFamily="2" charset="0"/>
+                  </a:rPr>
+                  <a:t>0</a:t>
+                </a:r>
+              </a:p>
+            </p:txBody>
+          </p:sp>
+          <p:sp>
+            <p:nvSpPr>
+              <p:cNvPr id="46" name="Rectangle 45">
+                <a:extLst>
+                  <a:ext uri="{FF2B5EF4-FFF2-40B4-BE49-F238E27FC236}">
+                    <a16:creationId xmlns:a16="http://schemas.microsoft.com/office/drawing/2014/main" id="{E0EE7B83-2866-E2B5-36B1-8934826F3771}"/>
+                  </a:ext>
+                </a:extLst>
+              </p:cNvPr>
+              <p:cNvSpPr/>
+              <p:nvPr/>
+            </p:nvSpPr>
+            <p:spPr>
+              <a:xfrm>
+                <a:off x="5427021" y="1982024"/>
+                <a:ext cx="450370" cy="450370"/>
+              </a:xfrm>
+              <a:prstGeom prst="rect">
+                <a:avLst/>
+              </a:prstGeom>
+              <a:solidFill>
+                <a:schemeClr val="tx2">
+                  <a:lumMod val="10000"/>
+                  <a:lumOff val="90000"/>
+                </a:schemeClr>
+              </a:solidFill>
+              <a:ln w="9525"/>
+            </p:spPr>
+            <p:style>
+              <a:lnRef idx="2">
+                <a:schemeClr val="accent1">
+                  <a:shade val="15000"/>
+                </a:schemeClr>
+              </a:lnRef>
+              <a:fillRef idx="1">
+                <a:schemeClr val="accent1"/>
+              </a:fillRef>
+              <a:effectRef idx="0">
+                <a:schemeClr val="accent1"/>
+              </a:effectRef>
+              <a:fontRef idx="minor">
+                <a:schemeClr val="lt1"/>
+              </a:fontRef>
+            </p:style>
+            <p:txBody>
+              <a:bodyPr rtlCol="0" anchor="ctr"/>
+              <a:lstStyle/>
+              <a:p>
+                <a:pPr algn="ctr"/>
+                <a:r>
+                  <a:rPr lang="en-US" sz="1000" dirty="0">
+                    <a:solidFill>
+                      <a:schemeClr val="tx1"/>
+                    </a:solidFill>
+                    <a:latin typeface="Avenir Book" panose="02000503020000020003" pitchFamily="2" charset="0"/>
+                  </a:rPr>
+                  <a:t>0</a:t>
+                </a:r>
+              </a:p>
+            </p:txBody>
+          </p:sp>
+          <p:sp>
+            <p:nvSpPr>
+              <p:cNvPr id="47" name="Rectangle 46">
+                <a:extLst>
+                  <a:ext uri="{FF2B5EF4-FFF2-40B4-BE49-F238E27FC236}">
+                    <a16:creationId xmlns:a16="http://schemas.microsoft.com/office/drawing/2014/main" id="{363134AA-B85E-FA09-B268-55AE9AD118AB}"/>
+                  </a:ext>
+                </a:extLst>
+              </p:cNvPr>
+              <p:cNvSpPr/>
+              <p:nvPr/>
+            </p:nvSpPr>
+            <p:spPr>
+              <a:xfrm>
+                <a:off x="5913877" y="1982024"/>
+                <a:ext cx="450370" cy="450370"/>
+              </a:xfrm>
+              <a:prstGeom prst="rect">
+                <a:avLst/>
+              </a:prstGeom>
+              <a:solidFill>
+                <a:schemeClr val="tx2">
+                  <a:lumMod val="10000"/>
+                  <a:lumOff val="90000"/>
+                </a:schemeClr>
+              </a:solidFill>
+              <a:ln w="9525"/>
+            </p:spPr>
+            <p:style>
+              <a:lnRef idx="2">
+                <a:schemeClr val="accent1">
+                  <a:shade val="15000"/>
+                </a:schemeClr>
+              </a:lnRef>
+              <a:fillRef idx="1">
+                <a:schemeClr val="accent1"/>
+              </a:fillRef>
+              <a:effectRef idx="0">
+                <a:schemeClr val="accent1"/>
+              </a:effectRef>
+              <a:fontRef idx="minor">
+                <a:schemeClr val="lt1"/>
+              </a:fontRef>
+            </p:style>
+            <p:txBody>
+              <a:bodyPr rtlCol="0" anchor="ctr"/>
+              <a:lstStyle/>
+              <a:p>
+                <a:pPr algn="ctr"/>
+                <a:r>
+                  <a:rPr lang="en-US" sz="1000" dirty="0">
+                    <a:solidFill>
+                      <a:schemeClr val="tx1"/>
+                    </a:solidFill>
+                    <a:latin typeface="Avenir Book" panose="02000503020000020003" pitchFamily="2" charset="0"/>
+                  </a:rPr>
+                  <a:t>1</a:t>
+                </a:r>
+              </a:p>
+            </p:txBody>
+          </p:sp>
+          <p:sp>
+            <p:nvSpPr>
+              <p:cNvPr id="48" name="Rectangle 47">
+                <a:extLst>
+                  <a:ext uri="{FF2B5EF4-FFF2-40B4-BE49-F238E27FC236}">
+                    <a16:creationId xmlns:a16="http://schemas.microsoft.com/office/drawing/2014/main" id="{4A9A3A04-3227-0C94-D2D2-6B0772AF9A6D}"/>
+                  </a:ext>
+                </a:extLst>
+              </p:cNvPr>
+              <p:cNvSpPr/>
+              <p:nvPr/>
+            </p:nvSpPr>
+            <p:spPr>
+              <a:xfrm>
+                <a:off x="6400733" y="1982024"/>
+                <a:ext cx="450370" cy="450370"/>
+              </a:xfrm>
+              <a:prstGeom prst="rect">
+                <a:avLst/>
+              </a:prstGeom>
+              <a:solidFill>
+                <a:schemeClr val="tx2">
+                  <a:lumMod val="10000"/>
+                  <a:lumOff val="90000"/>
+                </a:schemeClr>
+              </a:solidFill>
+              <a:ln w="9525"/>
+            </p:spPr>
+            <p:style>
+              <a:lnRef idx="2">
+                <a:schemeClr val="accent1">
+                  <a:shade val="15000"/>
+                </a:schemeClr>
+              </a:lnRef>
+              <a:fillRef idx="1">
+                <a:schemeClr val="accent1"/>
+              </a:fillRef>
+              <a:effectRef idx="0">
+                <a:schemeClr val="accent1"/>
+              </a:effectRef>
+              <a:fontRef idx="minor">
+                <a:schemeClr val="lt1"/>
+              </a:fontRef>
+            </p:style>
+            <p:txBody>
+              <a:bodyPr rtlCol="0" anchor="ctr"/>
+              <a:lstStyle/>
+              <a:p>
+                <a:pPr algn="ctr"/>
+                <a:r>
+                  <a:rPr lang="en-US" sz="1000" dirty="0">
+                    <a:solidFill>
+                      <a:schemeClr val="tx1"/>
+                    </a:solidFill>
+                    <a:latin typeface="Avenir Book" panose="02000503020000020003" pitchFamily="2" charset="0"/>
+                  </a:rPr>
+                  <a:t>1</a:t>
+                </a:r>
+              </a:p>
+            </p:txBody>
+          </p:sp>
+          <p:sp>
+            <p:nvSpPr>
+              <p:cNvPr id="49" name="Rectangle 48">
+                <a:extLst>
+                  <a:ext uri="{FF2B5EF4-FFF2-40B4-BE49-F238E27FC236}">
+                    <a16:creationId xmlns:a16="http://schemas.microsoft.com/office/drawing/2014/main" id="{5B163C2D-9923-4D7E-EC16-2C891A7BB5DF}"/>
+                  </a:ext>
+                </a:extLst>
+              </p:cNvPr>
+              <p:cNvSpPr/>
+              <p:nvPr/>
+            </p:nvSpPr>
+            <p:spPr>
+              <a:xfrm>
+                <a:off x="6887589" y="1982024"/>
+                <a:ext cx="450370" cy="450370"/>
+              </a:xfrm>
+              <a:prstGeom prst="rect">
+                <a:avLst/>
+              </a:prstGeom>
+              <a:solidFill>
+                <a:schemeClr val="tx2">
+                  <a:lumMod val="10000"/>
+                  <a:lumOff val="90000"/>
+                </a:schemeClr>
+              </a:solidFill>
+              <a:ln w="9525"/>
+            </p:spPr>
+            <p:style>
+              <a:lnRef idx="2">
+                <a:schemeClr val="accent1">
+                  <a:shade val="15000"/>
+                </a:schemeClr>
+              </a:lnRef>
+              <a:fillRef idx="1">
+                <a:schemeClr val="accent1"/>
+              </a:fillRef>
+              <a:effectRef idx="0">
+                <a:schemeClr val="accent1"/>
+              </a:effectRef>
+              <a:fontRef idx="minor">
+                <a:schemeClr val="lt1"/>
+              </a:fontRef>
+            </p:style>
+            <p:txBody>
+              <a:bodyPr rtlCol="0" anchor="ctr"/>
+              <a:lstStyle/>
+              <a:p>
+                <a:pPr algn="ctr"/>
+                <a:r>
+                  <a:rPr lang="en-US" sz="1000" dirty="0">
+                    <a:solidFill>
+                      <a:schemeClr val="tx1"/>
+                    </a:solidFill>
+                    <a:latin typeface="Avenir Book" panose="02000503020000020003" pitchFamily="2" charset="0"/>
+                  </a:rPr>
+                  <a:t>1</a:t>
+                </a:r>
+              </a:p>
+            </p:txBody>
+          </p:sp>
+          <p:sp>
+            <p:nvSpPr>
+              <p:cNvPr id="50" name="Rectangle 49">
+                <a:extLst>
+                  <a:ext uri="{FF2B5EF4-FFF2-40B4-BE49-F238E27FC236}">
+                    <a16:creationId xmlns:a16="http://schemas.microsoft.com/office/drawing/2014/main" id="{44DA39C2-6694-7B92-B6FE-D2397FBE8B69}"/>
+                  </a:ext>
+                </a:extLst>
+              </p:cNvPr>
+              <p:cNvSpPr/>
+              <p:nvPr/>
+            </p:nvSpPr>
+            <p:spPr>
+              <a:xfrm>
+                <a:off x="7374445" y="1982024"/>
+                <a:ext cx="450370" cy="450370"/>
+              </a:xfrm>
+              <a:prstGeom prst="rect">
+                <a:avLst/>
+              </a:prstGeom>
+              <a:solidFill>
+                <a:schemeClr val="tx2">
+                  <a:lumMod val="10000"/>
+                  <a:lumOff val="90000"/>
+                </a:schemeClr>
+              </a:solidFill>
+              <a:ln w="9525"/>
+            </p:spPr>
+            <p:style>
+              <a:lnRef idx="2">
+                <a:schemeClr val="accent1">
+                  <a:shade val="15000"/>
+                </a:schemeClr>
+              </a:lnRef>
+              <a:fillRef idx="1">
+                <a:schemeClr val="accent1"/>
+              </a:fillRef>
+              <a:effectRef idx="0">
+                <a:schemeClr val="accent1"/>
+              </a:effectRef>
+              <a:fontRef idx="minor">
+                <a:schemeClr val="lt1"/>
+              </a:fontRef>
+            </p:style>
+            <p:txBody>
+              <a:bodyPr rtlCol="0" anchor="ctr"/>
+              <a:lstStyle/>
+              <a:p>
+                <a:pPr algn="ctr"/>
+                <a:r>
+                  <a:rPr lang="en-US" sz="1000" dirty="0">
+                    <a:solidFill>
+                      <a:schemeClr val="tx1"/>
+                    </a:solidFill>
+                    <a:latin typeface="Avenir Book" panose="02000503020000020003" pitchFamily="2" charset="0"/>
+                  </a:rPr>
+                  <a:t>1</a:t>
+                </a:r>
+              </a:p>
+            </p:txBody>
+          </p:sp>
+          <p:sp>
+            <p:nvSpPr>
+              <p:cNvPr id="51" name="Rectangle 50">
+                <a:extLst>
+                  <a:ext uri="{FF2B5EF4-FFF2-40B4-BE49-F238E27FC236}">
+                    <a16:creationId xmlns:a16="http://schemas.microsoft.com/office/drawing/2014/main" id="{D06FFEAD-F0A0-62F5-87F8-337E00D222C3}"/>
+                  </a:ext>
+                </a:extLst>
+              </p:cNvPr>
+              <p:cNvSpPr/>
+              <p:nvPr/>
+            </p:nvSpPr>
+            <p:spPr>
+              <a:xfrm>
+                <a:off x="7861301" y="1982024"/>
+                <a:ext cx="450370" cy="450370"/>
+              </a:xfrm>
+              <a:prstGeom prst="rect">
+                <a:avLst/>
+              </a:prstGeom>
+              <a:solidFill>
+                <a:schemeClr val="tx2">
+                  <a:lumMod val="10000"/>
+                  <a:lumOff val="90000"/>
+                </a:schemeClr>
+              </a:solidFill>
+              <a:ln w="9525"/>
+            </p:spPr>
+            <p:style>
+              <a:lnRef idx="2">
+                <a:schemeClr val="accent1">
+                  <a:shade val="15000"/>
+                </a:schemeClr>
+              </a:lnRef>
+              <a:fillRef idx="1">
+                <a:schemeClr val="accent1"/>
+              </a:fillRef>
+              <a:effectRef idx="0">
+                <a:schemeClr val="accent1"/>
+              </a:effectRef>
+              <a:fontRef idx="minor">
+                <a:schemeClr val="lt1"/>
+              </a:fontRef>
+            </p:style>
+            <p:txBody>
+              <a:bodyPr rtlCol="0" anchor="ctr"/>
+              <a:lstStyle/>
+              <a:p>
+                <a:pPr algn="ctr"/>
+                <a:r>
+                  <a:rPr lang="en-US" sz="1000" dirty="0">
+                    <a:solidFill>
+                      <a:schemeClr val="tx1"/>
+                    </a:solidFill>
+                    <a:latin typeface="Avenir Book" panose="02000503020000020003" pitchFamily="2" charset="0"/>
+                  </a:rPr>
+                  <a:t>0</a:t>
+                </a:r>
+              </a:p>
+            </p:txBody>
+          </p:sp>
+          <p:sp>
+            <p:nvSpPr>
+              <p:cNvPr id="52" name="Rectangle 51">
+                <a:extLst>
+                  <a:ext uri="{FF2B5EF4-FFF2-40B4-BE49-F238E27FC236}">
+                    <a16:creationId xmlns:a16="http://schemas.microsoft.com/office/drawing/2014/main" id="{1FDFBBE6-196E-F383-5EAC-099F030D032B}"/>
+                  </a:ext>
+                </a:extLst>
+              </p:cNvPr>
+              <p:cNvSpPr/>
+              <p:nvPr/>
+            </p:nvSpPr>
+            <p:spPr>
+              <a:xfrm>
+                <a:off x="8348156" y="1982024"/>
+                <a:ext cx="450370" cy="450370"/>
+              </a:xfrm>
+              <a:prstGeom prst="rect">
+                <a:avLst/>
+              </a:prstGeom>
+              <a:solidFill>
+                <a:schemeClr val="tx2">
+                  <a:lumMod val="10000"/>
+                  <a:lumOff val="90000"/>
+                </a:schemeClr>
+              </a:solidFill>
+              <a:ln w="9525"/>
+            </p:spPr>
+            <p:style>
+              <a:lnRef idx="2">
+                <a:schemeClr val="accent1">
+                  <a:shade val="15000"/>
+                </a:schemeClr>
+              </a:lnRef>
+              <a:fillRef idx="1">
+                <a:schemeClr val="accent1"/>
+              </a:fillRef>
+              <a:effectRef idx="0">
+                <a:schemeClr val="accent1"/>
+              </a:effectRef>
+              <a:fontRef idx="minor">
+                <a:schemeClr val="lt1"/>
+              </a:fontRef>
+            </p:style>
+            <p:txBody>
+              <a:bodyPr rtlCol="0" anchor="ctr"/>
+              <a:lstStyle/>
+              <a:p>
+                <a:pPr algn="ctr"/>
+                <a:r>
+                  <a:rPr lang="en-US" sz="1000" dirty="0">
+                    <a:solidFill>
+                      <a:schemeClr val="tx1"/>
+                    </a:solidFill>
+                    <a:latin typeface="Avenir Book" panose="02000503020000020003" pitchFamily="2" charset="0"/>
+                  </a:rPr>
+                  <a:t>0</a:t>
+                </a:r>
+              </a:p>
+            </p:txBody>
+          </p:sp>
+        </p:grpSp>
+        <p:sp>
+          <p:nvSpPr>
+            <p:cNvPr id="53" name="Rectangle 52">
+              <a:extLst>
+                <a:ext uri="{FF2B5EF4-FFF2-40B4-BE49-F238E27FC236}">
+                  <a16:creationId xmlns:a16="http://schemas.microsoft.com/office/drawing/2014/main" id="{B485E366-65B8-C3F8-68C9-1265B44194EA}"/>
+                </a:ext>
+              </a:extLst>
+            </p:cNvPr>
+            <p:cNvSpPr/>
+            <p:nvPr/>
+          </p:nvSpPr>
+          <p:spPr>
+            <a:xfrm>
+              <a:off x="1817512" y="2710155"/>
+              <a:ext cx="1003277" cy="450370"/>
+            </a:xfrm>
+            <a:prstGeom prst="rect">
+              <a:avLst/>
+            </a:prstGeom>
+            <a:noFill/>
+            <a:ln w="9525">
+              <a:noFill/>
+            </a:ln>
+          </p:spPr>
+          <p:style>
+            <a:lnRef idx="2">
+              <a:schemeClr val="accent1">
+                <a:shade val="15000"/>
+              </a:schemeClr>
+            </a:lnRef>
+            <a:fillRef idx="1">
+              <a:schemeClr val="accent1"/>
+            </a:fillRef>
+            <a:effectRef idx="0">
+              <a:schemeClr val="accent1"/>
+            </a:effectRef>
+            <a:fontRef idx="minor">
+              <a:schemeClr val="lt1"/>
+            </a:fontRef>
+          </p:style>
+          <p:txBody>
+            <a:bodyPr rtlCol="0" anchor="ctr"/>
+            <a:lstStyle/>
+            <a:p>
+              <a:pPr algn="r"/>
+              <a:r>
+                <a:rPr lang="en-US" sz="1000" dirty="0">
+                  <a:solidFill>
+                    <a:schemeClr val="tx1"/>
+                  </a:solidFill>
+                  <a:latin typeface="Avenir Book" panose="02000503020000020003" pitchFamily="2" charset="0"/>
+                </a:rPr>
+                <a:t>data</a:t>
+              </a:r>
+            </a:p>
+          </p:txBody>
+        </p:sp>
+        <p:sp>
+          <p:nvSpPr>
+            <p:cNvPr id="54" name="Rectangle 53">
+              <a:extLst>
+                <a:ext uri="{FF2B5EF4-FFF2-40B4-BE49-F238E27FC236}">
+                  <a16:creationId xmlns:a16="http://schemas.microsoft.com/office/drawing/2014/main" id="{A3E4EA7D-2DD2-FD0E-296A-27D946465E01}"/>
+                </a:ext>
+              </a:extLst>
+            </p:cNvPr>
+            <p:cNvSpPr/>
+            <p:nvPr/>
+          </p:nvSpPr>
+          <p:spPr>
+            <a:xfrm>
+              <a:off x="1817512" y="3257667"/>
+              <a:ext cx="1003277" cy="450370"/>
+            </a:xfrm>
+            <a:prstGeom prst="rect">
+              <a:avLst/>
+            </a:prstGeom>
+            <a:noFill/>
+            <a:ln w="9525">
+              <a:noFill/>
+            </a:ln>
+          </p:spPr>
+          <p:style>
+            <a:lnRef idx="2">
+              <a:schemeClr val="accent1">
+                <a:shade val="15000"/>
+              </a:schemeClr>
+            </a:lnRef>
+            <a:fillRef idx="1">
+              <a:schemeClr val="accent1"/>
+            </a:fillRef>
+            <a:effectRef idx="0">
+              <a:schemeClr val="accent1"/>
+            </a:effectRef>
+            <a:fontRef idx="minor">
+              <a:schemeClr val="lt1"/>
+            </a:fontRef>
+          </p:style>
+          <p:txBody>
+            <a:bodyPr rtlCol="0" anchor="ctr"/>
+            <a:lstStyle/>
+            <a:p>
+              <a:pPr algn="r"/>
+              <a:r>
+                <a:rPr lang="en-US" sz="1000" dirty="0">
+                  <a:solidFill>
+                    <a:schemeClr val="tx1"/>
+                  </a:solidFill>
+                  <a:latin typeface="Avenir Book" panose="02000503020000020003" pitchFamily="2" charset="0"/>
+                </a:rPr>
+                <a:t>allocated</a:t>
+              </a:r>
+            </a:p>
+          </p:txBody>
+        </p:sp>
+        <p:sp>
+          <p:nvSpPr>
+            <p:cNvPr id="55" name="Rectangle 54">
+              <a:extLst>
+                <a:ext uri="{FF2B5EF4-FFF2-40B4-BE49-F238E27FC236}">
+                  <a16:creationId xmlns:a16="http://schemas.microsoft.com/office/drawing/2014/main" id="{9A86F972-C4F3-609B-CE42-CE8C51C81C7D}"/>
+                </a:ext>
+              </a:extLst>
+            </p:cNvPr>
+            <p:cNvSpPr/>
+            <p:nvPr/>
+          </p:nvSpPr>
+          <p:spPr>
+            <a:xfrm>
+              <a:off x="1817511" y="3805179"/>
+              <a:ext cx="1003277" cy="450370"/>
+            </a:xfrm>
+            <a:prstGeom prst="rect">
+              <a:avLst/>
+            </a:prstGeom>
+            <a:noFill/>
+            <a:ln w="9525">
+              <a:noFill/>
+            </a:ln>
+          </p:spPr>
+          <p:style>
+            <a:lnRef idx="2">
+              <a:schemeClr val="accent1">
+                <a:shade val="15000"/>
+              </a:schemeClr>
+            </a:lnRef>
+            <a:fillRef idx="1">
+              <a:schemeClr val="accent1"/>
+            </a:fillRef>
+            <a:effectRef idx="0">
+              <a:schemeClr val="accent1"/>
+            </a:effectRef>
+            <a:fontRef idx="minor">
+              <a:schemeClr val="lt1"/>
+            </a:fontRef>
+          </p:style>
+          <p:txBody>
+            <a:bodyPr rtlCol="0" anchor="ctr"/>
+            <a:lstStyle/>
+            <a:p>
+              <a:pPr algn="r"/>
+              <a:r>
+                <a:rPr lang="en-US" sz="1000" dirty="0">
+                  <a:solidFill>
+                    <a:schemeClr val="tx1"/>
+                  </a:solidFill>
+                  <a:latin typeface="Avenir Book" panose="02000503020000020003" pitchFamily="2" charset="0"/>
+                </a:rPr>
+                <a:t>consumed</a:t>
+              </a:r>
+            </a:p>
+          </p:txBody>
+        </p:sp>
+        <p:sp>
+          <p:nvSpPr>
+            <p:cNvPr id="56" name="Rectangle 55">
+              <a:extLst>
+                <a:ext uri="{FF2B5EF4-FFF2-40B4-BE49-F238E27FC236}">
+                  <a16:creationId xmlns:a16="http://schemas.microsoft.com/office/drawing/2014/main" id="{5B6FF679-2202-DDEA-8891-30C3D9ED03A8}"/>
+                </a:ext>
+              </a:extLst>
+            </p:cNvPr>
+            <p:cNvSpPr/>
+            <p:nvPr/>
+          </p:nvSpPr>
+          <p:spPr>
+            <a:xfrm>
+              <a:off x="1817511" y="2162643"/>
+              <a:ext cx="1003277" cy="450370"/>
+            </a:xfrm>
+            <a:prstGeom prst="rect">
+              <a:avLst/>
+            </a:prstGeom>
+            <a:noFill/>
+            <a:ln w="9525">
+              <a:noFill/>
+            </a:ln>
+          </p:spPr>
+          <p:style>
+            <a:lnRef idx="2">
+              <a:schemeClr val="accent1">
+                <a:shade val="15000"/>
+              </a:schemeClr>
+            </a:lnRef>
+            <a:fillRef idx="1">
+              <a:schemeClr val="accent1"/>
+            </a:fillRef>
+            <a:effectRef idx="0">
+              <a:schemeClr val="accent1"/>
+            </a:effectRef>
+            <a:fontRef idx="minor">
+              <a:schemeClr val="lt1"/>
+            </a:fontRef>
+          </p:style>
+          <p:txBody>
+            <a:bodyPr rtlCol="0" anchor="ctr"/>
+            <a:lstStyle/>
+            <a:p>
+              <a:pPr algn="r"/>
+              <a:r>
+                <a:rPr lang="en-US" sz="1000" dirty="0">
+                  <a:solidFill>
+                    <a:schemeClr val="tx1"/>
+                  </a:solidFill>
+                  <a:latin typeface="Avenir Book" panose="02000503020000020003" pitchFamily="2" charset="0"/>
+                </a:rPr>
+                <a:t>owned</a:t>
+              </a:r>
+            </a:p>
+          </p:txBody>
+        </p:sp>
+        <p:sp>
+          <p:nvSpPr>
+            <p:cNvPr id="57" name="Rectangle 56">
+              <a:extLst>
+                <a:ext uri="{FF2B5EF4-FFF2-40B4-BE49-F238E27FC236}">
+                  <a16:creationId xmlns:a16="http://schemas.microsoft.com/office/drawing/2014/main" id="{977C9252-3718-6E71-A4E9-C97F81AC05E1}"/>
+                </a:ext>
+              </a:extLst>
+            </p:cNvPr>
+            <p:cNvSpPr/>
+            <p:nvPr/>
+          </p:nvSpPr>
+          <p:spPr>
+            <a:xfrm>
+              <a:off x="1817509" y="1615131"/>
+              <a:ext cx="1003277" cy="450370"/>
+            </a:xfrm>
+            <a:prstGeom prst="rect">
+              <a:avLst/>
+            </a:prstGeom>
+            <a:noFill/>
+            <a:ln w="9525">
+              <a:noFill/>
+            </a:ln>
+          </p:spPr>
+          <p:style>
+            <a:lnRef idx="2">
+              <a:schemeClr val="accent1">
+                <a:shade val="15000"/>
+              </a:schemeClr>
+            </a:lnRef>
+            <a:fillRef idx="1">
+              <a:schemeClr val="accent1"/>
+            </a:fillRef>
+            <a:effectRef idx="0">
+              <a:schemeClr val="accent1"/>
+            </a:effectRef>
+            <a:fontRef idx="minor">
+              <a:schemeClr val="lt1"/>
+            </a:fontRef>
+          </p:style>
+          <p:txBody>
+            <a:bodyPr rtlCol="0" anchor="ctr"/>
+            <a:lstStyle/>
+            <a:p>
+              <a:pPr algn="r"/>
+              <a:r>
+                <a:rPr lang="en-US" sz="1000" dirty="0">
+                  <a:solidFill>
+                    <a:schemeClr val="tx1"/>
+                  </a:solidFill>
+                  <a:latin typeface="Avenir Book" panose="02000503020000020003" pitchFamily="2" charset="0"/>
+                </a:rPr>
+                <a:t>size</a:t>
+              </a:r>
+            </a:p>
+          </p:txBody>
+        </p:sp>
+        <p:sp>
+          <p:nvSpPr>
+            <p:cNvPr id="59" name="Rectangle 58">
+              <a:extLst>
+                <a:ext uri="{FF2B5EF4-FFF2-40B4-BE49-F238E27FC236}">
+                  <a16:creationId xmlns:a16="http://schemas.microsoft.com/office/drawing/2014/main" id="{5C6ACB0E-7FF0-CCA9-3F87-3E7147C38990}"/>
+                </a:ext>
+              </a:extLst>
+            </p:cNvPr>
+            <p:cNvSpPr/>
+            <p:nvPr/>
+          </p:nvSpPr>
+          <p:spPr>
+            <a:xfrm>
+              <a:off x="2874334" y="2162643"/>
+              <a:ext cx="5788730" cy="450370"/>
+            </a:xfrm>
+            <a:prstGeom prst="rect">
+              <a:avLst/>
+            </a:prstGeom>
+            <a:solidFill>
+              <a:schemeClr val="tx2">
+                <a:lumMod val="10000"/>
+                <a:lumOff val="90000"/>
+              </a:schemeClr>
+            </a:solidFill>
+            <a:ln w="9525"/>
+          </p:spPr>
+          <p:style>
+            <a:lnRef idx="2">
+              <a:schemeClr val="accent1">
+                <a:shade val="15000"/>
+              </a:schemeClr>
+            </a:lnRef>
+            <a:fillRef idx="1">
+              <a:schemeClr val="accent1"/>
+            </a:fillRef>
+            <a:effectRef idx="0">
+              <a:schemeClr val="accent1"/>
+            </a:effectRef>
+            <a:fontRef idx="minor">
+              <a:schemeClr val="lt1"/>
+            </a:fontRef>
+          </p:style>
+          <p:txBody>
+            <a:bodyPr rtlCol="0" anchor="ctr"/>
+            <a:lstStyle/>
+            <a:p>
+              <a:r>
+                <a:rPr lang="en-US" sz="1000" dirty="0">
+                  <a:solidFill>
+                    <a:schemeClr val="tx1"/>
+                  </a:solidFill>
+                  <a:latin typeface="Avenir Book" panose="02000503020000020003" pitchFamily="2" charset="0"/>
+                </a:rPr>
+                <a:t>True</a:t>
+              </a:r>
+            </a:p>
+          </p:txBody>
+        </p:sp>
+        <p:sp>
+          <p:nvSpPr>
+            <p:cNvPr id="60" name="Rectangle 59">
+              <a:extLst>
+                <a:ext uri="{FF2B5EF4-FFF2-40B4-BE49-F238E27FC236}">
+                  <a16:creationId xmlns:a16="http://schemas.microsoft.com/office/drawing/2014/main" id="{4DBA8E60-3C19-6EAA-7D45-D43F124301B9}"/>
+                </a:ext>
+              </a:extLst>
+            </p:cNvPr>
+            <p:cNvSpPr/>
+            <p:nvPr/>
+          </p:nvSpPr>
+          <p:spPr>
+            <a:xfrm>
+              <a:off x="2874333" y="1615131"/>
+              <a:ext cx="5788730" cy="450370"/>
+            </a:xfrm>
+            <a:prstGeom prst="rect">
+              <a:avLst/>
+            </a:prstGeom>
+            <a:solidFill>
+              <a:schemeClr val="tx2">
+                <a:lumMod val="10000"/>
+                <a:lumOff val="90000"/>
+              </a:schemeClr>
+            </a:solidFill>
+            <a:ln w="9525"/>
+          </p:spPr>
+          <p:style>
+            <a:lnRef idx="2">
+              <a:schemeClr val="accent1">
+                <a:shade val="15000"/>
+              </a:schemeClr>
+            </a:lnRef>
+            <a:fillRef idx="1">
+              <a:schemeClr val="accent1"/>
+            </a:fillRef>
+            <a:effectRef idx="0">
+              <a:schemeClr val="accent1"/>
+            </a:effectRef>
+            <a:fontRef idx="minor">
+              <a:schemeClr val="lt1"/>
+            </a:fontRef>
+          </p:style>
+          <p:txBody>
+            <a:bodyPr rtlCol="0" anchor="ctr"/>
+            <a:lstStyle/>
+            <a:p>
+              <a:r>
+                <a:rPr lang="en-US" sz="1000" dirty="0">
+                  <a:solidFill>
+                    <a:schemeClr val="tx1"/>
+                  </a:solidFill>
+                  <a:latin typeface="Avenir Book" panose="02000503020000020003" pitchFamily="2" charset="0"/>
+                </a:rPr>
+                <a:t>12</a:t>
+              </a:r>
+            </a:p>
+          </p:txBody>
+        </p:sp>
+        <p:sp>
+          <p:nvSpPr>
+            <p:cNvPr id="61" name="Rectangle 60">
+              <a:extLst>
+                <a:ext uri="{FF2B5EF4-FFF2-40B4-BE49-F238E27FC236}">
+                  <a16:creationId xmlns:a16="http://schemas.microsoft.com/office/drawing/2014/main" id="{3823AD02-E0E0-4F35-9FC3-E64930F37BE5}"/>
+                </a:ext>
+              </a:extLst>
+            </p:cNvPr>
+            <p:cNvSpPr/>
+            <p:nvPr/>
+          </p:nvSpPr>
+          <p:spPr>
+            <a:xfrm>
+              <a:off x="1608170" y="4310664"/>
+              <a:ext cx="903111" cy="450370"/>
+            </a:xfrm>
+            <a:prstGeom prst="rect">
+              <a:avLst/>
+            </a:prstGeom>
+            <a:noFill/>
+            <a:ln w="9525">
+              <a:noFill/>
+            </a:ln>
+          </p:spPr>
+          <p:style>
+            <a:lnRef idx="2">
+              <a:schemeClr val="accent1">
+                <a:shade val="15000"/>
+              </a:schemeClr>
+            </a:lnRef>
+            <a:fillRef idx="1">
+              <a:schemeClr val="accent1"/>
+            </a:fillRef>
+            <a:effectRef idx="0">
+              <a:schemeClr val="accent1"/>
+            </a:effectRef>
+            <a:fontRef idx="minor">
+              <a:schemeClr val="lt1"/>
+            </a:fontRef>
+          </p:style>
+          <p:txBody>
+            <a:bodyPr rtlCol="0" anchor="ctr"/>
+            <a:lstStyle/>
+            <a:p>
+              <a:r>
+                <a:rPr lang="en-US" sz="1000" b="1" dirty="0">
+                  <a:solidFill>
+                    <a:schemeClr val="tx1"/>
+                  </a:solidFill>
+                  <a:latin typeface="Avenir Book" panose="02000503020000020003" pitchFamily="2" charset="0"/>
+                </a:rPr>
+                <a:t>Block</a:t>
+              </a:r>
+            </a:p>
+          </p:txBody>
+        </p:sp>
+      </p:grpSp>
+      <p:grpSp>
+        <p:nvGrpSpPr>
+          <p:cNvPr id="63" name="Group 62">
+            <a:extLst>
+              <a:ext uri="{FF2B5EF4-FFF2-40B4-BE49-F238E27FC236}">
+                <a16:creationId xmlns:a16="http://schemas.microsoft.com/office/drawing/2014/main" id="{033D433C-D3C3-5801-EE2A-74C177E83006}"/>
+              </a:ext>
+            </a:extLst>
+          </p:cNvPr>
+          <p:cNvGrpSpPr/>
+          <p:nvPr/>
+        </p:nvGrpSpPr>
+        <p:grpSpPr>
+          <a:xfrm>
+            <a:off x="2241078" y="3929764"/>
+            <a:ext cx="3548764" cy="2744987"/>
+            <a:chOff x="1608170" y="1479792"/>
+            <a:chExt cx="4242042" cy="3281242"/>
+          </a:xfrm>
+        </p:grpSpPr>
+        <p:sp>
+          <p:nvSpPr>
+            <p:cNvPr id="64" name="Rectangle 63">
+              <a:extLst>
+                <a:ext uri="{FF2B5EF4-FFF2-40B4-BE49-F238E27FC236}">
+                  <a16:creationId xmlns:a16="http://schemas.microsoft.com/office/drawing/2014/main" id="{BEFDE861-A4D3-FF10-67C5-DD2AD289772B}"/>
+                </a:ext>
+              </a:extLst>
+            </p:cNvPr>
+            <p:cNvSpPr/>
+            <p:nvPr/>
+          </p:nvSpPr>
+          <p:spPr>
+            <a:xfrm>
+              <a:off x="1710266" y="1479792"/>
+              <a:ext cx="4139946" cy="2900296"/>
+            </a:xfrm>
+            <a:prstGeom prst="rect">
+              <a:avLst/>
+            </a:prstGeom>
+            <a:noFill/>
+            <a:ln w="12700">
+              <a:solidFill>
+                <a:schemeClr val="tx1"/>
+              </a:solidFill>
+            </a:ln>
+          </p:spPr>
+          <p:style>
+            <a:lnRef idx="2">
+              <a:schemeClr val="accent1">
+                <a:shade val="15000"/>
+              </a:schemeClr>
+            </a:lnRef>
+            <a:fillRef idx="1">
+              <a:schemeClr val="accent1"/>
+            </a:fillRef>
+            <a:effectRef idx="0">
+              <a:schemeClr val="accent1"/>
+            </a:effectRef>
+            <a:fontRef idx="minor">
+              <a:schemeClr val="lt1"/>
+            </a:fontRef>
+          </p:style>
+          <p:txBody>
+            <a:bodyPr rtlCol="0" anchor="ctr"/>
+            <a:lstStyle/>
+            <a:p>
+              <a:pPr algn="ctr"/>
+              <a:endParaRPr lang="en-US" sz="1000" dirty="0">
+                <a:solidFill>
+                  <a:schemeClr val="tx1"/>
+                </a:solidFill>
+                <a:latin typeface="Avenir Book" panose="02000503020000020003" pitchFamily="2" charset="0"/>
+              </a:endParaRPr>
+            </a:p>
+          </p:txBody>
+        </p:sp>
+        <p:sp>
+          <p:nvSpPr>
+            <p:cNvPr id="100" name="Rectangle 99">
+              <a:extLst>
+                <a:ext uri="{FF2B5EF4-FFF2-40B4-BE49-F238E27FC236}">
+                  <a16:creationId xmlns:a16="http://schemas.microsoft.com/office/drawing/2014/main" id="{83BE5DB4-2CD9-6968-6608-34005FF87CEA}"/>
+                </a:ext>
+              </a:extLst>
+            </p:cNvPr>
+            <p:cNvSpPr/>
+            <p:nvPr/>
+          </p:nvSpPr>
+          <p:spPr>
+            <a:xfrm>
+              <a:off x="2857273" y="2710156"/>
+              <a:ext cx="2857516" cy="450370"/>
+            </a:xfrm>
+            <a:prstGeom prst="rect">
+              <a:avLst/>
+            </a:prstGeom>
+            <a:solidFill>
+              <a:schemeClr val="tx2">
+                <a:lumMod val="10000"/>
+                <a:lumOff val="90000"/>
+              </a:schemeClr>
+            </a:solidFill>
+            <a:ln w="9525"/>
+          </p:spPr>
+          <p:style>
+            <a:lnRef idx="2">
+              <a:schemeClr val="accent1">
+                <a:shade val="15000"/>
+              </a:schemeClr>
+            </a:lnRef>
+            <a:fillRef idx="1">
+              <a:schemeClr val="accent1"/>
+            </a:fillRef>
+            <a:effectRef idx="0">
+              <a:schemeClr val="accent1"/>
+            </a:effectRef>
+            <a:fontRef idx="minor">
+              <a:schemeClr val="lt1"/>
+            </a:fontRef>
+          </p:style>
+          <p:txBody>
+            <a:bodyPr rtlCol="0" anchor="ctr"/>
+            <a:lstStyle/>
+            <a:p>
+              <a:r>
+                <a:rPr lang="en-US" sz="1000" dirty="0">
+                  <a:solidFill>
+                    <a:schemeClr val="tx1"/>
+                  </a:solidFill>
+                  <a:latin typeface="Avenir Book" panose="02000503020000020003" pitchFamily="2" charset="0"/>
+                </a:rPr>
+                <a:t>3</a:t>
+              </a:r>
+            </a:p>
+          </p:txBody>
+        </p:sp>
+        <p:grpSp>
+          <p:nvGrpSpPr>
+            <p:cNvPr id="66" name="Group 65">
+              <a:extLst>
+                <a:ext uri="{FF2B5EF4-FFF2-40B4-BE49-F238E27FC236}">
+                  <a16:creationId xmlns:a16="http://schemas.microsoft.com/office/drawing/2014/main" id="{4755B167-FBD1-A46F-3A24-E889A78B358B}"/>
+                </a:ext>
+              </a:extLst>
+            </p:cNvPr>
+            <p:cNvGrpSpPr/>
+            <p:nvPr/>
+          </p:nvGrpSpPr>
+          <p:grpSpPr>
+            <a:xfrm>
+              <a:off x="2857275" y="3257668"/>
+              <a:ext cx="1424082" cy="450370"/>
+              <a:chOff x="2992741" y="1982024"/>
+              <a:chExt cx="1424082" cy="450370"/>
+            </a:xfrm>
+          </p:grpSpPr>
+          <p:sp>
+            <p:nvSpPr>
+              <p:cNvPr id="88" name="Rectangle 87">
+                <a:extLst>
+                  <a:ext uri="{FF2B5EF4-FFF2-40B4-BE49-F238E27FC236}">
+                    <a16:creationId xmlns:a16="http://schemas.microsoft.com/office/drawing/2014/main" id="{21CDD3B1-A121-E19F-4394-C3EBDFDE1BBB}"/>
+                  </a:ext>
+                </a:extLst>
+              </p:cNvPr>
+              <p:cNvSpPr/>
+              <p:nvPr/>
+            </p:nvSpPr>
+            <p:spPr>
+              <a:xfrm>
+                <a:off x="2992741" y="1982024"/>
+                <a:ext cx="450370" cy="450370"/>
+              </a:xfrm>
+              <a:prstGeom prst="rect">
+                <a:avLst/>
+              </a:prstGeom>
+              <a:solidFill>
+                <a:schemeClr val="tx2">
+                  <a:lumMod val="10000"/>
+                  <a:lumOff val="90000"/>
+                </a:schemeClr>
+              </a:solidFill>
+              <a:ln w="9525"/>
+            </p:spPr>
+            <p:style>
+              <a:lnRef idx="2">
+                <a:schemeClr val="accent1">
+                  <a:shade val="15000"/>
+                </a:schemeClr>
+              </a:lnRef>
+              <a:fillRef idx="1">
+                <a:schemeClr val="accent1"/>
+              </a:fillRef>
+              <a:effectRef idx="0">
+                <a:schemeClr val="accent1"/>
+              </a:effectRef>
+              <a:fontRef idx="minor">
+                <a:schemeClr val="lt1"/>
+              </a:fontRef>
+            </p:style>
+            <p:txBody>
+              <a:bodyPr rtlCol="0" anchor="ctr"/>
+              <a:lstStyle/>
+              <a:p>
+                <a:pPr algn="ctr"/>
+                <a:r>
+                  <a:rPr lang="en-US" sz="1000" dirty="0">
+                    <a:solidFill>
+                      <a:schemeClr val="tx1"/>
+                    </a:solidFill>
+                    <a:latin typeface="Avenir Book" panose="02000503020000020003" pitchFamily="2" charset="0"/>
+                  </a:rPr>
+                  <a:t>11</a:t>
+                </a:r>
+              </a:p>
+            </p:txBody>
+          </p:sp>
+          <p:sp>
+            <p:nvSpPr>
+              <p:cNvPr id="89" name="Rectangle 88">
+                <a:extLst>
+                  <a:ext uri="{FF2B5EF4-FFF2-40B4-BE49-F238E27FC236}">
+                    <a16:creationId xmlns:a16="http://schemas.microsoft.com/office/drawing/2014/main" id="{554FB325-DFCB-9701-D67D-97A7A3EC1AA2}"/>
+                  </a:ext>
+                </a:extLst>
+              </p:cNvPr>
+              <p:cNvSpPr/>
+              <p:nvPr/>
+            </p:nvSpPr>
+            <p:spPr>
+              <a:xfrm>
+                <a:off x="3479597" y="1982024"/>
+                <a:ext cx="450370" cy="450370"/>
+              </a:xfrm>
+              <a:prstGeom prst="rect">
+                <a:avLst/>
+              </a:prstGeom>
+              <a:solidFill>
+                <a:schemeClr val="tx2">
+                  <a:lumMod val="10000"/>
+                  <a:lumOff val="90000"/>
+                </a:schemeClr>
+              </a:solidFill>
+              <a:ln w="9525"/>
+            </p:spPr>
+            <p:style>
+              <a:lnRef idx="2">
+                <a:schemeClr val="accent1">
+                  <a:shade val="15000"/>
+                </a:schemeClr>
+              </a:lnRef>
+              <a:fillRef idx="1">
+                <a:schemeClr val="accent1"/>
+              </a:fillRef>
+              <a:effectRef idx="0">
+                <a:schemeClr val="accent1"/>
+              </a:effectRef>
+              <a:fontRef idx="minor">
+                <a:schemeClr val="lt1"/>
+              </a:fontRef>
+            </p:style>
+            <p:txBody>
+              <a:bodyPr rtlCol="0" anchor="ctr"/>
+              <a:lstStyle/>
+              <a:p>
+                <a:pPr algn="ctr"/>
+                <a:r>
+                  <a:rPr lang="en-US" sz="1000" dirty="0">
+                    <a:solidFill>
+                      <a:schemeClr val="tx1"/>
+                    </a:solidFill>
+                    <a:latin typeface="Avenir Book" panose="02000503020000020003" pitchFamily="2" charset="0"/>
+                  </a:rPr>
+                  <a:t>22</a:t>
+                </a:r>
+              </a:p>
+            </p:txBody>
+          </p:sp>
+          <p:sp>
+            <p:nvSpPr>
+              <p:cNvPr id="90" name="Rectangle 89">
+                <a:extLst>
+                  <a:ext uri="{FF2B5EF4-FFF2-40B4-BE49-F238E27FC236}">
+                    <a16:creationId xmlns:a16="http://schemas.microsoft.com/office/drawing/2014/main" id="{B4F35A38-1D3E-7ABA-B71E-AEC7F8F01327}"/>
+                  </a:ext>
+                </a:extLst>
+              </p:cNvPr>
+              <p:cNvSpPr/>
+              <p:nvPr/>
+            </p:nvSpPr>
+            <p:spPr>
+              <a:xfrm>
+                <a:off x="3966453" y="1982024"/>
+                <a:ext cx="450370" cy="450370"/>
+              </a:xfrm>
+              <a:prstGeom prst="rect">
+                <a:avLst/>
+              </a:prstGeom>
+              <a:solidFill>
+                <a:schemeClr val="tx2">
+                  <a:lumMod val="10000"/>
+                  <a:lumOff val="90000"/>
+                </a:schemeClr>
+              </a:solidFill>
+              <a:ln w="9525"/>
+            </p:spPr>
+            <p:style>
+              <a:lnRef idx="2">
+                <a:schemeClr val="accent1">
+                  <a:shade val="15000"/>
+                </a:schemeClr>
+              </a:lnRef>
+              <a:fillRef idx="1">
+                <a:schemeClr val="accent1"/>
+              </a:fillRef>
+              <a:effectRef idx="0">
+                <a:schemeClr val="accent1"/>
+              </a:effectRef>
+              <a:fontRef idx="minor">
+                <a:schemeClr val="lt1"/>
+              </a:fontRef>
+            </p:style>
+            <p:txBody>
+              <a:bodyPr rtlCol="0" anchor="ctr"/>
+              <a:lstStyle/>
+              <a:p>
+                <a:pPr algn="ctr"/>
+                <a:r>
+                  <a:rPr lang="en-US" sz="1000" dirty="0">
+                    <a:solidFill>
+                      <a:schemeClr val="tx1"/>
+                    </a:solidFill>
+                    <a:latin typeface="Avenir Book" panose="02000503020000020003" pitchFamily="2" charset="0"/>
+                  </a:rPr>
+                  <a:t>33</a:t>
+                </a:r>
+              </a:p>
+            </p:txBody>
+          </p:sp>
+        </p:grpSp>
+        <p:sp>
+          <p:nvSpPr>
+            <p:cNvPr id="76" name="Rectangle 75">
+              <a:extLst>
+                <a:ext uri="{FF2B5EF4-FFF2-40B4-BE49-F238E27FC236}">
+                  <a16:creationId xmlns:a16="http://schemas.microsoft.com/office/drawing/2014/main" id="{B3CC7A18-DEF6-DF28-B4B7-1D36FB575179}"/>
+                </a:ext>
+              </a:extLst>
+            </p:cNvPr>
+            <p:cNvSpPr/>
+            <p:nvPr/>
+          </p:nvSpPr>
+          <p:spPr>
+            <a:xfrm>
+              <a:off x="2875518" y="3805180"/>
+              <a:ext cx="2839271" cy="450370"/>
+            </a:xfrm>
+            <a:prstGeom prst="rect">
+              <a:avLst/>
+            </a:prstGeom>
+            <a:solidFill>
+              <a:schemeClr val="tx2">
+                <a:lumMod val="10000"/>
+                <a:lumOff val="90000"/>
+              </a:schemeClr>
+            </a:solidFill>
+            <a:ln w="9525"/>
+          </p:spPr>
+          <p:style>
+            <a:lnRef idx="2">
+              <a:schemeClr val="accent1">
+                <a:shade val="15000"/>
+              </a:schemeClr>
+            </a:lnRef>
+            <a:fillRef idx="1">
+              <a:schemeClr val="accent1"/>
+            </a:fillRef>
+            <a:effectRef idx="0">
+              <a:schemeClr val="accent1"/>
+            </a:effectRef>
+            <a:fontRef idx="minor">
+              <a:schemeClr val="lt1"/>
+            </a:fontRef>
+          </p:style>
+          <p:txBody>
+            <a:bodyPr rtlCol="0" anchor="ctr"/>
+            <a:lstStyle/>
+            <a:p>
+              <a:r>
+                <a:rPr lang="en-US" sz="1000" dirty="0">
+                  <a:solidFill>
+                    <a:schemeClr val="tx1"/>
+                  </a:solidFill>
+                  <a:latin typeface="Avenir Book" panose="02000503020000020003" pitchFamily="2" charset="0"/>
+                </a:rPr>
+                <a:t>False</a:t>
+              </a:r>
+            </a:p>
+          </p:txBody>
+        </p:sp>
+        <p:sp>
+          <p:nvSpPr>
+            <p:cNvPr id="68" name="Rectangle 67">
+              <a:extLst>
+                <a:ext uri="{FF2B5EF4-FFF2-40B4-BE49-F238E27FC236}">
+                  <a16:creationId xmlns:a16="http://schemas.microsoft.com/office/drawing/2014/main" id="{A52EC2BA-DF81-5191-2C0E-2665148C568D}"/>
+                </a:ext>
+              </a:extLst>
+            </p:cNvPr>
+            <p:cNvSpPr/>
+            <p:nvPr/>
+          </p:nvSpPr>
+          <p:spPr>
+            <a:xfrm>
+              <a:off x="1817512" y="2710156"/>
+              <a:ext cx="1003277" cy="450370"/>
+            </a:xfrm>
+            <a:prstGeom prst="rect">
+              <a:avLst/>
+            </a:prstGeom>
+            <a:noFill/>
+            <a:ln w="9525">
+              <a:noFill/>
+            </a:ln>
+          </p:spPr>
+          <p:style>
+            <a:lnRef idx="2">
+              <a:schemeClr val="accent1">
+                <a:shade val="15000"/>
+              </a:schemeClr>
+            </a:lnRef>
+            <a:fillRef idx="1">
+              <a:schemeClr val="accent1"/>
+            </a:fillRef>
+            <a:effectRef idx="0">
+              <a:schemeClr val="accent1"/>
+            </a:effectRef>
+            <a:fontRef idx="minor">
+              <a:schemeClr val="lt1"/>
+            </a:fontRef>
+          </p:style>
+          <p:txBody>
+            <a:bodyPr rtlCol="0" anchor="ctr"/>
+            <a:lstStyle/>
+            <a:p>
+              <a:pPr algn="r"/>
+              <a:r>
+                <a:rPr lang="en-US" sz="1000" dirty="0">
+                  <a:solidFill>
+                    <a:schemeClr val="tx1"/>
+                  </a:solidFill>
+                  <a:latin typeface="Avenir Book" panose="02000503020000020003" pitchFamily="2" charset="0"/>
+                </a:rPr>
+                <a:t>size</a:t>
+              </a:r>
+            </a:p>
+          </p:txBody>
+        </p:sp>
+        <p:sp>
+          <p:nvSpPr>
+            <p:cNvPr id="69" name="Rectangle 68">
+              <a:extLst>
+                <a:ext uri="{FF2B5EF4-FFF2-40B4-BE49-F238E27FC236}">
+                  <a16:creationId xmlns:a16="http://schemas.microsoft.com/office/drawing/2014/main" id="{4EE9F4D4-1824-7D80-C2A7-3312CC166B6F}"/>
+                </a:ext>
+              </a:extLst>
+            </p:cNvPr>
+            <p:cNvSpPr/>
+            <p:nvPr/>
+          </p:nvSpPr>
+          <p:spPr>
+            <a:xfrm>
+              <a:off x="1817512" y="3257668"/>
+              <a:ext cx="1003277" cy="450370"/>
+            </a:xfrm>
+            <a:prstGeom prst="rect">
+              <a:avLst/>
+            </a:prstGeom>
+            <a:noFill/>
+            <a:ln w="9525">
+              <a:noFill/>
+            </a:ln>
+          </p:spPr>
+          <p:style>
+            <a:lnRef idx="2">
+              <a:schemeClr val="accent1">
+                <a:shade val="15000"/>
+              </a:schemeClr>
+            </a:lnRef>
+            <a:fillRef idx="1">
+              <a:schemeClr val="accent1"/>
+            </a:fillRef>
+            <a:effectRef idx="0">
+              <a:schemeClr val="accent1"/>
+            </a:effectRef>
+            <a:fontRef idx="minor">
+              <a:schemeClr val="lt1"/>
+            </a:fontRef>
+          </p:style>
+          <p:txBody>
+            <a:bodyPr rtlCol="0" anchor="ctr"/>
+            <a:lstStyle/>
+            <a:p>
+              <a:pPr algn="r"/>
+              <a:r>
+                <a:rPr lang="en-US" sz="1000" dirty="0">
+                  <a:solidFill>
+                    <a:schemeClr val="tx1"/>
+                  </a:solidFill>
+                  <a:latin typeface="Avenir Book" panose="02000503020000020003" pitchFamily="2" charset="0"/>
+                </a:rPr>
+                <a:t>value</a:t>
+              </a:r>
+            </a:p>
+          </p:txBody>
+        </p:sp>
+        <p:sp>
+          <p:nvSpPr>
+            <p:cNvPr id="70" name="Rectangle 69">
+              <a:extLst>
+                <a:ext uri="{FF2B5EF4-FFF2-40B4-BE49-F238E27FC236}">
+                  <a16:creationId xmlns:a16="http://schemas.microsoft.com/office/drawing/2014/main" id="{B0EE5DA7-CAF9-CF4A-8360-9343F0132F55}"/>
+                </a:ext>
+              </a:extLst>
+            </p:cNvPr>
+            <p:cNvSpPr/>
+            <p:nvPr/>
+          </p:nvSpPr>
+          <p:spPr>
+            <a:xfrm>
+              <a:off x="1817511" y="3805180"/>
+              <a:ext cx="1003277" cy="450370"/>
+            </a:xfrm>
+            <a:prstGeom prst="rect">
+              <a:avLst/>
+            </a:prstGeom>
+            <a:noFill/>
+            <a:ln w="9525">
+              <a:noFill/>
+            </a:ln>
+          </p:spPr>
+          <p:style>
+            <a:lnRef idx="2">
+              <a:schemeClr val="accent1">
+                <a:shade val="15000"/>
+              </a:schemeClr>
+            </a:lnRef>
+            <a:fillRef idx="1">
+              <a:schemeClr val="accent1"/>
+            </a:fillRef>
+            <a:effectRef idx="0">
+              <a:schemeClr val="accent1"/>
+            </a:effectRef>
+            <a:fontRef idx="minor">
+              <a:schemeClr val="lt1"/>
+            </a:fontRef>
+          </p:style>
+          <p:txBody>
+            <a:bodyPr rtlCol="0" anchor="ctr"/>
+            <a:lstStyle/>
+            <a:p>
+              <a:pPr algn="r"/>
+              <a:r>
+                <a:rPr lang="en-US" sz="1000" dirty="0">
+                  <a:solidFill>
+                    <a:schemeClr val="tx1"/>
+                  </a:solidFill>
+                  <a:latin typeface="Avenir Book" panose="02000503020000020003" pitchFamily="2" charset="0"/>
+                </a:rPr>
+                <a:t>consumed</a:t>
+              </a:r>
+            </a:p>
+          </p:txBody>
+        </p:sp>
+        <p:sp>
+          <p:nvSpPr>
+            <p:cNvPr id="71" name="Rectangle 70">
+              <a:extLst>
+                <a:ext uri="{FF2B5EF4-FFF2-40B4-BE49-F238E27FC236}">
+                  <a16:creationId xmlns:a16="http://schemas.microsoft.com/office/drawing/2014/main" id="{BEBF0917-EC04-8142-FD4B-41845E8A5C17}"/>
+                </a:ext>
+              </a:extLst>
+            </p:cNvPr>
+            <p:cNvSpPr/>
+            <p:nvPr/>
+          </p:nvSpPr>
+          <p:spPr>
+            <a:xfrm>
+              <a:off x="1817511" y="2162644"/>
+              <a:ext cx="1003277" cy="450370"/>
+            </a:xfrm>
+            <a:prstGeom prst="rect">
+              <a:avLst/>
+            </a:prstGeom>
+            <a:noFill/>
+            <a:ln w="9525">
+              <a:noFill/>
+            </a:ln>
+          </p:spPr>
+          <p:style>
+            <a:lnRef idx="2">
+              <a:schemeClr val="accent1">
+                <a:shade val="15000"/>
+              </a:schemeClr>
+            </a:lnRef>
+            <a:fillRef idx="1">
+              <a:schemeClr val="accent1"/>
+            </a:fillRef>
+            <a:effectRef idx="0">
+              <a:schemeClr val="accent1"/>
+            </a:effectRef>
+            <a:fontRef idx="minor">
+              <a:schemeClr val="lt1"/>
+            </a:fontRef>
+          </p:style>
+          <p:txBody>
+            <a:bodyPr rtlCol="0" anchor="ctr"/>
+            <a:lstStyle/>
+            <a:p>
+              <a:pPr algn="r"/>
+              <a:r>
+                <a:rPr lang="en-US" sz="1000" dirty="0" err="1">
+                  <a:solidFill>
+                    <a:schemeClr val="tx1"/>
+                  </a:solidFill>
+                  <a:latin typeface="Avenir Book" panose="02000503020000020003" pitchFamily="2" charset="0"/>
+                </a:rPr>
+                <a:t>start_byte</a:t>
+              </a:r>
+              <a:endParaRPr lang="en-US" sz="1000" dirty="0">
+                <a:solidFill>
+                  <a:schemeClr val="tx1"/>
+                </a:solidFill>
+                <a:latin typeface="Avenir Book" panose="02000503020000020003" pitchFamily="2" charset="0"/>
+              </a:endParaRPr>
+            </a:p>
+          </p:txBody>
+        </p:sp>
+        <p:sp>
+          <p:nvSpPr>
+            <p:cNvPr id="72" name="Rectangle 71">
+              <a:extLst>
+                <a:ext uri="{FF2B5EF4-FFF2-40B4-BE49-F238E27FC236}">
+                  <a16:creationId xmlns:a16="http://schemas.microsoft.com/office/drawing/2014/main" id="{6297C537-8DA4-338C-D588-A9D4548FE0BE}"/>
+                </a:ext>
+              </a:extLst>
+            </p:cNvPr>
+            <p:cNvSpPr/>
+            <p:nvPr/>
+          </p:nvSpPr>
+          <p:spPr>
+            <a:xfrm>
+              <a:off x="1817509" y="1615132"/>
+              <a:ext cx="1003277" cy="450370"/>
+            </a:xfrm>
+            <a:prstGeom prst="rect">
+              <a:avLst/>
+            </a:prstGeom>
+            <a:noFill/>
+            <a:ln w="9525">
+              <a:noFill/>
+            </a:ln>
+          </p:spPr>
+          <p:style>
+            <a:lnRef idx="2">
+              <a:schemeClr val="accent1">
+                <a:shade val="15000"/>
+              </a:schemeClr>
+            </a:lnRef>
+            <a:fillRef idx="1">
+              <a:schemeClr val="accent1"/>
+            </a:fillRef>
+            <a:effectRef idx="0">
+              <a:schemeClr val="accent1"/>
+            </a:effectRef>
+            <a:fontRef idx="minor">
+              <a:schemeClr val="lt1"/>
+            </a:fontRef>
+          </p:style>
+          <p:txBody>
+            <a:bodyPr rtlCol="0" anchor="ctr"/>
+            <a:lstStyle/>
+            <a:p>
+              <a:pPr algn="r"/>
+              <a:r>
+                <a:rPr lang="en-US" sz="1000" dirty="0">
+                  <a:solidFill>
+                    <a:schemeClr val="tx1"/>
+                  </a:solidFill>
+                  <a:latin typeface="Avenir Book" panose="02000503020000020003" pitchFamily="2" charset="0"/>
+                </a:rPr>
+                <a:t>block</a:t>
+              </a:r>
+            </a:p>
+          </p:txBody>
+        </p:sp>
+        <p:sp>
+          <p:nvSpPr>
+            <p:cNvPr id="73" name="Rectangle 72">
+              <a:extLst>
+                <a:ext uri="{FF2B5EF4-FFF2-40B4-BE49-F238E27FC236}">
+                  <a16:creationId xmlns:a16="http://schemas.microsoft.com/office/drawing/2014/main" id="{0974919C-5899-59EF-0709-1CCD9C9C7B30}"/>
+                </a:ext>
+              </a:extLst>
+            </p:cNvPr>
+            <p:cNvSpPr/>
+            <p:nvPr/>
+          </p:nvSpPr>
+          <p:spPr>
+            <a:xfrm>
+              <a:off x="2874334" y="2162644"/>
+              <a:ext cx="2857516" cy="450370"/>
+            </a:xfrm>
+            <a:prstGeom prst="rect">
+              <a:avLst/>
+            </a:prstGeom>
+            <a:solidFill>
+              <a:schemeClr val="tx2">
+                <a:lumMod val="10000"/>
+                <a:lumOff val="90000"/>
+              </a:schemeClr>
+            </a:solidFill>
+            <a:ln w="9525"/>
+          </p:spPr>
+          <p:style>
+            <a:lnRef idx="2">
+              <a:schemeClr val="accent1">
+                <a:shade val="15000"/>
+              </a:schemeClr>
+            </a:lnRef>
+            <a:fillRef idx="1">
+              <a:schemeClr val="accent1"/>
+            </a:fillRef>
+            <a:effectRef idx="0">
+              <a:schemeClr val="accent1"/>
+            </a:effectRef>
+            <a:fontRef idx="minor">
+              <a:schemeClr val="lt1"/>
+            </a:fontRef>
+          </p:style>
+          <p:txBody>
+            <a:bodyPr rtlCol="0" anchor="ctr"/>
+            <a:lstStyle/>
+            <a:p>
+              <a:r>
+                <a:rPr lang="en-US" sz="1000" dirty="0">
+                  <a:solidFill>
+                    <a:schemeClr val="tx1"/>
+                  </a:solidFill>
+                  <a:latin typeface="Avenir Book" panose="02000503020000020003" pitchFamily="2" charset="0"/>
+                </a:rPr>
+                <a:t>0</a:t>
+              </a:r>
+            </a:p>
+          </p:txBody>
+        </p:sp>
+        <p:sp>
+          <p:nvSpPr>
+            <p:cNvPr id="74" name="Rectangle 73">
+              <a:extLst>
+                <a:ext uri="{FF2B5EF4-FFF2-40B4-BE49-F238E27FC236}">
+                  <a16:creationId xmlns:a16="http://schemas.microsoft.com/office/drawing/2014/main" id="{2CB16491-DDAB-E325-DC33-84A25902CE98}"/>
+                </a:ext>
+              </a:extLst>
+            </p:cNvPr>
+            <p:cNvSpPr/>
+            <p:nvPr/>
+          </p:nvSpPr>
+          <p:spPr>
+            <a:xfrm>
+              <a:off x="2874332" y="1615132"/>
+              <a:ext cx="2857516" cy="450370"/>
+            </a:xfrm>
+            <a:prstGeom prst="rect">
+              <a:avLst/>
+            </a:prstGeom>
+            <a:solidFill>
+              <a:schemeClr val="tx2">
+                <a:lumMod val="10000"/>
+                <a:lumOff val="90000"/>
+              </a:schemeClr>
+            </a:solidFill>
+            <a:ln w="9525"/>
+          </p:spPr>
+          <p:style>
+            <a:lnRef idx="2">
+              <a:schemeClr val="accent1">
+                <a:shade val="15000"/>
+              </a:schemeClr>
+            </a:lnRef>
+            <a:fillRef idx="1">
+              <a:schemeClr val="accent1"/>
+            </a:fillRef>
+            <a:effectRef idx="0">
+              <a:schemeClr val="accent1"/>
+            </a:effectRef>
+            <a:fontRef idx="minor">
+              <a:schemeClr val="lt1"/>
+            </a:fontRef>
+          </p:style>
+          <p:txBody>
+            <a:bodyPr rtlCol="0" anchor="ctr"/>
+            <a:lstStyle/>
+            <a:p>
+              <a:endParaRPr lang="en-US" sz="1000" dirty="0">
+                <a:solidFill>
+                  <a:schemeClr val="tx1"/>
+                </a:solidFill>
+                <a:latin typeface="Avenir Book" panose="02000503020000020003" pitchFamily="2" charset="0"/>
+              </a:endParaRPr>
+            </a:p>
+          </p:txBody>
+        </p:sp>
+        <p:sp>
+          <p:nvSpPr>
+            <p:cNvPr id="75" name="Rectangle 74">
+              <a:extLst>
+                <a:ext uri="{FF2B5EF4-FFF2-40B4-BE49-F238E27FC236}">
+                  <a16:creationId xmlns:a16="http://schemas.microsoft.com/office/drawing/2014/main" id="{C70F0DFA-5A59-C5C6-267F-ED51BF0F788F}"/>
+                </a:ext>
+              </a:extLst>
+            </p:cNvPr>
+            <p:cNvSpPr/>
+            <p:nvPr/>
+          </p:nvSpPr>
+          <p:spPr>
+            <a:xfrm>
+              <a:off x="1608170" y="4310664"/>
+              <a:ext cx="903111" cy="450370"/>
+            </a:xfrm>
+            <a:prstGeom prst="rect">
+              <a:avLst/>
+            </a:prstGeom>
+            <a:noFill/>
+            <a:ln w="9525">
+              <a:noFill/>
+            </a:ln>
+          </p:spPr>
+          <p:style>
+            <a:lnRef idx="2">
+              <a:schemeClr val="accent1">
+                <a:shade val="15000"/>
+              </a:schemeClr>
+            </a:lnRef>
+            <a:fillRef idx="1">
+              <a:schemeClr val="accent1"/>
+            </a:fillRef>
+            <a:effectRef idx="0">
+              <a:schemeClr val="accent1"/>
+            </a:effectRef>
+            <a:fontRef idx="minor">
+              <a:schemeClr val="lt1"/>
+            </a:fontRef>
+          </p:style>
+          <p:txBody>
+            <a:bodyPr rtlCol="0" anchor="ctr"/>
+            <a:lstStyle/>
+            <a:p>
+              <a:r>
+                <a:rPr lang="en-US" sz="1000" b="1" dirty="0">
+                  <a:solidFill>
+                    <a:schemeClr val="tx1"/>
+                  </a:solidFill>
+                  <a:latin typeface="Avenir Book" panose="02000503020000020003" pitchFamily="2" charset="0"/>
+                </a:rPr>
+                <a:t>Fragment</a:t>
+              </a:r>
+            </a:p>
+          </p:txBody>
+        </p:sp>
+      </p:grpSp>
+      <p:grpSp>
+        <p:nvGrpSpPr>
+          <p:cNvPr id="113" name="Group 112">
+            <a:extLst>
+              <a:ext uri="{FF2B5EF4-FFF2-40B4-BE49-F238E27FC236}">
+                <a16:creationId xmlns:a16="http://schemas.microsoft.com/office/drawing/2014/main" id="{AF03E23E-4EA8-E0CD-2E79-4E50520576FC}"/>
+              </a:ext>
+            </a:extLst>
+          </p:cNvPr>
+          <p:cNvGrpSpPr/>
+          <p:nvPr/>
+        </p:nvGrpSpPr>
+        <p:grpSpPr>
+          <a:xfrm>
+            <a:off x="6546168" y="3929764"/>
+            <a:ext cx="3548764" cy="2744987"/>
+            <a:chOff x="1608170" y="1479792"/>
+            <a:chExt cx="4242042" cy="3281242"/>
+          </a:xfrm>
+        </p:grpSpPr>
+        <p:sp>
+          <p:nvSpPr>
+            <p:cNvPr id="114" name="Rectangle 113">
+              <a:extLst>
+                <a:ext uri="{FF2B5EF4-FFF2-40B4-BE49-F238E27FC236}">
+                  <a16:creationId xmlns:a16="http://schemas.microsoft.com/office/drawing/2014/main" id="{8791B91A-E676-CFE3-66D9-BD47C107EE81}"/>
+                </a:ext>
+              </a:extLst>
+            </p:cNvPr>
+            <p:cNvSpPr/>
+            <p:nvPr/>
+          </p:nvSpPr>
+          <p:spPr>
+            <a:xfrm>
+              <a:off x="1710266" y="1479792"/>
+              <a:ext cx="4139946" cy="2900296"/>
+            </a:xfrm>
+            <a:prstGeom prst="rect">
+              <a:avLst/>
+            </a:prstGeom>
+            <a:noFill/>
+            <a:ln w="12700">
+              <a:solidFill>
+                <a:schemeClr val="tx1"/>
+              </a:solidFill>
+            </a:ln>
+          </p:spPr>
+          <p:style>
+            <a:lnRef idx="2">
+              <a:schemeClr val="accent1">
+                <a:shade val="15000"/>
+              </a:schemeClr>
+            </a:lnRef>
+            <a:fillRef idx="1">
+              <a:schemeClr val="accent1"/>
+            </a:fillRef>
+            <a:effectRef idx="0">
+              <a:schemeClr val="accent1"/>
+            </a:effectRef>
+            <a:fontRef idx="minor">
+              <a:schemeClr val="lt1"/>
+            </a:fontRef>
+          </p:style>
+          <p:txBody>
+            <a:bodyPr rtlCol="0" anchor="ctr"/>
+            <a:lstStyle/>
+            <a:p>
+              <a:pPr algn="ctr"/>
+              <a:endParaRPr lang="en-US" sz="1000" dirty="0">
+                <a:solidFill>
+                  <a:schemeClr val="tx1"/>
+                </a:solidFill>
+                <a:latin typeface="Avenir Book" panose="02000503020000020003" pitchFamily="2" charset="0"/>
+              </a:endParaRPr>
+            </a:p>
+          </p:txBody>
+        </p:sp>
+        <p:sp>
+          <p:nvSpPr>
+            <p:cNvPr id="115" name="Rectangle 114">
+              <a:extLst>
+                <a:ext uri="{FF2B5EF4-FFF2-40B4-BE49-F238E27FC236}">
+                  <a16:creationId xmlns:a16="http://schemas.microsoft.com/office/drawing/2014/main" id="{DCC80CBF-CDE0-8D84-D1C6-23115D040D6E}"/>
+                </a:ext>
+              </a:extLst>
+            </p:cNvPr>
+            <p:cNvSpPr/>
+            <p:nvPr/>
+          </p:nvSpPr>
+          <p:spPr>
+            <a:xfrm>
+              <a:off x="2857273" y="2710156"/>
+              <a:ext cx="2857516" cy="450370"/>
+            </a:xfrm>
+            <a:prstGeom prst="rect">
+              <a:avLst/>
+            </a:prstGeom>
+            <a:solidFill>
+              <a:schemeClr val="tx2">
+                <a:lumMod val="10000"/>
+                <a:lumOff val="90000"/>
+              </a:schemeClr>
+            </a:solidFill>
+            <a:ln w="9525"/>
+          </p:spPr>
+          <p:style>
+            <a:lnRef idx="2">
+              <a:schemeClr val="accent1">
+                <a:shade val="15000"/>
+              </a:schemeClr>
+            </a:lnRef>
+            <a:fillRef idx="1">
+              <a:schemeClr val="accent1"/>
+            </a:fillRef>
+            <a:effectRef idx="0">
+              <a:schemeClr val="accent1"/>
+            </a:effectRef>
+            <a:fontRef idx="minor">
+              <a:schemeClr val="lt1"/>
+            </a:fontRef>
+          </p:style>
+          <p:txBody>
+            <a:bodyPr rtlCol="0" anchor="ctr"/>
+            <a:lstStyle/>
+            <a:p>
+              <a:r>
+                <a:rPr lang="en-US" sz="1000" dirty="0">
+                  <a:solidFill>
+                    <a:schemeClr val="tx1"/>
+                  </a:solidFill>
+                  <a:latin typeface="Avenir Book" panose="02000503020000020003" pitchFamily="2" charset="0"/>
+                </a:rPr>
+                <a:t>4</a:t>
+              </a:r>
+            </a:p>
+          </p:txBody>
+        </p:sp>
+        <p:grpSp>
+          <p:nvGrpSpPr>
+            <p:cNvPr id="116" name="Group 115">
+              <a:extLst>
+                <a:ext uri="{FF2B5EF4-FFF2-40B4-BE49-F238E27FC236}">
+                  <a16:creationId xmlns:a16="http://schemas.microsoft.com/office/drawing/2014/main" id="{DB68B746-9889-671D-908C-CD35D3A3E168}"/>
+                </a:ext>
+              </a:extLst>
+            </p:cNvPr>
+            <p:cNvGrpSpPr/>
+            <p:nvPr/>
+          </p:nvGrpSpPr>
+          <p:grpSpPr>
+            <a:xfrm>
+              <a:off x="2857275" y="3257668"/>
+              <a:ext cx="1910938" cy="450370"/>
+              <a:chOff x="2992741" y="1982024"/>
+              <a:chExt cx="1910938" cy="450370"/>
+            </a:xfrm>
+          </p:grpSpPr>
+          <p:sp>
+            <p:nvSpPr>
+              <p:cNvPr id="126" name="Rectangle 125">
+                <a:extLst>
+                  <a:ext uri="{FF2B5EF4-FFF2-40B4-BE49-F238E27FC236}">
+                    <a16:creationId xmlns:a16="http://schemas.microsoft.com/office/drawing/2014/main" id="{3514D044-D8C3-99CD-6164-71A6ABBCAD6E}"/>
+                  </a:ext>
+                </a:extLst>
+              </p:cNvPr>
+              <p:cNvSpPr/>
+              <p:nvPr/>
+            </p:nvSpPr>
+            <p:spPr>
+              <a:xfrm>
+                <a:off x="2992741" y="1982024"/>
+                <a:ext cx="450370" cy="450370"/>
+              </a:xfrm>
+              <a:prstGeom prst="rect">
+                <a:avLst/>
+              </a:prstGeom>
+              <a:solidFill>
+                <a:schemeClr val="tx2">
+                  <a:lumMod val="10000"/>
+                  <a:lumOff val="90000"/>
+                </a:schemeClr>
+              </a:solidFill>
+              <a:ln w="9525"/>
+            </p:spPr>
+            <p:style>
+              <a:lnRef idx="2">
+                <a:schemeClr val="accent1">
+                  <a:shade val="15000"/>
+                </a:schemeClr>
+              </a:lnRef>
+              <a:fillRef idx="1">
+                <a:schemeClr val="accent1"/>
+              </a:fillRef>
+              <a:effectRef idx="0">
+                <a:schemeClr val="accent1"/>
+              </a:effectRef>
+              <a:fontRef idx="minor">
+                <a:schemeClr val="lt1"/>
+              </a:fontRef>
+            </p:style>
+            <p:txBody>
+              <a:bodyPr rtlCol="0" anchor="ctr"/>
+              <a:lstStyle/>
+              <a:p>
+                <a:pPr algn="ctr"/>
+                <a:r>
+                  <a:rPr lang="en-US" sz="1000" dirty="0">
+                    <a:solidFill>
+                      <a:schemeClr val="tx1"/>
+                    </a:solidFill>
+                    <a:latin typeface="Avenir Book" panose="02000503020000020003" pitchFamily="2" charset="0"/>
+                  </a:rPr>
+                  <a:t>77</a:t>
+                </a:r>
+              </a:p>
+            </p:txBody>
+          </p:sp>
+          <p:sp>
+            <p:nvSpPr>
+              <p:cNvPr id="127" name="Rectangle 126">
+                <a:extLst>
+                  <a:ext uri="{FF2B5EF4-FFF2-40B4-BE49-F238E27FC236}">
+                    <a16:creationId xmlns:a16="http://schemas.microsoft.com/office/drawing/2014/main" id="{32AE35C2-24B7-FD14-53AD-CF2D161AE980}"/>
+                  </a:ext>
+                </a:extLst>
+              </p:cNvPr>
+              <p:cNvSpPr/>
+              <p:nvPr/>
+            </p:nvSpPr>
+            <p:spPr>
+              <a:xfrm>
+                <a:off x="3479597" y="1982024"/>
+                <a:ext cx="450370" cy="450370"/>
+              </a:xfrm>
+              <a:prstGeom prst="rect">
+                <a:avLst/>
+              </a:prstGeom>
+              <a:solidFill>
+                <a:schemeClr val="tx2">
+                  <a:lumMod val="10000"/>
+                  <a:lumOff val="90000"/>
+                </a:schemeClr>
+              </a:solidFill>
+              <a:ln w="9525"/>
+            </p:spPr>
+            <p:style>
+              <a:lnRef idx="2">
+                <a:schemeClr val="accent1">
+                  <a:shade val="15000"/>
+                </a:schemeClr>
+              </a:lnRef>
+              <a:fillRef idx="1">
+                <a:schemeClr val="accent1"/>
+              </a:fillRef>
+              <a:effectRef idx="0">
+                <a:schemeClr val="accent1"/>
+              </a:effectRef>
+              <a:fontRef idx="minor">
+                <a:schemeClr val="lt1"/>
+              </a:fontRef>
+            </p:style>
+            <p:txBody>
+              <a:bodyPr rtlCol="0" anchor="ctr"/>
+              <a:lstStyle/>
+              <a:p>
+                <a:pPr algn="ctr"/>
+                <a:r>
+                  <a:rPr lang="en-US" sz="1000" dirty="0">
+                    <a:solidFill>
+                      <a:schemeClr val="tx1"/>
+                    </a:solidFill>
+                    <a:latin typeface="Avenir Book" panose="02000503020000020003" pitchFamily="2" charset="0"/>
+                  </a:rPr>
+                  <a:t>88</a:t>
+                </a:r>
+              </a:p>
+            </p:txBody>
+          </p:sp>
+          <p:sp>
+            <p:nvSpPr>
+              <p:cNvPr id="128" name="Rectangle 127">
+                <a:extLst>
+                  <a:ext uri="{FF2B5EF4-FFF2-40B4-BE49-F238E27FC236}">
+                    <a16:creationId xmlns:a16="http://schemas.microsoft.com/office/drawing/2014/main" id="{CCA61E89-0E23-6941-0192-D51CB5F2F3F7}"/>
+                  </a:ext>
+                </a:extLst>
+              </p:cNvPr>
+              <p:cNvSpPr/>
+              <p:nvPr/>
+            </p:nvSpPr>
+            <p:spPr>
+              <a:xfrm>
+                <a:off x="3966453" y="1982024"/>
+                <a:ext cx="450370" cy="450370"/>
+              </a:xfrm>
+              <a:prstGeom prst="rect">
+                <a:avLst/>
+              </a:prstGeom>
+              <a:solidFill>
+                <a:schemeClr val="tx2">
+                  <a:lumMod val="10000"/>
+                  <a:lumOff val="90000"/>
+                </a:schemeClr>
+              </a:solidFill>
+              <a:ln w="9525"/>
+            </p:spPr>
+            <p:style>
+              <a:lnRef idx="2">
+                <a:schemeClr val="accent1">
+                  <a:shade val="15000"/>
+                </a:schemeClr>
+              </a:lnRef>
+              <a:fillRef idx="1">
+                <a:schemeClr val="accent1"/>
+              </a:fillRef>
+              <a:effectRef idx="0">
+                <a:schemeClr val="accent1"/>
+              </a:effectRef>
+              <a:fontRef idx="minor">
+                <a:schemeClr val="lt1"/>
+              </a:fontRef>
+            </p:style>
+            <p:txBody>
+              <a:bodyPr rtlCol="0" anchor="ctr"/>
+              <a:lstStyle/>
+              <a:p>
+                <a:pPr algn="ctr"/>
+                <a:r>
+                  <a:rPr lang="en-US" sz="1000" dirty="0">
+                    <a:solidFill>
+                      <a:schemeClr val="tx1"/>
+                    </a:solidFill>
+                    <a:latin typeface="Avenir Book" panose="02000503020000020003" pitchFamily="2" charset="0"/>
+                  </a:rPr>
+                  <a:t>99</a:t>
+                </a:r>
+              </a:p>
+            </p:txBody>
+          </p:sp>
+          <p:sp>
+            <p:nvSpPr>
+              <p:cNvPr id="129" name="Rectangle 128">
+                <a:extLst>
+                  <a:ext uri="{FF2B5EF4-FFF2-40B4-BE49-F238E27FC236}">
+                    <a16:creationId xmlns:a16="http://schemas.microsoft.com/office/drawing/2014/main" id="{56E5A615-2286-9C73-3D50-5EE92E64A855}"/>
+                  </a:ext>
+                </a:extLst>
+              </p:cNvPr>
+              <p:cNvSpPr/>
+              <p:nvPr/>
+            </p:nvSpPr>
+            <p:spPr>
+              <a:xfrm>
+                <a:off x="4453309" y="1982024"/>
+                <a:ext cx="450370" cy="450370"/>
+              </a:xfrm>
+              <a:prstGeom prst="rect">
+                <a:avLst/>
+              </a:prstGeom>
+              <a:solidFill>
+                <a:schemeClr val="tx2">
+                  <a:lumMod val="10000"/>
+                  <a:lumOff val="90000"/>
+                </a:schemeClr>
+              </a:solidFill>
+              <a:ln w="9525"/>
+            </p:spPr>
+            <p:style>
+              <a:lnRef idx="2">
+                <a:schemeClr val="accent1">
+                  <a:shade val="15000"/>
+                </a:schemeClr>
+              </a:lnRef>
+              <a:fillRef idx="1">
+                <a:schemeClr val="accent1"/>
+              </a:fillRef>
+              <a:effectRef idx="0">
+                <a:schemeClr val="accent1"/>
+              </a:effectRef>
+              <a:fontRef idx="minor">
+                <a:schemeClr val="lt1"/>
+              </a:fontRef>
+            </p:style>
+            <p:txBody>
+              <a:bodyPr rtlCol="0" anchor="ctr"/>
+              <a:lstStyle/>
+              <a:p>
+                <a:pPr algn="ctr"/>
+                <a:r>
+                  <a:rPr lang="en-US" sz="1000" dirty="0">
+                    <a:solidFill>
+                      <a:schemeClr val="tx1"/>
+                    </a:solidFill>
+                    <a:latin typeface="Avenir Book" panose="02000503020000020003" pitchFamily="2" charset="0"/>
+                  </a:rPr>
+                  <a:t>aa</a:t>
+                </a:r>
+              </a:p>
+            </p:txBody>
+          </p:sp>
+        </p:grpSp>
+        <p:sp>
+          <p:nvSpPr>
+            <p:cNvPr id="117" name="Rectangle 116">
+              <a:extLst>
+                <a:ext uri="{FF2B5EF4-FFF2-40B4-BE49-F238E27FC236}">
+                  <a16:creationId xmlns:a16="http://schemas.microsoft.com/office/drawing/2014/main" id="{5DBF7AE1-845A-7494-402F-B9142FB23B52}"/>
+                </a:ext>
+              </a:extLst>
+            </p:cNvPr>
+            <p:cNvSpPr/>
+            <p:nvPr/>
+          </p:nvSpPr>
+          <p:spPr>
+            <a:xfrm>
+              <a:off x="2875518" y="3805180"/>
+              <a:ext cx="2839271" cy="450370"/>
+            </a:xfrm>
+            <a:prstGeom prst="rect">
+              <a:avLst/>
+            </a:prstGeom>
+            <a:solidFill>
+              <a:schemeClr val="tx2">
+                <a:lumMod val="10000"/>
+                <a:lumOff val="90000"/>
+              </a:schemeClr>
+            </a:solidFill>
+            <a:ln w="9525"/>
+          </p:spPr>
+          <p:style>
+            <a:lnRef idx="2">
+              <a:schemeClr val="accent1">
+                <a:shade val="15000"/>
+              </a:schemeClr>
+            </a:lnRef>
+            <a:fillRef idx="1">
+              <a:schemeClr val="accent1"/>
+            </a:fillRef>
+            <a:effectRef idx="0">
+              <a:schemeClr val="accent1"/>
+            </a:effectRef>
+            <a:fontRef idx="minor">
+              <a:schemeClr val="lt1"/>
+            </a:fontRef>
+          </p:style>
+          <p:txBody>
+            <a:bodyPr rtlCol="0" anchor="ctr"/>
+            <a:lstStyle/>
+            <a:p>
+              <a:r>
+                <a:rPr lang="en-US" sz="1000" dirty="0">
+                  <a:solidFill>
+                    <a:schemeClr val="tx1"/>
+                  </a:solidFill>
+                  <a:latin typeface="Avenir Book" panose="02000503020000020003" pitchFamily="2" charset="0"/>
+                </a:rPr>
+                <a:t>False</a:t>
+              </a:r>
+            </a:p>
+          </p:txBody>
+        </p:sp>
+        <p:sp>
+          <p:nvSpPr>
+            <p:cNvPr id="118" name="Rectangle 117">
+              <a:extLst>
+                <a:ext uri="{FF2B5EF4-FFF2-40B4-BE49-F238E27FC236}">
+                  <a16:creationId xmlns:a16="http://schemas.microsoft.com/office/drawing/2014/main" id="{56ED93DD-6873-F155-9CFF-1D8F164F322C}"/>
+                </a:ext>
+              </a:extLst>
+            </p:cNvPr>
+            <p:cNvSpPr/>
+            <p:nvPr/>
+          </p:nvSpPr>
+          <p:spPr>
+            <a:xfrm>
+              <a:off x="1817512" y="2710156"/>
+              <a:ext cx="1003277" cy="450370"/>
+            </a:xfrm>
+            <a:prstGeom prst="rect">
+              <a:avLst/>
+            </a:prstGeom>
+            <a:noFill/>
+            <a:ln w="9525">
+              <a:noFill/>
+            </a:ln>
+          </p:spPr>
+          <p:style>
+            <a:lnRef idx="2">
+              <a:schemeClr val="accent1">
+                <a:shade val="15000"/>
+              </a:schemeClr>
+            </a:lnRef>
+            <a:fillRef idx="1">
+              <a:schemeClr val="accent1"/>
+            </a:fillRef>
+            <a:effectRef idx="0">
+              <a:schemeClr val="accent1"/>
+            </a:effectRef>
+            <a:fontRef idx="minor">
+              <a:schemeClr val="lt1"/>
+            </a:fontRef>
+          </p:style>
+          <p:txBody>
+            <a:bodyPr rtlCol="0" anchor="ctr"/>
+            <a:lstStyle/>
+            <a:p>
+              <a:pPr algn="r"/>
+              <a:r>
+                <a:rPr lang="en-US" sz="1000" dirty="0">
+                  <a:solidFill>
+                    <a:schemeClr val="tx1"/>
+                  </a:solidFill>
+                  <a:latin typeface="Avenir Book" panose="02000503020000020003" pitchFamily="2" charset="0"/>
+                </a:rPr>
+                <a:t>size</a:t>
+              </a:r>
+            </a:p>
+          </p:txBody>
+        </p:sp>
+        <p:sp>
+          <p:nvSpPr>
+            <p:cNvPr id="119" name="Rectangle 118">
+              <a:extLst>
+                <a:ext uri="{FF2B5EF4-FFF2-40B4-BE49-F238E27FC236}">
+                  <a16:creationId xmlns:a16="http://schemas.microsoft.com/office/drawing/2014/main" id="{37378DDB-A91F-DD3B-2ABB-E7FC95EE5384}"/>
+                </a:ext>
+              </a:extLst>
+            </p:cNvPr>
+            <p:cNvSpPr/>
+            <p:nvPr/>
+          </p:nvSpPr>
+          <p:spPr>
+            <a:xfrm>
+              <a:off x="1817512" y="3257668"/>
+              <a:ext cx="1003277" cy="450370"/>
+            </a:xfrm>
+            <a:prstGeom prst="rect">
+              <a:avLst/>
+            </a:prstGeom>
+            <a:noFill/>
+            <a:ln w="9525">
+              <a:noFill/>
+            </a:ln>
+          </p:spPr>
+          <p:style>
+            <a:lnRef idx="2">
+              <a:schemeClr val="accent1">
+                <a:shade val="15000"/>
+              </a:schemeClr>
+            </a:lnRef>
+            <a:fillRef idx="1">
+              <a:schemeClr val="accent1"/>
+            </a:fillRef>
+            <a:effectRef idx="0">
+              <a:schemeClr val="accent1"/>
+            </a:effectRef>
+            <a:fontRef idx="minor">
+              <a:schemeClr val="lt1"/>
+            </a:fontRef>
+          </p:style>
+          <p:txBody>
+            <a:bodyPr rtlCol="0" anchor="ctr"/>
+            <a:lstStyle/>
+            <a:p>
+              <a:pPr algn="r"/>
+              <a:r>
+                <a:rPr lang="en-US" sz="1000" dirty="0">
+                  <a:solidFill>
+                    <a:schemeClr val="tx1"/>
+                  </a:solidFill>
+                  <a:latin typeface="Avenir Book" panose="02000503020000020003" pitchFamily="2" charset="0"/>
+                </a:rPr>
+                <a:t>value</a:t>
+              </a:r>
+            </a:p>
+          </p:txBody>
+        </p:sp>
+        <p:sp>
+          <p:nvSpPr>
+            <p:cNvPr id="120" name="Rectangle 119">
+              <a:extLst>
+                <a:ext uri="{FF2B5EF4-FFF2-40B4-BE49-F238E27FC236}">
+                  <a16:creationId xmlns:a16="http://schemas.microsoft.com/office/drawing/2014/main" id="{AF74DD1F-F1DA-48E4-B5B6-3C105874F01E}"/>
+                </a:ext>
+              </a:extLst>
+            </p:cNvPr>
+            <p:cNvSpPr/>
+            <p:nvPr/>
+          </p:nvSpPr>
+          <p:spPr>
+            <a:xfrm>
+              <a:off x="1817511" y="3805180"/>
+              <a:ext cx="1003277" cy="450370"/>
+            </a:xfrm>
+            <a:prstGeom prst="rect">
+              <a:avLst/>
+            </a:prstGeom>
+            <a:noFill/>
+            <a:ln w="9525">
+              <a:noFill/>
+            </a:ln>
+          </p:spPr>
+          <p:style>
+            <a:lnRef idx="2">
+              <a:schemeClr val="accent1">
+                <a:shade val="15000"/>
+              </a:schemeClr>
+            </a:lnRef>
+            <a:fillRef idx="1">
+              <a:schemeClr val="accent1"/>
+            </a:fillRef>
+            <a:effectRef idx="0">
+              <a:schemeClr val="accent1"/>
+            </a:effectRef>
+            <a:fontRef idx="minor">
+              <a:schemeClr val="lt1"/>
+            </a:fontRef>
+          </p:style>
+          <p:txBody>
+            <a:bodyPr rtlCol="0" anchor="ctr"/>
+            <a:lstStyle/>
+            <a:p>
+              <a:pPr algn="r"/>
+              <a:r>
+                <a:rPr lang="en-US" sz="1000" dirty="0">
+                  <a:solidFill>
+                    <a:schemeClr val="tx1"/>
+                  </a:solidFill>
+                  <a:latin typeface="Avenir Book" panose="02000503020000020003" pitchFamily="2" charset="0"/>
+                </a:rPr>
+                <a:t>consumed</a:t>
+              </a:r>
+            </a:p>
+          </p:txBody>
+        </p:sp>
+        <p:sp>
+          <p:nvSpPr>
+            <p:cNvPr id="121" name="Rectangle 120">
+              <a:extLst>
+                <a:ext uri="{FF2B5EF4-FFF2-40B4-BE49-F238E27FC236}">
+                  <a16:creationId xmlns:a16="http://schemas.microsoft.com/office/drawing/2014/main" id="{FF61B9E2-BA32-FB9C-6A8D-940AD0E5514B}"/>
+                </a:ext>
+              </a:extLst>
+            </p:cNvPr>
+            <p:cNvSpPr/>
+            <p:nvPr/>
+          </p:nvSpPr>
+          <p:spPr>
+            <a:xfrm>
+              <a:off x="1817511" y="2162644"/>
+              <a:ext cx="1003277" cy="450370"/>
+            </a:xfrm>
+            <a:prstGeom prst="rect">
+              <a:avLst/>
+            </a:prstGeom>
+            <a:noFill/>
+            <a:ln w="9525">
+              <a:noFill/>
+            </a:ln>
+          </p:spPr>
+          <p:style>
+            <a:lnRef idx="2">
+              <a:schemeClr val="accent1">
+                <a:shade val="15000"/>
+              </a:schemeClr>
+            </a:lnRef>
+            <a:fillRef idx="1">
+              <a:schemeClr val="accent1"/>
+            </a:fillRef>
+            <a:effectRef idx="0">
+              <a:schemeClr val="accent1"/>
+            </a:effectRef>
+            <a:fontRef idx="minor">
+              <a:schemeClr val="lt1"/>
+            </a:fontRef>
+          </p:style>
+          <p:txBody>
+            <a:bodyPr rtlCol="0" anchor="ctr"/>
+            <a:lstStyle/>
+            <a:p>
+              <a:pPr algn="r"/>
+              <a:r>
+                <a:rPr lang="en-US" sz="1000" dirty="0" err="1">
+                  <a:solidFill>
+                    <a:schemeClr val="tx1"/>
+                  </a:solidFill>
+                  <a:latin typeface="Avenir Book" panose="02000503020000020003" pitchFamily="2" charset="0"/>
+                </a:rPr>
+                <a:t>start_byte</a:t>
+              </a:r>
+              <a:endParaRPr lang="en-US" sz="1000" dirty="0">
+                <a:solidFill>
+                  <a:schemeClr val="tx1"/>
+                </a:solidFill>
+                <a:latin typeface="Avenir Book" panose="02000503020000020003" pitchFamily="2" charset="0"/>
+              </a:endParaRPr>
+            </a:p>
+          </p:txBody>
+        </p:sp>
+        <p:sp>
+          <p:nvSpPr>
+            <p:cNvPr id="122" name="Rectangle 121">
+              <a:extLst>
+                <a:ext uri="{FF2B5EF4-FFF2-40B4-BE49-F238E27FC236}">
+                  <a16:creationId xmlns:a16="http://schemas.microsoft.com/office/drawing/2014/main" id="{1510E8B5-FF50-D545-B5D6-15E28EB60983}"/>
+                </a:ext>
+              </a:extLst>
+            </p:cNvPr>
+            <p:cNvSpPr/>
+            <p:nvPr/>
+          </p:nvSpPr>
+          <p:spPr>
+            <a:xfrm>
+              <a:off x="1817509" y="1615132"/>
+              <a:ext cx="1003277" cy="450370"/>
+            </a:xfrm>
+            <a:prstGeom prst="rect">
+              <a:avLst/>
+            </a:prstGeom>
+            <a:noFill/>
+            <a:ln w="9525">
+              <a:noFill/>
+            </a:ln>
+          </p:spPr>
+          <p:style>
+            <a:lnRef idx="2">
+              <a:schemeClr val="accent1">
+                <a:shade val="15000"/>
+              </a:schemeClr>
+            </a:lnRef>
+            <a:fillRef idx="1">
+              <a:schemeClr val="accent1"/>
+            </a:fillRef>
+            <a:effectRef idx="0">
+              <a:schemeClr val="accent1"/>
+            </a:effectRef>
+            <a:fontRef idx="minor">
+              <a:schemeClr val="lt1"/>
+            </a:fontRef>
+          </p:style>
+          <p:txBody>
+            <a:bodyPr rtlCol="0" anchor="ctr"/>
+            <a:lstStyle/>
+            <a:p>
+              <a:pPr algn="r"/>
+              <a:r>
+                <a:rPr lang="en-US" sz="1000" dirty="0">
+                  <a:solidFill>
+                    <a:schemeClr val="tx1"/>
+                  </a:solidFill>
+                  <a:latin typeface="Avenir Book" panose="02000503020000020003" pitchFamily="2" charset="0"/>
+                </a:rPr>
+                <a:t>block</a:t>
+              </a:r>
+            </a:p>
+          </p:txBody>
+        </p:sp>
+        <p:sp>
+          <p:nvSpPr>
+            <p:cNvPr id="123" name="Rectangle 122">
+              <a:extLst>
+                <a:ext uri="{FF2B5EF4-FFF2-40B4-BE49-F238E27FC236}">
+                  <a16:creationId xmlns:a16="http://schemas.microsoft.com/office/drawing/2014/main" id="{1C1B04F1-3160-59EA-0203-82D3600FAF5F}"/>
+                </a:ext>
+              </a:extLst>
+            </p:cNvPr>
+            <p:cNvSpPr/>
+            <p:nvPr/>
+          </p:nvSpPr>
+          <p:spPr>
+            <a:xfrm>
+              <a:off x="2874334" y="2162644"/>
+              <a:ext cx="2857516" cy="450370"/>
+            </a:xfrm>
+            <a:prstGeom prst="rect">
+              <a:avLst/>
+            </a:prstGeom>
+            <a:solidFill>
+              <a:schemeClr val="tx2">
+                <a:lumMod val="10000"/>
+                <a:lumOff val="90000"/>
+              </a:schemeClr>
+            </a:solidFill>
+            <a:ln w="9525"/>
+          </p:spPr>
+          <p:style>
+            <a:lnRef idx="2">
+              <a:schemeClr val="accent1">
+                <a:shade val="15000"/>
+              </a:schemeClr>
+            </a:lnRef>
+            <a:fillRef idx="1">
+              <a:schemeClr val="accent1"/>
+            </a:fillRef>
+            <a:effectRef idx="0">
+              <a:schemeClr val="accent1"/>
+            </a:effectRef>
+            <a:fontRef idx="minor">
+              <a:schemeClr val="lt1"/>
+            </a:fontRef>
+          </p:style>
+          <p:txBody>
+            <a:bodyPr rtlCol="0" anchor="ctr"/>
+            <a:lstStyle/>
+            <a:p>
+              <a:r>
+                <a:rPr lang="en-US" sz="1000" dirty="0">
+                  <a:solidFill>
+                    <a:schemeClr val="tx1"/>
+                  </a:solidFill>
+                  <a:latin typeface="Avenir Book" panose="02000503020000020003" pitchFamily="2" charset="0"/>
+                </a:rPr>
+                <a:t>6</a:t>
+              </a:r>
+            </a:p>
+          </p:txBody>
+        </p:sp>
+        <p:sp>
+          <p:nvSpPr>
+            <p:cNvPr id="124" name="Rectangle 123">
+              <a:extLst>
+                <a:ext uri="{FF2B5EF4-FFF2-40B4-BE49-F238E27FC236}">
+                  <a16:creationId xmlns:a16="http://schemas.microsoft.com/office/drawing/2014/main" id="{C5EA2C4F-5033-C093-27D6-68E34C80D0C1}"/>
+                </a:ext>
+              </a:extLst>
+            </p:cNvPr>
+            <p:cNvSpPr/>
+            <p:nvPr/>
+          </p:nvSpPr>
+          <p:spPr>
+            <a:xfrm>
+              <a:off x="2874332" y="1615132"/>
+              <a:ext cx="2857516" cy="450370"/>
+            </a:xfrm>
+            <a:prstGeom prst="rect">
+              <a:avLst/>
+            </a:prstGeom>
+            <a:solidFill>
+              <a:schemeClr val="tx2">
+                <a:lumMod val="10000"/>
+                <a:lumOff val="90000"/>
+              </a:schemeClr>
+            </a:solidFill>
+            <a:ln w="9525"/>
+          </p:spPr>
+          <p:style>
+            <a:lnRef idx="2">
+              <a:schemeClr val="accent1">
+                <a:shade val="15000"/>
+              </a:schemeClr>
+            </a:lnRef>
+            <a:fillRef idx="1">
+              <a:schemeClr val="accent1"/>
+            </a:fillRef>
+            <a:effectRef idx="0">
+              <a:schemeClr val="accent1"/>
+            </a:effectRef>
+            <a:fontRef idx="minor">
+              <a:schemeClr val="lt1"/>
+            </a:fontRef>
+          </p:style>
+          <p:txBody>
+            <a:bodyPr rtlCol="0" anchor="ctr"/>
+            <a:lstStyle/>
+            <a:p>
+              <a:endParaRPr lang="en-US" sz="1000" dirty="0">
+                <a:solidFill>
+                  <a:schemeClr val="tx1"/>
+                </a:solidFill>
+                <a:latin typeface="Avenir Book" panose="02000503020000020003" pitchFamily="2" charset="0"/>
+              </a:endParaRPr>
+            </a:p>
+          </p:txBody>
+        </p:sp>
+        <p:sp>
+          <p:nvSpPr>
+            <p:cNvPr id="125" name="Rectangle 124">
+              <a:extLst>
+                <a:ext uri="{FF2B5EF4-FFF2-40B4-BE49-F238E27FC236}">
+                  <a16:creationId xmlns:a16="http://schemas.microsoft.com/office/drawing/2014/main" id="{63B69857-827F-B47F-A306-F2C65CE4ABBD}"/>
+                </a:ext>
+              </a:extLst>
+            </p:cNvPr>
+            <p:cNvSpPr/>
+            <p:nvPr/>
+          </p:nvSpPr>
+          <p:spPr>
+            <a:xfrm>
+              <a:off x="1608170" y="4310664"/>
+              <a:ext cx="903111" cy="450370"/>
+            </a:xfrm>
+            <a:prstGeom prst="rect">
+              <a:avLst/>
+            </a:prstGeom>
+            <a:noFill/>
+            <a:ln w="9525">
+              <a:noFill/>
+            </a:ln>
+          </p:spPr>
+          <p:style>
+            <a:lnRef idx="2">
+              <a:schemeClr val="accent1">
+                <a:shade val="15000"/>
+              </a:schemeClr>
+            </a:lnRef>
+            <a:fillRef idx="1">
+              <a:schemeClr val="accent1"/>
+            </a:fillRef>
+            <a:effectRef idx="0">
+              <a:schemeClr val="accent1"/>
+            </a:effectRef>
+            <a:fontRef idx="minor">
+              <a:schemeClr val="lt1"/>
+            </a:fontRef>
+          </p:style>
+          <p:txBody>
+            <a:bodyPr rtlCol="0" anchor="ctr"/>
+            <a:lstStyle/>
+            <a:p>
+              <a:r>
+                <a:rPr lang="en-US" sz="1000" b="1" dirty="0">
+                  <a:solidFill>
+                    <a:schemeClr val="tx1"/>
+                  </a:solidFill>
+                  <a:latin typeface="Avenir Book" panose="02000503020000020003" pitchFamily="2" charset="0"/>
+                </a:rPr>
+                <a:t>Fragment</a:t>
+              </a:r>
+            </a:p>
+          </p:txBody>
+        </p:sp>
+      </p:grpSp>
+      <p:cxnSp>
+        <p:nvCxnSpPr>
+          <p:cNvPr id="130" name="Straight Connector 129">
+            <a:extLst>
+              <a:ext uri="{FF2B5EF4-FFF2-40B4-BE49-F238E27FC236}">
+                <a16:creationId xmlns:a16="http://schemas.microsoft.com/office/drawing/2014/main" id="{ECAC9B32-7C7B-2B51-8A78-FE9C46EF7744}"/>
+              </a:ext>
+            </a:extLst>
+          </p:cNvPr>
+          <p:cNvCxnSpPr>
+            <a:cxnSpLocks/>
+          </p:cNvCxnSpPr>
+          <p:nvPr/>
+        </p:nvCxnSpPr>
+        <p:spPr>
+          <a:xfrm>
+            <a:off x="3447655" y="3240742"/>
+            <a:ext cx="0" cy="942495"/>
+          </a:xfrm>
+          <a:prstGeom prst="line">
+            <a:avLst/>
+          </a:prstGeom>
+          <a:ln w="9525">
+            <a:solidFill>
+              <a:schemeClr val="tx1"/>
+            </a:solidFill>
+            <a:headEnd type="triangle" w="lg" len="lg"/>
+            <a:tailEnd type="oval"/>
+          </a:ln>
+        </p:spPr>
+        <p:style>
+          <a:lnRef idx="2">
+            <a:schemeClr val="accent1"/>
+          </a:lnRef>
+          <a:fillRef idx="0">
+            <a:schemeClr val="accent1"/>
+          </a:fillRef>
+          <a:effectRef idx="1">
+            <a:schemeClr val="accent1"/>
+          </a:effectRef>
+          <a:fontRef idx="minor">
+            <a:schemeClr val="tx1"/>
+          </a:fontRef>
+        </p:style>
+      </p:cxnSp>
+      <p:cxnSp>
+        <p:nvCxnSpPr>
+          <p:cNvPr id="134" name="Straight Connector 133">
+            <a:extLst>
+              <a:ext uri="{FF2B5EF4-FFF2-40B4-BE49-F238E27FC236}">
+                <a16:creationId xmlns:a16="http://schemas.microsoft.com/office/drawing/2014/main" id="{ABAF30D0-465A-7FB8-6694-3A29444C421A}"/>
+              </a:ext>
+            </a:extLst>
+          </p:cNvPr>
+          <p:cNvCxnSpPr>
+            <a:cxnSpLocks/>
+          </p:cNvCxnSpPr>
+          <p:nvPr/>
+        </p:nvCxnSpPr>
+        <p:spPr>
+          <a:xfrm>
+            <a:off x="7768034" y="3258230"/>
+            <a:ext cx="0" cy="942495"/>
+          </a:xfrm>
+          <a:prstGeom prst="line">
+            <a:avLst/>
+          </a:prstGeom>
+          <a:ln w="9525">
+            <a:solidFill>
+              <a:schemeClr val="tx1"/>
+            </a:solidFill>
+            <a:headEnd type="triangle" w="lg" len="lg"/>
+            <a:tailEnd type="oval"/>
+          </a:ln>
+        </p:spPr>
+        <p:style>
+          <a:lnRef idx="2">
+            <a:schemeClr val="accent1"/>
+          </a:lnRef>
+          <a:fillRef idx="0">
+            <a:schemeClr val="accent1"/>
+          </a:fillRef>
+          <a:effectRef idx="1">
+            <a:schemeClr val="accent1"/>
+          </a:effectRef>
+          <a:fontRef idx="minor">
+            <a:schemeClr val="tx1"/>
+          </a:fontRef>
+        </p:style>
+      </p:cxnSp>
+      <p:sp>
+        <p:nvSpPr>
+          <p:cNvPr id="135" name="Rectangle 134">
+            <a:extLst>
+              <a:ext uri="{FF2B5EF4-FFF2-40B4-BE49-F238E27FC236}">
+                <a16:creationId xmlns:a16="http://schemas.microsoft.com/office/drawing/2014/main" id="{AE1063DF-4D3A-10EA-FD34-8C2B84BDA6E6}"/>
+              </a:ext>
+            </a:extLst>
+          </p:cNvPr>
+          <p:cNvSpPr/>
+          <p:nvPr/>
+        </p:nvSpPr>
+        <p:spPr>
+          <a:xfrm>
+            <a:off x="2410885" y="475375"/>
+            <a:ext cx="839311" cy="376766"/>
+          </a:xfrm>
+          <a:prstGeom prst="rect">
+            <a:avLst/>
+          </a:prstGeom>
+          <a:noFill/>
+          <a:ln w="9525">
+            <a:noFill/>
+          </a:ln>
+        </p:spPr>
+        <p:style>
+          <a:lnRef idx="2">
+            <a:schemeClr val="accent1">
+              <a:shade val="15000"/>
+            </a:schemeClr>
+          </a:lnRef>
+          <a:fillRef idx="1">
+            <a:schemeClr val="accent1"/>
+          </a:fillRef>
+          <a:effectRef idx="0">
+            <a:schemeClr val="accent1"/>
+          </a:effectRef>
+          <a:fontRef idx="minor">
+            <a:schemeClr val="lt1"/>
+          </a:fontRef>
+        </p:style>
+        <p:txBody>
+          <a:bodyPr rtlCol="0" anchor="ctr"/>
+          <a:lstStyle/>
+          <a:p>
+            <a:pPr algn="r"/>
+            <a:r>
+              <a:rPr lang="en-US" sz="1000" dirty="0" err="1">
+                <a:solidFill>
+                  <a:schemeClr val="tx1"/>
+                </a:solidFill>
+                <a:latin typeface="Avenir Book" panose="02000503020000020003" pitchFamily="2" charset="0"/>
+              </a:rPr>
+              <a:t>block_uuid</a:t>
+            </a:r>
+            <a:endParaRPr lang="en-US" sz="1000" dirty="0">
+              <a:solidFill>
+                <a:schemeClr val="tx1"/>
+              </a:solidFill>
+              <a:latin typeface="Avenir Book" panose="02000503020000020003" pitchFamily="2" charset="0"/>
+            </a:endParaRPr>
+          </a:p>
+        </p:txBody>
+      </p:sp>
+      <p:sp>
+        <p:nvSpPr>
+          <p:cNvPr id="136" name="Rectangle 135">
+            <a:extLst>
+              <a:ext uri="{FF2B5EF4-FFF2-40B4-BE49-F238E27FC236}">
+                <a16:creationId xmlns:a16="http://schemas.microsoft.com/office/drawing/2014/main" id="{10E36F12-8A0E-F85F-CE1F-ED7E7DCF26EF}"/>
+              </a:ext>
+            </a:extLst>
+          </p:cNvPr>
+          <p:cNvSpPr/>
+          <p:nvPr/>
+        </p:nvSpPr>
+        <p:spPr>
+          <a:xfrm>
+            <a:off x="3294991" y="475375"/>
+            <a:ext cx="4842674" cy="376766"/>
+          </a:xfrm>
+          <a:prstGeom prst="rect">
+            <a:avLst/>
+          </a:prstGeom>
+          <a:solidFill>
+            <a:schemeClr val="tx2">
+              <a:lumMod val="10000"/>
+              <a:lumOff val="90000"/>
+            </a:schemeClr>
+          </a:solidFill>
+          <a:ln w="9525"/>
+        </p:spPr>
+        <p:style>
+          <a:lnRef idx="2">
+            <a:schemeClr val="accent1">
+              <a:shade val="15000"/>
+            </a:schemeClr>
+          </a:lnRef>
+          <a:fillRef idx="1">
+            <a:schemeClr val="accent1"/>
+          </a:fillRef>
+          <a:effectRef idx="0">
+            <a:schemeClr val="accent1"/>
+          </a:effectRef>
+          <a:fontRef idx="minor">
+            <a:schemeClr val="lt1"/>
+          </a:fontRef>
+        </p:style>
+        <p:txBody>
+          <a:bodyPr rtlCol="0" anchor="ctr"/>
+          <a:lstStyle/>
+          <a:p>
+            <a:r>
+              <a:rPr lang="en-US" sz="1000" dirty="0">
+                <a:solidFill>
+                  <a:schemeClr val="tx1"/>
+                </a:solidFill>
+                <a:latin typeface="Avenir Book" panose="02000503020000020003" pitchFamily="2" charset="0"/>
+              </a:rPr>
+              <a:t>c593d7e2-feae-4e8f-8cba-a3a61e037186</a:t>
+            </a:r>
+          </a:p>
+        </p:txBody>
+      </p:sp>
+      <p:sp>
+        <p:nvSpPr>
+          <p:cNvPr id="137" name="Rectangle 136">
+            <a:extLst>
+              <a:ext uri="{FF2B5EF4-FFF2-40B4-BE49-F238E27FC236}">
+                <a16:creationId xmlns:a16="http://schemas.microsoft.com/office/drawing/2014/main" id="{7F4AFF9C-4D4A-3577-517A-EAB9F4774BEE}"/>
+              </a:ext>
+            </a:extLst>
+          </p:cNvPr>
+          <p:cNvSpPr/>
+          <p:nvPr/>
+        </p:nvSpPr>
+        <p:spPr>
+          <a:xfrm>
+            <a:off x="573463" y="209511"/>
+            <a:ext cx="11045074" cy="6465239"/>
+          </a:xfrm>
+          <a:prstGeom prst="rect">
+            <a:avLst/>
+          </a:prstGeom>
+          <a:noFill/>
+          <a:ln w="9525">
+            <a:solidFill>
+              <a:schemeClr val="bg1">
+                <a:lumMod val="65000"/>
+              </a:schemeClr>
+            </a:solidFill>
+          </a:ln>
+        </p:spPr>
+        <p:style>
+          <a:lnRef idx="2">
+            <a:schemeClr val="accent1">
+              <a:shade val="15000"/>
+            </a:schemeClr>
+          </a:lnRef>
+          <a:fillRef idx="1">
+            <a:schemeClr val="accent1"/>
+          </a:fillRef>
+          <a:effectRef idx="0">
+            <a:schemeClr val="accent1"/>
+          </a:effectRef>
+          <a:fontRef idx="minor">
+            <a:schemeClr val="lt1"/>
+          </a:fontRef>
+        </p:style>
+        <p:txBody>
+          <a:bodyPr rtlCol="0" anchor="ctr"/>
+          <a:lstStyle/>
+          <a:p>
+            <a:pPr algn="ctr"/>
+            <a:endParaRPr lang="en-US" sz="1000" dirty="0">
+              <a:solidFill>
+                <a:schemeClr val="tx1"/>
+              </a:solidFill>
+              <a:latin typeface="Avenir Book" panose="02000503020000020003" pitchFamily="2" charset="0"/>
+            </a:endParaRPr>
+          </a:p>
+        </p:txBody>
+      </p:sp>
+    </p:spTree>
+    <p:extLst>
+      <p:ext uri="{BB962C8B-B14F-4D97-AF65-F5344CB8AC3E}">
+        <p14:creationId xmlns:p14="http://schemas.microsoft.com/office/powerpoint/2010/main" val="371025616"/>
       </p:ext>
     </p:extLst>
   </p:cSld>

--- a/docs/figures/figures.pptx
+++ b/docs/figures/figures.pptx
@@ -7029,7 +7029,7 @@
                     </a:solidFill>
                     <a:latin typeface="Avenir Book" panose="02000503020000020003" pitchFamily="2" charset="0"/>
                   </a:rPr>
-                  <a:t>PUT client-registration</a:t>
+                  <a:t>PUT registration</a:t>
                 </a:r>
               </a:p>
             </p:txBody>
@@ -7288,14 +7288,20 @@
               <a:lstStyle/>
               <a:p>
                 <a:r>
-                  <a:rPr lang="en-US" sz="1000" dirty="0">
+                  <a:rPr lang="en-US" sz="1000">
                     <a:solidFill>
                       <a:srgbClr val="FF0000"/>
                     </a:solidFill>
                     <a:latin typeface="Avenir Book" panose="02000503020000020003" pitchFamily="2" charset="0"/>
                   </a:rPr>
-                  <a:t>PUT client-registration</a:t>
+                  <a:t>PUT registration</a:t>
                 </a:r>
+                <a:endParaRPr lang="en-US" sz="1000" dirty="0">
+                  <a:solidFill>
+                    <a:srgbClr val="FF0000"/>
+                  </a:solidFill>
+                  <a:latin typeface="Avenir Book" panose="02000503020000020003" pitchFamily="2" charset="0"/>
+                </a:endParaRPr>
               </a:p>
             </p:txBody>
           </p:sp>
@@ -7559,7 +7565,7 @@
                     </a:solidFill>
                     <a:latin typeface="Avenir Book" panose="02000503020000020003" pitchFamily="2" charset="0"/>
                   </a:rPr>
-                  <a:t>PUT client-registration</a:t>
+                  <a:t>PUT registration</a:t>
                 </a:r>
               </a:p>
             </p:txBody>
@@ -7824,7 +7830,7 @@
                     </a:solidFill>
                     <a:latin typeface="Avenir Book" panose="02000503020000020003" pitchFamily="2" charset="0"/>
                   </a:rPr>
-                  <a:t>PUT client-registration</a:t>
+                  <a:t>PUT registration</a:t>
                 </a:r>
               </a:p>
             </p:txBody>

--- a/docs/figures/figures.pptx
+++ b/docs/figures/figures.pptx
@@ -5,14 +5,16 @@
     <p:sldMasterId id="2147483648" r:id="rId1"/>
   </p:sldMasterIdLst>
   <p:notesMasterIdLst>
-    <p:notesMasterId r:id="rId7"/>
+    <p:notesMasterId r:id="rId9"/>
   </p:notesMasterIdLst>
   <p:sldIdLst>
-    <p:sldId id="256" r:id="rId2"/>
-    <p:sldId id="257" r:id="rId3"/>
-    <p:sldId id="258" r:id="rId4"/>
-    <p:sldId id="259" r:id="rId5"/>
-    <p:sldId id="260" r:id="rId6"/>
+    <p:sldId id="261" r:id="rId2"/>
+    <p:sldId id="262" r:id="rId3"/>
+    <p:sldId id="256" r:id="rId4"/>
+    <p:sldId id="257" r:id="rId5"/>
+    <p:sldId id="258" r:id="rId6"/>
+    <p:sldId id="259" r:id="rId7"/>
+    <p:sldId id="260" r:id="rId8"/>
   </p:sldIdLst>
   <p:sldSz cx="12192000" cy="6858000"/>
   <p:notesSz cx="6858000" cy="9144000"/>
@@ -201,7 +203,7 @@
           <a:p>
             <a:fld id="{66C4A6C0-F2EC-FC45-B98B-ED31D507F3F3}" type="datetimeFigureOut">
               <a:rPr lang="en-US" smtClean="0"/>
-              <a:t>9/5/25</a:t>
+              <a:t>9/24/25</a:t>
             </a:fld>
             <a:endParaRPr lang="en-US"/>
           </a:p>
@@ -533,7 +535,7 @@
           <a:p>
             <a:fld id="{9E526F2C-6B23-EF40-8ED8-C98EB975494B}" type="slidenum">
               <a:rPr lang="en-US" smtClean="0"/>
-              <a:t>3</a:t>
+              <a:t>5</a:t>
             </a:fld>
             <a:endParaRPr lang="en-US"/>
           </a:p>
@@ -699,7 +701,7 @@
           <a:p>
             <a:fld id="{6E32B2FD-E7C2-BB4E-8CD5-3A0929CC3D5F}" type="datetimeFigureOut">
               <a:rPr lang="en-US" smtClean="0"/>
-              <a:t>9/5/25</a:t>
+              <a:t>9/24/25</a:t>
             </a:fld>
             <a:endParaRPr lang="en-US"/>
           </a:p>
@@ -897,7 +899,7 @@
           <a:p>
             <a:fld id="{6E32B2FD-E7C2-BB4E-8CD5-3A0929CC3D5F}" type="datetimeFigureOut">
               <a:rPr lang="en-US" smtClean="0"/>
-              <a:t>9/5/25</a:t>
+              <a:t>9/24/25</a:t>
             </a:fld>
             <a:endParaRPr lang="en-US"/>
           </a:p>
@@ -1105,7 +1107,7 @@
           <a:p>
             <a:fld id="{6E32B2FD-E7C2-BB4E-8CD5-3A0929CC3D5F}" type="datetimeFigureOut">
               <a:rPr lang="en-US" smtClean="0"/>
-              <a:t>9/5/25</a:t>
+              <a:t>9/24/25</a:t>
             </a:fld>
             <a:endParaRPr lang="en-US"/>
           </a:p>
@@ -1303,7 +1305,7 @@
           <a:p>
             <a:fld id="{6E32B2FD-E7C2-BB4E-8CD5-3A0929CC3D5F}" type="datetimeFigureOut">
               <a:rPr lang="en-US" smtClean="0"/>
-              <a:t>9/5/25</a:t>
+              <a:t>9/24/25</a:t>
             </a:fld>
             <a:endParaRPr lang="en-US"/>
           </a:p>
@@ -1578,7 +1580,7 @@
           <a:p>
             <a:fld id="{6E32B2FD-E7C2-BB4E-8CD5-3A0929CC3D5F}" type="datetimeFigureOut">
               <a:rPr lang="en-US" smtClean="0"/>
-              <a:t>9/5/25</a:t>
+              <a:t>9/24/25</a:t>
             </a:fld>
             <a:endParaRPr lang="en-US"/>
           </a:p>
@@ -1843,7 +1845,7 @@
           <a:p>
             <a:fld id="{6E32B2FD-E7C2-BB4E-8CD5-3A0929CC3D5F}" type="datetimeFigureOut">
               <a:rPr lang="en-US" smtClean="0"/>
-              <a:t>9/5/25</a:t>
+              <a:t>9/24/25</a:t>
             </a:fld>
             <a:endParaRPr lang="en-US"/>
           </a:p>
@@ -2255,7 +2257,7 @@
           <a:p>
             <a:fld id="{6E32B2FD-E7C2-BB4E-8CD5-3A0929CC3D5F}" type="datetimeFigureOut">
               <a:rPr lang="en-US" smtClean="0"/>
-              <a:t>9/5/25</a:t>
+              <a:t>9/24/25</a:t>
             </a:fld>
             <a:endParaRPr lang="en-US"/>
           </a:p>
@@ -2396,7 +2398,7 @@
           <a:p>
             <a:fld id="{6E32B2FD-E7C2-BB4E-8CD5-3A0929CC3D5F}" type="datetimeFigureOut">
               <a:rPr lang="en-US" smtClean="0"/>
-              <a:t>9/5/25</a:t>
+              <a:t>9/24/25</a:t>
             </a:fld>
             <a:endParaRPr lang="en-US"/>
           </a:p>
@@ -2509,7 +2511,7 @@
           <a:p>
             <a:fld id="{6E32B2FD-E7C2-BB4E-8CD5-3A0929CC3D5F}" type="datetimeFigureOut">
               <a:rPr lang="en-US" smtClean="0"/>
-              <a:t>9/5/25</a:t>
+              <a:t>9/24/25</a:t>
             </a:fld>
             <a:endParaRPr lang="en-US"/>
           </a:p>
@@ -2820,7 +2822,7 @@
           <a:p>
             <a:fld id="{6E32B2FD-E7C2-BB4E-8CD5-3A0929CC3D5F}" type="datetimeFigureOut">
               <a:rPr lang="en-US" smtClean="0"/>
-              <a:t>9/5/25</a:t>
+              <a:t>9/24/25</a:t>
             </a:fld>
             <a:endParaRPr lang="en-US"/>
           </a:p>
@@ -3108,7 +3110,7 @@
           <a:p>
             <a:fld id="{6E32B2FD-E7C2-BB4E-8CD5-3A0929CC3D5F}" type="datetimeFigureOut">
               <a:rPr lang="en-US" smtClean="0"/>
-              <a:t>9/5/25</a:t>
+              <a:t>9/24/25</a:t>
             </a:fld>
             <a:endParaRPr lang="en-US"/>
           </a:p>
@@ -3349,7 +3351,7 @@
           <a:p>
             <a:fld id="{6E32B2FD-E7C2-BB4E-8CD5-3A0929CC3D5F}" type="datetimeFigureOut">
               <a:rPr lang="en-US" smtClean="0"/>
-              <a:t>9/5/25</a:t>
+              <a:t>9/24/25</a:t>
             </a:fld>
             <a:endParaRPr lang="en-US"/>
           </a:p>
@@ -3766,6 +3768,126 @@
           <a:chExt cx="0" cy="0"/>
         </a:xfrm>
       </p:grpSpPr>
+      <p:pic>
+        <p:nvPicPr>
+          <p:cNvPr id="6" name="Picture 5">
+            <a:extLst>
+              <a:ext uri="{FF2B5EF4-FFF2-40B4-BE49-F238E27FC236}">
+                <a16:creationId xmlns:a16="http://schemas.microsoft.com/office/drawing/2014/main" id="{43A7B373-2306-E4FA-7FF2-DA7699FBB0F2}"/>
+              </a:ext>
+            </a:extLst>
+          </p:cNvPr>
+          <p:cNvPicPr>
+            <a:picLocks noChangeAspect="1"/>
+          </p:cNvPicPr>
+          <p:nvPr/>
+        </p:nvPicPr>
+        <p:blipFill>
+          <a:blip r:embed="rId2"/>
+          <a:stretch>
+            <a:fillRect/>
+          </a:stretch>
+        </p:blipFill>
+        <p:spPr>
+          <a:xfrm>
+            <a:off x="2209800" y="957557"/>
+            <a:ext cx="7772400" cy="4942886"/>
+          </a:xfrm>
+          <a:prstGeom prst="rect">
+            <a:avLst/>
+          </a:prstGeom>
+        </p:spPr>
+      </p:pic>
+    </p:spTree>
+    <p:extLst>
+      <p:ext uri="{BB962C8B-B14F-4D97-AF65-F5344CB8AC3E}">
+        <p14:creationId xmlns:p14="http://schemas.microsoft.com/office/powerpoint/2010/main" val="791609908"/>
+      </p:ext>
+    </p:extLst>
+  </p:cSld>
+  <p:clrMapOvr>
+    <a:masterClrMapping/>
+  </p:clrMapOvr>
+</p:sld>
+</file>
+
+<file path=ppt/slides/slide2.xml><?xml version="1.0" encoding="utf-8"?>
+<p:sld xmlns:a="http://schemas.openxmlformats.org/drawingml/2006/main" xmlns:r="http://schemas.openxmlformats.org/officeDocument/2006/relationships" xmlns:p="http://schemas.openxmlformats.org/presentationml/2006/main">
+  <p:cSld>
+    <p:spTree>
+      <p:nvGrpSpPr>
+        <p:cNvPr id="1" name=""/>
+        <p:cNvGrpSpPr/>
+        <p:nvPr/>
+      </p:nvGrpSpPr>
+      <p:grpSpPr>
+        <a:xfrm>
+          <a:off x="0" y="0"/>
+          <a:ext cx="0" cy="0"/>
+          <a:chOff x="0" y="0"/>
+          <a:chExt cx="0" cy="0"/>
+        </a:xfrm>
+      </p:grpSpPr>
+      <p:pic>
+        <p:nvPicPr>
+          <p:cNvPr id="2" name="Picture 1">
+            <a:extLst>
+              <a:ext uri="{FF2B5EF4-FFF2-40B4-BE49-F238E27FC236}">
+                <a16:creationId xmlns:a16="http://schemas.microsoft.com/office/drawing/2014/main" id="{06C64E02-6747-0671-6A48-B4D91245E5F0}"/>
+              </a:ext>
+            </a:extLst>
+          </p:cNvPr>
+          <p:cNvPicPr>
+            <a:picLocks noChangeAspect="1"/>
+          </p:cNvPicPr>
+          <p:nvPr/>
+        </p:nvPicPr>
+        <p:blipFill>
+          <a:blip r:embed="rId2"/>
+          <a:stretch>
+            <a:fillRect/>
+          </a:stretch>
+        </p:blipFill>
+        <p:spPr>
+          <a:xfrm>
+            <a:off x="2209800" y="957557"/>
+            <a:ext cx="7772400" cy="4942886"/>
+          </a:xfrm>
+          <a:prstGeom prst="rect">
+            <a:avLst/>
+          </a:prstGeom>
+        </p:spPr>
+      </p:pic>
+    </p:spTree>
+    <p:extLst>
+      <p:ext uri="{BB962C8B-B14F-4D97-AF65-F5344CB8AC3E}">
+        <p14:creationId xmlns:p14="http://schemas.microsoft.com/office/powerpoint/2010/main" val="2096016511"/>
+      </p:ext>
+    </p:extLst>
+  </p:cSld>
+  <p:clrMapOvr>
+    <a:masterClrMapping/>
+  </p:clrMapOvr>
+</p:sld>
+</file>
+
+<file path=ppt/slides/slide3.xml><?xml version="1.0" encoding="utf-8"?>
+<p:sld xmlns:a="http://schemas.openxmlformats.org/drawingml/2006/main" xmlns:r="http://schemas.openxmlformats.org/officeDocument/2006/relationships" xmlns:p="http://schemas.openxmlformats.org/presentationml/2006/main">
+  <p:cSld>
+    <p:spTree>
+      <p:nvGrpSpPr>
+        <p:cNvPr id="1" name=""/>
+        <p:cNvGrpSpPr/>
+        <p:nvPr/>
+      </p:nvGrpSpPr>
+      <p:grpSpPr>
+        <a:xfrm>
+          <a:off x="0" y="0"/>
+          <a:ext cx="0" cy="0"/>
+          <a:chOff x="0" y="0"/>
+          <a:chExt cx="0" cy="0"/>
+        </a:xfrm>
+      </p:grpSpPr>
       <p:sp>
         <p:nvSpPr>
           <p:cNvPr id="105" name="Rectangle 104">
@@ -6255,7 +6377,7 @@
 </p:sld>
 </file>
 
-<file path=ppt/slides/slide2.xml><?xml version="1.0" encoding="utf-8"?>
+<file path=ppt/slides/slide4.xml><?xml version="1.0" encoding="utf-8"?>
 <p:sld xmlns:a="http://schemas.openxmlformats.org/drawingml/2006/main" xmlns:r="http://schemas.openxmlformats.org/officeDocument/2006/relationships" xmlns:p="http://schemas.openxmlformats.org/presentationml/2006/main">
   <p:cSld>
     <p:spTree>
@@ -7972,7 +8094,7 @@
 </p:sld>
 </file>
 
-<file path=ppt/slides/slide3.xml><?xml version="1.0" encoding="utf-8"?>
+<file path=ppt/slides/slide5.xml><?xml version="1.0" encoding="utf-8"?>
 <p:sld xmlns:a="http://schemas.openxmlformats.org/drawingml/2006/main" xmlns:r="http://schemas.openxmlformats.org/officeDocument/2006/relationships" xmlns:p="http://schemas.openxmlformats.org/presentationml/2006/main">
   <p:cSld>
     <p:spTree>
@@ -9834,7 +9956,7 @@
 </p:sld>
 </file>
 
-<file path=ppt/slides/slide4.xml><?xml version="1.0" encoding="utf-8"?>
+<file path=ppt/slides/slide6.xml><?xml version="1.0" encoding="utf-8"?>
 <p:sld xmlns:a="http://schemas.openxmlformats.org/drawingml/2006/main" xmlns:r="http://schemas.openxmlformats.org/officeDocument/2006/relationships" xmlns:p="http://schemas.openxmlformats.org/presentationml/2006/main">
   <p:cSld>
     <p:spTree>
@@ -10753,7 +10875,7 @@
 </p:sld>
 </file>
 
-<file path=ppt/slides/slide5.xml><?xml version="1.0" encoding="utf-8"?>
+<file path=ppt/slides/slide7.xml><?xml version="1.0" encoding="utf-8"?>
 <p:sld xmlns:a="http://schemas.openxmlformats.org/drawingml/2006/main" xmlns:r="http://schemas.openxmlformats.org/officeDocument/2006/relationships" xmlns:p="http://schemas.openxmlformats.org/presentationml/2006/main">
   <p:cSld>
     <p:spTree>

--- a/docs/figures/figures.pptx
+++ b/docs/figures/figures.pptx
@@ -5,16 +5,17 @@
     <p:sldMasterId id="2147483648" r:id="rId1"/>
   </p:sldMasterIdLst>
   <p:notesMasterIdLst>
-    <p:notesMasterId r:id="rId9"/>
+    <p:notesMasterId r:id="rId10"/>
   </p:notesMasterIdLst>
   <p:sldIdLst>
     <p:sldId id="261" r:id="rId2"/>
     <p:sldId id="262" r:id="rId3"/>
-    <p:sldId id="256" r:id="rId4"/>
-    <p:sldId id="257" r:id="rId5"/>
-    <p:sldId id="258" r:id="rId6"/>
-    <p:sldId id="259" r:id="rId7"/>
-    <p:sldId id="260" r:id="rId8"/>
+    <p:sldId id="263" r:id="rId4"/>
+    <p:sldId id="256" r:id="rId5"/>
+    <p:sldId id="257" r:id="rId6"/>
+    <p:sldId id="258" r:id="rId7"/>
+    <p:sldId id="259" r:id="rId8"/>
+    <p:sldId id="260" r:id="rId9"/>
   </p:sldIdLst>
   <p:sldSz cx="12192000" cy="6858000"/>
   <p:notesSz cx="6858000" cy="9144000"/>
@@ -203,7 +204,7 @@
           <a:p>
             <a:fld id="{66C4A6C0-F2EC-FC45-B98B-ED31D507F3F3}" type="datetimeFigureOut">
               <a:rPr lang="en-US" smtClean="0"/>
-              <a:t>9/24/25</a:t>
+              <a:t>9/25/25</a:t>
             </a:fld>
             <a:endParaRPr lang="en-US"/>
           </a:p>
@@ -535,7 +536,7 @@
           <a:p>
             <a:fld id="{9E526F2C-6B23-EF40-8ED8-C98EB975494B}" type="slidenum">
               <a:rPr lang="en-US" smtClean="0"/>
-              <a:t>5</a:t>
+              <a:t>6</a:t>
             </a:fld>
             <a:endParaRPr lang="en-US"/>
           </a:p>
@@ -701,7 +702,7 @@
           <a:p>
             <a:fld id="{6E32B2FD-E7C2-BB4E-8CD5-3A0929CC3D5F}" type="datetimeFigureOut">
               <a:rPr lang="en-US" smtClean="0"/>
-              <a:t>9/24/25</a:t>
+              <a:t>9/25/25</a:t>
             </a:fld>
             <a:endParaRPr lang="en-US"/>
           </a:p>
@@ -899,7 +900,7 @@
           <a:p>
             <a:fld id="{6E32B2FD-E7C2-BB4E-8CD5-3A0929CC3D5F}" type="datetimeFigureOut">
               <a:rPr lang="en-US" smtClean="0"/>
-              <a:t>9/24/25</a:t>
+              <a:t>9/25/25</a:t>
             </a:fld>
             <a:endParaRPr lang="en-US"/>
           </a:p>
@@ -1107,7 +1108,7 @@
           <a:p>
             <a:fld id="{6E32B2FD-E7C2-BB4E-8CD5-3A0929CC3D5F}" type="datetimeFigureOut">
               <a:rPr lang="en-US" smtClean="0"/>
-              <a:t>9/24/25</a:t>
+              <a:t>9/25/25</a:t>
             </a:fld>
             <a:endParaRPr lang="en-US"/>
           </a:p>
@@ -1305,7 +1306,7 @@
           <a:p>
             <a:fld id="{6E32B2FD-E7C2-BB4E-8CD5-3A0929CC3D5F}" type="datetimeFigureOut">
               <a:rPr lang="en-US" smtClean="0"/>
-              <a:t>9/24/25</a:t>
+              <a:t>9/25/25</a:t>
             </a:fld>
             <a:endParaRPr lang="en-US"/>
           </a:p>
@@ -1580,7 +1581,7 @@
           <a:p>
             <a:fld id="{6E32B2FD-E7C2-BB4E-8CD5-3A0929CC3D5F}" type="datetimeFigureOut">
               <a:rPr lang="en-US" smtClean="0"/>
-              <a:t>9/24/25</a:t>
+              <a:t>9/25/25</a:t>
             </a:fld>
             <a:endParaRPr lang="en-US"/>
           </a:p>
@@ -1845,7 +1846,7 @@
           <a:p>
             <a:fld id="{6E32B2FD-E7C2-BB4E-8CD5-3A0929CC3D5F}" type="datetimeFigureOut">
               <a:rPr lang="en-US" smtClean="0"/>
-              <a:t>9/24/25</a:t>
+              <a:t>9/25/25</a:t>
             </a:fld>
             <a:endParaRPr lang="en-US"/>
           </a:p>
@@ -2257,7 +2258,7 @@
           <a:p>
             <a:fld id="{6E32B2FD-E7C2-BB4E-8CD5-3A0929CC3D5F}" type="datetimeFigureOut">
               <a:rPr lang="en-US" smtClean="0"/>
-              <a:t>9/24/25</a:t>
+              <a:t>9/25/25</a:t>
             </a:fld>
             <a:endParaRPr lang="en-US"/>
           </a:p>
@@ -2398,7 +2399,7 @@
           <a:p>
             <a:fld id="{6E32B2FD-E7C2-BB4E-8CD5-3A0929CC3D5F}" type="datetimeFigureOut">
               <a:rPr lang="en-US" smtClean="0"/>
-              <a:t>9/24/25</a:t>
+              <a:t>9/25/25</a:t>
             </a:fld>
             <a:endParaRPr lang="en-US"/>
           </a:p>
@@ -2511,7 +2512,7 @@
           <a:p>
             <a:fld id="{6E32B2FD-E7C2-BB4E-8CD5-3A0929CC3D5F}" type="datetimeFigureOut">
               <a:rPr lang="en-US" smtClean="0"/>
-              <a:t>9/24/25</a:t>
+              <a:t>9/25/25</a:t>
             </a:fld>
             <a:endParaRPr lang="en-US"/>
           </a:p>
@@ -2822,7 +2823,7 @@
           <a:p>
             <a:fld id="{6E32B2FD-E7C2-BB4E-8CD5-3A0929CC3D5F}" type="datetimeFigureOut">
               <a:rPr lang="en-US" smtClean="0"/>
-              <a:t>9/24/25</a:t>
+              <a:t>9/25/25</a:t>
             </a:fld>
             <a:endParaRPr lang="en-US"/>
           </a:p>
@@ -3110,7 +3111,7 @@
           <a:p>
             <a:fld id="{6E32B2FD-E7C2-BB4E-8CD5-3A0929CC3D5F}" type="datetimeFigureOut">
               <a:rPr lang="en-US" smtClean="0"/>
-              <a:t>9/24/25</a:t>
+              <a:t>9/25/25</a:t>
             </a:fld>
             <a:endParaRPr lang="en-US"/>
           </a:p>
@@ -3351,7 +3352,7 @@
           <a:p>
             <a:fld id="{6E32B2FD-E7C2-BB4E-8CD5-3A0929CC3D5F}" type="datetimeFigureOut">
               <a:rPr lang="en-US" smtClean="0"/>
-              <a:t>9/24/25</a:t>
+              <a:t>9/25/25</a:t>
             </a:fld>
             <a:endParaRPr lang="en-US"/>
           </a:p>
@@ -3888,6 +3889,66 @@
           <a:chExt cx="0" cy="0"/>
         </a:xfrm>
       </p:grpSpPr>
+      <p:pic>
+        <p:nvPicPr>
+          <p:cNvPr id="2" name="Picture 1">
+            <a:extLst>
+              <a:ext uri="{FF2B5EF4-FFF2-40B4-BE49-F238E27FC236}">
+                <a16:creationId xmlns:a16="http://schemas.microsoft.com/office/drawing/2014/main" id="{F638DDB8-40FB-D570-D005-002266AFD9D7}"/>
+              </a:ext>
+            </a:extLst>
+          </p:cNvPr>
+          <p:cNvPicPr>
+            <a:picLocks noChangeAspect="1"/>
+          </p:cNvPicPr>
+          <p:nvPr/>
+        </p:nvPicPr>
+        <p:blipFill>
+          <a:blip r:embed="rId2"/>
+          <a:stretch>
+            <a:fillRect/>
+          </a:stretch>
+        </p:blipFill>
+        <p:spPr>
+          <a:xfrm>
+            <a:off x="2209800" y="957557"/>
+            <a:ext cx="7772400" cy="4942886"/>
+          </a:xfrm>
+          <a:prstGeom prst="rect">
+            <a:avLst/>
+          </a:prstGeom>
+        </p:spPr>
+      </p:pic>
+    </p:spTree>
+    <p:extLst>
+      <p:ext uri="{BB962C8B-B14F-4D97-AF65-F5344CB8AC3E}">
+        <p14:creationId xmlns:p14="http://schemas.microsoft.com/office/powerpoint/2010/main" val="3018558256"/>
+      </p:ext>
+    </p:extLst>
+  </p:cSld>
+  <p:clrMapOvr>
+    <a:masterClrMapping/>
+  </p:clrMapOvr>
+</p:sld>
+</file>
+
+<file path=ppt/slides/slide4.xml><?xml version="1.0" encoding="utf-8"?>
+<p:sld xmlns:a="http://schemas.openxmlformats.org/drawingml/2006/main" xmlns:r="http://schemas.openxmlformats.org/officeDocument/2006/relationships" xmlns:p="http://schemas.openxmlformats.org/presentationml/2006/main">
+  <p:cSld>
+    <p:spTree>
+      <p:nvGrpSpPr>
+        <p:cNvPr id="1" name=""/>
+        <p:cNvGrpSpPr/>
+        <p:nvPr/>
+      </p:nvGrpSpPr>
+      <p:grpSpPr>
+        <a:xfrm>
+          <a:off x="0" y="0"/>
+          <a:ext cx="0" cy="0"/>
+          <a:chOff x="0" y="0"/>
+          <a:chExt cx="0" cy="0"/>
+        </a:xfrm>
+      </p:grpSpPr>
       <p:sp>
         <p:nvSpPr>
           <p:cNvPr id="105" name="Rectangle 104">
@@ -6377,7 +6438,7 @@
 </p:sld>
 </file>
 
-<file path=ppt/slides/slide4.xml><?xml version="1.0" encoding="utf-8"?>
+<file path=ppt/slides/slide5.xml><?xml version="1.0" encoding="utf-8"?>
 <p:sld xmlns:a="http://schemas.openxmlformats.org/drawingml/2006/main" xmlns:r="http://schemas.openxmlformats.org/officeDocument/2006/relationships" xmlns:p="http://schemas.openxmlformats.org/presentationml/2006/main">
   <p:cSld>
     <p:spTree>
@@ -8094,7 +8155,7 @@
 </p:sld>
 </file>
 
-<file path=ppt/slides/slide5.xml><?xml version="1.0" encoding="utf-8"?>
+<file path=ppt/slides/slide6.xml><?xml version="1.0" encoding="utf-8"?>
 <p:sld xmlns:a="http://schemas.openxmlformats.org/drawingml/2006/main" xmlns:r="http://schemas.openxmlformats.org/officeDocument/2006/relationships" xmlns:p="http://schemas.openxmlformats.org/presentationml/2006/main">
   <p:cSld>
     <p:spTree>
@@ -9956,7 +10017,7 @@
 </p:sld>
 </file>
 
-<file path=ppt/slides/slide6.xml><?xml version="1.0" encoding="utf-8"?>
+<file path=ppt/slides/slide7.xml><?xml version="1.0" encoding="utf-8"?>
 <p:sld xmlns:a="http://schemas.openxmlformats.org/drawingml/2006/main" xmlns:r="http://schemas.openxmlformats.org/officeDocument/2006/relationships" xmlns:p="http://schemas.openxmlformats.org/presentationml/2006/main">
   <p:cSld>
     <p:spTree>
@@ -10875,7 +10936,7 @@
 </p:sld>
 </file>
 
-<file path=ppt/slides/slide7.xml><?xml version="1.0" encoding="utf-8"?>
+<file path=ppt/slides/slide8.xml><?xml version="1.0" encoding="utf-8"?>
 <p:sld xmlns:a="http://schemas.openxmlformats.org/drawingml/2006/main" xmlns:r="http://schemas.openxmlformats.org/officeDocument/2006/relationships" xmlns:p="http://schemas.openxmlformats.org/presentationml/2006/main">
   <p:cSld>
     <p:spTree>

--- a/docs/figures/figures.pptx
+++ b/docs/figures/figures.pptx
@@ -7334,8 +7334,23 @@
                     </a:solidFill>
                     <a:latin typeface="Avenir Book" panose="02000503020000020003" pitchFamily="2" charset="0"/>
                   </a:rPr>
-                  <a:t>GET pre-shared-random-data</a:t>
+                  <a:t>GET </a:t>
                 </a:r>
+                <a:r>
+                  <a:rPr lang="en-US" sz="1000" dirty="0" err="1">
+                    <a:solidFill>
+                      <a:srgbClr val="FF0000"/>
+                    </a:solidFill>
+                    <a:latin typeface="Avenir Book" panose="02000503020000020003" pitchFamily="2" charset="0"/>
+                  </a:rPr>
+                  <a:t>psrd</a:t>
+                </a:r>
+                <a:endParaRPr lang="en-US" sz="1000" dirty="0">
+                  <a:solidFill>
+                    <a:srgbClr val="FF0000"/>
+                  </a:solidFill>
+                  <a:latin typeface="Avenir Book" panose="02000503020000020003" pitchFamily="2" charset="0"/>
+                </a:endParaRPr>
               </a:p>
             </p:txBody>
           </p:sp>
@@ -7605,8 +7620,23 @@
                     </a:solidFill>
                     <a:latin typeface="Avenir Book" panose="02000503020000020003" pitchFamily="2" charset="0"/>
                   </a:rPr>
-                  <a:t>GET pre-shared-random-data</a:t>
+                  <a:t>GET </a:t>
                 </a:r>
+                <a:r>
+                  <a:rPr lang="en-US" sz="1000" dirty="0" err="1">
+                    <a:solidFill>
+                      <a:srgbClr val="FF0000"/>
+                    </a:solidFill>
+                    <a:latin typeface="Avenir Book" panose="02000503020000020003" pitchFamily="2" charset="0"/>
+                  </a:rPr>
+                  <a:t>psrd</a:t>
+                </a:r>
+                <a:endParaRPr lang="en-US" sz="1000" dirty="0">
+                  <a:solidFill>
+                    <a:srgbClr val="FF0000"/>
+                  </a:solidFill>
+                  <a:latin typeface="Avenir Book" panose="02000503020000020003" pitchFamily="2" charset="0"/>
+                </a:endParaRPr>
               </a:p>
             </p:txBody>
           </p:sp>
@@ -7870,8 +7900,23 @@
                     </a:solidFill>
                     <a:latin typeface="Avenir Book" panose="02000503020000020003" pitchFamily="2" charset="0"/>
                   </a:rPr>
-                  <a:t>GET pre-shared-random-data</a:t>
+                  <a:t>GET </a:t>
                 </a:r>
+                <a:r>
+                  <a:rPr lang="en-US" sz="1000" dirty="0" err="1">
+                    <a:solidFill>
+                      <a:srgbClr val="FF0000"/>
+                    </a:solidFill>
+                    <a:latin typeface="Avenir Book" panose="02000503020000020003" pitchFamily="2" charset="0"/>
+                  </a:rPr>
+                  <a:t>psrd</a:t>
+                </a:r>
+                <a:endParaRPr lang="en-US" sz="1000" dirty="0">
+                  <a:solidFill>
+                    <a:srgbClr val="FF0000"/>
+                  </a:solidFill>
+                  <a:latin typeface="Avenir Book" panose="02000503020000020003" pitchFamily="2" charset="0"/>
+                </a:endParaRPr>
               </a:p>
             </p:txBody>
           </p:sp>
@@ -8135,8 +8180,23 @@
                     </a:solidFill>
                     <a:latin typeface="Avenir Book" panose="02000503020000020003" pitchFamily="2" charset="0"/>
                   </a:rPr>
-                  <a:t>GET pre-shared-random-data</a:t>
+                  <a:t>GET </a:t>
                 </a:r>
+                <a:r>
+                  <a:rPr lang="en-US" sz="1000" dirty="0" err="1">
+                    <a:solidFill>
+                      <a:srgbClr val="FF0000"/>
+                    </a:solidFill>
+                    <a:latin typeface="Avenir Book" panose="02000503020000020003" pitchFamily="2" charset="0"/>
+                  </a:rPr>
+                  <a:t>psrd</a:t>
+                </a:r>
+                <a:endParaRPr lang="en-US" sz="1000" dirty="0">
+                  <a:solidFill>
+                    <a:srgbClr val="FF0000"/>
+                  </a:solidFill>
+                  <a:latin typeface="Avenir Book" panose="02000503020000020003" pitchFamily="2" charset="0"/>
+                </a:endParaRPr>
               </a:p>
             </p:txBody>
           </p:sp>

--- a/docs/figures/figures.pptx
+++ b/docs/figures/figures.pptx
@@ -5,17 +5,18 @@
     <p:sldMasterId id="2147483648" r:id="rId1"/>
   </p:sldMasterIdLst>
   <p:notesMasterIdLst>
-    <p:notesMasterId r:id="rId10"/>
+    <p:notesMasterId r:id="rId11"/>
   </p:notesMasterIdLst>
   <p:sldIdLst>
     <p:sldId id="261" r:id="rId2"/>
     <p:sldId id="262" r:id="rId3"/>
     <p:sldId id="263" r:id="rId4"/>
     <p:sldId id="256" r:id="rId5"/>
-    <p:sldId id="257" r:id="rId6"/>
-    <p:sldId id="258" r:id="rId7"/>
-    <p:sldId id="259" r:id="rId8"/>
-    <p:sldId id="260" r:id="rId9"/>
+    <p:sldId id="264" r:id="rId6"/>
+    <p:sldId id="257" r:id="rId7"/>
+    <p:sldId id="258" r:id="rId8"/>
+    <p:sldId id="259" r:id="rId9"/>
+    <p:sldId id="260" r:id="rId10"/>
   </p:sldIdLst>
   <p:sldSz cx="12192000" cy="6858000"/>
   <p:notesSz cx="6858000" cy="9144000"/>
@@ -204,7 +205,7 @@
           <a:p>
             <a:fld id="{66C4A6C0-F2EC-FC45-B98B-ED31D507F3F3}" type="datetimeFigureOut">
               <a:rPr lang="en-US" smtClean="0"/>
-              <a:t>9/25/25</a:t>
+              <a:t>9/29/25</a:t>
             </a:fld>
             <a:endParaRPr lang="en-US"/>
           </a:p>
@@ -536,7 +537,7 @@
           <a:p>
             <a:fld id="{9E526F2C-6B23-EF40-8ED8-C98EB975494B}" type="slidenum">
               <a:rPr lang="en-US" smtClean="0"/>
-              <a:t>6</a:t>
+              <a:t>7</a:t>
             </a:fld>
             <a:endParaRPr lang="en-US"/>
           </a:p>
@@ -702,7 +703,7 @@
           <a:p>
             <a:fld id="{6E32B2FD-E7C2-BB4E-8CD5-3A0929CC3D5F}" type="datetimeFigureOut">
               <a:rPr lang="en-US" smtClean="0"/>
-              <a:t>9/25/25</a:t>
+              <a:t>9/29/25</a:t>
             </a:fld>
             <a:endParaRPr lang="en-US"/>
           </a:p>
@@ -900,7 +901,7 @@
           <a:p>
             <a:fld id="{6E32B2FD-E7C2-BB4E-8CD5-3A0929CC3D5F}" type="datetimeFigureOut">
               <a:rPr lang="en-US" smtClean="0"/>
-              <a:t>9/25/25</a:t>
+              <a:t>9/29/25</a:t>
             </a:fld>
             <a:endParaRPr lang="en-US"/>
           </a:p>
@@ -1108,7 +1109,7 @@
           <a:p>
             <a:fld id="{6E32B2FD-E7C2-BB4E-8CD5-3A0929CC3D5F}" type="datetimeFigureOut">
               <a:rPr lang="en-US" smtClean="0"/>
-              <a:t>9/25/25</a:t>
+              <a:t>9/29/25</a:t>
             </a:fld>
             <a:endParaRPr lang="en-US"/>
           </a:p>
@@ -1306,7 +1307,7 @@
           <a:p>
             <a:fld id="{6E32B2FD-E7C2-BB4E-8CD5-3A0929CC3D5F}" type="datetimeFigureOut">
               <a:rPr lang="en-US" smtClean="0"/>
-              <a:t>9/25/25</a:t>
+              <a:t>9/29/25</a:t>
             </a:fld>
             <a:endParaRPr lang="en-US"/>
           </a:p>
@@ -1581,7 +1582,7 @@
           <a:p>
             <a:fld id="{6E32B2FD-E7C2-BB4E-8CD5-3A0929CC3D5F}" type="datetimeFigureOut">
               <a:rPr lang="en-US" smtClean="0"/>
-              <a:t>9/25/25</a:t>
+              <a:t>9/29/25</a:t>
             </a:fld>
             <a:endParaRPr lang="en-US"/>
           </a:p>
@@ -1846,7 +1847,7 @@
           <a:p>
             <a:fld id="{6E32B2FD-E7C2-BB4E-8CD5-3A0929CC3D5F}" type="datetimeFigureOut">
               <a:rPr lang="en-US" smtClean="0"/>
-              <a:t>9/25/25</a:t>
+              <a:t>9/29/25</a:t>
             </a:fld>
             <a:endParaRPr lang="en-US"/>
           </a:p>
@@ -2258,7 +2259,7 @@
           <a:p>
             <a:fld id="{6E32B2FD-E7C2-BB4E-8CD5-3A0929CC3D5F}" type="datetimeFigureOut">
               <a:rPr lang="en-US" smtClean="0"/>
-              <a:t>9/25/25</a:t>
+              <a:t>9/29/25</a:t>
             </a:fld>
             <a:endParaRPr lang="en-US"/>
           </a:p>
@@ -2399,7 +2400,7 @@
           <a:p>
             <a:fld id="{6E32B2FD-E7C2-BB4E-8CD5-3A0929CC3D5F}" type="datetimeFigureOut">
               <a:rPr lang="en-US" smtClean="0"/>
-              <a:t>9/25/25</a:t>
+              <a:t>9/29/25</a:t>
             </a:fld>
             <a:endParaRPr lang="en-US"/>
           </a:p>
@@ -2512,7 +2513,7 @@
           <a:p>
             <a:fld id="{6E32B2FD-E7C2-BB4E-8CD5-3A0929CC3D5F}" type="datetimeFigureOut">
               <a:rPr lang="en-US" smtClean="0"/>
-              <a:t>9/25/25</a:t>
+              <a:t>9/29/25</a:t>
             </a:fld>
             <a:endParaRPr lang="en-US"/>
           </a:p>
@@ -2823,7 +2824,7 @@
           <a:p>
             <a:fld id="{6E32B2FD-E7C2-BB4E-8CD5-3A0929CC3D5F}" type="datetimeFigureOut">
               <a:rPr lang="en-US" smtClean="0"/>
-              <a:t>9/25/25</a:t>
+              <a:t>9/29/25</a:t>
             </a:fld>
             <a:endParaRPr lang="en-US"/>
           </a:p>
@@ -3111,7 +3112,7 @@
           <a:p>
             <a:fld id="{6E32B2FD-E7C2-BB4E-8CD5-3A0929CC3D5F}" type="datetimeFigureOut">
               <a:rPr lang="en-US" smtClean="0"/>
-              <a:t>9/25/25</a:t>
+              <a:t>9/29/25</a:t>
             </a:fld>
             <a:endParaRPr lang="en-US"/>
           </a:p>
@@ -3352,7 +3353,7 @@
           <a:p>
             <a:fld id="{6E32B2FD-E7C2-BB4E-8CD5-3A0929CC3D5F}" type="datetimeFigureOut">
               <a:rPr lang="en-US" smtClean="0"/>
-              <a:t>9/25/25</a:t>
+              <a:t>9/29/25</a:t>
             </a:fld>
             <a:endParaRPr lang="en-US"/>
           </a:p>
@@ -6455,6 +6456,3248 @@
           <a:chExt cx="0" cy="0"/>
         </a:xfrm>
       </p:grpSpPr>
+      <p:sp>
+        <p:nvSpPr>
+          <p:cNvPr id="133" name="Rectangle 132">
+            <a:extLst>
+              <a:ext uri="{FF2B5EF4-FFF2-40B4-BE49-F238E27FC236}">
+                <a16:creationId xmlns:a16="http://schemas.microsoft.com/office/drawing/2014/main" id="{28C2017E-B403-E6DD-41F0-9F36EB3E9B9F}"/>
+              </a:ext>
+            </a:extLst>
+          </p:cNvPr>
+          <p:cNvSpPr/>
+          <p:nvPr/>
+        </p:nvSpPr>
+        <p:spPr>
+          <a:xfrm>
+            <a:off x="7019289" y="3692105"/>
+            <a:ext cx="3256085" cy="1928677"/>
+          </a:xfrm>
+          <a:prstGeom prst="rect">
+            <a:avLst/>
+          </a:prstGeom>
+          <a:solidFill>
+            <a:schemeClr val="bg1">
+              <a:lumMod val="95000"/>
+            </a:schemeClr>
+          </a:solidFill>
+          <a:ln w="12700">
+            <a:solidFill>
+              <a:schemeClr val="tx1"/>
+            </a:solidFill>
+          </a:ln>
+        </p:spPr>
+        <p:style>
+          <a:lnRef idx="2">
+            <a:schemeClr val="accent1">
+              <a:shade val="15000"/>
+            </a:schemeClr>
+          </a:lnRef>
+          <a:fillRef idx="1">
+            <a:schemeClr val="accent1"/>
+          </a:fillRef>
+          <a:effectRef idx="0">
+            <a:schemeClr val="accent1"/>
+          </a:effectRef>
+          <a:fontRef idx="minor">
+            <a:schemeClr val="lt1"/>
+          </a:fontRef>
+        </p:style>
+        <p:txBody>
+          <a:bodyPr rtlCol="0" anchor="ctr"/>
+          <a:lstStyle/>
+          <a:p>
+            <a:pPr algn="ctr"/>
+            <a:endParaRPr lang="en-US" sz="1000" dirty="0">
+              <a:solidFill>
+                <a:schemeClr val="tx1"/>
+              </a:solidFill>
+              <a:latin typeface="Avenir Book" panose="02000503020000020003" pitchFamily="2" charset="0"/>
+            </a:endParaRPr>
+          </a:p>
+        </p:txBody>
+      </p:sp>
+      <p:sp>
+        <p:nvSpPr>
+          <p:cNvPr id="131" name="Rectangle 130">
+            <a:extLst>
+              <a:ext uri="{FF2B5EF4-FFF2-40B4-BE49-F238E27FC236}">
+                <a16:creationId xmlns:a16="http://schemas.microsoft.com/office/drawing/2014/main" id="{B263A126-9AEF-48E6-40C3-54279A243DFB}"/>
+              </a:ext>
+            </a:extLst>
+          </p:cNvPr>
+          <p:cNvSpPr/>
+          <p:nvPr/>
+        </p:nvSpPr>
+        <p:spPr>
+          <a:xfrm>
+            <a:off x="7019290" y="1320318"/>
+            <a:ext cx="3256085" cy="1928677"/>
+          </a:xfrm>
+          <a:prstGeom prst="rect">
+            <a:avLst/>
+          </a:prstGeom>
+          <a:solidFill>
+            <a:schemeClr val="bg1">
+              <a:lumMod val="95000"/>
+            </a:schemeClr>
+          </a:solidFill>
+          <a:ln w="12700">
+            <a:solidFill>
+              <a:schemeClr val="tx1"/>
+            </a:solidFill>
+          </a:ln>
+        </p:spPr>
+        <p:style>
+          <a:lnRef idx="2">
+            <a:schemeClr val="accent1">
+              <a:shade val="15000"/>
+            </a:schemeClr>
+          </a:lnRef>
+          <a:fillRef idx="1">
+            <a:schemeClr val="accent1"/>
+          </a:fillRef>
+          <a:effectRef idx="0">
+            <a:schemeClr val="accent1"/>
+          </a:effectRef>
+          <a:fontRef idx="minor">
+            <a:schemeClr val="lt1"/>
+          </a:fontRef>
+        </p:style>
+        <p:txBody>
+          <a:bodyPr rtlCol="0" anchor="ctr"/>
+          <a:lstStyle/>
+          <a:p>
+            <a:pPr algn="ctr"/>
+            <a:endParaRPr lang="en-US" sz="1000" dirty="0">
+              <a:solidFill>
+                <a:schemeClr val="tx1"/>
+              </a:solidFill>
+              <a:latin typeface="Avenir Book" panose="02000503020000020003" pitchFamily="2" charset="0"/>
+            </a:endParaRPr>
+          </a:p>
+        </p:txBody>
+      </p:sp>
+      <p:sp>
+        <p:nvSpPr>
+          <p:cNvPr id="130" name="Rectangle 129">
+            <a:extLst>
+              <a:ext uri="{FF2B5EF4-FFF2-40B4-BE49-F238E27FC236}">
+                <a16:creationId xmlns:a16="http://schemas.microsoft.com/office/drawing/2014/main" id="{EB7C4499-4A95-1500-E337-E7AAEBDD8242}"/>
+              </a:ext>
+            </a:extLst>
+          </p:cNvPr>
+          <p:cNvSpPr/>
+          <p:nvPr/>
+        </p:nvSpPr>
+        <p:spPr>
+          <a:xfrm>
+            <a:off x="1835635" y="1017280"/>
+            <a:ext cx="4485393" cy="4603502"/>
+          </a:xfrm>
+          <a:prstGeom prst="rect">
+            <a:avLst/>
+          </a:prstGeom>
+          <a:solidFill>
+            <a:schemeClr val="bg1">
+              <a:lumMod val="95000"/>
+            </a:schemeClr>
+          </a:solidFill>
+          <a:ln w="12700">
+            <a:solidFill>
+              <a:schemeClr val="tx1"/>
+            </a:solidFill>
+          </a:ln>
+        </p:spPr>
+        <p:style>
+          <a:lnRef idx="2">
+            <a:schemeClr val="accent1">
+              <a:shade val="15000"/>
+            </a:schemeClr>
+          </a:lnRef>
+          <a:fillRef idx="1">
+            <a:schemeClr val="accent1"/>
+          </a:fillRef>
+          <a:effectRef idx="0">
+            <a:schemeClr val="accent1"/>
+          </a:effectRef>
+          <a:fontRef idx="minor">
+            <a:schemeClr val="lt1"/>
+          </a:fontRef>
+        </p:style>
+        <p:txBody>
+          <a:bodyPr rtlCol="0" anchor="ctr"/>
+          <a:lstStyle/>
+          <a:p>
+            <a:pPr algn="ctr"/>
+            <a:endParaRPr lang="en-US" sz="1000" dirty="0">
+              <a:solidFill>
+                <a:schemeClr val="tx1"/>
+              </a:solidFill>
+              <a:latin typeface="Avenir Book" panose="02000503020000020003" pitchFamily="2" charset="0"/>
+            </a:endParaRPr>
+          </a:p>
+        </p:txBody>
+      </p:sp>
+      <p:grpSp>
+        <p:nvGrpSpPr>
+          <p:cNvPr id="25" name="Group 24">
+            <a:extLst>
+              <a:ext uri="{FF2B5EF4-FFF2-40B4-BE49-F238E27FC236}">
+                <a16:creationId xmlns:a16="http://schemas.microsoft.com/office/drawing/2014/main" id="{F4265B76-19ED-78F9-D69B-140F759F2E9C}"/>
+              </a:ext>
+            </a:extLst>
+          </p:cNvPr>
+          <p:cNvGrpSpPr/>
+          <p:nvPr/>
+        </p:nvGrpSpPr>
+        <p:grpSpPr>
+          <a:xfrm>
+            <a:off x="3575236" y="1304832"/>
+            <a:ext cx="2397781" cy="1296190"/>
+            <a:chOff x="2406890" y="2339567"/>
+            <a:chExt cx="2397781" cy="1296190"/>
+          </a:xfrm>
+        </p:grpSpPr>
+        <p:sp>
+          <p:nvSpPr>
+            <p:cNvPr id="3" name="Rectangle 2">
+              <a:extLst>
+                <a:ext uri="{FF2B5EF4-FFF2-40B4-BE49-F238E27FC236}">
+                  <a16:creationId xmlns:a16="http://schemas.microsoft.com/office/drawing/2014/main" id="{4EC42CDE-E1B4-A465-467B-8FBAE1B0ECCA}"/>
+                </a:ext>
+              </a:extLst>
+            </p:cNvPr>
+            <p:cNvSpPr/>
+            <p:nvPr/>
+          </p:nvSpPr>
+          <p:spPr>
+            <a:xfrm>
+              <a:off x="2935172" y="2339567"/>
+              <a:ext cx="1074119" cy="376766"/>
+            </a:xfrm>
+            <a:prstGeom prst="rect">
+              <a:avLst/>
+            </a:prstGeom>
+            <a:solidFill>
+              <a:schemeClr val="tx2">
+                <a:lumMod val="10000"/>
+                <a:lumOff val="90000"/>
+              </a:schemeClr>
+            </a:solidFill>
+            <a:ln w="9525"/>
+          </p:spPr>
+          <p:style>
+            <a:lnRef idx="2">
+              <a:schemeClr val="accent1">
+                <a:shade val="15000"/>
+              </a:schemeClr>
+            </a:lnRef>
+            <a:fillRef idx="1">
+              <a:schemeClr val="accent1"/>
+            </a:fillRef>
+            <a:effectRef idx="0">
+              <a:schemeClr val="accent1"/>
+            </a:effectRef>
+            <a:fontRef idx="minor">
+              <a:schemeClr val="lt1"/>
+            </a:fontRef>
+          </p:style>
+          <p:txBody>
+            <a:bodyPr rtlCol="0" anchor="ctr"/>
+            <a:lstStyle/>
+            <a:p>
+              <a:r>
+                <a:rPr lang="en-US" sz="1000" dirty="0">
+                  <a:solidFill>
+                    <a:schemeClr val="tx1"/>
+                  </a:solidFill>
+                  <a:latin typeface="Avenir Book" panose="02000503020000020003" pitchFamily="2" charset="0"/>
+                </a:rPr>
+                <a:t>Key share 1</a:t>
+              </a:r>
+            </a:p>
+          </p:txBody>
+        </p:sp>
+        <p:sp>
+          <p:nvSpPr>
+            <p:cNvPr id="7" name="Rectangle 6">
+              <a:extLst>
+                <a:ext uri="{FF2B5EF4-FFF2-40B4-BE49-F238E27FC236}">
+                  <a16:creationId xmlns:a16="http://schemas.microsoft.com/office/drawing/2014/main" id="{4581A790-E170-B6D7-33D0-4CFFBB82F131}"/>
+                </a:ext>
+              </a:extLst>
+            </p:cNvPr>
+            <p:cNvSpPr/>
+            <p:nvPr/>
+          </p:nvSpPr>
+          <p:spPr>
+            <a:xfrm>
+              <a:off x="2935172" y="3258991"/>
+              <a:ext cx="1074119" cy="376766"/>
+            </a:xfrm>
+            <a:prstGeom prst="rect">
+              <a:avLst/>
+            </a:prstGeom>
+            <a:solidFill>
+              <a:schemeClr val="accent6">
+                <a:lumMod val="20000"/>
+                <a:lumOff val="80000"/>
+              </a:schemeClr>
+            </a:solidFill>
+            <a:ln w="9525"/>
+          </p:spPr>
+          <p:style>
+            <a:lnRef idx="2">
+              <a:schemeClr val="accent1">
+                <a:shade val="15000"/>
+              </a:schemeClr>
+            </a:lnRef>
+            <a:fillRef idx="1">
+              <a:schemeClr val="accent1"/>
+            </a:fillRef>
+            <a:effectRef idx="0">
+              <a:schemeClr val="accent1"/>
+            </a:effectRef>
+            <a:fontRef idx="minor">
+              <a:schemeClr val="lt1"/>
+            </a:fontRef>
+          </p:style>
+          <p:txBody>
+            <a:bodyPr rtlCol="0" anchor="ctr"/>
+            <a:lstStyle/>
+            <a:p>
+              <a:r>
+                <a:rPr lang="en-US" sz="1000" dirty="0">
+                  <a:solidFill>
+                    <a:schemeClr val="tx1"/>
+                  </a:solidFill>
+                  <a:latin typeface="Avenir Book" panose="02000503020000020003" pitchFamily="2" charset="0"/>
+                </a:rPr>
+                <a:t>Encrypted</a:t>
+              </a:r>
+            </a:p>
+            <a:p>
+              <a:r>
+                <a:rPr lang="en-US" sz="1000" dirty="0">
+                  <a:solidFill>
+                    <a:schemeClr val="tx1"/>
+                  </a:solidFill>
+                  <a:latin typeface="Avenir Book" panose="02000503020000020003" pitchFamily="2" charset="0"/>
+                </a:rPr>
+                <a:t>Key share 1</a:t>
+              </a:r>
+            </a:p>
+          </p:txBody>
+        </p:sp>
+        <p:sp>
+          <p:nvSpPr>
+            <p:cNvPr id="8" name="Rectangle 7">
+              <a:extLst>
+                <a:ext uri="{FF2B5EF4-FFF2-40B4-BE49-F238E27FC236}">
+                  <a16:creationId xmlns:a16="http://schemas.microsoft.com/office/drawing/2014/main" id="{FF1E2E19-6DC5-C36C-6D34-3227AE5F1578}"/>
+                </a:ext>
+              </a:extLst>
+            </p:cNvPr>
+            <p:cNvSpPr/>
+            <p:nvPr/>
+          </p:nvSpPr>
+          <p:spPr>
+            <a:xfrm>
+              <a:off x="2935172" y="2764374"/>
+              <a:ext cx="1074119" cy="376766"/>
+            </a:xfrm>
+            <a:prstGeom prst="rect">
+              <a:avLst/>
+            </a:prstGeom>
+            <a:solidFill>
+              <a:schemeClr val="accent2">
+                <a:lumMod val="20000"/>
+                <a:lumOff val="80000"/>
+              </a:schemeClr>
+            </a:solidFill>
+            <a:ln w="9525"/>
+          </p:spPr>
+          <p:style>
+            <a:lnRef idx="2">
+              <a:schemeClr val="accent1">
+                <a:shade val="15000"/>
+              </a:schemeClr>
+            </a:lnRef>
+            <a:fillRef idx="1">
+              <a:schemeClr val="accent1"/>
+            </a:fillRef>
+            <a:effectRef idx="0">
+              <a:schemeClr val="accent1"/>
+            </a:effectRef>
+            <a:fontRef idx="minor">
+              <a:schemeClr val="lt1"/>
+            </a:fontRef>
+          </p:style>
+          <p:txBody>
+            <a:bodyPr rtlCol="0" anchor="ctr"/>
+            <a:lstStyle/>
+            <a:p>
+              <a:r>
+                <a:rPr lang="en-US" sz="1000" dirty="0">
+                  <a:solidFill>
+                    <a:schemeClr val="tx1"/>
+                  </a:solidFill>
+                  <a:latin typeface="Avenir Book" panose="02000503020000020003" pitchFamily="2" charset="0"/>
+                </a:rPr>
+                <a:t>Encryption</a:t>
+              </a:r>
+            </a:p>
+            <a:p>
+              <a:r>
+                <a:rPr lang="en-US" sz="1000" dirty="0">
+                  <a:solidFill>
+                    <a:schemeClr val="tx1"/>
+                  </a:solidFill>
+                  <a:latin typeface="Avenir Book" panose="02000503020000020003" pitchFamily="2" charset="0"/>
+                </a:rPr>
+                <a:t>Key 1</a:t>
+              </a:r>
+            </a:p>
+          </p:txBody>
+        </p:sp>
+        <p:cxnSp>
+          <p:nvCxnSpPr>
+            <p:cNvPr id="9" name="Straight Connector 8">
+              <a:extLst>
+                <a:ext uri="{FF2B5EF4-FFF2-40B4-BE49-F238E27FC236}">
+                  <a16:creationId xmlns:a16="http://schemas.microsoft.com/office/drawing/2014/main" id="{F5907E38-8642-6DE9-E4FE-49FF39E85F5E}"/>
+                </a:ext>
+              </a:extLst>
+            </p:cNvPr>
+            <p:cNvCxnSpPr>
+              <a:cxnSpLocks/>
+            </p:cNvCxnSpPr>
+            <p:nvPr/>
+          </p:nvCxnSpPr>
+          <p:spPr>
+            <a:xfrm flipH="1">
+              <a:off x="2853111" y="3200376"/>
+              <a:ext cx="1249966" cy="0"/>
+            </a:xfrm>
+            <a:prstGeom prst="line">
+              <a:avLst/>
+            </a:prstGeom>
+            <a:ln w="9525" cap="rnd">
+              <a:solidFill>
+                <a:schemeClr val="tx1"/>
+              </a:solidFill>
+            </a:ln>
+          </p:spPr>
+          <p:style>
+            <a:lnRef idx="2">
+              <a:schemeClr val="accent1"/>
+            </a:lnRef>
+            <a:fillRef idx="0">
+              <a:schemeClr val="accent1"/>
+            </a:fillRef>
+            <a:effectRef idx="1">
+              <a:schemeClr val="accent1"/>
+            </a:effectRef>
+            <a:fontRef idx="minor">
+              <a:schemeClr val="tx1"/>
+            </a:fontRef>
+          </p:style>
+        </p:cxnSp>
+        <p:sp>
+          <p:nvSpPr>
+            <p:cNvPr id="13" name="Rectangle 12">
+              <a:extLst>
+                <a:ext uri="{FF2B5EF4-FFF2-40B4-BE49-F238E27FC236}">
+                  <a16:creationId xmlns:a16="http://schemas.microsoft.com/office/drawing/2014/main" id="{1E91E3FE-F2C5-DA90-DA5A-110077B68B40}"/>
+                </a:ext>
+              </a:extLst>
+            </p:cNvPr>
+            <p:cNvSpPr/>
+            <p:nvPr/>
+          </p:nvSpPr>
+          <p:spPr>
+            <a:xfrm>
+              <a:off x="2406890" y="3017066"/>
+              <a:ext cx="505035" cy="376766"/>
+            </a:xfrm>
+            <a:prstGeom prst="rect">
+              <a:avLst/>
+            </a:prstGeom>
+            <a:noFill/>
+            <a:ln w="9525">
+              <a:noFill/>
+            </a:ln>
+          </p:spPr>
+          <p:style>
+            <a:lnRef idx="2">
+              <a:schemeClr val="accent1">
+                <a:shade val="15000"/>
+              </a:schemeClr>
+            </a:lnRef>
+            <a:fillRef idx="1">
+              <a:schemeClr val="accent1"/>
+            </a:fillRef>
+            <a:effectRef idx="0">
+              <a:schemeClr val="accent1"/>
+            </a:effectRef>
+            <a:fontRef idx="minor">
+              <a:schemeClr val="lt1"/>
+            </a:fontRef>
+          </p:style>
+          <p:txBody>
+            <a:bodyPr rtlCol="0" anchor="ctr"/>
+            <a:lstStyle/>
+            <a:p>
+              <a:pPr algn="r"/>
+              <a:r>
+                <a:rPr lang="en-US" sz="800" dirty="0">
+                  <a:solidFill>
+                    <a:schemeClr val="tx1"/>
+                  </a:solidFill>
+                  <a:latin typeface="Avenir Book" panose="02000503020000020003" pitchFamily="2" charset="0"/>
+                </a:rPr>
+                <a:t>XOR</a:t>
+              </a:r>
+            </a:p>
+          </p:txBody>
+        </p:sp>
+        <p:sp>
+          <p:nvSpPr>
+            <p:cNvPr id="14" name="Can 13">
+              <a:extLst>
+                <a:ext uri="{FF2B5EF4-FFF2-40B4-BE49-F238E27FC236}">
+                  <a16:creationId xmlns:a16="http://schemas.microsoft.com/office/drawing/2014/main" id="{07730692-8DB5-5806-A3D8-B423CD916FA8}"/>
+                </a:ext>
+              </a:extLst>
+            </p:cNvPr>
+            <p:cNvSpPr/>
+            <p:nvPr/>
+          </p:nvSpPr>
+          <p:spPr>
+            <a:xfrm>
+              <a:off x="4299636" y="2634153"/>
+              <a:ext cx="505035" cy="637207"/>
+            </a:xfrm>
+            <a:prstGeom prst="can">
+              <a:avLst/>
+            </a:prstGeom>
+            <a:solidFill>
+              <a:schemeClr val="accent2">
+                <a:lumMod val="20000"/>
+                <a:lumOff val="80000"/>
+              </a:schemeClr>
+            </a:solidFill>
+            <a:ln w="9525"/>
+          </p:spPr>
+          <p:style>
+            <a:lnRef idx="2">
+              <a:schemeClr val="accent1">
+                <a:shade val="15000"/>
+              </a:schemeClr>
+            </a:lnRef>
+            <a:fillRef idx="1">
+              <a:schemeClr val="accent1"/>
+            </a:fillRef>
+            <a:effectRef idx="0">
+              <a:schemeClr val="accent1"/>
+            </a:effectRef>
+            <a:fontRef idx="minor">
+              <a:schemeClr val="lt1"/>
+            </a:fontRef>
+          </p:style>
+          <p:txBody>
+            <a:bodyPr rtlCol="0" anchor="ctr"/>
+            <a:lstStyle/>
+            <a:p>
+              <a:r>
+                <a:rPr lang="en-US" sz="1000" dirty="0">
+                  <a:solidFill>
+                    <a:schemeClr val="tx1"/>
+                  </a:solidFill>
+                  <a:latin typeface="Avenir Book" panose="02000503020000020003" pitchFamily="2" charset="0"/>
+                </a:rPr>
+                <a:t>PSRD</a:t>
+              </a:r>
+              <a:br>
+                <a:rPr lang="en-US" sz="1000" dirty="0">
+                  <a:solidFill>
+                    <a:schemeClr val="tx1"/>
+                  </a:solidFill>
+                  <a:latin typeface="Avenir Book" panose="02000503020000020003" pitchFamily="2" charset="0"/>
+                </a:rPr>
+              </a:br>
+              <a:r>
+                <a:rPr lang="en-US" sz="1000" dirty="0">
+                  <a:solidFill>
+                    <a:schemeClr val="tx1"/>
+                  </a:solidFill>
+                  <a:latin typeface="Avenir Book" panose="02000503020000020003" pitchFamily="2" charset="0"/>
+                </a:rPr>
+                <a:t>Pool</a:t>
+              </a:r>
+            </a:p>
+          </p:txBody>
+        </p:sp>
+        <p:cxnSp>
+          <p:nvCxnSpPr>
+            <p:cNvPr id="15" name="Straight Connector 14">
+              <a:extLst>
+                <a:ext uri="{FF2B5EF4-FFF2-40B4-BE49-F238E27FC236}">
+                  <a16:creationId xmlns:a16="http://schemas.microsoft.com/office/drawing/2014/main" id="{B479B3E9-FCD1-E0B3-3910-DC69FF3756EB}"/>
+                </a:ext>
+              </a:extLst>
+            </p:cNvPr>
+            <p:cNvCxnSpPr>
+              <a:cxnSpLocks/>
+              <a:stCxn id="14" idx="2"/>
+              <a:endCxn id="8" idx="3"/>
+            </p:cNvCxnSpPr>
+            <p:nvPr/>
+          </p:nvCxnSpPr>
+          <p:spPr>
+            <a:xfrm flipH="1">
+              <a:off x="4009291" y="2952757"/>
+              <a:ext cx="290345" cy="0"/>
+            </a:xfrm>
+            <a:prstGeom prst="line">
+              <a:avLst/>
+            </a:prstGeom>
+            <a:ln w="9525" cap="rnd">
+              <a:solidFill>
+                <a:schemeClr val="tx1"/>
+              </a:solidFill>
+              <a:tailEnd type="triangle"/>
+            </a:ln>
+          </p:spPr>
+          <p:style>
+            <a:lnRef idx="2">
+              <a:schemeClr val="accent1"/>
+            </a:lnRef>
+            <a:fillRef idx="0">
+              <a:schemeClr val="accent1"/>
+            </a:fillRef>
+            <a:effectRef idx="1">
+              <a:schemeClr val="accent1"/>
+            </a:effectRef>
+            <a:fontRef idx="minor">
+              <a:schemeClr val="tx1"/>
+            </a:fontRef>
+          </p:style>
+        </p:cxnSp>
+      </p:grpSp>
+      <p:grpSp>
+        <p:nvGrpSpPr>
+          <p:cNvPr id="34" name="Group 33">
+            <a:extLst>
+              <a:ext uri="{FF2B5EF4-FFF2-40B4-BE49-F238E27FC236}">
+                <a16:creationId xmlns:a16="http://schemas.microsoft.com/office/drawing/2014/main" id="{D574016F-33CF-5895-B4D0-AA4A321242F4}"/>
+              </a:ext>
+            </a:extLst>
+          </p:cNvPr>
+          <p:cNvGrpSpPr/>
+          <p:nvPr/>
+        </p:nvGrpSpPr>
+        <p:grpSpPr>
+          <a:xfrm>
+            <a:off x="2066900" y="2601022"/>
+            <a:ext cx="1074119" cy="927528"/>
+            <a:chOff x="1040439" y="3242635"/>
+            <a:chExt cx="1074119" cy="927528"/>
+          </a:xfrm>
+        </p:grpSpPr>
+        <p:sp>
+          <p:nvSpPr>
+            <p:cNvPr id="2" name="Rectangle 1">
+              <a:extLst>
+                <a:ext uri="{FF2B5EF4-FFF2-40B4-BE49-F238E27FC236}">
+                  <a16:creationId xmlns:a16="http://schemas.microsoft.com/office/drawing/2014/main" id="{36EE1753-FE20-7840-E652-402878E52EBF}"/>
+                </a:ext>
+              </a:extLst>
+            </p:cNvPr>
+            <p:cNvSpPr/>
+            <p:nvPr/>
+          </p:nvSpPr>
+          <p:spPr>
+            <a:xfrm>
+              <a:off x="1040439" y="3793397"/>
+              <a:ext cx="1074119" cy="376766"/>
+            </a:xfrm>
+            <a:prstGeom prst="rect">
+              <a:avLst/>
+            </a:prstGeom>
+            <a:solidFill>
+              <a:schemeClr val="tx2">
+                <a:lumMod val="10000"/>
+                <a:lumOff val="90000"/>
+              </a:schemeClr>
+            </a:solidFill>
+            <a:ln w="9525"/>
+          </p:spPr>
+          <p:style>
+            <a:lnRef idx="2">
+              <a:schemeClr val="accent1">
+                <a:shade val="15000"/>
+              </a:schemeClr>
+            </a:lnRef>
+            <a:fillRef idx="1">
+              <a:schemeClr val="accent1"/>
+            </a:fillRef>
+            <a:effectRef idx="0">
+              <a:schemeClr val="accent1"/>
+            </a:effectRef>
+            <a:fontRef idx="minor">
+              <a:schemeClr val="lt1"/>
+            </a:fontRef>
+          </p:style>
+          <p:txBody>
+            <a:bodyPr rtlCol="0" anchor="ctr"/>
+            <a:lstStyle/>
+            <a:p>
+              <a:r>
+                <a:rPr lang="en-US" sz="1000" dirty="0">
+                  <a:solidFill>
+                    <a:schemeClr val="tx1"/>
+                  </a:solidFill>
+                  <a:latin typeface="Avenir Book" panose="02000503020000020003" pitchFamily="2" charset="0"/>
+                </a:rPr>
+                <a:t>Key</a:t>
+              </a:r>
+            </a:p>
+          </p:txBody>
+        </p:sp>
+        <p:cxnSp>
+          <p:nvCxnSpPr>
+            <p:cNvPr id="18" name="Straight Connector 17">
+              <a:extLst>
+                <a:ext uri="{FF2B5EF4-FFF2-40B4-BE49-F238E27FC236}">
+                  <a16:creationId xmlns:a16="http://schemas.microsoft.com/office/drawing/2014/main" id="{5E1B8B2B-8C7D-2782-9E21-1482F8391654}"/>
+                </a:ext>
+              </a:extLst>
+            </p:cNvPr>
+            <p:cNvCxnSpPr>
+              <a:cxnSpLocks/>
+              <a:stCxn id="23" idx="2"/>
+              <a:endCxn id="2" idx="0"/>
+            </p:cNvCxnSpPr>
+            <p:nvPr/>
+          </p:nvCxnSpPr>
+          <p:spPr>
+            <a:xfrm flipH="1">
+              <a:off x="1577499" y="3547840"/>
+              <a:ext cx="1701" cy="245557"/>
+            </a:xfrm>
+            <a:prstGeom prst="line">
+              <a:avLst/>
+            </a:prstGeom>
+            <a:ln w="9525" cap="rnd">
+              <a:solidFill>
+                <a:schemeClr val="tx1"/>
+              </a:solidFill>
+              <a:tailEnd type="triangle"/>
+            </a:ln>
+          </p:spPr>
+          <p:style>
+            <a:lnRef idx="2">
+              <a:schemeClr val="accent1"/>
+            </a:lnRef>
+            <a:fillRef idx="0">
+              <a:schemeClr val="accent1"/>
+            </a:fillRef>
+            <a:effectRef idx="1">
+              <a:schemeClr val="accent1"/>
+            </a:effectRef>
+            <a:fontRef idx="minor">
+              <a:schemeClr val="tx1"/>
+            </a:fontRef>
+          </p:style>
+        </p:cxnSp>
+        <p:sp>
+          <p:nvSpPr>
+            <p:cNvPr id="23" name="Rounded Rectangle 22">
+              <a:extLst>
+                <a:ext uri="{FF2B5EF4-FFF2-40B4-BE49-F238E27FC236}">
+                  <a16:creationId xmlns:a16="http://schemas.microsoft.com/office/drawing/2014/main" id="{5C50112C-C635-0A90-D5EA-A9D3246DD833}"/>
+                </a:ext>
+              </a:extLst>
+            </p:cNvPr>
+            <p:cNvSpPr/>
+            <p:nvPr/>
+          </p:nvSpPr>
+          <p:spPr>
+            <a:xfrm>
+              <a:off x="1297661" y="3242635"/>
+              <a:ext cx="563078" cy="305205"/>
+            </a:xfrm>
+            <a:prstGeom prst="roundRect">
+              <a:avLst>
+                <a:gd name="adj" fmla="val 50000"/>
+              </a:avLst>
+            </a:prstGeom>
+            <a:solidFill>
+              <a:schemeClr val="tx2">
+                <a:lumMod val="10000"/>
+                <a:lumOff val="90000"/>
+              </a:schemeClr>
+            </a:solidFill>
+            <a:ln w="9525"/>
+          </p:spPr>
+          <p:style>
+            <a:lnRef idx="2">
+              <a:schemeClr val="accent1">
+                <a:shade val="15000"/>
+              </a:schemeClr>
+            </a:lnRef>
+            <a:fillRef idx="1">
+              <a:schemeClr val="accent1"/>
+            </a:fillRef>
+            <a:effectRef idx="0">
+              <a:schemeClr val="accent1"/>
+            </a:effectRef>
+            <a:fontRef idx="minor">
+              <a:schemeClr val="lt1"/>
+            </a:fontRef>
+          </p:style>
+          <p:txBody>
+            <a:bodyPr rtlCol="0" anchor="ctr"/>
+            <a:lstStyle/>
+            <a:p>
+              <a:pPr algn="ctr"/>
+              <a:r>
+                <a:rPr lang="en-US" sz="1000" dirty="0">
+                  <a:solidFill>
+                    <a:schemeClr val="tx1"/>
+                  </a:solidFill>
+                  <a:latin typeface="Avenir Book" panose="02000503020000020003" pitchFamily="2" charset="0"/>
+                </a:rPr>
+                <a:t>RNG</a:t>
+              </a:r>
+            </a:p>
+          </p:txBody>
+        </p:sp>
+      </p:grpSp>
+      <p:grpSp>
+        <p:nvGrpSpPr>
+          <p:cNvPr id="26" name="Group 25">
+            <a:extLst>
+              <a:ext uri="{FF2B5EF4-FFF2-40B4-BE49-F238E27FC236}">
+                <a16:creationId xmlns:a16="http://schemas.microsoft.com/office/drawing/2014/main" id="{DA383996-1BC8-C69B-3399-258ABAA205B3}"/>
+              </a:ext>
+            </a:extLst>
+          </p:cNvPr>
+          <p:cNvGrpSpPr/>
+          <p:nvPr/>
+        </p:nvGrpSpPr>
+        <p:grpSpPr>
+          <a:xfrm>
+            <a:off x="3575236" y="3647967"/>
+            <a:ext cx="2397781" cy="1296190"/>
+            <a:chOff x="2406890" y="2339567"/>
+            <a:chExt cx="2397781" cy="1296190"/>
+          </a:xfrm>
+        </p:grpSpPr>
+        <p:sp>
+          <p:nvSpPr>
+            <p:cNvPr id="27" name="Rectangle 26">
+              <a:extLst>
+                <a:ext uri="{FF2B5EF4-FFF2-40B4-BE49-F238E27FC236}">
+                  <a16:creationId xmlns:a16="http://schemas.microsoft.com/office/drawing/2014/main" id="{A38B1EB3-6853-0744-7BF2-6F36948715C5}"/>
+                </a:ext>
+              </a:extLst>
+            </p:cNvPr>
+            <p:cNvSpPr/>
+            <p:nvPr/>
+          </p:nvSpPr>
+          <p:spPr>
+            <a:xfrm>
+              <a:off x="2935172" y="2339567"/>
+              <a:ext cx="1074119" cy="376766"/>
+            </a:xfrm>
+            <a:prstGeom prst="rect">
+              <a:avLst/>
+            </a:prstGeom>
+            <a:solidFill>
+              <a:schemeClr val="tx2">
+                <a:lumMod val="10000"/>
+                <a:lumOff val="90000"/>
+              </a:schemeClr>
+            </a:solidFill>
+            <a:ln w="9525"/>
+          </p:spPr>
+          <p:style>
+            <a:lnRef idx="2">
+              <a:schemeClr val="accent1">
+                <a:shade val="15000"/>
+              </a:schemeClr>
+            </a:lnRef>
+            <a:fillRef idx="1">
+              <a:schemeClr val="accent1"/>
+            </a:fillRef>
+            <a:effectRef idx="0">
+              <a:schemeClr val="accent1"/>
+            </a:effectRef>
+            <a:fontRef idx="minor">
+              <a:schemeClr val="lt1"/>
+            </a:fontRef>
+          </p:style>
+          <p:txBody>
+            <a:bodyPr rtlCol="0" anchor="ctr"/>
+            <a:lstStyle/>
+            <a:p>
+              <a:r>
+                <a:rPr lang="en-US" sz="1000" dirty="0">
+                  <a:solidFill>
+                    <a:schemeClr val="tx1"/>
+                  </a:solidFill>
+                  <a:latin typeface="Avenir Book" panose="02000503020000020003" pitchFamily="2" charset="0"/>
+                </a:rPr>
+                <a:t>Key share </a:t>
+              </a:r>
+              <a:r>
+                <a:rPr lang="en-US" sz="1000" i="1" dirty="0">
+                  <a:solidFill>
+                    <a:schemeClr val="tx1"/>
+                  </a:solidFill>
+                  <a:latin typeface="Avenir Book" panose="02000503020000020003" pitchFamily="2" charset="0"/>
+                </a:rPr>
+                <a:t>n</a:t>
+              </a:r>
+            </a:p>
+          </p:txBody>
+        </p:sp>
+        <p:sp>
+          <p:nvSpPr>
+            <p:cNvPr id="28" name="Rectangle 27">
+              <a:extLst>
+                <a:ext uri="{FF2B5EF4-FFF2-40B4-BE49-F238E27FC236}">
+                  <a16:creationId xmlns:a16="http://schemas.microsoft.com/office/drawing/2014/main" id="{AA70BB20-2299-F641-9356-7613C3B5370F}"/>
+                </a:ext>
+              </a:extLst>
+            </p:cNvPr>
+            <p:cNvSpPr/>
+            <p:nvPr/>
+          </p:nvSpPr>
+          <p:spPr>
+            <a:xfrm>
+              <a:off x="2935172" y="3258991"/>
+              <a:ext cx="1074119" cy="376766"/>
+            </a:xfrm>
+            <a:prstGeom prst="rect">
+              <a:avLst/>
+            </a:prstGeom>
+            <a:solidFill>
+              <a:schemeClr val="accent6">
+                <a:lumMod val="20000"/>
+                <a:lumOff val="80000"/>
+              </a:schemeClr>
+            </a:solidFill>
+            <a:ln w="9525"/>
+          </p:spPr>
+          <p:style>
+            <a:lnRef idx="2">
+              <a:schemeClr val="accent1">
+                <a:shade val="15000"/>
+              </a:schemeClr>
+            </a:lnRef>
+            <a:fillRef idx="1">
+              <a:schemeClr val="accent1"/>
+            </a:fillRef>
+            <a:effectRef idx="0">
+              <a:schemeClr val="accent1"/>
+            </a:effectRef>
+            <a:fontRef idx="minor">
+              <a:schemeClr val="lt1"/>
+            </a:fontRef>
+          </p:style>
+          <p:txBody>
+            <a:bodyPr rtlCol="0" anchor="ctr"/>
+            <a:lstStyle/>
+            <a:p>
+              <a:r>
+                <a:rPr lang="en-US" sz="1000" dirty="0">
+                  <a:solidFill>
+                    <a:schemeClr val="tx1"/>
+                  </a:solidFill>
+                  <a:latin typeface="Avenir Book" panose="02000503020000020003" pitchFamily="2" charset="0"/>
+                </a:rPr>
+                <a:t>Encrypted</a:t>
+              </a:r>
+            </a:p>
+            <a:p>
+              <a:r>
+                <a:rPr lang="en-US" sz="1000" dirty="0">
+                  <a:solidFill>
+                    <a:schemeClr val="tx1"/>
+                  </a:solidFill>
+                  <a:latin typeface="Avenir Book" panose="02000503020000020003" pitchFamily="2" charset="0"/>
+                </a:rPr>
+                <a:t>Key share </a:t>
+              </a:r>
+              <a:r>
+                <a:rPr lang="en-US" sz="1000" i="1" dirty="0">
+                  <a:solidFill>
+                    <a:schemeClr val="tx1"/>
+                  </a:solidFill>
+                  <a:latin typeface="Avenir Book" panose="02000503020000020003" pitchFamily="2" charset="0"/>
+                </a:rPr>
+                <a:t>n</a:t>
+              </a:r>
+            </a:p>
+          </p:txBody>
+        </p:sp>
+        <p:sp>
+          <p:nvSpPr>
+            <p:cNvPr id="29" name="Rectangle 28">
+              <a:extLst>
+                <a:ext uri="{FF2B5EF4-FFF2-40B4-BE49-F238E27FC236}">
+                  <a16:creationId xmlns:a16="http://schemas.microsoft.com/office/drawing/2014/main" id="{6B71F394-36BC-D96B-1506-0DD344DF55CC}"/>
+                </a:ext>
+              </a:extLst>
+            </p:cNvPr>
+            <p:cNvSpPr/>
+            <p:nvPr/>
+          </p:nvSpPr>
+          <p:spPr>
+            <a:xfrm>
+              <a:off x="2935172" y="2764374"/>
+              <a:ext cx="1074119" cy="376766"/>
+            </a:xfrm>
+            <a:prstGeom prst="rect">
+              <a:avLst/>
+            </a:prstGeom>
+            <a:solidFill>
+              <a:schemeClr val="accent2">
+                <a:lumMod val="20000"/>
+                <a:lumOff val="80000"/>
+              </a:schemeClr>
+            </a:solidFill>
+            <a:ln w="9525"/>
+          </p:spPr>
+          <p:style>
+            <a:lnRef idx="2">
+              <a:schemeClr val="accent1">
+                <a:shade val="15000"/>
+              </a:schemeClr>
+            </a:lnRef>
+            <a:fillRef idx="1">
+              <a:schemeClr val="accent1"/>
+            </a:fillRef>
+            <a:effectRef idx="0">
+              <a:schemeClr val="accent1"/>
+            </a:effectRef>
+            <a:fontRef idx="minor">
+              <a:schemeClr val="lt1"/>
+            </a:fontRef>
+          </p:style>
+          <p:txBody>
+            <a:bodyPr rtlCol="0" anchor="ctr"/>
+            <a:lstStyle/>
+            <a:p>
+              <a:r>
+                <a:rPr lang="en-US" sz="1000" dirty="0">
+                  <a:solidFill>
+                    <a:schemeClr val="tx1"/>
+                  </a:solidFill>
+                  <a:latin typeface="Avenir Book" panose="02000503020000020003" pitchFamily="2" charset="0"/>
+                </a:rPr>
+                <a:t>Encryption</a:t>
+              </a:r>
+            </a:p>
+            <a:p>
+              <a:r>
+                <a:rPr lang="en-US" sz="1000" dirty="0">
+                  <a:solidFill>
+                    <a:schemeClr val="tx1"/>
+                  </a:solidFill>
+                  <a:latin typeface="Avenir Book" panose="02000503020000020003" pitchFamily="2" charset="0"/>
+                </a:rPr>
+                <a:t>Key </a:t>
+              </a:r>
+              <a:r>
+                <a:rPr lang="en-US" sz="1000" i="1" dirty="0">
+                  <a:solidFill>
+                    <a:schemeClr val="tx1"/>
+                  </a:solidFill>
+                  <a:latin typeface="Avenir Book" panose="02000503020000020003" pitchFamily="2" charset="0"/>
+                </a:rPr>
+                <a:t>n</a:t>
+              </a:r>
+              <a:endParaRPr lang="en-US" sz="1000" dirty="0">
+                <a:solidFill>
+                  <a:schemeClr val="tx1"/>
+                </a:solidFill>
+                <a:latin typeface="Avenir Book" panose="02000503020000020003" pitchFamily="2" charset="0"/>
+              </a:endParaRPr>
+            </a:p>
+          </p:txBody>
+        </p:sp>
+        <p:cxnSp>
+          <p:nvCxnSpPr>
+            <p:cNvPr id="30" name="Straight Connector 29">
+              <a:extLst>
+                <a:ext uri="{FF2B5EF4-FFF2-40B4-BE49-F238E27FC236}">
+                  <a16:creationId xmlns:a16="http://schemas.microsoft.com/office/drawing/2014/main" id="{166FE670-63D4-322E-ED23-7B3C595838D3}"/>
+                </a:ext>
+              </a:extLst>
+            </p:cNvPr>
+            <p:cNvCxnSpPr>
+              <a:cxnSpLocks/>
+            </p:cNvCxnSpPr>
+            <p:nvPr/>
+          </p:nvCxnSpPr>
+          <p:spPr>
+            <a:xfrm flipH="1">
+              <a:off x="2853111" y="3200376"/>
+              <a:ext cx="1249966" cy="0"/>
+            </a:xfrm>
+            <a:prstGeom prst="line">
+              <a:avLst/>
+            </a:prstGeom>
+            <a:ln w="9525" cap="rnd">
+              <a:solidFill>
+                <a:schemeClr val="tx1"/>
+              </a:solidFill>
+            </a:ln>
+          </p:spPr>
+          <p:style>
+            <a:lnRef idx="2">
+              <a:schemeClr val="accent1"/>
+            </a:lnRef>
+            <a:fillRef idx="0">
+              <a:schemeClr val="accent1"/>
+            </a:fillRef>
+            <a:effectRef idx="1">
+              <a:schemeClr val="accent1"/>
+            </a:effectRef>
+            <a:fontRef idx="minor">
+              <a:schemeClr val="tx1"/>
+            </a:fontRef>
+          </p:style>
+        </p:cxnSp>
+        <p:sp>
+          <p:nvSpPr>
+            <p:cNvPr id="31" name="Rectangle 30">
+              <a:extLst>
+                <a:ext uri="{FF2B5EF4-FFF2-40B4-BE49-F238E27FC236}">
+                  <a16:creationId xmlns:a16="http://schemas.microsoft.com/office/drawing/2014/main" id="{199EB91D-DE51-E7F8-1CDB-A2038CCD2CFB}"/>
+                </a:ext>
+              </a:extLst>
+            </p:cNvPr>
+            <p:cNvSpPr/>
+            <p:nvPr/>
+          </p:nvSpPr>
+          <p:spPr>
+            <a:xfrm>
+              <a:off x="2406890" y="3017066"/>
+              <a:ext cx="505035" cy="376766"/>
+            </a:xfrm>
+            <a:prstGeom prst="rect">
+              <a:avLst/>
+            </a:prstGeom>
+            <a:noFill/>
+            <a:ln w="9525">
+              <a:noFill/>
+            </a:ln>
+          </p:spPr>
+          <p:style>
+            <a:lnRef idx="2">
+              <a:schemeClr val="accent1">
+                <a:shade val="15000"/>
+              </a:schemeClr>
+            </a:lnRef>
+            <a:fillRef idx="1">
+              <a:schemeClr val="accent1"/>
+            </a:fillRef>
+            <a:effectRef idx="0">
+              <a:schemeClr val="accent1"/>
+            </a:effectRef>
+            <a:fontRef idx="minor">
+              <a:schemeClr val="lt1"/>
+            </a:fontRef>
+          </p:style>
+          <p:txBody>
+            <a:bodyPr rtlCol="0" anchor="ctr"/>
+            <a:lstStyle/>
+            <a:p>
+              <a:pPr algn="r"/>
+              <a:r>
+                <a:rPr lang="en-US" sz="1000" dirty="0">
+                  <a:solidFill>
+                    <a:schemeClr val="tx1"/>
+                  </a:solidFill>
+                  <a:latin typeface="Avenir Book" panose="02000503020000020003" pitchFamily="2" charset="0"/>
+                </a:rPr>
+                <a:t>XOR</a:t>
+              </a:r>
+            </a:p>
+          </p:txBody>
+        </p:sp>
+        <p:sp>
+          <p:nvSpPr>
+            <p:cNvPr id="32" name="Can 31">
+              <a:extLst>
+                <a:ext uri="{FF2B5EF4-FFF2-40B4-BE49-F238E27FC236}">
+                  <a16:creationId xmlns:a16="http://schemas.microsoft.com/office/drawing/2014/main" id="{D7D3DC11-7BCB-7FFC-CDD9-D33D318CBE4B}"/>
+                </a:ext>
+              </a:extLst>
+            </p:cNvPr>
+            <p:cNvSpPr/>
+            <p:nvPr/>
+          </p:nvSpPr>
+          <p:spPr>
+            <a:xfrm>
+              <a:off x="4299636" y="2634153"/>
+              <a:ext cx="505035" cy="637207"/>
+            </a:xfrm>
+            <a:prstGeom prst="can">
+              <a:avLst/>
+            </a:prstGeom>
+            <a:solidFill>
+              <a:schemeClr val="accent2">
+                <a:lumMod val="20000"/>
+                <a:lumOff val="80000"/>
+              </a:schemeClr>
+            </a:solidFill>
+            <a:ln w="9525"/>
+          </p:spPr>
+          <p:style>
+            <a:lnRef idx="2">
+              <a:schemeClr val="accent1">
+                <a:shade val="15000"/>
+              </a:schemeClr>
+            </a:lnRef>
+            <a:fillRef idx="1">
+              <a:schemeClr val="accent1"/>
+            </a:fillRef>
+            <a:effectRef idx="0">
+              <a:schemeClr val="accent1"/>
+            </a:effectRef>
+            <a:fontRef idx="minor">
+              <a:schemeClr val="lt1"/>
+            </a:fontRef>
+          </p:style>
+          <p:txBody>
+            <a:bodyPr rtlCol="0" anchor="ctr"/>
+            <a:lstStyle/>
+            <a:p>
+              <a:r>
+                <a:rPr lang="en-US" sz="1000" dirty="0">
+                  <a:solidFill>
+                    <a:schemeClr val="tx1"/>
+                  </a:solidFill>
+                  <a:latin typeface="Avenir Book" panose="02000503020000020003" pitchFamily="2" charset="0"/>
+                </a:rPr>
+                <a:t>PSRD</a:t>
+              </a:r>
+              <a:br>
+                <a:rPr lang="en-US" sz="1000" dirty="0">
+                  <a:solidFill>
+                    <a:schemeClr val="tx1"/>
+                  </a:solidFill>
+                  <a:latin typeface="Avenir Book" panose="02000503020000020003" pitchFamily="2" charset="0"/>
+                </a:rPr>
+              </a:br>
+              <a:r>
+                <a:rPr lang="en-US" sz="1000" dirty="0">
+                  <a:solidFill>
+                    <a:schemeClr val="tx1"/>
+                  </a:solidFill>
+                  <a:latin typeface="Avenir Book" panose="02000503020000020003" pitchFamily="2" charset="0"/>
+                </a:rPr>
+                <a:t>Pool</a:t>
+              </a:r>
+            </a:p>
+          </p:txBody>
+        </p:sp>
+        <p:cxnSp>
+          <p:nvCxnSpPr>
+            <p:cNvPr id="33" name="Straight Connector 32">
+              <a:extLst>
+                <a:ext uri="{FF2B5EF4-FFF2-40B4-BE49-F238E27FC236}">
+                  <a16:creationId xmlns:a16="http://schemas.microsoft.com/office/drawing/2014/main" id="{4F94D7DF-8CD4-DB4E-3F75-B02AA51972A1}"/>
+                </a:ext>
+              </a:extLst>
+            </p:cNvPr>
+            <p:cNvCxnSpPr>
+              <a:cxnSpLocks/>
+              <a:stCxn id="32" idx="2"/>
+              <a:endCxn id="29" idx="3"/>
+            </p:cNvCxnSpPr>
+            <p:nvPr/>
+          </p:nvCxnSpPr>
+          <p:spPr>
+            <a:xfrm flipH="1">
+              <a:off x="4009291" y="2952757"/>
+              <a:ext cx="290345" cy="0"/>
+            </a:xfrm>
+            <a:prstGeom prst="line">
+              <a:avLst/>
+            </a:prstGeom>
+            <a:ln w="9525" cap="rnd">
+              <a:solidFill>
+                <a:schemeClr val="tx1"/>
+              </a:solidFill>
+              <a:tailEnd type="triangle"/>
+            </a:ln>
+          </p:spPr>
+          <p:style>
+            <a:lnRef idx="2">
+              <a:schemeClr val="accent1"/>
+            </a:lnRef>
+            <a:fillRef idx="0">
+              <a:schemeClr val="accent1"/>
+            </a:fillRef>
+            <a:effectRef idx="1">
+              <a:schemeClr val="accent1"/>
+            </a:effectRef>
+            <a:fontRef idx="minor">
+              <a:schemeClr val="tx1"/>
+            </a:fontRef>
+          </p:style>
+        </p:cxnSp>
+      </p:grpSp>
+      <p:cxnSp>
+        <p:nvCxnSpPr>
+          <p:cNvPr id="35" name="Straight Connector 34">
+            <a:extLst>
+              <a:ext uri="{FF2B5EF4-FFF2-40B4-BE49-F238E27FC236}">
+                <a16:creationId xmlns:a16="http://schemas.microsoft.com/office/drawing/2014/main" id="{1E87882A-5CDC-2D2C-0A17-8CF253DE6E3F}"/>
+              </a:ext>
+            </a:extLst>
+          </p:cNvPr>
+          <p:cNvCxnSpPr>
+            <a:cxnSpLocks/>
+            <a:endCxn id="3" idx="1"/>
+          </p:cNvCxnSpPr>
+          <p:nvPr/>
+        </p:nvCxnSpPr>
+        <p:spPr>
+          <a:xfrm>
+            <a:off x="3639740" y="1493215"/>
+            <a:ext cx="463778" cy="0"/>
+          </a:xfrm>
+          <a:prstGeom prst="line">
+            <a:avLst/>
+          </a:prstGeom>
+          <a:ln w="9525" cap="rnd">
+            <a:solidFill>
+              <a:schemeClr val="tx1"/>
+            </a:solidFill>
+            <a:tailEnd type="triangle"/>
+          </a:ln>
+        </p:spPr>
+        <p:style>
+          <a:lnRef idx="2">
+            <a:schemeClr val="accent1"/>
+          </a:lnRef>
+          <a:fillRef idx="0">
+            <a:schemeClr val="accent1"/>
+          </a:fillRef>
+          <a:effectRef idx="1">
+            <a:schemeClr val="accent1"/>
+          </a:effectRef>
+          <a:fontRef idx="minor">
+            <a:schemeClr val="tx1"/>
+          </a:fontRef>
+        </p:style>
+      </p:cxnSp>
+      <p:sp>
+        <p:nvSpPr>
+          <p:cNvPr id="40" name="Rounded Rectangle 39">
+            <a:extLst>
+              <a:ext uri="{FF2B5EF4-FFF2-40B4-BE49-F238E27FC236}">
+                <a16:creationId xmlns:a16="http://schemas.microsoft.com/office/drawing/2014/main" id="{AEFBC999-0D4C-FEE7-C04F-211DA26A7056}"/>
+              </a:ext>
+            </a:extLst>
+          </p:cNvPr>
+          <p:cNvSpPr/>
+          <p:nvPr/>
+        </p:nvSpPr>
+        <p:spPr>
+          <a:xfrm>
+            <a:off x="3303923" y="3051134"/>
+            <a:ext cx="678812" cy="578065"/>
+          </a:xfrm>
+          <a:prstGeom prst="roundRect">
+            <a:avLst>
+              <a:gd name="adj" fmla="val 16259"/>
+            </a:avLst>
+          </a:prstGeom>
+          <a:solidFill>
+            <a:schemeClr val="tx2">
+              <a:lumMod val="10000"/>
+              <a:lumOff val="90000"/>
+            </a:schemeClr>
+          </a:solidFill>
+          <a:ln w="9525"/>
+        </p:spPr>
+        <p:style>
+          <a:lnRef idx="2">
+            <a:schemeClr val="accent1">
+              <a:shade val="15000"/>
+            </a:schemeClr>
+          </a:lnRef>
+          <a:fillRef idx="1">
+            <a:schemeClr val="accent1"/>
+          </a:fillRef>
+          <a:effectRef idx="0">
+            <a:schemeClr val="accent1"/>
+          </a:effectRef>
+          <a:fontRef idx="minor">
+            <a:schemeClr val="lt1"/>
+          </a:fontRef>
+        </p:style>
+        <p:txBody>
+          <a:bodyPr rtlCol="0" anchor="ctr"/>
+          <a:lstStyle/>
+          <a:p>
+            <a:pPr algn="ctr"/>
+            <a:r>
+              <a:rPr lang="en-US" sz="1000" dirty="0">
+                <a:solidFill>
+                  <a:schemeClr val="tx1"/>
+                </a:solidFill>
+                <a:latin typeface="Avenir Book" panose="02000503020000020003" pitchFamily="2" charset="0"/>
+              </a:rPr>
+              <a:t>Shamir</a:t>
+            </a:r>
+          </a:p>
+          <a:p>
+            <a:pPr algn="ctr"/>
+            <a:r>
+              <a:rPr lang="en-US" sz="1000" dirty="0">
+                <a:solidFill>
+                  <a:schemeClr val="tx1"/>
+                </a:solidFill>
+                <a:latin typeface="Avenir Book" panose="02000503020000020003" pitchFamily="2" charset="0"/>
+              </a:rPr>
+              <a:t>Secret</a:t>
+            </a:r>
+          </a:p>
+          <a:p>
+            <a:pPr algn="ctr"/>
+            <a:r>
+              <a:rPr lang="en-US" sz="1000" dirty="0">
+                <a:solidFill>
+                  <a:schemeClr val="tx1"/>
+                </a:solidFill>
+                <a:latin typeface="Avenir Book" panose="02000503020000020003" pitchFamily="2" charset="0"/>
+              </a:rPr>
+              <a:t>Sharing</a:t>
+            </a:r>
+          </a:p>
+        </p:txBody>
+      </p:sp>
+      <p:cxnSp>
+        <p:nvCxnSpPr>
+          <p:cNvPr id="41" name="Straight Connector 40">
+            <a:extLst>
+              <a:ext uri="{FF2B5EF4-FFF2-40B4-BE49-F238E27FC236}">
+                <a16:creationId xmlns:a16="http://schemas.microsoft.com/office/drawing/2014/main" id="{644062A1-3BB9-12E2-DDC1-6CEA8C4B9B41}"/>
+              </a:ext>
+            </a:extLst>
+          </p:cNvPr>
+          <p:cNvCxnSpPr>
+            <a:cxnSpLocks/>
+            <a:endCxn id="40" idx="0"/>
+          </p:cNvCxnSpPr>
+          <p:nvPr/>
+        </p:nvCxnSpPr>
+        <p:spPr>
+          <a:xfrm>
+            <a:off x="3643329" y="1493215"/>
+            <a:ext cx="0" cy="1557919"/>
+          </a:xfrm>
+          <a:prstGeom prst="line">
+            <a:avLst/>
+          </a:prstGeom>
+          <a:ln w="9525" cap="rnd">
+            <a:solidFill>
+              <a:schemeClr val="tx1"/>
+            </a:solidFill>
+          </a:ln>
+        </p:spPr>
+        <p:style>
+          <a:lnRef idx="2">
+            <a:schemeClr val="accent1"/>
+          </a:lnRef>
+          <a:fillRef idx="0">
+            <a:schemeClr val="accent1"/>
+          </a:fillRef>
+          <a:effectRef idx="1">
+            <a:schemeClr val="accent1"/>
+          </a:effectRef>
+          <a:fontRef idx="minor">
+            <a:schemeClr val="tx1"/>
+          </a:fontRef>
+        </p:style>
+      </p:cxnSp>
+      <p:cxnSp>
+        <p:nvCxnSpPr>
+          <p:cNvPr id="48" name="Straight Connector 47">
+            <a:extLst>
+              <a:ext uri="{FF2B5EF4-FFF2-40B4-BE49-F238E27FC236}">
+                <a16:creationId xmlns:a16="http://schemas.microsoft.com/office/drawing/2014/main" id="{38D009C7-E62D-1716-128C-7195C3502601}"/>
+              </a:ext>
+            </a:extLst>
+          </p:cNvPr>
+          <p:cNvCxnSpPr>
+            <a:cxnSpLocks/>
+            <a:stCxn id="2" idx="3"/>
+            <a:endCxn id="40" idx="1"/>
+          </p:cNvCxnSpPr>
+          <p:nvPr/>
+        </p:nvCxnSpPr>
+        <p:spPr>
+          <a:xfrm>
+            <a:off x="3141019" y="3340167"/>
+            <a:ext cx="162904" cy="0"/>
+          </a:xfrm>
+          <a:prstGeom prst="line">
+            <a:avLst/>
+          </a:prstGeom>
+          <a:ln w="9525" cap="rnd">
+            <a:solidFill>
+              <a:schemeClr val="tx1"/>
+            </a:solidFill>
+            <a:tailEnd type="triangle"/>
+          </a:ln>
+        </p:spPr>
+        <p:style>
+          <a:lnRef idx="2">
+            <a:schemeClr val="accent1"/>
+          </a:lnRef>
+          <a:fillRef idx="0">
+            <a:schemeClr val="accent1"/>
+          </a:fillRef>
+          <a:effectRef idx="1">
+            <a:schemeClr val="accent1"/>
+          </a:effectRef>
+          <a:fontRef idx="minor">
+            <a:schemeClr val="tx1"/>
+          </a:fontRef>
+        </p:style>
+      </p:cxnSp>
+      <p:cxnSp>
+        <p:nvCxnSpPr>
+          <p:cNvPr id="51" name="Straight Connector 50">
+            <a:extLst>
+              <a:ext uri="{FF2B5EF4-FFF2-40B4-BE49-F238E27FC236}">
+                <a16:creationId xmlns:a16="http://schemas.microsoft.com/office/drawing/2014/main" id="{E8CE64EA-6A6B-2BD4-94E8-66313021182A}"/>
+              </a:ext>
+            </a:extLst>
+          </p:cNvPr>
+          <p:cNvCxnSpPr>
+            <a:cxnSpLocks/>
+            <a:stCxn id="40" idx="2"/>
+          </p:cNvCxnSpPr>
+          <p:nvPr/>
+        </p:nvCxnSpPr>
+        <p:spPr>
+          <a:xfrm>
+            <a:off x="3643329" y="3629199"/>
+            <a:ext cx="0" cy="233895"/>
+          </a:xfrm>
+          <a:prstGeom prst="line">
+            <a:avLst/>
+          </a:prstGeom>
+          <a:ln w="9525" cap="rnd">
+            <a:solidFill>
+              <a:schemeClr val="tx1"/>
+            </a:solidFill>
+          </a:ln>
+        </p:spPr>
+        <p:style>
+          <a:lnRef idx="2">
+            <a:schemeClr val="accent1"/>
+          </a:lnRef>
+          <a:fillRef idx="0">
+            <a:schemeClr val="accent1"/>
+          </a:fillRef>
+          <a:effectRef idx="1">
+            <a:schemeClr val="accent1"/>
+          </a:effectRef>
+          <a:fontRef idx="minor">
+            <a:schemeClr val="tx1"/>
+          </a:fontRef>
+        </p:style>
+      </p:cxnSp>
+      <p:cxnSp>
+        <p:nvCxnSpPr>
+          <p:cNvPr id="55" name="Straight Connector 54">
+            <a:extLst>
+              <a:ext uri="{FF2B5EF4-FFF2-40B4-BE49-F238E27FC236}">
+                <a16:creationId xmlns:a16="http://schemas.microsoft.com/office/drawing/2014/main" id="{087D75C7-252B-A81E-945F-40D83C01ACDC}"/>
+              </a:ext>
+            </a:extLst>
+          </p:cNvPr>
+          <p:cNvCxnSpPr>
+            <a:cxnSpLocks/>
+          </p:cNvCxnSpPr>
+          <p:nvPr/>
+        </p:nvCxnSpPr>
+        <p:spPr>
+          <a:xfrm>
+            <a:off x="3639740" y="3857410"/>
+            <a:ext cx="463778" cy="0"/>
+          </a:xfrm>
+          <a:prstGeom prst="line">
+            <a:avLst/>
+          </a:prstGeom>
+          <a:ln w="9525" cap="rnd">
+            <a:solidFill>
+              <a:schemeClr val="tx1"/>
+            </a:solidFill>
+            <a:tailEnd type="triangle"/>
+          </a:ln>
+        </p:spPr>
+        <p:style>
+          <a:lnRef idx="2">
+            <a:schemeClr val="accent1"/>
+          </a:lnRef>
+          <a:fillRef idx="0">
+            <a:schemeClr val="accent1"/>
+          </a:fillRef>
+          <a:effectRef idx="1">
+            <a:schemeClr val="accent1"/>
+          </a:effectRef>
+          <a:fontRef idx="minor">
+            <a:schemeClr val="tx1"/>
+          </a:fontRef>
+        </p:style>
+      </p:cxnSp>
+      <p:grpSp>
+        <p:nvGrpSpPr>
+          <p:cNvPr id="85" name="Group 84">
+            <a:extLst>
+              <a:ext uri="{FF2B5EF4-FFF2-40B4-BE49-F238E27FC236}">
+                <a16:creationId xmlns:a16="http://schemas.microsoft.com/office/drawing/2014/main" id="{285D7A99-24E6-4A84-7E3C-62A25BC8B229}"/>
+              </a:ext>
+            </a:extLst>
+          </p:cNvPr>
+          <p:cNvGrpSpPr/>
+          <p:nvPr/>
+        </p:nvGrpSpPr>
+        <p:grpSpPr>
+          <a:xfrm>
+            <a:off x="7761763" y="1599418"/>
+            <a:ext cx="2304521" cy="1482794"/>
+            <a:chOff x="2126973" y="2634153"/>
+            <a:chExt cx="2304521" cy="1482794"/>
+          </a:xfrm>
+        </p:grpSpPr>
+        <p:sp>
+          <p:nvSpPr>
+            <p:cNvPr id="86" name="Rectangle 85">
+              <a:extLst>
+                <a:ext uri="{FF2B5EF4-FFF2-40B4-BE49-F238E27FC236}">
+                  <a16:creationId xmlns:a16="http://schemas.microsoft.com/office/drawing/2014/main" id="{AB2D90C3-E6FA-658D-20CB-C22C18EC7CEE}"/>
+                </a:ext>
+              </a:extLst>
+            </p:cNvPr>
+            <p:cNvSpPr/>
+            <p:nvPr/>
+          </p:nvSpPr>
+          <p:spPr>
+            <a:xfrm>
+              <a:off x="2935172" y="3740181"/>
+              <a:ext cx="1074119" cy="376766"/>
+            </a:xfrm>
+            <a:prstGeom prst="rect">
+              <a:avLst/>
+            </a:prstGeom>
+            <a:solidFill>
+              <a:schemeClr val="tx2">
+                <a:lumMod val="10000"/>
+                <a:lumOff val="90000"/>
+              </a:schemeClr>
+            </a:solidFill>
+            <a:ln w="9525"/>
+          </p:spPr>
+          <p:style>
+            <a:lnRef idx="2">
+              <a:schemeClr val="accent1">
+                <a:shade val="15000"/>
+              </a:schemeClr>
+            </a:lnRef>
+            <a:fillRef idx="1">
+              <a:schemeClr val="accent1"/>
+            </a:fillRef>
+            <a:effectRef idx="0">
+              <a:schemeClr val="accent1"/>
+            </a:effectRef>
+            <a:fontRef idx="minor">
+              <a:schemeClr val="lt1"/>
+            </a:fontRef>
+          </p:style>
+          <p:txBody>
+            <a:bodyPr rtlCol="0" anchor="ctr"/>
+            <a:lstStyle/>
+            <a:p>
+              <a:r>
+                <a:rPr lang="en-US" sz="1000" dirty="0">
+                  <a:solidFill>
+                    <a:schemeClr val="tx1"/>
+                  </a:solidFill>
+                  <a:latin typeface="Avenir Book" panose="02000503020000020003" pitchFamily="2" charset="0"/>
+                </a:rPr>
+                <a:t>Key share 1</a:t>
+              </a:r>
+            </a:p>
+          </p:txBody>
+        </p:sp>
+        <p:sp>
+          <p:nvSpPr>
+            <p:cNvPr id="87" name="Rectangle 86">
+              <a:extLst>
+                <a:ext uri="{FF2B5EF4-FFF2-40B4-BE49-F238E27FC236}">
+                  <a16:creationId xmlns:a16="http://schemas.microsoft.com/office/drawing/2014/main" id="{416EA132-F407-E2A5-9E9D-6060DED9C60B}"/>
+                </a:ext>
+              </a:extLst>
+            </p:cNvPr>
+            <p:cNvSpPr/>
+            <p:nvPr/>
+          </p:nvSpPr>
+          <p:spPr>
+            <a:xfrm>
+              <a:off x="2935172" y="3258991"/>
+              <a:ext cx="1074119" cy="376766"/>
+            </a:xfrm>
+            <a:prstGeom prst="rect">
+              <a:avLst/>
+            </a:prstGeom>
+            <a:solidFill>
+              <a:schemeClr val="accent6">
+                <a:lumMod val="20000"/>
+                <a:lumOff val="80000"/>
+              </a:schemeClr>
+            </a:solidFill>
+            <a:ln w="9525"/>
+          </p:spPr>
+          <p:style>
+            <a:lnRef idx="2">
+              <a:schemeClr val="accent1">
+                <a:shade val="15000"/>
+              </a:schemeClr>
+            </a:lnRef>
+            <a:fillRef idx="1">
+              <a:schemeClr val="accent1"/>
+            </a:fillRef>
+            <a:effectRef idx="0">
+              <a:schemeClr val="accent1"/>
+            </a:effectRef>
+            <a:fontRef idx="minor">
+              <a:schemeClr val="lt1"/>
+            </a:fontRef>
+          </p:style>
+          <p:txBody>
+            <a:bodyPr rtlCol="0" anchor="ctr"/>
+            <a:lstStyle/>
+            <a:p>
+              <a:r>
+                <a:rPr lang="en-US" sz="1000" dirty="0">
+                  <a:solidFill>
+                    <a:schemeClr val="tx1"/>
+                  </a:solidFill>
+                  <a:latin typeface="Avenir Book" panose="02000503020000020003" pitchFamily="2" charset="0"/>
+                </a:rPr>
+                <a:t>Encrypted</a:t>
+              </a:r>
+            </a:p>
+            <a:p>
+              <a:r>
+                <a:rPr lang="en-US" sz="1000" dirty="0">
+                  <a:solidFill>
+                    <a:schemeClr val="tx1"/>
+                  </a:solidFill>
+                  <a:latin typeface="Avenir Book" panose="02000503020000020003" pitchFamily="2" charset="0"/>
+                </a:rPr>
+                <a:t>Key share 1</a:t>
+              </a:r>
+            </a:p>
+          </p:txBody>
+        </p:sp>
+        <p:sp>
+          <p:nvSpPr>
+            <p:cNvPr id="88" name="Rectangle 87">
+              <a:extLst>
+                <a:ext uri="{FF2B5EF4-FFF2-40B4-BE49-F238E27FC236}">
+                  <a16:creationId xmlns:a16="http://schemas.microsoft.com/office/drawing/2014/main" id="{AA26BEEF-1B73-3D98-0F85-BBC3FEC4EAC0}"/>
+                </a:ext>
+              </a:extLst>
+            </p:cNvPr>
+            <p:cNvSpPr/>
+            <p:nvPr/>
+          </p:nvSpPr>
+          <p:spPr>
+            <a:xfrm>
+              <a:off x="2935172" y="2764374"/>
+              <a:ext cx="1074119" cy="376766"/>
+            </a:xfrm>
+            <a:prstGeom prst="rect">
+              <a:avLst/>
+            </a:prstGeom>
+            <a:solidFill>
+              <a:schemeClr val="accent2">
+                <a:lumMod val="20000"/>
+                <a:lumOff val="80000"/>
+              </a:schemeClr>
+            </a:solidFill>
+            <a:ln w="9525"/>
+          </p:spPr>
+          <p:style>
+            <a:lnRef idx="2">
+              <a:schemeClr val="accent1">
+                <a:shade val="15000"/>
+              </a:schemeClr>
+            </a:lnRef>
+            <a:fillRef idx="1">
+              <a:schemeClr val="accent1"/>
+            </a:fillRef>
+            <a:effectRef idx="0">
+              <a:schemeClr val="accent1"/>
+            </a:effectRef>
+            <a:fontRef idx="minor">
+              <a:schemeClr val="lt1"/>
+            </a:fontRef>
+          </p:style>
+          <p:txBody>
+            <a:bodyPr rtlCol="0" anchor="ctr"/>
+            <a:lstStyle/>
+            <a:p>
+              <a:r>
+                <a:rPr lang="en-US" sz="1000" dirty="0">
+                  <a:solidFill>
+                    <a:schemeClr val="tx1"/>
+                  </a:solidFill>
+                  <a:latin typeface="Avenir Book" panose="02000503020000020003" pitchFamily="2" charset="0"/>
+                </a:rPr>
+                <a:t>Encryption</a:t>
+              </a:r>
+            </a:p>
+            <a:p>
+              <a:r>
+                <a:rPr lang="en-US" sz="1000" dirty="0">
+                  <a:solidFill>
+                    <a:schemeClr val="tx1"/>
+                  </a:solidFill>
+                  <a:latin typeface="Avenir Book" panose="02000503020000020003" pitchFamily="2" charset="0"/>
+                </a:rPr>
+                <a:t>Key 1</a:t>
+              </a:r>
+            </a:p>
+          </p:txBody>
+        </p:sp>
+        <p:cxnSp>
+          <p:nvCxnSpPr>
+            <p:cNvPr id="89" name="Straight Connector 88">
+              <a:extLst>
+                <a:ext uri="{FF2B5EF4-FFF2-40B4-BE49-F238E27FC236}">
+                  <a16:creationId xmlns:a16="http://schemas.microsoft.com/office/drawing/2014/main" id="{9BCD2357-E0A2-FB3C-CC05-833E74B6783D}"/>
+                </a:ext>
+              </a:extLst>
+            </p:cNvPr>
+            <p:cNvCxnSpPr>
+              <a:cxnSpLocks/>
+            </p:cNvCxnSpPr>
+            <p:nvPr/>
+          </p:nvCxnSpPr>
+          <p:spPr>
+            <a:xfrm flipH="1">
+              <a:off x="2853111" y="3690569"/>
+              <a:ext cx="1249966" cy="0"/>
+            </a:xfrm>
+            <a:prstGeom prst="line">
+              <a:avLst/>
+            </a:prstGeom>
+            <a:ln w="9525" cap="rnd">
+              <a:solidFill>
+                <a:schemeClr val="tx1"/>
+              </a:solidFill>
+            </a:ln>
+          </p:spPr>
+          <p:style>
+            <a:lnRef idx="2">
+              <a:schemeClr val="accent1"/>
+            </a:lnRef>
+            <a:fillRef idx="0">
+              <a:schemeClr val="accent1"/>
+            </a:fillRef>
+            <a:effectRef idx="1">
+              <a:schemeClr val="accent1"/>
+            </a:effectRef>
+            <a:fontRef idx="minor">
+              <a:schemeClr val="tx1"/>
+            </a:fontRef>
+          </p:style>
+        </p:cxnSp>
+        <p:sp>
+          <p:nvSpPr>
+            <p:cNvPr id="90" name="Rectangle 89">
+              <a:extLst>
+                <a:ext uri="{FF2B5EF4-FFF2-40B4-BE49-F238E27FC236}">
+                  <a16:creationId xmlns:a16="http://schemas.microsoft.com/office/drawing/2014/main" id="{10ADD088-CAEC-B0F7-AB56-4A5D39A5EABA}"/>
+                </a:ext>
+              </a:extLst>
+            </p:cNvPr>
+            <p:cNvSpPr/>
+            <p:nvPr/>
+          </p:nvSpPr>
+          <p:spPr>
+            <a:xfrm>
+              <a:off x="3926459" y="3506319"/>
+              <a:ext cx="505035" cy="376766"/>
+            </a:xfrm>
+            <a:prstGeom prst="rect">
+              <a:avLst/>
+            </a:prstGeom>
+            <a:noFill/>
+            <a:ln w="9525">
+              <a:noFill/>
+            </a:ln>
+          </p:spPr>
+          <p:style>
+            <a:lnRef idx="2">
+              <a:schemeClr val="accent1">
+                <a:shade val="15000"/>
+              </a:schemeClr>
+            </a:lnRef>
+            <a:fillRef idx="1">
+              <a:schemeClr val="accent1"/>
+            </a:fillRef>
+            <a:effectRef idx="0">
+              <a:schemeClr val="accent1"/>
+            </a:effectRef>
+            <a:fontRef idx="minor">
+              <a:schemeClr val="lt1"/>
+            </a:fontRef>
+          </p:style>
+          <p:txBody>
+            <a:bodyPr rtlCol="0" anchor="ctr"/>
+            <a:lstStyle/>
+            <a:p>
+              <a:pPr algn="r"/>
+              <a:r>
+                <a:rPr lang="en-US" sz="800" dirty="0">
+                  <a:solidFill>
+                    <a:schemeClr val="tx1"/>
+                  </a:solidFill>
+                  <a:latin typeface="Avenir Book" panose="02000503020000020003" pitchFamily="2" charset="0"/>
+                </a:rPr>
+                <a:t>XOR</a:t>
+              </a:r>
+            </a:p>
+          </p:txBody>
+        </p:sp>
+        <p:sp>
+          <p:nvSpPr>
+            <p:cNvPr id="91" name="Can 90">
+              <a:extLst>
+                <a:ext uri="{FF2B5EF4-FFF2-40B4-BE49-F238E27FC236}">
+                  <a16:creationId xmlns:a16="http://schemas.microsoft.com/office/drawing/2014/main" id="{8A62180D-C5AD-0F83-1561-6051153F21D3}"/>
+                </a:ext>
+              </a:extLst>
+            </p:cNvPr>
+            <p:cNvSpPr/>
+            <p:nvPr/>
+          </p:nvSpPr>
+          <p:spPr>
+            <a:xfrm>
+              <a:off x="2126973" y="2634153"/>
+              <a:ext cx="505035" cy="637207"/>
+            </a:xfrm>
+            <a:prstGeom prst="can">
+              <a:avLst/>
+            </a:prstGeom>
+            <a:solidFill>
+              <a:schemeClr val="accent2">
+                <a:lumMod val="20000"/>
+                <a:lumOff val="80000"/>
+              </a:schemeClr>
+            </a:solidFill>
+            <a:ln w="9525"/>
+          </p:spPr>
+          <p:style>
+            <a:lnRef idx="2">
+              <a:schemeClr val="accent1">
+                <a:shade val="15000"/>
+              </a:schemeClr>
+            </a:lnRef>
+            <a:fillRef idx="1">
+              <a:schemeClr val="accent1"/>
+            </a:fillRef>
+            <a:effectRef idx="0">
+              <a:schemeClr val="accent1"/>
+            </a:effectRef>
+            <a:fontRef idx="minor">
+              <a:schemeClr val="lt1"/>
+            </a:fontRef>
+          </p:style>
+          <p:txBody>
+            <a:bodyPr rtlCol="0" anchor="ctr"/>
+            <a:lstStyle/>
+            <a:p>
+              <a:r>
+                <a:rPr lang="en-US" sz="1000" dirty="0">
+                  <a:solidFill>
+                    <a:schemeClr val="tx1"/>
+                  </a:solidFill>
+                  <a:latin typeface="Avenir Book" panose="02000503020000020003" pitchFamily="2" charset="0"/>
+                </a:rPr>
+                <a:t>PSRD</a:t>
+              </a:r>
+              <a:br>
+                <a:rPr lang="en-US" sz="1000" dirty="0">
+                  <a:solidFill>
+                    <a:schemeClr val="tx1"/>
+                  </a:solidFill>
+                  <a:latin typeface="Avenir Book" panose="02000503020000020003" pitchFamily="2" charset="0"/>
+                </a:rPr>
+              </a:br>
+              <a:r>
+                <a:rPr lang="en-US" sz="1000" dirty="0">
+                  <a:solidFill>
+                    <a:schemeClr val="tx1"/>
+                  </a:solidFill>
+                  <a:latin typeface="Avenir Book" panose="02000503020000020003" pitchFamily="2" charset="0"/>
+                </a:rPr>
+                <a:t>Pool</a:t>
+              </a:r>
+            </a:p>
+          </p:txBody>
+        </p:sp>
+        <p:cxnSp>
+          <p:nvCxnSpPr>
+            <p:cNvPr id="92" name="Straight Connector 91">
+              <a:extLst>
+                <a:ext uri="{FF2B5EF4-FFF2-40B4-BE49-F238E27FC236}">
+                  <a16:creationId xmlns:a16="http://schemas.microsoft.com/office/drawing/2014/main" id="{633F8E2B-35CA-5B30-407F-180675EE2442}"/>
+                </a:ext>
+              </a:extLst>
+            </p:cNvPr>
+            <p:cNvCxnSpPr>
+              <a:cxnSpLocks/>
+              <a:stCxn id="91" idx="4"/>
+              <a:endCxn id="88" idx="1"/>
+            </p:cNvCxnSpPr>
+            <p:nvPr/>
+          </p:nvCxnSpPr>
+          <p:spPr>
+            <a:xfrm>
+              <a:off x="2632008" y="2952757"/>
+              <a:ext cx="303164" cy="0"/>
+            </a:xfrm>
+            <a:prstGeom prst="line">
+              <a:avLst/>
+            </a:prstGeom>
+            <a:ln w="9525" cap="rnd">
+              <a:solidFill>
+                <a:schemeClr val="tx1"/>
+              </a:solidFill>
+              <a:tailEnd type="triangle"/>
+            </a:ln>
+          </p:spPr>
+          <p:style>
+            <a:lnRef idx="2">
+              <a:schemeClr val="accent1"/>
+            </a:lnRef>
+            <a:fillRef idx="0">
+              <a:schemeClr val="accent1"/>
+            </a:fillRef>
+            <a:effectRef idx="1">
+              <a:schemeClr val="accent1"/>
+            </a:effectRef>
+            <a:fontRef idx="minor">
+              <a:schemeClr val="tx1"/>
+            </a:fontRef>
+          </p:style>
+        </p:cxnSp>
+      </p:grpSp>
+      <p:cxnSp>
+        <p:nvCxnSpPr>
+          <p:cNvPr id="105" name="Straight Connector 104">
+            <a:extLst>
+              <a:ext uri="{FF2B5EF4-FFF2-40B4-BE49-F238E27FC236}">
+                <a16:creationId xmlns:a16="http://schemas.microsoft.com/office/drawing/2014/main" id="{B06E6272-02CE-5077-B233-6F2BFABAA27F}"/>
+              </a:ext>
+            </a:extLst>
+          </p:cNvPr>
+          <p:cNvCxnSpPr>
+            <a:cxnSpLocks/>
+            <a:stCxn id="91" idx="2"/>
+            <a:endCxn id="14" idx="4"/>
+          </p:cNvCxnSpPr>
+          <p:nvPr/>
+        </p:nvCxnSpPr>
+        <p:spPr>
+          <a:xfrm flipH="1">
+            <a:off x="5973017" y="1918022"/>
+            <a:ext cx="1788746" cy="0"/>
+          </a:xfrm>
+          <a:prstGeom prst="line">
+            <a:avLst/>
+          </a:prstGeom>
+          <a:ln w="9525" cap="rnd">
+            <a:solidFill>
+              <a:srgbClr val="FF0000"/>
+            </a:solidFill>
+            <a:tailEnd type="triangle"/>
+          </a:ln>
+        </p:spPr>
+        <p:style>
+          <a:lnRef idx="2">
+            <a:schemeClr val="accent1"/>
+          </a:lnRef>
+          <a:fillRef idx="0">
+            <a:schemeClr val="accent1"/>
+          </a:fillRef>
+          <a:effectRef idx="1">
+            <a:schemeClr val="accent1"/>
+          </a:effectRef>
+          <a:fontRef idx="minor">
+            <a:schemeClr val="tx1"/>
+          </a:fontRef>
+        </p:style>
+      </p:cxnSp>
+      <p:cxnSp>
+        <p:nvCxnSpPr>
+          <p:cNvPr id="108" name="Straight Connector 107">
+            <a:extLst>
+              <a:ext uri="{FF2B5EF4-FFF2-40B4-BE49-F238E27FC236}">
+                <a16:creationId xmlns:a16="http://schemas.microsoft.com/office/drawing/2014/main" id="{EFF65106-FF29-A3BB-9B88-443B2B1BE35E}"/>
+              </a:ext>
+            </a:extLst>
+          </p:cNvPr>
+          <p:cNvCxnSpPr>
+            <a:cxnSpLocks/>
+            <a:stCxn id="7" idx="3"/>
+            <a:endCxn id="87" idx="1"/>
+          </p:cNvCxnSpPr>
+          <p:nvPr/>
+        </p:nvCxnSpPr>
+        <p:spPr>
+          <a:xfrm>
+            <a:off x="5177637" y="2412639"/>
+            <a:ext cx="3392325" cy="0"/>
+          </a:xfrm>
+          <a:prstGeom prst="line">
+            <a:avLst/>
+          </a:prstGeom>
+          <a:ln w="9525" cap="rnd">
+            <a:solidFill>
+              <a:schemeClr val="accent6">
+                <a:lumMod val="75000"/>
+              </a:schemeClr>
+            </a:solidFill>
+            <a:tailEnd type="triangle"/>
+          </a:ln>
+        </p:spPr>
+        <p:style>
+          <a:lnRef idx="2">
+            <a:schemeClr val="accent1"/>
+          </a:lnRef>
+          <a:fillRef idx="0">
+            <a:schemeClr val="accent1"/>
+          </a:fillRef>
+          <a:effectRef idx="1">
+            <a:schemeClr val="accent1"/>
+          </a:effectRef>
+          <a:fontRef idx="minor">
+            <a:schemeClr val="tx1"/>
+          </a:fontRef>
+        </p:style>
+      </p:cxnSp>
+      <p:cxnSp>
+        <p:nvCxnSpPr>
+          <p:cNvPr id="119" name="Straight Connector 118">
+            <a:extLst>
+              <a:ext uri="{FF2B5EF4-FFF2-40B4-BE49-F238E27FC236}">
+                <a16:creationId xmlns:a16="http://schemas.microsoft.com/office/drawing/2014/main" id="{8ECF8C72-5966-D4E9-CB8A-255F7DAA3937}"/>
+              </a:ext>
+            </a:extLst>
+          </p:cNvPr>
+          <p:cNvCxnSpPr>
+            <a:cxnSpLocks/>
+          </p:cNvCxnSpPr>
+          <p:nvPr/>
+        </p:nvCxnSpPr>
+        <p:spPr>
+          <a:xfrm flipH="1">
+            <a:off x="5973017" y="4274283"/>
+            <a:ext cx="1788746" cy="0"/>
+          </a:xfrm>
+          <a:prstGeom prst="line">
+            <a:avLst/>
+          </a:prstGeom>
+          <a:ln w="9525" cap="rnd">
+            <a:solidFill>
+              <a:srgbClr val="FF0000"/>
+            </a:solidFill>
+            <a:tailEnd type="triangle"/>
+          </a:ln>
+        </p:spPr>
+        <p:style>
+          <a:lnRef idx="2">
+            <a:schemeClr val="accent1"/>
+          </a:lnRef>
+          <a:fillRef idx="0">
+            <a:schemeClr val="accent1"/>
+          </a:fillRef>
+          <a:effectRef idx="1">
+            <a:schemeClr val="accent1"/>
+          </a:effectRef>
+          <a:fontRef idx="minor">
+            <a:schemeClr val="tx1"/>
+          </a:fontRef>
+        </p:style>
+      </p:cxnSp>
+      <p:cxnSp>
+        <p:nvCxnSpPr>
+          <p:cNvPr id="120" name="Straight Connector 119">
+            <a:extLst>
+              <a:ext uri="{FF2B5EF4-FFF2-40B4-BE49-F238E27FC236}">
+                <a16:creationId xmlns:a16="http://schemas.microsoft.com/office/drawing/2014/main" id="{309796A1-5159-C164-AA60-1087C32AA11A}"/>
+              </a:ext>
+            </a:extLst>
+          </p:cNvPr>
+          <p:cNvCxnSpPr>
+            <a:cxnSpLocks/>
+          </p:cNvCxnSpPr>
+          <p:nvPr/>
+        </p:nvCxnSpPr>
+        <p:spPr>
+          <a:xfrm>
+            <a:off x="5177637" y="4768900"/>
+            <a:ext cx="3392325" cy="0"/>
+          </a:xfrm>
+          <a:prstGeom prst="line">
+            <a:avLst/>
+          </a:prstGeom>
+          <a:ln w="9525" cap="rnd">
+            <a:solidFill>
+              <a:schemeClr val="accent6">
+                <a:lumMod val="75000"/>
+              </a:schemeClr>
+            </a:solidFill>
+            <a:tailEnd type="triangle"/>
+          </a:ln>
+        </p:spPr>
+        <p:style>
+          <a:lnRef idx="2">
+            <a:schemeClr val="accent1"/>
+          </a:lnRef>
+          <a:fillRef idx="0">
+            <a:schemeClr val="accent1"/>
+          </a:fillRef>
+          <a:effectRef idx="1">
+            <a:schemeClr val="accent1"/>
+          </a:effectRef>
+          <a:fontRef idx="minor">
+            <a:schemeClr val="tx1"/>
+          </a:fontRef>
+        </p:style>
+      </p:cxnSp>
+      <p:grpSp>
+        <p:nvGrpSpPr>
+          <p:cNvPr id="121" name="Group 120">
+            <a:extLst>
+              <a:ext uri="{FF2B5EF4-FFF2-40B4-BE49-F238E27FC236}">
+                <a16:creationId xmlns:a16="http://schemas.microsoft.com/office/drawing/2014/main" id="{BBE40852-F184-E1A8-7D54-2EBA5B4E1377}"/>
+              </a:ext>
+            </a:extLst>
+          </p:cNvPr>
+          <p:cNvGrpSpPr/>
+          <p:nvPr/>
+        </p:nvGrpSpPr>
+        <p:grpSpPr>
+          <a:xfrm>
+            <a:off x="7768719" y="3960835"/>
+            <a:ext cx="2304521" cy="1482794"/>
+            <a:chOff x="2126973" y="2634153"/>
+            <a:chExt cx="2304521" cy="1482794"/>
+          </a:xfrm>
+        </p:grpSpPr>
+        <p:sp>
+          <p:nvSpPr>
+            <p:cNvPr id="122" name="Rectangle 121">
+              <a:extLst>
+                <a:ext uri="{FF2B5EF4-FFF2-40B4-BE49-F238E27FC236}">
+                  <a16:creationId xmlns:a16="http://schemas.microsoft.com/office/drawing/2014/main" id="{CC76DAF7-2CEF-27BA-DC02-036A0E1A8FA0}"/>
+                </a:ext>
+              </a:extLst>
+            </p:cNvPr>
+            <p:cNvSpPr/>
+            <p:nvPr/>
+          </p:nvSpPr>
+          <p:spPr>
+            <a:xfrm>
+              <a:off x="2935172" y="3740181"/>
+              <a:ext cx="1074119" cy="376766"/>
+            </a:xfrm>
+            <a:prstGeom prst="rect">
+              <a:avLst/>
+            </a:prstGeom>
+            <a:solidFill>
+              <a:schemeClr val="tx2">
+                <a:lumMod val="10000"/>
+                <a:lumOff val="90000"/>
+              </a:schemeClr>
+            </a:solidFill>
+            <a:ln w="9525"/>
+          </p:spPr>
+          <p:style>
+            <a:lnRef idx="2">
+              <a:schemeClr val="accent1">
+                <a:shade val="15000"/>
+              </a:schemeClr>
+            </a:lnRef>
+            <a:fillRef idx="1">
+              <a:schemeClr val="accent1"/>
+            </a:fillRef>
+            <a:effectRef idx="0">
+              <a:schemeClr val="accent1"/>
+            </a:effectRef>
+            <a:fontRef idx="minor">
+              <a:schemeClr val="lt1"/>
+            </a:fontRef>
+          </p:style>
+          <p:txBody>
+            <a:bodyPr rtlCol="0" anchor="ctr"/>
+            <a:lstStyle/>
+            <a:p>
+              <a:r>
+                <a:rPr lang="en-US" sz="1000" dirty="0">
+                  <a:solidFill>
+                    <a:schemeClr val="tx1"/>
+                  </a:solidFill>
+                  <a:latin typeface="Avenir Book" panose="02000503020000020003" pitchFamily="2" charset="0"/>
+                </a:rPr>
+                <a:t>Key share </a:t>
+              </a:r>
+              <a:r>
+                <a:rPr lang="en-US" sz="1000" i="1" dirty="0">
+                  <a:solidFill>
+                    <a:schemeClr val="tx1"/>
+                  </a:solidFill>
+                  <a:latin typeface="Avenir Book" panose="02000503020000020003" pitchFamily="2" charset="0"/>
+                </a:rPr>
+                <a:t>n</a:t>
+              </a:r>
+            </a:p>
+          </p:txBody>
+        </p:sp>
+        <p:sp>
+          <p:nvSpPr>
+            <p:cNvPr id="123" name="Rectangle 122">
+              <a:extLst>
+                <a:ext uri="{FF2B5EF4-FFF2-40B4-BE49-F238E27FC236}">
+                  <a16:creationId xmlns:a16="http://schemas.microsoft.com/office/drawing/2014/main" id="{A6D441A1-A53A-1059-0486-1AAD89F7B867}"/>
+                </a:ext>
+              </a:extLst>
+            </p:cNvPr>
+            <p:cNvSpPr/>
+            <p:nvPr/>
+          </p:nvSpPr>
+          <p:spPr>
+            <a:xfrm>
+              <a:off x="2935172" y="3258991"/>
+              <a:ext cx="1074119" cy="376766"/>
+            </a:xfrm>
+            <a:prstGeom prst="rect">
+              <a:avLst/>
+            </a:prstGeom>
+            <a:solidFill>
+              <a:schemeClr val="accent6">
+                <a:lumMod val="20000"/>
+                <a:lumOff val="80000"/>
+              </a:schemeClr>
+            </a:solidFill>
+            <a:ln w="9525"/>
+          </p:spPr>
+          <p:style>
+            <a:lnRef idx="2">
+              <a:schemeClr val="accent1">
+                <a:shade val="15000"/>
+              </a:schemeClr>
+            </a:lnRef>
+            <a:fillRef idx="1">
+              <a:schemeClr val="accent1"/>
+            </a:fillRef>
+            <a:effectRef idx="0">
+              <a:schemeClr val="accent1"/>
+            </a:effectRef>
+            <a:fontRef idx="minor">
+              <a:schemeClr val="lt1"/>
+            </a:fontRef>
+          </p:style>
+          <p:txBody>
+            <a:bodyPr rtlCol="0" anchor="ctr"/>
+            <a:lstStyle/>
+            <a:p>
+              <a:r>
+                <a:rPr lang="en-US" sz="1000" dirty="0">
+                  <a:solidFill>
+                    <a:schemeClr val="tx1"/>
+                  </a:solidFill>
+                  <a:latin typeface="Avenir Book" panose="02000503020000020003" pitchFamily="2" charset="0"/>
+                </a:rPr>
+                <a:t>Encrypted</a:t>
+              </a:r>
+            </a:p>
+            <a:p>
+              <a:r>
+                <a:rPr lang="en-US" sz="1000" dirty="0">
+                  <a:solidFill>
+                    <a:schemeClr val="tx1"/>
+                  </a:solidFill>
+                  <a:latin typeface="Avenir Book" panose="02000503020000020003" pitchFamily="2" charset="0"/>
+                </a:rPr>
+                <a:t>Key share </a:t>
+              </a:r>
+              <a:r>
+                <a:rPr lang="en-US" sz="1000" i="1" dirty="0">
+                  <a:solidFill>
+                    <a:schemeClr val="tx1"/>
+                  </a:solidFill>
+                  <a:latin typeface="Avenir Book" panose="02000503020000020003" pitchFamily="2" charset="0"/>
+                </a:rPr>
+                <a:t>n</a:t>
+              </a:r>
+            </a:p>
+          </p:txBody>
+        </p:sp>
+        <p:sp>
+          <p:nvSpPr>
+            <p:cNvPr id="124" name="Rectangle 123">
+              <a:extLst>
+                <a:ext uri="{FF2B5EF4-FFF2-40B4-BE49-F238E27FC236}">
+                  <a16:creationId xmlns:a16="http://schemas.microsoft.com/office/drawing/2014/main" id="{67E51BC1-43C9-4200-EA21-B0C5D69E6635}"/>
+                </a:ext>
+              </a:extLst>
+            </p:cNvPr>
+            <p:cNvSpPr/>
+            <p:nvPr/>
+          </p:nvSpPr>
+          <p:spPr>
+            <a:xfrm>
+              <a:off x="2935172" y="2764374"/>
+              <a:ext cx="1074119" cy="376766"/>
+            </a:xfrm>
+            <a:prstGeom prst="rect">
+              <a:avLst/>
+            </a:prstGeom>
+            <a:solidFill>
+              <a:schemeClr val="accent2">
+                <a:lumMod val="20000"/>
+                <a:lumOff val="80000"/>
+              </a:schemeClr>
+            </a:solidFill>
+            <a:ln w="9525"/>
+          </p:spPr>
+          <p:style>
+            <a:lnRef idx="2">
+              <a:schemeClr val="accent1">
+                <a:shade val="15000"/>
+              </a:schemeClr>
+            </a:lnRef>
+            <a:fillRef idx="1">
+              <a:schemeClr val="accent1"/>
+            </a:fillRef>
+            <a:effectRef idx="0">
+              <a:schemeClr val="accent1"/>
+            </a:effectRef>
+            <a:fontRef idx="minor">
+              <a:schemeClr val="lt1"/>
+            </a:fontRef>
+          </p:style>
+          <p:txBody>
+            <a:bodyPr rtlCol="0" anchor="ctr"/>
+            <a:lstStyle/>
+            <a:p>
+              <a:r>
+                <a:rPr lang="en-US" sz="1000" dirty="0">
+                  <a:solidFill>
+                    <a:schemeClr val="tx1"/>
+                  </a:solidFill>
+                  <a:latin typeface="Avenir Book" panose="02000503020000020003" pitchFamily="2" charset="0"/>
+                </a:rPr>
+                <a:t>Encryption</a:t>
+              </a:r>
+            </a:p>
+            <a:p>
+              <a:r>
+                <a:rPr lang="en-US" sz="1000" dirty="0">
+                  <a:solidFill>
+                    <a:schemeClr val="tx1"/>
+                  </a:solidFill>
+                  <a:latin typeface="Avenir Book" panose="02000503020000020003" pitchFamily="2" charset="0"/>
+                </a:rPr>
+                <a:t>Key </a:t>
+              </a:r>
+              <a:r>
+                <a:rPr lang="en-US" sz="1000" i="1" dirty="0">
+                  <a:solidFill>
+                    <a:schemeClr val="tx1"/>
+                  </a:solidFill>
+                  <a:latin typeface="Avenir Book" panose="02000503020000020003" pitchFamily="2" charset="0"/>
+                </a:rPr>
+                <a:t>n</a:t>
+              </a:r>
+            </a:p>
+          </p:txBody>
+        </p:sp>
+        <p:cxnSp>
+          <p:nvCxnSpPr>
+            <p:cNvPr id="125" name="Straight Connector 124">
+              <a:extLst>
+                <a:ext uri="{FF2B5EF4-FFF2-40B4-BE49-F238E27FC236}">
+                  <a16:creationId xmlns:a16="http://schemas.microsoft.com/office/drawing/2014/main" id="{0FCB1E4F-B86F-1D38-6414-3812B00EC1D9}"/>
+                </a:ext>
+              </a:extLst>
+            </p:cNvPr>
+            <p:cNvCxnSpPr>
+              <a:cxnSpLocks/>
+            </p:cNvCxnSpPr>
+            <p:nvPr/>
+          </p:nvCxnSpPr>
+          <p:spPr>
+            <a:xfrm flipH="1">
+              <a:off x="2853111" y="3690569"/>
+              <a:ext cx="1249966" cy="0"/>
+            </a:xfrm>
+            <a:prstGeom prst="line">
+              <a:avLst/>
+            </a:prstGeom>
+            <a:ln w="9525" cap="rnd">
+              <a:solidFill>
+                <a:schemeClr val="tx1"/>
+              </a:solidFill>
+            </a:ln>
+          </p:spPr>
+          <p:style>
+            <a:lnRef idx="2">
+              <a:schemeClr val="accent1"/>
+            </a:lnRef>
+            <a:fillRef idx="0">
+              <a:schemeClr val="accent1"/>
+            </a:fillRef>
+            <a:effectRef idx="1">
+              <a:schemeClr val="accent1"/>
+            </a:effectRef>
+            <a:fontRef idx="minor">
+              <a:schemeClr val="tx1"/>
+            </a:fontRef>
+          </p:style>
+        </p:cxnSp>
+        <p:sp>
+          <p:nvSpPr>
+            <p:cNvPr id="126" name="Rectangle 125">
+              <a:extLst>
+                <a:ext uri="{FF2B5EF4-FFF2-40B4-BE49-F238E27FC236}">
+                  <a16:creationId xmlns:a16="http://schemas.microsoft.com/office/drawing/2014/main" id="{EEA02464-A533-7A58-30B8-CD1CD86D8A07}"/>
+                </a:ext>
+              </a:extLst>
+            </p:cNvPr>
+            <p:cNvSpPr/>
+            <p:nvPr/>
+          </p:nvSpPr>
+          <p:spPr>
+            <a:xfrm>
+              <a:off x="3926459" y="3506319"/>
+              <a:ext cx="505035" cy="376766"/>
+            </a:xfrm>
+            <a:prstGeom prst="rect">
+              <a:avLst/>
+            </a:prstGeom>
+            <a:noFill/>
+            <a:ln w="9525">
+              <a:noFill/>
+            </a:ln>
+          </p:spPr>
+          <p:style>
+            <a:lnRef idx="2">
+              <a:schemeClr val="accent1">
+                <a:shade val="15000"/>
+              </a:schemeClr>
+            </a:lnRef>
+            <a:fillRef idx="1">
+              <a:schemeClr val="accent1"/>
+            </a:fillRef>
+            <a:effectRef idx="0">
+              <a:schemeClr val="accent1"/>
+            </a:effectRef>
+            <a:fontRef idx="minor">
+              <a:schemeClr val="lt1"/>
+            </a:fontRef>
+          </p:style>
+          <p:txBody>
+            <a:bodyPr rtlCol="0" anchor="ctr"/>
+            <a:lstStyle/>
+            <a:p>
+              <a:pPr algn="r"/>
+              <a:r>
+                <a:rPr lang="en-US" sz="800" dirty="0">
+                  <a:solidFill>
+                    <a:schemeClr val="tx1"/>
+                  </a:solidFill>
+                  <a:latin typeface="Avenir Book" panose="02000503020000020003" pitchFamily="2" charset="0"/>
+                </a:rPr>
+                <a:t>XOR</a:t>
+              </a:r>
+            </a:p>
+          </p:txBody>
+        </p:sp>
+        <p:sp>
+          <p:nvSpPr>
+            <p:cNvPr id="127" name="Can 126">
+              <a:extLst>
+                <a:ext uri="{FF2B5EF4-FFF2-40B4-BE49-F238E27FC236}">
+                  <a16:creationId xmlns:a16="http://schemas.microsoft.com/office/drawing/2014/main" id="{8FC61A71-06C6-9B2A-75BD-FBE4D58B75F2}"/>
+                </a:ext>
+              </a:extLst>
+            </p:cNvPr>
+            <p:cNvSpPr/>
+            <p:nvPr/>
+          </p:nvSpPr>
+          <p:spPr>
+            <a:xfrm>
+              <a:off x="2126973" y="2634153"/>
+              <a:ext cx="505035" cy="637207"/>
+            </a:xfrm>
+            <a:prstGeom prst="can">
+              <a:avLst/>
+            </a:prstGeom>
+            <a:solidFill>
+              <a:schemeClr val="accent2">
+                <a:lumMod val="20000"/>
+                <a:lumOff val="80000"/>
+              </a:schemeClr>
+            </a:solidFill>
+            <a:ln w="9525"/>
+          </p:spPr>
+          <p:style>
+            <a:lnRef idx="2">
+              <a:schemeClr val="accent1">
+                <a:shade val="15000"/>
+              </a:schemeClr>
+            </a:lnRef>
+            <a:fillRef idx="1">
+              <a:schemeClr val="accent1"/>
+            </a:fillRef>
+            <a:effectRef idx="0">
+              <a:schemeClr val="accent1"/>
+            </a:effectRef>
+            <a:fontRef idx="minor">
+              <a:schemeClr val="lt1"/>
+            </a:fontRef>
+          </p:style>
+          <p:txBody>
+            <a:bodyPr rtlCol="0" anchor="ctr"/>
+            <a:lstStyle/>
+            <a:p>
+              <a:r>
+                <a:rPr lang="en-US" sz="1000" dirty="0">
+                  <a:solidFill>
+                    <a:schemeClr val="tx1"/>
+                  </a:solidFill>
+                  <a:latin typeface="Avenir Book" panose="02000503020000020003" pitchFamily="2" charset="0"/>
+                </a:rPr>
+                <a:t>PSRD</a:t>
+              </a:r>
+              <a:br>
+                <a:rPr lang="en-US" sz="1000" dirty="0">
+                  <a:solidFill>
+                    <a:schemeClr val="tx1"/>
+                  </a:solidFill>
+                  <a:latin typeface="Avenir Book" panose="02000503020000020003" pitchFamily="2" charset="0"/>
+                </a:rPr>
+              </a:br>
+              <a:r>
+                <a:rPr lang="en-US" sz="1000" dirty="0">
+                  <a:solidFill>
+                    <a:schemeClr val="tx1"/>
+                  </a:solidFill>
+                  <a:latin typeface="Avenir Book" panose="02000503020000020003" pitchFamily="2" charset="0"/>
+                </a:rPr>
+                <a:t>Pool</a:t>
+              </a:r>
+            </a:p>
+          </p:txBody>
+        </p:sp>
+        <p:cxnSp>
+          <p:nvCxnSpPr>
+            <p:cNvPr id="128" name="Straight Connector 127">
+              <a:extLst>
+                <a:ext uri="{FF2B5EF4-FFF2-40B4-BE49-F238E27FC236}">
+                  <a16:creationId xmlns:a16="http://schemas.microsoft.com/office/drawing/2014/main" id="{5EBA7BB3-1BEF-DD3B-E8B2-B817A1D26A6A}"/>
+                </a:ext>
+              </a:extLst>
+            </p:cNvPr>
+            <p:cNvCxnSpPr>
+              <a:cxnSpLocks/>
+              <a:stCxn id="127" idx="4"/>
+              <a:endCxn id="124" idx="1"/>
+            </p:cNvCxnSpPr>
+            <p:nvPr/>
+          </p:nvCxnSpPr>
+          <p:spPr>
+            <a:xfrm>
+              <a:off x="2632008" y="2952757"/>
+              <a:ext cx="303164" cy="0"/>
+            </a:xfrm>
+            <a:prstGeom prst="line">
+              <a:avLst/>
+            </a:prstGeom>
+            <a:ln w="9525" cap="rnd">
+              <a:solidFill>
+                <a:schemeClr val="tx1"/>
+              </a:solidFill>
+              <a:tailEnd type="triangle"/>
+            </a:ln>
+          </p:spPr>
+          <p:style>
+            <a:lnRef idx="2">
+              <a:schemeClr val="accent1"/>
+            </a:lnRef>
+            <a:fillRef idx="0">
+              <a:schemeClr val="accent1"/>
+            </a:fillRef>
+            <a:effectRef idx="1">
+              <a:schemeClr val="accent1"/>
+            </a:effectRef>
+            <a:fontRef idx="minor">
+              <a:schemeClr val="tx1"/>
+            </a:fontRef>
+          </p:style>
+        </p:cxnSp>
+      </p:grpSp>
+      <p:sp>
+        <p:nvSpPr>
+          <p:cNvPr id="129" name="Rectangle 128">
+            <a:extLst>
+              <a:ext uri="{FF2B5EF4-FFF2-40B4-BE49-F238E27FC236}">
+                <a16:creationId xmlns:a16="http://schemas.microsoft.com/office/drawing/2014/main" id="{D9AF34F2-08F4-721D-D01B-23A95A3C5460}"/>
+              </a:ext>
+            </a:extLst>
+          </p:cNvPr>
+          <p:cNvSpPr/>
+          <p:nvPr/>
+        </p:nvSpPr>
+        <p:spPr>
+          <a:xfrm>
+            <a:off x="1773021" y="729280"/>
+            <a:ext cx="1398994" cy="376766"/>
+          </a:xfrm>
+          <a:prstGeom prst="rect">
+            <a:avLst/>
+          </a:prstGeom>
+          <a:noFill/>
+          <a:ln w="9525">
+            <a:noFill/>
+          </a:ln>
+        </p:spPr>
+        <p:style>
+          <a:lnRef idx="2">
+            <a:schemeClr val="accent1">
+              <a:shade val="15000"/>
+            </a:schemeClr>
+          </a:lnRef>
+          <a:fillRef idx="1">
+            <a:schemeClr val="accent1"/>
+          </a:fillRef>
+          <a:effectRef idx="0">
+            <a:schemeClr val="accent1"/>
+          </a:effectRef>
+          <a:fontRef idx="minor">
+            <a:schemeClr val="lt1"/>
+          </a:fontRef>
+        </p:style>
+        <p:txBody>
+          <a:bodyPr rtlCol="0" anchor="ctr"/>
+          <a:lstStyle/>
+          <a:p>
+            <a:r>
+              <a:rPr lang="en-US" sz="1000" dirty="0">
+                <a:solidFill>
+                  <a:schemeClr val="tx1"/>
+                </a:solidFill>
+                <a:latin typeface="Avenir Book" panose="02000503020000020003" pitchFamily="2" charset="0"/>
+              </a:rPr>
+              <a:t>Client Carol</a:t>
+            </a:r>
+          </a:p>
+        </p:txBody>
+      </p:sp>
+      <p:sp>
+        <p:nvSpPr>
+          <p:cNvPr id="134" name="Rectangle 133">
+            <a:extLst>
+              <a:ext uri="{FF2B5EF4-FFF2-40B4-BE49-F238E27FC236}">
+                <a16:creationId xmlns:a16="http://schemas.microsoft.com/office/drawing/2014/main" id="{1629F9BF-BE94-2641-232E-1B47F83BB1BB}"/>
+              </a:ext>
+            </a:extLst>
+          </p:cNvPr>
+          <p:cNvSpPr/>
+          <p:nvPr/>
+        </p:nvSpPr>
+        <p:spPr>
+          <a:xfrm>
+            <a:off x="6921924" y="1030443"/>
+            <a:ext cx="1398994" cy="376766"/>
+          </a:xfrm>
+          <a:prstGeom prst="rect">
+            <a:avLst/>
+          </a:prstGeom>
+          <a:noFill/>
+          <a:ln w="9525">
+            <a:noFill/>
+          </a:ln>
+        </p:spPr>
+        <p:style>
+          <a:lnRef idx="2">
+            <a:schemeClr val="accent1">
+              <a:shade val="15000"/>
+            </a:schemeClr>
+          </a:lnRef>
+          <a:fillRef idx="1">
+            <a:schemeClr val="accent1"/>
+          </a:fillRef>
+          <a:effectRef idx="0">
+            <a:schemeClr val="accent1"/>
+          </a:effectRef>
+          <a:fontRef idx="minor">
+            <a:schemeClr val="lt1"/>
+          </a:fontRef>
+        </p:style>
+        <p:txBody>
+          <a:bodyPr rtlCol="0" anchor="ctr"/>
+          <a:lstStyle/>
+          <a:p>
+            <a:r>
+              <a:rPr lang="en-US" sz="1000" dirty="0">
+                <a:solidFill>
+                  <a:schemeClr val="tx1"/>
+                </a:solidFill>
+                <a:latin typeface="Avenir Book" panose="02000503020000020003" pitchFamily="2" charset="0"/>
+              </a:rPr>
+              <a:t>Hub Hank</a:t>
+            </a:r>
+          </a:p>
+        </p:txBody>
+      </p:sp>
+      <p:sp>
+        <p:nvSpPr>
+          <p:cNvPr id="135" name="Rectangle 134">
+            <a:extLst>
+              <a:ext uri="{FF2B5EF4-FFF2-40B4-BE49-F238E27FC236}">
+                <a16:creationId xmlns:a16="http://schemas.microsoft.com/office/drawing/2014/main" id="{AD073714-E346-CEB7-D92F-2128B42FAB5D}"/>
+              </a:ext>
+            </a:extLst>
+          </p:cNvPr>
+          <p:cNvSpPr/>
+          <p:nvPr/>
+        </p:nvSpPr>
+        <p:spPr>
+          <a:xfrm>
+            <a:off x="6921924" y="3413233"/>
+            <a:ext cx="1398994" cy="376766"/>
+          </a:xfrm>
+          <a:prstGeom prst="rect">
+            <a:avLst/>
+          </a:prstGeom>
+          <a:noFill/>
+          <a:ln w="9525">
+            <a:noFill/>
+          </a:ln>
+        </p:spPr>
+        <p:style>
+          <a:lnRef idx="2">
+            <a:schemeClr val="accent1">
+              <a:shade val="15000"/>
+            </a:schemeClr>
+          </a:lnRef>
+          <a:fillRef idx="1">
+            <a:schemeClr val="accent1"/>
+          </a:fillRef>
+          <a:effectRef idx="0">
+            <a:schemeClr val="accent1"/>
+          </a:effectRef>
+          <a:fontRef idx="minor">
+            <a:schemeClr val="lt1"/>
+          </a:fontRef>
+        </p:style>
+        <p:txBody>
+          <a:bodyPr rtlCol="0" anchor="ctr"/>
+          <a:lstStyle/>
+          <a:p>
+            <a:r>
+              <a:rPr lang="en-US" sz="1000" dirty="0">
+                <a:solidFill>
+                  <a:schemeClr val="tx1"/>
+                </a:solidFill>
+                <a:latin typeface="Avenir Book" panose="02000503020000020003" pitchFamily="2" charset="0"/>
+              </a:rPr>
+              <a:t>Hub Hugo</a:t>
+            </a:r>
+          </a:p>
+        </p:txBody>
+      </p:sp>
+      <p:sp>
+        <p:nvSpPr>
+          <p:cNvPr id="136" name="Rectangle 135">
+            <a:extLst>
+              <a:ext uri="{FF2B5EF4-FFF2-40B4-BE49-F238E27FC236}">
+                <a16:creationId xmlns:a16="http://schemas.microsoft.com/office/drawing/2014/main" id="{4412F251-C63E-7290-93FF-9F083D80DCB1}"/>
+              </a:ext>
+            </a:extLst>
+          </p:cNvPr>
+          <p:cNvSpPr/>
+          <p:nvPr/>
+        </p:nvSpPr>
+        <p:spPr>
+          <a:xfrm rot="5400000">
+            <a:off x="4420924" y="3007232"/>
+            <a:ext cx="678812" cy="376766"/>
+          </a:xfrm>
+          <a:prstGeom prst="rect">
+            <a:avLst/>
+          </a:prstGeom>
+          <a:noFill/>
+          <a:ln w="9525">
+            <a:noFill/>
+          </a:ln>
+        </p:spPr>
+        <p:style>
+          <a:lnRef idx="2">
+            <a:schemeClr val="accent1">
+              <a:shade val="15000"/>
+            </a:schemeClr>
+          </a:lnRef>
+          <a:fillRef idx="1">
+            <a:schemeClr val="accent1"/>
+          </a:fillRef>
+          <a:effectRef idx="0">
+            <a:schemeClr val="accent1"/>
+          </a:effectRef>
+          <a:fontRef idx="minor">
+            <a:schemeClr val="lt1"/>
+          </a:fontRef>
+        </p:style>
+        <p:txBody>
+          <a:bodyPr rtlCol="0" anchor="ctr"/>
+          <a:lstStyle/>
+          <a:p>
+            <a:r>
+              <a:rPr lang="en-US" sz="3200" dirty="0">
+                <a:solidFill>
+                  <a:schemeClr val="tx1"/>
+                </a:solidFill>
+                <a:latin typeface="Avenir Book" panose="02000503020000020003" pitchFamily="2" charset="0"/>
+              </a:rPr>
+              <a:t>...</a:t>
+            </a:r>
+          </a:p>
+        </p:txBody>
+      </p:sp>
+      <p:sp>
+        <p:nvSpPr>
+          <p:cNvPr id="137" name="Rectangle 136">
+            <a:extLst>
+              <a:ext uri="{FF2B5EF4-FFF2-40B4-BE49-F238E27FC236}">
+                <a16:creationId xmlns:a16="http://schemas.microsoft.com/office/drawing/2014/main" id="{7831B782-0DD6-918C-AFCB-6F4C6E478E2A}"/>
+              </a:ext>
+            </a:extLst>
+          </p:cNvPr>
+          <p:cNvSpPr/>
+          <p:nvPr/>
+        </p:nvSpPr>
+        <p:spPr>
+          <a:xfrm rot="5400000">
+            <a:off x="8466410" y="3375437"/>
+            <a:ext cx="678812" cy="376766"/>
+          </a:xfrm>
+          <a:prstGeom prst="rect">
+            <a:avLst/>
+          </a:prstGeom>
+          <a:noFill/>
+          <a:ln w="9525">
+            <a:noFill/>
+          </a:ln>
+        </p:spPr>
+        <p:style>
+          <a:lnRef idx="2">
+            <a:schemeClr val="accent1">
+              <a:shade val="15000"/>
+            </a:schemeClr>
+          </a:lnRef>
+          <a:fillRef idx="1">
+            <a:schemeClr val="accent1"/>
+          </a:fillRef>
+          <a:effectRef idx="0">
+            <a:schemeClr val="accent1"/>
+          </a:effectRef>
+          <a:fontRef idx="minor">
+            <a:schemeClr val="lt1"/>
+          </a:fontRef>
+        </p:style>
+        <p:txBody>
+          <a:bodyPr rtlCol="0" anchor="ctr"/>
+          <a:lstStyle/>
+          <a:p>
+            <a:r>
+              <a:rPr lang="en-US" sz="3200" dirty="0">
+                <a:solidFill>
+                  <a:schemeClr val="tx1"/>
+                </a:solidFill>
+                <a:latin typeface="Avenir Book" panose="02000503020000020003" pitchFamily="2" charset="0"/>
+              </a:rPr>
+              <a:t>...</a:t>
+            </a:r>
+          </a:p>
+        </p:txBody>
+      </p:sp>
+      <p:sp>
+        <p:nvSpPr>
+          <p:cNvPr id="138" name="Rectangle 137">
+            <a:extLst>
+              <a:ext uri="{FF2B5EF4-FFF2-40B4-BE49-F238E27FC236}">
+                <a16:creationId xmlns:a16="http://schemas.microsoft.com/office/drawing/2014/main" id="{8A4F9C57-44C3-835A-A67D-61143C141522}"/>
+              </a:ext>
+            </a:extLst>
+          </p:cNvPr>
+          <p:cNvSpPr/>
+          <p:nvPr/>
+        </p:nvSpPr>
+        <p:spPr>
+          <a:xfrm>
+            <a:off x="575426" y="729280"/>
+            <a:ext cx="11045074" cy="5111440"/>
+          </a:xfrm>
+          <a:prstGeom prst="rect">
+            <a:avLst/>
+          </a:prstGeom>
+          <a:noFill/>
+          <a:ln w="9525">
+            <a:solidFill>
+              <a:schemeClr val="bg1">
+                <a:lumMod val="65000"/>
+              </a:schemeClr>
+            </a:solidFill>
+          </a:ln>
+        </p:spPr>
+        <p:style>
+          <a:lnRef idx="2">
+            <a:schemeClr val="accent1">
+              <a:shade val="15000"/>
+            </a:schemeClr>
+          </a:lnRef>
+          <a:fillRef idx="1">
+            <a:schemeClr val="accent1"/>
+          </a:fillRef>
+          <a:effectRef idx="0">
+            <a:schemeClr val="accent1"/>
+          </a:effectRef>
+          <a:fontRef idx="minor">
+            <a:schemeClr val="lt1"/>
+          </a:fontRef>
+        </p:style>
+        <p:txBody>
+          <a:bodyPr rtlCol="0" anchor="ctr"/>
+          <a:lstStyle/>
+          <a:p>
+            <a:pPr algn="ctr"/>
+            <a:endParaRPr lang="en-US" sz="1000" dirty="0">
+              <a:solidFill>
+                <a:schemeClr val="tx1"/>
+              </a:solidFill>
+              <a:latin typeface="Avenir Book" panose="02000503020000020003" pitchFamily="2" charset="0"/>
+            </a:endParaRPr>
+          </a:p>
+        </p:txBody>
+      </p:sp>
+      <p:sp>
+        <p:nvSpPr>
+          <p:cNvPr id="4" name="Rectangle 3">
+            <a:extLst>
+              <a:ext uri="{FF2B5EF4-FFF2-40B4-BE49-F238E27FC236}">
+                <a16:creationId xmlns:a16="http://schemas.microsoft.com/office/drawing/2014/main" id="{EF484287-8EC1-D7D9-CD09-D32E9FA70153}"/>
+              </a:ext>
+            </a:extLst>
+          </p:cNvPr>
+          <p:cNvSpPr/>
+          <p:nvPr/>
+        </p:nvSpPr>
+        <p:spPr>
+          <a:xfrm>
+            <a:off x="6263362" y="1869090"/>
+            <a:ext cx="2296405" cy="376766"/>
+          </a:xfrm>
+          <a:prstGeom prst="rect">
+            <a:avLst/>
+          </a:prstGeom>
+          <a:noFill/>
+          <a:ln w="9525">
+            <a:noFill/>
+          </a:ln>
+        </p:spPr>
+        <p:style>
+          <a:lnRef idx="2">
+            <a:schemeClr val="accent1">
+              <a:shade val="15000"/>
+            </a:schemeClr>
+          </a:lnRef>
+          <a:fillRef idx="1">
+            <a:schemeClr val="accent1"/>
+          </a:fillRef>
+          <a:effectRef idx="0">
+            <a:schemeClr val="accent1"/>
+          </a:effectRef>
+          <a:fontRef idx="minor">
+            <a:schemeClr val="lt1"/>
+          </a:fontRef>
+        </p:style>
+        <p:txBody>
+          <a:bodyPr rtlCol="0" anchor="ctr"/>
+          <a:lstStyle/>
+          <a:p>
+            <a:r>
+              <a:rPr lang="en-US" sz="800" dirty="0">
+                <a:solidFill>
+                  <a:srgbClr val="FF0000"/>
+                </a:solidFill>
+                <a:latin typeface="Avenir Book" panose="02000503020000020003" pitchFamily="2" charset="0"/>
+              </a:rPr>
+              <a:t>DSKE out-of-band protocol</a:t>
+            </a:r>
+          </a:p>
+          <a:p>
+            <a:r>
+              <a:rPr lang="en-US" sz="800" dirty="0">
+                <a:solidFill>
+                  <a:srgbClr val="FF0000"/>
+                </a:solidFill>
+                <a:latin typeface="Avenir Book" panose="02000503020000020003" pitchFamily="2" charset="0"/>
+              </a:rPr>
+              <a:t>PSRD block</a:t>
+            </a:r>
+          </a:p>
+        </p:txBody>
+      </p:sp>
+      <p:sp>
+        <p:nvSpPr>
+          <p:cNvPr id="5" name="Rectangle 4">
+            <a:extLst>
+              <a:ext uri="{FF2B5EF4-FFF2-40B4-BE49-F238E27FC236}">
+                <a16:creationId xmlns:a16="http://schemas.microsoft.com/office/drawing/2014/main" id="{DC4B25DD-0495-E187-9062-A90838CA34B0}"/>
+              </a:ext>
+            </a:extLst>
+          </p:cNvPr>
+          <p:cNvSpPr/>
+          <p:nvPr/>
+        </p:nvSpPr>
+        <p:spPr>
+          <a:xfrm>
+            <a:off x="6280513" y="2435821"/>
+            <a:ext cx="2296405" cy="376766"/>
+          </a:xfrm>
+          <a:prstGeom prst="rect">
+            <a:avLst/>
+          </a:prstGeom>
+          <a:noFill/>
+          <a:ln w="9525">
+            <a:noFill/>
+          </a:ln>
+        </p:spPr>
+        <p:style>
+          <a:lnRef idx="2">
+            <a:schemeClr val="accent1">
+              <a:shade val="15000"/>
+            </a:schemeClr>
+          </a:lnRef>
+          <a:fillRef idx="1">
+            <a:schemeClr val="accent1"/>
+          </a:fillRef>
+          <a:effectRef idx="0">
+            <a:schemeClr val="accent1"/>
+          </a:effectRef>
+          <a:fontRef idx="minor">
+            <a:schemeClr val="lt1"/>
+          </a:fontRef>
+        </p:style>
+        <p:txBody>
+          <a:bodyPr rtlCol="0" anchor="ctr"/>
+          <a:lstStyle/>
+          <a:p>
+            <a:r>
+              <a:rPr lang="en-US" sz="800" dirty="0">
+                <a:solidFill>
+                  <a:schemeClr val="accent6">
+                    <a:lumMod val="75000"/>
+                  </a:schemeClr>
+                </a:solidFill>
+                <a:latin typeface="Avenir Book" panose="02000503020000020003" pitchFamily="2" charset="0"/>
+              </a:rPr>
+              <a:t>DSKE in-band protocol</a:t>
+            </a:r>
+          </a:p>
+          <a:p>
+            <a:r>
+              <a:rPr lang="en-US" sz="800" dirty="0">
+                <a:solidFill>
+                  <a:schemeClr val="accent6">
+                    <a:lumMod val="75000"/>
+                  </a:schemeClr>
+                </a:solidFill>
+                <a:latin typeface="Avenir Book" panose="02000503020000020003" pitchFamily="2" charset="0"/>
+              </a:rPr>
+              <a:t>Encrypted key share</a:t>
+            </a:r>
+          </a:p>
+          <a:p>
+            <a:r>
+              <a:rPr lang="en-US" sz="800" dirty="0">
+                <a:solidFill>
+                  <a:schemeClr val="accent6">
+                    <a:lumMod val="75000"/>
+                  </a:schemeClr>
+                </a:solidFill>
+                <a:latin typeface="Avenir Book" panose="02000503020000020003" pitchFamily="2" charset="0"/>
+              </a:rPr>
+              <a:t>Encryption key meta-data</a:t>
+            </a:r>
+          </a:p>
+        </p:txBody>
+      </p:sp>
+    </p:spTree>
+    <p:extLst>
+      <p:ext uri="{BB962C8B-B14F-4D97-AF65-F5344CB8AC3E}">
+        <p14:creationId xmlns:p14="http://schemas.microsoft.com/office/powerpoint/2010/main" val="947435418"/>
+      </p:ext>
+    </p:extLst>
+  </p:cSld>
+  <p:clrMapOvr>
+    <a:masterClrMapping/>
+  </p:clrMapOvr>
+</p:sld>
+</file>
+
+<file path=ppt/slides/slide6.xml><?xml version="1.0" encoding="utf-8"?>
+<p:sld xmlns:a="http://schemas.openxmlformats.org/drawingml/2006/main" xmlns:r="http://schemas.openxmlformats.org/officeDocument/2006/relationships" xmlns:p="http://schemas.openxmlformats.org/presentationml/2006/main">
+  <p:cSld>
+    <p:spTree>
+      <p:nvGrpSpPr>
+        <p:cNvPr id="1" name=""/>
+        <p:cNvGrpSpPr/>
+        <p:nvPr/>
+      </p:nvGrpSpPr>
+      <p:grpSpPr>
+        <a:xfrm>
+          <a:off x="0" y="0"/>
+          <a:ext cx="0" cy="0"/>
+          <a:chOff x="0" y="0"/>
+          <a:chExt cx="0" cy="0"/>
+        </a:xfrm>
+      </p:grpSpPr>
       <p:grpSp>
         <p:nvGrpSpPr>
           <p:cNvPr id="13" name="Group 12">
@@ -8215,7 +11458,7 @@
 </p:sld>
 </file>
 
-<file path=ppt/slides/slide6.xml><?xml version="1.0" encoding="utf-8"?>
+<file path=ppt/slides/slide7.xml><?xml version="1.0" encoding="utf-8"?>
 <p:sld xmlns:a="http://schemas.openxmlformats.org/drawingml/2006/main" xmlns:r="http://schemas.openxmlformats.org/officeDocument/2006/relationships" xmlns:p="http://schemas.openxmlformats.org/presentationml/2006/main">
   <p:cSld>
     <p:spTree>
@@ -10077,7 +13320,7 @@
 </p:sld>
 </file>
 
-<file path=ppt/slides/slide7.xml><?xml version="1.0" encoding="utf-8"?>
+<file path=ppt/slides/slide8.xml><?xml version="1.0" encoding="utf-8"?>
 <p:sld xmlns:a="http://schemas.openxmlformats.org/drawingml/2006/main" xmlns:r="http://schemas.openxmlformats.org/officeDocument/2006/relationships" xmlns:p="http://schemas.openxmlformats.org/presentationml/2006/main">
   <p:cSld>
     <p:spTree>
@@ -10996,7 +14239,7 @@
 </p:sld>
 </file>
 
-<file path=ppt/slides/slide8.xml><?xml version="1.0" encoding="utf-8"?>
+<file path=ppt/slides/slide9.xml><?xml version="1.0" encoding="utf-8"?>
 <p:sld xmlns:a="http://schemas.openxmlformats.org/drawingml/2006/main" xmlns:r="http://schemas.openxmlformats.org/officeDocument/2006/relationships" xmlns:p="http://schemas.openxmlformats.org/presentationml/2006/main">
   <p:cSld>
     <p:spTree>

--- a/docs/figures/figures.pptx
+++ b/docs/figures/figures.pptx
@@ -6470,8 +6470,8 @@
         </p:nvSpPr>
         <p:spPr>
           <a:xfrm>
-            <a:off x="7019289" y="3692105"/>
-            <a:ext cx="3256085" cy="1928677"/>
+            <a:off x="7019289" y="3389067"/>
+            <a:ext cx="3256085" cy="2231715"/>
           </a:xfrm>
           <a:prstGeom prst="rect">
             <a:avLst/>
@@ -6531,8 +6531,8 @@
         </p:nvSpPr>
         <p:spPr>
           <a:xfrm>
-            <a:off x="7019290" y="1320318"/>
-            <a:ext cx="3256085" cy="1928677"/>
+            <a:off x="7019290" y="1017280"/>
+            <a:ext cx="3256085" cy="2231715"/>
           </a:xfrm>
           <a:prstGeom prst="rect">
             <a:avLst/>
@@ -7100,10 +7100,10 @@
         </p:nvGrpSpPr>
         <p:grpSpPr>
           <a:xfrm>
-            <a:off x="2066900" y="2601022"/>
-            <a:ext cx="1074119" cy="927528"/>
-            <a:chOff x="1040439" y="3242635"/>
-            <a:chExt cx="1074119" cy="927528"/>
+            <a:off x="2066900" y="2656255"/>
+            <a:ext cx="1074119" cy="872295"/>
+            <a:chOff x="1040439" y="3297868"/>
+            <a:chExt cx="1074119" cy="872295"/>
           </a:xfrm>
         </p:grpSpPr>
         <p:sp>
@@ -7184,8 +7184,8 @@
           </p:nvCxnSpPr>
           <p:spPr>
             <a:xfrm flipH="1">
-              <a:off x="1577499" y="3547840"/>
-              <a:ext cx="1701" cy="245557"/>
+              <a:off x="1577499" y="3603073"/>
+              <a:ext cx="1701" cy="190324"/>
             </a:xfrm>
             <a:prstGeom prst="line">
               <a:avLst/>
@@ -7226,7 +7226,7 @@
           </p:nvSpPr>
           <p:spPr>
             <a:xfrm>
-              <a:off x="1297661" y="3242635"/>
+              <a:off x="1297661" y="3297868"/>
               <a:ext cx="563078" cy="305205"/>
             </a:xfrm>
             <a:prstGeom prst="roundRect">
@@ -9242,7 +9242,7 @@
         </p:nvSpPr>
         <p:spPr>
           <a:xfrm>
-            <a:off x="6921924" y="1030443"/>
+            <a:off x="6921924" y="754513"/>
             <a:ext cx="1398994" cy="376766"/>
           </a:xfrm>
           <a:prstGeom prst="rect">
@@ -9299,7 +9299,7 @@
         </p:nvSpPr>
         <p:spPr>
           <a:xfrm>
-            <a:off x="6921924" y="3413233"/>
+            <a:off x="6921924" y="5529037"/>
             <a:ext cx="1398994" cy="376766"/>
           </a:xfrm>
           <a:prstGeom prst="rect">
@@ -9413,7 +9413,7 @@
         </p:nvSpPr>
         <p:spPr>
           <a:xfrm rot="5400000">
-            <a:off x="8466410" y="3375437"/>
+            <a:off x="8408744" y="3320119"/>
             <a:ext cx="678812" cy="376766"/>
           </a:xfrm>
           <a:prstGeom prst="rect">
@@ -9445,7 +9445,7 @@
           <a:lstStyle/>
           <a:p>
             <a:r>
-              <a:rPr lang="en-US" sz="3200" dirty="0">
+              <a:rPr lang="en-US" sz="1050" dirty="0">
                 <a:solidFill>
                   <a:schemeClr val="tx1"/>
                 </a:solidFill>
@@ -9668,6 +9668,220 @@
           </a:p>
         </p:txBody>
       </p:sp>
+      <p:sp>
+        <p:nvSpPr>
+          <p:cNvPr id="6" name="Rounded Rectangle 5">
+            <a:extLst>
+              <a:ext uri="{FF2B5EF4-FFF2-40B4-BE49-F238E27FC236}">
+                <a16:creationId xmlns:a16="http://schemas.microsoft.com/office/drawing/2014/main" id="{1EAA29CF-E0DB-6945-02BA-3F79BE716736}"/>
+              </a:ext>
+            </a:extLst>
+          </p:cNvPr>
+          <p:cNvSpPr/>
+          <p:nvPr/>
+        </p:nvSpPr>
+        <p:spPr>
+          <a:xfrm>
+            <a:off x="7716813" y="1120590"/>
+            <a:ext cx="563078" cy="305205"/>
+          </a:xfrm>
+          <a:prstGeom prst="roundRect">
+            <a:avLst>
+              <a:gd name="adj" fmla="val 50000"/>
+            </a:avLst>
+          </a:prstGeom>
+          <a:solidFill>
+            <a:schemeClr val="accent2">
+              <a:lumMod val="20000"/>
+              <a:lumOff val="80000"/>
+            </a:schemeClr>
+          </a:solidFill>
+          <a:ln w="9525"/>
+        </p:spPr>
+        <p:style>
+          <a:lnRef idx="2">
+            <a:schemeClr val="accent1">
+              <a:shade val="15000"/>
+            </a:schemeClr>
+          </a:lnRef>
+          <a:fillRef idx="1">
+            <a:schemeClr val="accent1"/>
+          </a:fillRef>
+          <a:effectRef idx="0">
+            <a:schemeClr val="accent1"/>
+          </a:effectRef>
+          <a:fontRef idx="minor">
+            <a:schemeClr val="lt1"/>
+          </a:fontRef>
+        </p:style>
+        <p:txBody>
+          <a:bodyPr rtlCol="0" anchor="ctr"/>
+          <a:lstStyle/>
+          <a:p>
+            <a:pPr algn="ctr"/>
+            <a:r>
+              <a:rPr lang="en-US" sz="1000" dirty="0">
+                <a:solidFill>
+                  <a:schemeClr val="tx1"/>
+                </a:solidFill>
+                <a:latin typeface="Avenir Book" panose="02000503020000020003" pitchFamily="2" charset="0"/>
+              </a:rPr>
+              <a:t>RNG</a:t>
+            </a:r>
+          </a:p>
+        </p:txBody>
+      </p:sp>
+      <p:cxnSp>
+        <p:nvCxnSpPr>
+          <p:cNvPr id="10" name="Straight Connector 9">
+            <a:extLst>
+              <a:ext uri="{FF2B5EF4-FFF2-40B4-BE49-F238E27FC236}">
+                <a16:creationId xmlns:a16="http://schemas.microsoft.com/office/drawing/2014/main" id="{C018CFB4-65B9-5F09-EDC5-135E9D66236A}"/>
+              </a:ext>
+            </a:extLst>
+          </p:cNvPr>
+          <p:cNvCxnSpPr>
+            <a:cxnSpLocks/>
+          </p:cNvCxnSpPr>
+          <p:nvPr/>
+        </p:nvCxnSpPr>
+        <p:spPr>
+          <a:xfrm>
+            <a:off x="7996651" y="1428328"/>
+            <a:ext cx="0" cy="179937"/>
+          </a:xfrm>
+          <a:prstGeom prst="line">
+            <a:avLst/>
+          </a:prstGeom>
+          <a:ln w="9525" cap="rnd">
+            <a:solidFill>
+              <a:schemeClr val="tx1"/>
+            </a:solidFill>
+            <a:tailEnd type="triangle"/>
+          </a:ln>
+        </p:spPr>
+        <p:style>
+          <a:lnRef idx="2">
+            <a:schemeClr val="accent1"/>
+          </a:lnRef>
+          <a:fillRef idx="0">
+            <a:schemeClr val="accent1"/>
+          </a:fillRef>
+          <a:effectRef idx="1">
+            <a:schemeClr val="accent1"/>
+          </a:effectRef>
+          <a:fontRef idx="minor">
+            <a:schemeClr val="tx1"/>
+          </a:fontRef>
+        </p:style>
+      </p:cxnSp>
+      <p:sp>
+        <p:nvSpPr>
+          <p:cNvPr id="12" name="Rounded Rectangle 11">
+            <a:extLst>
+              <a:ext uri="{FF2B5EF4-FFF2-40B4-BE49-F238E27FC236}">
+                <a16:creationId xmlns:a16="http://schemas.microsoft.com/office/drawing/2014/main" id="{0D534B9C-D7AB-9FFB-4641-1FF366317727}"/>
+              </a:ext>
+            </a:extLst>
+          </p:cNvPr>
+          <p:cNvSpPr/>
+          <p:nvPr/>
+        </p:nvSpPr>
+        <p:spPr>
+          <a:xfrm>
+            <a:off x="7730271" y="3474461"/>
+            <a:ext cx="563078" cy="305205"/>
+          </a:xfrm>
+          <a:prstGeom prst="roundRect">
+            <a:avLst>
+              <a:gd name="adj" fmla="val 50000"/>
+            </a:avLst>
+          </a:prstGeom>
+          <a:solidFill>
+            <a:schemeClr val="accent2">
+              <a:lumMod val="20000"/>
+              <a:lumOff val="80000"/>
+            </a:schemeClr>
+          </a:solidFill>
+          <a:ln w="9525"/>
+        </p:spPr>
+        <p:style>
+          <a:lnRef idx="2">
+            <a:schemeClr val="accent1">
+              <a:shade val="15000"/>
+            </a:schemeClr>
+          </a:lnRef>
+          <a:fillRef idx="1">
+            <a:schemeClr val="accent1"/>
+          </a:fillRef>
+          <a:effectRef idx="0">
+            <a:schemeClr val="accent1"/>
+          </a:effectRef>
+          <a:fontRef idx="minor">
+            <a:schemeClr val="lt1"/>
+          </a:fontRef>
+        </p:style>
+        <p:txBody>
+          <a:bodyPr rtlCol="0" anchor="ctr"/>
+          <a:lstStyle/>
+          <a:p>
+            <a:pPr algn="ctr"/>
+            <a:r>
+              <a:rPr lang="en-US" sz="1000" dirty="0">
+                <a:solidFill>
+                  <a:schemeClr val="tx1"/>
+                </a:solidFill>
+                <a:latin typeface="Avenir Book" panose="02000503020000020003" pitchFamily="2" charset="0"/>
+              </a:rPr>
+              <a:t>RNG</a:t>
+            </a:r>
+          </a:p>
+        </p:txBody>
+      </p:sp>
+      <p:cxnSp>
+        <p:nvCxnSpPr>
+          <p:cNvPr id="16" name="Straight Connector 15">
+            <a:extLst>
+              <a:ext uri="{FF2B5EF4-FFF2-40B4-BE49-F238E27FC236}">
+                <a16:creationId xmlns:a16="http://schemas.microsoft.com/office/drawing/2014/main" id="{8C38BAC3-C60E-CC18-50DA-74AC7C5C8FAE}"/>
+              </a:ext>
+            </a:extLst>
+          </p:cNvPr>
+          <p:cNvCxnSpPr>
+            <a:cxnSpLocks/>
+          </p:cNvCxnSpPr>
+          <p:nvPr/>
+        </p:nvCxnSpPr>
+        <p:spPr>
+          <a:xfrm>
+            <a:off x="8010109" y="3782199"/>
+            <a:ext cx="0" cy="179937"/>
+          </a:xfrm>
+          <a:prstGeom prst="line">
+            <a:avLst/>
+          </a:prstGeom>
+          <a:ln w="9525" cap="rnd">
+            <a:solidFill>
+              <a:schemeClr val="tx1"/>
+            </a:solidFill>
+            <a:tailEnd type="triangle"/>
+          </a:ln>
+        </p:spPr>
+        <p:style>
+          <a:lnRef idx="2">
+            <a:schemeClr val="accent1"/>
+          </a:lnRef>
+          <a:fillRef idx="0">
+            <a:schemeClr val="accent1"/>
+          </a:fillRef>
+          <a:effectRef idx="1">
+            <a:schemeClr val="accent1"/>
+          </a:effectRef>
+          <a:fontRef idx="minor">
+            <a:schemeClr val="tx1"/>
+          </a:fontRef>
+        </p:style>
+      </p:cxnSp>
     </p:spTree>
     <p:extLst>
       <p:ext uri="{BB962C8B-B14F-4D97-AF65-F5344CB8AC3E}">

--- a/docs/figures/figures.pptx
+++ b/docs/figures/figures.pptx
@@ -5,7 +5,7 @@
     <p:sldMasterId id="2147483648" r:id="rId1"/>
   </p:sldMasterIdLst>
   <p:notesMasterIdLst>
-    <p:notesMasterId r:id="rId12"/>
+    <p:notesMasterId r:id="rId13"/>
   </p:notesMasterIdLst>
   <p:sldIdLst>
     <p:sldId id="261" r:id="rId2"/>
@@ -14,10 +14,11 @@
     <p:sldId id="256" r:id="rId5"/>
     <p:sldId id="264" r:id="rId6"/>
     <p:sldId id="265" r:id="rId7"/>
-    <p:sldId id="257" r:id="rId8"/>
-    <p:sldId id="258" r:id="rId9"/>
-    <p:sldId id="259" r:id="rId10"/>
-    <p:sldId id="260" r:id="rId11"/>
+    <p:sldId id="266" r:id="rId8"/>
+    <p:sldId id="257" r:id="rId9"/>
+    <p:sldId id="258" r:id="rId10"/>
+    <p:sldId id="259" r:id="rId11"/>
+    <p:sldId id="260" r:id="rId12"/>
   </p:sldIdLst>
   <p:sldSz cx="12192000" cy="6858000"/>
   <p:notesSz cx="6858000" cy="9144000"/>
@@ -538,7 +539,7 @@
           <a:p>
             <a:fld id="{9E526F2C-6B23-EF40-8ED8-C98EB975494B}" type="slidenum">
               <a:rPr lang="en-US" smtClean="0"/>
-              <a:t>8</a:t>
+              <a:t>9</a:t>
             </a:fld>
             <a:endParaRPr lang="en-US"/>
           </a:p>
@@ -3815,6 +3816,925 @@
 </file>
 
 <file path=ppt/slides/slide10.xml><?xml version="1.0" encoding="utf-8"?>
+<p:sld xmlns:a="http://schemas.openxmlformats.org/drawingml/2006/main" xmlns:r="http://schemas.openxmlformats.org/officeDocument/2006/relationships" xmlns:p="http://schemas.openxmlformats.org/presentationml/2006/main">
+  <p:cSld>
+    <p:spTree>
+      <p:nvGrpSpPr>
+        <p:cNvPr id="1" name=""/>
+        <p:cNvGrpSpPr/>
+        <p:nvPr/>
+      </p:nvGrpSpPr>
+      <p:grpSpPr>
+        <a:xfrm>
+          <a:off x="0" y="0"/>
+          <a:ext cx="0" cy="0"/>
+          <a:chOff x="0" y="0"/>
+          <a:chExt cx="0" cy="0"/>
+        </a:xfrm>
+      </p:grpSpPr>
+      <p:sp>
+        <p:nvSpPr>
+          <p:cNvPr id="3" name="Rounded Rectangle 2">
+            <a:extLst>
+              <a:ext uri="{FF2B5EF4-FFF2-40B4-BE49-F238E27FC236}">
+                <a16:creationId xmlns:a16="http://schemas.microsoft.com/office/drawing/2014/main" id="{F26A96ED-63E6-A490-6410-9F80A30DEE6E}"/>
+              </a:ext>
+            </a:extLst>
+          </p:cNvPr>
+          <p:cNvSpPr/>
+          <p:nvPr/>
+        </p:nvSpPr>
+        <p:spPr>
+          <a:xfrm>
+            <a:off x="5228700" y="1813192"/>
+            <a:ext cx="1740665" cy="705080"/>
+          </a:xfrm>
+          <a:prstGeom prst="roundRect">
+            <a:avLst/>
+          </a:prstGeom>
+          <a:solidFill>
+            <a:schemeClr val="tx2">
+              <a:lumMod val="10000"/>
+              <a:lumOff val="90000"/>
+            </a:schemeClr>
+          </a:solidFill>
+          <a:ln w="6350"/>
+        </p:spPr>
+        <p:style>
+          <a:lnRef idx="2">
+            <a:schemeClr val="accent1">
+              <a:shade val="15000"/>
+            </a:schemeClr>
+          </a:lnRef>
+          <a:fillRef idx="1">
+            <a:schemeClr val="accent1"/>
+          </a:fillRef>
+          <a:effectRef idx="0">
+            <a:schemeClr val="accent1"/>
+          </a:effectRef>
+          <a:fontRef idx="minor">
+            <a:schemeClr val="lt1"/>
+          </a:fontRef>
+        </p:style>
+        <p:txBody>
+          <a:bodyPr lIns="0" tIns="0" rIns="0" bIns="0" rtlCol="0" anchor="ctr"/>
+          <a:lstStyle/>
+          <a:p>
+            <a:pPr algn="ctr"/>
+            <a:r>
+              <a:rPr lang="en-US" sz="1200" b="1" dirty="0">
+                <a:solidFill>
+                  <a:schemeClr val="tx1"/>
+                </a:solidFill>
+                <a:latin typeface="AVENIR LIGHT OBLIQUE" panose="020B0402020203090204" pitchFamily="34" charset="77"/>
+              </a:rPr>
+              <a:t>Unallocated</a:t>
+            </a:r>
+          </a:p>
+          <a:p>
+            <a:pPr algn="ctr"/>
+            <a:r>
+              <a:rPr lang="en-US" sz="1000" dirty="0">
+                <a:solidFill>
+                  <a:schemeClr val="tx1"/>
+                </a:solidFill>
+                <a:latin typeface="AVENIR LIGHT OBLIQUE" panose="020B0402020203090204" pitchFamily="34" charset="77"/>
+              </a:rPr>
+              <a:t>allocated = false</a:t>
+            </a:r>
+          </a:p>
+          <a:p>
+            <a:pPr algn="ctr"/>
+            <a:r>
+              <a:rPr lang="en-US" sz="1000" dirty="0">
+                <a:solidFill>
+                  <a:schemeClr val="tx1"/>
+                </a:solidFill>
+                <a:latin typeface="AVENIR LIGHT OBLIQUE" panose="020B0402020203090204" pitchFamily="34" charset="77"/>
+              </a:rPr>
+              <a:t>consumed = false</a:t>
+            </a:r>
+          </a:p>
+          <a:p>
+            <a:pPr algn="ctr"/>
+            <a:r>
+              <a:rPr lang="en-US" sz="1000" dirty="0">
+                <a:solidFill>
+                  <a:schemeClr val="tx1"/>
+                </a:solidFill>
+                <a:latin typeface="AVENIR LIGHT OBLIQUE" panose="020B0402020203090204" pitchFamily="34" charset="77"/>
+              </a:rPr>
+              <a:t>value = set</a:t>
+            </a:r>
+          </a:p>
+        </p:txBody>
+      </p:sp>
+      <p:sp>
+        <p:nvSpPr>
+          <p:cNvPr id="4" name="Rounded Rectangle 3">
+            <a:extLst>
+              <a:ext uri="{FF2B5EF4-FFF2-40B4-BE49-F238E27FC236}">
+                <a16:creationId xmlns:a16="http://schemas.microsoft.com/office/drawing/2014/main" id="{0B5E81F6-80F2-4496-D4B1-E97229DF8C61}"/>
+              </a:ext>
+            </a:extLst>
+          </p:cNvPr>
+          <p:cNvSpPr/>
+          <p:nvPr/>
+        </p:nvSpPr>
+        <p:spPr>
+          <a:xfrm>
+            <a:off x="5228700" y="3067279"/>
+            <a:ext cx="1740665" cy="705080"/>
+          </a:xfrm>
+          <a:prstGeom prst="roundRect">
+            <a:avLst/>
+          </a:prstGeom>
+          <a:solidFill>
+            <a:schemeClr val="tx2">
+              <a:lumMod val="10000"/>
+              <a:lumOff val="90000"/>
+            </a:schemeClr>
+          </a:solidFill>
+          <a:ln w="6350"/>
+        </p:spPr>
+        <p:style>
+          <a:lnRef idx="2">
+            <a:schemeClr val="accent1">
+              <a:shade val="15000"/>
+            </a:schemeClr>
+          </a:lnRef>
+          <a:fillRef idx="1">
+            <a:schemeClr val="accent1"/>
+          </a:fillRef>
+          <a:effectRef idx="0">
+            <a:schemeClr val="accent1"/>
+          </a:effectRef>
+          <a:fontRef idx="minor">
+            <a:schemeClr val="lt1"/>
+          </a:fontRef>
+        </p:style>
+        <p:txBody>
+          <a:bodyPr lIns="0" tIns="0" rIns="0" bIns="0" rtlCol="0" anchor="ctr"/>
+          <a:lstStyle/>
+          <a:p>
+            <a:pPr algn="ctr"/>
+            <a:r>
+              <a:rPr lang="en-US" sz="1200" b="1" dirty="0">
+                <a:solidFill>
+                  <a:schemeClr val="tx1"/>
+                </a:solidFill>
+                <a:latin typeface="AVENIR LIGHT OBLIQUE" panose="020B0402020203090204" pitchFamily="34" charset="77"/>
+              </a:rPr>
+              <a:t>Allocated</a:t>
+            </a:r>
+          </a:p>
+          <a:p>
+            <a:pPr algn="ctr"/>
+            <a:r>
+              <a:rPr lang="en-US" sz="1000" dirty="0">
+                <a:solidFill>
+                  <a:schemeClr val="tx1"/>
+                </a:solidFill>
+                <a:latin typeface="AVENIR LIGHT OBLIQUE" panose="020B0402020203090204" pitchFamily="34" charset="77"/>
+              </a:rPr>
+              <a:t>allocated = true</a:t>
+            </a:r>
+          </a:p>
+          <a:p>
+            <a:pPr algn="ctr"/>
+            <a:r>
+              <a:rPr lang="en-US" sz="1000" dirty="0">
+                <a:solidFill>
+                  <a:schemeClr val="tx1"/>
+                </a:solidFill>
+                <a:latin typeface="AVENIR LIGHT OBLIQUE" panose="020B0402020203090204" pitchFamily="34" charset="77"/>
+              </a:rPr>
+              <a:t>consumed = false</a:t>
+            </a:r>
+          </a:p>
+          <a:p>
+            <a:pPr algn="ctr"/>
+            <a:r>
+              <a:rPr lang="en-US" sz="1000" dirty="0">
+                <a:solidFill>
+                  <a:schemeClr val="tx1"/>
+                </a:solidFill>
+                <a:latin typeface="AVENIR LIGHT OBLIQUE" panose="020B0402020203090204" pitchFamily="34" charset="77"/>
+              </a:rPr>
+              <a:t>value = set</a:t>
+            </a:r>
+          </a:p>
+        </p:txBody>
+      </p:sp>
+      <p:sp>
+        <p:nvSpPr>
+          <p:cNvPr id="5" name="Rounded Rectangle 4">
+            <a:extLst>
+              <a:ext uri="{FF2B5EF4-FFF2-40B4-BE49-F238E27FC236}">
+                <a16:creationId xmlns:a16="http://schemas.microsoft.com/office/drawing/2014/main" id="{F99B66DA-E942-00CE-0484-74EC252B1978}"/>
+              </a:ext>
+            </a:extLst>
+          </p:cNvPr>
+          <p:cNvSpPr/>
+          <p:nvPr/>
+        </p:nvSpPr>
+        <p:spPr>
+          <a:xfrm>
+            <a:off x="5228700" y="4321366"/>
+            <a:ext cx="1740665" cy="705080"/>
+          </a:xfrm>
+          <a:prstGeom prst="roundRect">
+            <a:avLst/>
+          </a:prstGeom>
+          <a:solidFill>
+            <a:schemeClr val="tx2">
+              <a:lumMod val="10000"/>
+              <a:lumOff val="90000"/>
+            </a:schemeClr>
+          </a:solidFill>
+          <a:ln w="6350"/>
+        </p:spPr>
+        <p:style>
+          <a:lnRef idx="2">
+            <a:schemeClr val="accent1">
+              <a:shade val="15000"/>
+            </a:schemeClr>
+          </a:lnRef>
+          <a:fillRef idx="1">
+            <a:schemeClr val="accent1"/>
+          </a:fillRef>
+          <a:effectRef idx="0">
+            <a:schemeClr val="accent1"/>
+          </a:effectRef>
+          <a:fontRef idx="minor">
+            <a:schemeClr val="lt1"/>
+          </a:fontRef>
+        </p:style>
+        <p:txBody>
+          <a:bodyPr lIns="0" tIns="0" rIns="0" bIns="0" rtlCol="0" anchor="ctr"/>
+          <a:lstStyle/>
+          <a:p>
+            <a:pPr algn="ctr"/>
+            <a:r>
+              <a:rPr lang="en-US" sz="1200" b="1" dirty="0">
+                <a:solidFill>
+                  <a:schemeClr val="tx1"/>
+                </a:solidFill>
+                <a:latin typeface="AVENIR LIGHT OBLIQUE" panose="020B0402020203090204" pitchFamily="34" charset="77"/>
+              </a:rPr>
+              <a:t>Consumed</a:t>
+            </a:r>
+          </a:p>
+          <a:p>
+            <a:pPr algn="ctr"/>
+            <a:r>
+              <a:rPr lang="en-US" sz="1000" dirty="0">
+                <a:solidFill>
+                  <a:schemeClr val="tx1"/>
+                </a:solidFill>
+                <a:latin typeface="AVENIR LIGHT OBLIQUE" panose="020B0402020203090204" pitchFamily="34" charset="77"/>
+              </a:rPr>
+              <a:t>allocated = true</a:t>
+            </a:r>
+          </a:p>
+          <a:p>
+            <a:pPr algn="ctr"/>
+            <a:r>
+              <a:rPr lang="en-US" sz="1000" dirty="0">
+                <a:solidFill>
+                  <a:schemeClr val="tx1"/>
+                </a:solidFill>
+                <a:latin typeface="AVENIR LIGHT OBLIQUE" panose="020B0402020203090204" pitchFamily="34" charset="77"/>
+              </a:rPr>
+              <a:t>consumed = true</a:t>
+            </a:r>
+          </a:p>
+          <a:p>
+            <a:pPr algn="ctr"/>
+            <a:r>
+              <a:rPr lang="en-US" sz="1000" dirty="0">
+                <a:solidFill>
+                  <a:schemeClr val="tx1"/>
+                </a:solidFill>
+                <a:latin typeface="AVENIR LIGHT OBLIQUE" panose="020B0402020203090204" pitchFamily="34" charset="77"/>
+              </a:rPr>
+              <a:t>value = zeroed</a:t>
+            </a:r>
+          </a:p>
+        </p:txBody>
+      </p:sp>
+      <p:cxnSp>
+        <p:nvCxnSpPr>
+          <p:cNvPr id="6" name="Straight Connector 5">
+            <a:extLst>
+              <a:ext uri="{FF2B5EF4-FFF2-40B4-BE49-F238E27FC236}">
+                <a16:creationId xmlns:a16="http://schemas.microsoft.com/office/drawing/2014/main" id="{286CC8BF-C6C4-8016-25A7-0F58B65B5A82}"/>
+              </a:ext>
+            </a:extLst>
+          </p:cNvPr>
+          <p:cNvCxnSpPr>
+            <a:cxnSpLocks/>
+            <a:stCxn id="5" idx="0"/>
+            <a:endCxn id="4" idx="2"/>
+          </p:cNvCxnSpPr>
+          <p:nvPr/>
+        </p:nvCxnSpPr>
+        <p:spPr>
+          <a:xfrm flipV="1">
+            <a:off x="6099033" y="3772359"/>
+            <a:ext cx="0" cy="549007"/>
+          </a:xfrm>
+          <a:prstGeom prst="line">
+            <a:avLst/>
+          </a:prstGeom>
+          <a:ln w="9525">
+            <a:solidFill>
+              <a:schemeClr val="tx1"/>
+            </a:solidFill>
+            <a:headEnd type="triangle" w="lg" len="lg"/>
+          </a:ln>
+        </p:spPr>
+        <p:style>
+          <a:lnRef idx="2">
+            <a:schemeClr val="accent1"/>
+          </a:lnRef>
+          <a:fillRef idx="0">
+            <a:schemeClr val="accent1"/>
+          </a:fillRef>
+          <a:effectRef idx="1">
+            <a:schemeClr val="accent1"/>
+          </a:effectRef>
+          <a:fontRef idx="minor">
+            <a:schemeClr val="tx1"/>
+          </a:fontRef>
+        </p:style>
+      </p:cxnSp>
+      <p:cxnSp>
+        <p:nvCxnSpPr>
+          <p:cNvPr id="10" name="Straight Connector 9">
+            <a:extLst>
+              <a:ext uri="{FF2B5EF4-FFF2-40B4-BE49-F238E27FC236}">
+                <a16:creationId xmlns:a16="http://schemas.microsoft.com/office/drawing/2014/main" id="{D1C3D2D7-B45E-03F7-801A-3111052DAB30}"/>
+              </a:ext>
+            </a:extLst>
+          </p:cNvPr>
+          <p:cNvCxnSpPr>
+            <a:cxnSpLocks/>
+          </p:cNvCxnSpPr>
+          <p:nvPr/>
+        </p:nvCxnSpPr>
+        <p:spPr>
+          <a:xfrm flipV="1">
+            <a:off x="5726778" y="2518272"/>
+            <a:ext cx="0" cy="549007"/>
+          </a:xfrm>
+          <a:prstGeom prst="line">
+            <a:avLst/>
+          </a:prstGeom>
+          <a:ln w="9525">
+            <a:solidFill>
+              <a:schemeClr val="tx1"/>
+            </a:solidFill>
+            <a:headEnd type="triangle" w="lg" len="lg"/>
+          </a:ln>
+        </p:spPr>
+        <p:style>
+          <a:lnRef idx="2">
+            <a:schemeClr val="accent1"/>
+          </a:lnRef>
+          <a:fillRef idx="0">
+            <a:schemeClr val="accent1"/>
+          </a:fillRef>
+          <a:effectRef idx="1">
+            <a:schemeClr val="accent1"/>
+          </a:effectRef>
+          <a:fontRef idx="minor">
+            <a:schemeClr val="tx1"/>
+          </a:fontRef>
+        </p:style>
+      </p:cxnSp>
+      <p:cxnSp>
+        <p:nvCxnSpPr>
+          <p:cNvPr id="11" name="Straight Connector 10">
+            <a:extLst>
+              <a:ext uri="{FF2B5EF4-FFF2-40B4-BE49-F238E27FC236}">
+                <a16:creationId xmlns:a16="http://schemas.microsoft.com/office/drawing/2014/main" id="{840E2CDB-087F-6C52-33A2-94A1CDE8A89B}"/>
+              </a:ext>
+            </a:extLst>
+          </p:cNvPr>
+          <p:cNvCxnSpPr>
+            <a:cxnSpLocks/>
+          </p:cNvCxnSpPr>
+          <p:nvPr/>
+        </p:nvCxnSpPr>
+        <p:spPr>
+          <a:xfrm>
+            <a:off x="6488296" y="2518272"/>
+            <a:ext cx="0" cy="549007"/>
+          </a:xfrm>
+          <a:prstGeom prst="line">
+            <a:avLst/>
+          </a:prstGeom>
+          <a:ln w="9525">
+            <a:solidFill>
+              <a:schemeClr val="tx1"/>
+            </a:solidFill>
+            <a:headEnd type="triangle" w="lg" len="lg"/>
+          </a:ln>
+        </p:spPr>
+        <p:style>
+          <a:lnRef idx="2">
+            <a:schemeClr val="accent1"/>
+          </a:lnRef>
+          <a:fillRef idx="0">
+            <a:schemeClr val="accent1"/>
+          </a:fillRef>
+          <a:effectRef idx="1">
+            <a:schemeClr val="accent1"/>
+          </a:effectRef>
+          <a:fontRef idx="minor">
+            <a:schemeClr val="tx1"/>
+          </a:fontRef>
+        </p:style>
+      </p:cxnSp>
+      <p:sp>
+        <p:nvSpPr>
+          <p:cNvPr id="13" name="Rectangle 12">
+            <a:extLst>
+              <a:ext uri="{FF2B5EF4-FFF2-40B4-BE49-F238E27FC236}">
+                <a16:creationId xmlns:a16="http://schemas.microsoft.com/office/drawing/2014/main" id="{B21FCA3F-A87E-3004-8D4D-9BC420CA6C38}"/>
+              </a:ext>
+            </a:extLst>
+          </p:cNvPr>
+          <p:cNvSpPr/>
+          <p:nvPr/>
+        </p:nvSpPr>
+        <p:spPr>
+          <a:xfrm>
+            <a:off x="6602105" y="2597902"/>
+            <a:ext cx="1090393" cy="389745"/>
+          </a:xfrm>
+          <a:prstGeom prst="rect">
+            <a:avLst/>
+          </a:prstGeom>
+          <a:noFill/>
+          <a:ln w="6350">
+            <a:noFill/>
+          </a:ln>
+        </p:spPr>
+        <p:style>
+          <a:lnRef idx="2">
+            <a:schemeClr val="accent1">
+              <a:shade val="15000"/>
+            </a:schemeClr>
+          </a:lnRef>
+          <a:fillRef idx="1">
+            <a:schemeClr val="accent1"/>
+          </a:fillRef>
+          <a:effectRef idx="0">
+            <a:schemeClr val="accent1"/>
+          </a:effectRef>
+          <a:fontRef idx="minor">
+            <a:schemeClr val="lt1"/>
+          </a:fontRef>
+        </p:style>
+        <p:txBody>
+          <a:bodyPr lIns="0" tIns="0" rIns="0" bIns="0" rtlCol="0" anchor="ctr"/>
+          <a:lstStyle/>
+          <a:p>
+            <a:r>
+              <a:rPr lang="en-US" sz="1200" b="1" dirty="0">
+                <a:solidFill>
+                  <a:schemeClr val="tx1"/>
+                </a:solidFill>
+                <a:latin typeface="AVENIR LIGHT OBLIQUE" panose="020B0402020203090204" pitchFamily="34" charset="77"/>
+              </a:rPr>
+              <a:t>Deallocate</a:t>
+            </a:r>
+          </a:p>
+        </p:txBody>
+      </p:sp>
+      <p:sp>
+        <p:nvSpPr>
+          <p:cNvPr id="14" name="Rectangle 13">
+            <a:extLst>
+              <a:ext uri="{FF2B5EF4-FFF2-40B4-BE49-F238E27FC236}">
+                <a16:creationId xmlns:a16="http://schemas.microsoft.com/office/drawing/2014/main" id="{E94D85FE-7FD1-E66D-BA1D-2DC630AA32B4}"/>
+              </a:ext>
+            </a:extLst>
+          </p:cNvPr>
+          <p:cNvSpPr/>
+          <p:nvPr/>
+        </p:nvSpPr>
+        <p:spPr>
+          <a:xfrm>
+            <a:off x="4477658" y="2597901"/>
+            <a:ext cx="1090393" cy="389745"/>
+          </a:xfrm>
+          <a:prstGeom prst="rect">
+            <a:avLst/>
+          </a:prstGeom>
+          <a:noFill/>
+          <a:ln w="6350">
+            <a:noFill/>
+          </a:ln>
+        </p:spPr>
+        <p:style>
+          <a:lnRef idx="2">
+            <a:schemeClr val="accent1">
+              <a:shade val="15000"/>
+            </a:schemeClr>
+          </a:lnRef>
+          <a:fillRef idx="1">
+            <a:schemeClr val="accent1"/>
+          </a:fillRef>
+          <a:effectRef idx="0">
+            <a:schemeClr val="accent1"/>
+          </a:effectRef>
+          <a:fontRef idx="minor">
+            <a:schemeClr val="lt1"/>
+          </a:fontRef>
+        </p:style>
+        <p:txBody>
+          <a:bodyPr lIns="0" tIns="0" rIns="0" bIns="0" rtlCol="0" anchor="ctr"/>
+          <a:lstStyle/>
+          <a:p>
+            <a:pPr algn="r"/>
+            <a:r>
+              <a:rPr lang="en-US" sz="1200" b="1" dirty="0">
+                <a:solidFill>
+                  <a:schemeClr val="tx1"/>
+                </a:solidFill>
+                <a:latin typeface="AVENIR LIGHT OBLIQUE" panose="020B0402020203090204" pitchFamily="34" charset="77"/>
+              </a:rPr>
+              <a:t>Allocate</a:t>
+            </a:r>
+          </a:p>
+        </p:txBody>
+      </p:sp>
+      <p:sp>
+        <p:nvSpPr>
+          <p:cNvPr id="16" name="Rectangle 15">
+            <a:extLst>
+              <a:ext uri="{FF2B5EF4-FFF2-40B4-BE49-F238E27FC236}">
+                <a16:creationId xmlns:a16="http://schemas.microsoft.com/office/drawing/2014/main" id="{B61EC95D-DF99-9AF9-0A03-4597516C6D99}"/>
+              </a:ext>
+            </a:extLst>
+          </p:cNvPr>
+          <p:cNvSpPr/>
+          <p:nvPr/>
+        </p:nvSpPr>
+        <p:spPr>
+          <a:xfrm>
+            <a:off x="6214859" y="3849985"/>
+            <a:ext cx="1090393" cy="389745"/>
+          </a:xfrm>
+          <a:prstGeom prst="rect">
+            <a:avLst/>
+          </a:prstGeom>
+          <a:noFill/>
+          <a:ln w="6350">
+            <a:noFill/>
+          </a:ln>
+        </p:spPr>
+        <p:style>
+          <a:lnRef idx="2">
+            <a:schemeClr val="accent1">
+              <a:shade val="15000"/>
+            </a:schemeClr>
+          </a:lnRef>
+          <a:fillRef idx="1">
+            <a:schemeClr val="accent1"/>
+          </a:fillRef>
+          <a:effectRef idx="0">
+            <a:schemeClr val="accent1"/>
+          </a:effectRef>
+          <a:fontRef idx="minor">
+            <a:schemeClr val="lt1"/>
+          </a:fontRef>
+        </p:style>
+        <p:txBody>
+          <a:bodyPr lIns="0" tIns="0" rIns="0" bIns="0" rtlCol="0" anchor="ctr"/>
+          <a:lstStyle/>
+          <a:p>
+            <a:r>
+              <a:rPr lang="en-US" sz="1200" b="1" dirty="0">
+                <a:solidFill>
+                  <a:schemeClr val="tx1"/>
+                </a:solidFill>
+                <a:latin typeface="AVENIR LIGHT OBLIQUE" panose="020B0402020203090204" pitchFamily="34" charset="77"/>
+              </a:rPr>
+              <a:t>Consume</a:t>
+            </a:r>
+          </a:p>
+        </p:txBody>
+      </p:sp>
+      <p:sp>
+        <p:nvSpPr>
+          <p:cNvPr id="17" name="Rectangle 16">
+            <a:extLst>
+              <a:ext uri="{FF2B5EF4-FFF2-40B4-BE49-F238E27FC236}">
+                <a16:creationId xmlns:a16="http://schemas.microsoft.com/office/drawing/2014/main" id="{6263D0AF-51DC-EAF7-DE8F-DF05414A7A74}"/>
+              </a:ext>
+            </a:extLst>
+          </p:cNvPr>
+          <p:cNvSpPr/>
+          <p:nvPr/>
+        </p:nvSpPr>
+        <p:spPr>
+          <a:xfrm>
+            <a:off x="573463" y="1573491"/>
+            <a:ext cx="11045074" cy="3711017"/>
+          </a:xfrm>
+          <a:prstGeom prst="rect">
+            <a:avLst/>
+          </a:prstGeom>
+          <a:noFill/>
+          <a:ln w="9525">
+            <a:solidFill>
+              <a:schemeClr val="bg1">
+                <a:lumMod val="65000"/>
+              </a:schemeClr>
+            </a:solidFill>
+          </a:ln>
+        </p:spPr>
+        <p:style>
+          <a:lnRef idx="2">
+            <a:schemeClr val="accent1">
+              <a:shade val="15000"/>
+            </a:schemeClr>
+          </a:lnRef>
+          <a:fillRef idx="1">
+            <a:schemeClr val="accent1"/>
+          </a:fillRef>
+          <a:effectRef idx="0">
+            <a:schemeClr val="accent1"/>
+          </a:effectRef>
+          <a:fontRef idx="minor">
+            <a:schemeClr val="lt1"/>
+          </a:fontRef>
+        </p:style>
+        <p:txBody>
+          <a:bodyPr rtlCol="0" anchor="ctr"/>
+          <a:lstStyle/>
+          <a:p>
+            <a:pPr algn="ctr"/>
+            <a:endParaRPr lang="en-US" sz="1000" dirty="0">
+              <a:solidFill>
+                <a:schemeClr val="tx1"/>
+              </a:solidFill>
+              <a:latin typeface="Avenir Book" panose="02000503020000020003" pitchFamily="2" charset="0"/>
+            </a:endParaRPr>
+          </a:p>
+        </p:txBody>
+      </p:sp>
+      <p:cxnSp>
+        <p:nvCxnSpPr>
+          <p:cNvPr id="2" name="Straight Connector 1">
+            <a:extLst>
+              <a:ext uri="{FF2B5EF4-FFF2-40B4-BE49-F238E27FC236}">
+                <a16:creationId xmlns:a16="http://schemas.microsoft.com/office/drawing/2014/main" id="{ED4B9408-F0C2-B5FD-7CB1-0F8EC95E85E0}"/>
+              </a:ext>
+            </a:extLst>
+          </p:cNvPr>
+          <p:cNvCxnSpPr>
+            <a:cxnSpLocks/>
+          </p:cNvCxnSpPr>
+          <p:nvPr/>
+        </p:nvCxnSpPr>
+        <p:spPr>
+          <a:xfrm>
+            <a:off x="6969365" y="4689304"/>
+            <a:ext cx="875771" cy="0"/>
+          </a:xfrm>
+          <a:prstGeom prst="line">
+            <a:avLst/>
+          </a:prstGeom>
+          <a:ln w="9525">
+            <a:solidFill>
+              <a:schemeClr val="tx1"/>
+            </a:solidFill>
+            <a:headEnd type="triangle" w="lg" len="lg"/>
+          </a:ln>
+        </p:spPr>
+        <p:style>
+          <a:lnRef idx="2">
+            <a:schemeClr val="accent1"/>
+          </a:lnRef>
+          <a:fillRef idx="0">
+            <a:schemeClr val="accent1"/>
+          </a:fillRef>
+          <a:effectRef idx="1">
+            <a:schemeClr val="accent1"/>
+          </a:effectRef>
+          <a:fontRef idx="minor">
+            <a:schemeClr val="tx1"/>
+          </a:fontRef>
+        </p:style>
+      </p:cxnSp>
+      <p:cxnSp>
+        <p:nvCxnSpPr>
+          <p:cNvPr id="7" name="Straight Connector 6">
+            <a:extLst>
+              <a:ext uri="{FF2B5EF4-FFF2-40B4-BE49-F238E27FC236}">
+                <a16:creationId xmlns:a16="http://schemas.microsoft.com/office/drawing/2014/main" id="{292C02AE-44ED-CC6D-F507-D1C05F195F95}"/>
+              </a:ext>
+            </a:extLst>
+          </p:cNvPr>
+          <p:cNvCxnSpPr>
+            <a:cxnSpLocks/>
+          </p:cNvCxnSpPr>
+          <p:nvPr/>
+        </p:nvCxnSpPr>
+        <p:spPr>
+          <a:xfrm flipH="1">
+            <a:off x="6969365" y="2168696"/>
+            <a:ext cx="875771" cy="0"/>
+          </a:xfrm>
+          <a:prstGeom prst="line">
+            <a:avLst/>
+          </a:prstGeom>
+          <a:ln w="9525">
+            <a:solidFill>
+              <a:schemeClr val="tx1"/>
+            </a:solidFill>
+            <a:headEnd type="none" w="lg" len="lg"/>
+          </a:ln>
+        </p:spPr>
+        <p:style>
+          <a:lnRef idx="2">
+            <a:schemeClr val="accent1"/>
+          </a:lnRef>
+          <a:fillRef idx="0">
+            <a:schemeClr val="accent1"/>
+          </a:fillRef>
+          <a:effectRef idx="1">
+            <a:schemeClr val="accent1"/>
+          </a:effectRef>
+          <a:fontRef idx="minor">
+            <a:schemeClr val="tx1"/>
+          </a:fontRef>
+        </p:style>
+      </p:cxnSp>
+      <p:cxnSp>
+        <p:nvCxnSpPr>
+          <p:cNvPr id="9" name="Straight Connector 8">
+            <a:extLst>
+              <a:ext uri="{FF2B5EF4-FFF2-40B4-BE49-F238E27FC236}">
+                <a16:creationId xmlns:a16="http://schemas.microsoft.com/office/drawing/2014/main" id="{51B34769-615F-2E94-A650-D716825876F4}"/>
+              </a:ext>
+            </a:extLst>
+          </p:cNvPr>
+          <p:cNvCxnSpPr>
+            <a:cxnSpLocks/>
+          </p:cNvCxnSpPr>
+          <p:nvPr/>
+        </p:nvCxnSpPr>
+        <p:spPr>
+          <a:xfrm>
+            <a:off x="7845136" y="2168696"/>
+            <a:ext cx="0" cy="2520608"/>
+          </a:xfrm>
+          <a:prstGeom prst="line">
+            <a:avLst/>
+          </a:prstGeom>
+          <a:ln w="9525">
+            <a:solidFill>
+              <a:schemeClr val="tx1"/>
+            </a:solidFill>
+            <a:headEnd type="none" w="lg" len="lg"/>
+          </a:ln>
+        </p:spPr>
+        <p:style>
+          <a:lnRef idx="2">
+            <a:schemeClr val="accent1"/>
+          </a:lnRef>
+          <a:fillRef idx="0">
+            <a:schemeClr val="accent1"/>
+          </a:fillRef>
+          <a:effectRef idx="1">
+            <a:schemeClr val="accent1"/>
+          </a:effectRef>
+          <a:fontRef idx="minor">
+            <a:schemeClr val="tx1"/>
+          </a:fontRef>
+        </p:style>
+      </p:cxnSp>
+      <p:cxnSp>
+        <p:nvCxnSpPr>
+          <p:cNvPr id="21" name="Straight Connector 20">
+            <a:extLst>
+              <a:ext uri="{FF2B5EF4-FFF2-40B4-BE49-F238E27FC236}">
+                <a16:creationId xmlns:a16="http://schemas.microsoft.com/office/drawing/2014/main" id="{30F157EE-5EEE-875D-A0ED-9E23D9EE7C5A}"/>
+              </a:ext>
+            </a:extLst>
+          </p:cNvPr>
+          <p:cNvCxnSpPr>
+            <a:cxnSpLocks/>
+          </p:cNvCxnSpPr>
+          <p:nvPr/>
+        </p:nvCxnSpPr>
+        <p:spPr>
+          <a:xfrm flipH="1">
+            <a:off x="6969365" y="2168696"/>
+            <a:ext cx="529744" cy="0"/>
+          </a:xfrm>
+          <a:prstGeom prst="line">
+            <a:avLst/>
+          </a:prstGeom>
+          <a:ln w="9525">
+            <a:solidFill>
+              <a:schemeClr val="tx1"/>
+            </a:solidFill>
+            <a:headEnd type="none" w="lg" len="lg"/>
+          </a:ln>
+        </p:spPr>
+        <p:style>
+          <a:lnRef idx="2">
+            <a:schemeClr val="accent1"/>
+          </a:lnRef>
+          <a:fillRef idx="0">
+            <a:schemeClr val="accent1"/>
+          </a:fillRef>
+          <a:effectRef idx="1">
+            <a:schemeClr val="accent1"/>
+          </a:effectRef>
+          <a:fontRef idx="minor">
+            <a:schemeClr val="tx1"/>
+          </a:fontRef>
+        </p:style>
+      </p:cxnSp>
+      <p:sp>
+        <p:nvSpPr>
+          <p:cNvPr id="22" name="Rectangle 21">
+            <a:extLst>
+              <a:ext uri="{FF2B5EF4-FFF2-40B4-BE49-F238E27FC236}">
+                <a16:creationId xmlns:a16="http://schemas.microsoft.com/office/drawing/2014/main" id="{0F26BE90-F09A-1717-6D53-C16545A3F052}"/>
+              </a:ext>
+            </a:extLst>
+          </p:cNvPr>
+          <p:cNvSpPr/>
+          <p:nvPr/>
+        </p:nvSpPr>
+        <p:spPr>
+          <a:xfrm>
+            <a:off x="7997775" y="3224946"/>
+            <a:ext cx="1090393" cy="389745"/>
+          </a:xfrm>
+          <a:prstGeom prst="rect">
+            <a:avLst/>
+          </a:prstGeom>
+          <a:noFill/>
+          <a:ln w="6350">
+            <a:noFill/>
+          </a:ln>
+        </p:spPr>
+        <p:style>
+          <a:lnRef idx="2">
+            <a:schemeClr val="accent1">
+              <a:shade val="15000"/>
+            </a:schemeClr>
+          </a:lnRef>
+          <a:fillRef idx="1">
+            <a:schemeClr val="accent1"/>
+          </a:fillRef>
+          <a:effectRef idx="0">
+            <a:schemeClr val="accent1"/>
+          </a:effectRef>
+          <a:fontRef idx="minor">
+            <a:schemeClr val="lt1"/>
+          </a:fontRef>
+        </p:style>
+        <p:txBody>
+          <a:bodyPr lIns="0" tIns="0" rIns="0" bIns="0" rtlCol="0" anchor="ctr"/>
+          <a:lstStyle/>
+          <a:p>
+            <a:r>
+              <a:rPr lang="en-US" sz="1200" b="1" dirty="0">
+                <a:solidFill>
+                  <a:schemeClr val="tx1"/>
+                </a:solidFill>
+                <a:latin typeface="AVENIR LIGHT OBLIQUE" panose="020B0402020203090204" pitchFamily="34" charset="77"/>
+              </a:rPr>
+              <a:t>Consume</a:t>
+            </a:r>
+          </a:p>
+        </p:txBody>
+      </p:sp>
+    </p:spTree>
+    <p:extLst>
+      <p:ext uri="{BB962C8B-B14F-4D97-AF65-F5344CB8AC3E}">
+        <p14:creationId xmlns:p14="http://schemas.microsoft.com/office/powerpoint/2010/main" val="1726559745"/>
+      </p:ext>
+    </p:extLst>
+  </p:cSld>
+  <p:clrMapOvr>
+    <a:masterClrMapping/>
+  </p:clrMapOvr>
+</p:sld>
+</file>
+
+<file path=ppt/slides/slide11.xml><?xml version="1.0" encoding="utf-8"?>
 <p:sld xmlns:a="http://schemas.openxmlformats.org/drawingml/2006/main" xmlns:r="http://schemas.openxmlformats.org/officeDocument/2006/relationships" xmlns:p="http://schemas.openxmlformats.org/presentationml/2006/main">
   <p:cSld>
     <p:spTree>
@@ -14848,8 +15768,8 @@
         </p:nvSpPr>
         <p:spPr>
           <a:xfrm>
-            <a:off x="997105" y="1017280"/>
-            <a:ext cx="3256085" cy="2231715"/>
+            <a:off x="997105" y="1017281"/>
+            <a:ext cx="3256085" cy="1885028"/>
           </a:xfrm>
           <a:prstGeom prst="rect">
             <a:avLst/>
@@ -15415,7 +16335,7 @@
         </p:nvSpPr>
         <p:spPr>
           <a:xfrm>
-            <a:off x="8908952" y="3151784"/>
+            <a:off x="8908952" y="3296564"/>
             <a:ext cx="1074119" cy="376766"/>
           </a:xfrm>
           <a:prstGeom prst="rect">
@@ -15519,7 +16439,7 @@
         </p:nvSpPr>
         <p:spPr>
           <a:xfrm>
-            <a:off x="8021363" y="3051134"/>
+            <a:off x="8021363" y="3195914"/>
             <a:ext cx="678812" cy="578065"/>
           </a:xfrm>
           <a:prstGeom prst="roundRect">
@@ -15603,13 +16523,14 @@
           </p:cNvPr>
           <p:cNvCxnSpPr>
             <a:cxnSpLocks/>
+            <a:endCxn id="40" idx="0"/>
           </p:cNvCxnSpPr>
           <p:nvPr/>
         </p:nvCxnSpPr>
         <p:spPr>
           <a:xfrm>
             <a:off x="8360769" y="2902760"/>
-            <a:ext cx="0" cy="148374"/>
+            <a:ext cx="0" cy="293154"/>
           </a:xfrm>
           <a:prstGeom prst="line">
             <a:avLst/>
@@ -16127,96 +17048,6 @@
           </a:fontRef>
         </p:style>
       </p:cxnSp>
-      <p:cxnSp>
-        <p:nvCxnSpPr>
-          <p:cNvPr id="119" name="Straight Connector 118">
-            <a:extLst>
-              <a:ext uri="{FF2B5EF4-FFF2-40B4-BE49-F238E27FC236}">
-                <a16:creationId xmlns:a16="http://schemas.microsoft.com/office/drawing/2014/main" id="{0BF4102D-BC75-34A1-B23D-A9BB4A2B506D}"/>
-              </a:ext>
-            </a:extLst>
-          </p:cNvPr>
-          <p:cNvCxnSpPr>
-            <a:cxnSpLocks/>
-          </p:cNvCxnSpPr>
-          <p:nvPr/>
-        </p:nvCxnSpPr>
-        <p:spPr>
-          <a:xfrm flipH="1">
-            <a:off x="8692371" y="4274283"/>
-            <a:ext cx="1788746" cy="0"/>
-          </a:xfrm>
-          <a:prstGeom prst="line">
-            <a:avLst/>
-          </a:prstGeom>
-          <a:ln w="9525" cap="rnd">
-            <a:solidFill>
-              <a:srgbClr val="FF0000"/>
-            </a:solidFill>
-            <a:tailEnd type="triangle"/>
-          </a:ln>
-        </p:spPr>
-        <p:style>
-          <a:lnRef idx="2">
-            <a:schemeClr val="accent1"/>
-          </a:lnRef>
-          <a:fillRef idx="0">
-            <a:schemeClr val="accent1"/>
-          </a:fillRef>
-          <a:effectRef idx="1">
-            <a:schemeClr val="accent1"/>
-          </a:effectRef>
-          <a:fontRef idx="minor">
-            <a:schemeClr val="tx1"/>
-          </a:fontRef>
-        </p:style>
-      </p:cxnSp>
-      <p:cxnSp>
-        <p:nvCxnSpPr>
-          <p:cNvPr id="120" name="Straight Connector 119">
-            <a:extLst>
-              <a:ext uri="{FF2B5EF4-FFF2-40B4-BE49-F238E27FC236}">
-                <a16:creationId xmlns:a16="http://schemas.microsoft.com/office/drawing/2014/main" id="{0FE59A39-5129-8E94-F19F-2523D73B20DC}"/>
-              </a:ext>
-            </a:extLst>
-          </p:cNvPr>
-          <p:cNvCxnSpPr>
-            <a:cxnSpLocks/>
-          </p:cNvCxnSpPr>
-          <p:nvPr/>
-        </p:nvCxnSpPr>
-        <p:spPr>
-          <a:xfrm>
-            <a:off x="9126183" y="4768900"/>
-            <a:ext cx="3392325" cy="0"/>
-          </a:xfrm>
-          <a:prstGeom prst="line">
-            <a:avLst/>
-          </a:prstGeom>
-          <a:ln w="9525" cap="rnd">
-            <a:solidFill>
-              <a:schemeClr val="accent6">
-                <a:lumMod val="75000"/>
-              </a:schemeClr>
-            </a:solidFill>
-            <a:tailEnd type="triangle"/>
-          </a:ln>
-        </p:spPr>
-        <p:style>
-          <a:lnRef idx="2">
-            <a:schemeClr val="accent1"/>
-          </a:lnRef>
-          <a:fillRef idx="0">
-            <a:schemeClr val="accent1"/>
-          </a:fillRef>
-          <a:effectRef idx="1">
-            <a:schemeClr val="accent1"/>
-          </a:effectRef>
-          <a:fontRef idx="minor">
-            <a:schemeClr val="tx1"/>
-          </a:fontRef>
-        </p:style>
-      </p:cxnSp>
       <p:sp>
         <p:nvSpPr>
           <p:cNvPr id="129" name="Rectangle 128">
@@ -16263,14 +17094,20 @@
           <a:lstStyle/>
           <a:p>
             <a:r>
-              <a:rPr lang="en-US" sz="1000" dirty="0">
+              <a:rPr lang="en-US" sz="1000">
                 <a:solidFill>
                   <a:schemeClr val="tx1"/>
                 </a:solidFill>
                 <a:latin typeface="Avenir Book" panose="02000503020000020003" pitchFamily="2" charset="0"/>
               </a:rPr>
-              <a:t>Client Carol</a:t>
+              <a:t>Client Conny</a:t>
             </a:r>
+            <a:endParaRPr lang="en-US" sz="1000" dirty="0">
+              <a:solidFill>
+                <a:schemeClr val="tx1"/>
+              </a:solidFill>
+              <a:latin typeface="Avenir Book" panose="02000503020000020003" pitchFamily="2" charset="0"/>
+            </a:endParaRPr>
           </a:p>
         </p:txBody>
       </p:sp>
@@ -16345,7 +17182,7 @@
         </p:nvSpPr>
         <p:spPr>
           <a:xfrm rot="5400000">
-            <a:off x="4820711" y="1411035"/>
+            <a:off x="7112306" y="3363583"/>
             <a:ext cx="678812" cy="376766"/>
           </a:xfrm>
           <a:prstGeom prst="rect">
@@ -16441,159 +17278,6 @@
                 <a:latin typeface="Avenir Book" panose="02000503020000020003" pitchFamily="2" charset="0"/>
               </a:rPr>
               <a:t>...</a:t>
-            </a:r>
-          </a:p>
-        </p:txBody>
-      </p:sp>
-      <p:sp>
-        <p:nvSpPr>
-          <p:cNvPr id="4" name="Rectangle 3">
-            <a:extLst>
-              <a:ext uri="{FF2B5EF4-FFF2-40B4-BE49-F238E27FC236}">
-                <a16:creationId xmlns:a16="http://schemas.microsoft.com/office/drawing/2014/main" id="{1C011CDF-8AE4-AEA9-3C87-2B7C6B4C1E6F}"/>
-              </a:ext>
-            </a:extLst>
-          </p:cNvPr>
-          <p:cNvSpPr/>
-          <p:nvPr/>
-        </p:nvSpPr>
-        <p:spPr>
-          <a:xfrm>
-            <a:off x="10211908" y="1869090"/>
-            <a:ext cx="2296405" cy="376766"/>
-          </a:xfrm>
-          <a:prstGeom prst="rect">
-            <a:avLst/>
-          </a:prstGeom>
-          <a:noFill/>
-          <a:ln w="9525">
-            <a:noFill/>
-          </a:ln>
-        </p:spPr>
-        <p:style>
-          <a:lnRef idx="2">
-            <a:schemeClr val="accent1">
-              <a:shade val="15000"/>
-            </a:schemeClr>
-          </a:lnRef>
-          <a:fillRef idx="1">
-            <a:schemeClr val="accent1"/>
-          </a:fillRef>
-          <a:effectRef idx="0">
-            <a:schemeClr val="accent1"/>
-          </a:effectRef>
-          <a:fontRef idx="minor">
-            <a:schemeClr val="lt1"/>
-          </a:fontRef>
-        </p:style>
-        <p:txBody>
-          <a:bodyPr rtlCol="0" anchor="ctr"/>
-          <a:lstStyle/>
-          <a:p>
-            <a:r>
-              <a:rPr lang="en-US" sz="800" dirty="0">
-                <a:solidFill>
-                  <a:srgbClr val="FF0000"/>
-                </a:solidFill>
-                <a:latin typeface="Avenir Book" panose="02000503020000020003" pitchFamily="2" charset="0"/>
-              </a:rPr>
-              <a:t>DSKE out-of-band protocol</a:t>
-            </a:r>
-          </a:p>
-          <a:p>
-            <a:r>
-              <a:rPr lang="en-US" sz="800" dirty="0">
-                <a:solidFill>
-                  <a:srgbClr val="FF0000"/>
-                </a:solidFill>
-                <a:latin typeface="Avenir Book" panose="02000503020000020003" pitchFamily="2" charset="0"/>
-              </a:rPr>
-              <a:t>PSRD block</a:t>
-            </a:r>
-          </a:p>
-        </p:txBody>
-      </p:sp>
-      <p:sp>
-        <p:nvSpPr>
-          <p:cNvPr id="5" name="Rectangle 4">
-            <a:extLst>
-              <a:ext uri="{FF2B5EF4-FFF2-40B4-BE49-F238E27FC236}">
-                <a16:creationId xmlns:a16="http://schemas.microsoft.com/office/drawing/2014/main" id="{DA9D2B66-C8C8-F622-F1F1-920D47A31870}"/>
-              </a:ext>
-            </a:extLst>
-          </p:cNvPr>
-          <p:cNvSpPr/>
-          <p:nvPr/>
-        </p:nvSpPr>
-        <p:spPr>
-          <a:xfrm>
-            <a:off x="10229059" y="2435821"/>
-            <a:ext cx="2296405" cy="376766"/>
-          </a:xfrm>
-          <a:prstGeom prst="rect">
-            <a:avLst/>
-          </a:prstGeom>
-          <a:noFill/>
-          <a:ln w="9525">
-            <a:noFill/>
-          </a:ln>
-        </p:spPr>
-        <p:style>
-          <a:lnRef idx="2">
-            <a:schemeClr val="accent1">
-              <a:shade val="15000"/>
-            </a:schemeClr>
-          </a:lnRef>
-          <a:fillRef idx="1">
-            <a:schemeClr val="accent1"/>
-          </a:fillRef>
-          <a:effectRef idx="0">
-            <a:schemeClr val="accent1"/>
-          </a:effectRef>
-          <a:fontRef idx="minor">
-            <a:schemeClr val="lt1"/>
-          </a:fontRef>
-        </p:style>
-        <p:txBody>
-          <a:bodyPr rtlCol="0" anchor="ctr"/>
-          <a:lstStyle/>
-          <a:p>
-            <a:r>
-              <a:rPr lang="en-US" sz="800" dirty="0">
-                <a:solidFill>
-                  <a:schemeClr val="accent6">
-                    <a:lumMod val="75000"/>
-                  </a:schemeClr>
-                </a:solidFill>
-                <a:latin typeface="Avenir Book" panose="02000503020000020003" pitchFamily="2" charset="0"/>
-              </a:rPr>
-              <a:t>DSKE in-band protocol</a:t>
-            </a:r>
-          </a:p>
-          <a:p>
-            <a:r>
-              <a:rPr lang="en-US" sz="800" dirty="0">
-                <a:solidFill>
-                  <a:schemeClr val="accent6">
-                    <a:lumMod val="75000"/>
-                  </a:schemeClr>
-                </a:solidFill>
-                <a:latin typeface="Avenir Book" panose="02000503020000020003" pitchFamily="2" charset="0"/>
-              </a:rPr>
-              <a:t>Encrypted key share</a:t>
-            </a:r>
-          </a:p>
-          <a:p>
-            <a:r>
-              <a:rPr lang="en-US" sz="800" dirty="0">
-                <a:solidFill>
-                  <a:schemeClr val="accent6">
-                    <a:lumMod val="75000"/>
-                  </a:schemeClr>
-                </a:solidFill>
-                <a:latin typeface="Avenir Book" panose="02000503020000020003" pitchFamily="2" charset="0"/>
-              </a:rPr>
-              <a:t>Encryption key meta-data</a:t>
             </a:r>
           </a:p>
         </p:txBody>
@@ -16854,7 +17538,7 @@
         </p:nvCxnSpPr>
         <p:spPr>
           <a:xfrm>
-            <a:off x="8700175" y="3340167"/>
+            <a:off x="8700175" y="3484947"/>
             <a:ext cx="208777" cy="0"/>
           </a:xfrm>
           <a:prstGeom prst="line">
@@ -16882,6 +17566,1540 @@
           </a:fontRef>
         </p:style>
       </p:cxnSp>
+      <p:grpSp>
+        <p:nvGrpSpPr>
+          <p:cNvPr id="45" name="Group 44">
+            <a:extLst>
+              <a:ext uri="{FF2B5EF4-FFF2-40B4-BE49-F238E27FC236}">
+                <a16:creationId xmlns:a16="http://schemas.microsoft.com/office/drawing/2014/main" id="{10DB8D92-28BD-625E-D00F-94ADA647405D}"/>
+              </a:ext>
+            </a:extLst>
+          </p:cNvPr>
+          <p:cNvGrpSpPr/>
+          <p:nvPr/>
+        </p:nvGrpSpPr>
+        <p:grpSpPr>
+          <a:xfrm>
+            <a:off x="6037620" y="3745484"/>
+            <a:ext cx="1967500" cy="1493831"/>
+            <a:chOff x="2135577" y="2634153"/>
+            <a:chExt cx="1967500" cy="1493831"/>
+          </a:xfrm>
+        </p:grpSpPr>
+        <p:sp>
+          <p:nvSpPr>
+            <p:cNvPr id="46" name="Rectangle 45">
+              <a:extLst>
+                <a:ext uri="{FF2B5EF4-FFF2-40B4-BE49-F238E27FC236}">
+                  <a16:creationId xmlns:a16="http://schemas.microsoft.com/office/drawing/2014/main" id="{1594DC7B-732E-3930-34CB-3318163080E5}"/>
+                </a:ext>
+              </a:extLst>
+            </p:cNvPr>
+            <p:cNvSpPr/>
+            <p:nvPr/>
+          </p:nvSpPr>
+          <p:spPr>
+            <a:xfrm>
+              <a:off x="2935172" y="3751218"/>
+              <a:ext cx="1074119" cy="376766"/>
+            </a:xfrm>
+            <a:prstGeom prst="rect">
+              <a:avLst/>
+            </a:prstGeom>
+            <a:solidFill>
+              <a:schemeClr val="tx2">
+                <a:lumMod val="10000"/>
+                <a:lumOff val="90000"/>
+              </a:schemeClr>
+            </a:solidFill>
+            <a:ln w="9525"/>
+          </p:spPr>
+          <p:style>
+            <a:lnRef idx="2">
+              <a:schemeClr val="accent1">
+                <a:shade val="15000"/>
+              </a:schemeClr>
+            </a:lnRef>
+            <a:fillRef idx="1">
+              <a:schemeClr val="accent1"/>
+            </a:fillRef>
+            <a:effectRef idx="0">
+              <a:schemeClr val="accent1"/>
+            </a:effectRef>
+            <a:fontRef idx="minor">
+              <a:schemeClr val="lt1"/>
+            </a:fontRef>
+          </p:style>
+          <p:txBody>
+            <a:bodyPr rtlCol="0" anchor="ctr"/>
+            <a:lstStyle/>
+            <a:p>
+              <a:r>
+                <a:rPr lang="en-US" sz="1000" dirty="0">
+                  <a:solidFill>
+                    <a:schemeClr val="tx1"/>
+                  </a:solidFill>
+                  <a:latin typeface="Avenir Book" panose="02000503020000020003" pitchFamily="2" charset="0"/>
+                </a:rPr>
+                <a:t>Key share </a:t>
+              </a:r>
+              <a:r>
+                <a:rPr lang="en-US" sz="1000" i="1" dirty="0">
+                  <a:solidFill>
+                    <a:schemeClr val="tx1"/>
+                  </a:solidFill>
+                  <a:latin typeface="Avenir Book" panose="02000503020000020003" pitchFamily="2" charset="0"/>
+                </a:rPr>
+                <a:t>n</a:t>
+              </a:r>
+            </a:p>
+          </p:txBody>
+        </p:sp>
+        <p:sp>
+          <p:nvSpPr>
+            <p:cNvPr id="47" name="Rectangle 46">
+              <a:extLst>
+                <a:ext uri="{FF2B5EF4-FFF2-40B4-BE49-F238E27FC236}">
+                  <a16:creationId xmlns:a16="http://schemas.microsoft.com/office/drawing/2014/main" id="{B63CB002-FD0C-BD81-A64D-9ED1F9FFD281}"/>
+                </a:ext>
+              </a:extLst>
+            </p:cNvPr>
+            <p:cNvSpPr/>
+            <p:nvPr/>
+          </p:nvSpPr>
+          <p:spPr>
+            <a:xfrm>
+              <a:off x="2935172" y="3258991"/>
+              <a:ext cx="1074119" cy="376766"/>
+            </a:xfrm>
+            <a:prstGeom prst="rect">
+              <a:avLst/>
+            </a:prstGeom>
+            <a:solidFill>
+              <a:schemeClr val="accent6">
+                <a:lumMod val="20000"/>
+                <a:lumOff val="80000"/>
+              </a:schemeClr>
+            </a:solidFill>
+            <a:ln w="9525"/>
+          </p:spPr>
+          <p:style>
+            <a:lnRef idx="2">
+              <a:schemeClr val="accent1">
+                <a:shade val="15000"/>
+              </a:schemeClr>
+            </a:lnRef>
+            <a:fillRef idx="1">
+              <a:schemeClr val="accent1"/>
+            </a:fillRef>
+            <a:effectRef idx="0">
+              <a:schemeClr val="accent1"/>
+            </a:effectRef>
+            <a:fontRef idx="minor">
+              <a:schemeClr val="lt1"/>
+            </a:fontRef>
+          </p:style>
+          <p:txBody>
+            <a:bodyPr rtlCol="0" anchor="ctr"/>
+            <a:lstStyle/>
+            <a:p>
+              <a:r>
+                <a:rPr lang="en-US" sz="1000" dirty="0">
+                  <a:solidFill>
+                    <a:schemeClr val="tx1"/>
+                  </a:solidFill>
+                  <a:latin typeface="Avenir Book" panose="02000503020000020003" pitchFamily="2" charset="0"/>
+                </a:rPr>
+                <a:t>Encrypted</a:t>
+              </a:r>
+            </a:p>
+            <a:p>
+              <a:r>
+                <a:rPr lang="en-US" sz="1000" dirty="0">
+                  <a:solidFill>
+                    <a:schemeClr val="tx1"/>
+                  </a:solidFill>
+                  <a:latin typeface="Avenir Book" panose="02000503020000020003" pitchFamily="2" charset="0"/>
+                </a:rPr>
+                <a:t>Key share </a:t>
+              </a:r>
+              <a:r>
+                <a:rPr lang="en-US" sz="1000" i="1" dirty="0">
+                  <a:solidFill>
+                    <a:schemeClr val="tx1"/>
+                  </a:solidFill>
+                  <a:latin typeface="Avenir Book" panose="02000503020000020003" pitchFamily="2" charset="0"/>
+                </a:rPr>
+                <a:t>n</a:t>
+              </a:r>
+            </a:p>
+          </p:txBody>
+        </p:sp>
+        <p:sp>
+          <p:nvSpPr>
+            <p:cNvPr id="49" name="Rectangle 48">
+              <a:extLst>
+                <a:ext uri="{FF2B5EF4-FFF2-40B4-BE49-F238E27FC236}">
+                  <a16:creationId xmlns:a16="http://schemas.microsoft.com/office/drawing/2014/main" id="{BA958EAA-CBE2-E57B-5B06-1605E258D95A}"/>
+                </a:ext>
+              </a:extLst>
+            </p:cNvPr>
+            <p:cNvSpPr/>
+            <p:nvPr/>
+          </p:nvSpPr>
+          <p:spPr>
+            <a:xfrm>
+              <a:off x="2935172" y="2764374"/>
+              <a:ext cx="1074119" cy="376766"/>
+            </a:xfrm>
+            <a:prstGeom prst="rect">
+              <a:avLst/>
+            </a:prstGeom>
+            <a:solidFill>
+              <a:schemeClr val="accent2">
+                <a:lumMod val="20000"/>
+                <a:lumOff val="80000"/>
+              </a:schemeClr>
+            </a:solidFill>
+            <a:ln w="9525"/>
+          </p:spPr>
+          <p:style>
+            <a:lnRef idx="2">
+              <a:schemeClr val="accent1">
+                <a:shade val="15000"/>
+              </a:schemeClr>
+            </a:lnRef>
+            <a:fillRef idx="1">
+              <a:schemeClr val="accent1"/>
+            </a:fillRef>
+            <a:effectRef idx="0">
+              <a:schemeClr val="accent1"/>
+            </a:effectRef>
+            <a:fontRef idx="minor">
+              <a:schemeClr val="lt1"/>
+            </a:fontRef>
+          </p:style>
+          <p:txBody>
+            <a:bodyPr rtlCol="0" anchor="ctr"/>
+            <a:lstStyle/>
+            <a:p>
+              <a:r>
+                <a:rPr lang="en-US" sz="1000" dirty="0">
+                  <a:solidFill>
+                    <a:schemeClr val="tx1"/>
+                  </a:solidFill>
+                  <a:latin typeface="Avenir Book" panose="02000503020000020003" pitchFamily="2" charset="0"/>
+                </a:rPr>
+                <a:t>Encryption</a:t>
+              </a:r>
+            </a:p>
+            <a:p>
+              <a:r>
+                <a:rPr lang="en-US" sz="1000" dirty="0">
+                  <a:solidFill>
+                    <a:schemeClr val="tx1"/>
+                  </a:solidFill>
+                  <a:latin typeface="Avenir Book" panose="02000503020000020003" pitchFamily="2" charset="0"/>
+                </a:rPr>
+                <a:t>Key </a:t>
+              </a:r>
+              <a:r>
+                <a:rPr lang="en-US" sz="1000" i="1" dirty="0">
+                  <a:solidFill>
+                    <a:schemeClr val="tx1"/>
+                  </a:solidFill>
+                  <a:latin typeface="Avenir Book" panose="02000503020000020003" pitchFamily="2" charset="0"/>
+                </a:rPr>
+                <a:t>n</a:t>
+              </a:r>
+            </a:p>
+          </p:txBody>
+        </p:sp>
+        <p:cxnSp>
+          <p:nvCxnSpPr>
+            <p:cNvPr id="50" name="Straight Connector 49">
+              <a:extLst>
+                <a:ext uri="{FF2B5EF4-FFF2-40B4-BE49-F238E27FC236}">
+                  <a16:creationId xmlns:a16="http://schemas.microsoft.com/office/drawing/2014/main" id="{7CE6B867-397D-A359-0632-47EF0AB4E651}"/>
+                </a:ext>
+              </a:extLst>
+            </p:cNvPr>
+            <p:cNvCxnSpPr>
+              <a:cxnSpLocks/>
+            </p:cNvCxnSpPr>
+            <p:nvPr/>
+          </p:nvCxnSpPr>
+          <p:spPr>
+            <a:xfrm flipH="1">
+              <a:off x="2853111" y="3691094"/>
+              <a:ext cx="1249966" cy="0"/>
+            </a:xfrm>
+            <a:prstGeom prst="line">
+              <a:avLst/>
+            </a:prstGeom>
+            <a:ln w="9525" cap="rnd">
+              <a:solidFill>
+                <a:schemeClr val="tx1"/>
+              </a:solidFill>
+            </a:ln>
+          </p:spPr>
+          <p:style>
+            <a:lnRef idx="2">
+              <a:schemeClr val="accent1"/>
+            </a:lnRef>
+            <a:fillRef idx="0">
+              <a:schemeClr val="accent1"/>
+            </a:fillRef>
+            <a:effectRef idx="1">
+              <a:schemeClr val="accent1"/>
+            </a:effectRef>
+            <a:fontRef idx="minor">
+              <a:schemeClr val="tx1"/>
+            </a:fontRef>
+          </p:style>
+        </p:cxnSp>
+        <p:sp>
+          <p:nvSpPr>
+            <p:cNvPr id="52" name="Rectangle 51">
+              <a:extLst>
+                <a:ext uri="{FF2B5EF4-FFF2-40B4-BE49-F238E27FC236}">
+                  <a16:creationId xmlns:a16="http://schemas.microsoft.com/office/drawing/2014/main" id="{6A984C7B-4A44-4887-5A85-C99D34E9410E}"/>
+                </a:ext>
+              </a:extLst>
+            </p:cNvPr>
+            <p:cNvSpPr/>
+            <p:nvPr/>
+          </p:nvSpPr>
+          <p:spPr>
+            <a:xfrm>
+              <a:off x="2406890" y="3507784"/>
+              <a:ext cx="505035" cy="376766"/>
+            </a:xfrm>
+            <a:prstGeom prst="rect">
+              <a:avLst/>
+            </a:prstGeom>
+            <a:noFill/>
+            <a:ln w="9525">
+              <a:noFill/>
+            </a:ln>
+          </p:spPr>
+          <p:style>
+            <a:lnRef idx="2">
+              <a:schemeClr val="accent1">
+                <a:shade val="15000"/>
+              </a:schemeClr>
+            </a:lnRef>
+            <a:fillRef idx="1">
+              <a:schemeClr val="accent1"/>
+            </a:fillRef>
+            <a:effectRef idx="0">
+              <a:schemeClr val="accent1"/>
+            </a:effectRef>
+            <a:fontRef idx="minor">
+              <a:schemeClr val="lt1"/>
+            </a:fontRef>
+          </p:style>
+          <p:txBody>
+            <a:bodyPr rtlCol="0" anchor="ctr"/>
+            <a:lstStyle/>
+            <a:p>
+              <a:pPr algn="r"/>
+              <a:r>
+                <a:rPr lang="en-US" sz="800" dirty="0">
+                  <a:solidFill>
+                    <a:schemeClr val="tx1"/>
+                  </a:solidFill>
+                  <a:latin typeface="Avenir Book" panose="02000503020000020003" pitchFamily="2" charset="0"/>
+                </a:rPr>
+                <a:t>XOR</a:t>
+              </a:r>
+            </a:p>
+          </p:txBody>
+        </p:sp>
+        <p:sp>
+          <p:nvSpPr>
+            <p:cNvPr id="53" name="Can 52">
+              <a:extLst>
+                <a:ext uri="{FF2B5EF4-FFF2-40B4-BE49-F238E27FC236}">
+                  <a16:creationId xmlns:a16="http://schemas.microsoft.com/office/drawing/2014/main" id="{11035F67-8627-85D1-A688-EE0BD6BFFECB}"/>
+                </a:ext>
+              </a:extLst>
+            </p:cNvPr>
+            <p:cNvSpPr/>
+            <p:nvPr/>
+          </p:nvSpPr>
+          <p:spPr>
+            <a:xfrm>
+              <a:off x="2135577" y="2634153"/>
+              <a:ext cx="505035" cy="637207"/>
+            </a:xfrm>
+            <a:prstGeom prst="can">
+              <a:avLst/>
+            </a:prstGeom>
+            <a:solidFill>
+              <a:schemeClr val="accent2">
+                <a:lumMod val="20000"/>
+                <a:lumOff val="80000"/>
+              </a:schemeClr>
+            </a:solidFill>
+            <a:ln w="9525"/>
+          </p:spPr>
+          <p:style>
+            <a:lnRef idx="2">
+              <a:schemeClr val="accent1">
+                <a:shade val="15000"/>
+              </a:schemeClr>
+            </a:lnRef>
+            <a:fillRef idx="1">
+              <a:schemeClr val="accent1"/>
+            </a:fillRef>
+            <a:effectRef idx="0">
+              <a:schemeClr val="accent1"/>
+            </a:effectRef>
+            <a:fontRef idx="minor">
+              <a:schemeClr val="lt1"/>
+            </a:fontRef>
+          </p:style>
+          <p:txBody>
+            <a:bodyPr rtlCol="0" anchor="ctr"/>
+            <a:lstStyle/>
+            <a:p>
+              <a:r>
+                <a:rPr lang="en-US" sz="1000" dirty="0">
+                  <a:solidFill>
+                    <a:schemeClr val="tx1"/>
+                  </a:solidFill>
+                  <a:latin typeface="Avenir Book" panose="02000503020000020003" pitchFamily="2" charset="0"/>
+                </a:rPr>
+                <a:t>PSRD</a:t>
+              </a:r>
+              <a:br>
+                <a:rPr lang="en-US" sz="1000" dirty="0">
+                  <a:solidFill>
+                    <a:schemeClr val="tx1"/>
+                  </a:solidFill>
+                  <a:latin typeface="Avenir Book" panose="02000503020000020003" pitchFamily="2" charset="0"/>
+                </a:rPr>
+              </a:br>
+              <a:r>
+                <a:rPr lang="en-US" sz="1000" dirty="0">
+                  <a:solidFill>
+                    <a:schemeClr val="tx1"/>
+                  </a:solidFill>
+                  <a:latin typeface="Avenir Book" panose="02000503020000020003" pitchFamily="2" charset="0"/>
+                </a:rPr>
+                <a:t>Pool</a:t>
+              </a:r>
+            </a:p>
+          </p:txBody>
+        </p:sp>
+        <p:cxnSp>
+          <p:nvCxnSpPr>
+            <p:cNvPr id="54" name="Straight Connector 53">
+              <a:extLst>
+                <a:ext uri="{FF2B5EF4-FFF2-40B4-BE49-F238E27FC236}">
+                  <a16:creationId xmlns:a16="http://schemas.microsoft.com/office/drawing/2014/main" id="{285B78DB-2156-645D-7539-4AA3549C8F1C}"/>
+                </a:ext>
+              </a:extLst>
+            </p:cNvPr>
+            <p:cNvCxnSpPr>
+              <a:cxnSpLocks/>
+            </p:cNvCxnSpPr>
+            <p:nvPr/>
+          </p:nvCxnSpPr>
+          <p:spPr>
+            <a:xfrm>
+              <a:off x="2644827" y="2952757"/>
+              <a:ext cx="290345" cy="0"/>
+            </a:xfrm>
+            <a:prstGeom prst="line">
+              <a:avLst/>
+            </a:prstGeom>
+            <a:ln w="9525" cap="rnd">
+              <a:solidFill>
+                <a:schemeClr val="tx1"/>
+              </a:solidFill>
+              <a:tailEnd type="triangle"/>
+            </a:ln>
+          </p:spPr>
+          <p:style>
+            <a:lnRef idx="2">
+              <a:schemeClr val="accent1"/>
+            </a:lnRef>
+            <a:fillRef idx="0">
+              <a:schemeClr val="accent1"/>
+            </a:fillRef>
+            <a:effectRef idx="1">
+              <a:schemeClr val="accent1"/>
+            </a:effectRef>
+            <a:fontRef idx="minor">
+              <a:schemeClr val="tx1"/>
+            </a:fontRef>
+          </p:style>
+        </p:cxnSp>
+      </p:grpSp>
+      <p:cxnSp>
+        <p:nvCxnSpPr>
+          <p:cNvPr id="56" name="Straight Connector 55">
+            <a:extLst>
+              <a:ext uri="{FF2B5EF4-FFF2-40B4-BE49-F238E27FC236}">
+                <a16:creationId xmlns:a16="http://schemas.microsoft.com/office/drawing/2014/main" id="{6E3A75A3-22D7-4165-FDBE-D9B0BAD5B427}"/>
+              </a:ext>
+            </a:extLst>
+          </p:cNvPr>
+          <p:cNvCxnSpPr>
+            <a:cxnSpLocks/>
+            <a:stCxn id="46" idx="3"/>
+          </p:cNvCxnSpPr>
+          <p:nvPr/>
+        </p:nvCxnSpPr>
+        <p:spPr>
+          <a:xfrm>
+            <a:off x="7911334" y="5050932"/>
+            <a:ext cx="449435" cy="0"/>
+          </a:xfrm>
+          <a:prstGeom prst="line">
+            <a:avLst/>
+          </a:prstGeom>
+          <a:ln w="9525" cap="rnd">
+            <a:solidFill>
+              <a:schemeClr val="tx1"/>
+            </a:solidFill>
+            <a:tailEnd type="none"/>
+          </a:ln>
+        </p:spPr>
+        <p:style>
+          <a:lnRef idx="2">
+            <a:schemeClr val="accent1"/>
+          </a:lnRef>
+          <a:fillRef idx="0">
+            <a:schemeClr val="accent1"/>
+          </a:fillRef>
+          <a:effectRef idx="1">
+            <a:schemeClr val="accent1"/>
+          </a:effectRef>
+          <a:fontRef idx="minor">
+            <a:schemeClr val="tx1"/>
+          </a:fontRef>
+        </p:style>
+      </p:cxnSp>
+      <p:cxnSp>
+        <p:nvCxnSpPr>
+          <p:cNvPr id="58" name="Straight Connector 57">
+            <a:extLst>
+              <a:ext uri="{FF2B5EF4-FFF2-40B4-BE49-F238E27FC236}">
+                <a16:creationId xmlns:a16="http://schemas.microsoft.com/office/drawing/2014/main" id="{EDC3D32A-6CA1-55BB-3303-55AE2BA8569A}"/>
+              </a:ext>
+            </a:extLst>
+          </p:cNvPr>
+          <p:cNvCxnSpPr>
+            <a:cxnSpLocks/>
+            <a:endCxn id="40" idx="2"/>
+          </p:cNvCxnSpPr>
+          <p:nvPr/>
+        </p:nvCxnSpPr>
+        <p:spPr>
+          <a:xfrm flipV="1">
+            <a:off x="8360769" y="3773979"/>
+            <a:ext cx="0" cy="1276953"/>
+          </a:xfrm>
+          <a:prstGeom prst="line">
+            <a:avLst/>
+          </a:prstGeom>
+          <a:ln w="9525" cap="rnd">
+            <a:solidFill>
+              <a:schemeClr val="tx1"/>
+            </a:solidFill>
+            <a:tailEnd type="triangle"/>
+          </a:ln>
+        </p:spPr>
+        <p:style>
+          <a:lnRef idx="2">
+            <a:schemeClr val="accent1"/>
+          </a:lnRef>
+          <a:fillRef idx="0">
+            <a:schemeClr val="accent1"/>
+          </a:fillRef>
+          <a:effectRef idx="1">
+            <a:schemeClr val="accent1"/>
+          </a:effectRef>
+          <a:fontRef idx="minor">
+            <a:schemeClr val="tx1"/>
+          </a:fontRef>
+        </p:style>
+      </p:cxnSp>
+      <p:sp>
+        <p:nvSpPr>
+          <p:cNvPr id="65" name="Rectangle 64">
+            <a:extLst>
+              <a:ext uri="{FF2B5EF4-FFF2-40B4-BE49-F238E27FC236}">
+                <a16:creationId xmlns:a16="http://schemas.microsoft.com/office/drawing/2014/main" id="{381B9921-D593-73EF-7A3D-E679D02A7B9E}"/>
+              </a:ext>
+            </a:extLst>
+          </p:cNvPr>
+          <p:cNvSpPr/>
+          <p:nvPr/>
+        </p:nvSpPr>
+        <p:spPr>
+          <a:xfrm>
+            <a:off x="1000421" y="3165905"/>
+            <a:ext cx="3256085" cy="1885028"/>
+          </a:xfrm>
+          <a:prstGeom prst="rect">
+            <a:avLst/>
+          </a:prstGeom>
+          <a:solidFill>
+            <a:schemeClr val="bg1">
+              <a:lumMod val="95000"/>
+            </a:schemeClr>
+          </a:solidFill>
+          <a:ln w="12700">
+            <a:solidFill>
+              <a:schemeClr val="tx1"/>
+            </a:solidFill>
+          </a:ln>
+        </p:spPr>
+        <p:style>
+          <a:lnRef idx="2">
+            <a:schemeClr val="accent1">
+              <a:shade val="15000"/>
+            </a:schemeClr>
+          </a:lnRef>
+          <a:fillRef idx="1">
+            <a:schemeClr val="accent1"/>
+          </a:fillRef>
+          <a:effectRef idx="0">
+            <a:schemeClr val="accent1"/>
+          </a:effectRef>
+          <a:fontRef idx="minor">
+            <a:schemeClr val="lt1"/>
+          </a:fontRef>
+        </p:style>
+        <p:txBody>
+          <a:bodyPr rtlCol="0" anchor="ctr"/>
+          <a:lstStyle/>
+          <a:p>
+            <a:pPr algn="ctr"/>
+            <a:endParaRPr lang="en-US" sz="1000" dirty="0">
+              <a:solidFill>
+                <a:schemeClr val="tx1"/>
+              </a:solidFill>
+              <a:latin typeface="Avenir Book" panose="02000503020000020003" pitchFamily="2" charset="0"/>
+            </a:endParaRPr>
+          </a:p>
+        </p:txBody>
+      </p:sp>
+      <p:grpSp>
+        <p:nvGrpSpPr>
+          <p:cNvPr id="66" name="Group 65">
+            <a:extLst>
+              <a:ext uri="{FF2B5EF4-FFF2-40B4-BE49-F238E27FC236}">
+                <a16:creationId xmlns:a16="http://schemas.microsoft.com/office/drawing/2014/main" id="{0DA8E370-2D4D-8B11-DCF1-780DCDBC58DD}"/>
+              </a:ext>
+            </a:extLst>
+          </p:cNvPr>
+          <p:cNvGrpSpPr/>
+          <p:nvPr/>
+        </p:nvGrpSpPr>
+        <p:grpSpPr>
+          <a:xfrm>
+            <a:off x="1152684" y="3463450"/>
+            <a:ext cx="2402233" cy="1286196"/>
+            <a:chOff x="2421560" y="2349561"/>
+            <a:chExt cx="2402233" cy="1286196"/>
+          </a:xfrm>
+        </p:grpSpPr>
+        <p:sp>
+          <p:nvSpPr>
+            <p:cNvPr id="67" name="Rectangle 66">
+              <a:extLst>
+                <a:ext uri="{FF2B5EF4-FFF2-40B4-BE49-F238E27FC236}">
+                  <a16:creationId xmlns:a16="http://schemas.microsoft.com/office/drawing/2014/main" id="{4E736F35-6831-D55E-73B9-5E2C8BDEEEA8}"/>
+                </a:ext>
+              </a:extLst>
+            </p:cNvPr>
+            <p:cNvSpPr/>
+            <p:nvPr/>
+          </p:nvSpPr>
+          <p:spPr>
+            <a:xfrm>
+              <a:off x="2935172" y="2349561"/>
+              <a:ext cx="1074119" cy="376766"/>
+            </a:xfrm>
+            <a:prstGeom prst="rect">
+              <a:avLst/>
+            </a:prstGeom>
+            <a:solidFill>
+              <a:schemeClr val="tx2">
+                <a:lumMod val="10000"/>
+                <a:lumOff val="90000"/>
+              </a:schemeClr>
+            </a:solidFill>
+            <a:ln w="9525"/>
+          </p:spPr>
+          <p:style>
+            <a:lnRef idx="2">
+              <a:schemeClr val="accent1">
+                <a:shade val="15000"/>
+              </a:schemeClr>
+            </a:lnRef>
+            <a:fillRef idx="1">
+              <a:schemeClr val="accent1"/>
+            </a:fillRef>
+            <a:effectRef idx="0">
+              <a:schemeClr val="accent1"/>
+            </a:effectRef>
+            <a:fontRef idx="minor">
+              <a:schemeClr val="lt1"/>
+            </a:fontRef>
+          </p:style>
+          <p:txBody>
+            <a:bodyPr rtlCol="0" anchor="ctr"/>
+            <a:lstStyle/>
+            <a:p>
+              <a:r>
+                <a:rPr lang="en-US" sz="1000" dirty="0">
+                  <a:solidFill>
+                    <a:schemeClr val="tx1"/>
+                  </a:solidFill>
+                  <a:latin typeface="Avenir Book" panose="02000503020000020003" pitchFamily="2" charset="0"/>
+                </a:rPr>
+                <a:t>Key share </a:t>
+              </a:r>
+              <a:r>
+                <a:rPr lang="en-US" sz="1000" i="1" dirty="0">
+                  <a:solidFill>
+                    <a:schemeClr val="tx1"/>
+                  </a:solidFill>
+                  <a:latin typeface="Avenir Book" panose="02000503020000020003" pitchFamily="2" charset="0"/>
+                </a:rPr>
+                <a:t>n</a:t>
+              </a:r>
+            </a:p>
+          </p:txBody>
+        </p:sp>
+        <p:sp>
+          <p:nvSpPr>
+            <p:cNvPr id="68" name="Rectangle 67">
+              <a:extLst>
+                <a:ext uri="{FF2B5EF4-FFF2-40B4-BE49-F238E27FC236}">
+                  <a16:creationId xmlns:a16="http://schemas.microsoft.com/office/drawing/2014/main" id="{5DEDB7ED-4205-E94E-9497-95B044F1001D}"/>
+                </a:ext>
+              </a:extLst>
+            </p:cNvPr>
+            <p:cNvSpPr/>
+            <p:nvPr/>
+          </p:nvSpPr>
+          <p:spPr>
+            <a:xfrm>
+              <a:off x="2935172" y="3258991"/>
+              <a:ext cx="1074119" cy="376766"/>
+            </a:xfrm>
+            <a:prstGeom prst="rect">
+              <a:avLst/>
+            </a:prstGeom>
+            <a:solidFill>
+              <a:schemeClr val="accent6">
+                <a:lumMod val="20000"/>
+                <a:lumOff val="80000"/>
+              </a:schemeClr>
+            </a:solidFill>
+            <a:ln w="9525"/>
+          </p:spPr>
+          <p:style>
+            <a:lnRef idx="2">
+              <a:schemeClr val="accent1">
+                <a:shade val="15000"/>
+              </a:schemeClr>
+            </a:lnRef>
+            <a:fillRef idx="1">
+              <a:schemeClr val="accent1"/>
+            </a:fillRef>
+            <a:effectRef idx="0">
+              <a:schemeClr val="accent1"/>
+            </a:effectRef>
+            <a:fontRef idx="minor">
+              <a:schemeClr val="lt1"/>
+            </a:fontRef>
+          </p:style>
+          <p:txBody>
+            <a:bodyPr rtlCol="0" anchor="ctr"/>
+            <a:lstStyle/>
+            <a:p>
+              <a:r>
+                <a:rPr lang="en-US" sz="1000" dirty="0">
+                  <a:solidFill>
+                    <a:schemeClr val="tx1"/>
+                  </a:solidFill>
+                  <a:latin typeface="Avenir Book" panose="02000503020000020003" pitchFamily="2" charset="0"/>
+                </a:rPr>
+                <a:t>Encrypted</a:t>
+              </a:r>
+            </a:p>
+            <a:p>
+              <a:r>
+                <a:rPr lang="en-US" sz="1000" dirty="0">
+                  <a:solidFill>
+                    <a:schemeClr val="tx1"/>
+                  </a:solidFill>
+                  <a:latin typeface="Avenir Book" panose="02000503020000020003" pitchFamily="2" charset="0"/>
+                </a:rPr>
+                <a:t>Key share </a:t>
+              </a:r>
+              <a:r>
+                <a:rPr lang="en-US" sz="1000" i="1" dirty="0">
+                  <a:solidFill>
+                    <a:schemeClr val="tx1"/>
+                  </a:solidFill>
+                  <a:latin typeface="Avenir Book" panose="02000503020000020003" pitchFamily="2" charset="0"/>
+                </a:rPr>
+                <a:t>n</a:t>
+              </a:r>
+            </a:p>
+          </p:txBody>
+        </p:sp>
+        <p:sp>
+          <p:nvSpPr>
+            <p:cNvPr id="69" name="Rectangle 68">
+              <a:extLst>
+                <a:ext uri="{FF2B5EF4-FFF2-40B4-BE49-F238E27FC236}">
+                  <a16:creationId xmlns:a16="http://schemas.microsoft.com/office/drawing/2014/main" id="{BAF677BA-220D-8297-AED9-5C8AB95EF734}"/>
+                </a:ext>
+              </a:extLst>
+            </p:cNvPr>
+            <p:cNvSpPr/>
+            <p:nvPr/>
+          </p:nvSpPr>
+          <p:spPr>
+            <a:xfrm>
+              <a:off x="2935172" y="2764374"/>
+              <a:ext cx="1074119" cy="376766"/>
+            </a:xfrm>
+            <a:prstGeom prst="rect">
+              <a:avLst/>
+            </a:prstGeom>
+            <a:solidFill>
+              <a:schemeClr val="accent2">
+                <a:lumMod val="20000"/>
+                <a:lumOff val="80000"/>
+              </a:schemeClr>
+            </a:solidFill>
+            <a:ln w="9525"/>
+          </p:spPr>
+          <p:style>
+            <a:lnRef idx="2">
+              <a:schemeClr val="accent1">
+                <a:shade val="15000"/>
+              </a:schemeClr>
+            </a:lnRef>
+            <a:fillRef idx="1">
+              <a:schemeClr val="accent1"/>
+            </a:fillRef>
+            <a:effectRef idx="0">
+              <a:schemeClr val="accent1"/>
+            </a:effectRef>
+            <a:fontRef idx="minor">
+              <a:schemeClr val="lt1"/>
+            </a:fontRef>
+          </p:style>
+          <p:txBody>
+            <a:bodyPr rtlCol="0" anchor="ctr"/>
+            <a:lstStyle/>
+            <a:p>
+              <a:r>
+                <a:rPr lang="en-US" sz="1000" dirty="0">
+                  <a:solidFill>
+                    <a:schemeClr val="tx1"/>
+                  </a:solidFill>
+                  <a:latin typeface="Avenir Book" panose="02000503020000020003" pitchFamily="2" charset="0"/>
+                </a:rPr>
+                <a:t>Encryption</a:t>
+              </a:r>
+            </a:p>
+            <a:p>
+              <a:r>
+                <a:rPr lang="en-US" sz="1000" dirty="0">
+                  <a:solidFill>
+                    <a:schemeClr val="tx1"/>
+                  </a:solidFill>
+                  <a:latin typeface="Avenir Book" panose="02000503020000020003" pitchFamily="2" charset="0"/>
+                </a:rPr>
+                <a:t>Key </a:t>
+              </a:r>
+              <a:r>
+                <a:rPr lang="en-US" sz="1000" i="1" dirty="0">
+                  <a:solidFill>
+                    <a:schemeClr val="tx1"/>
+                  </a:solidFill>
+                  <a:latin typeface="Avenir Book" panose="02000503020000020003" pitchFamily="2" charset="0"/>
+                </a:rPr>
+                <a:t>n</a:t>
+              </a:r>
+            </a:p>
+          </p:txBody>
+        </p:sp>
+        <p:cxnSp>
+          <p:nvCxnSpPr>
+            <p:cNvPr id="70" name="Straight Connector 69">
+              <a:extLst>
+                <a:ext uri="{FF2B5EF4-FFF2-40B4-BE49-F238E27FC236}">
+                  <a16:creationId xmlns:a16="http://schemas.microsoft.com/office/drawing/2014/main" id="{F58C3C79-FDA0-20B0-7FC9-34A030C28C94}"/>
+                </a:ext>
+              </a:extLst>
+            </p:cNvPr>
+            <p:cNvCxnSpPr>
+              <a:cxnSpLocks/>
+            </p:cNvCxnSpPr>
+            <p:nvPr/>
+          </p:nvCxnSpPr>
+          <p:spPr>
+            <a:xfrm flipH="1">
+              <a:off x="2853111" y="3202462"/>
+              <a:ext cx="1249966" cy="0"/>
+            </a:xfrm>
+            <a:prstGeom prst="line">
+              <a:avLst/>
+            </a:prstGeom>
+            <a:ln w="9525" cap="rnd">
+              <a:solidFill>
+                <a:schemeClr val="tx1"/>
+              </a:solidFill>
+            </a:ln>
+          </p:spPr>
+          <p:style>
+            <a:lnRef idx="2">
+              <a:schemeClr val="accent1"/>
+            </a:lnRef>
+            <a:fillRef idx="0">
+              <a:schemeClr val="accent1"/>
+            </a:fillRef>
+            <a:effectRef idx="1">
+              <a:schemeClr val="accent1"/>
+            </a:effectRef>
+            <a:fontRef idx="minor">
+              <a:schemeClr val="tx1"/>
+            </a:fontRef>
+          </p:style>
+        </p:cxnSp>
+        <p:sp>
+          <p:nvSpPr>
+            <p:cNvPr id="71" name="Rectangle 70">
+              <a:extLst>
+                <a:ext uri="{FF2B5EF4-FFF2-40B4-BE49-F238E27FC236}">
+                  <a16:creationId xmlns:a16="http://schemas.microsoft.com/office/drawing/2014/main" id="{C3749F23-1CD0-8051-BB36-5C7ED44CFF77}"/>
+                </a:ext>
+              </a:extLst>
+            </p:cNvPr>
+            <p:cNvSpPr/>
+            <p:nvPr/>
+          </p:nvSpPr>
+          <p:spPr>
+            <a:xfrm>
+              <a:off x="2421560" y="3017066"/>
+              <a:ext cx="505035" cy="376766"/>
+            </a:xfrm>
+            <a:prstGeom prst="rect">
+              <a:avLst/>
+            </a:prstGeom>
+            <a:noFill/>
+            <a:ln w="9525">
+              <a:noFill/>
+            </a:ln>
+          </p:spPr>
+          <p:style>
+            <a:lnRef idx="2">
+              <a:schemeClr val="accent1">
+                <a:shade val="15000"/>
+              </a:schemeClr>
+            </a:lnRef>
+            <a:fillRef idx="1">
+              <a:schemeClr val="accent1"/>
+            </a:fillRef>
+            <a:effectRef idx="0">
+              <a:schemeClr val="accent1"/>
+            </a:effectRef>
+            <a:fontRef idx="minor">
+              <a:schemeClr val="lt1"/>
+            </a:fontRef>
+          </p:style>
+          <p:txBody>
+            <a:bodyPr rtlCol="0" anchor="ctr"/>
+            <a:lstStyle/>
+            <a:p>
+              <a:pPr algn="r"/>
+              <a:r>
+                <a:rPr lang="en-US" sz="800" dirty="0">
+                  <a:solidFill>
+                    <a:schemeClr val="tx1"/>
+                  </a:solidFill>
+                  <a:latin typeface="Avenir Book" panose="02000503020000020003" pitchFamily="2" charset="0"/>
+                </a:rPr>
+                <a:t>XOR</a:t>
+              </a:r>
+            </a:p>
+          </p:txBody>
+        </p:sp>
+        <p:sp>
+          <p:nvSpPr>
+            <p:cNvPr id="72" name="Can 71">
+              <a:extLst>
+                <a:ext uri="{FF2B5EF4-FFF2-40B4-BE49-F238E27FC236}">
+                  <a16:creationId xmlns:a16="http://schemas.microsoft.com/office/drawing/2014/main" id="{B49A151C-A192-E702-6015-5F6DA7788D30}"/>
+                </a:ext>
+              </a:extLst>
+            </p:cNvPr>
+            <p:cNvSpPr/>
+            <p:nvPr/>
+          </p:nvSpPr>
+          <p:spPr>
+            <a:xfrm>
+              <a:off x="4318758" y="2634153"/>
+              <a:ext cx="505035" cy="637207"/>
+            </a:xfrm>
+            <a:prstGeom prst="can">
+              <a:avLst/>
+            </a:prstGeom>
+            <a:solidFill>
+              <a:schemeClr val="accent2">
+                <a:lumMod val="20000"/>
+                <a:lumOff val="80000"/>
+              </a:schemeClr>
+            </a:solidFill>
+            <a:ln w="9525"/>
+          </p:spPr>
+          <p:style>
+            <a:lnRef idx="2">
+              <a:schemeClr val="accent1">
+                <a:shade val="15000"/>
+              </a:schemeClr>
+            </a:lnRef>
+            <a:fillRef idx="1">
+              <a:schemeClr val="accent1"/>
+            </a:fillRef>
+            <a:effectRef idx="0">
+              <a:schemeClr val="accent1"/>
+            </a:effectRef>
+            <a:fontRef idx="minor">
+              <a:schemeClr val="lt1"/>
+            </a:fontRef>
+          </p:style>
+          <p:txBody>
+            <a:bodyPr rtlCol="0" anchor="ctr"/>
+            <a:lstStyle/>
+            <a:p>
+              <a:r>
+                <a:rPr lang="en-US" sz="1000" dirty="0">
+                  <a:solidFill>
+                    <a:schemeClr val="tx1"/>
+                  </a:solidFill>
+                  <a:latin typeface="Avenir Book" panose="02000503020000020003" pitchFamily="2" charset="0"/>
+                </a:rPr>
+                <a:t>PSRD</a:t>
+              </a:r>
+              <a:br>
+                <a:rPr lang="en-US" sz="1000" dirty="0">
+                  <a:solidFill>
+                    <a:schemeClr val="tx1"/>
+                  </a:solidFill>
+                  <a:latin typeface="Avenir Book" panose="02000503020000020003" pitchFamily="2" charset="0"/>
+                </a:rPr>
+              </a:br>
+              <a:r>
+                <a:rPr lang="en-US" sz="1000" dirty="0">
+                  <a:solidFill>
+                    <a:schemeClr val="tx1"/>
+                  </a:solidFill>
+                  <a:latin typeface="Avenir Book" panose="02000503020000020003" pitchFamily="2" charset="0"/>
+                </a:rPr>
+                <a:t>Pool</a:t>
+              </a:r>
+            </a:p>
+          </p:txBody>
+        </p:sp>
+        <p:cxnSp>
+          <p:nvCxnSpPr>
+            <p:cNvPr id="73" name="Straight Connector 72">
+              <a:extLst>
+                <a:ext uri="{FF2B5EF4-FFF2-40B4-BE49-F238E27FC236}">
+                  <a16:creationId xmlns:a16="http://schemas.microsoft.com/office/drawing/2014/main" id="{4C070146-25C6-B461-1DA4-09828CD6007B}"/>
+                </a:ext>
+              </a:extLst>
+            </p:cNvPr>
+            <p:cNvCxnSpPr>
+              <a:cxnSpLocks/>
+            </p:cNvCxnSpPr>
+            <p:nvPr/>
+          </p:nvCxnSpPr>
+          <p:spPr>
+            <a:xfrm flipH="1">
+              <a:off x="4009291" y="2952757"/>
+              <a:ext cx="303164" cy="0"/>
+            </a:xfrm>
+            <a:prstGeom prst="line">
+              <a:avLst/>
+            </a:prstGeom>
+            <a:ln w="9525" cap="rnd">
+              <a:solidFill>
+                <a:schemeClr val="tx1"/>
+              </a:solidFill>
+              <a:tailEnd type="triangle"/>
+            </a:ln>
+          </p:spPr>
+          <p:style>
+            <a:lnRef idx="2">
+              <a:schemeClr val="accent1"/>
+            </a:lnRef>
+            <a:fillRef idx="0">
+              <a:schemeClr val="accent1"/>
+            </a:fillRef>
+            <a:effectRef idx="1">
+              <a:schemeClr val="accent1"/>
+            </a:effectRef>
+            <a:fontRef idx="minor">
+              <a:schemeClr val="tx1"/>
+            </a:fontRef>
+          </p:style>
+        </p:cxnSp>
+      </p:grpSp>
+      <p:cxnSp>
+        <p:nvCxnSpPr>
+          <p:cNvPr id="74" name="Straight Connector 73">
+            <a:extLst>
+              <a:ext uri="{FF2B5EF4-FFF2-40B4-BE49-F238E27FC236}">
+                <a16:creationId xmlns:a16="http://schemas.microsoft.com/office/drawing/2014/main" id="{7865DB56-4A8B-EC2C-078B-A1F8F0B95907}"/>
+              </a:ext>
+            </a:extLst>
+          </p:cNvPr>
+          <p:cNvCxnSpPr>
+            <a:cxnSpLocks/>
+            <a:stCxn id="72" idx="4"/>
+          </p:cNvCxnSpPr>
+          <p:nvPr/>
+        </p:nvCxnSpPr>
+        <p:spPr>
+          <a:xfrm>
+            <a:off x="3554917" y="4066646"/>
+            <a:ext cx="2471676" cy="0"/>
+          </a:xfrm>
+          <a:prstGeom prst="line">
+            <a:avLst/>
+          </a:prstGeom>
+          <a:ln w="9525" cap="rnd">
+            <a:solidFill>
+              <a:srgbClr val="FF0000"/>
+            </a:solidFill>
+            <a:tailEnd type="triangle"/>
+          </a:ln>
+        </p:spPr>
+        <p:style>
+          <a:lnRef idx="2">
+            <a:schemeClr val="accent1"/>
+          </a:lnRef>
+          <a:fillRef idx="0">
+            <a:schemeClr val="accent1"/>
+          </a:fillRef>
+          <a:effectRef idx="1">
+            <a:schemeClr val="accent1"/>
+          </a:effectRef>
+          <a:fontRef idx="minor">
+            <a:schemeClr val="tx1"/>
+          </a:fontRef>
+        </p:style>
+      </p:cxnSp>
+      <p:sp>
+        <p:nvSpPr>
+          <p:cNvPr id="75" name="Rectangle 74">
+            <a:extLst>
+              <a:ext uri="{FF2B5EF4-FFF2-40B4-BE49-F238E27FC236}">
+                <a16:creationId xmlns:a16="http://schemas.microsoft.com/office/drawing/2014/main" id="{2A5B75FD-672D-F255-E09D-54318DC9930F}"/>
+              </a:ext>
+            </a:extLst>
+          </p:cNvPr>
+          <p:cNvSpPr/>
+          <p:nvPr/>
+        </p:nvSpPr>
+        <p:spPr>
+          <a:xfrm>
+            <a:off x="903055" y="2903137"/>
+            <a:ext cx="1398994" cy="376766"/>
+          </a:xfrm>
+          <a:prstGeom prst="rect">
+            <a:avLst/>
+          </a:prstGeom>
+          <a:noFill/>
+          <a:ln w="9525">
+            <a:noFill/>
+          </a:ln>
+        </p:spPr>
+        <p:style>
+          <a:lnRef idx="2">
+            <a:schemeClr val="accent1">
+              <a:shade val="15000"/>
+            </a:schemeClr>
+          </a:lnRef>
+          <a:fillRef idx="1">
+            <a:schemeClr val="accent1"/>
+          </a:fillRef>
+          <a:effectRef idx="0">
+            <a:schemeClr val="accent1"/>
+          </a:effectRef>
+          <a:fontRef idx="minor">
+            <a:schemeClr val="lt1"/>
+          </a:fontRef>
+        </p:style>
+        <p:txBody>
+          <a:bodyPr rtlCol="0" anchor="ctr"/>
+          <a:lstStyle/>
+          <a:p>
+            <a:r>
+              <a:rPr lang="en-US" sz="1000" dirty="0">
+                <a:solidFill>
+                  <a:schemeClr val="tx1"/>
+                </a:solidFill>
+                <a:latin typeface="Avenir Book" panose="02000503020000020003" pitchFamily="2" charset="0"/>
+              </a:rPr>
+              <a:t>Hub Hugo</a:t>
+            </a:r>
+          </a:p>
+        </p:txBody>
+      </p:sp>
+      <p:sp>
+        <p:nvSpPr>
+          <p:cNvPr id="76" name="Rounded Rectangle 75">
+            <a:extLst>
+              <a:ext uri="{FF2B5EF4-FFF2-40B4-BE49-F238E27FC236}">
+                <a16:creationId xmlns:a16="http://schemas.microsoft.com/office/drawing/2014/main" id="{7410125E-4A2F-9B8A-4303-AE6BA02B37AF}"/>
+              </a:ext>
+            </a:extLst>
+          </p:cNvPr>
+          <p:cNvSpPr/>
+          <p:nvPr/>
+        </p:nvSpPr>
+        <p:spPr>
+          <a:xfrm>
+            <a:off x="3043579" y="3269214"/>
+            <a:ext cx="563078" cy="305205"/>
+          </a:xfrm>
+          <a:prstGeom prst="roundRect">
+            <a:avLst>
+              <a:gd name="adj" fmla="val 50000"/>
+            </a:avLst>
+          </a:prstGeom>
+          <a:solidFill>
+            <a:schemeClr val="accent2">
+              <a:lumMod val="20000"/>
+              <a:lumOff val="80000"/>
+            </a:schemeClr>
+          </a:solidFill>
+          <a:ln w="9525"/>
+        </p:spPr>
+        <p:style>
+          <a:lnRef idx="2">
+            <a:schemeClr val="accent1">
+              <a:shade val="15000"/>
+            </a:schemeClr>
+          </a:lnRef>
+          <a:fillRef idx="1">
+            <a:schemeClr val="accent1"/>
+          </a:fillRef>
+          <a:effectRef idx="0">
+            <a:schemeClr val="accent1"/>
+          </a:effectRef>
+          <a:fontRef idx="minor">
+            <a:schemeClr val="lt1"/>
+          </a:fontRef>
+        </p:style>
+        <p:txBody>
+          <a:bodyPr rtlCol="0" anchor="ctr"/>
+          <a:lstStyle/>
+          <a:p>
+            <a:pPr algn="ctr"/>
+            <a:r>
+              <a:rPr lang="en-US" sz="1000" dirty="0">
+                <a:solidFill>
+                  <a:schemeClr val="tx1"/>
+                </a:solidFill>
+                <a:latin typeface="Avenir Book" panose="02000503020000020003" pitchFamily="2" charset="0"/>
+              </a:rPr>
+              <a:t>RNG</a:t>
+            </a:r>
+          </a:p>
+        </p:txBody>
+      </p:sp>
+      <p:cxnSp>
+        <p:nvCxnSpPr>
+          <p:cNvPr id="77" name="Straight Connector 76">
+            <a:extLst>
+              <a:ext uri="{FF2B5EF4-FFF2-40B4-BE49-F238E27FC236}">
+                <a16:creationId xmlns:a16="http://schemas.microsoft.com/office/drawing/2014/main" id="{39CDA38A-D8BF-D2F6-84DB-1E5D5D26B3A4}"/>
+              </a:ext>
+            </a:extLst>
+          </p:cNvPr>
+          <p:cNvCxnSpPr>
+            <a:cxnSpLocks/>
+          </p:cNvCxnSpPr>
+          <p:nvPr/>
+        </p:nvCxnSpPr>
+        <p:spPr>
+          <a:xfrm>
+            <a:off x="3323417" y="3576952"/>
+            <a:ext cx="0" cy="179937"/>
+          </a:xfrm>
+          <a:prstGeom prst="line">
+            <a:avLst/>
+          </a:prstGeom>
+          <a:ln w="9525" cap="rnd">
+            <a:solidFill>
+              <a:schemeClr val="tx1"/>
+            </a:solidFill>
+            <a:tailEnd type="triangle"/>
+          </a:ln>
+        </p:spPr>
+        <p:style>
+          <a:lnRef idx="2">
+            <a:schemeClr val="accent1"/>
+          </a:lnRef>
+          <a:fillRef idx="0">
+            <a:schemeClr val="accent1"/>
+          </a:fillRef>
+          <a:effectRef idx="1">
+            <a:schemeClr val="accent1"/>
+          </a:effectRef>
+          <a:fontRef idx="minor">
+            <a:schemeClr val="tx1"/>
+          </a:fontRef>
+        </p:style>
+      </p:cxnSp>
+      <p:cxnSp>
+        <p:nvCxnSpPr>
+          <p:cNvPr id="78" name="Straight Connector 77">
+            <a:extLst>
+              <a:ext uri="{FF2B5EF4-FFF2-40B4-BE49-F238E27FC236}">
+                <a16:creationId xmlns:a16="http://schemas.microsoft.com/office/drawing/2014/main" id="{ACFD40D9-94A2-7161-3904-08A5D47E2E30}"/>
+              </a:ext>
+            </a:extLst>
+          </p:cNvPr>
+          <p:cNvCxnSpPr>
+            <a:cxnSpLocks/>
+          </p:cNvCxnSpPr>
+          <p:nvPr/>
+        </p:nvCxnSpPr>
+        <p:spPr>
+          <a:xfrm>
+            <a:off x="2740415" y="4561263"/>
+            <a:ext cx="4085773" cy="0"/>
+          </a:xfrm>
+          <a:prstGeom prst="line">
+            <a:avLst/>
+          </a:prstGeom>
+          <a:ln w="9525" cap="rnd">
+            <a:solidFill>
+              <a:schemeClr val="accent6">
+                <a:lumMod val="75000"/>
+              </a:schemeClr>
+            </a:solidFill>
+            <a:tailEnd type="triangle"/>
+          </a:ln>
+        </p:spPr>
+        <p:style>
+          <a:lnRef idx="2">
+            <a:schemeClr val="accent1"/>
+          </a:lnRef>
+          <a:fillRef idx="0">
+            <a:schemeClr val="accent1"/>
+          </a:fillRef>
+          <a:effectRef idx="1">
+            <a:schemeClr val="accent1"/>
+          </a:effectRef>
+          <a:fontRef idx="minor">
+            <a:schemeClr val="tx1"/>
+          </a:fontRef>
+        </p:style>
+      </p:cxnSp>
+      <p:sp>
+        <p:nvSpPr>
+          <p:cNvPr id="79" name="Rectangle 78">
+            <a:extLst>
+              <a:ext uri="{FF2B5EF4-FFF2-40B4-BE49-F238E27FC236}">
+                <a16:creationId xmlns:a16="http://schemas.microsoft.com/office/drawing/2014/main" id="{482D1D62-5EDA-CFC0-8ED0-C0E97CC10916}"/>
+              </a:ext>
+            </a:extLst>
+          </p:cNvPr>
+          <p:cNvSpPr/>
+          <p:nvPr/>
+        </p:nvSpPr>
+        <p:spPr>
+          <a:xfrm rot="5400000">
+            <a:off x="2456164" y="3010922"/>
+            <a:ext cx="678812" cy="376766"/>
+          </a:xfrm>
+          <a:prstGeom prst="rect">
+            <a:avLst/>
+          </a:prstGeom>
+          <a:noFill/>
+          <a:ln w="9525">
+            <a:noFill/>
+          </a:ln>
+        </p:spPr>
+        <p:style>
+          <a:lnRef idx="2">
+            <a:schemeClr val="accent1">
+              <a:shade val="15000"/>
+            </a:schemeClr>
+          </a:lnRef>
+          <a:fillRef idx="1">
+            <a:schemeClr val="accent1"/>
+          </a:fillRef>
+          <a:effectRef idx="0">
+            <a:schemeClr val="accent1"/>
+          </a:effectRef>
+          <a:fontRef idx="minor">
+            <a:schemeClr val="lt1"/>
+          </a:fontRef>
+        </p:style>
+        <p:txBody>
+          <a:bodyPr rtlCol="0" anchor="ctr"/>
+          <a:lstStyle/>
+          <a:p>
+            <a:r>
+              <a:rPr lang="en-US" sz="1600" dirty="0">
+                <a:solidFill>
+                  <a:schemeClr val="tx1"/>
+                </a:solidFill>
+                <a:latin typeface="Avenir Book" panose="02000503020000020003" pitchFamily="2" charset="0"/>
+              </a:rPr>
+              <a:t>...</a:t>
+            </a:r>
+          </a:p>
+        </p:txBody>
+      </p:sp>
+      <p:sp>
+        <p:nvSpPr>
+          <p:cNvPr id="80" name="Rectangle 79">
+            <a:extLst>
+              <a:ext uri="{FF2B5EF4-FFF2-40B4-BE49-F238E27FC236}">
+                <a16:creationId xmlns:a16="http://schemas.microsoft.com/office/drawing/2014/main" id="{ABB44E38-4A2E-A004-A886-DA8B145D457B}"/>
+              </a:ext>
+            </a:extLst>
+          </p:cNvPr>
+          <p:cNvSpPr/>
+          <p:nvPr/>
+        </p:nvSpPr>
+        <p:spPr>
+          <a:xfrm>
+            <a:off x="4218173" y="1906299"/>
+            <a:ext cx="2296405" cy="376766"/>
+          </a:xfrm>
+          <a:prstGeom prst="rect">
+            <a:avLst/>
+          </a:prstGeom>
+          <a:noFill/>
+          <a:ln w="9525">
+            <a:noFill/>
+          </a:ln>
+        </p:spPr>
+        <p:style>
+          <a:lnRef idx="2">
+            <a:schemeClr val="accent1">
+              <a:shade val="15000"/>
+            </a:schemeClr>
+          </a:lnRef>
+          <a:fillRef idx="1">
+            <a:schemeClr val="accent1"/>
+          </a:fillRef>
+          <a:effectRef idx="0">
+            <a:schemeClr val="accent1"/>
+          </a:effectRef>
+          <a:fontRef idx="minor">
+            <a:schemeClr val="lt1"/>
+          </a:fontRef>
+        </p:style>
+        <p:txBody>
+          <a:bodyPr rtlCol="0" anchor="ctr"/>
+          <a:lstStyle/>
+          <a:p>
+            <a:r>
+              <a:rPr lang="en-US" sz="800" dirty="0">
+                <a:solidFill>
+                  <a:srgbClr val="FF0000"/>
+                </a:solidFill>
+                <a:latin typeface="Avenir Book" panose="02000503020000020003" pitchFamily="2" charset="0"/>
+              </a:rPr>
+              <a:t>DSKE out-of-band protocol</a:t>
+            </a:r>
+          </a:p>
+          <a:p>
+            <a:r>
+              <a:rPr lang="en-US" sz="800" dirty="0">
+                <a:solidFill>
+                  <a:srgbClr val="FF0000"/>
+                </a:solidFill>
+                <a:latin typeface="Avenir Book" panose="02000503020000020003" pitchFamily="2" charset="0"/>
+              </a:rPr>
+              <a:t>PSRD block</a:t>
+            </a:r>
+          </a:p>
+        </p:txBody>
+      </p:sp>
+      <p:sp>
+        <p:nvSpPr>
+          <p:cNvPr id="81" name="Rectangle 80">
+            <a:extLst>
+              <a:ext uri="{FF2B5EF4-FFF2-40B4-BE49-F238E27FC236}">
+                <a16:creationId xmlns:a16="http://schemas.microsoft.com/office/drawing/2014/main" id="{EC21C436-8DD5-74DD-478C-A9D8D649C64A}"/>
+              </a:ext>
+            </a:extLst>
+          </p:cNvPr>
+          <p:cNvSpPr/>
+          <p:nvPr/>
+        </p:nvSpPr>
+        <p:spPr>
+          <a:xfrm>
+            <a:off x="575426" y="729280"/>
+            <a:ext cx="11045074" cy="5111440"/>
+          </a:xfrm>
+          <a:prstGeom prst="rect">
+            <a:avLst/>
+          </a:prstGeom>
+          <a:noFill/>
+          <a:ln w="9525">
+            <a:solidFill>
+              <a:schemeClr val="bg1">
+                <a:lumMod val="65000"/>
+              </a:schemeClr>
+            </a:solidFill>
+          </a:ln>
+        </p:spPr>
+        <p:style>
+          <a:lnRef idx="2">
+            <a:schemeClr val="accent1">
+              <a:shade val="15000"/>
+            </a:schemeClr>
+          </a:lnRef>
+          <a:fillRef idx="1">
+            <a:schemeClr val="accent1"/>
+          </a:fillRef>
+          <a:effectRef idx="0">
+            <a:schemeClr val="accent1"/>
+          </a:effectRef>
+          <a:fontRef idx="minor">
+            <a:schemeClr val="lt1"/>
+          </a:fontRef>
+        </p:style>
+        <p:txBody>
+          <a:bodyPr rtlCol="0" anchor="ctr"/>
+          <a:lstStyle/>
+          <a:p>
+            <a:pPr algn="ctr"/>
+            <a:endParaRPr lang="en-US" sz="1000" dirty="0">
+              <a:solidFill>
+                <a:schemeClr val="tx1"/>
+              </a:solidFill>
+              <a:latin typeface="Avenir Book" panose="02000503020000020003" pitchFamily="2" charset="0"/>
+            </a:endParaRPr>
+          </a:p>
+        </p:txBody>
+      </p:sp>
     </p:spTree>
     <p:extLst>
       <p:ext uri="{BB962C8B-B14F-4D97-AF65-F5344CB8AC3E}">
@@ -16896,6 +19114,1115 @@
 </file>
 
 <file path=ppt/slides/slide7.xml><?xml version="1.0" encoding="utf-8"?>
+<p:sld xmlns:a="http://schemas.openxmlformats.org/drawingml/2006/main" xmlns:r="http://schemas.openxmlformats.org/officeDocument/2006/relationships" xmlns:p="http://schemas.openxmlformats.org/presentationml/2006/main">
+  <p:cSld>
+    <p:spTree>
+      <p:nvGrpSpPr>
+        <p:cNvPr id="1" name=""/>
+        <p:cNvGrpSpPr/>
+        <p:nvPr/>
+      </p:nvGrpSpPr>
+      <p:grpSpPr>
+        <a:xfrm>
+          <a:off x="0" y="0"/>
+          <a:ext cx="0" cy="0"/>
+          <a:chOff x="0" y="0"/>
+          <a:chExt cx="0" cy="0"/>
+        </a:xfrm>
+      </p:grpSpPr>
+      <p:grpSp>
+        <p:nvGrpSpPr>
+          <p:cNvPr id="2" name="Group 1">
+            <a:extLst>
+              <a:ext uri="{FF2B5EF4-FFF2-40B4-BE49-F238E27FC236}">
+                <a16:creationId xmlns:a16="http://schemas.microsoft.com/office/drawing/2014/main" id="{6B5A4295-6B9B-F52C-DBAA-61FBF533C812}"/>
+              </a:ext>
+            </a:extLst>
+          </p:cNvPr>
+          <p:cNvGrpSpPr/>
+          <p:nvPr/>
+        </p:nvGrpSpPr>
+        <p:grpSpPr>
+          <a:xfrm>
+            <a:off x="2945380" y="2330983"/>
+            <a:ext cx="600778" cy="1994488"/>
+            <a:chOff x="3088804" y="2178583"/>
+            <a:chExt cx="600778" cy="1994488"/>
+          </a:xfrm>
+        </p:grpSpPr>
+        <p:sp>
+          <p:nvSpPr>
+            <p:cNvPr id="3" name="Rectangle 2">
+              <a:extLst>
+                <a:ext uri="{FF2B5EF4-FFF2-40B4-BE49-F238E27FC236}">
+                  <a16:creationId xmlns:a16="http://schemas.microsoft.com/office/drawing/2014/main" id="{741F73AE-AD87-B143-368D-7BF9D375DAD7}"/>
+                </a:ext>
+              </a:extLst>
+            </p:cNvPr>
+            <p:cNvSpPr/>
+            <p:nvPr/>
+          </p:nvSpPr>
+          <p:spPr>
+            <a:xfrm>
+              <a:off x="3088804" y="2178583"/>
+              <a:ext cx="600778" cy="600778"/>
+            </a:xfrm>
+            <a:prstGeom prst="rect">
+              <a:avLst/>
+            </a:prstGeom>
+            <a:solidFill>
+              <a:schemeClr val="tx2">
+                <a:lumMod val="10000"/>
+                <a:lumOff val="90000"/>
+              </a:schemeClr>
+            </a:solidFill>
+            <a:ln w="9525"/>
+          </p:spPr>
+          <p:style>
+            <a:lnRef idx="2">
+              <a:schemeClr val="accent1">
+                <a:shade val="15000"/>
+              </a:schemeClr>
+            </a:lnRef>
+            <a:fillRef idx="1">
+              <a:schemeClr val="accent1"/>
+            </a:fillRef>
+            <a:effectRef idx="0">
+              <a:schemeClr val="accent1"/>
+            </a:effectRef>
+            <a:fontRef idx="minor">
+              <a:schemeClr val="lt1"/>
+            </a:fontRef>
+          </p:style>
+          <p:txBody>
+            <a:bodyPr rtlCol="0" anchor="ctr"/>
+            <a:lstStyle/>
+            <a:p>
+              <a:pPr algn="ctr"/>
+              <a:r>
+                <a:rPr lang="en-US" sz="1000" dirty="0">
+                  <a:solidFill>
+                    <a:schemeClr val="tx1"/>
+                  </a:solidFill>
+                  <a:latin typeface="Avenir Book" panose="02000503020000020003" pitchFamily="2" charset="0"/>
+                </a:rPr>
+                <a:t>A</a:t>
+              </a:r>
+            </a:p>
+          </p:txBody>
+        </p:sp>
+        <p:cxnSp>
+          <p:nvCxnSpPr>
+            <p:cNvPr id="4" name="Straight Connector 3">
+              <a:extLst>
+                <a:ext uri="{FF2B5EF4-FFF2-40B4-BE49-F238E27FC236}">
+                  <a16:creationId xmlns:a16="http://schemas.microsoft.com/office/drawing/2014/main" id="{97FB26CB-54AE-46AA-65CB-FBA918E7F95F}"/>
+                </a:ext>
+              </a:extLst>
+            </p:cNvPr>
+            <p:cNvCxnSpPr>
+              <a:cxnSpLocks/>
+              <a:stCxn id="3" idx="2"/>
+            </p:cNvCxnSpPr>
+            <p:nvPr/>
+          </p:nvCxnSpPr>
+          <p:spPr>
+            <a:xfrm>
+              <a:off x="3389193" y="2779361"/>
+              <a:ext cx="0" cy="1393710"/>
+            </a:xfrm>
+            <a:prstGeom prst="line">
+              <a:avLst/>
+            </a:prstGeom>
+            <a:ln w="9525">
+              <a:solidFill>
+                <a:schemeClr val="tx1"/>
+              </a:solidFill>
+            </a:ln>
+          </p:spPr>
+          <p:style>
+            <a:lnRef idx="2">
+              <a:schemeClr val="accent1"/>
+            </a:lnRef>
+            <a:fillRef idx="0">
+              <a:schemeClr val="accent1"/>
+            </a:fillRef>
+            <a:effectRef idx="1">
+              <a:schemeClr val="accent1"/>
+            </a:effectRef>
+            <a:fontRef idx="minor">
+              <a:schemeClr val="tx1"/>
+            </a:fontRef>
+          </p:style>
+        </p:cxnSp>
+      </p:grpSp>
+      <p:grpSp>
+        <p:nvGrpSpPr>
+          <p:cNvPr id="7" name="Group 6">
+            <a:extLst>
+              <a:ext uri="{FF2B5EF4-FFF2-40B4-BE49-F238E27FC236}">
+                <a16:creationId xmlns:a16="http://schemas.microsoft.com/office/drawing/2014/main" id="{CBE18038-E944-9E5B-9FAB-702942AA3B42}"/>
+              </a:ext>
+            </a:extLst>
+          </p:cNvPr>
+          <p:cNvGrpSpPr/>
+          <p:nvPr/>
+        </p:nvGrpSpPr>
+        <p:grpSpPr>
+          <a:xfrm>
+            <a:off x="5839187" y="2330983"/>
+            <a:ext cx="600778" cy="1994488"/>
+            <a:chOff x="3088804" y="2178583"/>
+            <a:chExt cx="600778" cy="1994488"/>
+          </a:xfrm>
+        </p:grpSpPr>
+        <p:sp>
+          <p:nvSpPr>
+            <p:cNvPr id="8" name="Rectangle 7">
+              <a:extLst>
+                <a:ext uri="{FF2B5EF4-FFF2-40B4-BE49-F238E27FC236}">
+                  <a16:creationId xmlns:a16="http://schemas.microsoft.com/office/drawing/2014/main" id="{3F0A3AA0-FA17-B227-16AD-B3CFA4796B07}"/>
+                </a:ext>
+              </a:extLst>
+            </p:cNvPr>
+            <p:cNvSpPr/>
+            <p:nvPr/>
+          </p:nvSpPr>
+          <p:spPr>
+            <a:xfrm>
+              <a:off x="3088804" y="2178583"/>
+              <a:ext cx="600778" cy="600778"/>
+            </a:xfrm>
+            <a:prstGeom prst="rect">
+              <a:avLst/>
+            </a:prstGeom>
+            <a:solidFill>
+              <a:schemeClr val="tx2">
+                <a:lumMod val="10000"/>
+                <a:lumOff val="90000"/>
+              </a:schemeClr>
+            </a:solidFill>
+            <a:ln w="9525"/>
+          </p:spPr>
+          <p:style>
+            <a:lnRef idx="2">
+              <a:schemeClr val="accent1">
+                <a:shade val="15000"/>
+              </a:schemeClr>
+            </a:lnRef>
+            <a:fillRef idx="1">
+              <a:schemeClr val="accent1"/>
+            </a:fillRef>
+            <a:effectRef idx="0">
+              <a:schemeClr val="accent1"/>
+            </a:effectRef>
+            <a:fontRef idx="minor">
+              <a:schemeClr val="lt1"/>
+            </a:fontRef>
+          </p:style>
+          <p:txBody>
+            <a:bodyPr rtlCol="0" anchor="ctr"/>
+            <a:lstStyle/>
+            <a:p>
+              <a:pPr algn="ctr"/>
+              <a:r>
+                <a:rPr lang="en-US" sz="1000" dirty="0">
+                  <a:solidFill>
+                    <a:schemeClr val="tx1"/>
+                  </a:solidFill>
+                  <a:latin typeface="Avenir Book" panose="02000503020000020003" pitchFamily="2" charset="0"/>
+                </a:rPr>
+                <a:t>B</a:t>
+              </a:r>
+            </a:p>
+          </p:txBody>
+        </p:sp>
+        <p:cxnSp>
+          <p:nvCxnSpPr>
+            <p:cNvPr id="9" name="Straight Connector 8">
+              <a:extLst>
+                <a:ext uri="{FF2B5EF4-FFF2-40B4-BE49-F238E27FC236}">
+                  <a16:creationId xmlns:a16="http://schemas.microsoft.com/office/drawing/2014/main" id="{92853232-D6E5-5306-F7F3-CE9E883FC6E3}"/>
+                </a:ext>
+              </a:extLst>
+            </p:cNvPr>
+            <p:cNvCxnSpPr>
+              <a:cxnSpLocks/>
+              <a:stCxn id="8" idx="2"/>
+            </p:cNvCxnSpPr>
+            <p:nvPr/>
+          </p:nvCxnSpPr>
+          <p:spPr>
+            <a:xfrm>
+              <a:off x="3389193" y="2779361"/>
+              <a:ext cx="0" cy="1393710"/>
+            </a:xfrm>
+            <a:prstGeom prst="line">
+              <a:avLst/>
+            </a:prstGeom>
+            <a:ln w="9525">
+              <a:solidFill>
+                <a:schemeClr val="tx1"/>
+              </a:solidFill>
+            </a:ln>
+          </p:spPr>
+          <p:style>
+            <a:lnRef idx="2">
+              <a:schemeClr val="accent1"/>
+            </a:lnRef>
+            <a:fillRef idx="0">
+              <a:schemeClr val="accent1"/>
+            </a:fillRef>
+            <a:effectRef idx="1">
+              <a:schemeClr val="accent1"/>
+            </a:effectRef>
+            <a:fontRef idx="minor">
+              <a:schemeClr val="tx1"/>
+            </a:fontRef>
+          </p:style>
+        </p:cxnSp>
+      </p:grpSp>
+      <p:grpSp>
+        <p:nvGrpSpPr>
+          <p:cNvPr id="10" name="Group 9">
+            <a:extLst>
+              <a:ext uri="{FF2B5EF4-FFF2-40B4-BE49-F238E27FC236}">
+                <a16:creationId xmlns:a16="http://schemas.microsoft.com/office/drawing/2014/main" id="{0D73F52E-535C-9F49-2D0D-79807CE6605B}"/>
+              </a:ext>
+            </a:extLst>
+          </p:cNvPr>
+          <p:cNvGrpSpPr/>
+          <p:nvPr/>
+        </p:nvGrpSpPr>
+        <p:grpSpPr>
+          <a:xfrm>
+            <a:off x="8732994" y="2330983"/>
+            <a:ext cx="600778" cy="1994488"/>
+            <a:chOff x="3088804" y="2178583"/>
+            <a:chExt cx="600778" cy="1994488"/>
+          </a:xfrm>
+        </p:grpSpPr>
+        <p:sp>
+          <p:nvSpPr>
+            <p:cNvPr id="11" name="Rectangle 10">
+              <a:extLst>
+                <a:ext uri="{FF2B5EF4-FFF2-40B4-BE49-F238E27FC236}">
+                  <a16:creationId xmlns:a16="http://schemas.microsoft.com/office/drawing/2014/main" id="{3301EB74-A59F-DF7A-BC12-D5BCA358B2D7}"/>
+                </a:ext>
+              </a:extLst>
+            </p:cNvPr>
+            <p:cNvSpPr/>
+            <p:nvPr/>
+          </p:nvSpPr>
+          <p:spPr>
+            <a:xfrm>
+              <a:off x="3088804" y="2178583"/>
+              <a:ext cx="600778" cy="600778"/>
+            </a:xfrm>
+            <a:prstGeom prst="rect">
+              <a:avLst/>
+            </a:prstGeom>
+            <a:solidFill>
+              <a:schemeClr val="tx2">
+                <a:lumMod val="10000"/>
+                <a:lumOff val="90000"/>
+              </a:schemeClr>
+            </a:solidFill>
+            <a:ln w="9525"/>
+          </p:spPr>
+          <p:style>
+            <a:lnRef idx="2">
+              <a:schemeClr val="accent1">
+                <a:shade val="15000"/>
+              </a:schemeClr>
+            </a:lnRef>
+            <a:fillRef idx="1">
+              <a:schemeClr val="accent1"/>
+            </a:fillRef>
+            <a:effectRef idx="0">
+              <a:schemeClr val="accent1"/>
+            </a:effectRef>
+            <a:fontRef idx="minor">
+              <a:schemeClr val="lt1"/>
+            </a:fontRef>
+          </p:style>
+          <p:txBody>
+            <a:bodyPr rtlCol="0" anchor="ctr"/>
+            <a:lstStyle/>
+            <a:p>
+              <a:pPr algn="ctr"/>
+              <a:r>
+                <a:rPr lang="en-US" sz="1000" dirty="0">
+                  <a:solidFill>
+                    <a:schemeClr val="tx1"/>
+                  </a:solidFill>
+                  <a:latin typeface="Avenir Book" panose="02000503020000020003" pitchFamily="2" charset="0"/>
+                </a:rPr>
+                <a:t>C</a:t>
+              </a:r>
+            </a:p>
+          </p:txBody>
+        </p:sp>
+        <p:cxnSp>
+          <p:nvCxnSpPr>
+            <p:cNvPr id="12" name="Straight Connector 11">
+              <a:extLst>
+                <a:ext uri="{FF2B5EF4-FFF2-40B4-BE49-F238E27FC236}">
+                  <a16:creationId xmlns:a16="http://schemas.microsoft.com/office/drawing/2014/main" id="{1006525D-DEDF-4586-35FA-660996DD9A3B}"/>
+                </a:ext>
+              </a:extLst>
+            </p:cNvPr>
+            <p:cNvCxnSpPr>
+              <a:cxnSpLocks/>
+              <a:stCxn id="11" idx="2"/>
+            </p:cNvCxnSpPr>
+            <p:nvPr/>
+          </p:nvCxnSpPr>
+          <p:spPr>
+            <a:xfrm>
+              <a:off x="3389193" y="2779361"/>
+              <a:ext cx="0" cy="1393710"/>
+            </a:xfrm>
+            <a:prstGeom prst="line">
+              <a:avLst/>
+            </a:prstGeom>
+            <a:ln w="9525">
+              <a:solidFill>
+                <a:schemeClr val="tx1"/>
+              </a:solidFill>
+            </a:ln>
+          </p:spPr>
+          <p:style>
+            <a:lnRef idx="2">
+              <a:schemeClr val="accent1"/>
+            </a:lnRef>
+            <a:fillRef idx="0">
+              <a:schemeClr val="accent1"/>
+            </a:fillRef>
+            <a:effectRef idx="1">
+              <a:schemeClr val="accent1"/>
+            </a:effectRef>
+            <a:fontRef idx="minor">
+              <a:schemeClr val="tx1"/>
+            </a:fontRef>
+          </p:style>
+        </p:cxnSp>
+      </p:grpSp>
+      <p:cxnSp>
+        <p:nvCxnSpPr>
+          <p:cNvPr id="13" name="Straight Connector 12">
+            <a:extLst>
+              <a:ext uri="{FF2B5EF4-FFF2-40B4-BE49-F238E27FC236}">
+                <a16:creationId xmlns:a16="http://schemas.microsoft.com/office/drawing/2014/main" id="{661FE72B-E736-794C-915F-FFE22A68919A}"/>
+              </a:ext>
+            </a:extLst>
+          </p:cNvPr>
+          <p:cNvCxnSpPr>
+            <a:cxnSpLocks/>
+          </p:cNvCxnSpPr>
+          <p:nvPr/>
+        </p:nvCxnSpPr>
+        <p:spPr>
+          <a:xfrm flipH="1">
+            <a:off x="3245769" y="3290270"/>
+            <a:ext cx="2893807" cy="0"/>
+          </a:xfrm>
+          <a:prstGeom prst="line">
+            <a:avLst/>
+          </a:prstGeom>
+          <a:ln w="12700" cap="rnd">
+            <a:solidFill>
+              <a:schemeClr val="accent6">
+                <a:lumMod val="75000"/>
+              </a:schemeClr>
+            </a:solidFill>
+            <a:headEnd type="triangle"/>
+            <a:tailEnd type="triangle"/>
+          </a:ln>
+        </p:spPr>
+        <p:style>
+          <a:lnRef idx="2">
+            <a:schemeClr val="accent1"/>
+          </a:lnRef>
+          <a:fillRef idx="0">
+            <a:schemeClr val="accent1"/>
+          </a:fillRef>
+          <a:effectRef idx="1">
+            <a:schemeClr val="accent1"/>
+          </a:effectRef>
+          <a:fontRef idx="minor">
+            <a:schemeClr val="tx1"/>
+          </a:fontRef>
+        </p:style>
+      </p:cxnSp>
+      <p:sp>
+        <p:nvSpPr>
+          <p:cNvPr id="16" name="Rectangle 15">
+            <a:extLst>
+              <a:ext uri="{FF2B5EF4-FFF2-40B4-BE49-F238E27FC236}">
+                <a16:creationId xmlns:a16="http://schemas.microsoft.com/office/drawing/2014/main" id="{4EC2151F-91DE-7BF1-40CD-9B7450DD40CC}"/>
+              </a:ext>
+            </a:extLst>
+          </p:cNvPr>
+          <p:cNvSpPr/>
+          <p:nvPr/>
+        </p:nvSpPr>
+        <p:spPr>
+          <a:xfrm>
+            <a:off x="3236625" y="3049671"/>
+            <a:ext cx="2784678" cy="298861"/>
+          </a:xfrm>
+          <a:prstGeom prst="rect">
+            <a:avLst/>
+          </a:prstGeom>
+          <a:noFill/>
+          <a:ln w="9525">
+            <a:noFill/>
+          </a:ln>
+        </p:spPr>
+        <p:style>
+          <a:lnRef idx="2">
+            <a:schemeClr val="accent1">
+              <a:shade val="15000"/>
+            </a:schemeClr>
+          </a:lnRef>
+          <a:fillRef idx="1">
+            <a:schemeClr val="accent1"/>
+          </a:fillRef>
+          <a:effectRef idx="0">
+            <a:schemeClr val="accent1"/>
+          </a:effectRef>
+          <a:fontRef idx="minor">
+            <a:schemeClr val="lt1"/>
+          </a:fontRef>
+        </p:style>
+        <p:txBody>
+          <a:bodyPr rtlCol="0" anchor="ctr"/>
+          <a:lstStyle/>
+          <a:p>
+            <a:r>
+              <a:rPr lang="en-US" sz="1000" dirty="0">
+                <a:solidFill>
+                  <a:schemeClr val="accent6">
+                    <a:lumMod val="75000"/>
+                  </a:schemeClr>
+                </a:solidFill>
+                <a:latin typeface="Avenir Book" panose="02000503020000020003" pitchFamily="2" charset="0"/>
+              </a:rPr>
+              <a:t>QKD protocol: establish key A-B</a:t>
+            </a:r>
+          </a:p>
+        </p:txBody>
+      </p:sp>
+      <p:pic>
+        <p:nvPicPr>
+          <p:cNvPr id="1026" name="Picture 2" descr="271,500+ Key Icon Stock Illustrations, Royalty-Free Vector ...">
+            <a:extLst>
+              <a:ext uri="{FF2B5EF4-FFF2-40B4-BE49-F238E27FC236}">
+                <a16:creationId xmlns:a16="http://schemas.microsoft.com/office/drawing/2014/main" id="{E3DC968D-839A-0AD7-6C32-6C1F52A18F44}"/>
+              </a:ext>
+            </a:extLst>
+          </p:cNvPr>
+          <p:cNvPicPr>
+            <a:picLocks noChangeAspect="1" noChangeArrowheads="1"/>
+          </p:cNvPicPr>
+          <p:nvPr/>
+        </p:nvPicPr>
+        <p:blipFill>
+          <a:blip r:embed="rId2">
+            <a:clrChange>
+              <a:clrFrom>
+                <a:srgbClr val="FFFFFF"/>
+              </a:clrFrom>
+              <a:clrTo>
+                <a:srgbClr val="FFFFFF">
+                  <a:alpha val="0"/>
+                </a:srgbClr>
+              </a:clrTo>
+            </a:clrChange>
+            <a:duotone>
+              <a:schemeClr val="accent6">
+                <a:shade val="45000"/>
+                <a:satMod val="135000"/>
+              </a:schemeClr>
+              <a:prstClr val="white"/>
+            </a:duotone>
+            <a:extLst>
+              <a:ext uri="{28A0092B-C50C-407E-A947-70E740481C1C}">
+                <a14:useLocalDpi xmlns:a14="http://schemas.microsoft.com/office/drawing/2010/main" val="0"/>
+              </a:ext>
+            </a:extLst>
+          </a:blip>
+          <a:srcRect/>
+          <a:stretch>
+            <a:fillRect/>
+          </a:stretch>
+        </p:blipFill>
+        <p:spPr bwMode="auto">
+          <a:xfrm>
+            <a:off x="5129166" y="2999165"/>
+            <a:ext cx="533400" cy="355600"/>
+          </a:xfrm>
+          <a:prstGeom prst="rect">
+            <a:avLst/>
+          </a:prstGeom>
+          <a:noFill/>
+          <a:extLst>
+            <a:ext uri="{909E8E84-426E-40DD-AFC4-6F175D3DCCD1}">
+              <a14:hiddenFill xmlns:a14="http://schemas.microsoft.com/office/drawing/2010/main">
+                <a:solidFill>
+                  <a:srgbClr val="FFFFFF"/>
+                </a:solidFill>
+              </a14:hiddenFill>
+            </a:ext>
+          </a:extLst>
+        </p:spPr>
+      </p:pic>
+      <p:cxnSp>
+        <p:nvCxnSpPr>
+          <p:cNvPr id="17" name="Straight Connector 16">
+            <a:extLst>
+              <a:ext uri="{FF2B5EF4-FFF2-40B4-BE49-F238E27FC236}">
+                <a16:creationId xmlns:a16="http://schemas.microsoft.com/office/drawing/2014/main" id="{9C2C375D-E76D-8B56-D0DB-48793C10D807}"/>
+              </a:ext>
+            </a:extLst>
+          </p:cNvPr>
+          <p:cNvCxnSpPr>
+            <a:cxnSpLocks/>
+          </p:cNvCxnSpPr>
+          <p:nvPr/>
+        </p:nvCxnSpPr>
+        <p:spPr>
+          <a:xfrm flipH="1">
+            <a:off x="6139576" y="3645870"/>
+            <a:ext cx="2893807" cy="0"/>
+          </a:xfrm>
+          <a:prstGeom prst="line">
+            <a:avLst/>
+          </a:prstGeom>
+          <a:ln w="12700" cap="rnd">
+            <a:solidFill>
+              <a:srgbClr val="FF0000"/>
+            </a:solidFill>
+            <a:headEnd type="triangle"/>
+            <a:tailEnd type="triangle"/>
+          </a:ln>
+        </p:spPr>
+        <p:style>
+          <a:lnRef idx="2">
+            <a:schemeClr val="accent1"/>
+          </a:lnRef>
+          <a:fillRef idx="0">
+            <a:schemeClr val="accent1"/>
+          </a:fillRef>
+          <a:effectRef idx="1">
+            <a:schemeClr val="accent1"/>
+          </a:effectRef>
+          <a:fontRef idx="minor">
+            <a:schemeClr val="tx1"/>
+          </a:fontRef>
+        </p:style>
+      </p:cxnSp>
+      <p:sp>
+        <p:nvSpPr>
+          <p:cNvPr id="18" name="Rectangle 17">
+            <a:extLst>
+              <a:ext uri="{FF2B5EF4-FFF2-40B4-BE49-F238E27FC236}">
+                <a16:creationId xmlns:a16="http://schemas.microsoft.com/office/drawing/2014/main" id="{1502C7B4-14F7-9E10-793D-A2E67A9CE3E5}"/>
+              </a:ext>
+            </a:extLst>
+          </p:cNvPr>
+          <p:cNvSpPr/>
+          <p:nvPr/>
+        </p:nvSpPr>
+        <p:spPr>
+          <a:xfrm>
+            <a:off x="6139576" y="3396127"/>
+            <a:ext cx="2784678" cy="298861"/>
+          </a:xfrm>
+          <a:prstGeom prst="rect">
+            <a:avLst/>
+          </a:prstGeom>
+          <a:noFill/>
+          <a:ln w="9525">
+            <a:noFill/>
+          </a:ln>
+        </p:spPr>
+        <p:style>
+          <a:lnRef idx="2">
+            <a:schemeClr val="accent1">
+              <a:shade val="15000"/>
+            </a:schemeClr>
+          </a:lnRef>
+          <a:fillRef idx="1">
+            <a:schemeClr val="accent1"/>
+          </a:fillRef>
+          <a:effectRef idx="0">
+            <a:schemeClr val="accent1"/>
+          </a:effectRef>
+          <a:fontRef idx="minor">
+            <a:schemeClr val="lt1"/>
+          </a:fontRef>
+        </p:style>
+        <p:txBody>
+          <a:bodyPr rtlCol="0" anchor="ctr"/>
+          <a:lstStyle/>
+          <a:p>
+            <a:r>
+              <a:rPr lang="en-US" sz="1000" dirty="0">
+                <a:solidFill>
+                  <a:srgbClr val="FF0000"/>
+                </a:solidFill>
+                <a:latin typeface="Avenir Book" panose="02000503020000020003" pitchFamily="2" charset="0"/>
+              </a:rPr>
+              <a:t>QKD protocol: establish key A-B</a:t>
+            </a:r>
+          </a:p>
+        </p:txBody>
+      </p:sp>
+      <p:cxnSp>
+        <p:nvCxnSpPr>
+          <p:cNvPr id="20" name="Straight Connector 19">
+            <a:extLst>
+              <a:ext uri="{FF2B5EF4-FFF2-40B4-BE49-F238E27FC236}">
+                <a16:creationId xmlns:a16="http://schemas.microsoft.com/office/drawing/2014/main" id="{88C95377-8ED3-4A9C-F1A5-960242EF64CA}"/>
+              </a:ext>
+            </a:extLst>
+          </p:cNvPr>
+          <p:cNvCxnSpPr>
+            <a:cxnSpLocks/>
+          </p:cNvCxnSpPr>
+          <p:nvPr/>
+        </p:nvCxnSpPr>
+        <p:spPr>
+          <a:xfrm>
+            <a:off x="6139576" y="4101038"/>
+            <a:ext cx="2893807" cy="0"/>
+          </a:xfrm>
+          <a:prstGeom prst="line">
+            <a:avLst/>
+          </a:prstGeom>
+          <a:ln w="12700" cap="rnd">
+            <a:solidFill>
+              <a:schemeClr val="tx2"/>
+            </a:solidFill>
+            <a:headEnd type="none"/>
+            <a:tailEnd type="triangle"/>
+          </a:ln>
+        </p:spPr>
+        <p:style>
+          <a:lnRef idx="2">
+            <a:schemeClr val="accent1"/>
+          </a:lnRef>
+          <a:fillRef idx="0">
+            <a:schemeClr val="accent1"/>
+          </a:fillRef>
+          <a:effectRef idx="1">
+            <a:schemeClr val="accent1"/>
+          </a:effectRef>
+          <a:fontRef idx="minor">
+            <a:schemeClr val="tx1"/>
+          </a:fontRef>
+        </p:style>
+      </p:cxnSp>
+      <p:sp>
+        <p:nvSpPr>
+          <p:cNvPr id="22" name="Rectangle 21">
+            <a:extLst>
+              <a:ext uri="{FF2B5EF4-FFF2-40B4-BE49-F238E27FC236}">
+                <a16:creationId xmlns:a16="http://schemas.microsoft.com/office/drawing/2014/main" id="{64C80C19-70E8-C253-4BEC-AA1FAF6FBF19}"/>
+              </a:ext>
+            </a:extLst>
+          </p:cNvPr>
+          <p:cNvSpPr/>
+          <p:nvPr/>
+        </p:nvSpPr>
+        <p:spPr>
+          <a:xfrm>
+            <a:off x="6111545" y="3852796"/>
+            <a:ext cx="2784678" cy="298861"/>
+          </a:xfrm>
+          <a:prstGeom prst="rect">
+            <a:avLst/>
+          </a:prstGeom>
+          <a:noFill/>
+          <a:ln w="9525">
+            <a:noFill/>
+          </a:ln>
+        </p:spPr>
+        <p:style>
+          <a:lnRef idx="2">
+            <a:schemeClr val="accent1">
+              <a:shade val="15000"/>
+            </a:schemeClr>
+          </a:lnRef>
+          <a:fillRef idx="1">
+            <a:schemeClr val="accent1"/>
+          </a:fillRef>
+          <a:effectRef idx="0">
+            <a:schemeClr val="accent1"/>
+          </a:effectRef>
+          <a:fontRef idx="minor">
+            <a:schemeClr val="lt1"/>
+          </a:fontRef>
+        </p:style>
+        <p:txBody>
+          <a:bodyPr rtlCol="0" anchor="ctr"/>
+          <a:lstStyle/>
+          <a:p>
+            <a:r>
+              <a:rPr lang="en-US" sz="1000" dirty="0">
+                <a:solidFill>
+                  <a:schemeClr val="tx1"/>
+                </a:solidFill>
+                <a:latin typeface="Avenir Book" panose="02000503020000020003" pitchFamily="2" charset="0"/>
+              </a:rPr>
+              <a:t>Relay green key encrypted with red key</a:t>
+            </a:r>
+          </a:p>
+        </p:txBody>
+      </p:sp>
+      <p:grpSp>
+        <p:nvGrpSpPr>
+          <p:cNvPr id="28" name="Group 27">
+            <a:extLst>
+              <a:ext uri="{FF2B5EF4-FFF2-40B4-BE49-F238E27FC236}">
+                <a16:creationId xmlns:a16="http://schemas.microsoft.com/office/drawing/2014/main" id="{7AAAB89B-2BCF-9D0D-4070-B2796BA1AF42}"/>
+              </a:ext>
+            </a:extLst>
+          </p:cNvPr>
+          <p:cNvGrpSpPr/>
+          <p:nvPr/>
+        </p:nvGrpSpPr>
+        <p:grpSpPr>
+          <a:xfrm>
+            <a:off x="8442105" y="3669276"/>
+            <a:ext cx="421562" cy="414659"/>
+            <a:chOff x="4964254" y="3707040"/>
+            <a:chExt cx="539816" cy="530977"/>
+          </a:xfrm>
+        </p:grpSpPr>
+        <p:sp>
+          <p:nvSpPr>
+            <p:cNvPr id="27" name="Rounded Rectangle 26">
+              <a:extLst>
+                <a:ext uri="{FF2B5EF4-FFF2-40B4-BE49-F238E27FC236}">
+                  <a16:creationId xmlns:a16="http://schemas.microsoft.com/office/drawing/2014/main" id="{3F32B746-4A4B-548D-1A43-F528F29AB687}"/>
+                </a:ext>
+              </a:extLst>
+            </p:cNvPr>
+            <p:cNvSpPr/>
+            <p:nvPr/>
+          </p:nvSpPr>
+          <p:spPr>
+            <a:xfrm>
+              <a:off x="5013336" y="3903615"/>
+              <a:ext cx="435237" cy="316113"/>
+            </a:xfrm>
+            <a:prstGeom prst="roundRect">
+              <a:avLst/>
+            </a:prstGeom>
+            <a:solidFill>
+              <a:schemeClr val="accent2">
+                <a:lumMod val="20000"/>
+                <a:lumOff val="80000"/>
+              </a:schemeClr>
+            </a:solidFill>
+            <a:ln>
+              <a:noFill/>
+            </a:ln>
+          </p:spPr>
+          <p:style>
+            <a:lnRef idx="2">
+              <a:schemeClr val="accent1">
+                <a:shade val="15000"/>
+              </a:schemeClr>
+            </a:lnRef>
+            <a:fillRef idx="1">
+              <a:schemeClr val="accent1"/>
+            </a:fillRef>
+            <a:effectRef idx="0">
+              <a:schemeClr val="accent1"/>
+            </a:effectRef>
+            <a:fontRef idx="minor">
+              <a:schemeClr val="lt1"/>
+            </a:fontRef>
+          </p:style>
+          <p:txBody>
+            <a:bodyPr rtlCol="0" anchor="ctr"/>
+            <a:lstStyle/>
+            <a:p>
+              <a:pPr algn="ctr"/>
+              <a:endParaRPr lang="en-US" dirty="0"/>
+            </a:p>
+          </p:txBody>
+        </p:sp>
+        <p:pic>
+          <p:nvPicPr>
+            <p:cNvPr id="19" name="Picture 2" descr="271,500+ Key Icon Stock Illustrations, Royalty-Free Vector ...">
+              <a:extLst>
+                <a:ext uri="{FF2B5EF4-FFF2-40B4-BE49-F238E27FC236}">
+                  <a16:creationId xmlns:a16="http://schemas.microsoft.com/office/drawing/2014/main" id="{346A9213-51BD-8792-760D-54852B1A3EDF}"/>
+                </a:ext>
+              </a:extLst>
+            </p:cNvPr>
+            <p:cNvPicPr>
+              <a:picLocks noChangeAspect="1" noChangeArrowheads="1"/>
+            </p:cNvPicPr>
+            <p:nvPr/>
+          </p:nvPicPr>
+          <p:blipFill>
+            <a:blip r:embed="rId2">
+              <a:clrChange>
+                <a:clrFrom>
+                  <a:srgbClr val="FFFFFF"/>
+                </a:clrFrom>
+                <a:clrTo>
+                  <a:srgbClr val="FFFFFF">
+                    <a:alpha val="0"/>
+                  </a:srgbClr>
+                </a:clrTo>
+              </a:clrChange>
+              <a:duotone>
+                <a:schemeClr val="accent2">
+                  <a:shade val="45000"/>
+                  <a:satMod val="135000"/>
+                </a:schemeClr>
+                <a:prstClr val="white"/>
+              </a:duotone>
+              <a:extLst>
+                <a:ext uri="{28A0092B-C50C-407E-A947-70E740481C1C}">
+                  <a14:useLocalDpi xmlns:a14="http://schemas.microsoft.com/office/drawing/2010/main" val="0"/>
+                </a:ext>
+              </a:extLst>
+            </a:blip>
+            <a:srcRect/>
+            <a:stretch>
+              <a:fillRect/>
+            </a:stretch>
+          </p:blipFill>
+          <p:spPr bwMode="auto">
+            <a:xfrm>
+              <a:off x="4964254" y="3707040"/>
+              <a:ext cx="372260" cy="248173"/>
+            </a:xfrm>
+            <a:prstGeom prst="rect">
+              <a:avLst/>
+            </a:prstGeom>
+            <a:noFill/>
+            <a:extLst>
+              <a:ext uri="{909E8E84-426E-40DD-AFC4-6F175D3DCCD1}">
+                <a14:hiddenFill xmlns:a14="http://schemas.microsoft.com/office/drawing/2010/main">
+                  <a:solidFill>
+                    <a:srgbClr val="FFFFFF"/>
+                  </a:solidFill>
+                </a14:hiddenFill>
+              </a:ext>
+            </a:extLst>
+          </p:spPr>
+        </p:pic>
+        <p:pic>
+          <p:nvPicPr>
+            <p:cNvPr id="26" name="Picture 2" descr="271,500+ Key Icon Stock Illustrations, Royalty-Free Vector ...">
+              <a:extLst>
+                <a:ext uri="{FF2B5EF4-FFF2-40B4-BE49-F238E27FC236}">
+                  <a16:creationId xmlns:a16="http://schemas.microsoft.com/office/drawing/2014/main" id="{2B578480-D86A-13B9-7DF9-EB040A836ACD}"/>
+                </a:ext>
+              </a:extLst>
+            </p:cNvPr>
+            <p:cNvPicPr>
+              <a:picLocks noChangeAspect="1" noChangeArrowheads="1"/>
+            </p:cNvPicPr>
+            <p:nvPr/>
+          </p:nvPicPr>
+          <p:blipFill>
+            <a:blip r:embed="rId2">
+              <a:clrChange>
+                <a:clrFrom>
+                  <a:srgbClr val="FFFFFF"/>
+                </a:clrFrom>
+                <a:clrTo>
+                  <a:srgbClr val="FFFFFF">
+                    <a:alpha val="0"/>
+                  </a:srgbClr>
+                </a:clrTo>
+              </a:clrChange>
+              <a:duotone>
+                <a:schemeClr val="accent6">
+                  <a:shade val="45000"/>
+                  <a:satMod val="135000"/>
+                </a:schemeClr>
+                <a:prstClr val="white"/>
+              </a:duotone>
+              <a:extLst>
+                <a:ext uri="{28A0092B-C50C-407E-A947-70E740481C1C}">
+                  <a14:useLocalDpi xmlns:a14="http://schemas.microsoft.com/office/drawing/2010/main" val="0"/>
+                </a:ext>
+              </a:extLst>
+            </a:blip>
+            <a:srcRect/>
+            <a:stretch>
+              <a:fillRect/>
+            </a:stretch>
+          </p:blipFill>
+          <p:spPr bwMode="auto">
+            <a:xfrm>
+              <a:off x="4970670" y="3882417"/>
+              <a:ext cx="533400" cy="355600"/>
+            </a:xfrm>
+            <a:prstGeom prst="rect">
+              <a:avLst/>
+            </a:prstGeom>
+            <a:noFill/>
+            <a:extLst>
+              <a:ext uri="{909E8E84-426E-40DD-AFC4-6F175D3DCCD1}">
+                <a14:hiddenFill xmlns:a14="http://schemas.microsoft.com/office/drawing/2010/main">
+                  <a:solidFill>
+                    <a:srgbClr val="FFFFFF"/>
+                  </a:solidFill>
+                </a14:hiddenFill>
+              </a:ext>
+            </a:extLst>
+          </p:spPr>
+        </p:pic>
+      </p:grpSp>
+      <p:pic>
+        <p:nvPicPr>
+          <p:cNvPr id="29" name="Picture 2" descr="271,500+ Key Icon Stock Illustrations, Royalty-Free Vector ...">
+            <a:extLst>
+              <a:ext uri="{FF2B5EF4-FFF2-40B4-BE49-F238E27FC236}">
+                <a16:creationId xmlns:a16="http://schemas.microsoft.com/office/drawing/2014/main" id="{A14FEEB5-3EAE-FCC8-C4FF-FBE98B86BDC3}"/>
+              </a:ext>
+            </a:extLst>
+          </p:cNvPr>
+          <p:cNvPicPr>
+            <a:picLocks noChangeAspect="1" noChangeArrowheads="1"/>
+          </p:cNvPicPr>
+          <p:nvPr/>
+        </p:nvPicPr>
+        <p:blipFill>
+          <a:blip r:embed="rId2">
+            <a:clrChange>
+              <a:clrFrom>
+                <a:srgbClr val="FFFFFF"/>
+              </a:clrFrom>
+              <a:clrTo>
+                <a:srgbClr val="FFFFFF">
+                  <a:alpha val="0"/>
+                </a:srgbClr>
+              </a:clrTo>
+            </a:clrChange>
+            <a:duotone>
+              <a:schemeClr val="accent2">
+                <a:shade val="45000"/>
+                <a:satMod val="135000"/>
+              </a:schemeClr>
+              <a:prstClr val="white"/>
+            </a:duotone>
+            <a:extLst>
+              <a:ext uri="{28A0092B-C50C-407E-A947-70E740481C1C}">
+                <a14:useLocalDpi xmlns:a14="http://schemas.microsoft.com/office/drawing/2010/main" val="0"/>
+              </a:ext>
+            </a:extLst>
+          </a:blip>
+          <a:srcRect/>
+          <a:stretch>
+            <a:fillRect/>
+          </a:stretch>
+        </p:blipFill>
+        <p:spPr bwMode="auto">
+          <a:xfrm>
+            <a:off x="8057131" y="3330843"/>
+            <a:ext cx="533400" cy="355600"/>
+          </a:xfrm>
+          <a:prstGeom prst="rect">
+            <a:avLst/>
+          </a:prstGeom>
+          <a:noFill/>
+          <a:extLst>
+            <a:ext uri="{909E8E84-426E-40DD-AFC4-6F175D3DCCD1}">
+              <a14:hiddenFill xmlns:a14="http://schemas.microsoft.com/office/drawing/2010/main">
+                <a:solidFill>
+                  <a:srgbClr val="FFFFFF"/>
+                </a:solidFill>
+              </a14:hiddenFill>
+            </a:ext>
+          </a:extLst>
+        </p:spPr>
+      </p:pic>
+      <p:sp>
+        <p:nvSpPr>
+          <p:cNvPr id="30" name="Rectangle 29">
+            <a:extLst>
+              <a:ext uri="{FF2B5EF4-FFF2-40B4-BE49-F238E27FC236}">
+                <a16:creationId xmlns:a16="http://schemas.microsoft.com/office/drawing/2014/main" id="{BDB61D42-CFB9-10CC-06B8-CC9CE3C2504A}"/>
+              </a:ext>
+            </a:extLst>
+          </p:cNvPr>
+          <p:cNvSpPr/>
+          <p:nvPr/>
+        </p:nvSpPr>
+        <p:spPr>
+          <a:xfrm>
+            <a:off x="575426" y="2075934"/>
+            <a:ext cx="11045074" cy="2545493"/>
+          </a:xfrm>
+          <a:prstGeom prst="rect">
+            <a:avLst/>
+          </a:prstGeom>
+          <a:noFill/>
+          <a:ln w="9525">
+            <a:solidFill>
+              <a:schemeClr val="bg1">
+                <a:lumMod val="65000"/>
+              </a:schemeClr>
+            </a:solidFill>
+          </a:ln>
+        </p:spPr>
+        <p:style>
+          <a:lnRef idx="2">
+            <a:schemeClr val="accent1">
+              <a:shade val="15000"/>
+            </a:schemeClr>
+          </a:lnRef>
+          <a:fillRef idx="1">
+            <a:schemeClr val="accent1"/>
+          </a:fillRef>
+          <a:effectRef idx="0">
+            <a:schemeClr val="accent1"/>
+          </a:effectRef>
+          <a:fontRef idx="minor">
+            <a:schemeClr val="lt1"/>
+          </a:fontRef>
+        </p:style>
+        <p:txBody>
+          <a:bodyPr rtlCol="0" anchor="ctr"/>
+          <a:lstStyle/>
+          <a:p>
+            <a:pPr algn="ctr"/>
+            <a:endParaRPr lang="en-US" sz="1000" dirty="0">
+              <a:solidFill>
+                <a:schemeClr val="tx1"/>
+              </a:solidFill>
+              <a:latin typeface="Avenir Book" panose="02000503020000020003" pitchFamily="2" charset="0"/>
+            </a:endParaRPr>
+          </a:p>
+        </p:txBody>
+      </p:sp>
+    </p:spTree>
+    <p:extLst>
+      <p:ext uri="{BB962C8B-B14F-4D97-AF65-F5344CB8AC3E}">
+        <p14:creationId xmlns:p14="http://schemas.microsoft.com/office/powerpoint/2010/main" val="4268027573"/>
+      </p:ext>
+    </p:extLst>
+  </p:cSld>
+  <p:clrMapOvr>
+    <a:masterClrMapping/>
+  </p:clrMapOvr>
+</p:sld>
+</file>
+
+<file path=ppt/slides/slide8.xml><?xml version="1.0" encoding="utf-8"?>
 <p:sld xmlns:a="http://schemas.openxmlformats.org/drawingml/2006/main" xmlns:r="http://schemas.openxmlformats.org/officeDocument/2006/relationships" xmlns:p="http://schemas.openxmlformats.org/presentationml/2006/main">
   <p:cSld>
     <p:spTree>
@@ -18672,7 +21999,7 @@
 </p:sld>
 </file>
 
-<file path=ppt/slides/slide8.xml><?xml version="1.0" encoding="utf-8"?>
+<file path=ppt/slides/slide9.xml><?xml version="1.0" encoding="utf-8"?>
 <p:sld xmlns:a="http://schemas.openxmlformats.org/drawingml/2006/main" xmlns:r="http://schemas.openxmlformats.org/officeDocument/2006/relationships" xmlns:p="http://schemas.openxmlformats.org/presentationml/2006/main">
   <p:cSld>
     <p:spTree>
@@ -19954,12 +23281,11 @@
           <a:prstGeom prst="line">
             <a:avLst/>
           </a:prstGeom>
-          <a:ln w="9525">
+          <a:ln w="9525" cap="rnd">
             <a:solidFill>
-              <a:schemeClr val="accent6">
-                <a:lumMod val="75000"/>
-              </a:schemeClr>
+              <a:schemeClr val="accent5"/>
             </a:solidFill>
+            <a:prstDash val="dash"/>
             <a:headEnd type="triangle"/>
           </a:ln>
         </p:spPr>
@@ -20026,7 +23352,7 @@
             <a:r>
               <a:rPr lang="en-US" sz="1000" dirty="0">
                 <a:solidFill>
-                  <a:schemeClr val="accent6">
+                  <a:schemeClr val="accent5">
                     <a:lumMod val="75000"/>
                   </a:schemeClr>
                 </a:solidFill>
@@ -20525,925 +23851,6 @@
     <p:extLst>
       <p:ext uri="{BB962C8B-B14F-4D97-AF65-F5344CB8AC3E}">
         <p14:creationId xmlns:p14="http://schemas.microsoft.com/office/powerpoint/2010/main" val="1266981807"/>
-      </p:ext>
-    </p:extLst>
-  </p:cSld>
-  <p:clrMapOvr>
-    <a:masterClrMapping/>
-  </p:clrMapOvr>
-</p:sld>
-</file>
-
-<file path=ppt/slides/slide9.xml><?xml version="1.0" encoding="utf-8"?>
-<p:sld xmlns:a="http://schemas.openxmlformats.org/drawingml/2006/main" xmlns:r="http://schemas.openxmlformats.org/officeDocument/2006/relationships" xmlns:p="http://schemas.openxmlformats.org/presentationml/2006/main">
-  <p:cSld>
-    <p:spTree>
-      <p:nvGrpSpPr>
-        <p:cNvPr id="1" name=""/>
-        <p:cNvGrpSpPr/>
-        <p:nvPr/>
-      </p:nvGrpSpPr>
-      <p:grpSpPr>
-        <a:xfrm>
-          <a:off x="0" y="0"/>
-          <a:ext cx="0" cy="0"/>
-          <a:chOff x="0" y="0"/>
-          <a:chExt cx="0" cy="0"/>
-        </a:xfrm>
-      </p:grpSpPr>
-      <p:sp>
-        <p:nvSpPr>
-          <p:cNvPr id="3" name="Rounded Rectangle 2">
-            <a:extLst>
-              <a:ext uri="{FF2B5EF4-FFF2-40B4-BE49-F238E27FC236}">
-                <a16:creationId xmlns:a16="http://schemas.microsoft.com/office/drawing/2014/main" id="{F26A96ED-63E6-A490-6410-9F80A30DEE6E}"/>
-              </a:ext>
-            </a:extLst>
-          </p:cNvPr>
-          <p:cNvSpPr/>
-          <p:nvPr/>
-        </p:nvSpPr>
-        <p:spPr>
-          <a:xfrm>
-            <a:off x="5228700" y="1813192"/>
-            <a:ext cx="1740665" cy="705080"/>
-          </a:xfrm>
-          <a:prstGeom prst="roundRect">
-            <a:avLst/>
-          </a:prstGeom>
-          <a:solidFill>
-            <a:schemeClr val="tx2">
-              <a:lumMod val="10000"/>
-              <a:lumOff val="90000"/>
-            </a:schemeClr>
-          </a:solidFill>
-          <a:ln w="6350"/>
-        </p:spPr>
-        <p:style>
-          <a:lnRef idx="2">
-            <a:schemeClr val="accent1">
-              <a:shade val="15000"/>
-            </a:schemeClr>
-          </a:lnRef>
-          <a:fillRef idx="1">
-            <a:schemeClr val="accent1"/>
-          </a:fillRef>
-          <a:effectRef idx="0">
-            <a:schemeClr val="accent1"/>
-          </a:effectRef>
-          <a:fontRef idx="minor">
-            <a:schemeClr val="lt1"/>
-          </a:fontRef>
-        </p:style>
-        <p:txBody>
-          <a:bodyPr lIns="0" tIns="0" rIns="0" bIns="0" rtlCol="0" anchor="ctr"/>
-          <a:lstStyle/>
-          <a:p>
-            <a:pPr algn="ctr"/>
-            <a:r>
-              <a:rPr lang="en-US" sz="1200" b="1" dirty="0">
-                <a:solidFill>
-                  <a:schemeClr val="tx1"/>
-                </a:solidFill>
-                <a:latin typeface="AVENIR LIGHT OBLIQUE" panose="020B0402020203090204" pitchFamily="34" charset="77"/>
-              </a:rPr>
-              <a:t>Unallocated</a:t>
-            </a:r>
-          </a:p>
-          <a:p>
-            <a:pPr algn="ctr"/>
-            <a:r>
-              <a:rPr lang="en-US" sz="1000" dirty="0">
-                <a:solidFill>
-                  <a:schemeClr val="tx1"/>
-                </a:solidFill>
-                <a:latin typeface="AVENIR LIGHT OBLIQUE" panose="020B0402020203090204" pitchFamily="34" charset="77"/>
-              </a:rPr>
-              <a:t>allocated = false</a:t>
-            </a:r>
-          </a:p>
-          <a:p>
-            <a:pPr algn="ctr"/>
-            <a:r>
-              <a:rPr lang="en-US" sz="1000" dirty="0">
-                <a:solidFill>
-                  <a:schemeClr val="tx1"/>
-                </a:solidFill>
-                <a:latin typeface="AVENIR LIGHT OBLIQUE" panose="020B0402020203090204" pitchFamily="34" charset="77"/>
-              </a:rPr>
-              <a:t>consumed = false</a:t>
-            </a:r>
-          </a:p>
-          <a:p>
-            <a:pPr algn="ctr"/>
-            <a:r>
-              <a:rPr lang="en-US" sz="1000" dirty="0">
-                <a:solidFill>
-                  <a:schemeClr val="tx1"/>
-                </a:solidFill>
-                <a:latin typeface="AVENIR LIGHT OBLIQUE" panose="020B0402020203090204" pitchFamily="34" charset="77"/>
-              </a:rPr>
-              <a:t>value = set</a:t>
-            </a:r>
-          </a:p>
-        </p:txBody>
-      </p:sp>
-      <p:sp>
-        <p:nvSpPr>
-          <p:cNvPr id="4" name="Rounded Rectangle 3">
-            <a:extLst>
-              <a:ext uri="{FF2B5EF4-FFF2-40B4-BE49-F238E27FC236}">
-                <a16:creationId xmlns:a16="http://schemas.microsoft.com/office/drawing/2014/main" id="{0B5E81F6-80F2-4496-D4B1-E97229DF8C61}"/>
-              </a:ext>
-            </a:extLst>
-          </p:cNvPr>
-          <p:cNvSpPr/>
-          <p:nvPr/>
-        </p:nvSpPr>
-        <p:spPr>
-          <a:xfrm>
-            <a:off x="5228700" y="3067279"/>
-            <a:ext cx="1740665" cy="705080"/>
-          </a:xfrm>
-          <a:prstGeom prst="roundRect">
-            <a:avLst/>
-          </a:prstGeom>
-          <a:solidFill>
-            <a:schemeClr val="tx2">
-              <a:lumMod val="10000"/>
-              <a:lumOff val="90000"/>
-            </a:schemeClr>
-          </a:solidFill>
-          <a:ln w="6350"/>
-        </p:spPr>
-        <p:style>
-          <a:lnRef idx="2">
-            <a:schemeClr val="accent1">
-              <a:shade val="15000"/>
-            </a:schemeClr>
-          </a:lnRef>
-          <a:fillRef idx="1">
-            <a:schemeClr val="accent1"/>
-          </a:fillRef>
-          <a:effectRef idx="0">
-            <a:schemeClr val="accent1"/>
-          </a:effectRef>
-          <a:fontRef idx="minor">
-            <a:schemeClr val="lt1"/>
-          </a:fontRef>
-        </p:style>
-        <p:txBody>
-          <a:bodyPr lIns="0" tIns="0" rIns="0" bIns="0" rtlCol="0" anchor="ctr"/>
-          <a:lstStyle/>
-          <a:p>
-            <a:pPr algn="ctr"/>
-            <a:r>
-              <a:rPr lang="en-US" sz="1200" b="1" dirty="0">
-                <a:solidFill>
-                  <a:schemeClr val="tx1"/>
-                </a:solidFill>
-                <a:latin typeface="AVENIR LIGHT OBLIQUE" panose="020B0402020203090204" pitchFamily="34" charset="77"/>
-              </a:rPr>
-              <a:t>Allocated</a:t>
-            </a:r>
-          </a:p>
-          <a:p>
-            <a:pPr algn="ctr"/>
-            <a:r>
-              <a:rPr lang="en-US" sz="1000" dirty="0">
-                <a:solidFill>
-                  <a:schemeClr val="tx1"/>
-                </a:solidFill>
-                <a:latin typeface="AVENIR LIGHT OBLIQUE" panose="020B0402020203090204" pitchFamily="34" charset="77"/>
-              </a:rPr>
-              <a:t>allocated = true</a:t>
-            </a:r>
-          </a:p>
-          <a:p>
-            <a:pPr algn="ctr"/>
-            <a:r>
-              <a:rPr lang="en-US" sz="1000" dirty="0">
-                <a:solidFill>
-                  <a:schemeClr val="tx1"/>
-                </a:solidFill>
-                <a:latin typeface="AVENIR LIGHT OBLIQUE" panose="020B0402020203090204" pitchFamily="34" charset="77"/>
-              </a:rPr>
-              <a:t>consumed = false</a:t>
-            </a:r>
-          </a:p>
-          <a:p>
-            <a:pPr algn="ctr"/>
-            <a:r>
-              <a:rPr lang="en-US" sz="1000" dirty="0">
-                <a:solidFill>
-                  <a:schemeClr val="tx1"/>
-                </a:solidFill>
-                <a:latin typeface="AVENIR LIGHT OBLIQUE" panose="020B0402020203090204" pitchFamily="34" charset="77"/>
-              </a:rPr>
-              <a:t>value = set</a:t>
-            </a:r>
-          </a:p>
-        </p:txBody>
-      </p:sp>
-      <p:sp>
-        <p:nvSpPr>
-          <p:cNvPr id="5" name="Rounded Rectangle 4">
-            <a:extLst>
-              <a:ext uri="{FF2B5EF4-FFF2-40B4-BE49-F238E27FC236}">
-                <a16:creationId xmlns:a16="http://schemas.microsoft.com/office/drawing/2014/main" id="{F99B66DA-E942-00CE-0484-74EC252B1978}"/>
-              </a:ext>
-            </a:extLst>
-          </p:cNvPr>
-          <p:cNvSpPr/>
-          <p:nvPr/>
-        </p:nvSpPr>
-        <p:spPr>
-          <a:xfrm>
-            <a:off x="5228700" y="4321366"/>
-            <a:ext cx="1740665" cy="705080"/>
-          </a:xfrm>
-          <a:prstGeom prst="roundRect">
-            <a:avLst/>
-          </a:prstGeom>
-          <a:solidFill>
-            <a:schemeClr val="tx2">
-              <a:lumMod val="10000"/>
-              <a:lumOff val="90000"/>
-            </a:schemeClr>
-          </a:solidFill>
-          <a:ln w="6350"/>
-        </p:spPr>
-        <p:style>
-          <a:lnRef idx="2">
-            <a:schemeClr val="accent1">
-              <a:shade val="15000"/>
-            </a:schemeClr>
-          </a:lnRef>
-          <a:fillRef idx="1">
-            <a:schemeClr val="accent1"/>
-          </a:fillRef>
-          <a:effectRef idx="0">
-            <a:schemeClr val="accent1"/>
-          </a:effectRef>
-          <a:fontRef idx="minor">
-            <a:schemeClr val="lt1"/>
-          </a:fontRef>
-        </p:style>
-        <p:txBody>
-          <a:bodyPr lIns="0" tIns="0" rIns="0" bIns="0" rtlCol="0" anchor="ctr"/>
-          <a:lstStyle/>
-          <a:p>
-            <a:pPr algn="ctr"/>
-            <a:r>
-              <a:rPr lang="en-US" sz="1200" b="1" dirty="0">
-                <a:solidFill>
-                  <a:schemeClr val="tx1"/>
-                </a:solidFill>
-                <a:latin typeface="AVENIR LIGHT OBLIQUE" panose="020B0402020203090204" pitchFamily="34" charset="77"/>
-              </a:rPr>
-              <a:t>Consumed</a:t>
-            </a:r>
-          </a:p>
-          <a:p>
-            <a:pPr algn="ctr"/>
-            <a:r>
-              <a:rPr lang="en-US" sz="1000" dirty="0">
-                <a:solidFill>
-                  <a:schemeClr val="tx1"/>
-                </a:solidFill>
-                <a:latin typeface="AVENIR LIGHT OBLIQUE" panose="020B0402020203090204" pitchFamily="34" charset="77"/>
-              </a:rPr>
-              <a:t>allocated = true</a:t>
-            </a:r>
-          </a:p>
-          <a:p>
-            <a:pPr algn="ctr"/>
-            <a:r>
-              <a:rPr lang="en-US" sz="1000" dirty="0">
-                <a:solidFill>
-                  <a:schemeClr val="tx1"/>
-                </a:solidFill>
-                <a:latin typeface="AVENIR LIGHT OBLIQUE" panose="020B0402020203090204" pitchFamily="34" charset="77"/>
-              </a:rPr>
-              <a:t>consumed = true</a:t>
-            </a:r>
-          </a:p>
-          <a:p>
-            <a:pPr algn="ctr"/>
-            <a:r>
-              <a:rPr lang="en-US" sz="1000" dirty="0">
-                <a:solidFill>
-                  <a:schemeClr val="tx1"/>
-                </a:solidFill>
-                <a:latin typeface="AVENIR LIGHT OBLIQUE" panose="020B0402020203090204" pitchFamily="34" charset="77"/>
-              </a:rPr>
-              <a:t>value = zeroed</a:t>
-            </a:r>
-          </a:p>
-        </p:txBody>
-      </p:sp>
-      <p:cxnSp>
-        <p:nvCxnSpPr>
-          <p:cNvPr id="6" name="Straight Connector 5">
-            <a:extLst>
-              <a:ext uri="{FF2B5EF4-FFF2-40B4-BE49-F238E27FC236}">
-                <a16:creationId xmlns:a16="http://schemas.microsoft.com/office/drawing/2014/main" id="{286CC8BF-C6C4-8016-25A7-0F58B65B5A82}"/>
-              </a:ext>
-            </a:extLst>
-          </p:cNvPr>
-          <p:cNvCxnSpPr>
-            <a:cxnSpLocks/>
-            <a:stCxn id="5" idx="0"/>
-            <a:endCxn id="4" idx="2"/>
-          </p:cNvCxnSpPr>
-          <p:nvPr/>
-        </p:nvCxnSpPr>
-        <p:spPr>
-          <a:xfrm flipV="1">
-            <a:off x="6099033" y="3772359"/>
-            <a:ext cx="0" cy="549007"/>
-          </a:xfrm>
-          <a:prstGeom prst="line">
-            <a:avLst/>
-          </a:prstGeom>
-          <a:ln w="9525">
-            <a:solidFill>
-              <a:schemeClr val="tx1"/>
-            </a:solidFill>
-            <a:headEnd type="triangle" w="lg" len="lg"/>
-          </a:ln>
-        </p:spPr>
-        <p:style>
-          <a:lnRef idx="2">
-            <a:schemeClr val="accent1"/>
-          </a:lnRef>
-          <a:fillRef idx="0">
-            <a:schemeClr val="accent1"/>
-          </a:fillRef>
-          <a:effectRef idx="1">
-            <a:schemeClr val="accent1"/>
-          </a:effectRef>
-          <a:fontRef idx="minor">
-            <a:schemeClr val="tx1"/>
-          </a:fontRef>
-        </p:style>
-      </p:cxnSp>
-      <p:cxnSp>
-        <p:nvCxnSpPr>
-          <p:cNvPr id="10" name="Straight Connector 9">
-            <a:extLst>
-              <a:ext uri="{FF2B5EF4-FFF2-40B4-BE49-F238E27FC236}">
-                <a16:creationId xmlns:a16="http://schemas.microsoft.com/office/drawing/2014/main" id="{D1C3D2D7-B45E-03F7-801A-3111052DAB30}"/>
-              </a:ext>
-            </a:extLst>
-          </p:cNvPr>
-          <p:cNvCxnSpPr>
-            <a:cxnSpLocks/>
-          </p:cNvCxnSpPr>
-          <p:nvPr/>
-        </p:nvCxnSpPr>
-        <p:spPr>
-          <a:xfrm flipV="1">
-            <a:off x="5726778" y="2518272"/>
-            <a:ext cx="0" cy="549007"/>
-          </a:xfrm>
-          <a:prstGeom prst="line">
-            <a:avLst/>
-          </a:prstGeom>
-          <a:ln w="9525">
-            <a:solidFill>
-              <a:schemeClr val="tx1"/>
-            </a:solidFill>
-            <a:headEnd type="triangle" w="lg" len="lg"/>
-          </a:ln>
-        </p:spPr>
-        <p:style>
-          <a:lnRef idx="2">
-            <a:schemeClr val="accent1"/>
-          </a:lnRef>
-          <a:fillRef idx="0">
-            <a:schemeClr val="accent1"/>
-          </a:fillRef>
-          <a:effectRef idx="1">
-            <a:schemeClr val="accent1"/>
-          </a:effectRef>
-          <a:fontRef idx="minor">
-            <a:schemeClr val="tx1"/>
-          </a:fontRef>
-        </p:style>
-      </p:cxnSp>
-      <p:cxnSp>
-        <p:nvCxnSpPr>
-          <p:cNvPr id="11" name="Straight Connector 10">
-            <a:extLst>
-              <a:ext uri="{FF2B5EF4-FFF2-40B4-BE49-F238E27FC236}">
-                <a16:creationId xmlns:a16="http://schemas.microsoft.com/office/drawing/2014/main" id="{840E2CDB-087F-6C52-33A2-94A1CDE8A89B}"/>
-              </a:ext>
-            </a:extLst>
-          </p:cNvPr>
-          <p:cNvCxnSpPr>
-            <a:cxnSpLocks/>
-          </p:cNvCxnSpPr>
-          <p:nvPr/>
-        </p:nvCxnSpPr>
-        <p:spPr>
-          <a:xfrm>
-            <a:off x="6488296" y="2518272"/>
-            <a:ext cx="0" cy="549007"/>
-          </a:xfrm>
-          <a:prstGeom prst="line">
-            <a:avLst/>
-          </a:prstGeom>
-          <a:ln w="9525">
-            <a:solidFill>
-              <a:schemeClr val="tx1"/>
-            </a:solidFill>
-            <a:headEnd type="triangle" w="lg" len="lg"/>
-          </a:ln>
-        </p:spPr>
-        <p:style>
-          <a:lnRef idx="2">
-            <a:schemeClr val="accent1"/>
-          </a:lnRef>
-          <a:fillRef idx="0">
-            <a:schemeClr val="accent1"/>
-          </a:fillRef>
-          <a:effectRef idx="1">
-            <a:schemeClr val="accent1"/>
-          </a:effectRef>
-          <a:fontRef idx="minor">
-            <a:schemeClr val="tx1"/>
-          </a:fontRef>
-        </p:style>
-      </p:cxnSp>
-      <p:sp>
-        <p:nvSpPr>
-          <p:cNvPr id="13" name="Rectangle 12">
-            <a:extLst>
-              <a:ext uri="{FF2B5EF4-FFF2-40B4-BE49-F238E27FC236}">
-                <a16:creationId xmlns:a16="http://schemas.microsoft.com/office/drawing/2014/main" id="{B21FCA3F-A87E-3004-8D4D-9BC420CA6C38}"/>
-              </a:ext>
-            </a:extLst>
-          </p:cNvPr>
-          <p:cNvSpPr/>
-          <p:nvPr/>
-        </p:nvSpPr>
-        <p:spPr>
-          <a:xfrm>
-            <a:off x="6602105" y="2597902"/>
-            <a:ext cx="1090393" cy="389745"/>
-          </a:xfrm>
-          <a:prstGeom prst="rect">
-            <a:avLst/>
-          </a:prstGeom>
-          <a:noFill/>
-          <a:ln w="6350">
-            <a:noFill/>
-          </a:ln>
-        </p:spPr>
-        <p:style>
-          <a:lnRef idx="2">
-            <a:schemeClr val="accent1">
-              <a:shade val="15000"/>
-            </a:schemeClr>
-          </a:lnRef>
-          <a:fillRef idx="1">
-            <a:schemeClr val="accent1"/>
-          </a:fillRef>
-          <a:effectRef idx="0">
-            <a:schemeClr val="accent1"/>
-          </a:effectRef>
-          <a:fontRef idx="minor">
-            <a:schemeClr val="lt1"/>
-          </a:fontRef>
-        </p:style>
-        <p:txBody>
-          <a:bodyPr lIns="0" tIns="0" rIns="0" bIns="0" rtlCol="0" anchor="ctr"/>
-          <a:lstStyle/>
-          <a:p>
-            <a:r>
-              <a:rPr lang="en-US" sz="1200" b="1" dirty="0">
-                <a:solidFill>
-                  <a:schemeClr val="tx1"/>
-                </a:solidFill>
-                <a:latin typeface="AVENIR LIGHT OBLIQUE" panose="020B0402020203090204" pitchFamily="34" charset="77"/>
-              </a:rPr>
-              <a:t>Deallocate</a:t>
-            </a:r>
-          </a:p>
-        </p:txBody>
-      </p:sp>
-      <p:sp>
-        <p:nvSpPr>
-          <p:cNvPr id="14" name="Rectangle 13">
-            <a:extLst>
-              <a:ext uri="{FF2B5EF4-FFF2-40B4-BE49-F238E27FC236}">
-                <a16:creationId xmlns:a16="http://schemas.microsoft.com/office/drawing/2014/main" id="{E94D85FE-7FD1-E66D-BA1D-2DC630AA32B4}"/>
-              </a:ext>
-            </a:extLst>
-          </p:cNvPr>
-          <p:cNvSpPr/>
-          <p:nvPr/>
-        </p:nvSpPr>
-        <p:spPr>
-          <a:xfrm>
-            <a:off x="4477658" y="2597901"/>
-            <a:ext cx="1090393" cy="389745"/>
-          </a:xfrm>
-          <a:prstGeom prst="rect">
-            <a:avLst/>
-          </a:prstGeom>
-          <a:noFill/>
-          <a:ln w="6350">
-            <a:noFill/>
-          </a:ln>
-        </p:spPr>
-        <p:style>
-          <a:lnRef idx="2">
-            <a:schemeClr val="accent1">
-              <a:shade val="15000"/>
-            </a:schemeClr>
-          </a:lnRef>
-          <a:fillRef idx="1">
-            <a:schemeClr val="accent1"/>
-          </a:fillRef>
-          <a:effectRef idx="0">
-            <a:schemeClr val="accent1"/>
-          </a:effectRef>
-          <a:fontRef idx="minor">
-            <a:schemeClr val="lt1"/>
-          </a:fontRef>
-        </p:style>
-        <p:txBody>
-          <a:bodyPr lIns="0" tIns="0" rIns="0" bIns="0" rtlCol="0" anchor="ctr"/>
-          <a:lstStyle/>
-          <a:p>
-            <a:pPr algn="r"/>
-            <a:r>
-              <a:rPr lang="en-US" sz="1200" b="1" dirty="0">
-                <a:solidFill>
-                  <a:schemeClr val="tx1"/>
-                </a:solidFill>
-                <a:latin typeface="AVENIR LIGHT OBLIQUE" panose="020B0402020203090204" pitchFamily="34" charset="77"/>
-              </a:rPr>
-              <a:t>Allocate</a:t>
-            </a:r>
-          </a:p>
-        </p:txBody>
-      </p:sp>
-      <p:sp>
-        <p:nvSpPr>
-          <p:cNvPr id="16" name="Rectangle 15">
-            <a:extLst>
-              <a:ext uri="{FF2B5EF4-FFF2-40B4-BE49-F238E27FC236}">
-                <a16:creationId xmlns:a16="http://schemas.microsoft.com/office/drawing/2014/main" id="{B61EC95D-DF99-9AF9-0A03-4597516C6D99}"/>
-              </a:ext>
-            </a:extLst>
-          </p:cNvPr>
-          <p:cNvSpPr/>
-          <p:nvPr/>
-        </p:nvSpPr>
-        <p:spPr>
-          <a:xfrm>
-            <a:off x="6214859" y="3849985"/>
-            <a:ext cx="1090393" cy="389745"/>
-          </a:xfrm>
-          <a:prstGeom prst="rect">
-            <a:avLst/>
-          </a:prstGeom>
-          <a:noFill/>
-          <a:ln w="6350">
-            <a:noFill/>
-          </a:ln>
-        </p:spPr>
-        <p:style>
-          <a:lnRef idx="2">
-            <a:schemeClr val="accent1">
-              <a:shade val="15000"/>
-            </a:schemeClr>
-          </a:lnRef>
-          <a:fillRef idx="1">
-            <a:schemeClr val="accent1"/>
-          </a:fillRef>
-          <a:effectRef idx="0">
-            <a:schemeClr val="accent1"/>
-          </a:effectRef>
-          <a:fontRef idx="minor">
-            <a:schemeClr val="lt1"/>
-          </a:fontRef>
-        </p:style>
-        <p:txBody>
-          <a:bodyPr lIns="0" tIns="0" rIns="0" bIns="0" rtlCol="0" anchor="ctr"/>
-          <a:lstStyle/>
-          <a:p>
-            <a:r>
-              <a:rPr lang="en-US" sz="1200" b="1" dirty="0">
-                <a:solidFill>
-                  <a:schemeClr val="tx1"/>
-                </a:solidFill>
-                <a:latin typeface="AVENIR LIGHT OBLIQUE" panose="020B0402020203090204" pitchFamily="34" charset="77"/>
-              </a:rPr>
-              <a:t>Consume</a:t>
-            </a:r>
-          </a:p>
-        </p:txBody>
-      </p:sp>
-      <p:sp>
-        <p:nvSpPr>
-          <p:cNvPr id="17" name="Rectangle 16">
-            <a:extLst>
-              <a:ext uri="{FF2B5EF4-FFF2-40B4-BE49-F238E27FC236}">
-                <a16:creationId xmlns:a16="http://schemas.microsoft.com/office/drawing/2014/main" id="{6263D0AF-51DC-EAF7-DE8F-DF05414A7A74}"/>
-              </a:ext>
-            </a:extLst>
-          </p:cNvPr>
-          <p:cNvSpPr/>
-          <p:nvPr/>
-        </p:nvSpPr>
-        <p:spPr>
-          <a:xfrm>
-            <a:off x="573463" y="1573491"/>
-            <a:ext cx="11045074" cy="3711017"/>
-          </a:xfrm>
-          <a:prstGeom prst="rect">
-            <a:avLst/>
-          </a:prstGeom>
-          <a:noFill/>
-          <a:ln w="9525">
-            <a:solidFill>
-              <a:schemeClr val="bg1">
-                <a:lumMod val="65000"/>
-              </a:schemeClr>
-            </a:solidFill>
-          </a:ln>
-        </p:spPr>
-        <p:style>
-          <a:lnRef idx="2">
-            <a:schemeClr val="accent1">
-              <a:shade val="15000"/>
-            </a:schemeClr>
-          </a:lnRef>
-          <a:fillRef idx="1">
-            <a:schemeClr val="accent1"/>
-          </a:fillRef>
-          <a:effectRef idx="0">
-            <a:schemeClr val="accent1"/>
-          </a:effectRef>
-          <a:fontRef idx="minor">
-            <a:schemeClr val="lt1"/>
-          </a:fontRef>
-        </p:style>
-        <p:txBody>
-          <a:bodyPr rtlCol="0" anchor="ctr"/>
-          <a:lstStyle/>
-          <a:p>
-            <a:pPr algn="ctr"/>
-            <a:endParaRPr lang="en-US" sz="1000" dirty="0">
-              <a:solidFill>
-                <a:schemeClr val="tx1"/>
-              </a:solidFill>
-              <a:latin typeface="Avenir Book" panose="02000503020000020003" pitchFamily="2" charset="0"/>
-            </a:endParaRPr>
-          </a:p>
-        </p:txBody>
-      </p:sp>
-      <p:cxnSp>
-        <p:nvCxnSpPr>
-          <p:cNvPr id="2" name="Straight Connector 1">
-            <a:extLst>
-              <a:ext uri="{FF2B5EF4-FFF2-40B4-BE49-F238E27FC236}">
-                <a16:creationId xmlns:a16="http://schemas.microsoft.com/office/drawing/2014/main" id="{ED4B9408-F0C2-B5FD-7CB1-0F8EC95E85E0}"/>
-              </a:ext>
-            </a:extLst>
-          </p:cNvPr>
-          <p:cNvCxnSpPr>
-            <a:cxnSpLocks/>
-          </p:cNvCxnSpPr>
-          <p:nvPr/>
-        </p:nvCxnSpPr>
-        <p:spPr>
-          <a:xfrm>
-            <a:off x="6969365" y="4689304"/>
-            <a:ext cx="875771" cy="0"/>
-          </a:xfrm>
-          <a:prstGeom prst="line">
-            <a:avLst/>
-          </a:prstGeom>
-          <a:ln w="9525">
-            <a:solidFill>
-              <a:schemeClr val="tx1"/>
-            </a:solidFill>
-            <a:headEnd type="triangle" w="lg" len="lg"/>
-          </a:ln>
-        </p:spPr>
-        <p:style>
-          <a:lnRef idx="2">
-            <a:schemeClr val="accent1"/>
-          </a:lnRef>
-          <a:fillRef idx="0">
-            <a:schemeClr val="accent1"/>
-          </a:fillRef>
-          <a:effectRef idx="1">
-            <a:schemeClr val="accent1"/>
-          </a:effectRef>
-          <a:fontRef idx="minor">
-            <a:schemeClr val="tx1"/>
-          </a:fontRef>
-        </p:style>
-      </p:cxnSp>
-      <p:cxnSp>
-        <p:nvCxnSpPr>
-          <p:cNvPr id="7" name="Straight Connector 6">
-            <a:extLst>
-              <a:ext uri="{FF2B5EF4-FFF2-40B4-BE49-F238E27FC236}">
-                <a16:creationId xmlns:a16="http://schemas.microsoft.com/office/drawing/2014/main" id="{292C02AE-44ED-CC6D-F507-D1C05F195F95}"/>
-              </a:ext>
-            </a:extLst>
-          </p:cNvPr>
-          <p:cNvCxnSpPr>
-            <a:cxnSpLocks/>
-          </p:cNvCxnSpPr>
-          <p:nvPr/>
-        </p:nvCxnSpPr>
-        <p:spPr>
-          <a:xfrm flipH="1">
-            <a:off x="6969365" y="2168696"/>
-            <a:ext cx="875771" cy="0"/>
-          </a:xfrm>
-          <a:prstGeom prst="line">
-            <a:avLst/>
-          </a:prstGeom>
-          <a:ln w="9525">
-            <a:solidFill>
-              <a:schemeClr val="tx1"/>
-            </a:solidFill>
-            <a:headEnd type="none" w="lg" len="lg"/>
-          </a:ln>
-        </p:spPr>
-        <p:style>
-          <a:lnRef idx="2">
-            <a:schemeClr val="accent1"/>
-          </a:lnRef>
-          <a:fillRef idx="0">
-            <a:schemeClr val="accent1"/>
-          </a:fillRef>
-          <a:effectRef idx="1">
-            <a:schemeClr val="accent1"/>
-          </a:effectRef>
-          <a:fontRef idx="minor">
-            <a:schemeClr val="tx1"/>
-          </a:fontRef>
-        </p:style>
-      </p:cxnSp>
-      <p:cxnSp>
-        <p:nvCxnSpPr>
-          <p:cNvPr id="9" name="Straight Connector 8">
-            <a:extLst>
-              <a:ext uri="{FF2B5EF4-FFF2-40B4-BE49-F238E27FC236}">
-                <a16:creationId xmlns:a16="http://schemas.microsoft.com/office/drawing/2014/main" id="{51B34769-615F-2E94-A650-D716825876F4}"/>
-              </a:ext>
-            </a:extLst>
-          </p:cNvPr>
-          <p:cNvCxnSpPr>
-            <a:cxnSpLocks/>
-          </p:cNvCxnSpPr>
-          <p:nvPr/>
-        </p:nvCxnSpPr>
-        <p:spPr>
-          <a:xfrm>
-            <a:off x="7845136" y="2168696"/>
-            <a:ext cx="0" cy="2520608"/>
-          </a:xfrm>
-          <a:prstGeom prst="line">
-            <a:avLst/>
-          </a:prstGeom>
-          <a:ln w="9525">
-            <a:solidFill>
-              <a:schemeClr val="tx1"/>
-            </a:solidFill>
-            <a:headEnd type="none" w="lg" len="lg"/>
-          </a:ln>
-        </p:spPr>
-        <p:style>
-          <a:lnRef idx="2">
-            <a:schemeClr val="accent1"/>
-          </a:lnRef>
-          <a:fillRef idx="0">
-            <a:schemeClr val="accent1"/>
-          </a:fillRef>
-          <a:effectRef idx="1">
-            <a:schemeClr val="accent1"/>
-          </a:effectRef>
-          <a:fontRef idx="minor">
-            <a:schemeClr val="tx1"/>
-          </a:fontRef>
-        </p:style>
-      </p:cxnSp>
-      <p:cxnSp>
-        <p:nvCxnSpPr>
-          <p:cNvPr id="21" name="Straight Connector 20">
-            <a:extLst>
-              <a:ext uri="{FF2B5EF4-FFF2-40B4-BE49-F238E27FC236}">
-                <a16:creationId xmlns:a16="http://schemas.microsoft.com/office/drawing/2014/main" id="{30F157EE-5EEE-875D-A0ED-9E23D9EE7C5A}"/>
-              </a:ext>
-            </a:extLst>
-          </p:cNvPr>
-          <p:cNvCxnSpPr>
-            <a:cxnSpLocks/>
-          </p:cNvCxnSpPr>
-          <p:nvPr/>
-        </p:nvCxnSpPr>
-        <p:spPr>
-          <a:xfrm flipH="1">
-            <a:off x="6969365" y="2168696"/>
-            <a:ext cx="529744" cy="0"/>
-          </a:xfrm>
-          <a:prstGeom prst="line">
-            <a:avLst/>
-          </a:prstGeom>
-          <a:ln w="9525">
-            <a:solidFill>
-              <a:schemeClr val="tx1"/>
-            </a:solidFill>
-            <a:headEnd type="none" w="lg" len="lg"/>
-          </a:ln>
-        </p:spPr>
-        <p:style>
-          <a:lnRef idx="2">
-            <a:schemeClr val="accent1"/>
-          </a:lnRef>
-          <a:fillRef idx="0">
-            <a:schemeClr val="accent1"/>
-          </a:fillRef>
-          <a:effectRef idx="1">
-            <a:schemeClr val="accent1"/>
-          </a:effectRef>
-          <a:fontRef idx="minor">
-            <a:schemeClr val="tx1"/>
-          </a:fontRef>
-        </p:style>
-      </p:cxnSp>
-      <p:sp>
-        <p:nvSpPr>
-          <p:cNvPr id="22" name="Rectangle 21">
-            <a:extLst>
-              <a:ext uri="{FF2B5EF4-FFF2-40B4-BE49-F238E27FC236}">
-                <a16:creationId xmlns:a16="http://schemas.microsoft.com/office/drawing/2014/main" id="{0F26BE90-F09A-1717-6D53-C16545A3F052}"/>
-              </a:ext>
-            </a:extLst>
-          </p:cNvPr>
-          <p:cNvSpPr/>
-          <p:nvPr/>
-        </p:nvSpPr>
-        <p:spPr>
-          <a:xfrm>
-            <a:off x="7997775" y="3224946"/>
-            <a:ext cx="1090393" cy="389745"/>
-          </a:xfrm>
-          <a:prstGeom prst="rect">
-            <a:avLst/>
-          </a:prstGeom>
-          <a:noFill/>
-          <a:ln w="6350">
-            <a:noFill/>
-          </a:ln>
-        </p:spPr>
-        <p:style>
-          <a:lnRef idx="2">
-            <a:schemeClr val="accent1">
-              <a:shade val="15000"/>
-            </a:schemeClr>
-          </a:lnRef>
-          <a:fillRef idx="1">
-            <a:schemeClr val="accent1"/>
-          </a:fillRef>
-          <a:effectRef idx="0">
-            <a:schemeClr val="accent1"/>
-          </a:effectRef>
-          <a:fontRef idx="minor">
-            <a:schemeClr val="lt1"/>
-          </a:fontRef>
-        </p:style>
-        <p:txBody>
-          <a:bodyPr lIns="0" tIns="0" rIns="0" bIns="0" rtlCol="0" anchor="ctr"/>
-          <a:lstStyle/>
-          <a:p>
-            <a:r>
-              <a:rPr lang="en-US" sz="1200" b="1" dirty="0">
-                <a:solidFill>
-                  <a:schemeClr val="tx1"/>
-                </a:solidFill>
-                <a:latin typeface="AVENIR LIGHT OBLIQUE" panose="020B0402020203090204" pitchFamily="34" charset="77"/>
-              </a:rPr>
-              <a:t>Consume</a:t>
-            </a:r>
-          </a:p>
-        </p:txBody>
-      </p:sp>
-    </p:spTree>
-    <p:extLst>
-      <p:ext uri="{BB962C8B-B14F-4D97-AF65-F5344CB8AC3E}">
-        <p14:creationId xmlns:p14="http://schemas.microsoft.com/office/powerpoint/2010/main" val="1726559745"/>
       </p:ext>
     </p:extLst>
   </p:cSld>

--- a/docs/figures/figures.pptx
+++ b/docs/figures/figures.pptx
@@ -5,7 +5,7 @@
     <p:sldMasterId id="2147483648" r:id="rId1"/>
   </p:sldMasterIdLst>
   <p:notesMasterIdLst>
-    <p:notesMasterId r:id="rId13"/>
+    <p:notesMasterId r:id="rId14"/>
   </p:notesMasterIdLst>
   <p:sldIdLst>
     <p:sldId id="261" r:id="rId2"/>
@@ -15,10 +15,11 @@
     <p:sldId id="264" r:id="rId6"/>
     <p:sldId id="265" r:id="rId7"/>
     <p:sldId id="266" r:id="rId8"/>
-    <p:sldId id="257" r:id="rId9"/>
-    <p:sldId id="258" r:id="rId10"/>
-    <p:sldId id="259" r:id="rId11"/>
-    <p:sldId id="260" r:id="rId12"/>
+    <p:sldId id="267" r:id="rId9"/>
+    <p:sldId id="257" r:id="rId10"/>
+    <p:sldId id="258" r:id="rId11"/>
+    <p:sldId id="259" r:id="rId12"/>
+    <p:sldId id="260" r:id="rId13"/>
   </p:sldIdLst>
   <p:sldSz cx="12192000" cy="6858000"/>
   <p:notesSz cx="6858000" cy="9144000"/>
@@ -539,7 +540,7 @@
           <a:p>
             <a:fld id="{9E526F2C-6B23-EF40-8ED8-C98EB975494B}" type="slidenum">
               <a:rPr lang="en-US" smtClean="0"/>
-              <a:t>9</a:t>
+              <a:t>10</a:t>
             </a:fld>
             <a:endParaRPr lang="en-US"/>
           </a:p>
@@ -3820,6 +3821,1867 @@
   <p:cSld>
     <p:spTree>
       <p:nvGrpSpPr>
+        <p:cNvPr id="1" name="">
+          <a:extLst>
+            <a:ext uri="{FF2B5EF4-FFF2-40B4-BE49-F238E27FC236}">
+              <a16:creationId xmlns:a16="http://schemas.microsoft.com/office/drawing/2014/main" id="{F4612488-BD3A-0934-3FB7-CAD432D8B117}"/>
+            </a:ext>
+          </a:extLst>
+        </p:cNvPr>
+        <p:cNvGrpSpPr/>
+        <p:nvPr/>
+      </p:nvGrpSpPr>
+      <p:grpSpPr>
+        <a:xfrm>
+          <a:off x="0" y="0"/>
+          <a:ext cx="0" cy="0"/>
+          <a:chOff x="0" y="0"/>
+          <a:chExt cx="0" cy="0"/>
+        </a:xfrm>
+      </p:grpSpPr>
+      <p:sp>
+        <p:nvSpPr>
+          <p:cNvPr id="2" name="Rectangle 1">
+            <a:extLst>
+              <a:ext uri="{FF2B5EF4-FFF2-40B4-BE49-F238E27FC236}">
+                <a16:creationId xmlns:a16="http://schemas.microsoft.com/office/drawing/2014/main" id="{429A68AC-2BE3-8165-5DF8-91BF7AC7DB92}"/>
+              </a:ext>
+            </a:extLst>
+          </p:cNvPr>
+          <p:cNvSpPr/>
+          <p:nvPr/>
+        </p:nvSpPr>
+        <p:spPr>
+          <a:xfrm>
+            <a:off x="8510158" y="1434512"/>
+            <a:ext cx="600778" cy="600778"/>
+          </a:xfrm>
+          <a:prstGeom prst="rect">
+            <a:avLst/>
+          </a:prstGeom>
+          <a:solidFill>
+            <a:schemeClr val="tx2">
+              <a:lumMod val="10000"/>
+              <a:lumOff val="90000"/>
+            </a:schemeClr>
+          </a:solidFill>
+          <a:ln w="9525"/>
+        </p:spPr>
+        <p:style>
+          <a:lnRef idx="2">
+            <a:schemeClr val="accent1">
+              <a:shade val="15000"/>
+            </a:schemeClr>
+          </a:lnRef>
+          <a:fillRef idx="1">
+            <a:schemeClr val="accent1"/>
+          </a:fillRef>
+          <a:effectRef idx="0">
+            <a:schemeClr val="accent1"/>
+          </a:effectRef>
+          <a:fontRef idx="minor">
+            <a:schemeClr val="lt1"/>
+          </a:fontRef>
+        </p:style>
+        <p:txBody>
+          <a:bodyPr rtlCol="0" anchor="ctr"/>
+          <a:lstStyle/>
+          <a:p>
+            <a:pPr algn="ctr"/>
+            <a:r>
+              <a:rPr lang="en-US" sz="1000" dirty="0">
+                <a:solidFill>
+                  <a:schemeClr val="tx1"/>
+                </a:solidFill>
+                <a:latin typeface="Avenir Book" panose="02000503020000020003" pitchFamily="2" charset="0"/>
+              </a:rPr>
+              <a:t>Conny</a:t>
+            </a:r>
+          </a:p>
+        </p:txBody>
+      </p:sp>
+      <p:cxnSp>
+        <p:nvCxnSpPr>
+          <p:cNvPr id="3" name="Straight Connector 2">
+            <a:extLst>
+              <a:ext uri="{FF2B5EF4-FFF2-40B4-BE49-F238E27FC236}">
+                <a16:creationId xmlns:a16="http://schemas.microsoft.com/office/drawing/2014/main" id="{9F686646-6167-4992-1D29-77D8607269FE}"/>
+              </a:ext>
+            </a:extLst>
+          </p:cNvPr>
+          <p:cNvCxnSpPr>
+            <a:cxnSpLocks/>
+            <a:stCxn id="2" idx="2"/>
+          </p:cNvCxnSpPr>
+          <p:nvPr/>
+        </p:nvCxnSpPr>
+        <p:spPr>
+          <a:xfrm>
+            <a:off x="8810547" y="2035290"/>
+            <a:ext cx="0" cy="2936245"/>
+          </a:xfrm>
+          <a:prstGeom prst="line">
+            <a:avLst/>
+          </a:prstGeom>
+          <a:ln w="9525">
+            <a:solidFill>
+              <a:schemeClr val="tx1"/>
+            </a:solidFill>
+          </a:ln>
+        </p:spPr>
+        <p:style>
+          <a:lnRef idx="2">
+            <a:schemeClr val="accent1"/>
+          </a:lnRef>
+          <a:fillRef idx="0">
+            <a:schemeClr val="accent1"/>
+          </a:fillRef>
+          <a:effectRef idx="1">
+            <a:schemeClr val="accent1"/>
+          </a:effectRef>
+          <a:fontRef idx="minor">
+            <a:schemeClr val="tx1"/>
+          </a:fontRef>
+        </p:style>
+      </p:cxnSp>
+      <p:sp>
+        <p:nvSpPr>
+          <p:cNvPr id="15" name="Rectangle 14">
+            <a:extLst>
+              <a:ext uri="{FF2B5EF4-FFF2-40B4-BE49-F238E27FC236}">
+                <a16:creationId xmlns:a16="http://schemas.microsoft.com/office/drawing/2014/main" id="{B92C6239-B889-9882-3728-BA3AA1D26B43}"/>
+              </a:ext>
+            </a:extLst>
+          </p:cNvPr>
+          <p:cNvSpPr/>
+          <p:nvPr/>
+        </p:nvSpPr>
+        <p:spPr>
+          <a:xfrm>
+            <a:off x="2992741" y="1434512"/>
+            <a:ext cx="600778" cy="600778"/>
+          </a:xfrm>
+          <a:prstGeom prst="rect">
+            <a:avLst/>
+          </a:prstGeom>
+          <a:solidFill>
+            <a:schemeClr val="tx2">
+              <a:lumMod val="10000"/>
+              <a:lumOff val="90000"/>
+            </a:schemeClr>
+          </a:solidFill>
+          <a:ln w="9525"/>
+        </p:spPr>
+        <p:style>
+          <a:lnRef idx="2">
+            <a:schemeClr val="accent1">
+              <a:shade val="15000"/>
+            </a:schemeClr>
+          </a:lnRef>
+          <a:fillRef idx="1">
+            <a:schemeClr val="accent1"/>
+          </a:fillRef>
+          <a:effectRef idx="0">
+            <a:schemeClr val="accent1"/>
+          </a:effectRef>
+          <a:fontRef idx="minor">
+            <a:schemeClr val="lt1"/>
+          </a:fontRef>
+        </p:style>
+        <p:txBody>
+          <a:bodyPr rtlCol="0" anchor="ctr"/>
+          <a:lstStyle/>
+          <a:p>
+            <a:pPr algn="ctr"/>
+            <a:r>
+              <a:rPr lang="en-US" sz="1000" dirty="0">
+                <a:solidFill>
+                  <a:schemeClr val="tx1"/>
+                </a:solidFill>
+                <a:latin typeface="Avenir Book" panose="02000503020000020003" pitchFamily="2" charset="0"/>
+              </a:rPr>
+              <a:t>Carol</a:t>
+            </a:r>
+          </a:p>
+        </p:txBody>
+      </p:sp>
+      <p:cxnSp>
+        <p:nvCxnSpPr>
+          <p:cNvPr id="16" name="Straight Connector 15">
+            <a:extLst>
+              <a:ext uri="{FF2B5EF4-FFF2-40B4-BE49-F238E27FC236}">
+                <a16:creationId xmlns:a16="http://schemas.microsoft.com/office/drawing/2014/main" id="{723F08AE-809E-C032-D548-E3CA535D39A5}"/>
+              </a:ext>
+            </a:extLst>
+          </p:cNvPr>
+          <p:cNvCxnSpPr>
+            <a:cxnSpLocks/>
+            <a:stCxn id="15" idx="2"/>
+          </p:cNvCxnSpPr>
+          <p:nvPr/>
+        </p:nvCxnSpPr>
+        <p:spPr>
+          <a:xfrm>
+            <a:off x="3293130" y="2035290"/>
+            <a:ext cx="0" cy="2936245"/>
+          </a:xfrm>
+          <a:prstGeom prst="line">
+            <a:avLst/>
+          </a:prstGeom>
+          <a:ln w="9525">
+            <a:solidFill>
+              <a:schemeClr val="tx1"/>
+            </a:solidFill>
+          </a:ln>
+        </p:spPr>
+        <p:style>
+          <a:lnRef idx="2">
+            <a:schemeClr val="accent1"/>
+          </a:lnRef>
+          <a:fillRef idx="0">
+            <a:schemeClr val="accent1"/>
+          </a:fillRef>
+          <a:effectRef idx="1">
+            <a:schemeClr val="accent1"/>
+          </a:effectRef>
+          <a:fontRef idx="minor">
+            <a:schemeClr val="tx1"/>
+          </a:fontRef>
+        </p:style>
+      </p:cxnSp>
+      <p:sp>
+        <p:nvSpPr>
+          <p:cNvPr id="17" name="Oval 16">
+            <a:extLst>
+              <a:ext uri="{FF2B5EF4-FFF2-40B4-BE49-F238E27FC236}">
+                <a16:creationId xmlns:a16="http://schemas.microsoft.com/office/drawing/2014/main" id="{6153BA0C-1699-9304-C16C-71BE54A7C4D9}"/>
+              </a:ext>
+            </a:extLst>
+          </p:cNvPr>
+          <p:cNvSpPr/>
+          <p:nvPr/>
+        </p:nvSpPr>
+        <p:spPr>
+          <a:xfrm>
+            <a:off x="5041237" y="1434512"/>
+            <a:ext cx="600777" cy="600778"/>
+          </a:xfrm>
+          <a:prstGeom prst="ellipse">
+            <a:avLst/>
+          </a:prstGeom>
+          <a:solidFill>
+            <a:schemeClr val="tx2">
+              <a:lumMod val="10000"/>
+              <a:lumOff val="90000"/>
+            </a:schemeClr>
+          </a:solidFill>
+          <a:ln w="6350"/>
+        </p:spPr>
+        <p:style>
+          <a:lnRef idx="2">
+            <a:schemeClr val="accent1">
+              <a:shade val="15000"/>
+            </a:schemeClr>
+          </a:lnRef>
+          <a:fillRef idx="1">
+            <a:schemeClr val="accent1"/>
+          </a:fillRef>
+          <a:effectRef idx="0">
+            <a:schemeClr val="accent1"/>
+          </a:effectRef>
+          <a:fontRef idx="minor">
+            <a:schemeClr val="lt1"/>
+          </a:fontRef>
+        </p:style>
+        <p:txBody>
+          <a:bodyPr lIns="0" tIns="0" rIns="0" bIns="0" rtlCol="0" anchor="ctr"/>
+          <a:lstStyle/>
+          <a:p>
+            <a:pPr algn="ctr"/>
+            <a:r>
+              <a:rPr lang="en-US" sz="1000" dirty="0">
+                <a:solidFill>
+                  <a:schemeClr val="tx1"/>
+                </a:solidFill>
+                <a:latin typeface="AVENIR LIGHT OBLIQUE" panose="020B0402020203090204" pitchFamily="34" charset="77"/>
+              </a:rPr>
+              <a:t>Hank</a:t>
+            </a:r>
+          </a:p>
+        </p:txBody>
+      </p:sp>
+      <p:cxnSp>
+        <p:nvCxnSpPr>
+          <p:cNvPr id="18" name="Straight Connector 17">
+            <a:extLst>
+              <a:ext uri="{FF2B5EF4-FFF2-40B4-BE49-F238E27FC236}">
+                <a16:creationId xmlns:a16="http://schemas.microsoft.com/office/drawing/2014/main" id="{0CC99823-5A86-F169-19FA-970A7C80AC95}"/>
+              </a:ext>
+            </a:extLst>
+          </p:cNvPr>
+          <p:cNvCxnSpPr>
+            <a:cxnSpLocks/>
+            <a:stCxn id="17" idx="4"/>
+          </p:cNvCxnSpPr>
+          <p:nvPr/>
+        </p:nvCxnSpPr>
+        <p:spPr>
+          <a:xfrm>
+            <a:off x="5341626" y="2035290"/>
+            <a:ext cx="4410" cy="2936245"/>
+          </a:xfrm>
+          <a:prstGeom prst="line">
+            <a:avLst/>
+          </a:prstGeom>
+          <a:ln w="9525">
+            <a:solidFill>
+              <a:schemeClr val="tx1"/>
+            </a:solidFill>
+          </a:ln>
+        </p:spPr>
+        <p:style>
+          <a:lnRef idx="2">
+            <a:schemeClr val="accent1"/>
+          </a:lnRef>
+          <a:fillRef idx="0">
+            <a:schemeClr val="accent1"/>
+          </a:fillRef>
+          <a:effectRef idx="1">
+            <a:schemeClr val="accent1"/>
+          </a:effectRef>
+          <a:fontRef idx="minor">
+            <a:schemeClr val="tx1"/>
+          </a:fontRef>
+        </p:style>
+      </p:cxnSp>
+      <p:sp>
+        <p:nvSpPr>
+          <p:cNvPr id="22" name="Oval 21">
+            <a:extLst>
+              <a:ext uri="{FF2B5EF4-FFF2-40B4-BE49-F238E27FC236}">
+                <a16:creationId xmlns:a16="http://schemas.microsoft.com/office/drawing/2014/main" id="{5EC12F80-7B6F-4C76-1071-421B8522C1C1}"/>
+              </a:ext>
+            </a:extLst>
+          </p:cNvPr>
+          <p:cNvSpPr/>
+          <p:nvPr/>
+        </p:nvSpPr>
+        <p:spPr>
+          <a:xfrm>
+            <a:off x="6452685" y="1434512"/>
+            <a:ext cx="600777" cy="600778"/>
+          </a:xfrm>
+          <a:prstGeom prst="ellipse">
+            <a:avLst/>
+          </a:prstGeom>
+          <a:solidFill>
+            <a:schemeClr val="tx2">
+              <a:lumMod val="10000"/>
+              <a:lumOff val="90000"/>
+            </a:schemeClr>
+          </a:solidFill>
+          <a:ln w="6350"/>
+        </p:spPr>
+        <p:style>
+          <a:lnRef idx="2">
+            <a:schemeClr val="accent1">
+              <a:shade val="15000"/>
+            </a:schemeClr>
+          </a:lnRef>
+          <a:fillRef idx="1">
+            <a:schemeClr val="accent1"/>
+          </a:fillRef>
+          <a:effectRef idx="0">
+            <a:schemeClr val="accent1"/>
+          </a:effectRef>
+          <a:fontRef idx="minor">
+            <a:schemeClr val="lt1"/>
+          </a:fontRef>
+        </p:style>
+        <p:txBody>
+          <a:bodyPr lIns="0" tIns="0" rIns="0" bIns="0" rtlCol="0" anchor="ctr"/>
+          <a:lstStyle/>
+          <a:p>
+            <a:pPr algn="ctr"/>
+            <a:r>
+              <a:rPr lang="en-US" sz="1000" dirty="0">
+                <a:solidFill>
+                  <a:schemeClr val="tx1"/>
+                </a:solidFill>
+                <a:latin typeface="AVENIR LIGHT OBLIQUE" panose="020B0402020203090204" pitchFamily="34" charset="77"/>
+              </a:rPr>
+              <a:t>Hugo</a:t>
+            </a:r>
+          </a:p>
+        </p:txBody>
+      </p:sp>
+      <p:cxnSp>
+        <p:nvCxnSpPr>
+          <p:cNvPr id="23" name="Straight Connector 22">
+            <a:extLst>
+              <a:ext uri="{FF2B5EF4-FFF2-40B4-BE49-F238E27FC236}">
+                <a16:creationId xmlns:a16="http://schemas.microsoft.com/office/drawing/2014/main" id="{CA9C7910-E0AB-4993-516B-B8E1D3D4A3CF}"/>
+              </a:ext>
+            </a:extLst>
+          </p:cNvPr>
+          <p:cNvCxnSpPr>
+            <a:cxnSpLocks/>
+            <a:stCxn id="22" idx="4"/>
+          </p:cNvCxnSpPr>
+          <p:nvPr/>
+        </p:nvCxnSpPr>
+        <p:spPr>
+          <a:xfrm>
+            <a:off x="6753074" y="2035290"/>
+            <a:ext cx="4410" cy="2936245"/>
+          </a:xfrm>
+          <a:prstGeom prst="line">
+            <a:avLst/>
+          </a:prstGeom>
+          <a:ln w="9525">
+            <a:solidFill>
+              <a:schemeClr val="tx1"/>
+            </a:solidFill>
+          </a:ln>
+        </p:spPr>
+        <p:style>
+          <a:lnRef idx="2">
+            <a:schemeClr val="accent1"/>
+          </a:lnRef>
+          <a:fillRef idx="0">
+            <a:schemeClr val="accent1"/>
+          </a:fillRef>
+          <a:effectRef idx="1">
+            <a:schemeClr val="accent1"/>
+          </a:effectRef>
+          <a:fontRef idx="minor">
+            <a:schemeClr val="tx1"/>
+          </a:fontRef>
+        </p:style>
+      </p:cxnSp>
+      <p:sp>
+        <p:nvSpPr>
+          <p:cNvPr id="24" name="Rectangle 23">
+            <a:extLst>
+              <a:ext uri="{FF2B5EF4-FFF2-40B4-BE49-F238E27FC236}">
+                <a16:creationId xmlns:a16="http://schemas.microsoft.com/office/drawing/2014/main" id="{46921A29-58B5-7398-6A3E-78FCA4CE9A42}"/>
+              </a:ext>
+            </a:extLst>
+          </p:cNvPr>
+          <p:cNvSpPr/>
+          <p:nvPr/>
+        </p:nvSpPr>
+        <p:spPr>
+          <a:xfrm>
+            <a:off x="575426" y="1027238"/>
+            <a:ext cx="11045074" cy="4396250"/>
+          </a:xfrm>
+          <a:prstGeom prst="rect">
+            <a:avLst/>
+          </a:prstGeom>
+          <a:noFill/>
+          <a:ln w="9525">
+            <a:solidFill>
+              <a:schemeClr val="bg1">
+                <a:lumMod val="65000"/>
+              </a:schemeClr>
+            </a:solidFill>
+          </a:ln>
+        </p:spPr>
+        <p:style>
+          <a:lnRef idx="2">
+            <a:schemeClr val="accent1">
+              <a:shade val="15000"/>
+            </a:schemeClr>
+          </a:lnRef>
+          <a:fillRef idx="1">
+            <a:schemeClr val="accent1"/>
+          </a:fillRef>
+          <a:effectRef idx="0">
+            <a:schemeClr val="accent1"/>
+          </a:effectRef>
+          <a:fontRef idx="minor">
+            <a:schemeClr val="lt1"/>
+          </a:fontRef>
+        </p:style>
+        <p:txBody>
+          <a:bodyPr rtlCol="0" anchor="ctr"/>
+          <a:lstStyle/>
+          <a:p>
+            <a:pPr algn="ctr"/>
+            <a:endParaRPr lang="en-US" sz="1000" dirty="0">
+              <a:solidFill>
+                <a:schemeClr val="tx1"/>
+              </a:solidFill>
+              <a:latin typeface="Avenir Book" panose="02000503020000020003" pitchFamily="2" charset="0"/>
+            </a:endParaRPr>
+          </a:p>
+        </p:txBody>
+      </p:sp>
+      <p:sp>
+        <p:nvSpPr>
+          <p:cNvPr id="25" name="Rectangle 24">
+            <a:extLst>
+              <a:ext uri="{FF2B5EF4-FFF2-40B4-BE49-F238E27FC236}">
+                <a16:creationId xmlns:a16="http://schemas.microsoft.com/office/drawing/2014/main" id="{61FA4103-79E9-0B1D-8B6B-F0F0C8B01950}"/>
+              </a:ext>
+            </a:extLst>
+          </p:cNvPr>
+          <p:cNvSpPr/>
+          <p:nvPr/>
+        </p:nvSpPr>
+        <p:spPr>
+          <a:xfrm>
+            <a:off x="5462324" y="1301780"/>
+            <a:ext cx="1203948" cy="600778"/>
+          </a:xfrm>
+          <a:prstGeom prst="rect">
+            <a:avLst/>
+          </a:prstGeom>
+          <a:noFill/>
+          <a:ln w="9525">
+            <a:noFill/>
+          </a:ln>
+        </p:spPr>
+        <p:style>
+          <a:lnRef idx="2">
+            <a:schemeClr val="accent1">
+              <a:shade val="15000"/>
+            </a:schemeClr>
+          </a:lnRef>
+          <a:fillRef idx="1">
+            <a:schemeClr val="accent1"/>
+          </a:fillRef>
+          <a:effectRef idx="0">
+            <a:schemeClr val="accent1"/>
+          </a:effectRef>
+          <a:fontRef idx="minor">
+            <a:schemeClr val="lt1"/>
+          </a:fontRef>
+        </p:style>
+        <p:txBody>
+          <a:bodyPr rtlCol="0" anchor="ctr"/>
+          <a:lstStyle/>
+          <a:p>
+            <a:pPr algn="ctr"/>
+            <a:r>
+              <a:rPr lang="en-US" sz="4000" dirty="0">
+                <a:solidFill>
+                  <a:schemeClr val="tx1"/>
+                </a:solidFill>
+                <a:latin typeface="Avenir Book" panose="02000503020000020003" pitchFamily="2" charset="0"/>
+              </a:rPr>
+              <a:t>...</a:t>
+            </a:r>
+          </a:p>
+        </p:txBody>
+      </p:sp>
+      <p:sp>
+        <p:nvSpPr>
+          <p:cNvPr id="4" name="Regular Pentagon 3">
+            <a:extLst>
+              <a:ext uri="{FF2B5EF4-FFF2-40B4-BE49-F238E27FC236}">
+                <a16:creationId xmlns:a16="http://schemas.microsoft.com/office/drawing/2014/main" id="{C223F1F4-E632-DC29-2EAD-3100152D3F31}"/>
+              </a:ext>
+            </a:extLst>
+          </p:cNvPr>
+          <p:cNvSpPr/>
+          <p:nvPr/>
+        </p:nvSpPr>
+        <p:spPr>
+          <a:xfrm>
+            <a:off x="911322" y="1411212"/>
+            <a:ext cx="624076" cy="624078"/>
+          </a:xfrm>
+          <a:prstGeom prst="pentagon">
+            <a:avLst/>
+          </a:prstGeom>
+          <a:solidFill>
+            <a:schemeClr val="accent6">
+              <a:lumMod val="20000"/>
+              <a:lumOff val="80000"/>
+            </a:schemeClr>
+          </a:solidFill>
+          <a:ln w="9525">
+            <a:solidFill>
+              <a:schemeClr val="tx1"/>
+            </a:solidFill>
+          </a:ln>
+        </p:spPr>
+        <p:style>
+          <a:lnRef idx="2">
+            <a:schemeClr val="accent1">
+              <a:shade val="15000"/>
+            </a:schemeClr>
+          </a:lnRef>
+          <a:fillRef idx="1">
+            <a:schemeClr val="accent1"/>
+          </a:fillRef>
+          <a:effectRef idx="0">
+            <a:schemeClr val="accent1"/>
+          </a:effectRef>
+          <a:fontRef idx="minor">
+            <a:schemeClr val="lt1"/>
+          </a:fontRef>
+        </p:style>
+        <p:txBody>
+          <a:bodyPr lIns="0" tIns="0" rIns="0" bIns="0" rtlCol="0" anchor="ctr"/>
+          <a:lstStyle/>
+          <a:p>
+            <a:pPr algn="ctr"/>
+            <a:r>
+              <a:rPr lang="en-US" sz="1000" dirty="0">
+                <a:solidFill>
+                  <a:schemeClr val="tx1"/>
+                </a:solidFill>
+                <a:latin typeface="Avenir Book" panose="02000503020000020003" pitchFamily="2" charset="0"/>
+              </a:rPr>
+              <a:t>Patrick</a:t>
+            </a:r>
+          </a:p>
+        </p:txBody>
+      </p:sp>
+      <p:cxnSp>
+        <p:nvCxnSpPr>
+          <p:cNvPr id="9" name="Straight Connector 8">
+            <a:extLst>
+              <a:ext uri="{FF2B5EF4-FFF2-40B4-BE49-F238E27FC236}">
+                <a16:creationId xmlns:a16="http://schemas.microsoft.com/office/drawing/2014/main" id="{2D67388C-EB4E-E7EA-AA48-DA18FE69C20D}"/>
+              </a:ext>
+            </a:extLst>
+          </p:cNvPr>
+          <p:cNvCxnSpPr>
+            <a:cxnSpLocks/>
+            <a:stCxn id="4" idx="3"/>
+          </p:cNvCxnSpPr>
+          <p:nvPr/>
+        </p:nvCxnSpPr>
+        <p:spPr>
+          <a:xfrm>
+            <a:off x="1223360" y="2035290"/>
+            <a:ext cx="0" cy="2936245"/>
+          </a:xfrm>
+          <a:prstGeom prst="line">
+            <a:avLst/>
+          </a:prstGeom>
+          <a:ln w="9525">
+            <a:solidFill>
+              <a:schemeClr val="tx1"/>
+            </a:solidFill>
+          </a:ln>
+        </p:spPr>
+        <p:style>
+          <a:lnRef idx="2">
+            <a:schemeClr val="accent1"/>
+          </a:lnRef>
+          <a:fillRef idx="0">
+            <a:schemeClr val="accent1"/>
+          </a:fillRef>
+          <a:effectRef idx="1">
+            <a:schemeClr val="accent1"/>
+          </a:effectRef>
+          <a:fontRef idx="minor">
+            <a:schemeClr val="tx1"/>
+          </a:fontRef>
+        </p:style>
+      </p:cxnSp>
+      <p:sp>
+        <p:nvSpPr>
+          <p:cNvPr id="29" name="Regular Pentagon 28">
+            <a:extLst>
+              <a:ext uri="{FF2B5EF4-FFF2-40B4-BE49-F238E27FC236}">
+                <a16:creationId xmlns:a16="http://schemas.microsoft.com/office/drawing/2014/main" id="{D7AB490C-8238-0760-C2CA-8D6642DC5189}"/>
+              </a:ext>
+            </a:extLst>
+          </p:cNvPr>
+          <p:cNvSpPr/>
+          <p:nvPr/>
+        </p:nvSpPr>
+        <p:spPr>
+          <a:xfrm>
+            <a:off x="10567632" y="1411212"/>
+            <a:ext cx="624076" cy="624078"/>
+          </a:xfrm>
+          <a:prstGeom prst="pentagon">
+            <a:avLst/>
+          </a:prstGeom>
+          <a:solidFill>
+            <a:schemeClr val="accent6">
+              <a:lumMod val="20000"/>
+              <a:lumOff val="80000"/>
+            </a:schemeClr>
+          </a:solidFill>
+          <a:ln w="9525">
+            <a:solidFill>
+              <a:schemeClr val="tx1"/>
+            </a:solidFill>
+          </a:ln>
+        </p:spPr>
+        <p:style>
+          <a:lnRef idx="2">
+            <a:schemeClr val="accent1">
+              <a:shade val="15000"/>
+            </a:schemeClr>
+          </a:lnRef>
+          <a:fillRef idx="1">
+            <a:schemeClr val="accent1"/>
+          </a:fillRef>
+          <a:effectRef idx="0">
+            <a:schemeClr val="accent1"/>
+          </a:effectRef>
+          <a:fontRef idx="minor">
+            <a:schemeClr val="lt1"/>
+          </a:fontRef>
+        </p:style>
+        <p:txBody>
+          <a:bodyPr lIns="0" tIns="0" rIns="0" bIns="0" rtlCol="0" anchor="ctr"/>
+          <a:lstStyle/>
+          <a:p>
+            <a:pPr algn="ctr"/>
+            <a:r>
+              <a:rPr lang="en-US" sz="1000" dirty="0">
+                <a:solidFill>
+                  <a:schemeClr val="tx1"/>
+                </a:solidFill>
+                <a:latin typeface="Avenir Book" panose="02000503020000020003" pitchFamily="2" charset="0"/>
+              </a:rPr>
+              <a:t>Patrick</a:t>
+            </a:r>
+          </a:p>
+        </p:txBody>
+      </p:sp>
+      <p:cxnSp>
+        <p:nvCxnSpPr>
+          <p:cNvPr id="43" name="Straight Connector 42">
+            <a:extLst>
+              <a:ext uri="{FF2B5EF4-FFF2-40B4-BE49-F238E27FC236}">
+                <a16:creationId xmlns:a16="http://schemas.microsoft.com/office/drawing/2014/main" id="{3A47B77B-B9C7-9F86-3A25-9DDEE50FABBE}"/>
+              </a:ext>
+            </a:extLst>
+          </p:cNvPr>
+          <p:cNvCxnSpPr>
+            <a:cxnSpLocks/>
+            <a:stCxn id="29" idx="3"/>
+          </p:cNvCxnSpPr>
+          <p:nvPr/>
+        </p:nvCxnSpPr>
+        <p:spPr>
+          <a:xfrm>
+            <a:off x="10879670" y="2035290"/>
+            <a:ext cx="0" cy="2936245"/>
+          </a:xfrm>
+          <a:prstGeom prst="line">
+            <a:avLst/>
+          </a:prstGeom>
+          <a:ln w="9525">
+            <a:solidFill>
+              <a:schemeClr val="tx1"/>
+            </a:solidFill>
+          </a:ln>
+        </p:spPr>
+        <p:style>
+          <a:lnRef idx="2">
+            <a:schemeClr val="accent1"/>
+          </a:lnRef>
+          <a:fillRef idx="0">
+            <a:schemeClr val="accent1"/>
+          </a:fillRef>
+          <a:effectRef idx="1">
+            <a:schemeClr val="accent1"/>
+          </a:effectRef>
+          <a:fontRef idx="minor">
+            <a:schemeClr val="tx1"/>
+          </a:fontRef>
+        </p:style>
+      </p:cxnSp>
+      <p:cxnSp>
+        <p:nvCxnSpPr>
+          <p:cNvPr id="66" name="Straight Connector 65">
+            <a:extLst>
+              <a:ext uri="{FF2B5EF4-FFF2-40B4-BE49-F238E27FC236}">
+                <a16:creationId xmlns:a16="http://schemas.microsoft.com/office/drawing/2014/main" id="{3461BD3E-CD27-4531-5BF0-C2D8ED723FFF}"/>
+              </a:ext>
+            </a:extLst>
+          </p:cNvPr>
+          <p:cNvCxnSpPr>
+            <a:cxnSpLocks/>
+          </p:cNvCxnSpPr>
+          <p:nvPr/>
+        </p:nvCxnSpPr>
+        <p:spPr>
+          <a:xfrm flipH="1">
+            <a:off x="1223360" y="2348867"/>
+            <a:ext cx="2013616" cy="0"/>
+          </a:xfrm>
+          <a:prstGeom prst="line">
+            <a:avLst/>
+          </a:prstGeom>
+          <a:ln w="9525">
+            <a:solidFill>
+              <a:schemeClr val="accent6">
+                <a:lumMod val="75000"/>
+              </a:schemeClr>
+            </a:solidFill>
+            <a:headEnd type="triangle"/>
+          </a:ln>
+        </p:spPr>
+        <p:style>
+          <a:lnRef idx="2">
+            <a:schemeClr val="accent1"/>
+          </a:lnRef>
+          <a:fillRef idx="0">
+            <a:schemeClr val="accent1"/>
+          </a:fillRef>
+          <a:effectRef idx="1">
+            <a:schemeClr val="accent1"/>
+          </a:effectRef>
+          <a:fontRef idx="minor">
+            <a:schemeClr val="tx1"/>
+          </a:fontRef>
+        </p:style>
+      </p:cxnSp>
+      <p:sp>
+        <p:nvSpPr>
+          <p:cNvPr id="67" name="Rectangle 66">
+            <a:extLst>
+              <a:ext uri="{FF2B5EF4-FFF2-40B4-BE49-F238E27FC236}">
+                <a16:creationId xmlns:a16="http://schemas.microsoft.com/office/drawing/2014/main" id="{0079B1DA-0B2B-3B76-1605-4014C252EDC0}"/>
+              </a:ext>
+            </a:extLst>
+          </p:cNvPr>
+          <p:cNvSpPr/>
+          <p:nvPr/>
+        </p:nvSpPr>
+        <p:spPr>
+          <a:xfrm>
+            <a:off x="1223360" y="2098130"/>
+            <a:ext cx="1799511" cy="298861"/>
+          </a:xfrm>
+          <a:prstGeom prst="rect">
+            <a:avLst/>
+          </a:prstGeom>
+          <a:noFill/>
+          <a:ln w="9525">
+            <a:noFill/>
+          </a:ln>
+        </p:spPr>
+        <p:style>
+          <a:lnRef idx="2">
+            <a:schemeClr val="accent1">
+              <a:shade val="15000"/>
+            </a:schemeClr>
+          </a:lnRef>
+          <a:fillRef idx="1">
+            <a:schemeClr val="accent1"/>
+          </a:fillRef>
+          <a:effectRef idx="0">
+            <a:schemeClr val="accent1"/>
+          </a:effectRef>
+          <a:fontRef idx="minor">
+            <a:schemeClr val="lt1"/>
+          </a:fontRef>
+        </p:style>
+        <p:txBody>
+          <a:bodyPr rtlCol="0" anchor="ctr"/>
+          <a:lstStyle/>
+          <a:p>
+            <a:r>
+              <a:rPr lang="en-US" sz="1000" dirty="0">
+                <a:solidFill>
+                  <a:schemeClr val="accent6">
+                    <a:lumMod val="75000"/>
+                  </a:schemeClr>
+                </a:solidFill>
+                <a:latin typeface="Avenir Book" panose="02000503020000020003" pitchFamily="2" charset="0"/>
+              </a:rPr>
+              <a:t>GET key</a:t>
+            </a:r>
+          </a:p>
+        </p:txBody>
+      </p:sp>
+      <p:cxnSp>
+        <p:nvCxnSpPr>
+          <p:cNvPr id="71" name="Straight Connector 70">
+            <a:extLst>
+              <a:ext uri="{FF2B5EF4-FFF2-40B4-BE49-F238E27FC236}">
+                <a16:creationId xmlns:a16="http://schemas.microsoft.com/office/drawing/2014/main" id="{D09FBAE0-6937-C0B9-90FB-31AAE0A6D6C5}"/>
+              </a:ext>
+            </a:extLst>
+          </p:cNvPr>
+          <p:cNvCxnSpPr>
+            <a:cxnSpLocks/>
+          </p:cNvCxnSpPr>
+          <p:nvPr/>
+        </p:nvCxnSpPr>
+        <p:spPr>
+          <a:xfrm>
+            <a:off x="1225296" y="2944388"/>
+            <a:ext cx="2011215" cy="0"/>
+          </a:xfrm>
+          <a:prstGeom prst="line">
+            <a:avLst/>
+          </a:prstGeom>
+          <a:ln w="9525">
+            <a:solidFill>
+              <a:schemeClr val="accent6">
+                <a:lumMod val="75000"/>
+              </a:schemeClr>
+            </a:solidFill>
+            <a:headEnd type="triangle"/>
+          </a:ln>
+        </p:spPr>
+        <p:style>
+          <a:lnRef idx="2">
+            <a:schemeClr val="accent1"/>
+          </a:lnRef>
+          <a:fillRef idx="0">
+            <a:schemeClr val="accent1"/>
+          </a:fillRef>
+          <a:effectRef idx="1">
+            <a:schemeClr val="accent1"/>
+          </a:effectRef>
+          <a:fontRef idx="minor">
+            <a:schemeClr val="tx1"/>
+          </a:fontRef>
+        </p:style>
+      </p:cxnSp>
+      <p:sp>
+        <p:nvSpPr>
+          <p:cNvPr id="72" name="Rectangle 71">
+            <a:extLst>
+              <a:ext uri="{FF2B5EF4-FFF2-40B4-BE49-F238E27FC236}">
+                <a16:creationId xmlns:a16="http://schemas.microsoft.com/office/drawing/2014/main" id="{5F7B3F76-FA7C-30D9-C241-05E4DC032827}"/>
+              </a:ext>
+            </a:extLst>
+          </p:cNvPr>
+          <p:cNvSpPr/>
+          <p:nvPr/>
+        </p:nvSpPr>
+        <p:spPr>
+          <a:xfrm>
+            <a:off x="3236511" y="2348868"/>
+            <a:ext cx="126715" cy="600778"/>
+          </a:xfrm>
+          <a:prstGeom prst="rect">
+            <a:avLst/>
+          </a:prstGeom>
+          <a:solidFill>
+            <a:schemeClr val="accent6">
+              <a:lumMod val="20000"/>
+              <a:lumOff val="80000"/>
+            </a:schemeClr>
+          </a:solidFill>
+          <a:ln w="9525">
+            <a:solidFill>
+              <a:schemeClr val="accent6">
+                <a:lumMod val="75000"/>
+              </a:schemeClr>
+            </a:solidFill>
+          </a:ln>
+        </p:spPr>
+        <p:style>
+          <a:lnRef idx="2">
+            <a:schemeClr val="accent1">
+              <a:shade val="15000"/>
+            </a:schemeClr>
+          </a:lnRef>
+          <a:fillRef idx="1">
+            <a:schemeClr val="accent1"/>
+          </a:fillRef>
+          <a:effectRef idx="0">
+            <a:schemeClr val="accent1"/>
+          </a:effectRef>
+          <a:fontRef idx="minor">
+            <a:schemeClr val="lt1"/>
+          </a:fontRef>
+        </p:style>
+        <p:txBody>
+          <a:bodyPr rtlCol="0" anchor="ctr"/>
+          <a:lstStyle/>
+          <a:p>
+            <a:pPr algn="ctr"/>
+            <a:endParaRPr lang="en-US" sz="1000" dirty="0">
+              <a:solidFill>
+                <a:schemeClr val="tx1"/>
+              </a:solidFill>
+              <a:latin typeface="Avenir Book" panose="02000503020000020003" pitchFamily="2" charset="0"/>
+            </a:endParaRPr>
+          </a:p>
+        </p:txBody>
+      </p:sp>
+      <p:sp>
+        <p:nvSpPr>
+          <p:cNvPr id="75" name="Rectangle 74">
+            <a:extLst>
+              <a:ext uri="{FF2B5EF4-FFF2-40B4-BE49-F238E27FC236}">
+                <a16:creationId xmlns:a16="http://schemas.microsoft.com/office/drawing/2014/main" id="{5F72597D-0DDD-A40B-A702-2B75C9DDD5EE}"/>
+              </a:ext>
+            </a:extLst>
+          </p:cNvPr>
+          <p:cNvSpPr/>
+          <p:nvPr/>
+        </p:nvSpPr>
+        <p:spPr>
+          <a:xfrm>
+            <a:off x="1217284" y="2694080"/>
+            <a:ext cx="1799511" cy="298861"/>
+          </a:xfrm>
+          <a:prstGeom prst="rect">
+            <a:avLst/>
+          </a:prstGeom>
+          <a:noFill/>
+          <a:ln w="9525">
+            <a:noFill/>
+          </a:ln>
+        </p:spPr>
+        <p:style>
+          <a:lnRef idx="2">
+            <a:schemeClr val="accent1">
+              <a:shade val="15000"/>
+            </a:schemeClr>
+          </a:lnRef>
+          <a:fillRef idx="1">
+            <a:schemeClr val="accent1"/>
+          </a:fillRef>
+          <a:effectRef idx="0">
+            <a:schemeClr val="accent1"/>
+          </a:effectRef>
+          <a:fontRef idx="minor">
+            <a:schemeClr val="lt1"/>
+          </a:fontRef>
+        </p:style>
+        <p:txBody>
+          <a:bodyPr rtlCol="0" anchor="ctr"/>
+          <a:lstStyle/>
+          <a:p>
+            <a:r>
+              <a:rPr lang="en-US" sz="1000" dirty="0">
+                <a:solidFill>
+                  <a:schemeClr val="accent6">
+                    <a:lumMod val="75000"/>
+                  </a:schemeClr>
+                </a:solidFill>
+                <a:latin typeface="Avenir Book" panose="02000503020000020003" pitchFamily="2" charset="0"/>
+              </a:rPr>
+              <a:t>Key + Key-ID</a:t>
+            </a:r>
+          </a:p>
+        </p:txBody>
+      </p:sp>
+      <p:cxnSp>
+        <p:nvCxnSpPr>
+          <p:cNvPr id="77" name="Straight Connector 76">
+            <a:extLst>
+              <a:ext uri="{FF2B5EF4-FFF2-40B4-BE49-F238E27FC236}">
+                <a16:creationId xmlns:a16="http://schemas.microsoft.com/office/drawing/2014/main" id="{0C70C868-53DE-F5C2-8229-2F8940F388D8}"/>
+              </a:ext>
+            </a:extLst>
+          </p:cNvPr>
+          <p:cNvCxnSpPr>
+            <a:cxnSpLocks/>
+          </p:cNvCxnSpPr>
+          <p:nvPr/>
+        </p:nvCxnSpPr>
+        <p:spPr>
+          <a:xfrm flipH="1">
+            <a:off x="3363226" y="2480009"/>
+            <a:ext cx="1978399" cy="0"/>
+          </a:xfrm>
+          <a:prstGeom prst="line">
+            <a:avLst/>
+          </a:prstGeom>
+          <a:ln w="9525">
+            <a:solidFill>
+              <a:srgbClr val="00B050"/>
+            </a:solidFill>
+            <a:headEnd type="triangle"/>
+          </a:ln>
+        </p:spPr>
+        <p:style>
+          <a:lnRef idx="2">
+            <a:schemeClr val="accent1"/>
+          </a:lnRef>
+          <a:fillRef idx="0">
+            <a:schemeClr val="accent1"/>
+          </a:fillRef>
+          <a:effectRef idx="1">
+            <a:schemeClr val="accent1"/>
+          </a:effectRef>
+          <a:fontRef idx="minor">
+            <a:schemeClr val="tx1"/>
+          </a:fontRef>
+        </p:style>
+      </p:cxnSp>
+      <p:sp>
+        <p:nvSpPr>
+          <p:cNvPr id="78" name="Rectangle 77">
+            <a:extLst>
+              <a:ext uri="{FF2B5EF4-FFF2-40B4-BE49-F238E27FC236}">
+                <a16:creationId xmlns:a16="http://schemas.microsoft.com/office/drawing/2014/main" id="{56594116-FF96-FF00-F076-65EFD26E16E9}"/>
+              </a:ext>
+            </a:extLst>
+          </p:cNvPr>
+          <p:cNvSpPr/>
+          <p:nvPr/>
+        </p:nvSpPr>
+        <p:spPr>
+          <a:xfrm>
+            <a:off x="3363226" y="2229272"/>
+            <a:ext cx="1799511" cy="298861"/>
+          </a:xfrm>
+          <a:prstGeom prst="rect">
+            <a:avLst/>
+          </a:prstGeom>
+          <a:noFill/>
+          <a:ln w="9525">
+            <a:noFill/>
+          </a:ln>
+        </p:spPr>
+        <p:style>
+          <a:lnRef idx="2">
+            <a:schemeClr val="accent1">
+              <a:shade val="15000"/>
+            </a:schemeClr>
+          </a:lnRef>
+          <a:fillRef idx="1">
+            <a:schemeClr val="accent1"/>
+          </a:fillRef>
+          <a:effectRef idx="0">
+            <a:schemeClr val="accent1"/>
+          </a:effectRef>
+          <a:fontRef idx="minor">
+            <a:schemeClr val="lt1"/>
+          </a:fontRef>
+        </p:style>
+        <p:txBody>
+          <a:bodyPr rtlCol="0" anchor="ctr"/>
+          <a:lstStyle/>
+          <a:p>
+            <a:r>
+              <a:rPr lang="en-US" sz="1000" dirty="0">
+                <a:solidFill>
+                  <a:schemeClr val="accent6">
+                    <a:lumMod val="75000"/>
+                  </a:schemeClr>
+                </a:solidFill>
+                <a:latin typeface="Avenir Book" panose="02000503020000020003" pitchFamily="2" charset="0"/>
+              </a:rPr>
+              <a:t>POST key-share</a:t>
+            </a:r>
+          </a:p>
+        </p:txBody>
+      </p:sp>
+      <p:cxnSp>
+        <p:nvCxnSpPr>
+          <p:cNvPr id="82" name="Straight Connector 81">
+            <a:extLst>
+              <a:ext uri="{FF2B5EF4-FFF2-40B4-BE49-F238E27FC236}">
+                <a16:creationId xmlns:a16="http://schemas.microsoft.com/office/drawing/2014/main" id="{948565C5-7DD8-0FBF-CF95-A4D770B9B674}"/>
+              </a:ext>
+            </a:extLst>
+          </p:cNvPr>
+          <p:cNvCxnSpPr>
+            <a:cxnSpLocks/>
+          </p:cNvCxnSpPr>
+          <p:nvPr/>
+        </p:nvCxnSpPr>
+        <p:spPr>
+          <a:xfrm flipH="1">
+            <a:off x="3363226" y="2821040"/>
+            <a:ext cx="3389847" cy="0"/>
+          </a:xfrm>
+          <a:prstGeom prst="line">
+            <a:avLst/>
+          </a:prstGeom>
+          <a:ln w="9525">
+            <a:solidFill>
+              <a:schemeClr val="accent6">
+                <a:lumMod val="75000"/>
+              </a:schemeClr>
+            </a:solidFill>
+            <a:headEnd type="triangle"/>
+          </a:ln>
+        </p:spPr>
+        <p:style>
+          <a:lnRef idx="2">
+            <a:schemeClr val="accent1"/>
+          </a:lnRef>
+          <a:fillRef idx="0">
+            <a:schemeClr val="accent1"/>
+          </a:fillRef>
+          <a:effectRef idx="1">
+            <a:schemeClr val="accent1"/>
+          </a:effectRef>
+          <a:fontRef idx="minor">
+            <a:schemeClr val="tx1"/>
+          </a:fontRef>
+        </p:style>
+      </p:cxnSp>
+      <p:sp>
+        <p:nvSpPr>
+          <p:cNvPr id="83" name="Rectangle 82">
+            <a:extLst>
+              <a:ext uri="{FF2B5EF4-FFF2-40B4-BE49-F238E27FC236}">
+                <a16:creationId xmlns:a16="http://schemas.microsoft.com/office/drawing/2014/main" id="{2CE5C9B2-ED36-9319-4528-F06B1BCBCC85}"/>
+              </a:ext>
+            </a:extLst>
+          </p:cNvPr>
+          <p:cNvSpPr/>
+          <p:nvPr/>
+        </p:nvSpPr>
+        <p:spPr>
+          <a:xfrm>
+            <a:off x="3363226" y="2570303"/>
+            <a:ext cx="1799511" cy="298861"/>
+          </a:xfrm>
+          <a:prstGeom prst="rect">
+            <a:avLst/>
+          </a:prstGeom>
+          <a:noFill/>
+          <a:ln w="9525">
+            <a:noFill/>
+          </a:ln>
+        </p:spPr>
+        <p:style>
+          <a:lnRef idx="2">
+            <a:schemeClr val="accent1">
+              <a:shade val="15000"/>
+            </a:schemeClr>
+          </a:lnRef>
+          <a:fillRef idx="1">
+            <a:schemeClr val="accent1"/>
+          </a:fillRef>
+          <a:effectRef idx="0">
+            <a:schemeClr val="accent1"/>
+          </a:effectRef>
+          <a:fontRef idx="minor">
+            <a:schemeClr val="lt1"/>
+          </a:fontRef>
+        </p:style>
+        <p:txBody>
+          <a:bodyPr rtlCol="0" anchor="ctr"/>
+          <a:lstStyle/>
+          <a:p>
+            <a:r>
+              <a:rPr lang="en-US" sz="1000" dirty="0">
+                <a:solidFill>
+                  <a:schemeClr val="accent6">
+                    <a:lumMod val="75000"/>
+                  </a:schemeClr>
+                </a:solidFill>
+                <a:latin typeface="Avenir Book" panose="02000503020000020003" pitchFamily="2" charset="0"/>
+              </a:rPr>
+              <a:t>POST key-share</a:t>
+            </a:r>
+          </a:p>
+        </p:txBody>
+      </p:sp>
+      <p:cxnSp>
+        <p:nvCxnSpPr>
+          <p:cNvPr id="86" name="Straight Connector 85">
+            <a:extLst>
+              <a:ext uri="{FF2B5EF4-FFF2-40B4-BE49-F238E27FC236}">
+                <a16:creationId xmlns:a16="http://schemas.microsoft.com/office/drawing/2014/main" id="{2FF917E0-1D83-3161-C074-0C9DE35388F5}"/>
+              </a:ext>
+            </a:extLst>
+          </p:cNvPr>
+          <p:cNvCxnSpPr>
+            <a:cxnSpLocks/>
+          </p:cNvCxnSpPr>
+          <p:nvPr/>
+        </p:nvCxnSpPr>
+        <p:spPr>
+          <a:xfrm flipH="1">
+            <a:off x="1223360" y="3566219"/>
+            <a:ext cx="9656310" cy="0"/>
+          </a:xfrm>
+          <a:prstGeom prst="line">
+            <a:avLst/>
+          </a:prstGeom>
+          <a:ln w="9525" cap="rnd">
+            <a:solidFill>
+              <a:schemeClr val="accent5"/>
+            </a:solidFill>
+            <a:prstDash val="dash"/>
+            <a:headEnd type="triangle"/>
+          </a:ln>
+        </p:spPr>
+        <p:style>
+          <a:lnRef idx="2">
+            <a:schemeClr val="accent1"/>
+          </a:lnRef>
+          <a:fillRef idx="0">
+            <a:schemeClr val="accent1"/>
+          </a:fillRef>
+          <a:effectRef idx="1">
+            <a:schemeClr val="accent1"/>
+          </a:effectRef>
+          <a:fontRef idx="minor">
+            <a:schemeClr val="tx1"/>
+          </a:fontRef>
+        </p:style>
+      </p:cxnSp>
+      <p:sp>
+        <p:nvSpPr>
+          <p:cNvPr id="87" name="Rectangle 86">
+            <a:extLst>
+              <a:ext uri="{FF2B5EF4-FFF2-40B4-BE49-F238E27FC236}">
+                <a16:creationId xmlns:a16="http://schemas.microsoft.com/office/drawing/2014/main" id="{F8361EBC-4CB3-07C3-3A74-E4A297307904}"/>
+              </a:ext>
+            </a:extLst>
+          </p:cNvPr>
+          <p:cNvSpPr/>
+          <p:nvPr/>
+        </p:nvSpPr>
+        <p:spPr>
+          <a:xfrm>
+            <a:off x="1223360" y="3315482"/>
+            <a:ext cx="1799511" cy="298861"/>
+          </a:xfrm>
+          <a:prstGeom prst="rect">
+            <a:avLst/>
+          </a:prstGeom>
+          <a:noFill/>
+          <a:ln w="9525">
+            <a:noFill/>
+          </a:ln>
+        </p:spPr>
+        <p:style>
+          <a:lnRef idx="2">
+            <a:schemeClr val="accent1">
+              <a:shade val="15000"/>
+            </a:schemeClr>
+          </a:lnRef>
+          <a:fillRef idx="1">
+            <a:schemeClr val="accent1"/>
+          </a:fillRef>
+          <a:effectRef idx="0">
+            <a:schemeClr val="accent1"/>
+          </a:effectRef>
+          <a:fontRef idx="minor">
+            <a:schemeClr val="lt1"/>
+          </a:fontRef>
+        </p:style>
+        <p:txBody>
+          <a:bodyPr rtlCol="0" anchor="ctr"/>
+          <a:lstStyle/>
+          <a:p>
+            <a:r>
+              <a:rPr lang="en-US" sz="1000" dirty="0">
+                <a:solidFill>
+                  <a:schemeClr val="accent5">
+                    <a:lumMod val="75000"/>
+                  </a:schemeClr>
+                </a:solidFill>
+                <a:latin typeface="Avenir Book" panose="02000503020000020003" pitchFamily="2" charset="0"/>
+              </a:rPr>
+              <a:t>Relay Key-ID</a:t>
+            </a:r>
+          </a:p>
+        </p:txBody>
+      </p:sp>
+      <p:cxnSp>
+        <p:nvCxnSpPr>
+          <p:cNvPr id="104" name="Straight Connector 103">
+            <a:extLst>
+              <a:ext uri="{FF2B5EF4-FFF2-40B4-BE49-F238E27FC236}">
+                <a16:creationId xmlns:a16="http://schemas.microsoft.com/office/drawing/2014/main" id="{0913FD8D-1F3B-C0B5-958B-B85ED4A409E3}"/>
+              </a:ext>
+            </a:extLst>
+          </p:cNvPr>
+          <p:cNvCxnSpPr>
+            <a:cxnSpLocks/>
+          </p:cNvCxnSpPr>
+          <p:nvPr/>
+        </p:nvCxnSpPr>
+        <p:spPr>
+          <a:xfrm>
+            <a:off x="8859978" y="4066606"/>
+            <a:ext cx="2013616" cy="0"/>
+          </a:xfrm>
+          <a:prstGeom prst="line">
+            <a:avLst/>
+          </a:prstGeom>
+          <a:ln w="9525">
+            <a:solidFill>
+              <a:schemeClr val="accent6">
+                <a:lumMod val="75000"/>
+              </a:schemeClr>
+            </a:solidFill>
+            <a:headEnd type="triangle"/>
+          </a:ln>
+        </p:spPr>
+        <p:style>
+          <a:lnRef idx="2">
+            <a:schemeClr val="accent1"/>
+          </a:lnRef>
+          <a:fillRef idx="0">
+            <a:schemeClr val="accent1"/>
+          </a:fillRef>
+          <a:effectRef idx="1">
+            <a:schemeClr val="accent1"/>
+          </a:effectRef>
+          <a:fontRef idx="minor">
+            <a:schemeClr val="tx1"/>
+          </a:fontRef>
+        </p:style>
+      </p:cxnSp>
+      <p:sp>
+        <p:nvSpPr>
+          <p:cNvPr id="105" name="Rectangle 104">
+            <a:extLst>
+              <a:ext uri="{FF2B5EF4-FFF2-40B4-BE49-F238E27FC236}">
+                <a16:creationId xmlns:a16="http://schemas.microsoft.com/office/drawing/2014/main" id="{01EDA7E6-775E-8B49-BE3C-F8B35576E3A5}"/>
+              </a:ext>
+            </a:extLst>
+          </p:cNvPr>
+          <p:cNvSpPr/>
+          <p:nvPr/>
+        </p:nvSpPr>
+        <p:spPr>
+          <a:xfrm flipH="1">
+            <a:off x="9074083" y="3815869"/>
+            <a:ext cx="1799511" cy="298861"/>
+          </a:xfrm>
+          <a:prstGeom prst="rect">
+            <a:avLst/>
+          </a:prstGeom>
+          <a:noFill/>
+          <a:ln w="9525">
+            <a:noFill/>
+          </a:ln>
+        </p:spPr>
+        <p:style>
+          <a:lnRef idx="2">
+            <a:schemeClr val="accent1">
+              <a:shade val="15000"/>
+            </a:schemeClr>
+          </a:lnRef>
+          <a:fillRef idx="1">
+            <a:schemeClr val="accent1"/>
+          </a:fillRef>
+          <a:effectRef idx="0">
+            <a:schemeClr val="accent1"/>
+          </a:effectRef>
+          <a:fontRef idx="minor">
+            <a:schemeClr val="lt1"/>
+          </a:fontRef>
+        </p:style>
+        <p:txBody>
+          <a:bodyPr rtlCol="0" anchor="ctr"/>
+          <a:lstStyle/>
+          <a:p>
+            <a:r>
+              <a:rPr lang="en-US" sz="1000" dirty="0">
+                <a:solidFill>
+                  <a:schemeClr val="accent6">
+                    <a:lumMod val="75000"/>
+                  </a:schemeClr>
+                </a:solidFill>
+                <a:latin typeface="Avenir Book" panose="02000503020000020003" pitchFamily="2" charset="0"/>
+              </a:rPr>
+              <a:t>GET key-with-key-ID</a:t>
+            </a:r>
+          </a:p>
+        </p:txBody>
+      </p:sp>
+      <p:cxnSp>
+        <p:nvCxnSpPr>
+          <p:cNvPr id="95" name="Straight Connector 94">
+            <a:extLst>
+              <a:ext uri="{FF2B5EF4-FFF2-40B4-BE49-F238E27FC236}">
+                <a16:creationId xmlns:a16="http://schemas.microsoft.com/office/drawing/2014/main" id="{CF5FE163-EFC1-252B-2202-33A0CF174B4E}"/>
+              </a:ext>
+            </a:extLst>
+          </p:cNvPr>
+          <p:cNvCxnSpPr>
+            <a:cxnSpLocks/>
+          </p:cNvCxnSpPr>
+          <p:nvPr/>
+        </p:nvCxnSpPr>
+        <p:spPr>
+          <a:xfrm flipH="1">
+            <a:off x="8860443" y="4662127"/>
+            <a:ext cx="2011215" cy="0"/>
+          </a:xfrm>
+          <a:prstGeom prst="line">
+            <a:avLst/>
+          </a:prstGeom>
+          <a:ln w="9525">
+            <a:solidFill>
+              <a:schemeClr val="accent6">
+                <a:lumMod val="75000"/>
+              </a:schemeClr>
+            </a:solidFill>
+            <a:headEnd type="triangle"/>
+          </a:ln>
+        </p:spPr>
+        <p:style>
+          <a:lnRef idx="2">
+            <a:schemeClr val="accent1"/>
+          </a:lnRef>
+          <a:fillRef idx="0">
+            <a:schemeClr val="accent1"/>
+          </a:fillRef>
+          <a:effectRef idx="1">
+            <a:schemeClr val="accent1"/>
+          </a:effectRef>
+          <a:fontRef idx="minor">
+            <a:schemeClr val="tx1"/>
+          </a:fontRef>
+        </p:style>
+      </p:cxnSp>
+      <p:sp>
+        <p:nvSpPr>
+          <p:cNvPr id="96" name="Rectangle 95">
+            <a:extLst>
+              <a:ext uri="{FF2B5EF4-FFF2-40B4-BE49-F238E27FC236}">
+                <a16:creationId xmlns:a16="http://schemas.microsoft.com/office/drawing/2014/main" id="{4D06398F-7398-B109-CBB7-BFC906ABA483}"/>
+              </a:ext>
+            </a:extLst>
+          </p:cNvPr>
+          <p:cNvSpPr/>
+          <p:nvPr/>
+        </p:nvSpPr>
+        <p:spPr>
+          <a:xfrm flipH="1">
+            <a:off x="8733728" y="4066607"/>
+            <a:ext cx="126715" cy="600778"/>
+          </a:xfrm>
+          <a:prstGeom prst="rect">
+            <a:avLst/>
+          </a:prstGeom>
+          <a:solidFill>
+            <a:schemeClr val="accent6">
+              <a:lumMod val="20000"/>
+              <a:lumOff val="80000"/>
+            </a:schemeClr>
+          </a:solidFill>
+          <a:ln w="9525">
+            <a:solidFill>
+              <a:schemeClr val="accent6">
+                <a:lumMod val="75000"/>
+              </a:schemeClr>
+            </a:solidFill>
+          </a:ln>
+        </p:spPr>
+        <p:style>
+          <a:lnRef idx="2">
+            <a:schemeClr val="accent1">
+              <a:shade val="15000"/>
+            </a:schemeClr>
+          </a:lnRef>
+          <a:fillRef idx="1">
+            <a:schemeClr val="accent1"/>
+          </a:fillRef>
+          <a:effectRef idx="0">
+            <a:schemeClr val="accent1"/>
+          </a:effectRef>
+          <a:fontRef idx="minor">
+            <a:schemeClr val="lt1"/>
+          </a:fontRef>
+        </p:style>
+        <p:txBody>
+          <a:bodyPr rtlCol="0" anchor="ctr"/>
+          <a:lstStyle/>
+          <a:p>
+            <a:pPr algn="ctr"/>
+            <a:endParaRPr lang="en-US" sz="1000" dirty="0">
+              <a:solidFill>
+                <a:schemeClr val="tx1"/>
+              </a:solidFill>
+              <a:latin typeface="Avenir Book" panose="02000503020000020003" pitchFamily="2" charset="0"/>
+            </a:endParaRPr>
+          </a:p>
+        </p:txBody>
+      </p:sp>
+      <p:sp>
+        <p:nvSpPr>
+          <p:cNvPr id="97" name="Rectangle 96">
+            <a:extLst>
+              <a:ext uri="{FF2B5EF4-FFF2-40B4-BE49-F238E27FC236}">
+                <a16:creationId xmlns:a16="http://schemas.microsoft.com/office/drawing/2014/main" id="{DEDD8038-A8D9-38EE-BD64-C279C72DAEC4}"/>
+              </a:ext>
+            </a:extLst>
+          </p:cNvPr>
+          <p:cNvSpPr/>
+          <p:nvPr/>
+        </p:nvSpPr>
+        <p:spPr>
+          <a:xfrm flipH="1">
+            <a:off x="9080159" y="4411819"/>
+            <a:ext cx="1799511" cy="298861"/>
+          </a:xfrm>
+          <a:prstGeom prst="rect">
+            <a:avLst/>
+          </a:prstGeom>
+          <a:noFill/>
+          <a:ln w="9525">
+            <a:noFill/>
+          </a:ln>
+        </p:spPr>
+        <p:style>
+          <a:lnRef idx="2">
+            <a:schemeClr val="accent1">
+              <a:shade val="15000"/>
+            </a:schemeClr>
+          </a:lnRef>
+          <a:fillRef idx="1">
+            <a:schemeClr val="accent1"/>
+          </a:fillRef>
+          <a:effectRef idx="0">
+            <a:schemeClr val="accent1"/>
+          </a:effectRef>
+          <a:fontRef idx="minor">
+            <a:schemeClr val="lt1"/>
+          </a:fontRef>
+        </p:style>
+        <p:txBody>
+          <a:bodyPr rtlCol="0" anchor="ctr"/>
+          <a:lstStyle/>
+          <a:p>
+            <a:r>
+              <a:rPr lang="en-US" sz="1000" dirty="0">
+                <a:solidFill>
+                  <a:schemeClr val="accent6">
+                    <a:lumMod val="75000"/>
+                  </a:schemeClr>
+                </a:solidFill>
+                <a:latin typeface="Avenir Book" panose="02000503020000020003" pitchFamily="2" charset="0"/>
+              </a:rPr>
+              <a:t>Key</a:t>
+            </a:r>
+          </a:p>
+        </p:txBody>
+      </p:sp>
+      <p:cxnSp>
+        <p:nvCxnSpPr>
+          <p:cNvPr id="102" name="Straight Connector 101">
+            <a:extLst>
+              <a:ext uri="{FF2B5EF4-FFF2-40B4-BE49-F238E27FC236}">
+                <a16:creationId xmlns:a16="http://schemas.microsoft.com/office/drawing/2014/main" id="{2A2CC460-7466-789D-C0B5-6B498212CC12}"/>
+              </a:ext>
+            </a:extLst>
+          </p:cNvPr>
+          <p:cNvCxnSpPr>
+            <a:cxnSpLocks/>
+          </p:cNvCxnSpPr>
+          <p:nvPr/>
+        </p:nvCxnSpPr>
+        <p:spPr>
+          <a:xfrm>
+            <a:off x="6755329" y="4197748"/>
+            <a:ext cx="1978399" cy="0"/>
+          </a:xfrm>
+          <a:prstGeom prst="line">
+            <a:avLst/>
+          </a:prstGeom>
+          <a:ln w="9525">
+            <a:solidFill>
+              <a:schemeClr val="accent6">
+                <a:lumMod val="75000"/>
+              </a:schemeClr>
+            </a:solidFill>
+            <a:headEnd type="triangle"/>
+          </a:ln>
+        </p:spPr>
+        <p:style>
+          <a:lnRef idx="2">
+            <a:schemeClr val="accent1"/>
+          </a:lnRef>
+          <a:fillRef idx="0">
+            <a:schemeClr val="accent1"/>
+          </a:fillRef>
+          <a:effectRef idx="1">
+            <a:schemeClr val="accent1"/>
+          </a:effectRef>
+          <a:fontRef idx="minor">
+            <a:schemeClr val="tx1"/>
+          </a:fontRef>
+        </p:style>
+      </p:cxnSp>
+      <p:sp>
+        <p:nvSpPr>
+          <p:cNvPr id="103" name="Rectangle 102">
+            <a:extLst>
+              <a:ext uri="{FF2B5EF4-FFF2-40B4-BE49-F238E27FC236}">
+                <a16:creationId xmlns:a16="http://schemas.microsoft.com/office/drawing/2014/main" id="{0C2C119B-096E-5860-0240-91FD38A557B9}"/>
+              </a:ext>
+            </a:extLst>
+          </p:cNvPr>
+          <p:cNvSpPr/>
+          <p:nvPr/>
+        </p:nvSpPr>
+        <p:spPr>
+          <a:xfrm flipH="1">
+            <a:off x="6934217" y="3947011"/>
+            <a:ext cx="1799511" cy="298861"/>
+          </a:xfrm>
+          <a:prstGeom prst="rect">
+            <a:avLst/>
+          </a:prstGeom>
+          <a:noFill/>
+          <a:ln w="9525">
+            <a:noFill/>
+          </a:ln>
+        </p:spPr>
+        <p:style>
+          <a:lnRef idx="2">
+            <a:schemeClr val="accent1">
+              <a:shade val="15000"/>
+            </a:schemeClr>
+          </a:lnRef>
+          <a:fillRef idx="1">
+            <a:schemeClr val="accent1"/>
+          </a:fillRef>
+          <a:effectRef idx="0">
+            <a:schemeClr val="accent1"/>
+          </a:effectRef>
+          <a:fontRef idx="minor">
+            <a:schemeClr val="lt1"/>
+          </a:fontRef>
+        </p:style>
+        <p:txBody>
+          <a:bodyPr rtlCol="0" anchor="ctr"/>
+          <a:lstStyle/>
+          <a:p>
+            <a:r>
+              <a:rPr lang="en-US" sz="1000" dirty="0">
+                <a:solidFill>
+                  <a:schemeClr val="accent6">
+                    <a:lumMod val="75000"/>
+                  </a:schemeClr>
+                </a:solidFill>
+                <a:latin typeface="Avenir Book" panose="02000503020000020003" pitchFamily="2" charset="0"/>
+              </a:rPr>
+              <a:t>GET key-share</a:t>
+            </a:r>
+          </a:p>
+        </p:txBody>
+      </p:sp>
+      <p:cxnSp>
+        <p:nvCxnSpPr>
+          <p:cNvPr id="100" name="Straight Connector 99">
+            <a:extLst>
+              <a:ext uri="{FF2B5EF4-FFF2-40B4-BE49-F238E27FC236}">
+                <a16:creationId xmlns:a16="http://schemas.microsoft.com/office/drawing/2014/main" id="{C8DF76A0-98D5-A127-32A9-B5805B48A99F}"/>
+              </a:ext>
+            </a:extLst>
+          </p:cNvPr>
+          <p:cNvCxnSpPr>
+            <a:cxnSpLocks/>
+          </p:cNvCxnSpPr>
+          <p:nvPr/>
+        </p:nvCxnSpPr>
+        <p:spPr>
+          <a:xfrm>
+            <a:off x="5343881" y="4538779"/>
+            <a:ext cx="3389847" cy="0"/>
+          </a:xfrm>
+          <a:prstGeom prst="line">
+            <a:avLst/>
+          </a:prstGeom>
+          <a:ln w="9525">
+            <a:solidFill>
+              <a:schemeClr val="accent6">
+                <a:lumMod val="75000"/>
+              </a:schemeClr>
+            </a:solidFill>
+            <a:headEnd type="triangle"/>
+          </a:ln>
+        </p:spPr>
+        <p:style>
+          <a:lnRef idx="2">
+            <a:schemeClr val="accent1"/>
+          </a:lnRef>
+          <a:fillRef idx="0">
+            <a:schemeClr val="accent1"/>
+          </a:fillRef>
+          <a:effectRef idx="1">
+            <a:schemeClr val="accent1"/>
+          </a:effectRef>
+          <a:fontRef idx="minor">
+            <a:schemeClr val="tx1"/>
+          </a:fontRef>
+        </p:style>
+      </p:cxnSp>
+      <p:sp>
+        <p:nvSpPr>
+          <p:cNvPr id="101" name="Rectangle 100">
+            <a:extLst>
+              <a:ext uri="{FF2B5EF4-FFF2-40B4-BE49-F238E27FC236}">
+                <a16:creationId xmlns:a16="http://schemas.microsoft.com/office/drawing/2014/main" id="{5C3DCE52-DD1D-2B18-5FB1-918149EEEF96}"/>
+              </a:ext>
+            </a:extLst>
+          </p:cNvPr>
+          <p:cNvSpPr/>
+          <p:nvPr/>
+        </p:nvSpPr>
+        <p:spPr>
+          <a:xfrm flipH="1">
+            <a:off x="6934217" y="4288042"/>
+            <a:ext cx="1799511" cy="298861"/>
+          </a:xfrm>
+          <a:prstGeom prst="rect">
+            <a:avLst/>
+          </a:prstGeom>
+          <a:noFill/>
+          <a:ln w="9525">
+            <a:noFill/>
+          </a:ln>
+        </p:spPr>
+        <p:style>
+          <a:lnRef idx="2">
+            <a:schemeClr val="accent1">
+              <a:shade val="15000"/>
+            </a:schemeClr>
+          </a:lnRef>
+          <a:fillRef idx="1">
+            <a:schemeClr val="accent1"/>
+          </a:fillRef>
+          <a:effectRef idx="0">
+            <a:schemeClr val="accent1"/>
+          </a:effectRef>
+          <a:fontRef idx="minor">
+            <a:schemeClr val="lt1"/>
+          </a:fontRef>
+        </p:style>
+        <p:txBody>
+          <a:bodyPr rtlCol="0" anchor="ctr"/>
+          <a:lstStyle/>
+          <a:p>
+            <a:r>
+              <a:rPr lang="en-US" sz="1000" dirty="0">
+                <a:solidFill>
+                  <a:schemeClr val="accent6">
+                    <a:lumMod val="75000"/>
+                  </a:schemeClr>
+                </a:solidFill>
+                <a:latin typeface="Avenir Book" panose="02000503020000020003" pitchFamily="2" charset="0"/>
+              </a:rPr>
+              <a:t>GET key-share</a:t>
+            </a:r>
+          </a:p>
+        </p:txBody>
+      </p:sp>
+    </p:spTree>
+    <p:extLst>
+      <p:ext uri="{BB962C8B-B14F-4D97-AF65-F5344CB8AC3E}">
+        <p14:creationId xmlns:p14="http://schemas.microsoft.com/office/powerpoint/2010/main" val="1266981807"/>
+      </p:ext>
+    </p:extLst>
+  </p:cSld>
+  <p:clrMapOvr>
+    <a:masterClrMapping/>
+  </p:clrMapOvr>
+</p:sld>
+</file>
+
+<file path=ppt/slides/slide11.xml><?xml version="1.0" encoding="utf-8"?>
+<p:sld xmlns:a="http://schemas.openxmlformats.org/drawingml/2006/main" xmlns:r="http://schemas.openxmlformats.org/officeDocument/2006/relationships" xmlns:p="http://schemas.openxmlformats.org/presentationml/2006/main">
+  <p:cSld>
+    <p:spTree>
+      <p:nvGrpSpPr>
         <p:cNvPr id="1" name=""/>
         <p:cNvGrpSpPr/>
         <p:nvPr/>
@@ -4734,7 +6596,7 @@
 </p:sld>
 </file>
 
-<file path=ppt/slides/slide11.xml><?xml version="1.0" encoding="utf-8"?>
+<file path=ppt/slides/slide12.xml><?xml version="1.0" encoding="utf-8"?>
 <p:sld xmlns:a="http://schemas.openxmlformats.org/drawingml/2006/main" xmlns:r="http://schemas.openxmlformats.org/officeDocument/2006/relationships" xmlns:p="http://schemas.openxmlformats.org/presentationml/2006/main">
   <p:cSld>
     <p:spTree>
@@ -17094,7 +18956,7 @@
           <a:lstStyle/>
           <a:p>
             <a:r>
-              <a:rPr lang="en-US" sz="1000">
+              <a:rPr lang="en-US" sz="1000" dirty="0">
                 <a:solidFill>
                   <a:schemeClr val="tx1"/>
                 </a:solidFill>
@@ -17102,12 +18964,6 @@
               </a:rPr>
               <a:t>Client Conny</a:t>
             </a:r>
-            <a:endParaRPr lang="en-US" sz="1000" dirty="0">
-              <a:solidFill>
-                <a:schemeClr val="tx1"/>
-              </a:solidFill>
-              <a:latin typeface="Avenir Book" panose="02000503020000020003" pitchFamily="2" charset="0"/>
-            </a:endParaRPr>
           </a:p>
         </p:txBody>
       </p:sp>
@@ -20227,6 +22083,1830 @@
   <p:cSld>
     <p:spTree>
       <p:nvGrpSpPr>
+        <p:cNvPr id="1" name="">
+          <a:extLst>
+            <a:ext uri="{FF2B5EF4-FFF2-40B4-BE49-F238E27FC236}">
+              <a16:creationId xmlns:a16="http://schemas.microsoft.com/office/drawing/2014/main" id="{A0BDA034-077D-92FF-4DE4-20C5D7CA3D8D}"/>
+            </a:ext>
+          </a:extLst>
+        </p:cNvPr>
+        <p:cNvGrpSpPr/>
+        <p:nvPr/>
+      </p:nvGrpSpPr>
+      <p:grpSpPr>
+        <a:xfrm>
+          <a:off x="0" y="0"/>
+          <a:ext cx="0" cy="0"/>
+          <a:chOff x="0" y="0"/>
+          <a:chExt cx="0" cy="0"/>
+        </a:xfrm>
+      </p:grpSpPr>
+      <p:sp>
+        <p:nvSpPr>
+          <p:cNvPr id="62" name="Rectangle 61">
+            <a:extLst>
+              <a:ext uri="{FF2B5EF4-FFF2-40B4-BE49-F238E27FC236}">
+                <a16:creationId xmlns:a16="http://schemas.microsoft.com/office/drawing/2014/main" id="{9EADE958-C454-4527-678B-67C94673BA2F}"/>
+              </a:ext>
+            </a:extLst>
+          </p:cNvPr>
+          <p:cNvSpPr/>
+          <p:nvPr/>
+        </p:nvSpPr>
+        <p:spPr>
+          <a:xfrm>
+            <a:off x="7711423" y="1952247"/>
+            <a:ext cx="2667448" cy="2755791"/>
+          </a:xfrm>
+          <a:prstGeom prst="rect">
+            <a:avLst/>
+          </a:prstGeom>
+          <a:solidFill>
+            <a:schemeClr val="bg1">
+              <a:lumMod val="95000"/>
+            </a:schemeClr>
+          </a:solidFill>
+          <a:ln w="12700">
+            <a:solidFill>
+              <a:schemeClr val="tx1"/>
+            </a:solidFill>
+          </a:ln>
+        </p:spPr>
+        <p:style>
+          <a:lnRef idx="2">
+            <a:schemeClr val="accent1">
+              <a:shade val="15000"/>
+            </a:schemeClr>
+          </a:lnRef>
+          <a:fillRef idx="1">
+            <a:schemeClr val="accent1"/>
+          </a:fillRef>
+          <a:effectRef idx="0">
+            <a:schemeClr val="accent1"/>
+          </a:effectRef>
+          <a:fontRef idx="minor">
+            <a:schemeClr val="lt1"/>
+          </a:fontRef>
+        </p:style>
+        <p:txBody>
+          <a:bodyPr rtlCol="0" anchor="ctr"/>
+          <a:lstStyle/>
+          <a:p>
+            <a:pPr algn="ctr"/>
+            <a:endParaRPr lang="en-US" sz="1000" dirty="0">
+              <a:solidFill>
+                <a:schemeClr val="tx1"/>
+              </a:solidFill>
+              <a:latin typeface="Avenir Book" panose="02000503020000020003" pitchFamily="2" charset="0"/>
+            </a:endParaRPr>
+          </a:p>
+        </p:txBody>
+      </p:sp>
+      <p:sp>
+        <p:nvSpPr>
+          <p:cNvPr id="61" name="Rectangle 60">
+            <a:extLst>
+              <a:ext uri="{FF2B5EF4-FFF2-40B4-BE49-F238E27FC236}">
+                <a16:creationId xmlns:a16="http://schemas.microsoft.com/office/drawing/2014/main" id="{66876FF5-4357-B9F4-E0F4-09BC6E5D74DA}"/>
+              </a:ext>
+            </a:extLst>
+          </p:cNvPr>
+          <p:cNvSpPr/>
+          <p:nvPr/>
+        </p:nvSpPr>
+        <p:spPr>
+          <a:xfrm>
+            <a:off x="1969470" y="1952248"/>
+            <a:ext cx="4392846" cy="2755791"/>
+          </a:xfrm>
+          <a:prstGeom prst="rect">
+            <a:avLst/>
+          </a:prstGeom>
+          <a:solidFill>
+            <a:schemeClr val="bg1">
+              <a:lumMod val="95000"/>
+            </a:schemeClr>
+          </a:solidFill>
+          <a:ln w="12700">
+            <a:solidFill>
+              <a:schemeClr val="tx1"/>
+            </a:solidFill>
+          </a:ln>
+        </p:spPr>
+        <p:style>
+          <a:lnRef idx="2">
+            <a:schemeClr val="accent1">
+              <a:shade val="15000"/>
+            </a:schemeClr>
+          </a:lnRef>
+          <a:fillRef idx="1">
+            <a:schemeClr val="accent1"/>
+          </a:fillRef>
+          <a:effectRef idx="0">
+            <a:schemeClr val="accent1"/>
+          </a:effectRef>
+          <a:fontRef idx="minor">
+            <a:schemeClr val="lt1"/>
+          </a:fontRef>
+        </p:style>
+        <p:txBody>
+          <a:bodyPr rtlCol="0" anchor="ctr"/>
+          <a:lstStyle/>
+          <a:p>
+            <a:pPr algn="ctr"/>
+            <a:endParaRPr lang="en-US" sz="1000" dirty="0">
+              <a:solidFill>
+                <a:schemeClr val="tx1"/>
+              </a:solidFill>
+              <a:latin typeface="Avenir Book" panose="02000503020000020003" pitchFamily="2" charset="0"/>
+            </a:endParaRPr>
+          </a:p>
+        </p:txBody>
+      </p:sp>
+      <p:sp>
+        <p:nvSpPr>
+          <p:cNvPr id="8" name="Rectangle 7">
+            <a:extLst>
+              <a:ext uri="{FF2B5EF4-FFF2-40B4-BE49-F238E27FC236}">
+                <a16:creationId xmlns:a16="http://schemas.microsoft.com/office/drawing/2014/main" id="{95FD0627-0462-F2B2-462A-F8484C0CCCB9}"/>
+              </a:ext>
+            </a:extLst>
+          </p:cNvPr>
+          <p:cNvSpPr/>
+          <p:nvPr/>
+        </p:nvSpPr>
+        <p:spPr>
+          <a:xfrm>
+            <a:off x="4299966" y="2673379"/>
+            <a:ext cx="1074119" cy="376766"/>
+          </a:xfrm>
+          <a:prstGeom prst="rect">
+            <a:avLst/>
+          </a:prstGeom>
+          <a:solidFill>
+            <a:schemeClr val="accent2">
+              <a:lumMod val="20000"/>
+              <a:lumOff val="80000"/>
+            </a:schemeClr>
+          </a:solidFill>
+          <a:ln w="9525"/>
+        </p:spPr>
+        <p:style>
+          <a:lnRef idx="2">
+            <a:schemeClr val="accent1">
+              <a:shade val="15000"/>
+            </a:schemeClr>
+          </a:lnRef>
+          <a:fillRef idx="1">
+            <a:schemeClr val="accent1"/>
+          </a:fillRef>
+          <a:effectRef idx="0">
+            <a:schemeClr val="accent1"/>
+          </a:effectRef>
+          <a:fontRef idx="minor">
+            <a:schemeClr val="lt1"/>
+          </a:fontRef>
+        </p:style>
+        <p:txBody>
+          <a:bodyPr rtlCol="0" anchor="ctr"/>
+          <a:lstStyle/>
+          <a:p>
+            <a:r>
+              <a:rPr lang="en-US" sz="1000" dirty="0">
+                <a:solidFill>
+                  <a:schemeClr val="tx1"/>
+                </a:solidFill>
+                <a:latin typeface="Avenir Book" panose="02000503020000020003" pitchFamily="2" charset="0"/>
+              </a:rPr>
+              <a:t>Signing</a:t>
+            </a:r>
+          </a:p>
+          <a:p>
+            <a:r>
+              <a:rPr lang="en-US" sz="1000" dirty="0">
+                <a:solidFill>
+                  <a:schemeClr val="tx1"/>
+                </a:solidFill>
+                <a:latin typeface="Avenir Book" panose="02000503020000020003" pitchFamily="2" charset="0"/>
+              </a:rPr>
+              <a:t>Key</a:t>
+            </a:r>
+          </a:p>
+        </p:txBody>
+      </p:sp>
+      <p:sp>
+        <p:nvSpPr>
+          <p:cNvPr id="14" name="Can 13">
+            <a:extLst>
+              <a:ext uri="{FF2B5EF4-FFF2-40B4-BE49-F238E27FC236}">
+                <a16:creationId xmlns:a16="http://schemas.microsoft.com/office/drawing/2014/main" id="{4A822428-0A59-455A-A8E3-14FEF20979CF}"/>
+              </a:ext>
+            </a:extLst>
+          </p:cNvPr>
+          <p:cNvSpPr/>
+          <p:nvPr/>
+        </p:nvSpPr>
+        <p:spPr>
+          <a:xfrm>
+            <a:off x="5664430" y="2543158"/>
+            <a:ext cx="505035" cy="637207"/>
+          </a:xfrm>
+          <a:prstGeom prst="can">
+            <a:avLst/>
+          </a:prstGeom>
+          <a:solidFill>
+            <a:schemeClr val="accent2">
+              <a:lumMod val="20000"/>
+              <a:lumOff val="80000"/>
+            </a:schemeClr>
+          </a:solidFill>
+          <a:ln w="9525"/>
+        </p:spPr>
+        <p:style>
+          <a:lnRef idx="2">
+            <a:schemeClr val="accent1">
+              <a:shade val="15000"/>
+            </a:schemeClr>
+          </a:lnRef>
+          <a:fillRef idx="1">
+            <a:schemeClr val="accent1"/>
+          </a:fillRef>
+          <a:effectRef idx="0">
+            <a:schemeClr val="accent1"/>
+          </a:effectRef>
+          <a:fontRef idx="minor">
+            <a:schemeClr val="lt1"/>
+          </a:fontRef>
+        </p:style>
+        <p:txBody>
+          <a:bodyPr rtlCol="0" anchor="ctr"/>
+          <a:lstStyle/>
+          <a:p>
+            <a:r>
+              <a:rPr lang="en-US" sz="1000" dirty="0">
+                <a:solidFill>
+                  <a:schemeClr val="tx1"/>
+                </a:solidFill>
+                <a:latin typeface="Avenir Book" panose="02000503020000020003" pitchFamily="2" charset="0"/>
+              </a:rPr>
+              <a:t>PSRD</a:t>
+            </a:r>
+            <a:br>
+              <a:rPr lang="en-US" sz="1000" dirty="0">
+                <a:solidFill>
+                  <a:schemeClr val="tx1"/>
+                </a:solidFill>
+                <a:latin typeface="Avenir Book" panose="02000503020000020003" pitchFamily="2" charset="0"/>
+              </a:rPr>
+            </a:br>
+            <a:r>
+              <a:rPr lang="en-US" sz="1000" dirty="0">
+                <a:solidFill>
+                  <a:schemeClr val="tx1"/>
+                </a:solidFill>
+                <a:latin typeface="Avenir Book" panose="02000503020000020003" pitchFamily="2" charset="0"/>
+              </a:rPr>
+              <a:t>Pool</a:t>
+            </a:r>
+          </a:p>
+        </p:txBody>
+      </p:sp>
+      <p:cxnSp>
+        <p:nvCxnSpPr>
+          <p:cNvPr id="15" name="Straight Connector 14">
+            <a:extLst>
+              <a:ext uri="{FF2B5EF4-FFF2-40B4-BE49-F238E27FC236}">
+                <a16:creationId xmlns:a16="http://schemas.microsoft.com/office/drawing/2014/main" id="{361A5DC9-C5A9-9CCA-272C-884A56B539A5}"/>
+              </a:ext>
+            </a:extLst>
+          </p:cNvPr>
+          <p:cNvCxnSpPr>
+            <a:cxnSpLocks/>
+            <a:stCxn id="14" idx="2"/>
+            <a:endCxn id="8" idx="3"/>
+          </p:cNvCxnSpPr>
+          <p:nvPr/>
+        </p:nvCxnSpPr>
+        <p:spPr>
+          <a:xfrm flipH="1">
+            <a:off x="5374085" y="2861762"/>
+            <a:ext cx="290345" cy="0"/>
+          </a:xfrm>
+          <a:prstGeom prst="line">
+            <a:avLst/>
+          </a:prstGeom>
+          <a:ln w="9525" cap="rnd">
+            <a:solidFill>
+              <a:schemeClr val="tx1"/>
+            </a:solidFill>
+            <a:tailEnd type="triangle"/>
+          </a:ln>
+        </p:spPr>
+        <p:style>
+          <a:lnRef idx="2">
+            <a:schemeClr val="accent1"/>
+          </a:lnRef>
+          <a:fillRef idx="0">
+            <a:schemeClr val="accent1"/>
+          </a:fillRef>
+          <a:effectRef idx="1">
+            <a:schemeClr val="accent1"/>
+          </a:effectRef>
+          <a:fontRef idx="minor">
+            <a:schemeClr val="tx1"/>
+          </a:fontRef>
+        </p:style>
+      </p:cxnSp>
+      <p:sp>
+        <p:nvSpPr>
+          <p:cNvPr id="88" name="Rectangle 87">
+            <a:extLst>
+              <a:ext uri="{FF2B5EF4-FFF2-40B4-BE49-F238E27FC236}">
+                <a16:creationId xmlns:a16="http://schemas.microsoft.com/office/drawing/2014/main" id="{FAEAC995-3DA0-8397-3CF3-2088FCAEEDCF}"/>
+              </a:ext>
+            </a:extLst>
+          </p:cNvPr>
+          <p:cNvSpPr/>
+          <p:nvPr/>
+        </p:nvSpPr>
+        <p:spPr>
+          <a:xfrm>
+            <a:off x="8766410" y="2673379"/>
+            <a:ext cx="1074119" cy="376766"/>
+          </a:xfrm>
+          <a:prstGeom prst="rect">
+            <a:avLst/>
+          </a:prstGeom>
+          <a:solidFill>
+            <a:schemeClr val="accent2">
+              <a:lumMod val="20000"/>
+              <a:lumOff val="80000"/>
+            </a:schemeClr>
+          </a:solidFill>
+          <a:ln w="9525"/>
+        </p:spPr>
+        <p:style>
+          <a:lnRef idx="2">
+            <a:schemeClr val="accent1">
+              <a:shade val="15000"/>
+            </a:schemeClr>
+          </a:lnRef>
+          <a:fillRef idx="1">
+            <a:schemeClr val="accent1"/>
+          </a:fillRef>
+          <a:effectRef idx="0">
+            <a:schemeClr val="accent1"/>
+          </a:effectRef>
+          <a:fontRef idx="minor">
+            <a:schemeClr val="lt1"/>
+          </a:fontRef>
+        </p:style>
+        <p:txBody>
+          <a:bodyPr rtlCol="0" anchor="ctr"/>
+          <a:lstStyle/>
+          <a:p>
+            <a:r>
+              <a:rPr lang="en-US" sz="1000" dirty="0">
+                <a:solidFill>
+                  <a:schemeClr val="tx1"/>
+                </a:solidFill>
+                <a:latin typeface="Avenir Book" panose="02000503020000020003" pitchFamily="2" charset="0"/>
+              </a:rPr>
+              <a:t>Signing</a:t>
+            </a:r>
+          </a:p>
+          <a:p>
+            <a:r>
+              <a:rPr lang="en-US" sz="1000" dirty="0">
+                <a:solidFill>
+                  <a:schemeClr val="tx1"/>
+                </a:solidFill>
+                <a:latin typeface="Avenir Book" panose="02000503020000020003" pitchFamily="2" charset="0"/>
+              </a:rPr>
+              <a:t>Key</a:t>
+            </a:r>
+          </a:p>
+        </p:txBody>
+      </p:sp>
+      <p:sp>
+        <p:nvSpPr>
+          <p:cNvPr id="91" name="Can 90">
+            <a:extLst>
+              <a:ext uri="{FF2B5EF4-FFF2-40B4-BE49-F238E27FC236}">
+                <a16:creationId xmlns:a16="http://schemas.microsoft.com/office/drawing/2014/main" id="{DF7821D4-DC95-A8B9-329C-43E700A18387}"/>
+              </a:ext>
+            </a:extLst>
+          </p:cNvPr>
+          <p:cNvSpPr/>
+          <p:nvPr/>
+        </p:nvSpPr>
+        <p:spPr>
+          <a:xfrm>
+            <a:off x="7958211" y="2543158"/>
+            <a:ext cx="505035" cy="637207"/>
+          </a:xfrm>
+          <a:prstGeom prst="can">
+            <a:avLst/>
+          </a:prstGeom>
+          <a:solidFill>
+            <a:schemeClr val="accent2">
+              <a:lumMod val="20000"/>
+              <a:lumOff val="80000"/>
+            </a:schemeClr>
+          </a:solidFill>
+          <a:ln w="9525"/>
+        </p:spPr>
+        <p:style>
+          <a:lnRef idx="2">
+            <a:schemeClr val="accent1">
+              <a:shade val="15000"/>
+            </a:schemeClr>
+          </a:lnRef>
+          <a:fillRef idx="1">
+            <a:schemeClr val="accent1"/>
+          </a:fillRef>
+          <a:effectRef idx="0">
+            <a:schemeClr val="accent1"/>
+          </a:effectRef>
+          <a:fontRef idx="minor">
+            <a:schemeClr val="lt1"/>
+          </a:fontRef>
+        </p:style>
+        <p:txBody>
+          <a:bodyPr rtlCol="0" anchor="ctr"/>
+          <a:lstStyle/>
+          <a:p>
+            <a:r>
+              <a:rPr lang="en-US" sz="1000" dirty="0">
+                <a:solidFill>
+                  <a:schemeClr val="tx1"/>
+                </a:solidFill>
+                <a:latin typeface="Avenir Book" panose="02000503020000020003" pitchFamily="2" charset="0"/>
+              </a:rPr>
+              <a:t>PSRD</a:t>
+            </a:r>
+            <a:br>
+              <a:rPr lang="en-US" sz="1000" dirty="0">
+                <a:solidFill>
+                  <a:schemeClr val="tx1"/>
+                </a:solidFill>
+                <a:latin typeface="Avenir Book" panose="02000503020000020003" pitchFamily="2" charset="0"/>
+              </a:rPr>
+            </a:br>
+            <a:r>
+              <a:rPr lang="en-US" sz="1000" dirty="0">
+                <a:solidFill>
+                  <a:schemeClr val="tx1"/>
+                </a:solidFill>
+                <a:latin typeface="Avenir Book" panose="02000503020000020003" pitchFamily="2" charset="0"/>
+              </a:rPr>
+              <a:t>Pool</a:t>
+            </a:r>
+          </a:p>
+        </p:txBody>
+      </p:sp>
+      <p:cxnSp>
+        <p:nvCxnSpPr>
+          <p:cNvPr id="92" name="Straight Connector 91">
+            <a:extLst>
+              <a:ext uri="{FF2B5EF4-FFF2-40B4-BE49-F238E27FC236}">
+                <a16:creationId xmlns:a16="http://schemas.microsoft.com/office/drawing/2014/main" id="{BB24C266-47C9-D65F-BE87-36BF4CFE5BC2}"/>
+              </a:ext>
+            </a:extLst>
+          </p:cNvPr>
+          <p:cNvCxnSpPr>
+            <a:cxnSpLocks/>
+            <a:stCxn id="91" idx="4"/>
+            <a:endCxn id="88" idx="1"/>
+          </p:cNvCxnSpPr>
+          <p:nvPr/>
+        </p:nvCxnSpPr>
+        <p:spPr>
+          <a:xfrm>
+            <a:off x="8463246" y="2861762"/>
+            <a:ext cx="303164" cy="0"/>
+          </a:xfrm>
+          <a:prstGeom prst="line">
+            <a:avLst/>
+          </a:prstGeom>
+          <a:ln w="9525" cap="rnd">
+            <a:solidFill>
+              <a:schemeClr val="tx1"/>
+            </a:solidFill>
+            <a:tailEnd type="triangle"/>
+          </a:ln>
+        </p:spPr>
+        <p:style>
+          <a:lnRef idx="2">
+            <a:schemeClr val="accent1"/>
+          </a:lnRef>
+          <a:fillRef idx="0">
+            <a:schemeClr val="accent1"/>
+          </a:fillRef>
+          <a:effectRef idx="1">
+            <a:schemeClr val="accent1"/>
+          </a:effectRef>
+          <a:fontRef idx="minor">
+            <a:schemeClr val="tx1"/>
+          </a:fontRef>
+        </p:style>
+      </p:cxnSp>
+      <p:cxnSp>
+        <p:nvCxnSpPr>
+          <p:cNvPr id="105" name="Straight Connector 104">
+            <a:extLst>
+              <a:ext uri="{FF2B5EF4-FFF2-40B4-BE49-F238E27FC236}">
+                <a16:creationId xmlns:a16="http://schemas.microsoft.com/office/drawing/2014/main" id="{DBD2A2AB-A7A3-8258-6A76-29C3FE2A6388}"/>
+              </a:ext>
+            </a:extLst>
+          </p:cNvPr>
+          <p:cNvCxnSpPr>
+            <a:cxnSpLocks/>
+            <a:stCxn id="91" idx="2"/>
+            <a:endCxn id="14" idx="4"/>
+          </p:cNvCxnSpPr>
+          <p:nvPr/>
+        </p:nvCxnSpPr>
+        <p:spPr>
+          <a:xfrm flipH="1">
+            <a:off x="6169465" y="2861762"/>
+            <a:ext cx="1788746" cy="0"/>
+          </a:xfrm>
+          <a:prstGeom prst="line">
+            <a:avLst/>
+          </a:prstGeom>
+          <a:ln w="9525" cap="rnd">
+            <a:solidFill>
+              <a:srgbClr val="FF0000"/>
+            </a:solidFill>
+            <a:tailEnd type="triangle"/>
+          </a:ln>
+        </p:spPr>
+        <p:style>
+          <a:lnRef idx="2">
+            <a:schemeClr val="accent1"/>
+          </a:lnRef>
+          <a:fillRef idx="0">
+            <a:schemeClr val="accent1"/>
+          </a:fillRef>
+          <a:effectRef idx="1">
+            <a:schemeClr val="accent1"/>
+          </a:effectRef>
+          <a:fontRef idx="minor">
+            <a:schemeClr val="tx1"/>
+          </a:fontRef>
+        </p:style>
+      </p:cxnSp>
+      <p:cxnSp>
+        <p:nvCxnSpPr>
+          <p:cNvPr id="108" name="Straight Connector 107">
+            <a:extLst>
+              <a:ext uri="{FF2B5EF4-FFF2-40B4-BE49-F238E27FC236}">
+                <a16:creationId xmlns:a16="http://schemas.microsoft.com/office/drawing/2014/main" id="{B3C59ACD-3519-EB5D-AABE-BCA9386018E7}"/>
+              </a:ext>
+            </a:extLst>
+          </p:cNvPr>
+          <p:cNvCxnSpPr>
+            <a:cxnSpLocks/>
+            <a:stCxn id="43" idx="3"/>
+            <a:endCxn id="56" idx="1"/>
+          </p:cNvCxnSpPr>
+          <p:nvPr/>
+        </p:nvCxnSpPr>
+        <p:spPr>
+          <a:xfrm>
+            <a:off x="5681541" y="4349503"/>
+            <a:ext cx="2761476" cy="15722"/>
+          </a:xfrm>
+          <a:prstGeom prst="line">
+            <a:avLst/>
+          </a:prstGeom>
+          <a:ln w="9525" cap="rnd">
+            <a:solidFill>
+              <a:schemeClr val="accent6">
+                <a:lumMod val="75000"/>
+              </a:schemeClr>
+            </a:solidFill>
+            <a:tailEnd type="triangle"/>
+          </a:ln>
+        </p:spPr>
+        <p:style>
+          <a:lnRef idx="2">
+            <a:schemeClr val="accent1"/>
+          </a:lnRef>
+          <a:fillRef idx="0">
+            <a:schemeClr val="accent1"/>
+          </a:fillRef>
+          <a:effectRef idx="1">
+            <a:schemeClr val="accent1"/>
+          </a:effectRef>
+          <a:fontRef idx="minor">
+            <a:schemeClr val="tx1"/>
+          </a:fontRef>
+        </p:style>
+      </p:cxnSp>
+      <p:sp>
+        <p:nvSpPr>
+          <p:cNvPr id="129" name="Rectangle 128">
+            <a:extLst>
+              <a:ext uri="{FF2B5EF4-FFF2-40B4-BE49-F238E27FC236}">
+                <a16:creationId xmlns:a16="http://schemas.microsoft.com/office/drawing/2014/main" id="{2BBC0992-EC6C-4343-D915-76A95A1049F5}"/>
+              </a:ext>
+            </a:extLst>
+          </p:cNvPr>
+          <p:cNvSpPr/>
+          <p:nvPr/>
+        </p:nvSpPr>
+        <p:spPr>
+          <a:xfrm>
+            <a:off x="1860983" y="1673020"/>
+            <a:ext cx="1398994" cy="376766"/>
+          </a:xfrm>
+          <a:prstGeom prst="rect">
+            <a:avLst/>
+          </a:prstGeom>
+          <a:noFill/>
+          <a:ln w="9525">
+            <a:noFill/>
+          </a:ln>
+        </p:spPr>
+        <p:style>
+          <a:lnRef idx="2">
+            <a:schemeClr val="accent1">
+              <a:shade val="15000"/>
+            </a:schemeClr>
+          </a:lnRef>
+          <a:fillRef idx="1">
+            <a:schemeClr val="accent1"/>
+          </a:fillRef>
+          <a:effectRef idx="0">
+            <a:schemeClr val="accent1"/>
+          </a:effectRef>
+          <a:fontRef idx="minor">
+            <a:schemeClr val="lt1"/>
+          </a:fontRef>
+        </p:style>
+        <p:txBody>
+          <a:bodyPr rtlCol="0" anchor="ctr"/>
+          <a:lstStyle/>
+          <a:p>
+            <a:r>
+              <a:rPr lang="en-US" sz="1000" dirty="0">
+                <a:solidFill>
+                  <a:schemeClr val="tx1"/>
+                </a:solidFill>
+                <a:latin typeface="Avenir Book" panose="02000503020000020003" pitchFamily="2" charset="0"/>
+              </a:rPr>
+              <a:t>Client Carol</a:t>
+            </a:r>
+          </a:p>
+        </p:txBody>
+      </p:sp>
+      <p:sp>
+        <p:nvSpPr>
+          <p:cNvPr id="134" name="Rectangle 133">
+            <a:extLst>
+              <a:ext uri="{FF2B5EF4-FFF2-40B4-BE49-F238E27FC236}">
+                <a16:creationId xmlns:a16="http://schemas.microsoft.com/office/drawing/2014/main" id="{8F7E1524-C888-5215-F10A-6D4356D7DC66}"/>
+              </a:ext>
+            </a:extLst>
+          </p:cNvPr>
+          <p:cNvSpPr/>
+          <p:nvPr/>
+        </p:nvSpPr>
+        <p:spPr>
+          <a:xfrm>
+            <a:off x="7596778" y="1666782"/>
+            <a:ext cx="1398994" cy="376766"/>
+          </a:xfrm>
+          <a:prstGeom prst="rect">
+            <a:avLst/>
+          </a:prstGeom>
+          <a:noFill/>
+          <a:ln w="9525">
+            <a:noFill/>
+          </a:ln>
+        </p:spPr>
+        <p:style>
+          <a:lnRef idx="2">
+            <a:schemeClr val="accent1">
+              <a:shade val="15000"/>
+            </a:schemeClr>
+          </a:lnRef>
+          <a:fillRef idx="1">
+            <a:schemeClr val="accent1"/>
+          </a:fillRef>
+          <a:effectRef idx="0">
+            <a:schemeClr val="accent1"/>
+          </a:effectRef>
+          <a:fontRef idx="minor">
+            <a:schemeClr val="lt1"/>
+          </a:fontRef>
+        </p:style>
+        <p:txBody>
+          <a:bodyPr rtlCol="0" anchor="ctr"/>
+          <a:lstStyle/>
+          <a:p>
+            <a:r>
+              <a:rPr lang="en-US" sz="1000">
+                <a:solidFill>
+                  <a:schemeClr val="tx1"/>
+                </a:solidFill>
+                <a:latin typeface="Avenir Book" panose="02000503020000020003" pitchFamily="2" charset="0"/>
+              </a:rPr>
+              <a:t>Hub Hank</a:t>
+            </a:r>
+            <a:endParaRPr lang="en-US" sz="1000" dirty="0">
+              <a:solidFill>
+                <a:schemeClr val="tx1"/>
+              </a:solidFill>
+              <a:latin typeface="Avenir Book" panose="02000503020000020003" pitchFamily="2" charset="0"/>
+            </a:endParaRPr>
+          </a:p>
+        </p:txBody>
+      </p:sp>
+      <p:sp>
+        <p:nvSpPr>
+          <p:cNvPr id="4" name="Rectangle 3">
+            <a:extLst>
+              <a:ext uri="{FF2B5EF4-FFF2-40B4-BE49-F238E27FC236}">
+                <a16:creationId xmlns:a16="http://schemas.microsoft.com/office/drawing/2014/main" id="{6E637A07-03DA-249C-1A5B-2BDD5A39EA6C}"/>
+              </a:ext>
+            </a:extLst>
+          </p:cNvPr>
+          <p:cNvSpPr/>
+          <p:nvPr/>
+        </p:nvSpPr>
+        <p:spPr>
+          <a:xfrm>
+            <a:off x="6302925" y="2844787"/>
+            <a:ext cx="2296405" cy="376766"/>
+          </a:xfrm>
+          <a:prstGeom prst="rect">
+            <a:avLst/>
+          </a:prstGeom>
+          <a:noFill/>
+          <a:ln w="9525">
+            <a:noFill/>
+          </a:ln>
+        </p:spPr>
+        <p:style>
+          <a:lnRef idx="2">
+            <a:schemeClr val="accent1">
+              <a:shade val="15000"/>
+            </a:schemeClr>
+          </a:lnRef>
+          <a:fillRef idx="1">
+            <a:schemeClr val="accent1"/>
+          </a:fillRef>
+          <a:effectRef idx="0">
+            <a:schemeClr val="accent1"/>
+          </a:effectRef>
+          <a:fontRef idx="minor">
+            <a:schemeClr val="lt1"/>
+          </a:fontRef>
+        </p:style>
+        <p:txBody>
+          <a:bodyPr rtlCol="0" anchor="ctr"/>
+          <a:lstStyle/>
+          <a:p>
+            <a:r>
+              <a:rPr lang="en-US" sz="800" dirty="0">
+                <a:solidFill>
+                  <a:srgbClr val="FF0000"/>
+                </a:solidFill>
+                <a:latin typeface="Avenir Book" panose="02000503020000020003" pitchFamily="2" charset="0"/>
+              </a:rPr>
+              <a:t>DSKE out-of-band protocol</a:t>
+            </a:r>
+          </a:p>
+          <a:p>
+            <a:r>
+              <a:rPr lang="en-US" sz="800" dirty="0">
+                <a:solidFill>
+                  <a:srgbClr val="FF0000"/>
+                </a:solidFill>
+                <a:latin typeface="Avenir Book" panose="02000503020000020003" pitchFamily="2" charset="0"/>
+              </a:rPr>
+              <a:t>PSRD block</a:t>
+            </a:r>
+          </a:p>
+        </p:txBody>
+      </p:sp>
+      <p:sp>
+        <p:nvSpPr>
+          <p:cNvPr id="5" name="Rectangle 4">
+            <a:extLst>
+              <a:ext uri="{FF2B5EF4-FFF2-40B4-BE49-F238E27FC236}">
+                <a16:creationId xmlns:a16="http://schemas.microsoft.com/office/drawing/2014/main" id="{54B6B383-1AAB-A317-D859-C2390AF4DA5C}"/>
+              </a:ext>
+            </a:extLst>
+          </p:cNvPr>
+          <p:cNvSpPr/>
+          <p:nvPr/>
+        </p:nvSpPr>
+        <p:spPr>
+          <a:xfrm>
+            <a:off x="6315829" y="4399834"/>
+            <a:ext cx="2584366" cy="376766"/>
+          </a:xfrm>
+          <a:prstGeom prst="rect">
+            <a:avLst/>
+          </a:prstGeom>
+          <a:noFill/>
+          <a:ln w="9525">
+            <a:noFill/>
+          </a:ln>
+        </p:spPr>
+        <p:style>
+          <a:lnRef idx="2">
+            <a:schemeClr val="accent1">
+              <a:shade val="15000"/>
+            </a:schemeClr>
+          </a:lnRef>
+          <a:fillRef idx="1">
+            <a:schemeClr val="accent1"/>
+          </a:fillRef>
+          <a:effectRef idx="0">
+            <a:schemeClr val="accent1"/>
+          </a:effectRef>
+          <a:fontRef idx="minor">
+            <a:schemeClr val="lt1"/>
+          </a:fontRef>
+        </p:style>
+        <p:txBody>
+          <a:bodyPr rtlCol="0" anchor="ctr"/>
+          <a:lstStyle/>
+          <a:p>
+            <a:r>
+              <a:rPr lang="en-US" sz="800" dirty="0">
+                <a:solidFill>
+                  <a:schemeClr val="accent6">
+                    <a:lumMod val="75000"/>
+                  </a:schemeClr>
+                </a:solidFill>
+                <a:latin typeface="Avenir Book" panose="02000503020000020003" pitchFamily="2" charset="0"/>
+              </a:rPr>
+              <a:t>DSKE in-band protocol</a:t>
+            </a:r>
+          </a:p>
+          <a:p>
+            <a:r>
+              <a:rPr lang="en-US" sz="800" dirty="0">
+                <a:solidFill>
+                  <a:schemeClr val="accent6">
+                    <a:lumMod val="75000"/>
+                  </a:schemeClr>
+                </a:solidFill>
+                <a:latin typeface="Avenir Book" panose="02000503020000020003" pitchFamily="2" charset="0"/>
+              </a:rPr>
+              <a:t>Signed DSKE protocol message</a:t>
+            </a:r>
+          </a:p>
+          <a:p>
+            <a:r>
+              <a:rPr lang="en-US" sz="800" dirty="0">
+                <a:solidFill>
+                  <a:schemeClr val="accent6">
+                    <a:lumMod val="75000"/>
+                  </a:schemeClr>
+                </a:solidFill>
+                <a:latin typeface="Avenir Book" panose="02000503020000020003" pitchFamily="2" charset="0"/>
+              </a:rPr>
+              <a:t>Signing key meta-data</a:t>
+            </a:r>
+          </a:p>
+        </p:txBody>
+      </p:sp>
+      <p:sp>
+        <p:nvSpPr>
+          <p:cNvPr id="6" name="Rounded Rectangle 5">
+            <a:extLst>
+              <a:ext uri="{FF2B5EF4-FFF2-40B4-BE49-F238E27FC236}">
+                <a16:creationId xmlns:a16="http://schemas.microsoft.com/office/drawing/2014/main" id="{CD3FFFDA-CAD8-21C2-32B2-EE7AAFD317DD}"/>
+              </a:ext>
+            </a:extLst>
+          </p:cNvPr>
+          <p:cNvSpPr/>
+          <p:nvPr/>
+        </p:nvSpPr>
+        <p:spPr>
+          <a:xfrm>
+            <a:off x="7913261" y="2064330"/>
+            <a:ext cx="563078" cy="305205"/>
+          </a:xfrm>
+          <a:prstGeom prst="roundRect">
+            <a:avLst>
+              <a:gd name="adj" fmla="val 50000"/>
+            </a:avLst>
+          </a:prstGeom>
+          <a:solidFill>
+            <a:schemeClr val="accent2">
+              <a:lumMod val="20000"/>
+              <a:lumOff val="80000"/>
+            </a:schemeClr>
+          </a:solidFill>
+          <a:ln w="9525"/>
+        </p:spPr>
+        <p:style>
+          <a:lnRef idx="2">
+            <a:schemeClr val="accent1">
+              <a:shade val="15000"/>
+            </a:schemeClr>
+          </a:lnRef>
+          <a:fillRef idx="1">
+            <a:schemeClr val="accent1"/>
+          </a:fillRef>
+          <a:effectRef idx="0">
+            <a:schemeClr val="accent1"/>
+          </a:effectRef>
+          <a:fontRef idx="minor">
+            <a:schemeClr val="lt1"/>
+          </a:fontRef>
+        </p:style>
+        <p:txBody>
+          <a:bodyPr rtlCol="0" anchor="ctr"/>
+          <a:lstStyle/>
+          <a:p>
+            <a:pPr algn="ctr"/>
+            <a:r>
+              <a:rPr lang="en-US" sz="1000" dirty="0">
+                <a:solidFill>
+                  <a:schemeClr val="tx1"/>
+                </a:solidFill>
+                <a:latin typeface="Avenir Book" panose="02000503020000020003" pitchFamily="2" charset="0"/>
+              </a:rPr>
+              <a:t>RNG</a:t>
+            </a:r>
+          </a:p>
+        </p:txBody>
+      </p:sp>
+      <p:cxnSp>
+        <p:nvCxnSpPr>
+          <p:cNvPr id="10" name="Straight Connector 9">
+            <a:extLst>
+              <a:ext uri="{FF2B5EF4-FFF2-40B4-BE49-F238E27FC236}">
+                <a16:creationId xmlns:a16="http://schemas.microsoft.com/office/drawing/2014/main" id="{3DBB3E00-285E-CCA0-29CA-BF9A5F560266}"/>
+              </a:ext>
+            </a:extLst>
+          </p:cNvPr>
+          <p:cNvCxnSpPr>
+            <a:cxnSpLocks/>
+          </p:cNvCxnSpPr>
+          <p:nvPr/>
+        </p:nvCxnSpPr>
+        <p:spPr>
+          <a:xfrm>
+            <a:off x="8193099" y="2372068"/>
+            <a:ext cx="0" cy="179937"/>
+          </a:xfrm>
+          <a:prstGeom prst="line">
+            <a:avLst/>
+          </a:prstGeom>
+          <a:ln w="9525" cap="rnd">
+            <a:solidFill>
+              <a:schemeClr val="tx1"/>
+            </a:solidFill>
+            <a:tailEnd type="triangle"/>
+          </a:ln>
+        </p:spPr>
+        <p:style>
+          <a:lnRef idx="2">
+            <a:schemeClr val="accent1"/>
+          </a:lnRef>
+          <a:fillRef idx="0">
+            <a:schemeClr val="accent1"/>
+          </a:fillRef>
+          <a:effectRef idx="1">
+            <a:schemeClr val="accent1"/>
+          </a:effectRef>
+          <a:fontRef idx="minor">
+            <a:schemeClr val="tx1"/>
+          </a:fontRef>
+        </p:style>
+      </p:cxnSp>
+      <p:sp>
+        <p:nvSpPr>
+          <p:cNvPr id="17" name="Rounded Rectangle 16">
+            <a:extLst>
+              <a:ext uri="{FF2B5EF4-FFF2-40B4-BE49-F238E27FC236}">
+                <a16:creationId xmlns:a16="http://schemas.microsoft.com/office/drawing/2014/main" id="{141CFB46-9A9F-AD62-4066-823DC2507AE5}"/>
+              </a:ext>
+            </a:extLst>
+          </p:cNvPr>
+          <p:cNvSpPr/>
+          <p:nvPr/>
+        </p:nvSpPr>
+        <p:spPr>
+          <a:xfrm>
+            <a:off x="4299966" y="3411190"/>
+            <a:ext cx="1069193" cy="376767"/>
+          </a:xfrm>
+          <a:prstGeom prst="roundRect">
+            <a:avLst>
+              <a:gd name="adj" fmla="val 50000"/>
+            </a:avLst>
+          </a:prstGeom>
+          <a:solidFill>
+            <a:schemeClr val="tx2">
+              <a:lumMod val="10000"/>
+              <a:lumOff val="90000"/>
+            </a:schemeClr>
+          </a:solidFill>
+          <a:ln w="9525"/>
+        </p:spPr>
+        <p:style>
+          <a:lnRef idx="2">
+            <a:schemeClr val="accent1">
+              <a:shade val="15000"/>
+            </a:schemeClr>
+          </a:lnRef>
+          <a:fillRef idx="1">
+            <a:schemeClr val="accent1"/>
+          </a:fillRef>
+          <a:effectRef idx="0">
+            <a:schemeClr val="accent1"/>
+          </a:effectRef>
+          <a:fontRef idx="minor">
+            <a:schemeClr val="lt1"/>
+          </a:fontRef>
+        </p:style>
+        <p:txBody>
+          <a:bodyPr rtlCol="0" anchor="ctr"/>
+          <a:lstStyle/>
+          <a:p>
+            <a:pPr algn="ctr"/>
+            <a:r>
+              <a:rPr lang="en-US" sz="1000" dirty="0">
+                <a:solidFill>
+                  <a:schemeClr val="tx1"/>
+                </a:solidFill>
+                <a:latin typeface="Avenir Book" panose="02000503020000020003" pitchFamily="2" charset="0"/>
+              </a:rPr>
+              <a:t>Sign</a:t>
+            </a:r>
+          </a:p>
+        </p:txBody>
+      </p:sp>
+      <p:sp>
+        <p:nvSpPr>
+          <p:cNvPr id="19" name="Rectangle 18">
+            <a:extLst>
+              <a:ext uri="{FF2B5EF4-FFF2-40B4-BE49-F238E27FC236}">
+                <a16:creationId xmlns:a16="http://schemas.microsoft.com/office/drawing/2014/main" id="{98B7CC85-B55B-24AF-7FFB-4EE60DD3B178}"/>
+              </a:ext>
+            </a:extLst>
+          </p:cNvPr>
+          <p:cNvSpPr/>
+          <p:nvPr/>
+        </p:nvSpPr>
+        <p:spPr>
+          <a:xfrm>
+            <a:off x="2206025" y="3411191"/>
+            <a:ext cx="1715977" cy="376766"/>
+          </a:xfrm>
+          <a:prstGeom prst="rect">
+            <a:avLst/>
+          </a:prstGeom>
+          <a:solidFill>
+            <a:schemeClr val="tx2">
+              <a:lumMod val="10000"/>
+              <a:lumOff val="90000"/>
+            </a:schemeClr>
+          </a:solidFill>
+          <a:ln w="9525"/>
+        </p:spPr>
+        <p:style>
+          <a:lnRef idx="2">
+            <a:schemeClr val="accent1">
+              <a:shade val="15000"/>
+            </a:schemeClr>
+          </a:lnRef>
+          <a:fillRef idx="1">
+            <a:schemeClr val="accent1"/>
+          </a:fillRef>
+          <a:effectRef idx="0">
+            <a:schemeClr val="accent1"/>
+          </a:effectRef>
+          <a:fontRef idx="minor">
+            <a:schemeClr val="lt1"/>
+          </a:fontRef>
+        </p:style>
+        <p:txBody>
+          <a:bodyPr rtlCol="0" anchor="ctr"/>
+          <a:lstStyle/>
+          <a:p>
+            <a:r>
+              <a:rPr lang="en-US" sz="1000" dirty="0">
+                <a:solidFill>
+                  <a:schemeClr val="tx1"/>
+                </a:solidFill>
+                <a:latin typeface="Avenir Book" panose="02000503020000020003" pitchFamily="2" charset="0"/>
+              </a:rPr>
+              <a:t>Unsigned</a:t>
+            </a:r>
+          </a:p>
+          <a:p>
+            <a:r>
+              <a:rPr lang="en-US" sz="1000" dirty="0">
+                <a:solidFill>
+                  <a:schemeClr val="tx1"/>
+                </a:solidFill>
+                <a:latin typeface="Avenir Book" panose="02000503020000020003" pitchFamily="2" charset="0"/>
+              </a:rPr>
+              <a:t>DSKE protocol message</a:t>
+            </a:r>
+          </a:p>
+        </p:txBody>
+      </p:sp>
+      <p:cxnSp>
+        <p:nvCxnSpPr>
+          <p:cNvPr id="20" name="Straight Connector 19">
+            <a:extLst>
+              <a:ext uri="{FF2B5EF4-FFF2-40B4-BE49-F238E27FC236}">
+                <a16:creationId xmlns:a16="http://schemas.microsoft.com/office/drawing/2014/main" id="{FCE47D86-308F-1134-6809-215CA4B8AFA4}"/>
+              </a:ext>
+            </a:extLst>
+          </p:cNvPr>
+          <p:cNvCxnSpPr>
+            <a:cxnSpLocks/>
+            <a:stCxn id="8" idx="2"/>
+            <a:endCxn id="17" idx="0"/>
+          </p:cNvCxnSpPr>
+          <p:nvPr/>
+        </p:nvCxnSpPr>
+        <p:spPr>
+          <a:xfrm flipH="1">
+            <a:off x="4834563" y="3050145"/>
+            <a:ext cx="2463" cy="361045"/>
+          </a:xfrm>
+          <a:prstGeom prst="line">
+            <a:avLst/>
+          </a:prstGeom>
+          <a:ln w="9525" cap="rnd">
+            <a:solidFill>
+              <a:schemeClr val="tx1"/>
+            </a:solidFill>
+            <a:tailEnd type="triangle"/>
+          </a:ln>
+        </p:spPr>
+        <p:style>
+          <a:lnRef idx="2">
+            <a:schemeClr val="accent1"/>
+          </a:lnRef>
+          <a:fillRef idx="0">
+            <a:schemeClr val="accent1"/>
+          </a:fillRef>
+          <a:effectRef idx="1">
+            <a:schemeClr val="accent1"/>
+          </a:effectRef>
+          <a:fontRef idx="minor">
+            <a:schemeClr val="tx1"/>
+          </a:fontRef>
+        </p:style>
+      </p:cxnSp>
+      <p:cxnSp>
+        <p:nvCxnSpPr>
+          <p:cNvPr id="24" name="Straight Connector 23">
+            <a:extLst>
+              <a:ext uri="{FF2B5EF4-FFF2-40B4-BE49-F238E27FC236}">
+                <a16:creationId xmlns:a16="http://schemas.microsoft.com/office/drawing/2014/main" id="{CC26A62C-624F-F999-8B74-C78006870A1C}"/>
+              </a:ext>
+            </a:extLst>
+          </p:cNvPr>
+          <p:cNvCxnSpPr>
+            <a:cxnSpLocks/>
+            <a:stCxn id="19" idx="3"/>
+            <a:endCxn id="17" idx="1"/>
+          </p:cNvCxnSpPr>
+          <p:nvPr/>
+        </p:nvCxnSpPr>
+        <p:spPr>
+          <a:xfrm>
+            <a:off x="3922002" y="3599574"/>
+            <a:ext cx="377964" cy="0"/>
+          </a:xfrm>
+          <a:prstGeom prst="line">
+            <a:avLst/>
+          </a:prstGeom>
+          <a:ln w="9525" cap="rnd">
+            <a:solidFill>
+              <a:schemeClr val="tx1"/>
+            </a:solidFill>
+            <a:tailEnd type="triangle"/>
+          </a:ln>
+        </p:spPr>
+        <p:style>
+          <a:lnRef idx="2">
+            <a:schemeClr val="accent1"/>
+          </a:lnRef>
+          <a:fillRef idx="0">
+            <a:schemeClr val="accent1"/>
+          </a:fillRef>
+          <a:effectRef idx="1">
+            <a:schemeClr val="accent1"/>
+          </a:effectRef>
+          <a:fontRef idx="minor">
+            <a:schemeClr val="tx1"/>
+          </a:fontRef>
+        </p:style>
+      </p:cxnSp>
+      <p:cxnSp>
+        <p:nvCxnSpPr>
+          <p:cNvPr id="42" name="Straight Connector 41">
+            <a:extLst>
+              <a:ext uri="{FF2B5EF4-FFF2-40B4-BE49-F238E27FC236}">
+                <a16:creationId xmlns:a16="http://schemas.microsoft.com/office/drawing/2014/main" id="{4E3580B5-A968-3EF9-4401-1FB75FD58FBA}"/>
+              </a:ext>
+            </a:extLst>
+          </p:cNvPr>
+          <p:cNvCxnSpPr>
+            <a:cxnSpLocks/>
+          </p:cNvCxnSpPr>
+          <p:nvPr/>
+        </p:nvCxnSpPr>
+        <p:spPr>
+          <a:xfrm flipH="1">
+            <a:off x="4832099" y="3788227"/>
+            <a:ext cx="2463" cy="361045"/>
+          </a:xfrm>
+          <a:prstGeom prst="line">
+            <a:avLst/>
+          </a:prstGeom>
+          <a:ln w="9525" cap="rnd">
+            <a:solidFill>
+              <a:schemeClr val="tx1"/>
+            </a:solidFill>
+            <a:tailEnd type="triangle"/>
+          </a:ln>
+        </p:spPr>
+        <p:style>
+          <a:lnRef idx="2">
+            <a:schemeClr val="accent1"/>
+          </a:lnRef>
+          <a:fillRef idx="0">
+            <a:schemeClr val="accent1"/>
+          </a:fillRef>
+          <a:effectRef idx="1">
+            <a:schemeClr val="accent1"/>
+          </a:effectRef>
+          <a:fontRef idx="minor">
+            <a:schemeClr val="tx1"/>
+          </a:fontRef>
+        </p:style>
+      </p:cxnSp>
+      <p:sp>
+        <p:nvSpPr>
+          <p:cNvPr id="46" name="Rounded Rectangle 45">
+            <a:extLst>
+              <a:ext uri="{FF2B5EF4-FFF2-40B4-BE49-F238E27FC236}">
+                <a16:creationId xmlns:a16="http://schemas.microsoft.com/office/drawing/2014/main" id="{62A123A0-0CFC-6983-23F4-C540E309FA78}"/>
+              </a:ext>
+            </a:extLst>
+          </p:cNvPr>
+          <p:cNvSpPr/>
+          <p:nvPr/>
+        </p:nvSpPr>
+        <p:spPr>
+          <a:xfrm>
+            <a:off x="8771336" y="3426911"/>
+            <a:ext cx="1069193" cy="376767"/>
+          </a:xfrm>
+          <a:prstGeom prst="roundRect">
+            <a:avLst>
+              <a:gd name="adj" fmla="val 50000"/>
+            </a:avLst>
+          </a:prstGeom>
+          <a:solidFill>
+            <a:schemeClr val="tx2">
+              <a:lumMod val="10000"/>
+              <a:lumOff val="90000"/>
+            </a:schemeClr>
+          </a:solidFill>
+          <a:ln w="9525"/>
+        </p:spPr>
+        <p:style>
+          <a:lnRef idx="2">
+            <a:schemeClr val="accent1">
+              <a:shade val="15000"/>
+            </a:schemeClr>
+          </a:lnRef>
+          <a:fillRef idx="1">
+            <a:schemeClr val="accent1"/>
+          </a:fillRef>
+          <a:effectRef idx="0">
+            <a:schemeClr val="accent1"/>
+          </a:effectRef>
+          <a:fontRef idx="minor">
+            <a:schemeClr val="lt1"/>
+          </a:fontRef>
+        </p:style>
+        <p:txBody>
+          <a:bodyPr rtlCol="0" anchor="ctr"/>
+          <a:lstStyle/>
+          <a:p>
+            <a:pPr algn="ctr"/>
+            <a:r>
+              <a:rPr lang="en-US" sz="1000" dirty="0">
+                <a:solidFill>
+                  <a:schemeClr val="tx1"/>
+                </a:solidFill>
+                <a:latin typeface="Avenir Book" panose="02000503020000020003" pitchFamily="2" charset="0"/>
+              </a:rPr>
+              <a:t>Check</a:t>
+            </a:r>
+          </a:p>
+          <a:p>
+            <a:pPr algn="ctr"/>
+            <a:r>
+              <a:rPr lang="en-US" sz="1000" dirty="0">
+                <a:solidFill>
+                  <a:schemeClr val="tx1"/>
+                </a:solidFill>
+                <a:latin typeface="Avenir Book" panose="02000503020000020003" pitchFamily="2" charset="0"/>
+              </a:rPr>
+              <a:t>Signature</a:t>
+            </a:r>
+          </a:p>
+        </p:txBody>
+      </p:sp>
+      <p:cxnSp>
+        <p:nvCxnSpPr>
+          <p:cNvPr id="47" name="Straight Connector 46">
+            <a:extLst>
+              <a:ext uri="{FF2B5EF4-FFF2-40B4-BE49-F238E27FC236}">
+                <a16:creationId xmlns:a16="http://schemas.microsoft.com/office/drawing/2014/main" id="{49E64192-3DF5-B2EC-3B61-21B276A89AB6}"/>
+              </a:ext>
+            </a:extLst>
+          </p:cNvPr>
+          <p:cNvCxnSpPr>
+            <a:cxnSpLocks/>
+          </p:cNvCxnSpPr>
+          <p:nvPr/>
+        </p:nvCxnSpPr>
+        <p:spPr>
+          <a:xfrm flipH="1">
+            <a:off x="9303469" y="3055534"/>
+            <a:ext cx="2463" cy="361045"/>
+          </a:xfrm>
+          <a:prstGeom prst="line">
+            <a:avLst/>
+          </a:prstGeom>
+          <a:ln w="9525" cap="rnd">
+            <a:solidFill>
+              <a:schemeClr val="tx1"/>
+            </a:solidFill>
+            <a:tailEnd type="triangle"/>
+          </a:ln>
+        </p:spPr>
+        <p:style>
+          <a:lnRef idx="2">
+            <a:schemeClr val="accent1"/>
+          </a:lnRef>
+          <a:fillRef idx="0">
+            <a:schemeClr val="accent1"/>
+          </a:fillRef>
+          <a:effectRef idx="1">
+            <a:schemeClr val="accent1"/>
+          </a:effectRef>
+          <a:fontRef idx="minor">
+            <a:schemeClr val="tx1"/>
+          </a:fontRef>
+        </p:style>
+      </p:cxnSp>
+      <p:grpSp>
+        <p:nvGrpSpPr>
+          <p:cNvPr id="53" name="Group 52">
+            <a:extLst>
+              <a:ext uri="{FF2B5EF4-FFF2-40B4-BE49-F238E27FC236}">
+                <a16:creationId xmlns:a16="http://schemas.microsoft.com/office/drawing/2014/main" id="{2E8295A7-1057-07DF-1E3E-8DA7DFDB49C0}"/>
+              </a:ext>
+            </a:extLst>
+          </p:cNvPr>
+          <p:cNvGrpSpPr/>
+          <p:nvPr/>
+        </p:nvGrpSpPr>
+        <p:grpSpPr>
+          <a:xfrm>
+            <a:off x="3965564" y="4161120"/>
+            <a:ext cx="1715977" cy="376766"/>
+            <a:chOff x="3769116" y="3217380"/>
+            <a:chExt cx="1715977" cy="376766"/>
+          </a:xfrm>
+        </p:grpSpPr>
+        <p:sp>
+          <p:nvSpPr>
+            <p:cNvPr id="43" name="Rectangle 42">
+              <a:extLst>
+                <a:ext uri="{FF2B5EF4-FFF2-40B4-BE49-F238E27FC236}">
+                  <a16:creationId xmlns:a16="http://schemas.microsoft.com/office/drawing/2014/main" id="{2409DD55-8569-7F6F-19F2-FF7595F21B30}"/>
+                </a:ext>
+              </a:extLst>
+            </p:cNvPr>
+            <p:cNvSpPr/>
+            <p:nvPr/>
+          </p:nvSpPr>
+          <p:spPr>
+            <a:xfrm>
+              <a:off x="3769116" y="3217380"/>
+              <a:ext cx="1715977" cy="376766"/>
+            </a:xfrm>
+            <a:prstGeom prst="rect">
+              <a:avLst/>
+            </a:prstGeom>
+            <a:solidFill>
+              <a:schemeClr val="accent3">
+                <a:lumMod val="20000"/>
+                <a:lumOff val="80000"/>
+              </a:schemeClr>
+            </a:solidFill>
+            <a:ln w="9525"/>
+          </p:spPr>
+          <p:style>
+            <a:lnRef idx="2">
+              <a:schemeClr val="accent1">
+                <a:shade val="15000"/>
+              </a:schemeClr>
+            </a:lnRef>
+            <a:fillRef idx="1">
+              <a:schemeClr val="accent1"/>
+            </a:fillRef>
+            <a:effectRef idx="0">
+              <a:schemeClr val="accent1"/>
+            </a:effectRef>
+            <a:fontRef idx="minor">
+              <a:schemeClr val="lt1"/>
+            </a:fontRef>
+          </p:style>
+          <p:txBody>
+            <a:bodyPr rtlCol="0" anchor="ctr"/>
+            <a:lstStyle/>
+            <a:p>
+              <a:r>
+                <a:rPr lang="en-US" sz="1000" dirty="0">
+                  <a:solidFill>
+                    <a:schemeClr val="tx1"/>
+                  </a:solidFill>
+                  <a:latin typeface="Avenir Book" panose="02000503020000020003" pitchFamily="2" charset="0"/>
+                </a:rPr>
+                <a:t>Signed</a:t>
+              </a:r>
+            </a:p>
+            <a:p>
+              <a:r>
+                <a:rPr lang="en-US" sz="1000" dirty="0">
+                  <a:solidFill>
+                    <a:schemeClr val="tx1"/>
+                  </a:solidFill>
+                  <a:latin typeface="Avenir Book" panose="02000503020000020003" pitchFamily="2" charset="0"/>
+                </a:rPr>
+                <a:t>DSKE protocol message</a:t>
+              </a:r>
+            </a:p>
+          </p:txBody>
+        </p:sp>
+        <p:pic>
+          <p:nvPicPr>
+            <p:cNvPr id="2052" name="Picture 4" descr="illustrations, cliparts, dessins animés et icônes de icône de qualité, étiquette de ruban de marque de contrôle certifiée. vector produit premium certifié ou meilleur choix recommandé prix et la garantie approuvé timbre certificat - seal icon">
+              <a:extLst>
+                <a:ext uri="{FF2B5EF4-FFF2-40B4-BE49-F238E27FC236}">
+                  <a16:creationId xmlns:a16="http://schemas.microsoft.com/office/drawing/2014/main" id="{C993FECF-467E-488D-3FDB-A120B9ECD183}"/>
+                </a:ext>
+              </a:extLst>
+            </p:cNvPr>
+            <p:cNvPicPr>
+              <a:picLocks noChangeAspect="1" noChangeArrowheads="1"/>
+            </p:cNvPicPr>
+            <p:nvPr/>
+          </p:nvPicPr>
+          <p:blipFill rotWithShape="1">
+            <a:blip r:embed="rId2">
+              <a:clrChange>
+                <a:clrFrom>
+                  <a:srgbClr val="FFFFFF"/>
+                </a:clrFrom>
+                <a:clrTo>
+                  <a:srgbClr val="FFFFFF">
+                    <a:alpha val="0"/>
+                  </a:srgbClr>
+                </a:clrTo>
+              </a:clrChange>
+              <a:duotone>
+                <a:schemeClr val="accent3">
+                  <a:shade val="45000"/>
+                  <a:satMod val="135000"/>
+                </a:schemeClr>
+                <a:prstClr val="white"/>
+              </a:duotone>
+              <a:extLst>
+                <a:ext uri="{28A0092B-C50C-407E-A947-70E740481C1C}">
+                  <a14:useLocalDpi xmlns:a14="http://schemas.microsoft.com/office/drawing/2010/main" val="0"/>
+                </a:ext>
+              </a:extLst>
+            </a:blip>
+            <a:srcRect l="22635" t="14783" r="23749" b="11435"/>
+            <a:stretch>
+              <a:fillRect/>
+            </a:stretch>
+          </p:blipFill>
+          <p:spPr bwMode="auto">
+            <a:xfrm>
+              <a:off x="5277728" y="3294433"/>
+              <a:ext cx="173778" cy="239136"/>
+            </a:xfrm>
+            <a:prstGeom prst="rect">
+              <a:avLst/>
+            </a:prstGeom>
+            <a:noFill/>
+            <a:extLst>
+              <a:ext uri="{909E8E84-426E-40DD-AFC4-6F175D3DCCD1}">
+                <a14:hiddenFill xmlns:a14="http://schemas.microsoft.com/office/drawing/2010/main">
+                  <a:solidFill>
+                    <a:srgbClr val="FFFFFF"/>
+                  </a:solidFill>
+                </a14:hiddenFill>
+              </a:ext>
+            </a:extLst>
+          </p:spPr>
+        </p:pic>
+      </p:grpSp>
+      <p:grpSp>
+        <p:nvGrpSpPr>
+          <p:cNvPr id="54" name="Group 53">
+            <a:extLst>
+              <a:ext uri="{FF2B5EF4-FFF2-40B4-BE49-F238E27FC236}">
+                <a16:creationId xmlns:a16="http://schemas.microsoft.com/office/drawing/2014/main" id="{99066C00-1D09-688E-D6AA-5E610AC6D0A8}"/>
+              </a:ext>
+            </a:extLst>
+          </p:cNvPr>
+          <p:cNvGrpSpPr/>
+          <p:nvPr/>
+        </p:nvGrpSpPr>
+        <p:grpSpPr>
+          <a:xfrm>
+            <a:off x="8443017" y="4176842"/>
+            <a:ext cx="1715977" cy="376766"/>
+            <a:chOff x="3769116" y="3217380"/>
+            <a:chExt cx="1715977" cy="376766"/>
+          </a:xfrm>
+        </p:grpSpPr>
+        <p:sp>
+          <p:nvSpPr>
+            <p:cNvPr id="56" name="Rectangle 55">
+              <a:extLst>
+                <a:ext uri="{FF2B5EF4-FFF2-40B4-BE49-F238E27FC236}">
+                  <a16:creationId xmlns:a16="http://schemas.microsoft.com/office/drawing/2014/main" id="{08C66324-E435-E2E4-9893-45690AB712DB}"/>
+                </a:ext>
+              </a:extLst>
+            </p:cNvPr>
+            <p:cNvSpPr/>
+            <p:nvPr/>
+          </p:nvSpPr>
+          <p:spPr>
+            <a:xfrm>
+              <a:off x="3769116" y="3217380"/>
+              <a:ext cx="1715977" cy="376766"/>
+            </a:xfrm>
+            <a:prstGeom prst="rect">
+              <a:avLst/>
+            </a:prstGeom>
+            <a:solidFill>
+              <a:schemeClr val="accent3">
+                <a:lumMod val="20000"/>
+                <a:lumOff val="80000"/>
+              </a:schemeClr>
+            </a:solidFill>
+            <a:ln w="9525"/>
+          </p:spPr>
+          <p:style>
+            <a:lnRef idx="2">
+              <a:schemeClr val="accent1">
+                <a:shade val="15000"/>
+              </a:schemeClr>
+            </a:lnRef>
+            <a:fillRef idx="1">
+              <a:schemeClr val="accent1"/>
+            </a:fillRef>
+            <a:effectRef idx="0">
+              <a:schemeClr val="accent1"/>
+            </a:effectRef>
+            <a:fontRef idx="minor">
+              <a:schemeClr val="lt1"/>
+            </a:fontRef>
+          </p:style>
+          <p:txBody>
+            <a:bodyPr rtlCol="0" anchor="ctr"/>
+            <a:lstStyle/>
+            <a:p>
+              <a:r>
+                <a:rPr lang="en-US" sz="1000" dirty="0">
+                  <a:solidFill>
+                    <a:schemeClr val="tx1"/>
+                  </a:solidFill>
+                  <a:latin typeface="Avenir Book" panose="02000503020000020003" pitchFamily="2" charset="0"/>
+                </a:rPr>
+                <a:t>Signed</a:t>
+              </a:r>
+            </a:p>
+            <a:p>
+              <a:r>
+                <a:rPr lang="en-US" sz="1000" dirty="0">
+                  <a:solidFill>
+                    <a:schemeClr val="tx1"/>
+                  </a:solidFill>
+                  <a:latin typeface="Avenir Book" panose="02000503020000020003" pitchFamily="2" charset="0"/>
+                </a:rPr>
+                <a:t>DSKE protocol message</a:t>
+              </a:r>
+            </a:p>
+          </p:txBody>
+        </p:sp>
+        <p:pic>
+          <p:nvPicPr>
+            <p:cNvPr id="57" name="Picture 4" descr="illustrations, cliparts, dessins animés et icônes de icône de qualité, étiquette de ruban de marque de contrôle certifiée. vector produit premium certifié ou meilleur choix recommandé prix et la garantie approuvé timbre certificat - seal icon">
+              <a:extLst>
+                <a:ext uri="{FF2B5EF4-FFF2-40B4-BE49-F238E27FC236}">
+                  <a16:creationId xmlns:a16="http://schemas.microsoft.com/office/drawing/2014/main" id="{C2BFAA59-AB23-F674-FE4E-525EF462FC8D}"/>
+                </a:ext>
+              </a:extLst>
+            </p:cNvPr>
+            <p:cNvPicPr>
+              <a:picLocks noChangeAspect="1" noChangeArrowheads="1"/>
+            </p:cNvPicPr>
+            <p:nvPr/>
+          </p:nvPicPr>
+          <p:blipFill rotWithShape="1">
+            <a:blip r:embed="rId2">
+              <a:clrChange>
+                <a:clrFrom>
+                  <a:srgbClr val="FFFFFF"/>
+                </a:clrFrom>
+                <a:clrTo>
+                  <a:srgbClr val="FFFFFF">
+                    <a:alpha val="0"/>
+                  </a:srgbClr>
+                </a:clrTo>
+              </a:clrChange>
+              <a:duotone>
+                <a:schemeClr val="accent3">
+                  <a:shade val="45000"/>
+                  <a:satMod val="135000"/>
+                </a:schemeClr>
+                <a:prstClr val="white"/>
+              </a:duotone>
+              <a:extLst>
+                <a:ext uri="{28A0092B-C50C-407E-A947-70E740481C1C}">
+                  <a14:useLocalDpi xmlns:a14="http://schemas.microsoft.com/office/drawing/2010/main" val="0"/>
+                </a:ext>
+              </a:extLst>
+            </a:blip>
+            <a:srcRect l="22635" t="14783" r="23749" b="11435"/>
+            <a:stretch>
+              <a:fillRect/>
+            </a:stretch>
+          </p:blipFill>
+          <p:spPr bwMode="auto">
+            <a:xfrm>
+              <a:off x="5277728" y="3294433"/>
+              <a:ext cx="173778" cy="239136"/>
+            </a:xfrm>
+            <a:prstGeom prst="rect">
+              <a:avLst/>
+            </a:prstGeom>
+            <a:noFill/>
+            <a:extLst>
+              <a:ext uri="{909E8E84-426E-40DD-AFC4-6F175D3DCCD1}">
+                <a14:hiddenFill xmlns:a14="http://schemas.microsoft.com/office/drawing/2010/main">
+                  <a:solidFill>
+                    <a:srgbClr val="FFFFFF"/>
+                  </a:solidFill>
+                </a14:hiddenFill>
+              </a:ext>
+            </a:extLst>
+          </p:spPr>
+        </p:pic>
+      </p:grpSp>
+      <p:cxnSp>
+        <p:nvCxnSpPr>
+          <p:cNvPr id="58" name="Straight Connector 57">
+            <a:extLst>
+              <a:ext uri="{FF2B5EF4-FFF2-40B4-BE49-F238E27FC236}">
+                <a16:creationId xmlns:a16="http://schemas.microsoft.com/office/drawing/2014/main" id="{1CFDAEC7-74B1-F88F-3B6D-CEC552ACA9A3}"/>
+              </a:ext>
+            </a:extLst>
+          </p:cNvPr>
+          <p:cNvCxnSpPr>
+            <a:cxnSpLocks/>
+          </p:cNvCxnSpPr>
+          <p:nvPr/>
+        </p:nvCxnSpPr>
+        <p:spPr>
+          <a:xfrm flipH="1" flipV="1">
+            <a:off x="9301006" y="3800075"/>
+            <a:ext cx="2463" cy="361045"/>
+          </a:xfrm>
+          <a:prstGeom prst="line">
+            <a:avLst/>
+          </a:prstGeom>
+          <a:ln w="9525" cap="rnd">
+            <a:solidFill>
+              <a:schemeClr val="tx1"/>
+            </a:solidFill>
+            <a:tailEnd type="triangle"/>
+          </a:ln>
+        </p:spPr>
+        <p:style>
+          <a:lnRef idx="2">
+            <a:schemeClr val="accent1"/>
+          </a:lnRef>
+          <a:fillRef idx="0">
+            <a:schemeClr val="accent1"/>
+          </a:fillRef>
+          <a:effectRef idx="1">
+            <a:schemeClr val="accent1"/>
+          </a:effectRef>
+          <a:fontRef idx="minor">
+            <a:schemeClr val="tx1"/>
+          </a:fontRef>
+        </p:style>
+      </p:cxnSp>
+      <p:sp>
+        <p:nvSpPr>
+          <p:cNvPr id="63" name="Rectangle 62">
+            <a:extLst>
+              <a:ext uri="{FF2B5EF4-FFF2-40B4-BE49-F238E27FC236}">
+                <a16:creationId xmlns:a16="http://schemas.microsoft.com/office/drawing/2014/main" id="{2D278446-FF2E-2F77-7A19-E4C53128184E}"/>
+              </a:ext>
+            </a:extLst>
+          </p:cNvPr>
+          <p:cNvSpPr/>
+          <p:nvPr/>
+        </p:nvSpPr>
+        <p:spPr>
+          <a:xfrm>
+            <a:off x="575426" y="1458097"/>
+            <a:ext cx="11045074" cy="3726884"/>
+          </a:xfrm>
+          <a:prstGeom prst="rect">
+            <a:avLst/>
+          </a:prstGeom>
+          <a:noFill/>
+          <a:ln w="9525">
+            <a:solidFill>
+              <a:schemeClr val="bg1">
+                <a:lumMod val="65000"/>
+              </a:schemeClr>
+            </a:solidFill>
+          </a:ln>
+        </p:spPr>
+        <p:style>
+          <a:lnRef idx="2">
+            <a:schemeClr val="accent1">
+              <a:shade val="15000"/>
+            </a:schemeClr>
+          </a:lnRef>
+          <a:fillRef idx="1">
+            <a:schemeClr val="accent1"/>
+          </a:fillRef>
+          <a:effectRef idx="0">
+            <a:schemeClr val="accent1"/>
+          </a:effectRef>
+          <a:fontRef idx="minor">
+            <a:schemeClr val="lt1"/>
+          </a:fontRef>
+        </p:style>
+        <p:txBody>
+          <a:bodyPr rtlCol="0" anchor="ctr"/>
+          <a:lstStyle/>
+          <a:p>
+            <a:pPr algn="ctr"/>
+            <a:endParaRPr lang="en-US" sz="1000" dirty="0">
+              <a:solidFill>
+                <a:schemeClr val="tx1"/>
+              </a:solidFill>
+              <a:latin typeface="Avenir Book" panose="02000503020000020003" pitchFamily="2" charset="0"/>
+            </a:endParaRPr>
+          </a:p>
+        </p:txBody>
+      </p:sp>
+    </p:spTree>
+    <p:extLst>
+      <p:ext uri="{BB962C8B-B14F-4D97-AF65-F5344CB8AC3E}">
+        <p14:creationId xmlns:p14="http://schemas.microsoft.com/office/powerpoint/2010/main" val="3347430111"/>
+      </p:ext>
+    </p:extLst>
+  </p:cSld>
+  <p:clrMapOvr>
+    <a:masterClrMapping/>
+  </p:clrMapOvr>
+</p:sld>
+</file>
+
+<file path=ppt/slides/slide9.xml><?xml version="1.0" encoding="utf-8"?>
+<p:sld xmlns:a="http://schemas.openxmlformats.org/drawingml/2006/main" xmlns:r="http://schemas.openxmlformats.org/officeDocument/2006/relationships" xmlns:p="http://schemas.openxmlformats.org/presentationml/2006/main">
+  <p:cSld>
+    <p:spTree>
+      <p:nvGrpSpPr>
         <p:cNvPr id="1" name=""/>
         <p:cNvGrpSpPr/>
         <p:nvPr/>
@@ -21990,1867 +25670,6 @@
     <p:extLst>
       <p:ext uri="{BB962C8B-B14F-4D97-AF65-F5344CB8AC3E}">
         <p14:creationId xmlns:p14="http://schemas.microsoft.com/office/powerpoint/2010/main" val="2243908987"/>
-      </p:ext>
-    </p:extLst>
-  </p:cSld>
-  <p:clrMapOvr>
-    <a:masterClrMapping/>
-  </p:clrMapOvr>
-</p:sld>
-</file>
-
-<file path=ppt/slides/slide9.xml><?xml version="1.0" encoding="utf-8"?>
-<p:sld xmlns:a="http://schemas.openxmlformats.org/drawingml/2006/main" xmlns:r="http://schemas.openxmlformats.org/officeDocument/2006/relationships" xmlns:p="http://schemas.openxmlformats.org/presentationml/2006/main">
-  <p:cSld>
-    <p:spTree>
-      <p:nvGrpSpPr>
-        <p:cNvPr id="1" name="">
-          <a:extLst>
-            <a:ext uri="{FF2B5EF4-FFF2-40B4-BE49-F238E27FC236}">
-              <a16:creationId xmlns:a16="http://schemas.microsoft.com/office/drawing/2014/main" id="{F4612488-BD3A-0934-3FB7-CAD432D8B117}"/>
-            </a:ext>
-          </a:extLst>
-        </p:cNvPr>
-        <p:cNvGrpSpPr/>
-        <p:nvPr/>
-      </p:nvGrpSpPr>
-      <p:grpSpPr>
-        <a:xfrm>
-          <a:off x="0" y="0"/>
-          <a:ext cx="0" cy="0"/>
-          <a:chOff x="0" y="0"/>
-          <a:chExt cx="0" cy="0"/>
-        </a:xfrm>
-      </p:grpSpPr>
-      <p:sp>
-        <p:nvSpPr>
-          <p:cNvPr id="2" name="Rectangle 1">
-            <a:extLst>
-              <a:ext uri="{FF2B5EF4-FFF2-40B4-BE49-F238E27FC236}">
-                <a16:creationId xmlns:a16="http://schemas.microsoft.com/office/drawing/2014/main" id="{429A68AC-2BE3-8165-5DF8-91BF7AC7DB92}"/>
-              </a:ext>
-            </a:extLst>
-          </p:cNvPr>
-          <p:cNvSpPr/>
-          <p:nvPr/>
-        </p:nvSpPr>
-        <p:spPr>
-          <a:xfrm>
-            <a:off x="8510158" y="1434512"/>
-            <a:ext cx="600778" cy="600778"/>
-          </a:xfrm>
-          <a:prstGeom prst="rect">
-            <a:avLst/>
-          </a:prstGeom>
-          <a:solidFill>
-            <a:schemeClr val="tx2">
-              <a:lumMod val="10000"/>
-              <a:lumOff val="90000"/>
-            </a:schemeClr>
-          </a:solidFill>
-          <a:ln w="9525"/>
-        </p:spPr>
-        <p:style>
-          <a:lnRef idx="2">
-            <a:schemeClr val="accent1">
-              <a:shade val="15000"/>
-            </a:schemeClr>
-          </a:lnRef>
-          <a:fillRef idx="1">
-            <a:schemeClr val="accent1"/>
-          </a:fillRef>
-          <a:effectRef idx="0">
-            <a:schemeClr val="accent1"/>
-          </a:effectRef>
-          <a:fontRef idx="minor">
-            <a:schemeClr val="lt1"/>
-          </a:fontRef>
-        </p:style>
-        <p:txBody>
-          <a:bodyPr rtlCol="0" anchor="ctr"/>
-          <a:lstStyle/>
-          <a:p>
-            <a:pPr algn="ctr"/>
-            <a:r>
-              <a:rPr lang="en-US" sz="1000" dirty="0">
-                <a:solidFill>
-                  <a:schemeClr val="tx1"/>
-                </a:solidFill>
-                <a:latin typeface="Avenir Book" panose="02000503020000020003" pitchFamily="2" charset="0"/>
-              </a:rPr>
-              <a:t>Conny</a:t>
-            </a:r>
-          </a:p>
-        </p:txBody>
-      </p:sp>
-      <p:cxnSp>
-        <p:nvCxnSpPr>
-          <p:cNvPr id="3" name="Straight Connector 2">
-            <a:extLst>
-              <a:ext uri="{FF2B5EF4-FFF2-40B4-BE49-F238E27FC236}">
-                <a16:creationId xmlns:a16="http://schemas.microsoft.com/office/drawing/2014/main" id="{9F686646-6167-4992-1D29-77D8607269FE}"/>
-              </a:ext>
-            </a:extLst>
-          </p:cNvPr>
-          <p:cNvCxnSpPr>
-            <a:cxnSpLocks/>
-            <a:stCxn id="2" idx="2"/>
-          </p:cNvCxnSpPr>
-          <p:nvPr/>
-        </p:nvCxnSpPr>
-        <p:spPr>
-          <a:xfrm>
-            <a:off x="8810547" y="2035290"/>
-            <a:ext cx="0" cy="2936245"/>
-          </a:xfrm>
-          <a:prstGeom prst="line">
-            <a:avLst/>
-          </a:prstGeom>
-          <a:ln w="9525">
-            <a:solidFill>
-              <a:schemeClr val="tx1"/>
-            </a:solidFill>
-          </a:ln>
-        </p:spPr>
-        <p:style>
-          <a:lnRef idx="2">
-            <a:schemeClr val="accent1"/>
-          </a:lnRef>
-          <a:fillRef idx="0">
-            <a:schemeClr val="accent1"/>
-          </a:fillRef>
-          <a:effectRef idx="1">
-            <a:schemeClr val="accent1"/>
-          </a:effectRef>
-          <a:fontRef idx="minor">
-            <a:schemeClr val="tx1"/>
-          </a:fontRef>
-        </p:style>
-      </p:cxnSp>
-      <p:sp>
-        <p:nvSpPr>
-          <p:cNvPr id="15" name="Rectangle 14">
-            <a:extLst>
-              <a:ext uri="{FF2B5EF4-FFF2-40B4-BE49-F238E27FC236}">
-                <a16:creationId xmlns:a16="http://schemas.microsoft.com/office/drawing/2014/main" id="{B92C6239-B889-9882-3728-BA3AA1D26B43}"/>
-              </a:ext>
-            </a:extLst>
-          </p:cNvPr>
-          <p:cNvSpPr/>
-          <p:nvPr/>
-        </p:nvSpPr>
-        <p:spPr>
-          <a:xfrm>
-            <a:off x="2992741" y="1434512"/>
-            <a:ext cx="600778" cy="600778"/>
-          </a:xfrm>
-          <a:prstGeom prst="rect">
-            <a:avLst/>
-          </a:prstGeom>
-          <a:solidFill>
-            <a:schemeClr val="tx2">
-              <a:lumMod val="10000"/>
-              <a:lumOff val="90000"/>
-            </a:schemeClr>
-          </a:solidFill>
-          <a:ln w="9525"/>
-        </p:spPr>
-        <p:style>
-          <a:lnRef idx="2">
-            <a:schemeClr val="accent1">
-              <a:shade val="15000"/>
-            </a:schemeClr>
-          </a:lnRef>
-          <a:fillRef idx="1">
-            <a:schemeClr val="accent1"/>
-          </a:fillRef>
-          <a:effectRef idx="0">
-            <a:schemeClr val="accent1"/>
-          </a:effectRef>
-          <a:fontRef idx="minor">
-            <a:schemeClr val="lt1"/>
-          </a:fontRef>
-        </p:style>
-        <p:txBody>
-          <a:bodyPr rtlCol="0" anchor="ctr"/>
-          <a:lstStyle/>
-          <a:p>
-            <a:pPr algn="ctr"/>
-            <a:r>
-              <a:rPr lang="en-US" sz="1000" dirty="0">
-                <a:solidFill>
-                  <a:schemeClr val="tx1"/>
-                </a:solidFill>
-                <a:latin typeface="Avenir Book" panose="02000503020000020003" pitchFamily="2" charset="0"/>
-              </a:rPr>
-              <a:t>Carol</a:t>
-            </a:r>
-          </a:p>
-        </p:txBody>
-      </p:sp>
-      <p:cxnSp>
-        <p:nvCxnSpPr>
-          <p:cNvPr id="16" name="Straight Connector 15">
-            <a:extLst>
-              <a:ext uri="{FF2B5EF4-FFF2-40B4-BE49-F238E27FC236}">
-                <a16:creationId xmlns:a16="http://schemas.microsoft.com/office/drawing/2014/main" id="{723F08AE-809E-C032-D548-E3CA535D39A5}"/>
-              </a:ext>
-            </a:extLst>
-          </p:cNvPr>
-          <p:cNvCxnSpPr>
-            <a:cxnSpLocks/>
-            <a:stCxn id="15" idx="2"/>
-          </p:cNvCxnSpPr>
-          <p:nvPr/>
-        </p:nvCxnSpPr>
-        <p:spPr>
-          <a:xfrm>
-            <a:off x="3293130" y="2035290"/>
-            <a:ext cx="0" cy="2936245"/>
-          </a:xfrm>
-          <a:prstGeom prst="line">
-            <a:avLst/>
-          </a:prstGeom>
-          <a:ln w="9525">
-            <a:solidFill>
-              <a:schemeClr val="tx1"/>
-            </a:solidFill>
-          </a:ln>
-        </p:spPr>
-        <p:style>
-          <a:lnRef idx="2">
-            <a:schemeClr val="accent1"/>
-          </a:lnRef>
-          <a:fillRef idx="0">
-            <a:schemeClr val="accent1"/>
-          </a:fillRef>
-          <a:effectRef idx="1">
-            <a:schemeClr val="accent1"/>
-          </a:effectRef>
-          <a:fontRef idx="minor">
-            <a:schemeClr val="tx1"/>
-          </a:fontRef>
-        </p:style>
-      </p:cxnSp>
-      <p:sp>
-        <p:nvSpPr>
-          <p:cNvPr id="17" name="Oval 16">
-            <a:extLst>
-              <a:ext uri="{FF2B5EF4-FFF2-40B4-BE49-F238E27FC236}">
-                <a16:creationId xmlns:a16="http://schemas.microsoft.com/office/drawing/2014/main" id="{6153BA0C-1699-9304-C16C-71BE54A7C4D9}"/>
-              </a:ext>
-            </a:extLst>
-          </p:cNvPr>
-          <p:cNvSpPr/>
-          <p:nvPr/>
-        </p:nvSpPr>
-        <p:spPr>
-          <a:xfrm>
-            <a:off x="5041237" y="1434512"/>
-            <a:ext cx="600777" cy="600778"/>
-          </a:xfrm>
-          <a:prstGeom prst="ellipse">
-            <a:avLst/>
-          </a:prstGeom>
-          <a:solidFill>
-            <a:schemeClr val="tx2">
-              <a:lumMod val="10000"/>
-              <a:lumOff val="90000"/>
-            </a:schemeClr>
-          </a:solidFill>
-          <a:ln w="6350"/>
-        </p:spPr>
-        <p:style>
-          <a:lnRef idx="2">
-            <a:schemeClr val="accent1">
-              <a:shade val="15000"/>
-            </a:schemeClr>
-          </a:lnRef>
-          <a:fillRef idx="1">
-            <a:schemeClr val="accent1"/>
-          </a:fillRef>
-          <a:effectRef idx="0">
-            <a:schemeClr val="accent1"/>
-          </a:effectRef>
-          <a:fontRef idx="minor">
-            <a:schemeClr val="lt1"/>
-          </a:fontRef>
-        </p:style>
-        <p:txBody>
-          <a:bodyPr lIns="0" tIns="0" rIns="0" bIns="0" rtlCol="0" anchor="ctr"/>
-          <a:lstStyle/>
-          <a:p>
-            <a:pPr algn="ctr"/>
-            <a:r>
-              <a:rPr lang="en-US" sz="1000" dirty="0">
-                <a:solidFill>
-                  <a:schemeClr val="tx1"/>
-                </a:solidFill>
-                <a:latin typeface="AVENIR LIGHT OBLIQUE" panose="020B0402020203090204" pitchFamily="34" charset="77"/>
-              </a:rPr>
-              <a:t>Hank</a:t>
-            </a:r>
-          </a:p>
-        </p:txBody>
-      </p:sp>
-      <p:cxnSp>
-        <p:nvCxnSpPr>
-          <p:cNvPr id="18" name="Straight Connector 17">
-            <a:extLst>
-              <a:ext uri="{FF2B5EF4-FFF2-40B4-BE49-F238E27FC236}">
-                <a16:creationId xmlns:a16="http://schemas.microsoft.com/office/drawing/2014/main" id="{0CC99823-5A86-F169-19FA-970A7C80AC95}"/>
-              </a:ext>
-            </a:extLst>
-          </p:cNvPr>
-          <p:cNvCxnSpPr>
-            <a:cxnSpLocks/>
-            <a:stCxn id="17" idx="4"/>
-          </p:cNvCxnSpPr>
-          <p:nvPr/>
-        </p:nvCxnSpPr>
-        <p:spPr>
-          <a:xfrm>
-            <a:off x="5341626" y="2035290"/>
-            <a:ext cx="4410" cy="2936245"/>
-          </a:xfrm>
-          <a:prstGeom prst="line">
-            <a:avLst/>
-          </a:prstGeom>
-          <a:ln w="9525">
-            <a:solidFill>
-              <a:schemeClr val="tx1"/>
-            </a:solidFill>
-          </a:ln>
-        </p:spPr>
-        <p:style>
-          <a:lnRef idx="2">
-            <a:schemeClr val="accent1"/>
-          </a:lnRef>
-          <a:fillRef idx="0">
-            <a:schemeClr val="accent1"/>
-          </a:fillRef>
-          <a:effectRef idx="1">
-            <a:schemeClr val="accent1"/>
-          </a:effectRef>
-          <a:fontRef idx="minor">
-            <a:schemeClr val="tx1"/>
-          </a:fontRef>
-        </p:style>
-      </p:cxnSp>
-      <p:sp>
-        <p:nvSpPr>
-          <p:cNvPr id="22" name="Oval 21">
-            <a:extLst>
-              <a:ext uri="{FF2B5EF4-FFF2-40B4-BE49-F238E27FC236}">
-                <a16:creationId xmlns:a16="http://schemas.microsoft.com/office/drawing/2014/main" id="{5EC12F80-7B6F-4C76-1071-421B8522C1C1}"/>
-              </a:ext>
-            </a:extLst>
-          </p:cNvPr>
-          <p:cNvSpPr/>
-          <p:nvPr/>
-        </p:nvSpPr>
-        <p:spPr>
-          <a:xfrm>
-            <a:off x="6452685" y="1434512"/>
-            <a:ext cx="600777" cy="600778"/>
-          </a:xfrm>
-          <a:prstGeom prst="ellipse">
-            <a:avLst/>
-          </a:prstGeom>
-          <a:solidFill>
-            <a:schemeClr val="tx2">
-              <a:lumMod val="10000"/>
-              <a:lumOff val="90000"/>
-            </a:schemeClr>
-          </a:solidFill>
-          <a:ln w="6350"/>
-        </p:spPr>
-        <p:style>
-          <a:lnRef idx="2">
-            <a:schemeClr val="accent1">
-              <a:shade val="15000"/>
-            </a:schemeClr>
-          </a:lnRef>
-          <a:fillRef idx="1">
-            <a:schemeClr val="accent1"/>
-          </a:fillRef>
-          <a:effectRef idx="0">
-            <a:schemeClr val="accent1"/>
-          </a:effectRef>
-          <a:fontRef idx="minor">
-            <a:schemeClr val="lt1"/>
-          </a:fontRef>
-        </p:style>
-        <p:txBody>
-          <a:bodyPr lIns="0" tIns="0" rIns="0" bIns="0" rtlCol="0" anchor="ctr"/>
-          <a:lstStyle/>
-          <a:p>
-            <a:pPr algn="ctr"/>
-            <a:r>
-              <a:rPr lang="en-US" sz="1000" dirty="0">
-                <a:solidFill>
-                  <a:schemeClr val="tx1"/>
-                </a:solidFill>
-                <a:latin typeface="AVENIR LIGHT OBLIQUE" panose="020B0402020203090204" pitchFamily="34" charset="77"/>
-              </a:rPr>
-              <a:t>Hugo</a:t>
-            </a:r>
-          </a:p>
-        </p:txBody>
-      </p:sp>
-      <p:cxnSp>
-        <p:nvCxnSpPr>
-          <p:cNvPr id="23" name="Straight Connector 22">
-            <a:extLst>
-              <a:ext uri="{FF2B5EF4-FFF2-40B4-BE49-F238E27FC236}">
-                <a16:creationId xmlns:a16="http://schemas.microsoft.com/office/drawing/2014/main" id="{CA9C7910-E0AB-4993-516B-B8E1D3D4A3CF}"/>
-              </a:ext>
-            </a:extLst>
-          </p:cNvPr>
-          <p:cNvCxnSpPr>
-            <a:cxnSpLocks/>
-            <a:stCxn id="22" idx="4"/>
-          </p:cNvCxnSpPr>
-          <p:nvPr/>
-        </p:nvCxnSpPr>
-        <p:spPr>
-          <a:xfrm>
-            <a:off x="6753074" y="2035290"/>
-            <a:ext cx="4410" cy="2936245"/>
-          </a:xfrm>
-          <a:prstGeom prst="line">
-            <a:avLst/>
-          </a:prstGeom>
-          <a:ln w="9525">
-            <a:solidFill>
-              <a:schemeClr val="tx1"/>
-            </a:solidFill>
-          </a:ln>
-        </p:spPr>
-        <p:style>
-          <a:lnRef idx="2">
-            <a:schemeClr val="accent1"/>
-          </a:lnRef>
-          <a:fillRef idx="0">
-            <a:schemeClr val="accent1"/>
-          </a:fillRef>
-          <a:effectRef idx="1">
-            <a:schemeClr val="accent1"/>
-          </a:effectRef>
-          <a:fontRef idx="minor">
-            <a:schemeClr val="tx1"/>
-          </a:fontRef>
-        </p:style>
-      </p:cxnSp>
-      <p:sp>
-        <p:nvSpPr>
-          <p:cNvPr id="24" name="Rectangle 23">
-            <a:extLst>
-              <a:ext uri="{FF2B5EF4-FFF2-40B4-BE49-F238E27FC236}">
-                <a16:creationId xmlns:a16="http://schemas.microsoft.com/office/drawing/2014/main" id="{46921A29-58B5-7398-6A3E-78FCA4CE9A42}"/>
-              </a:ext>
-            </a:extLst>
-          </p:cNvPr>
-          <p:cNvSpPr/>
-          <p:nvPr/>
-        </p:nvSpPr>
-        <p:spPr>
-          <a:xfrm>
-            <a:off x="575426" y="1027238"/>
-            <a:ext cx="11045074" cy="4396250"/>
-          </a:xfrm>
-          <a:prstGeom prst="rect">
-            <a:avLst/>
-          </a:prstGeom>
-          <a:noFill/>
-          <a:ln w="9525">
-            <a:solidFill>
-              <a:schemeClr val="bg1">
-                <a:lumMod val="65000"/>
-              </a:schemeClr>
-            </a:solidFill>
-          </a:ln>
-        </p:spPr>
-        <p:style>
-          <a:lnRef idx="2">
-            <a:schemeClr val="accent1">
-              <a:shade val="15000"/>
-            </a:schemeClr>
-          </a:lnRef>
-          <a:fillRef idx="1">
-            <a:schemeClr val="accent1"/>
-          </a:fillRef>
-          <a:effectRef idx="0">
-            <a:schemeClr val="accent1"/>
-          </a:effectRef>
-          <a:fontRef idx="minor">
-            <a:schemeClr val="lt1"/>
-          </a:fontRef>
-        </p:style>
-        <p:txBody>
-          <a:bodyPr rtlCol="0" anchor="ctr"/>
-          <a:lstStyle/>
-          <a:p>
-            <a:pPr algn="ctr"/>
-            <a:endParaRPr lang="en-US" sz="1000" dirty="0">
-              <a:solidFill>
-                <a:schemeClr val="tx1"/>
-              </a:solidFill>
-              <a:latin typeface="Avenir Book" panose="02000503020000020003" pitchFamily="2" charset="0"/>
-            </a:endParaRPr>
-          </a:p>
-        </p:txBody>
-      </p:sp>
-      <p:sp>
-        <p:nvSpPr>
-          <p:cNvPr id="25" name="Rectangle 24">
-            <a:extLst>
-              <a:ext uri="{FF2B5EF4-FFF2-40B4-BE49-F238E27FC236}">
-                <a16:creationId xmlns:a16="http://schemas.microsoft.com/office/drawing/2014/main" id="{61FA4103-79E9-0B1D-8B6B-F0F0C8B01950}"/>
-              </a:ext>
-            </a:extLst>
-          </p:cNvPr>
-          <p:cNvSpPr/>
-          <p:nvPr/>
-        </p:nvSpPr>
-        <p:spPr>
-          <a:xfrm>
-            <a:off x="5462324" y="1301780"/>
-            <a:ext cx="1203948" cy="600778"/>
-          </a:xfrm>
-          <a:prstGeom prst="rect">
-            <a:avLst/>
-          </a:prstGeom>
-          <a:noFill/>
-          <a:ln w="9525">
-            <a:noFill/>
-          </a:ln>
-        </p:spPr>
-        <p:style>
-          <a:lnRef idx="2">
-            <a:schemeClr val="accent1">
-              <a:shade val="15000"/>
-            </a:schemeClr>
-          </a:lnRef>
-          <a:fillRef idx="1">
-            <a:schemeClr val="accent1"/>
-          </a:fillRef>
-          <a:effectRef idx="0">
-            <a:schemeClr val="accent1"/>
-          </a:effectRef>
-          <a:fontRef idx="minor">
-            <a:schemeClr val="lt1"/>
-          </a:fontRef>
-        </p:style>
-        <p:txBody>
-          <a:bodyPr rtlCol="0" anchor="ctr"/>
-          <a:lstStyle/>
-          <a:p>
-            <a:pPr algn="ctr"/>
-            <a:r>
-              <a:rPr lang="en-US" sz="4000" dirty="0">
-                <a:solidFill>
-                  <a:schemeClr val="tx1"/>
-                </a:solidFill>
-                <a:latin typeface="Avenir Book" panose="02000503020000020003" pitchFamily="2" charset="0"/>
-              </a:rPr>
-              <a:t>...</a:t>
-            </a:r>
-          </a:p>
-        </p:txBody>
-      </p:sp>
-      <p:sp>
-        <p:nvSpPr>
-          <p:cNvPr id="4" name="Regular Pentagon 3">
-            <a:extLst>
-              <a:ext uri="{FF2B5EF4-FFF2-40B4-BE49-F238E27FC236}">
-                <a16:creationId xmlns:a16="http://schemas.microsoft.com/office/drawing/2014/main" id="{C223F1F4-E632-DC29-2EAD-3100152D3F31}"/>
-              </a:ext>
-            </a:extLst>
-          </p:cNvPr>
-          <p:cNvSpPr/>
-          <p:nvPr/>
-        </p:nvSpPr>
-        <p:spPr>
-          <a:xfrm>
-            <a:off x="911322" y="1411212"/>
-            <a:ext cx="624076" cy="624078"/>
-          </a:xfrm>
-          <a:prstGeom prst="pentagon">
-            <a:avLst/>
-          </a:prstGeom>
-          <a:solidFill>
-            <a:schemeClr val="accent6">
-              <a:lumMod val="20000"/>
-              <a:lumOff val="80000"/>
-            </a:schemeClr>
-          </a:solidFill>
-          <a:ln w="9525">
-            <a:solidFill>
-              <a:schemeClr val="tx1"/>
-            </a:solidFill>
-          </a:ln>
-        </p:spPr>
-        <p:style>
-          <a:lnRef idx="2">
-            <a:schemeClr val="accent1">
-              <a:shade val="15000"/>
-            </a:schemeClr>
-          </a:lnRef>
-          <a:fillRef idx="1">
-            <a:schemeClr val="accent1"/>
-          </a:fillRef>
-          <a:effectRef idx="0">
-            <a:schemeClr val="accent1"/>
-          </a:effectRef>
-          <a:fontRef idx="minor">
-            <a:schemeClr val="lt1"/>
-          </a:fontRef>
-        </p:style>
-        <p:txBody>
-          <a:bodyPr lIns="0" tIns="0" rIns="0" bIns="0" rtlCol="0" anchor="ctr"/>
-          <a:lstStyle/>
-          <a:p>
-            <a:pPr algn="ctr"/>
-            <a:r>
-              <a:rPr lang="en-US" sz="1000" dirty="0">
-                <a:solidFill>
-                  <a:schemeClr val="tx1"/>
-                </a:solidFill>
-                <a:latin typeface="Avenir Book" panose="02000503020000020003" pitchFamily="2" charset="0"/>
-              </a:rPr>
-              <a:t>Patrick</a:t>
-            </a:r>
-          </a:p>
-        </p:txBody>
-      </p:sp>
-      <p:cxnSp>
-        <p:nvCxnSpPr>
-          <p:cNvPr id="9" name="Straight Connector 8">
-            <a:extLst>
-              <a:ext uri="{FF2B5EF4-FFF2-40B4-BE49-F238E27FC236}">
-                <a16:creationId xmlns:a16="http://schemas.microsoft.com/office/drawing/2014/main" id="{2D67388C-EB4E-E7EA-AA48-DA18FE69C20D}"/>
-              </a:ext>
-            </a:extLst>
-          </p:cNvPr>
-          <p:cNvCxnSpPr>
-            <a:cxnSpLocks/>
-            <a:stCxn id="4" idx="3"/>
-          </p:cNvCxnSpPr>
-          <p:nvPr/>
-        </p:nvCxnSpPr>
-        <p:spPr>
-          <a:xfrm>
-            <a:off x="1223360" y="2035290"/>
-            <a:ext cx="0" cy="2936245"/>
-          </a:xfrm>
-          <a:prstGeom prst="line">
-            <a:avLst/>
-          </a:prstGeom>
-          <a:ln w="9525">
-            <a:solidFill>
-              <a:schemeClr val="tx1"/>
-            </a:solidFill>
-          </a:ln>
-        </p:spPr>
-        <p:style>
-          <a:lnRef idx="2">
-            <a:schemeClr val="accent1"/>
-          </a:lnRef>
-          <a:fillRef idx="0">
-            <a:schemeClr val="accent1"/>
-          </a:fillRef>
-          <a:effectRef idx="1">
-            <a:schemeClr val="accent1"/>
-          </a:effectRef>
-          <a:fontRef idx="minor">
-            <a:schemeClr val="tx1"/>
-          </a:fontRef>
-        </p:style>
-      </p:cxnSp>
-      <p:sp>
-        <p:nvSpPr>
-          <p:cNvPr id="29" name="Regular Pentagon 28">
-            <a:extLst>
-              <a:ext uri="{FF2B5EF4-FFF2-40B4-BE49-F238E27FC236}">
-                <a16:creationId xmlns:a16="http://schemas.microsoft.com/office/drawing/2014/main" id="{D7AB490C-8238-0760-C2CA-8D6642DC5189}"/>
-              </a:ext>
-            </a:extLst>
-          </p:cNvPr>
-          <p:cNvSpPr/>
-          <p:nvPr/>
-        </p:nvSpPr>
-        <p:spPr>
-          <a:xfrm>
-            <a:off x="10567632" y="1411212"/>
-            <a:ext cx="624076" cy="624078"/>
-          </a:xfrm>
-          <a:prstGeom prst="pentagon">
-            <a:avLst/>
-          </a:prstGeom>
-          <a:solidFill>
-            <a:schemeClr val="accent6">
-              <a:lumMod val="20000"/>
-              <a:lumOff val="80000"/>
-            </a:schemeClr>
-          </a:solidFill>
-          <a:ln w="9525">
-            <a:solidFill>
-              <a:schemeClr val="tx1"/>
-            </a:solidFill>
-          </a:ln>
-        </p:spPr>
-        <p:style>
-          <a:lnRef idx="2">
-            <a:schemeClr val="accent1">
-              <a:shade val="15000"/>
-            </a:schemeClr>
-          </a:lnRef>
-          <a:fillRef idx="1">
-            <a:schemeClr val="accent1"/>
-          </a:fillRef>
-          <a:effectRef idx="0">
-            <a:schemeClr val="accent1"/>
-          </a:effectRef>
-          <a:fontRef idx="minor">
-            <a:schemeClr val="lt1"/>
-          </a:fontRef>
-        </p:style>
-        <p:txBody>
-          <a:bodyPr lIns="0" tIns="0" rIns="0" bIns="0" rtlCol="0" anchor="ctr"/>
-          <a:lstStyle/>
-          <a:p>
-            <a:pPr algn="ctr"/>
-            <a:r>
-              <a:rPr lang="en-US" sz="1000" dirty="0">
-                <a:solidFill>
-                  <a:schemeClr val="tx1"/>
-                </a:solidFill>
-                <a:latin typeface="Avenir Book" panose="02000503020000020003" pitchFamily="2" charset="0"/>
-              </a:rPr>
-              <a:t>Patrick</a:t>
-            </a:r>
-          </a:p>
-        </p:txBody>
-      </p:sp>
-      <p:cxnSp>
-        <p:nvCxnSpPr>
-          <p:cNvPr id="43" name="Straight Connector 42">
-            <a:extLst>
-              <a:ext uri="{FF2B5EF4-FFF2-40B4-BE49-F238E27FC236}">
-                <a16:creationId xmlns:a16="http://schemas.microsoft.com/office/drawing/2014/main" id="{3A47B77B-B9C7-9F86-3A25-9DDEE50FABBE}"/>
-              </a:ext>
-            </a:extLst>
-          </p:cNvPr>
-          <p:cNvCxnSpPr>
-            <a:cxnSpLocks/>
-            <a:stCxn id="29" idx="3"/>
-          </p:cNvCxnSpPr>
-          <p:nvPr/>
-        </p:nvCxnSpPr>
-        <p:spPr>
-          <a:xfrm>
-            <a:off x="10879670" y="2035290"/>
-            <a:ext cx="0" cy="2936245"/>
-          </a:xfrm>
-          <a:prstGeom prst="line">
-            <a:avLst/>
-          </a:prstGeom>
-          <a:ln w="9525">
-            <a:solidFill>
-              <a:schemeClr val="tx1"/>
-            </a:solidFill>
-          </a:ln>
-        </p:spPr>
-        <p:style>
-          <a:lnRef idx="2">
-            <a:schemeClr val="accent1"/>
-          </a:lnRef>
-          <a:fillRef idx="0">
-            <a:schemeClr val="accent1"/>
-          </a:fillRef>
-          <a:effectRef idx="1">
-            <a:schemeClr val="accent1"/>
-          </a:effectRef>
-          <a:fontRef idx="minor">
-            <a:schemeClr val="tx1"/>
-          </a:fontRef>
-        </p:style>
-      </p:cxnSp>
-      <p:cxnSp>
-        <p:nvCxnSpPr>
-          <p:cNvPr id="66" name="Straight Connector 65">
-            <a:extLst>
-              <a:ext uri="{FF2B5EF4-FFF2-40B4-BE49-F238E27FC236}">
-                <a16:creationId xmlns:a16="http://schemas.microsoft.com/office/drawing/2014/main" id="{3461BD3E-CD27-4531-5BF0-C2D8ED723FFF}"/>
-              </a:ext>
-            </a:extLst>
-          </p:cNvPr>
-          <p:cNvCxnSpPr>
-            <a:cxnSpLocks/>
-          </p:cNvCxnSpPr>
-          <p:nvPr/>
-        </p:nvCxnSpPr>
-        <p:spPr>
-          <a:xfrm flipH="1">
-            <a:off x="1223360" y="2348867"/>
-            <a:ext cx="2013616" cy="0"/>
-          </a:xfrm>
-          <a:prstGeom prst="line">
-            <a:avLst/>
-          </a:prstGeom>
-          <a:ln w="9525">
-            <a:solidFill>
-              <a:schemeClr val="accent6">
-                <a:lumMod val="75000"/>
-              </a:schemeClr>
-            </a:solidFill>
-            <a:headEnd type="triangle"/>
-          </a:ln>
-        </p:spPr>
-        <p:style>
-          <a:lnRef idx="2">
-            <a:schemeClr val="accent1"/>
-          </a:lnRef>
-          <a:fillRef idx="0">
-            <a:schemeClr val="accent1"/>
-          </a:fillRef>
-          <a:effectRef idx="1">
-            <a:schemeClr val="accent1"/>
-          </a:effectRef>
-          <a:fontRef idx="minor">
-            <a:schemeClr val="tx1"/>
-          </a:fontRef>
-        </p:style>
-      </p:cxnSp>
-      <p:sp>
-        <p:nvSpPr>
-          <p:cNvPr id="67" name="Rectangle 66">
-            <a:extLst>
-              <a:ext uri="{FF2B5EF4-FFF2-40B4-BE49-F238E27FC236}">
-                <a16:creationId xmlns:a16="http://schemas.microsoft.com/office/drawing/2014/main" id="{0079B1DA-0B2B-3B76-1605-4014C252EDC0}"/>
-              </a:ext>
-            </a:extLst>
-          </p:cNvPr>
-          <p:cNvSpPr/>
-          <p:nvPr/>
-        </p:nvSpPr>
-        <p:spPr>
-          <a:xfrm>
-            <a:off x="1223360" y="2098130"/>
-            <a:ext cx="1799511" cy="298861"/>
-          </a:xfrm>
-          <a:prstGeom prst="rect">
-            <a:avLst/>
-          </a:prstGeom>
-          <a:noFill/>
-          <a:ln w="9525">
-            <a:noFill/>
-          </a:ln>
-        </p:spPr>
-        <p:style>
-          <a:lnRef idx="2">
-            <a:schemeClr val="accent1">
-              <a:shade val="15000"/>
-            </a:schemeClr>
-          </a:lnRef>
-          <a:fillRef idx="1">
-            <a:schemeClr val="accent1"/>
-          </a:fillRef>
-          <a:effectRef idx="0">
-            <a:schemeClr val="accent1"/>
-          </a:effectRef>
-          <a:fontRef idx="minor">
-            <a:schemeClr val="lt1"/>
-          </a:fontRef>
-        </p:style>
-        <p:txBody>
-          <a:bodyPr rtlCol="0" anchor="ctr"/>
-          <a:lstStyle/>
-          <a:p>
-            <a:r>
-              <a:rPr lang="en-US" sz="1000" dirty="0">
-                <a:solidFill>
-                  <a:schemeClr val="accent6">
-                    <a:lumMod val="75000"/>
-                  </a:schemeClr>
-                </a:solidFill>
-                <a:latin typeface="Avenir Book" panose="02000503020000020003" pitchFamily="2" charset="0"/>
-              </a:rPr>
-              <a:t>GET key</a:t>
-            </a:r>
-          </a:p>
-        </p:txBody>
-      </p:sp>
-      <p:cxnSp>
-        <p:nvCxnSpPr>
-          <p:cNvPr id="71" name="Straight Connector 70">
-            <a:extLst>
-              <a:ext uri="{FF2B5EF4-FFF2-40B4-BE49-F238E27FC236}">
-                <a16:creationId xmlns:a16="http://schemas.microsoft.com/office/drawing/2014/main" id="{D09FBAE0-6937-C0B9-90FB-31AAE0A6D6C5}"/>
-              </a:ext>
-            </a:extLst>
-          </p:cNvPr>
-          <p:cNvCxnSpPr>
-            <a:cxnSpLocks/>
-          </p:cNvCxnSpPr>
-          <p:nvPr/>
-        </p:nvCxnSpPr>
-        <p:spPr>
-          <a:xfrm>
-            <a:off x="1225296" y="2944388"/>
-            <a:ext cx="2011215" cy="0"/>
-          </a:xfrm>
-          <a:prstGeom prst="line">
-            <a:avLst/>
-          </a:prstGeom>
-          <a:ln w="9525">
-            <a:solidFill>
-              <a:schemeClr val="accent6">
-                <a:lumMod val="75000"/>
-              </a:schemeClr>
-            </a:solidFill>
-            <a:headEnd type="triangle"/>
-          </a:ln>
-        </p:spPr>
-        <p:style>
-          <a:lnRef idx="2">
-            <a:schemeClr val="accent1"/>
-          </a:lnRef>
-          <a:fillRef idx="0">
-            <a:schemeClr val="accent1"/>
-          </a:fillRef>
-          <a:effectRef idx="1">
-            <a:schemeClr val="accent1"/>
-          </a:effectRef>
-          <a:fontRef idx="minor">
-            <a:schemeClr val="tx1"/>
-          </a:fontRef>
-        </p:style>
-      </p:cxnSp>
-      <p:sp>
-        <p:nvSpPr>
-          <p:cNvPr id="72" name="Rectangle 71">
-            <a:extLst>
-              <a:ext uri="{FF2B5EF4-FFF2-40B4-BE49-F238E27FC236}">
-                <a16:creationId xmlns:a16="http://schemas.microsoft.com/office/drawing/2014/main" id="{5F7B3F76-FA7C-30D9-C241-05E4DC032827}"/>
-              </a:ext>
-            </a:extLst>
-          </p:cNvPr>
-          <p:cNvSpPr/>
-          <p:nvPr/>
-        </p:nvSpPr>
-        <p:spPr>
-          <a:xfrm>
-            <a:off x="3236511" y="2348868"/>
-            <a:ext cx="126715" cy="600778"/>
-          </a:xfrm>
-          <a:prstGeom prst="rect">
-            <a:avLst/>
-          </a:prstGeom>
-          <a:solidFill>
-            <a:schemeClr val="accent6">
-              <a:lumMod val="20000"/>
-              <a:lumOff val="80000"/>
-            </a:schemeClr>
-          </a:solidFill>
-          <a:ln w="9525">
-            <a:solidFill>
-              <a:schemeClr val="accent6">
-                <a:lumMod val="75000"/>
-              </a:schemeClr>
-            </a:solidFill>
-          </a:ln>
-        </p:spPr>
-        <p:style>
-          <a:lnRef idx="2">
-            <a:schemeClr val="accent1">
-              <a:shade val="15000"/>
-            </a:schemeClr>
-          </a:lnRef>
-          <a:fillRef idx="1">
-            <a:schemeClr val="accent1"/>
-          </a:fillRef>
-          <a:effectRef idx="0">
-            <a:schemeClr val="accent1"/>
-          </a:effectRef>
-          <a:fontRef idx="minor">
-            <a:schemeClr val="lt1"/>
-          </a:fontRef>
-        </p:style>
-        <p:txBody>
-          <a:bodyPr rtlCol="0" anchor="ctr"/>
-          <a:lstStyle/>
-          <a:p>
-            <a:pPr algn="ctr"/>
-            <a:endParaRPr lang="en-US" sz="1000" dirty="0">
-              <a:solidFill>
-                <a:schemeClr val="tx1"/>
-              </a:solidFill>
-              <a:latin typeface="Avenir Book" panose="02000503020000020003" pitchFamily="2" charset="0"/>
-            </a:endParaRPr>
-          </a:p>
-        </p:txBody>
-      </p:sp>
-      <p:sp>
-        <p:nvSpPr>
-          <p:cNvPr id="75" name="Rectangle 74">
-            <a:extLst>
-              <a:ext uri="{FF2B5EF4-FFF2-40B4-BE49-F238E27FC236}">
-                <a16:creationId xmlns:a16="http://schemas.microsoft.com/office/drawing/2014/main" id="{5F72597D-0DDD-A40B-A702-2B75C9DDD5EE}"/>
-              </a:ext>
-            </a:extLst>
-          </p:cNvPr>
-          <p:cNvSpPr/>
-          <p:nvPr/>
-        </p:nvSpPr>
-        <p:spPr>
-          <a:xfrm>
-            <a:off x="1217284" y="2694080"/>
-            <a:ext cx="1799511" cy="298861"/>
-          </a:xfrm>
-          <a:prstGeom prst="rect">
-            <a:avLst/>
-          </a:prstGeom>
-          <a:noFill/>
-          <a:ln w="9525">
-            <a:noFill/>
-          </a:ln>
-        </p:spPr>
-        <p:style>
-          <a:lnRef idx="2">
-            <a:schemeClr val="accent1">
-              <a:shade val="15000"/>
-            </a:schemeClr>
-          </a:lnRef>
-          <a:fillRef idx="1">
-            <a:schemeClr val="accent1"/>
-          </a:fillRef>
-          <a:effectRef idx="0">
-            <a:schemeClr val="accent1"/>
-          </a:effectRef>
-          <a:fontRef idx="minor">
-            <a:schemeClr val="lt1"/>
-          </a:fontRef>
-        </p:style>
-        <p:txBody>
-          <a:bodyPr rtlCol="0" anchor="ctr"/>
-          <a:lstStyle/>
-          <a:p>
-            <a:r>
-              <a:rPr lang="en-US" sz="1000" dirty="0">
-                <a:solidFill>
-                  <a:schemeClr val="accent6">
-                    <a:lumMod val="75000"/>
-                  </a:schemeClr>
-                </a:solidFill>
-                <a:latin typeface="Avenir Book" panose="02000503020000020003" pitchFamily="2" charset="0"/>
-              </a:rPr>
-              <a:t>Key + Key-ID</a:t>
-            </a:r>
-          </a:p>
-        </p:txBody>
-      </p:sp>
-      <p:cxnSp>
-        <p:nvCxnSpPr>
-          <p:cNvPr id="77" name="Straight Connector 76">
-            <a:extLst>
-              <a:ext uri="{FF2B5EF4-FFF2-40B4-BE49-F238E27FC236}">
-                <a16:creationId xmlns:a16="http://schemas.microsoft.com/office/drawing/2014/main" id="{0C70C868-53DE-F5C2-8229-2F8940F388D8}"/>
-              </a:ext>
-            </a:extLst>
-          </p:cNvPr>
-          <p:cNvCxnSpPr>
-            <a:cxnSpLocks/>
-          </p:cNvCxnSpPr>
-          <p:nvPr/>
-        </p:nvCxnSpPr>
-        <p:spPr>
-          <a:xfrm flipH="1">
-            <a:off x="3363226" y="2480009"/>
-            <a:ext cx="1978399" cy="0"/>
-          </a:xfrm>
-          <a:prstGeom prst="line">
-            <a:avLst/>
-          </a:prstGeom>
-          <a:ln w="9525">
-            <a:solidFill>
-              <a:srgbClr val="00B050"/>
-            </a:solidFill>
-            <a:headEnd type="triangle"/>
-          </a:ln>
-        </p:spPr>
-        <p:style>
-          <a:lnRef idx="2">
-            <a:schemeClr val="accent1"/>
-          </a:lnRef>
-          <a:fillRef idx="0">
-            <a:schemeClr val="accent1"/>
-          </a:fillRef>
-          <a:effectRef idx="1">
-            <a:schemeClr val="accent1"/>
-          </a:effectRef>
-          <a:fontRef idx="minor">
-            <a:schemeClr val="tx1"/>
-          </a:fontRef>
-        </p:style>
-      </p:cxnSp>
-      <p:sp>
-        <p:nvSpPr>
-          <p:cNvPr id="78" name="Rectangle 77">
-            <a:extLst>
-              <a:ext uri="{FF2B5EF4-FFF2-40B4-BE49-F238E27FC236}">
-                <a16:creationId xmlns:a16="http://schemas.microsoft.com/office/drawing/2014/main" id="{56594116-FF96-FF00-F076-65EFD26E16E9}"/>
-              </a:ext>
-            </a:extLst>
-          </p:cNvPr>
-          <p:cNvSpPr/>
-          <p:nvPr/>
-        </p:nvSpPr>
-        <p:spPr>
-          <a:xfrm>
-            <a:off x="3363226" y="2229272"/>
-            <a:ext cx="1799511" cy="298861"/>
-          </a:xfrm>
-          <a:prstGeom prst="rect">
-            <a:avLst/>
-          </a:prstGeom>
-          <a:noFill/>
-          <a:ln w="9525">
-            <a:noFill/>
-          </a:ln>
-        </p:spPr>
-        <p:style>
-          <a:lnRef idx="2">
-            <a:schemeClr val="accent1">
-              <a:shade val="15000"/>
-            </a:schemeClr>
-          </a:lnRef>
-          <a:fillRef idx="1">
-            <a:schemeClr val="accent1"/>
-          </a:fillRef>
-          <a:effectRef idx="0">
-            <a:schemeClr val="accent1"/>
-          </a:effectRef>
-          <a:fontRef idx="minor">
-            <a:schemeClr val="lt1"/>
-          </a:fontRef>
-        </p:style>
-        <p:txBody>
-          <a:bodyPr rtlCol="0" anchor="ctr"/>
-          <a:lstStyle/>
-          <a:p>
-            <a:r>
-              <a:rPr lang="en-US" sz="1000" dirty="0">
-                <a:solidFill>
-                  <a:schemeClr val="accent6">
-                    <a:lumMod val="75000"/>
-                  </a:schemeClr>
-                </a:solidFill>
-                <a:latin typeface="Avenir Book" panose="02000503020000020003" pitchFamily="2" charset="0"/>
-              </a:rPr>
-              <a:t>POST key-share</a:t>
-            </a:r>
-          </a:p>
-        </p:txBody>
-      </p:sp>
-      <p:cxnSp>
-        <p:nvCxnSpPr>
-          <p:cNvPr id="82" name="Straight Connector 81">
-            <a:extLst>
-              <a:ext uri="{FF2B5EF4-FFF2-40B4-BE49-F238E27FC236}">
-                <a16:creationId xmlns:a16="http://schemas.microsoft.com/office/drawing/2014/main" id="{948565C5-7DD8-0FBF-CF95-A4D770B9B674}"/>
-              </a:ext>
-            </a:extLst>
-          </p:cNvPr>
-          <p:cNvCxnSpPr>
-            <a:cxnSpLocks/>
-          </p:cNvCxnSpPr>
-          <p:nvPr/>
-        </p:nvCxnSpPr>
-        <p:spPr>
-          <a:xfrm flipH="1">
-            <a:off x="3363226" y="2821040"/>
-            <a:ext cx="3389847" cy="0"/>
-          </a:xfrm>
-          <a:prstGeom prst="line">
-            <a:avLst/>
-          </a:prstGeom>
-          <a:ln w="9525">
-            <a:solidFill>
-              <a:schemeClr val="accent6">
-                <a:lumMod val="75000"/>
-              </a:schemeClr>
-            </a:solidFill>
-            <a:headEnd type="triangle"/>
-          </a:ln>
-        </p:spPr>
-        <p:style>
-          <a:lnRef idx="2">
-            <a:schemeClr val="accent1"/>
-          </a:lnRef>
-          <a:fillRef idx="0">
-            <a:schemeClr val="accent1"/>
-          </a:fillRef>
-          <a:effectRef idx="1">
-            <a:schemeClr val="accent1"/>
-          </a:effectRef>
-          <a:fontRef idx="minor">
-            <a:schemeClr val="tx1"/>
-          </a:fontRef>
-        </p:style>
-      </p:cxnSp>
-      <p:sp>
-        <p:nvSpPr>
-          <p:cNvPr id="83" name="Rectangle 82">
-            <a:extLst>
-              <a:ext uri="{FF2B5EF4-FFF2-40B4-BE49-F238E27FC236}">
-                <a16:creationId xmlns:a16="http://schemas.microsoft.com/office/drawing/2014/main" id="{2CE5C9B2-ED36-9319-4528-F06B1BCBCC85}"/>
-              </a:ext>
-            </a:extLst>
-          </p:cNvPr>
-          <p:cNvSpPr/>
-          <p:nvPr/>
-        </p:nvSpPr>
-        <p:spPr>
-          <a:xfrm>
-            <a:off x="3363226" y="2570303"/>
-            <a:ext cx="1799511" cy="298861"/>
-          </a:xfrm>
-          <a:prstGeom prst="rect">
-            <a:avLst/>
-          </a:prstGeom>
-          <a:noFill/>
-          <a:ln w="9525">
-            <a:noFill/>
-          </a:ln>
-        </p:spPr>
-        <p:style>
-          <a:lnRef idx="2">
-            <a:schemeClr val="accent1">
-              <a:shade val="15000"/>
-            </a:schemeClr>
-          </a:lnRef>
-          <a:fillRef idx="1">
-            <a:schemeClr val="accent1"/>
-          </a:fillRef>
-          <a:effectRef idx="0">
-            <a:schemeClr val="accent1"/>
-          </a:effectRef>
-          <a:fontRef idx="minor">
-            <a:schemeClr val="lt1"/>
-          </a:fontRef>
-        </p:style>
-        <p:txBody>
-          <a:bodyPr rtlCol="0" anchor="ctr"/>
-          <a:lstStyle/>
-          <a:p>
-            <a:r>
-              <a:rPr lang="en-US" sz="1000" dirty="0">
-                <a:solidFill>
-                  <a:schemeClr val="accent6">
-                    <a:lumMod val="75000"/>
-                  </a:schemeClr>
-                </a:solidFill>
-                <a:latin typeface="Avenir Book" panose="02000503020000020003" pitchFamily="2" charset="0"/>
-              </a:rPr>
-              <a:t>POST key-share</a:t>
-            </a:r>
-          </a:p>
-        </p:txBody>
-      </p:sp>
-      <p:cxnSp>
-        <p:nvCxnSpPr>
-          <p:cNvPr id="86" name="Straight Connector 85">
-            <a:extLst>
-              <a:ext uri="{FF2B5EF4-FFF2-40B4-BE49-F238E27FC236}">
-                <a16:creationId xmlns:a16="http://schemas.microsoft.com/office/drawing/2014/main" id="{2FF917E0-1D83-3161-C074-0C9DE35388F5}"/>
-              </a:ext>
-            </a:extLst>
-          </p:cNvPr>
-          <p:cNvCxnSpPr>
-            <a:cxnSpLocks/>
-          </p:cNvCxnSpPr>
-          <p:nvPr/>
-        </p:nvCxnSpPr>
-        <p:spPr>
-          <a:xfrm flipH="1">
-            <a:off x="1223360" y="3566219"/>
-            <a:ext cx="9656310" cy="0"/>
-          </a:xfrm>
-          <a:prstGeom prst="line">
-            <a:avLst/>
-          </a:prstGeom>
-          <a:ln w="9525" cap="rnd">
-            <a:solidFill>
-              <a:schemeClr val="accent5"/>
-            </a:solidFill>
-            <a:prstDash val="dash"/>
-            <a:headEnd type="triangle"/>
-          </a:ln>
-        </p:spPr>
-        <p:style>
-          <a:lnRef idx="2">
-            <a:schemeClr val="accent1"/>
-          </a:lnRef>
-          <a:fillRef idx="0">
-            <a:schemeClr val="accent1"/>
-          </a:fillRef>
-          <a:effectRef idx="1">
-            <a:schemeClr val="accent1"/>
-          </a:effectRef>
-          <a:fontRef idx="minor">
-            <a:schemeClr val="tx1"/>
-          </a:fontRef>
-        </p:style>
-      </p:cxnSp>
-      <p:sp>
-        <p:nvSpPr>
-          <p:cNvPr id="87" name="Rectangle 86">
-            <a:extLst>
-              <a:ext uri="{FF2B5EF4-FFF2-40B4-BE49-F238E27FC236}">
-                <a16:creationId xmlns:a16="http://schemas.microsoft.com/office/drawing/2014/main" id="{F8361EBC-4CB3-07C3-3A74-E4A297307904}"/>
-              </a:ext>
-            </a:extLst>
-          </p:cNvPr>
-          <p:cNvSpPr/>
-          <p:nvPr/>
-        </p:nvSpPr>
-        <p:spPr>
-          <a:xfrm>
-            <a:off x="1223360" y="3315482"/>
-            <a:ext cx="1799511" cy="298861"/>
-          </a:xfrm>
-          <a:prstGeom prst="rect">
-            <a:avLst/>
-          </a:prstGeom>
-          <a:noFill/>
-          <a:ln w="9525">
-            <a:noFill/>
-          </a:ln>
-        </p:spPr>
-        <p:style>
-          <a:lnRef idx="2">
-            <a:schemeClr val="accent1">
-              <a:shade val="15000"/>
-            </a:schemeClr>
-          </a:lnRef>
-          <a:fillRef idx="1">
-            <a:schemeClr val="accent1"/>
-          </a:fillRef>
-          <a:effectRef idx="0">
-            <a:schemeClr val="accent1"/>
-          </a:effectRef>
-          <a:fontRef idx="minor">
-            <a:schemeClr val="lt1"/>
-          </a:fontRef>
-        </p:style>
-        <p:txBody>
-          <a:bodyPr rtlCol="0" anchor="ctr"/>
-          <a:lstStyle/>
-          <a:p>
-            <a:r>
-              <a:rPr lang="en-US" sz="1000" dirty="0">
-                <a:solidFill>
-                  <a:schemeClr val="accent5">
-                    <a:lumMod val="75000"/>
-                  </a:schemeClr>
-                </a:solidFill>
-                <a:latin typeface="Avenir Book" panose="02000503020000020003" pitchFamily="2" charset="0"/>
-              </a:rPr>
-              <a:t>Relay Key-ID</a:t>
-            </a:r>
-          </a:p>
-        </p:txBody>
-      </p:sp>
-      <p:cxnSp>
-        <p:nvCxnSpPr>
-          <p:cNvPr id="104" name="Straight Connector 103">
-            <a:extLst>
-              <a:ext uri="{FF2B5EF4-FFF2-40B4-BE49-F238E27FC236}">
-                <a16:creationId xmlns:a16="http://schemas.microsoft.com/office/drawing/2014/main" id="{0913FD8D-1F3B-C0B5-958B-B85ED4A409E3}"/>
-              </a:ext>
-            </a:extLst>
-          </p:cNvPr>
-          <p:cNvCxnSpPr>
-            <a:cxnSpLocks/>
-          </p:cNvCxnSpPr>
-          <p:nvPr/>
-        </p:nvCxnSpPr>
-        <p:spPr>
-          <a:xfrm>
-            <a:off x="8859978" y="4066606"/>
-            <a:ext cx="2013616" cy="0"/>
-          </a:xfrm>
-          <a:prstGeom prst="line">
-            <a:avLst/>
-          </a:prstGeom>
-          <a:ln w="9525">
-            <a:solidFill>
-              <a:schemeClr val="accent6">
-                <a:lumMod val="75000"/>
-              </a:schemeClr>
-            </a:solidFill>
-            <a:headEnd type="triangle"/>
-          </a:ln>
-        </p:spPr>
-        <p:style>
-          <a:lnRef idx="2">
-            <a:schemeClr val="accent1"/>
-          </a:lnRef>
-          <a:fillRef idx="0">
-            <a:schemeClr val="accent1"/>
-          </a:fillRef>
-          <a:effectRef idx="1">
-            <a:schemeClr val="accent1"/>
-          </a:effectRef>
-          <a:fontRef idx="minor">
-            <a:schemeClr val="tx1"/>
-          </a:fontRef>
-        </p:style>
-      </p:cxnSp>
-      <p:sp>
-        <p:nvSpPr>
-          <p:cNvPr id="105" name="Rectangle 104">
-            <a:extLst>
-              <a:ext uri="{FF2B5EF4-FFF2-40B4-BE49-F238E27FC236}">
-                <a16:creationId xmlns:a16="http://schemas.microsoft.com/office/drawing/2014/main" id="{01EDA7E6-775E-8B49-BE3C-F8B35576E3A5}"/>
-              </a:ext>
-            </a:extLst>
-          </p:cNvPr>
-          <p:cNvSpPr/>
-          <p:nvPr/>
-        </p:nvSpPr>
-        <p:spPr>
-          <a:xfrm flipH="1">
-            <a:off x="9074083" y="3815869"/>
-            <a:ext cx="1799511" cy="298861"/>
-          </a:xfrm>
-          <a:prstGeom prst="rect">
-            <a:avLst/>
-          </a:prstGeom>
-          <a:noFill/>
-          <a:ln w="9525">
-            <a:noFill/>
-          </a:ln>
-        </p:spPr>
-        <p:style>
-          <a:lnRef idx="2">
-            <a:schemeClr val="accent1">
-              <a:shade val="15000"/>
-            </a:schemeClr>
-          </a:lnRef>
-          <a:fillRef idx="1">
-            <a:schemeClr val="accent1"/>
-          </a:fillRef>
-          <a:effectRef idx="0">
-            <a:schemeClr val="accent1"/>
-          </a:effectRef>
-          <a:fontRef idx="minor">
-            <a:schemeClr val="lt1"/>
-          </a:fontRef>
-        </p:style>
-        <p:txBody>
-          <a:bodyPr rtlCol="0" anchor="ctr"/>
-          <a:lstStyle/>
-          <a:p>
-            <a:r>
-              <a:rPr lang="en-US" sz="1000" dirty="0">
-                <a:solidFill>
-                  <a:schemeClr val="accent6">
-                    <a:lumMod val="75000"/>
-                  </a:schemeClr>
-                </a:solidFill>
-                <a:latin typeface="Avenir Book" panose="02000503020000020003" pitchFamily="2" charset="0"/>
-              </a:rPr>
-              <a:t>GET key-with-key-ID</a:t>
-            </a:r>
-          </a:p>
-        </p:txBody>
-      </p:sp>
-      <p:cxnSp>
-        <p:nvCxnSpPr>
-          <p:cNvPr id="95" name="Straight Connector 94">
-            <a:extLst>
-              <a:ext uri="{FF2B5EF4-FFF2-40B4-BE49-F238E27FC236}">
-                <a16:creationId xmlns:a16="http://schemas.microsoft.com/office/drawing/2014/main" id="{CF5FE163-EFC1-252B-2202-33A0CF174B4E}"/>
-              </a:ext>
-            </a:extLst>
-          </p:cNvPr>
-          <p:cNvCxnSpPr>
-            <a:cxnSpLocks/>
-          </p:cNvCxnSpPr>
-          <p:nvPr/>
-        </p:nvCxnSpPr>
-        <p:spPr>
-          <a:xfrm flipH="1">
-            <a:off x="8860443" y="4662127"/>
-            <a:ext cx="2011215" cy="0"/>
-          </a:xfrm>
-          <a:prstGeom prst="line">
-            <a:avLst/>
-          </a:prstGeom>
-          <a:ln w="9525">
-            <a:solidFill>
-              <a:schemeClr val="accent6">
-                <a:lumMod val="75000"/>
-              </a:schemeClr>
-            </a:solidFill>
-            <a:headEnd type="triangle"/>
-          </a:ln>
-        </p:spPr>
-        <p:style>
-          <a:lnRef idx="2">
-            <a:schemeClr val="accent1"/>
-          </a:lnRef>
-          <a:fillRef idx="0">
-            <a:schemeClr val="accent1"/>
-          </a:fillRef>
-          <a:effectRef idx="1">
-            <a:schemeClr val="accent1"/>
-          </a:effectRef>
-          <a:fontRef idx="minor">
-            <a:schemeClr val="tx1"/>
-          </a:fontRef>
-        </p:style>
-      </p:cxnSp>
-      <p:sp>
-        <p:nvSpPr>
-          <p:cNvPr id="96" name="Rectangle 95">
-            <a:extLst>
-              <a:ext uri="{FF2B5EF4-FFF2-40B4-BE49-F238E27FC236}">
-                <a16:creationId xmlns:a16="http://schemas.microsoft.com/office/drawing/2014/main" id="{4D06398F-7398-B109-CBB7-BFC906ABA483}"/>
-              </a:ext>
-            </a:extLst>
-          </p:cNvPr>
-          <p:cNvSpPr/>
-          <p:nvPr/>
-        </p:nvSpPr>
-        <p:spPr>
-          <a:xfrm flipH="1">
-            <a:off x="8733728" y="4066607"/>
-            <a:ext cx="126715" cy="600778"/>
-          </a:xfrm>
-          <a:prstGeom prst="rect">
-            <a:avLst/>
-          </a:prstGeom>
-          <a:solidFill>
-            <a:schemeClr val="accent6">
-              <a:lumMod val="20000"/>
-              <a:lumOff val="80000"/>
-            </a:schemeClr>
-          </a:solidFill>
-          <a:ln w="9525">
-            <a:solidFill>
-              <a:schemeClr val="accent6">
-                <a:lumMod val="75000"/>
-              </a:schemeClr>
-            </a:solidFill>
-          </a:ln>
-        </p:spPr>
-        <p:style>
-          <a:lnRef idx="2">
-            <a:schemeClr val="accent1">
-              <a:shade val="15000"/>
-            </a:schemeClr>
-          </a:lnRef>
-          <a:fillRef idx="1">
-            <a:schemeClr val="accent1"/>
-          </a:fillRef>
-          <a:effectRef idx="0">
-            <a:schemeClr val="accent1"/>
-          </a:effectRef>
-          <a:fontRef idx="minor">
-            <a:schemeClr val="lt1"/>
-          </a:fontRef>
-        </p:style>
-        <p:txBody>
-          <a:bodyPr rtlCol="0" anchor="ctr"/>
-          <a:lstStyle/>
-          <a:p>
-            <a:pPr algn="ctr"/>
-            <a:endParaRPr lang="en-US" sz="1000" dirty="0">
-              <a:solidFill>
-                <a:schemeClr val="tx1"/>
-              </a:solidFill>
-              <a:latin typeface="Avenir Book" panose="02000503020000020003" pitchFamily="2" charset="0"/>
-            </a:endParaRPr>
-          </a:p>
-        </p:txBody>
-      </p:sp>
-      <p:sp>
-        <p:nvSpPr>
-          <p:cNvPr id="97" name="Rectangle 96">
-            <a:extLst>
-              <a:ext uri="{FF2B5EF4-FFF2-40B4-BE49-F238E27FC236}">
-                <a16:creationId xmlns:a16="http://schemas.microsoft.com/office/drawing/2014/main" id="{DEDD8038-A8D9-38EE-BD64-C279C72DAEC4}"/>
-              </a:ext>
-            </a:extLst>
-          </p:cNvPr>
-          <p:cNvSpPr/>
-          <p:nvPr/>
-        </p:nvSpPr>
-        <p:spPr>
-          <a:xfrm flipH="1">
-            <a:off x="9080159" y="4411819"/>
-            <a:ext cx="1799511" cy="298861"/>
-          </a:xfrm>
-          <a:prstGeom prst="rect">
-            <a:avLst/>
-          </a:prstGeom>
-          <a:noFill/>
-          <a:ln w="9525">
-            <a:noFill/>
-          </a:ln>
-        </p:spPr>
-        <p:style>
-          <a:lnRef idx="2">
-            <a:schemeClr val="accent1">
-              <a:shade val="15000"/>
-            </a:schemeClr>
-          </a:lnRef>
-          <a:fillRef idx="1">
-            <a:schemeClr val="accent1"/>
-          </a:fillRef>
-          <a:effectRef idx="0">
-            <a:schemeClr val="accent1"/>
-          </a:effectRef>
-          <a:fontRef idx="minor">
-            <a:schemeClr val="lt1"/>
-          </a:fontRef>
-        </p:style>
-        <p:txBody>
-          <a:bodyPr rtlCol="0" anchor="ctr"/>
-          <a:lstStyle/>
-          <a:p>
-            <a:r>
-              <a:rPr lang="en-US" sz="1000" dirty="0">
-                <a:solidFill>
-                  <a:schemeClr val="accent6">
-                    <a:lumMod val="75000"/>
-                  </a:schemeClr>
-                </a:solidFill>
-                <a:latin typeface="Avenir Book" panose="02000503020000020003" pitchFamily="2" charset="0"/>
-              </a:rPr>
-              <a:t>Key</a:t>
-            </a:r>
-          </a:p>
-        </p:txBody>
-      </p:sp>
-      <p:cxnSp>
-        <p:nvCxnSpPr>
-          <p:cNvPr id="102" name="Straight Connector 101">
-            <a:extLst>
-              <a:ext uri="{FF2B5EF4-FFF2-40B4-BE49-F238E27FC236}">
-                <a16:creationId xmlns:a16="http://schemas.microsoft.com/office/drawing/2014/main" id="{2A2CC460-7466-789D-C0B5-6B498212CC12}"/>
-              </a:ext>
-            </a:extLst>
-          </p:cNvPr>
-          <p:cNvCxnSpPr>
-            <a:cxnSpLocks/>
-          </p:cNvCxnSpPr>
-          <p:nvPr/>
-        </p:nvCxnSpPr>
-        <p:spPr>
-          <a:xfrm>
-            <a:off x="6755329" y="4197748"/>
-            <a:ext cx="1978399" cy="0"/>
-          </a:xfrm>
-          <a:prstGeom prst="line">
-            <a:avLst/>
-          </a:prstGeom>
-          <a:ln w="9525">
-            <a:solidFill>
-              <a:schemeClr val="accent6">
-                <a:lumMod val="75000"/>
-              </a:schemeClr>
-            </a:solidFill>
-            <a:headEnd type="triangle"/>
-          </a:ln>
-        </p:spPr>
-        <p:style>
-          <a:lnRef idx="2">
-            <a:schemeClr val="accent1"/>
-          </a:lnRef>
-          <a:fillRef idx="0">
-            <a:schemeClr val="accent1"/>
-          </a:fillRef>
-          <a:effectRef idx="1">
-            <a:schemeClr val="accent1"/>
-          </a:effectRef>
-          <a:fontRef idx="minor">
-            <a:schemeClr val="tx1"/>
-          </a:fontRef>
-        </p:style>
-      </p:cxnSp>
-      <p:sp>
-        <p:nvSpPr>
-          <p:cNvPr id="103" name="Rectangle 102">
-            <a:extLst>
-              <a:ext uri="{FF2B5EF4-FFF2-40B4-BE49-F238E27FC236}">
-                <a16:creationId xmlns:a16="http://schemas.microsoft.com/office/drawing/2014/main" id="{0C2C119B-096E-5860-0240-91FD38A557B9}"/>
-              </a:ext>
-            </a:extLst>
-          </p:cNvPr>
-          <p:cNvSpPr/>
-          <p:nvPr/>
-        </p:nvSpPr>
-        <p:spPr>
-          <a:xfrm flipH="1">
-            <a:off x="6934217" y="3947011"/>
-            <a:ext cx="1799511" cy="298861"/>
-          </a:xfrm>
-          <a:prstGeom prst="rect">
-            <a:avLst/>
-          </a:prstGeom>
-          <a:noFill/>
-          <a:ln w="9525">
-            <a:noFill/>
-          </a:ln>
-        </p:spPr>
-        <p:style>
-          <a:lnRef idx="2">
-            <a:schemeClr val="accent1">
-              <a:shade val="15000"/>
-            </a:schemeClr>
-          </a:lnRef>
-          <a:fillRef idx="1">
-            <a:schemeClr val="accent1"/>
-          </a:fillRef>
-          <a:effectRef idx="0">
-            <a:schemeClr val="accent1"/>
-          </a:effectRef>
-          <a:fontRef idx="minor">
-            <a:schemeClr val="lt1"/>
-          </a:fontRef>
-        </p:style>
-        <p:txBody>
-          <a:bodyPr rtlCol="0" anchor="ctr"/>
-          <a:lstStyle/>
-          <a:p>
-            <a:r>
-              <a:rPr lang="en-US" sz="1000" dirty="0">
-                <a:solidFill>
-                  <a:schemeClr val="accent6">
-                    <a:lumMod val="75000"/>
-                  </a:schemeClr>
-                </a:solidFill>
-                <a:latin typeface="Avenir Book" panose="02000503020000020003" pitchFamily="2" charset="0"/>
-              </a:rPr>
-              <a:t>GET key-share</a:t>
-            </a:r>
-          </a:p>
-        </p:txBody>
-      </p:sp>
-      <p:cxnSp>
-        <p:nvCxnSpPr>
-          <p:cNvPr id="100" name="Straight Connector 99">
-            <a:extLst>
-              <a:ext uri="{FF2B5EF4-FFF2-40B4-BE49-F238E27FC236}">
-                <a16:creationId xmlns:a16="http://schemas.microsoft.com/office/drawing/2014/main" id="{C8DF76A0-98D5-A127-32A9-B5805B48A99F}"/>
-              </a:ext>
-            </a:extLst>
-          </p:cNvPr>
-          <p:cNvCxnSpPr>
-            <a:cxnSpLocks/>
-          </p:cNvCxnSpPr>
-          <p:nvPr/>
-        </p:nvCxnSpPr>
-        <p:spPr>
-          <a:xfrm>
-            <a:off x="5343881" y="4538779"/>
-            <a:ext cx="3389847" cy="0"/>
-          </a:xfrm>
-          <a:prstGeom prst="line">
-            <a:avLst/>
-          </a:prstGeom>
-          <a:ln w="9525">
-            <a:solidFill>
-              <a:schemeClr val="accent6">
-                <a:lumMod val="75000"/>
-              </a:schemeClr>
-            </a:solidFill>
-            <a:headEnd type="triangle"/>
-          </a:ln>
-        </p:spPr>
-        <p:style>
-          <a:lnRef idx="2">
-            <a:schemeClr val="accent1"/>
-          </a:lnRef>
-          <a:fillRef idx="0">
-            <a:schemeClr val="accent1"/>
-          </a:fillRef>
-          <a:effectRef idx="1">
-            <a:schemeClr val="accent1"/>
-          </a:effectRef>
-          <a:fontRef idx="minor">
-            <a:schemeClr val="tx1"/>
-          </a:fontRef>
-        </p:style>
-      </p:cxnSp>
-      <p:sp>
-        <p:nvSpPr>
-          <p:cNvPr id="101" name="Rectangle 100">
-            <a:extLst>
-              <a:ext uri="{FF2B5EF4-FFF2-40B4-BE49-F238E27FC236}">
-                <a16:creationId xmlns:a16="http://schemas.microsoft.com/office/drawing/2014/main" id="{5C3DCE52-DD1D-2B18-5FB1-918149EEEF96}"/>
-              </a:ext>
-            </a:extLst>
-          </p:cNvPr>
-          <p:cNvSpPr/>
-          <p:nvPr/>
-        </p:nvSpPr>
-        <p:spPr>
-          <a:xfrm flipH="1">
-            <a:off x="6934217" y="4288042"/>
-            <a:ext cx="1799511" cy="298861"/>
-          </a:xfrm>
-          <a:prstGeom prst="rect">
-            <a:avLst/>
-          </a:prstGeom>
-          <a:noFill/>
-          <a:ln w="9525">
-            <a:noFill/>
-          </a:ln>
-        </p:spPr>
-        <p:style>
-          <a:lnRef idx="2">
-            <a:schemeClr val="accent1">
-              <a:shade val="15000"/>
-            </a:schemeClr>
-          </a:lnRef>
-          <a:fillRef idx="1">
-            <a:schemeClr val="accent1"/>
-          </a:fillRef>
-          <a:effectRef idx="0">
-            <a:schemeClr val="accent1"/>
-          </a:effectRef>
-          <a:fontRef idx="minor">
-            <a:schemeClr val="lt1"/>
-          </a:fontRef>
-        </p:style>
-        <p:txBody>
-          <a:bodyPr rtlCol="0" anchor="ctr"/>
-          <a:lstStyle/>
-          <a:p>
-            <a:r>
-              <a:rPr lang="en-US" sz="1000" dirty="0">
-                <a:solidFill>
-                  <a:schemeClr val="accent6">
-                    <a:lumMod val="75000"/>
-                  </a:schemeClr>
-                </a:solidFill>
-                <a:latin typeface="Avenir Book" panose="02000503020000020003" pitchFamily="2" charset="0"/>
-              </a:rPr>
-              <a:t>GET key-share</a:t>
-            </a:r>
-          </a:p>
-        </p:txBody>
-      </p:sp>
-    </p:spTree>
-    <p:extLst>
-      <p:ext uri="{BB962C8B-B14F-4D97-AF65-F5344CB8AC3E}">
-        <p14:creationId xmlns:p14="http://schemas.microsoft.com/office/powerpoint/2010/main" val="1266981807"/>
       </p:ext>
     </p:extLst>
   </p:cSld>

--- a/docs/figures/figures.pptx
+++ b/docs/figures/figures.pptx
@@ -22115,8 +22115,8 @@
         </p:nvSpPr>
         <p:spPr>
           <a:xfrm>
-            <a:off x="7711423" y="1952247"/>
-            <a:ext cx="2667448" cy="2755791"/>
+            <a:off x="7597122" y="1952247"/>
+            <a:ext cx="2997253" cy="2755791"/>
           </a:xfrm>
           <a:prstGeom prst="rect">
             <a:avLst/>
@@ -22176,7 +22176,7 @@
         </p:nvSpPr>
         <p:spPr>
           <a:xfrm>
-            <a:off x="1969470" y="1952248"/>
+            <a:off x="1855170" y="1952248"/>
             <a:ext cx="4392846" cy="2755791"/>
           </a:xfrm>
           <a:prstGeom prst="rect">
@@ -22237,7 +22237,7 @@
         </p:nvSpPr>
         <p:spPr>
           <a:xfrm>
-            <a:off x="4299966" y="2673379"/>
+            <a:off x="4185666" y="2673379"/>
             <a:ext cx="1074119" cy="376766"/>
           </a:xfrm>
           <a:prstGeom prst="rect">
@@ -22308,7 +22308,7 @@
         </p:nvSpPr>
         <p:spPr>
           <a:xfrm>
-            <a:off x="5664430" y="2543158"/>
+            <a:off x="5550130" y="2543158"/>
             <a:ext cx="505035" cy="637207"/>
           </a:xfrm>
           <a:prstGeom prst="can">
@@ -22389,7 +22389,7 @@
         </p:nvCxnSpPr>
         <p:spPr>
           <a:xfrm flipH="1">
-            <a:off x="5374085" y="2861762"/>
+            <a:off x="5259785" y="2861762"/>
             <a:ext cx="290345" cy="0"/>
           </a:xfrm>
           <a:prstGeom prst="line">
@@ -22431,7 +22431,7 @@
         </p:nvSpPr>
         <p:spPr>
           <a:xfrm>
-            <a:off x="8766410" y="2673379"/>
+            <a:off x="8652110" y="2673379"/>
             <a:ext cx="1074119" cy="376766"/>
           </a:xfrm>
           <a:prstGeom prst="rect">
@@ -22502,7 +22502,7 @@
         </p:nvSpPr>
         <p:spPr>
           <a:xfrm>
-            <a:off x="7958211" y="2543158"/>
+            <a:off x="7843911" y="2543158"/>
             <a:ext cx="505035" cy="637207"/>
           </a:xfrm>
           <a:prstGeom prst="can">
@@ -22583,7 +22583,7 @@
         </p:nvCxnSpPr>
         <p:spPr>
           <a:xfrm>
-            <a:off x="8463246" y="2861762"/>
+            <a:off x="8348946" y="2861762"/>
             <a:ext cx="303164" cy="0"/>
           </a:xfrm>
           <a:prstGeom prst="line">
@@ -22629,7 +22629,7 @@
         </p:nvCxnSpPr>
         <p:spPr>
           <a:xfrm flipH="1">
-            <a:off x="6169465" y="2861762"/>
+            <a:off x="6055165" y="2861762"/>
             <a:ext cx="1788746" cy="0"/>
           </a:xfrm>
           <a:prstGeom prst="line">
@@ -22675,7 +22675,7 @@
         </p:nvCxnSpPr>
         <p:spPr>
           <a:xfrm>
-            <a:off x="5681541" y="4349503"/>
+            <a:off x="5567241" y="4349503"/>
             <a:ext cx="2761476" cy="15722"/>
           </a:xfrm>
           <a:prstGeom prst="line">
@@ -22719,7 +22719,7 @@
         </p:nvSpPr>
         <p:spPr>
           <a:xfrm>
-            <a:off x="1860983" y="1673020"/>
+            <a:off x="1746683" y="1673020"/>
             <a:ext cx="1398994" cy="376766"/>
           </a:xfrm>
           <a:prstGeom prst="rect">
@@ -22776,7 +22776,7 @@
         </p:nvSpPr>
         <p:spPr>
           <a:xfrm>
-            <a:off x="7596778" y="1666782"/>
+            <a:off x="7482478" y="1666782"/>
             <a:ext cx="1398994" cy="376766"/>
           </a:xfrm>
           <a:prstGeom prst="rect">
@@ -22808,7 +22808,7 @@
           <a:lstStyle/>
           <a:p>
             <a:r>
-              <a:rPr lang="en-US" sz="1000">
+              <a:rPr lang="en-US" sz="1000" dirty="0">
                 <a:solidFill>
                   <a:schemeClr val="tx1"/>
                 </a:solidFill>
@@ -22816,12 +22816,6 @@
               </a:rPr>
               <a:t>Hub Hank</a:t>
             </a:r>
-            <a:endParaRPr lang="en-US" sz="1000" dirty="0">
-              <a:solidFill>
-                <a:schemeClr val="tx1"/>
-              </a:solidFill>
-              <a:latin typeface="Avenir Book" panose="02000503020000020003" pitchFamily="2" charset="0"/>
-            </a:endParaRPr>
           </a:p>
         </p:txBody>
       </p:sp>
@@ -22839,7 +22833,7 @@
         </p:nvSpPr>
         <p:spPr>
           <a:xfrm>
-            <a:off x="6302925" y="2844787"/>
+            <a:off x="6188625" y="2844787"/>
             <a:ext cx="2296405" cy="376766"/>
           </a:xfrm>
           <a:prstGeom prst="rect">
@@ -22907,7 +22901,7 @@
         </p:nvSpPr>
         <p:spPr>
           <a:xfrm>
-            <a:off x="6315829" y="4399834"/>
+            <a:off x="6201529" y="4399834"/>
             <a:ext cx="2584366" cy="376766"/>
           </a:xfrm>
           <a:prstGeom prst="rect">
@@ -22992,7 +22986,7 @@
         </p:nvSpPr>
         <p:spPr>
           <a:xfrm>
-            <a:off x="7913261" y="2064330"/>
+            <a:off x="7798961" y="2064330"/>
             <a:ext cx="563078" cy="305205"/>
           </a:xfrm>
           <a:prstGeom prst="roundRect">
@@ -23057,7 +23051,7 @@
         </p:nvCxnSpPr>
         <p:spPr>
           <a:xfrm>
-            <a:off x="8193099" y="2372068"/>
+            <a:off x="8078799" y="2372068"/>
             <a:ext cx="0" cy="179937"/>
           </a:xfrm>
           <a:prstGeom prst="line">
@@ -23099,7 +23093,7 @@
         </p:nvSpPr>
         <p:spPr>
           <a:xfrm>
-            <a:off x="4299966" y="3411190"/>
+            <a:off x="4185666" y="3411190"/>
             <a:ext cx="1069193" cy="376767"/>
           </a:xfrm>
           <a:prstGeom prst="roundRect">
@@ -23162,7 +23156,7 @@
         </p:nvSpPr>
         <p:spPr>
           <a:xfrm>
-            <a:off x="2206025" y="3411191"/>
+            <a:off x="2091725" y="3411191"/>
             <a:ext cx="1715977" cy="376766"/>
           </a:xfrm>
           <a:prstGeom prst="rect">
@@ -23237,7 +23231,7 @@
         </p:nvCxnSpPr>
         <p:spPr>
           <a:xfrm flipH="1">
-            <a:off x="4834563" y="3050145"/>
+            <a:off x="4720263" y="3050145"/>
             <a:ext cx="2463" cy="361045"/>
           </a:xfrm>
           <a:prstGeom prst="line">
@@ -23283,7 +23277,7 @@
         </p:nvCxnSpPr>
         <p:spPr>
           <a:xfrm>
-            <a:off x="3922002" y="3599574"/>
+            <a:off x="3807702" y="3599574"/>
             <a:ext cx="377964" cy="0"/>
           </a:xfrm>
           <a:prstGeom prst="line">
@@ -23311,50 +23305,6 @@
           </a:fontRef>
         </p:style>
       </p:cxnSp>
-      <p:cxnSp>
-        <p:nvCxnSpPr>
-          <p:cNvPr id="42" name="Straight Connector 41">
-            <a:extLst>
-              <a:ext uri="{FF2B5EF4-FFF2-40B4-BE49-F238E27FC236}">
-                <a16:creationId xmlns:a16="http://schemas.microsoft.com/office/drawing/2014/main" id="{4E3580B5-A968-3EF9-4401-1FB75FD58FBA}"/>
-              </a:ext>
-            </a:extLst>
-          </p:cNvPr>
-          <p:cNvCxnSpPr>
-            <a:cxnSpLocks/>
-          </p:cNvCxnSpPr>
-          <p:nvPr/>
-        </p:nvCxnSpPr>
-        <p:spPr>
-          <a:xfrm flipH="1">
-            <a:off x="4832099" y="3788227"/>
-            <a:ext cx="2463" cy="361045"/>
-          </a:xfrm>
-          <a:prstGeom prst="line">
-            <a:avLst/>
-          </a:prstGeom>
-          <a:ln w="9525" cap="rnd">
-            <a:solidFill>
-              <a:schemeClr val="tx1"/>
-            </a:solidFill>
-            <a:tailEnd type="triangle"/>
-          </a:ln>
-        </p:spPr>
-        <p:style>
-          <a:lnRef idx="2">
-            <a:schemeClr val="accent1"/>
-          </a:lnRef>
-          <a:fillRef idx="0">
-            <a:schemeClr val="accent1"/>
-          </a:fillRef>
-          <a:effectRef idx="1">
-            <a:schemeClr val="accent1"/>
-          </a:effectRef>
-          <a:fontRef idx="minor">
-            <a:schemeClr val="tx1"/>
-          </a:fontRef>
-        </p:style>
-      </p:cxnSp>
       <p:sp>
         <p:nvSpPr>
           <p:cNvPr id="46" name="Rounded Rectangle 45">
@@ -23369,7 +23319,7 @@
         </p:nvSpPr>
         <p:spPr>
           <a:xfrm>
-            <a:off x="8771336" y="3426911"/>
+            <a:off x="8657036" y="3426911"/>
             <a:ext cx="1069193" cy="376767"/>
           </a:xfrm>
           <a:prstGeom prst="roundRect">
@@ -23446,7 +23396,7 @@
         </p:nvCxnSpPr>
         <p:spPr>
           <a:xfrm flipH="1">
-            <a:off x="9303469" y="3055534"/>
+            <a:off x="9189169" y="3055534"/>
             <a:ext cx="2463" cy="361045"/>
           </a:xfrm>
           <a:prstGeom prst="line">
@@ -23488,7 +23438,7 @@
         </p:nvGrpSpPr>
         <p:grpSpPr>
           <a:xfrm>
-            <a:off x="3965564" y="4161120"/>
+            <a:off x="3851264" y="4161120"/>
             <a:ext cx="1715977" cy="376766"/>
             <a:chOff x="3769116" y="3217380"/>
             <a:chExt cx="1715977" cy="376766"/>
@@ -23644,7 +23594,7 @@
         </p:nvGrpSpPr>
         <p:grpSpPr>
           <a:xfrm>
-            <a:off x="8443017" y="4176842"/>
+            <a:off x="8328717" y="4176842"/>
             <a:ext cx="1715977" cy="376766"/>
             <a:chOff x="3769116" y="3217380"/>
             <a:chExt cx="1715977" cy="376766"/>
@@ -23801,9 +23751,9 @@
           <p:nvPr/>
         </p:nvCxnSpPr>
         <p:spPr>
-          <a:xfrm flipH="1" flipV="1">
-            <a:off x="9301006" y="3800075"/>
-            <a:ext cx="2463" cy="361045"/>
+          <a:xfrm flipV="1">
+            <a:off x="9186706" y="3800075"/>
+            <a:ext cx="0" cy="234292"/>
           </a:xfrm>
           <a:prstGeom prst="line">
             <a:avLst/>
@@ -23886,6 +23836,752 @@
               </a:solidFill>
               <a:latin typeface="Avenir Book" panose="02000503020000020003" pitchFamily="2" charset="0"/>
             </a:endParaRPr>
+          </a:p>
+        </p:txBody>
+      </p:sp>
+      <p:cxnSp>
+        <p:nvCxnSpPr>
+          <p:cNvPr id="64" name="Straight Connector 63">
+            <a:extLst>
+              <a:ext uri="{FF2B5EF4-FFF2-40B4-BE49-F238E27FC236}">
+                <a16:creationId xmlns:a16="http://schemas.microsoft.com/office/drawing/2014/main" id="{4B60F00D-36FC-EA15-D541-6D9178964C42}"/>
+              </a:ext>
+            </a:extLst>
+          </p:cNvPr>
+          <p:cNvCxnSpPr>
+            <a:cxnSpLocks/>
+          </p:cNvCxnSpPr>
+          <p:nvPr/>
+        </p:nvCxnSpPr>
+        <p:spPr>
+          <a:xfrm>
+            <a:off x="5492635" y="3230667"/>
+            <a:ext cx="0" cy="1007506"/>
+          </a:xfrm>
+          <a:prstGeom prst="line">
+            <a:avLst/>
+          </a:prstGeom>
+          <a:ln w="9525" cap="rnd">
+            <a:solidFill>
+              <a:schemeClr val="tx1"/>
+            </a:solidFill>
+            <a:tailEnd type="triangle"/>
+          </a:ln>
+        </p:spPr>
+        <p:style>
+          <a:lnRef idx="2">
+            <a:schemeClr val="accent1"/>
+          </a:lnRef>
+          <a:fillRef idx="0">
+            <a:schemeClr val="accent1"/>
+          </a:fillRef>
+          <a:effectRef idx="1">
+            <a:schemeClr val="accent1"/>
+          </a:effectRef>
+          <a:fontRef idx="minor">
+            <a:schemeClr val="tx1"/>
+          </a:fontRef>
+        </p:style>
+      </p:cxnSp>
+      <p:sp>
+        <p:nvSpPr>
+          <p:cNvPr id="66" name="Rectangle 65">
+            <a:extLst>
+              <a:ext uri="{FF2B5EF4-FFF2-40B4-BE49-F238E27FC236}">
+                <a16:creationId xmlns:a16="http://schemas.microsoft.com/office/drawing/2014/main" id="{2BC639C1-D24C-4C48-A6E9-E90F02A9247A}"/>
+              </a:ext>
+            </a:extLst>
+          </p:cNvPr>
+          <p:cNvSpPr/>
+          <p:nvPr/>
+        </p:nvSpPr>
+        <p:spPr>
+          <a:xfrm>
+            <a:off x="4636775" y="3865010"/>
+            <a:ext cx="712949" cy="179868"/>
+          </a:xfrm>
+          <a:prstGeom prst="rect">
+            <a:avLst/>
+          </a:prstGeom>
+          <a:noFill/>
+          <a:ln w="9525">
+            <a:noFill/>
+          </a:ln>
+        </p:spPr>
+        <p:style>
+          <a:lnRef idx="2">
+            <a:schemeClr val="accent1">
+              <a:shade val="15000"/>
+            </a:schemeClr>
+          </a:lnRef>
+          <a:fillRef idx="1">
+            <a:schemeClr val="accent1"/>
+          </a:fillRef>
+          <a:effectRef idx="0">
+            <a:schemeClr val="accent1"/>
+          </a:effectRef>
+          <a:fontRef idx="minor">
+            <a:schemeClr val="lt1"/>
+          </a:fontRef>
+        </p:style>
+        <p:txBody>
+          <a:bodyPr rtlCol="0" anchor="ctr"/>
+          <a:lstStyle/>
+          <a:p>
+            <a:r>
+              <a:rPr lang="en-US" sz="800" dirty="0">
+                <a:solidFill>
+                  <a:schemeClr val="accent6">
+                    <a:lumMod val="75000"/>
+                  </a:schemeClr>
+                </a:solidFill>
+                <a:latin typeface="Avenir Book" panose="02000503020000020003" pitchFamily="2" charset="0"/>
+              </a:rPr>
+              <a:t>Signature</a:t>
+            </a:r>
+          </a:p>
+        </p:txBody>
+      </p:sp>
+      <p:cxnSp>
+        <p:nvCxnSpPr>
+          <p:cNvPr id="68" name="Straight Connector 67">
+            <a:extLst>
+              <a:ext uri="{FF2B5EF4-FFF2-40B4-BE49-F238E27FC236}">
+                <a16:creationId xmlns:a16="http://schemas.microsoft.com/office/drawing/2014/main" id="{2B633F8F-4CF4-E768-B9C1-652BD86448B7}"/>
+              </a:ext>
+            </a:extLst>
+          </p:cNvPr>
+          <p:cNvCxnSpPr>
+            <a:cxnSpLocks/>
+          </p:cNvCxnSpPr>
+          <p:nvPr/>
+        </p:nvCxnSpPr>
+        <p:spPr>
+          <a:xfrm>
+            <a:off x="5048482" y="3058998"/>
+            <a:ext cx="0" cy="171669"/>
+          </a:xfrm>
+          <a:prstGeom prst="line">
+            <a:avLst/>
+          </a:prstGeom>
+          <a:ln w="9525" cap="rnd">
+            <a:solidFill>
+              <a:schemeClr val="tx1"/>
+            </a:solidFill>
+            <a:tailEnd type="none"/>
+          </a:ln>
+        </p:spPr>
+        <p:style>
+          <a:lnRef idx="2">
+            <a:schemeClr val="accent1"/>
+          </a:lnRef>
+          <a:fillRef idx="0">
+            <a:schemeClr val="accent1"/>
+          </a:fillRef>
+          <a:effectRef idx="1">
+            <a:schemeClr val="accent1"/>
+          </a:effectRef>
+          <a:fontRef idx="minor">
+            <a:schemeClr val="tx1"/>
+          </a:fontRef>
+        </p:style>
+      </p:cxnSp>
+      <p:cxnSp>
+        <p:nvCxnSpPr>
+          <p:cNvPr id="71" name="Straight Connector 70">
+            <a:extLst>
+              <a:ext uri="{FF2B5EF4-FFF2-40B4-BE49-F238E27FC236}">
+                <a16:creationId xmlns:a16="http://schemas.microsoft.com/office/drawing/2014/main" id="{9A98E534-8326-DECF-F5B3-877C40C0C4DC}"/>
+              </a:ext>
+            </a:extLst>
+          </p:cNvPr>
+          <p:cNvCxnSpPr>
+            <a:cxnSpLocks/>
+          </p:cNvCxnSpPr>
+          <p:nvPr/>
+        </p:nvCxnSpPr>
+        <p:spPr>
+          <a:xfrm>
+            <a:off x="5048482" y="3230667"/>
+            <a:ext cx="440219" cy="0"/>
+          </a:xfrm>
+          <a:prstGeom prst="line">
+            <a:avLst/>
+          </a:prstGeom>
+          <a:ln w="9525" cap="rnd">
+            <a:solidFill>
+              <a:schemeClr val="tx1"/>
+            </a:solidFill>
+            <a:tailEnd type="none"/>
+          </a:ln>
+        </p:spPr>
+        <p:style>
+          <a:lnRef idx="2">
+            <a:schemeClr val="accent1"/>
+          </a:lnRef>
+          <a:fillRef idx="0">
+            <a:schemeClr val="accent1"/>
+          </a:fillRef>
+          <a:effectRef idx="1">
+            <a:schemeClr val="accent1"/>
+          </a:effectRef>
+          <a:fontRef idx="minor">
+            <a:schemeClr val="tx1"/>
+          </a:fontRef>
+        </p:style>
+      </p:cxnSp>
+      <p:sp>
+        <p:nvSpPr>
+          <p:cNvPr id="76" name="Rectangle 75">
+            <a:extLst>
+              <a:ext uri="{FF2B5EF4-FFF2-40B4-BE49-F238E27FC236}">
+                <a16:creationId xmlns:a16="http://schemas.microsoft.com/office/drawing/2014/main" id="{B62F2FF9-E03B-9F35-A204-4B5A9FCF7984}"/>
+              </a:ext>
+            </a:extLst>
+          </p:cNvPr>
+          <p:cNvSpPr/>
+          <p:nvPr/>
+        </p:nvSpPr>
+        <p:spPr>
+          <a:xfrm>
+            <a:off x="5444316" y="3872561"/>
+            <a:ext cx="712949" cy="179868"/>
+          </a:xfrm>
+          <a:prstGeom prst="rect">
+            <a:avLst/>
+          </a:prstGeom>
+          <a:noFill/>
+          <a:ln w="9525">
+            <a:noFill/>
+          </a:ln>
+        </p:spPr>
+        <p:style>
+          <a:lnRef idx="2">
+            <a:schemeClr val="accent1">
+              <a:shade val="15000"/>
+            </a:schemeClr>
+          </a:lnRef>
+          <a:fillRef idx="1">
+            <a:schemeClr val="accent1"/>
+          </a:fillRef>
+          <a:effectRef idx="0">
+            <a:schemeClr val="accent1"/>
+          </a:effectRef>
+          <a:fontRef idx="minor">
+            <a:schemeClr val="lt1"/>
+          </a:fontRef>
+        </p:style>
+        <p:txBody>
+          <a:bodyPr rtlCol="0" anchor="ctr"/>
+          <a:lstStyle/>
+          <a:p>
+            <a:r>
+              <a:rPr lang="en-US" sz="800" dirty="0">
+                <a:solidFill>
+                  <a:schemeClr val="accent6">
+                    <a:lumMod val="75000"/>
+                  </a:schemeClr>
+                </a:solidFill>
+                <a:latin typeface="Avenir Book" panose="02000503020000020003" pitchFamily="2" charset="0"/>
+              </a:rPr>
+              <a:t>Signing key</a:t>
+            </a:r>
+          </a:p>
+          <a:p>
+            <a:r>
+              <a:rPr lang="en-US" sz="800" dirty="0">
+                <a:solidFill>
+                  <a:schemeClr val="accent6">
+                    <a:lumMod val="75000"/>
+                  </a:schemeClr>
+                </a:solidFill>
+                <a:latin typeface="Avenir Book" panose="02000503020000020003" pitchFamily="2" charset="0"/>
+              </a:rPr>
+              <a:t>meta-data</a:t>
+            </a:r>
+          </a:p>
+        </p:txBody>
+      </p:sp>
+      <p:cxnSp>
+        <p:nvCxnSpPr>
+          <p:cNvPr id="77" name="Straight Connector 76">
+            <a:extLst>
+              <a:ext uri="{FF2B5EF4-FFF2-40B4-BE49-F238E27FC236}">
+                <a16:creationId xmlns:a16="http://schemas.microsoft.com/office/drawing/2014/main" id="{758708F9-A777-C74D-3AE1-B0187A061AD3}"/>
+              </a:ext>
+            </a:extLst>
+          </p:cNvPr>
+          <p:cNvCxnSpPr>
+            <a:cxnSpLocks/>
+          </p:cNvCxnSpPr>
+          <p:nvPr/>
+        </p:nvCxnSpPr>
+        <p:spPr>
+          <a:xfrm>
+            <a:off x="4694666" y="4033386"/>
+            <a:ext cx="701780" cy="0"/>
+          </a:xfrm>
+          <a:prstGeom prst="line">
+            <a:avLst/>
+          </a:prstGeom>
+          <a:ln w="9525" cap="rnd">
+            <a:solidFill>
+              <a:schemeClr val="tx1"/>
+            </a:solidFill>
+            <a:tailEnd type="none"/>
+          </a:ln>
+        </p:spPr>
+        <p:style>
+          <a:lnRef idx="2">
+            <a:schemeClr val="accent1"/>
+          </a:lnRef>
+          <a:fillRef idx="0">
+            <a:schemeClr val="accent1"/>
+          </a:fillRef>
+          <a:effectRef idx="1">
+            <a:schemeClr val="accent1"/>
+          </a:effectRef>
+          <a:fontRef idx="minor">
+            <a:schemeClr val="tx1"/>
+          </a:fontRef>
+        </p:style>
+      </p:cxnSp>
+      <p:cxnSp>
+        <p:nvCxnSpPr>
+          <p:cNvPr id="42" name="Straight Connector 41">
+            <a:extLst>
+              <a:ext uri="{FF2B5EF4-FFF2-40B4-BE49-F238E27FC236}">
+                <a16:creationId xmlns:a16="http://schemas.microsoft.com/office/drawing/2014/main" id="{4E3580B5-A968-3EF9-4401-1FB75FD58FBA}"/>
+              </a:ext>
+            </a:extLst>
+          </p:cNvPr>
+          <p:cNvCxnSpPr>
+            <a:cxnSpLocks/>
+          </p:cNvCxnSpPr>
+          <p:nvPr/>
+        </p:nvCxnSpPr>
+        <p:spPr>
+          <a:xfrm>
+            <a:off x="5398387" y="4037659"/>
+            <a:ext cx="0" cy="196600"/>
+          </a:xfrm>
+          <a:prstGeom prst="line">
+            <a:avLst/>
+          </a:prstGeom>
+          <a:ln w="9525" cap="rnd">
+            <a:solidFill>
+              <a:schemeClr val="tx1"/>
+            </a:solidFill>
+            <a:tailEnd type="triangle"/>
+          </a:ln>
+        </p:spPr>
+        <p:style>
+          <a:lnRef idx="2">
+            <a:schemeClr val="accent1"/>
+          </a:lnRef>
+          <a:fillRef idx="0">
+            <a:schemeClr val="accent1"/>
+          </a:fillRef>
+          <a:effectRef idx="1">
+            <a:schemeClr val="accent1"/>
+          </a:effectRef>
+          <a:fontRef idx="minor">
+            <a:schemeClr val="tx1"/>
+          </a:fontRef>
+        </p:style>
+      </p:cxnSp>
+      <p:cxnSp>
+        <p:nvCxnSpPr>
+          <p:cNvPr id="81" name="Straight Connector 80">
+            <a:extLst>
+              <a:ext uri="{FF2B5EF4-FFF2-40B4-BE49-F238E27FC236}">
+                <a16:creationId xmlns:a16="http://schemas.microsoft.com/office/drawing/2014/main" id="{1DB12483-F356-623E-FF8B-FAE05223EEC3}"/>
+              </a:ext>
+            </a:extLst>
+          </p:cNvPr>
+          <p:cNvCxnSpPr>
+            <a:cxnSpLocks/>
+          </p:cNvCxnSpPr>
+          <p:nvPr/>
+        </p:nvCxnSpPr>
+        <p:spPr>
+          <a:xfrm>
+            <a:off x="4692008" y="3787957"/>
+            <a:ext cx="0" cy="245939"/>
+          </a:xfrm>
+          <a:prstGeom prst="line">
+            <a:avLst/>
+          </a:prstGeom>
+          <a:ln w="9525" cap="rnd">
+            <a:solidFill>
+              <a:schemeClr val="tx1"/>
+            </a:solidFill>
+            <a:tailEnd type="none"/>
+          </a:ln>
+        </p:spPr>
+        <p:style>
+          <a:lnRef idx="2">
+            <a:schemeClr val="accent1"/>
+          </a:lnRef>
+          <a:fillRef idx="0">
+            <a:schemeClr val="accent1"/>
+          </a:fillRef>
+          <a:effectRef idx="1">
+            <a:schemeClr val="accent1"/>
+          </a:effectRef>
+          <a:fontRef idx="minor">
+            <a:schemeClr val="tx1"/>
+          </a:fontRef>
+        </p:style>
+      </p:cxnSp>
+      <p:cxnSp>
+        <p:nvCxnSpPr>
+          <p:cNvPr id="97" name="Straight Connector 96">
+            <a:extLst>
+              <a:ext uri="{FF2B5EF4-FFF2-40B4-BE49-F238E27FC236}">
+                <a16:creationId xmlns:a16="http://schemas.microsoft.com/office/drawing/2014/main" id="{CCC5DBC3-57F2-7046-1ACD-BE2334B9EA0F}"/>
+              </a:ext>
+            </a:extLst>
+          </p:cNvPr>
+          <p:cNvCxnSpPr>
+            <a:cxnSpLocks/>
+          </p:cNvCxnSpPr>
+          <p:nvPr/>
+        </p:nvCxnSpPr>
+        <p:spPr>
+          <a:xfrm>
+            <a:off x="9884337" y="4038600"/>
+            <a:ext cx="0" cy="191426"/>
+          </a:xfrm>
+          <a:prstGeom prst="line">
+            <a:avLst/>
+          </a:prstGeom>
+          <a:ln w="9525" cap="rnd">
+            <a:solidFill>
+              <a:schemeClr val="tx1"/>
+            </a:solidFill>
+            <a:tailEnd type="none"/>
+          </a:ln>
+        </p:spPr>
+        <p:style>
+          <a:lnRef idx="2">
+            <a:schemeClr val="accent1"/>
+          </a:lnRef>
+          <a:fillRef idx="0">
+            <a:schemeClr val="accent1"/>
+          </a:fillRef>
+          <a:effectRef idx="1">
+            <a:schemeClr val="accent1"/>
+          </a:effectRef>
+          <a:fontRef idx="minor">
+            <a:schemeClr val="tx1"/>
+          </a:fontRef>
+        </p:style>
+      </p:cxnSp>
+      <p:cxnSp>
+        <p:nvCxnSpPr>
+          <p:cNvPr id="98" name="Straight Connector 97">
+            <a:extLst>
+              <a:ext uri="{FF2B5EF4-FFF2-40B4-BE49-F238E27FC236}">
+                <a16:creationId xmlns:a16="http://schemas.microsoft.com/office/drawing/2014/main" id="{5E8A3D77-71E1-5DCE-285A-C4D2E2730948}"/>
+              </a:ext>
+            </a:extLst>
+          </p:cNvPr>
+          <p:cNvCxnSpPr>
+            <a:cxnSpLocks/>
+          </p:cNvCxnSpPr>
+          <p:nvPr/>
+        </p:nvCxnSpPr>
+        <p:spPr>
+          <a:xfrm>
+            <a:off x="9932684" y="2463800"/>
+            <a:ext cx="0" cy="1768930"/>
+          </a:xfrm>
+          <a:prstGeom prst="line">
+            <a:avLst/>
+          </a:prstGeom>
+          <a:ln w="9525" cap="rnd">
+            <a:solidFill>
+              <a:schemeClr val="tx1"/>
+            </a:solidFill>
+            <a:tailEnd type="none"/>
+          </a:ln>
+        </p:spPr>
+        <p:style>
+          <a:lnRef idx="2">
+            <a:schemeClr val="accent1"/>
+          </a:lnRef>
+          <a:fillRef idx="0">
+            <a:schemeClr val="accent1"/>
+          </a:fillRef>
+          <a:effectRef idx="1">
+            <a:schemeClr val="accent1"/>
+          </a:effectRef>
+          <a:fontRef idx="minor">
+            <a:schemeClr val="tx1"/>
+          </a:fontRef>
+        </p:style>
+      </p:cxnSp>
+      <p:cxnSp>
+        <p:nvCxnSpPr>
+          <p:cNvPr id="99" name="Straight Connector 98">
+            <a:extLst>
+              <a:ext uri="{FF2B5EF4-FFF2-40B4-BE49-F238E27FC236}">
+                <a16:creationId xmlns:a16="http://schemas.microsoft.com/office/drawing/2014/main" id="{D4D99F20-1AC5-9B3E-0E92-F451493E9A8C}"/>
+              </a:ext>
+            </a:extLst>
+          </p:cNvPr>
+          <p:cNvCxnSpPr>
+            <a:cxnSpLocks/>
+          </p:cNvCxnSpPr>
+          <p:nvPr/>
+        </p:nvCxnSpPr>
+        <p:spPr>
+          <a:xfrm>
+            <a:off x="9186705" y="4033386"/>
+            <a:ext cx="701780" cy="0"/>
+          </a:xfrm>
+          <a:prstGeom prst="line">
+            <a:avLst/>
+          </a:prstGeom>
+          <a:ln w="9525" cap="rnd">
+            <a:solidFill>
+              <a:schemeClr val="tx1"/>
+            </a:solidFill>
+            <a:tailEnd type="none"/>
+          </a:ln>
+        </p:spPr>
+        <p:style>
+          <a:lnRef idx="2">
+            <a:schemeClr val="accent1"/>
+          </a:lnRef>
+          <a:fillRef idx="0">
+            <a:schemeClr val="accent1"/>
+          </a:fillRef>
+          <a:effectRef idx="1">
+            <a:schemeClr val="accent1"/>
+          </a:effectRef>
+          <a:fontRef idx="minor">
+            <a:schemeClr val="tx1"/>
+          </a:fontRef>
+        </p:style>
+      </p:cxnSp>
+      <p:cxnSp>
+        <p:nvCxnSpPr>
+          <p:cNvPr id="109" name="Straight Connector 108">
+            <a:extLst>
+              <a:ext uri="{FF2B5EF4-FFF2-40B4-BE49-F238E27FC236}">
+                <a16:creationId xmlns:a16="http://schemas.microsoft.com/office/drawing/2014/main" id="{8468B304-5862-AE31-67C2-0CC36DAE955F}"/>
+              </a:ext>
+            </a:extLst>
+          </p:cNvPr>
+          <p:cNvCxnSpPr>
+            <a:cxnSpLocks/>
+          </p:cNvCxnSpPr>
+          <p:nvPr/>
+        </p:nvCxnSpPr>
+        <p:spPr>
+          <a:xfrm>
+            <a:off x="8485030" y="2466945"/>
+            <a:ext cx="0" cy="377842"/>
+          </a:xfrm>
+          <a:prstGeom prst="line">
+            <a:avLst/>
+          </a:prstGeom>
+          <a:ln w="9525" cap="rnd">
+            <a:solidFill>
+              <a:schemeClr val="tx1"/>
+            </a:solidFill>
+            <a:tailEnd type="triangle"/>
+          </a:ln>
+        </p:spPr>
+        <p:style>
+          <a:lnRef idx="2">
+            <a:schemeClr val="accent1"/>
+          </a:lnRef>
+          <a:fillRef idx="0">
+            <a:schemeClr val="accent1"/>
+          </a:fillRef>
+          <a:effectRef idx="1">
+            <a:schemeClr val="accent1"/>
+          </a:effectRef>
+          <a:fontRef idx="minor">
+            <a:schemeClr val="tx1"/>
+          </a:fontRef>
+        </p:style>
+      </p:cxnSp>
+      <p:cxnSp>
+        <p:nvCxnSpPr>
+          <p:cNvPr id="111" name="Straight Connector 110">
+            <a:extLst>
+              <a:ext uri="{FF2B5EF4-FFF2-40B4-BE49-F238E27FC236}">
+                <a16:creationId xmlns:a16="http://schemas.microsoft.com/office/drawing/2014/main" id="{170473A2-7951-1F39-F477-6694675B00CF}"/>
+              </a:ext>
+            </a:extLst>
+          </p:cNvPr>
+          <p:cNvCxnSpPr>
+            <a:cxnSpLocks/>
+          </p:cNvCxnSpPr>
+          <p:nvPr/>
+        </p:nvCxnSpPr>
+        <p:spPr>
+          <a:xfrm>
+            <a:off x="8485030" y="2462712"/>
+            <a:ext cx="1446370" cy="0"/>
+          </a:xfrm>
+          <a:prstGeom prst="line">
+            <a:avLst/>
+          </a:prstGeom>
+          <a:ln w="9525" cap="rnd">
+            <a:solidFill>
+              <a:schemeClr val="tx1"/>
+            </a:solidFill>
+            <a:tailEnd type="none"/>
+          </a:ln>
+        </p:spPr>
+        <p:style>
+          <a:lnRef idx="2">
+            <a:schemeClr val="accent1"/>
+          </a:lnRef>
+          <a:fillRef idx="0">
+            <a:schemeClr val="accent1"/>
+          </a:fillRef>
+          <a:effectRef idx="1">
+            <a:schemeClr val="accent1"/>
+          </a:effectRef>
+          <a:fontRef idx="minor">
+            <a:schemeClr val="tx1"/>
+          </a:fontRef>
+        </p:style>
+      </p:cxnSp>
+      <p:sp>
+        <p:nvSpPr>
+          <p:cNvPr id="115" name="Rectangle 114">
+            <a:extLst>
+              <a:ext uri="{FF2B5EF4-FFF2-40B4-BE49-F238E27FC236}">
+                <a16:creationId xmlns:a16="http://schemas.microsoft.com/office/drawing/2014/main" id="{AC5E4E35-6B60-0E93-68C0-427A8DC0FA9E}"/>
+              </a:ext>
+            </a:extLst>
+          </p:cNvPr>
+          <p:cNvSpPr/>
+          <p:nvPr/>
+        </p:nvSpPr>
+        <p:spPr>
+          <a:xfrm>
+            <a:off x="9124380" y="3870994"/>
+            <a:ext cx="712949" cy="179868"/>
+          </a:xfrm>
+          <a:prstGeom prst="rect">
+            <a:avLst/>
+          </a:prstGeom>
+          <a:noFill/>
+          <a:ln w="9525">
+            <a:noFill/>
+          </a:ln>
+        </p:spPr>
+        <p:style>
+          <a:lnRef idx="2">
+            <a:schemeClr val="accent1">
+              <a:shade val="15000"/>
+            </a:schemeClr>
+          </a:lnRef>
+          <a:fillRef idx="1">
+            <a:schemeClr val="accent1"/>
+          </a:fillRef>
+          <a:effectRef idx="0">
+            <a:schemeClr val="accent1"/>
+          </a:effectRef>
+          <a:fontRef idx="minor">
+            <a:schemeClr val="lt1"/>
+          </a:fontRef>
+        </p:style>
+        <p:txBody>
+          <a:bodyPr rtlCol="0" anchor="ctr"/>
+          <a:lstStyle/>
+          <a:p>
+            <a:r>
+              <a:rPr lang="en-US" sz="800" dirty="0">
+                <a:solidFill>
+                  <a:schemeClr val="accent6">
+                    <a:lumMod val="75000"/>
+                  </a:schemeClr>
+                </a:solidFill>
+                <a:latin typeface="Avenir Book" panose="02000503020000020003" pitchFamily="2" charset="0"/>
+              </a:rPr>
+              <a:t>Signature</a:t>
+            </a:r>
+          </a:p>
+        </p:txBody>
+      </p:sp>
+      <p:sp>
+        <p:nvSpPr>
+          <p:cNvPr id="116" name="Rectangle 115">
+            <a:extLst>
+              <a:ext uri="{FF2B5EF4-FFF2-40B4-BE49-F238E27FC236}">
+                <a16:creationId xmlns:a16="http://schemas.microsoft.com/office/drawing/2014/main" id="{A8CE6DF4-CE75-B819-A910-22FEE34DFE11}"/>
+              </a:ext>
+            </a:extLst>
+          </p:cNvPr>
+          <p:cNvSpPr/>
+          <p:nvPr/>
+        </p:nvSpPr>
+        <p:spPr>
+          <a:xfrm>
+            <a:off x="9877057" y="3878545"/>
+            <a:ext cx="712949" cy="179868"/>
+          </a:xfrm>
+          <a:prstGeom prst="rect">
+            <a:avLst/>
+          </a:prstGeom>
+          <a:noFill/>
+          <a:ln w="9525">
+            <a:noFill/>
+          </a:ln>
+        </p:spPr>
+        <p:style>
+          <a:lnRef idx="2">
+            <a:schemeClr val="accent1">
+              <a:shade val="15000"/>
+            </a:schemeClr>
+          </a:lnRef>
+          <a:fillRef idx="1">
+            <a:schemeClr val="accent1"/>
+          </a:fillRef>
+          <a:effectRef idx="0">
+            <a:schemeClr val="accent1"/>
+          </a:effectRef>
+          <a:fontRef idx="minor">
+            <a:schemeClr val="lt1"/>
+          </a:fontRef>
+        </p:style>
+        <p:txBody>
+          <a:bodyPr rtlCol="0" anchor="ctr"/>
+          <a:lstStyle/>
+          <a:p>
+            <a:r>
+              <a:rPr lang="en-US" sz="800" dirty="0">
+                <a:solidFill>
+                  <a:schemeClr val="accent6">
+                    <a:lumMod val="75000"/>
+                  </a:schemeClr>
+                </a:solidFill>
+                <a:latin typeface="Avenir Book" panose="02000503020000020003" pitchFamily="2" charset="0"/>
+              </a:rPr>
+              <a:t>Signing key</a:t>
+            </a:r>
+          </a:p>
+          <a:p>
+            <a:r>
+              <a:rPr lang="en-US" sz="800" dirty="0">
+                <a:solidFill>
+                  <a:schemeClr val="accent6">
+                    <a:lumMod val="75000"/>
+                  </a:schemeClr>
+                </a:solidFill>
+                <a:latin typeface="Avenir Book" panose="02000503020000020003" pitchFamily="2" charset="0"/>
+              </a:rPr>
+              <a:t>meta-data</a:t>
+            </a:r>
           </a:p>
         </p:txBody>
       </p:sp>

--- a/docs/figures/figures.pptx
+++ b/docs/figures/figures.pptx
@@ -208,7 +208,7 @@
           <a:p>
             <a:fld id="{66C4A6C0-F2EC-FC45-B98B-ED31D507F3F3}" type="datetimeFigureOut">
               <a:rPr lang="en-US" smtClean="0"/>
-              <a:t>9/29/25</a:t>
+              <a:t>10/3/25</a:t>
             </a:fld>
             <a:endParaRPr lang="en-US"/>
           </a:p>
@@ -706,7 +706,7 @@
           <a:p>
             <a:fld id="{6E32B2FD-E7C2-BB4E-8CD5-3A0929CC3D5F}" type="datetimeFigureOut">
               <a:rPr lang="en-US" smtClean="0"/>
-              <a:t>9/29/25</a:t>
+              <a:t>10/3/25</a:t>
             </a:fld>
             <a:endParaRPr lang="en-US"/>
           </a:p>
@@ -904,7 +904,7 @@
           <a:p>
             <a:fld id="{6E32B2FD-E7C2-BB4E-8CD5-3A0929CC3D5F}" type="datetimeFigureOut">
               <a:rPr lang="en-US" smtClean="0"/>
-              <a:t>9/29/25</a:t>
+              <a:t>10/3/25</a:t>
             </a:fld>
             <a:endParaRPr lang="en-US"/>
           </a:p>
@@ -1112,7 +1112,7 @@
           <a:p>
             <a:fld id="{6E32B2FD-E7C2-BB4E-8CD5-3A0929CC3D5F}" type="datetimeFigureOut">
               <a:rPr lang="en-US" smtClean="0"/>
-              <a:t>9/29/25</a:t>
+              <a:t>10/3/25</a:t>
             </a:fld>
             <a:endParaRPr lang="en-US"/>
           </a:p>
@@ -1310,7 +1310,7 @@
           <a:p>
             <a:fld id="{6E32B2FD-E7C2-BB4E-8CD5-3A0929CC3D5F}" type="datetimeFigureOut">
               <a:rPr lang="en-US" smtClean="0"/>
-              <a:t>9/29/25</a:t>
+              <a:t>10/3/25</a:t>
             </a:fld>
             <a:endParaRPr lang="en-US"/>
           </a:p>
@@ -1585,7 +1585,7 @@
           <a:p>
             <a:fld id="{6E32B2FD-E7C2-BB4E-8CD5-3A0929CC3D5F}" type="datetimeFigureOut">
               <a:rPr lang="en-US" smtClean="0"/>
-              <a:t>9/29/25</a:t>
+              <a:t>10/3/25</a:t>
             </a:fld>
             <a:endParaRPr lang="en-US"/>
           </a:p>
@@ -1850,7 +1850,7 @@
           <a:p>
             <a:fld id="{6E32B2FD-E7C2-BB4E-8CD5-3A0929CC3D5F}" type="datetimeFigureOut">
               <a:rPr lang="en-US" smtClean="0"/>
-              <a:t>9/29/25</a:t>
+              <a:t>10/3/25</a:t>
             </a:fld>
             <a:endParaRPr lang="en-US"/>
           </a:p>
@@ -2262,7 +2262,7 @@
           <a:p>
             <a:fld id="{6E32B2FD-E7C2-BB4E-8CD5-3A0929CC3D5F}" type="datetimeFigureOut">
               <a:rPr lang="en-US" smtClean="0"/>
-              <a:t>9/29/25</a:t>
+              <a:t>10/3/25</a:t>
             </a:fld>
             <a:endParaRPr lang="en-US"/>
           </a:p>
@@ -2403,7 +2403,7 @@
           <a:p>
             <a:fld id="{6E32B2FD-E7C2-BB4E-8CD5-3A0929CC3D5F}" type="datetimeFigureOut">
               <a:rPr lang="en-US" smtClean="0"/>
-              <a:t>9/29/25</a:t>
+              <a:t>10/3/25</a:t>
             </a:fld>
             <a:endParaRPr lang="en-US"/>
           </a:p>
@@ -2516,7 +2516,7 @@
           <a:p>
             <a:fld id="{6E32B2FD-E7C2-BB4E-8CD5-3A0929CC3D5F}" type="datetimeFigureOut">
               <a:rPr lang="en-US" smtClean="0"/>
-              <a:t>9/29/25</a:t>
+              <a:t>10/3/25</a:t>
             </a:fld>
             <a:endParaRPr lang="en-US"/>
           </a:p>
@@ -2827,7 +2827,7 @@
           <a:p>
             <a:fld id="{6E32B2FD-E7C2-BB4E-8CD5-3A0929CC3D5F}" type="datetimeFigureOut">
               <a:rPr lang="en-US" smtClean="0"/>
-              <a:t>9/29/25</a:t>
+              <a:t>10/3/25</a:t>
             </a:fld>
             <a:endParaRPr lang="en-US"/>
           </a:p>
@@ -3115,7 +3115,7 @@
           <a:p>
             <a:fld id="{6E32B2FD-E7C2-BB4E-8CD5-3A0929CC3D5F}" type="datetimeFigureOut">
               <a:rPr lang="en-US" smtClean="0"/>
-              <a:t>9/29/25</a:t>
+              <a:t>10/3/25</a:t>
             </a:fld>
             <a:endParaRPr lang="en-US"/>
           </a:p>
@@ -3356,7 +3356,7 @@
           <a:p>
             <a:fld id="{6E32B2FD-E7C2-BB4E-8CD5-3A0929CC3D5F}" type="datetimeFigureOut">
               <a:rPr lang="en-US" smtClean="0"/>
-              <a:t>9/29/25</a:t>
+              <a:t>10/3/25</a:t>
             </a:fld>
             <a:endParaRPr lang="en-US"/>
           </a:p>
@@ -4545,7 +4545,7 @@
                 </a:solidFill>
                 <a:latin typeface="Avenir Book" panose="02000503020000020003" pitchFamily="2" charset="0"/>
               </a:rPr>
-              <a:t>Patrick</a:t>
+              <a:t>Porter</a:t>
             </a:r>
           </a:p>
         </p:txBody>

--- a/docs/figures/figures.pptx
+++ b/docs/figures/figures.pptx
@@ -208,7 +208,7 @@
           <a:p>
             <a:fld id="{66C4A6C0-F2EC-FC45-B98B-ED31D507F3F3}" type="datetimeFigureOut">
               <a:rPr lang="en-US" smtClean="0"/>
-              <a:t>10/3/25</a:t>
+              <a:t>10/6/25</a:t>
             </a:fld>
             <a:endParaRPr lang="en-US"/>
           </a:p>
@@ -706,7 +706,7 @@
           <a:p>
             <a:fld id="{6E32B2FD-E7C2-BB4E-8CD5-3A0929CC3D5F}" type="datetimeFigureOut">
               <a:rPr lang="en-US" smtClean="0"/>
-              <a:t>10/3/25</a:t>
+              <a:t>10/6/25</a:t>
             </a:fld>
             <a:endParaRPr lang="en-US"/>
           </a:p>
@@ -904,7 +904,7 @@
           <a:p>
             <a:fld id="{6E32B2FD-E7C2-BB4E-8CD5-3A0929CC3D5F}" type="datetimeFigureOut">
               <a:rPr lang="en-US" smtClean="0"/>
-              <a:t>10/3/25</a:t>
+              <a:t>10/6/25</a:t>
             </a:fld>
             <a:endParaRPr lang="en-US"/>
           </a:p>
@@ -1112,7 +1112,7 @@
           <a:p>
             <a:fld id="{6E32B2FD-E7C2-BB4E-8CD5-3A0929CC3D5F}" type="datetimeFigureOut">
               <a:rPr lang="en-US" smtClean="0"/>
-              <a:t>10/3/25</a:t>
+              <a:t>10/6/25</a:t>
             </a:fld>
             <a:endParaRPr lang="en-US"/>
           </a:p>
@@ -1310,7 +1310,7 @@
           <a:p>
             <a:fld id="{6E32B2FD-E7C2-BB4E-8CD5-3A0929CC3D5F}" type="datetimeFigureOut">
               <a:rPr lang="en-US" smtClean="0"/>
-              <a:t>10/3/25</a:t>
+              <a:t>10/6/25</a:t>
             </a:fld>
             <a:endParaRPr lang="en-US"/>
           </a:p>
@@ -1585,7 +1585,7 @@
           <a:p>
             <a:fld id="{6E32B2FD-E7C2-BB4E-8CD5-3A0929CC3D5F}" type="datetimeFigureOut">
               <a:rPr lang="en-US" smtClean="0"/>
-              <a:t>10/3/25</a:t>
+              <a:t>10/6/25</a:t>
             </a:fld>
             <a:endParaRPr lang="en-US"/>
           </a:p>
@@ -1850,7 +1850,7 @@
           <a:p>
             <a:fld id="{6E32B2FD-E7C2-BB4E-8CD5-3A0929CC3D5F}" type="datetimeFigureOut">
               <a:rPr lang="en-US" smtClean="0"/>
-              <a:t>10/3/25</a:t>
+              <a:t>10/6/25</a:t>
             </a:fld>
             <a:endParaRPr lang="en-US"/>
           </a:p>
@@ -2262,7 +2262,7 @@
           <a:p>
             <a:fld id="{6E32B2FD-E7C2-BB4E-8CD5-3A0929CC3D5F}" type="datetimeFigureOut">
               <a:rPr lang="en-US" smtClean="0"/>
-              <a:t>10/3/25</a:t>
+              <a:t>10/6/25</a:t>
             </a:fld>
             <a:endParaRPr lang="en-US"/>
           </a:p>
@@ -2403,7 +2403,7 @@
           <a:p>
             <a:fld id="{6E32B2FD-E7C2-BB4E-8CD5-3A0929CC3D5F}" type="datetimeFigureOut">
               <a:rPr lang="en-US" smtClean="0"/>
-              <a:t>10/3/25</a:t>
+              <a:t>10/6/25</a:t>
             </a:fld>
             <a:endParaRPr lang="en-US"/>
           </a:p>
@@ -2516,7 +2516,7 @@
           <a:p>
             <a:fld id="{6E32B2FD-E7C2-BB4E-8CD5-3A0929CC3D5F}" type="datetimeFigureOut">
               <a:rPr lang="en-US" smtClean="0"/>
-              <a:t>10/3/25</a:t>
+              <a:t>10/6/25</a:t>
             </a:fld>
             <a:endParaRPr lang="en-US"/>
           </a:p>
@@ -2827,7 +2827,7 @@
           <a:p>
             <a:fld id="{6E32B2FD-E7C2-BB4E-8CD5-3A0929CC3D5F}" type="datetimeFigureOut">
               <a:rPr lang="en-US" smtClean="0"/>
-              <a:t>10/3/25</a:t>
+              <a:t>10/6/25</a:t>
             </a:fld>
             <a:endParaRPr lang="en-US"/>
           </a:p>
@@ -3115,7 +3115,7 @@
           <a:p>
             <a:fld id="{6E32B2FD-E7C2-BB4E-8CD5-3A0929CC3D5F}" type="datetimeFigureOut">
               <a:rPr lang="en-US" smtClean="0"/>
-              <a:t>10/3/25</a:t>
+              <a:t>10/6/25</a:t>
             </a:fld>
             <a:endParaRPr lang="en-US"/>
           </a:p>
@@ -3356,7 +3356,7 @@
           <a:p>
             <a:fld id="{6E32B2FD-E7C2-BB4E-8CD5-3A0929CC3D5F}" type="datetimeFigureOut">
               <a:rPr lang="en-US" smtClean="0"/>
-              <a:t>10/3/25</a:t>
+              <a:t>10/6/25</a:t>
             </a:fld>
             <a:endParaRPr lang="en-US"/>
           </a:p>
@@ -4273,8 +4273,8 @@
         </p:nvSpPr>
         <p:spPr>
           <a:xfrm>
-            <a:off x="575426" y="1027238"/>
-            <a:ext cx="11045074" cy="4396250"/>
+            <a:off x="575426" y="720436"/>
+            <a:ext cx="11045074" cy="4703052"/>
           </a:xfrm>
           <a:prstGeom prst="rect">
             <a:avLst/>
@@ -5660,6 +5660,334 @@
                 <a:latin typeface="Avenir Book" panose="02000503020000020003" pitchFamily="2" charset="0"/>
               </a:rPr>
               <a:t>GET key-share</a:t>
+            </a:r>
+          </a:p>
+        </p:txBody>
+      </p:sp>
+      <p:sp>
+        <p:nvSpPr>
+          <p:cNvPr id="5" name="Rectangle 4">
+            <a:extLst>
+              <a:ext uri="{FF2B5EF4-FFF2-40B4-BE49-F238E27FC236}">
+                <a16:creationId xmlns:a16="http://schemas.microsoft.com/office/drawing/2014/main" id="{C496869A-3464-57F0-DE98-0899DE6CA3BC}"/>
+              </a:ext>
+            </a:extLst>
+          </p:cNvPr>
+          <p:cNvSpPr/>
+          <p:nvPr/>
+        </p:nvSpPr>
+        <p:spPr>
+          <a:xfrm>
+            <a:off x="812713" y="847814"/>
+            <a:ext cx="809141" cy="600778"/>
+          </a:xfrm>
+          <a:prstGeom prst="rect">
+            <a:avLst/>
+          </a:prstGeom>
+          <a:noFill/>
+          <a:ln w="9525">
+            <a:noFill/>
+          </a:ln>
+        </p:spPr>
+        <p:style>
+          <a:lnRef idx="2">
+            <a:schemeClr val="accent1">
+              <a:shade val="15000"/>
+            </a:schemeClr>
+          </a:lnRef>
+          <a:fillRef idx="1">
+            <a:schemeClr val="accent1"/>
+          </a:fillRef>
+          <a:effectRef idx="0">
+            <a:schemeClr val="accent1"/>
+          </a:effectRef>
+          <a:fontRef idx="minor">
+            <a:schemeClr val="lt1"/>
+          </a:fontRef>
+        </p:style>
+        <p:txBody>
+          <a:bodyPr rtlCol="0" anchor="ctr"/>
+          <a:lstStyle/>
+          <a:p>
+            <a:pPr algn="ctr"/>
+            <a:r>
+              <a:rPr lang="en-US" sz="1000" dirty="0">
+                <a:solidFill>
+                  <a:schemeClr val="tx1"/>
+                </a:solidFill>
+                <a:latin typeface="Avenir Book" panose="02000503020000020003" pitchFamily="2" charset="0"/>
+              </a:rPr>
+              <a:t>Initiator</a:t>
+            </a:r>
+          </a:p>
+          <a:p>
+            <a:pPr algn="ctr"/>
+            <a:r>
+              <a:rPr lang="en-US" sz="1000" dirty="0">
+                <a:solidFill>
+                  <a:schemeClr val="tx1"/>
+                </a:solidFill>
+                <a:latin typeface="Avenir Book" panose="02000503020000020003" pitchFamily="2" charset="0"/>
+              </a:rPr>
+              <a:t>Encryptor</a:t>
+            </a:r>
+          </a:p>
+          <a:p>
+            <a:pPr algn="ctr"/>
+            <a:r>
+              <a:rPr lang="en-US" sz="1000" dirty="0">
+                <a:solidFill>
+                  <a:schemeClr val="tx1"/>
+                </a:solidFill>
+                <a:latin typeface="Avenir Book" panose="02000503020000020003" pitchFamily="2" charset="0"/>
+              </a:rPr>
+              <a:t>(SAE)</a:t>
+            </a:r>
+          </a:p>
+        </p:txBody>
+      </p:sp>
+      <p:sp>
+        <p:nvSpPr>
+          <p:cNvPr id="6" name="Rectangle 5">
+            <a:extLst>
+              <a:ext uri="{FF2B5EF4-FFF2-40B4-BE49-F238E27FC236}">
+                <a16:creationId xmlns:a16="http://schemas.microsoft.com/office/drawing/2014/main" id="{C99EF0F3-D811-D052-1663-260AC833238C}"/>
+              </a:ext>
+            </a:extLst>
+          </p:cNvPr>
+          <p:cNvSpPr/>
+          <p:nvPr/>
+        </p:nvSpPr>
+        <p:spPr>
+          <a:xfrm>
+            <a:off x="2888559" y="847814"/>
+            <a:ext cx="809141" cy="600778"/>
+          </a:xfrm>
+          <a:prstGeom prst="rect">
+            <a:avLst/>
+          </a:prstGeom>
+          <a:noFill/>
+          <a:ln w="9525">
+            <a:noFill/>
+          </a:ln>
+        </p:spPr>
+        <p:style>
+          <a:lnRef idx="2">
+            <a:schemeClr val="accent1">
+              <a:shade val="15000"/>
+            </a:schemeClr>
+          </a:lnRef>
+          <a:fillRef idx="1">
+            <a:schemeClr val="accent1"/>
+          </a:fillRef>
+          <a:effectRef idx="0">
+            <a:schemeClr val="accent1"/>
+          </a:effectRef>
+          <a:fontRef idx="minor">
+            <a:schemeClr val="lt1"/>
+          </a:fontRef>
+        </p:style>
+        <p:txBody>
+          <a:bodyPr rtlCol="0" anchor="ctr"/>
+          <a:lstStyle/>
+          <a:p>
+            <a:pPr algn="ctr"/>
+            <a:r>
+              <a:rPr lang="en-US" sz="1000" dirty="0">
+                <a:solidFill>
+                  <a:schemeClr val="tx1"/>
+                </a:solidFill>
+                <a:latin typeface="Avenir Book" panose="02000503020000020003" pitchFamily="2" charset="0"/>
+              </a:rPr>
+              <a:t>Initiator</a:t>
+            </a:r>
+          </a:p>
+          <a:p>
+            <a:pPr algn="ctr"/>
+            <a:r>
+              <a:rPr lang="en-US" sz="1000" dirty="0">
+                <a:solidFill>
+                  <a:schemeClr val="tx1"/>
+                </a:solidFill>
+                <a:latin typeface="Avenir Book" panose="02000503020000020003" pitchFamily="2" charset="0"/>
+              </a:rPr>
+              <a:t>Client</a:t>
+            </a:r>
+          </a:p>
+          <a:p>
+            <a:pPr algn="ctr"/>
+            <a:r>
+              <a:rPr lang="en-US" sz="1000" dirty="0">
+                <a:solidFill>
+                  <a:schemeClr val="tx1"/>
+                </a:solidFill>
+                <a:latin typeface="Avenir Book" panose="02000503020000020003" pitchFamily="2" charset="0"/>
+              </a:rPr>
+              <a:t>(KME)</a:t>
+            </a:r>
+          </a:p>
+        </p:txBody>
+      </p:sp>
+      <p:sp>
+        <p:nvSpPr>
+          <p:cNvPr id="7" name="Rectangle 6">
+            <a:extLst>
+              <a:ext uri="{FF2B5EF4-FFF2-40B4-BE49-F238E27FC236}">
+                <a16:creationId xmlns:a16="http://schemas.microsoft.com/office/drawing/2014/main" id="{E850703A-2641-8E5D-BD8C-50980B4A8FAA}"/>
+              </a:ext>
+            </a:extLst>
+          </p:cNvPr>
+          <p:cNvSpPr/>
+          <p:nvPr/>
+        </p:nvSpPr>
+        <p:spPr>
+          <a:xfrm>
+            <a:off x="10475099" y="847814"/>
+            <a:ext cx="809141" cy="600778"/>
+          </a:xfrm>
+          <a:prstGeom prst="rect">
+            <a:avLst/>
+          </a:prstGeom>
+          <a:noFill/>
+          <a:ln w="9525">
+            <a:noFill/>
+          </a:ln>
+        </p:spPr>
+        <p:style>
+          <a:lnRef idx="2">
+            <a:schemeClr val="accent1">
+              <a:shade val="15000"/>
+            </a:schemeClr>
+          </a:lnRef>
+          <a:fillRef idx="1">
+            <a:schemeClr val="accent1"/>
+          </a:fillRef>
+          <a:effectRef idx="0">
+            <a:schemeClr val="accent1"/>
+          </a:effectRef>
+          <a:fontRef idx="minor">
+            <a:schemeClr val="lt1"/>
+          </a:fontRef>
+        </p:style>
+        <p:txBody>
+          <a:bodyPr rtlCol="0" anchor="ctr"/>
+          <a:lstStyle/>
+          <a:p>
+            <a:pPr algn="ctr"/>
+            <a:r>
+              <a:rPr lang="en-US" sz="1000" dirty="0">
+                <a:solidFill>
+                  <a:schemeClr val="tx1"/>
+                </a:solidFill>
+                <a:latin typeface="Avenir Book" panose="02000503020000020003" pitchFamily="2" charset="0"/>
+              </a:rPr>
+              <a:t>Responder</a:t>
+            </a:r>
+          </a:p>
+          <a:p>
+            <a:pPr algn="ctr"/>
+            <a:r>
+              <a:rPr lang="en-US" sz="1000" dirty="0">
+                <a:solidFill>
+                  <a:schemeClr val="tx1"/>
+                </a:solidFill>
+                <a:latin typeface="Avenir Book" panose="02000503020000020003" pitchFamily="2" charset="0"/>
+              </a:rPr>
+              <a:t>Encryptor</a:t>
+            </a:r>
+          </a:p>
+          <a:p>
+            <a:pPr algn="ctr"/>
+            <a:r>
+              <a:rPr lang="en-US" sz="1000" dirty="0">
+                <a:solidFill>
+                  <a:schemeClr val="tx1"/>
+                </a:solidFill>
+                <a:latin typeface="Avenir Book" panose="02000503020000020003" pitchFamily="2" charset="0"/>
+              </a:rPr>
+              <a:t>(SAE)</a:t>
+            </a:r>
+          </a:p>
+        </p:txBody>
+      </p:sp>
+      <p:sp>
+        <p:nvSpPr>
+          <p:cNvPr id="8" name="Rectangle 7">
+            <a:extLst>
+              <a:ext uri="{FF2B5EF4-FFF2-40B4-BE49-F238E27FC236}">
+                <a16:creationId xmlns:a16="http://schemas.microsoft.com/office/drawing/2014/main" id="{B23491C7-6B29-EC74-B14F-74140CDA3404}"/>
+              </a:ext>
+            </a:extLst>
+          </p:cNvPr>
+          <p:cNvSpPr/>
+          <p:nvPr/>
+        </p:nvSpPr>
+        <p:spPr>
+          <a:xfrm>
+            <a:off x="8392514" y="847814"/>
+            <a:ext cx="809141" cy="600778"/>
+          </a:xfrm>
+          <a:prstGeom prst="rect">
+            <a:avLst/>
+          </a:prstGeom>
+          <a:noFill/>
+          <a:ln w="9525">
+            <a:noFill/>
+          </a:ln>
+        </p:spPr>
+        <p:style>
+          <a:lnRef idx="2">
+            <a:schemeClr val="accent1">
+              <a:shade val="15000"/>
+            </a:schemeClr>
+          </a:lnRef>
+          <a:fillRef idx="1">
+            <a:schemeClr val="accent1"/>
+          </a:fillRef>
+          <a:effectRef idx="0">
+            <a:schemeClr val="accent1"/>
+          </a:effectRef>
+          <a:fontRef idx="minor">
+            <a:schemeClr val="lt1"/>
+          </a:fontRef>
+        </p:style>
+        <p:txBody>
+          <a:bodyPr rtlCol="0" anchor="ctr"/>
+          <a:lstStyle/>
+          <a:p>
+            <a:pPr algn="ctr"/>
+            <a:r>
+              <a:rPr lang="en-US" sz="1000" dirty="0">
+                <a:solidFill>
+                  <a:schemeClr val="tx1"/>
+                </a:solidFill>
+                <a:latin typeface="Avenir Book" panose="02000503020000020003" pitchFamily="2" charset="0"/>
+              </a:rPr>
+              <a:t>Responder</a:t>
+            </a:r>
+          </a:p>
+          <a:p>
+            <a:pPr algn="ctr"/>
+            <a:r>
+              <a:rPr lang="en-US" sz="1000" dirty="0">
+                <a:solidFill>
+                  <a:schemeClr val="tx1"/>
+                </a:solidFill>
+                <a:latin typeface="Avenir Book" panose="02000503020000020003" pitchFamily="2" charset="0"/>
+              </a:rPr>
+              <a:t>Client</a:t>
+            </a:r>
+          </a:p>
+          <a:p>
+            <a:pPr algn="ctr"/>
+            <a:r>
+              <a:rPr lang="en-US" sz="1000" dirty="0">
+                <a:solidFill>
+                  <a:schemeClr val="tx1"/>
+                </a:solidFill>
+                <a:latin typeface="Avenir Book" panose="02000503020000020003" pitchFamily="2" charset="0"/>
+              </a:rPr>
+              <a:t>(KME)</a:t>
             </a:r>
           </a:p>
         </p:txBody>

--- a/docs/figures/figures.pptx
+++ b/docs/figures/figures.pptx
@@ -5,21 +5,22 @@
     <p:sldMasterId id="2147483648" r:id="rId1"/>
   </p:sldMasterIdLst>
   <p:notesMasterIdLst>
-    <p:notesMasterId r:id="rId14"/>
+    <p:notesMasterId r:id="rId15"/>
   </p:notesMasterIdLst>
   <p:sldIdLst>
-    <p:sldId id="261" r:id="rId2"/>
-    <p:sldId id="262" r:id="rId3"/>
-    <p:sldId id="263" r:id="rId4"/>
-    <p:sldId id="256" r:id="rId5"/>
-    <p:sldId id="264" r:id="rId6"/>
-    <p:sldId id="265" r:id="rId7"/>
-    <p:sldId id="266" r:id="rId8"/>
-    <p:sldId id="267" r:id="rId9"/>
-    <p:sldId id="257" r:id="rId10"/>
-    <p:sldId id="258" r:id="rId11"/>
-    <p:sldId id="259" r:id="rId12"/>
-    <p:sldId id="260" r:id="rId13"/>
+    <p:sldId id="268" r:id="rId2"/>
+    <p:sldId id="261" r:id="rId3"/>
+    <p:sldId id="262" r:id="rId4"/>
+    <p:sldId id="263" r:id="rId5"/>
+    <p:sldId id="256" r:id="rId6"/>
+    <p:sldId id="264" r:id="rId7"/>
+    <p:sldId id="265" r:id="rId8"/>
+    <p:sldId id="266" r:id="rId9"/>
+    <p:sldId id="267" r:id="rId10"/>
+    <p:sldId id="257" r:id="rId11"/>
+    <p:sldId id="258" r:id="rId12"/>
+    <p:sldId id="259" r:id="rId13"/>
+    <p:sldId id="260" r:id="rId14"/>
   </p:sldIdLst>
   <p:sldSz cx="12192000" cy="6858000"/>
   <p:notesSz cx="6858000" cy="9144000"/>
@@ -208,7 +209,7 @@
           <a:p>
             <a:fld id="{66C4A6C0-F2EC-FC45-B98B-ED31D507F3F3}" type="datetimeFigureOut">
               <a:rPr lang="en-US" smtClean="0"/>
-              <a:t>10/6/25</a:t>
+              <a:t>10/19/25</a:t>
             </a:fld>
             <a:endParaRPr lang="en-US"/>
           </a:p>
@@ -540,7 +541,7 @@
           <a:p>
             <a:fld id="{9E526F2C-6B23-EF40-8ED8-C98EB975494B}" type="slidenum">
               <a:rPr lang="en-US" smtClean="0"/>
-              <a:t>10</a:t>
+              <a:t>11</a:t>
             </a:fld>
             <a:endParaRPr lang="en-US"/>
           </a:p>
@@ -706,7 +707,7 @@
           <a:p>
             <a:fld id="{6E32B2FD-E7C2-BB4E-8CD5-3A0929CC3D5F}" type="datetimeFigureOut">
               <a:rPr lang="en-US" smtClean="0"/>
-              <a:t>10/6/25</a:t>
+              <a:t>10/19/25</a:t>
             </a:fld>
             <a:endParaRPr lang="en-US"/>
           </a:p>
@@ -904,7 +905,7 @@
           <a:p>
             <a:fld id="{6E32B2FD-E7C2-BB4E-8CD5-3A0929CC3D5F}" type="datetimeFigureOut">
               <a:rPr lang="en-US" smtClean="0"/>
-              <a:t>10/6/25</a:t>
+              <a:t>10/19/25</a:t>
             </a:fld>
             <a:endParaRPr lang="en-US"/>
           </a:p>
@@ -1112,7 +1113,7 @@
           <a:p>
             <a:fld id="{6E32B2FD-E7C2-BB4E-8CD5-3A0929CC3D5F}" type="datetimeFigureOut">
               <a:rPr lang="en-US" smtClean="0"/>
-              <a:t>10/6/25</a:t>
+              <a:t>10/19/25</a:t>
             </a:fld>
             <a:endParaRPr lang="en-US"/>
           </a:p>
@@ -1310,7 +1311,7 @@
           <a:p>
             <a:fld id="{6E32B2FD-E7C2-BB4E-8CD5-3A0929CC3D5F}" type="datetimeFigureOut">
               <a:rPr lang="en-US" smtClean="0"/>
-              <a:t>10/6/25</a:t>
+              <a:t>10/19/25</a:t>
             </a:fld>
             <a:endParaRPr lang="en-US"/>
           </a:p>
@@ -1585,7 +1586,7 @@
           <a:p>
             <a:fld id="{6E32B2FD-E7C2-BB4E-8CD5-3A0929CC3D5F}" type="datetimeFigureOut">
               <a:rPr lang="en-US" smtClean="0"/>
-              <a:t>10/6/25</a:t>
+              <a:t>10/19/25</a:t>
             </a:fld>
             <a:endParaRPr lang="en-US"/>
           </a:p>
@@ -1850,7 +1851,7 @@
           <a:p>
             <a:fld id="{6E32B2FD-E7C2-BB4E-8CD5-3A0929CC3D5F}" type="datetimeFigureOut">
               <a:rPr lang="en-US" smtClean="0"/>
-              <a:t>10/6/25</a:t>
+              <a:t>10/19/25</a:t>
             </a:fld>
             <a:endParaRPr lang="en-US"/>
           </a:p>
@@ -2262,7 +2263,7 @@
           <a:p>
             <a:fld id="{6E32B2FD-E7C2-BB4E-8CD5-3A0929CC3D5F}" type="datetimeFigureOut">
               <a:rPr lang="en-US" smtClean="0"/>
-              <a:t>10/6/25</a:t>
+              <a:t>10/19/25</a:t>
             </a:fld>
             <a:endParaRPr lang="en-US"/>
           </a:p>
@@ -2403,7 +2404,7 @@
           <a:p>
             <a:fld id="{6E32B2FD-E7C2-BB4E-8CD5-3A0929CC3D5F}" type="datetimeFigureOut">
               <a:rPr lang="en-US" smtClean="0"/>
-              <a:t>10/6/25</a:t>
+              <a:t>10/19/25</a:t>
             </a:fld>
             <a:endParaRPr lang="en-US"/>
           </a:p>
@@ -2516,7 +2517,7 @@
           <a:p>
             <a:fld id="{6E32B2FD-E7C2-BB4E-8CD5-3A0929CC3D5F}" type="datetimeFigureOut">
               <a:rPr lang="en-US" smtClean="0"/>
-              <a:t>10/6/25</a:t>
+              <a:t>10/19/25</a:t>
             </a:fld>
             <a:endParaRPr lang="en-US"/>
           </a:p>
@@ -2827,7 +2828,7 @@
           <a:p>
             <a:fld id="{6E32B2FD-E7C2-BB4E-8CD5-3A0929CC3D5F}" type="datetimeFigureOut">
               <a:rPr lang="en-US" smtClean="0"/>
-              <a:t>10/6/25</a:t>
+              <a:t>10/19/25</a:t>
             </a:fld>
             <a:endParaRPr lang="en-US"/>
           </a:p>
@@ -3115,7 +3116,7 @@
           <a:p>
             <a:fld id="{6E32B2FD-E7C2-BB4E-8CD5-3A0929CC3D5F}" type="datetimeFigureOut">
               <a:rPr lang="en-US" smtClean="0"/>
-              <a:t>10/6/25</a:t>
+              <a:t>10/19/25</a:t>
             </a:fld>
             <a:endParaRPr lang="en-US"/>
           </a:p>
@@ -3356,7 +3357,7 @@
           <a:p>
             <a:fld id="{6E32B2FD-E7C2-BB4E-8CD5-3A0929CC3D5F}" type="datetimeFigureOut">
               <a:rPr lang="en-US" smtClean="0"/>
-              <a:t>10/6/25</a:t>
+              <a:t>10/19/25</a:t>
             </a:fld>
             <a:endParaRPr lang="en-US"/>
           </a:p>
@@ -3775,10 +3776,10 @@
       </p:grpSpPr>
       <p:pic>
         <p:nvPicPr>
-          <p:cNvPr id="6" name="Picture 5">
-            <a:extLst>
-              <a:ext uri="{FF2B5EF4-FFF2-40B4-BE49-F238E27FC236}">
-                <a16:creationId xmlns:a16="http://schemas.microsoft.com/office/drawing/2014/main" id="{43A7B373-2306-E4FA-7FF2-DA7699FBB0F2}"/>
+          <p:cNvPr id="2" name="Picture 1">
+            <a:extLst>
+              <a:ext uri="{FF2B5EF4-FFF2-40B4-BE49-F238E27FC236}">
+                <a16:creationId xmlns:a16="http://schemas.microsoft.com/office/drawing/2014/main" id="{C4EF0633-4E9F-3F50-A178-7A7CC01BFBB8}"/>
               </a:ext>
             </a:extLst>
           </p:cNvPr>
@@ -3795,18 +3796,149 @@
         </p:blipFill>
         <p:spPr>
           <a:xfrm>
-            <a:off x="2209800" y="957557"/>
-            <a:ext cx="7772400" cy="4942886"/>
+            <a:off x="3536950" y="969878"/>
+            <a:ext cx="4514850" cy="4726071"/>
           </a:xfrm>
           <a:prstGeom prst="rect">
             <a:avLst/>
           </a:prstGeom>
         </p:spPr>
       </p:pic>
+      <p:sp>
+        <p:nvSpPr>
+          <p:cNvPr id="3" name="Rectangle 2">
+            <a:extLst>
+              <a:ext uri="{FF2B5EF4-FFF2-40B4-BE49-F238E27FC236}">
+                <a16:creationId xmlns:a16="http://schemas.microsoft.com/office/drawing/2014/main" id="{A81F20AD-2360-D971-FB88-B3E54533EBF2}"/>
+              </a:ext>
+            </a:extLst>
+          </p:cNvPr>
+          <p:cNvSpPr/>
+          <p:nvPr/>
+        </p:nvSpPr>
+        <p:spPr>
+          <a:xfrm>
+            <a:off x="575426" y="736600"/>
+            <a:ext cx="11045074" cy="5372100"/>
+          </a:xfrm>
+          <a:prstGeom prst="rect">
+            <a:avLst/>
+          </a:prstGeom>
+          <a:noFill/>
+          <a:ln w="9525">
+            <a:solidFill>
+              <a:schemeClr val="bg1">
+                <a:lumMod val="65000"/>
+              </a:schemeClr>
+            </a:solidFill>
+          </a:ln>
+        </p:spPr>
+        <p:style>
+          <a:lnRef idx="2">
+            <a:schemeClr val="accent1">
+              <a:shade val="15000"/>
+            </a:schemeClr>
+          </a:lnRef>
+          <a:fillRef idx="1">
+            <a:schemeClr val="accent1"/>
+          </a:fillRef>
+          <a:effectRef idx="0">
+            <a:schemeClr val="accent1"/>
+          </a:effectRef>
+          <a:fontRef idx="minor">
+            <a:schemeClr val="lt1"/>
+          </a:fontRef>
+        </p:style>
+        <p:txBody>
+          <a:bodyPr rtlCol="0" anchor="ctr"/>
+          <a:lstStyle/>
+          <a:p>
+            <a:pPr algn="ctr"/>
+            <a:endParaRPr lang="en-US" sz="1000" dirty="0">
+              <a:solidFill>
+                <a:schemeClr val="tx1"/>
+              </a:solidFill>
+              <a:latin typeface="Avenir Book" panose="02000503020000020003" pitchFamily="2" charset="0"/>
+            </a:endParaRPr>
+          </a:p>
+        </p:txBody>
+      </p:sp>
+      <p:sp>
+        <p:nvSpPr>
+          <p:cNvPr id="4" name="Rectangle 3">
+            <a:extLst>
+              <a:ext uri="{FF2B5EF4-FFF2-40B4-BE49-F238E27FC236}">
+                <a16:creationId xmlns:a16="http://schemas.microsoft.com/office/drawing/2014/main" id="{396E23AC-4A57-3756-074F-9A0E9C28857B}"/>
+              </a:ext>
+            </a:extLst>
+          </p:cNvPr>
+          <p:cNvSpPr/>
+          <p:nvPr/>
+        </p:nvSpPr>
+        <p:spPr>
+          <a:xfrm>
+            <a:off x="584200" y="5480049"/>
+            <a:ext cx="9347200" cy="624078"/>
+          </a:xfrm>
+          <a:prstGeom prst="rect">
+            <a:avLst/>
+          </a:prstGeom>
+          <a:noFill/>
+          <a:ln w="9525">
+            <a:noFill/>
+          </a:ln>
+        </p:spPr>
+        <p:style>
+          <a:lnRef idx="2">
+            <a:schemeClr val="accent1">
+              <a:shade val="15000"/>
+            </a:schemeClr>
+          </a:lnRef>
+          <a:fillRef idx="1">
+            <a:schemeClr val="accent1"/>
+          </a:fillRef>
+          <a:effectRef idx="0">
+            <a:schemeClr val="accent1"/>
+          </a:effectRef>
+          <a:fontRef idx="minor">
+            <a:schemeClr val="lt1"/>
+          </a:fontRef>
+        </p:style>
+        <p:txBody>
+          <a:bodyPr rtlCol="0" anchor="b"/>
+          <a:lstStyle/>
+          <a:p>
+            <a:r>
+              <a:rPr lang="en-US" sz="1000" dirty="0">
+                <a:solidFill>
+                  <a:schemeClr val="tx1"/>
+                </a:solidFill>
+                <a:latin typeface="Avenir Book" panose="02000503020000020003" pitchFamily="2" charset="0"/>
+              </a:rPr>
+              <a:t>Source: “Quantum Threat Timeline Report 2024 Executive Summary”, Global </a:t>
+            </a:r>
+            <a:r>
+              <a:rPr lang="en-US" sz="1000">
+                <a:solidFill>
+                  <a:schemeClr val="tx1"/>
+                </a:solidFill>
+                <a:latin typeface="Avenir Book" panose="02000503020000020003" pitchFamily="2" charset="0"/>
+              </a:rPr>
+              <a:t>Risk Institute</a:t>
+            </a:r>
+            <a:endParaRPr lang="en-US" sz="1000" dirty="0">
+              <a:solidFill>
+                <a:schemeClr val="tx1"/>
+              </a:solidFill>
+              <a:latin typeface="Avenir Book" panose="02000503020000020003" pitchFamily="2" charset="0"/>
+            </a:endParaRPr>
+          </a:p>
+        </p:txBody>
+      </p:sp>
     </p:spTree>
     <p:extLst>
       <p:ext uri="{BB962C8B-B14F-4D97-AF65-F5344CB8AC3E}">
-        <p14:creationId xmlns:p14="http://schemas.microsoft.com/office/powerpoint/2010/main" val="791609908"/>
+        <p14:creationId xmlns:p14="http://schemas.microsoft.com/office/powerpoint/2010/main" val="1439571522"/>
       </p:ext>
     </p:extLst>
   </p:cSld>
@@ -3817,6 +3949,1783 @@
 </file>
 
 <file path=ppt/slides/slide10.xml><?xml version="1.0" encoding="utf-8"?>
+<p:sld xmlns:a="http://schemas.openxmlformats.org/drawingml/2006/main" xmlns:r="http://schemas.openxmlformats.org/officeDocument/2006/relationships" xmlns:p="http://schemas.openxmlformats.org/presentationml/2006/main">
+  <p:cSld>
+    <p:spTree>
+      <p:nvGrpSpPr>
+        <p:cNvPr id="1" name=""/>
+        <p:cNvGrpSpPr/>
+        <p:nvPr/>
+      </p:nvGrpSpPr>
+      <p:grpSpPr>
+        <a:xfrm>
+          <a:off x="0" y="0"/>
+          <a:ext cx="0" cy="0"/>
+          <a:chOff x="0" y="0"/>
+          <a:chExt cx="0" cy="0"/>
+        </a:xfrm>
+      </p:grpSpPr>
+      <p:grpSp>
+        <p:nvGrpSpPr>
+          <p:cNvPr id="13" name="Group 12">
+            <a:extLst>
+              <a:ext uri="{FF2B5EF4-FFF2-40B4-BE49-F238E27FC236}">
+                <a16:creationId xmlns:a16="http://schemas.microsoft.com/office/drawing/2014/main" id="{3116D5A4-77C1-CADF-0372-1CE15D96B3F7}"/>
+              </a:ext>
+            </a:extLst>
+          </p:cNvPr>
+          <p:cNvGrpSpPr/>
+          <p:nvPr/>
+        </p:nvGrpSpPr>
+        <p:grpSpPr>
+          <a:xfrm>
+            <a:off x="9649561" y="1434512"/>
+            <a:ext cx="600778" cy="3537023"/>
+            <a:chOff x="3608757" y="1282112"/>
+            <a:chExt cx="600778" cy="3537023"/>
+          </a:xfrm>
+        </p:grpSpPr>
+        <p:sp>
+          <p:nvSpPr>
+            <p:cNvPr id="2" name="Rectangle 1">
+              <a:extLst>
+                <a:ext uri="{FF2B5EF4-FFF2-40B4-BE49-F238E27FC236}">
+                  <a16:creationId xmlns:a16="http://schemas.microsoft.com/office/drawing/2014/main" id="{8D9F02F5-5029-4E5E-E371-20BF19D8B497}"/>
+                </a:ext>
+              </a:extLst>
+            </p:cNvPr>
+            <p:cNvSpPr/>
+            <p:nvPr/>
+          </p:nvSpPr>
+          <p:spPr>
+            <a:xfrm>
+              <a:off x="3608757" y="1282112"/>
+              <a:ext cx="600778" cy="600778"/>
+            </a:xfrm>
+            <a:prstGeom prst="rect">
+              <a:avLst/>
+            </a:prstGeom>
+            <a:solidFill>
+              <a:schemeClr val="tx2">
+                <a:lumMod val="10000"/>
+                <a:lumOff val="90000"/>
+              </a:schemeClr>
+            </a:solidFill>
+            <a:ln w="9525"/>
+          </p:spPr>
+          <p:style>
+            <a:lnRef idx="2">
+              <a:schemeClr val="accent1">
+                <a:shade val="15000"/>
+              </a:schemeClr>
+            </a:lnRef>
+            <a:fillRef idx="1">
+              <a:schemeClr val="accent1"/>
+            </a:fillRef>
+            <a:effectRef idx="0">
+              <a:schemeClr val="accent1"/>
+            </a:effectRef>
+            <a:fontRef idx="minor">
+              <a:schemeClr val="lt1"/>
+            </a:fontRef>
+          </p:style>
+          <p:txBody>
+            <a:bodyPr rtlCol="0" anchor="ctr"/>
+            <a:lstStyle/>
+            <a:p>
+              <a:pPr algn="ctr"/>
+              <a:r>
+                <a:rPr lang="en-US" sz="1000" dirty="0">
+                  <a:solidFill>
+                    <a:schemeClr val="tx1"/>
+                  </a:solidFill>
+                  <a:latin typeface="Avenir Book" panose="02000503020000020003" pitchFamily="2" charset="0"/>
+                </a:rPr>
+                <a:t>Conny</a:t>
+              </a:r>
+            </a:p>
+          </p:txBody>
+        </p:sp>
+        <p:cxnSp>
+          <p:nvCxnSpPr>
+            <p:cNvPr id="3" name="Straight Connector 2">
+              <a:extLst>
+                <a:ext uri="{FF2B5EF4-FFF2-40B4-BE49-F238E27FC236}">
+                  <a16:creationId xmlns:a16="http://schemas.microsoft.com/office/drawing/2014/main" id="{387D53CB-DA6A-2BCF-9E1C-B6547719F656}"/>
+                </a:ext>
+              </a:extLst>
+            </p:cNvPr>
+            <p:cNvCxnSpPr>
+              <a:cxnSpLocks/>
+              <a:stCxn id="2" idx="2"/>
+            </p:cNvCxnSpPr>
+            <p:nvPr/>
+          </p:nvCxnSpPr>
+          <p:spPr>
+            <a:xfrm>
+              <a:off x="3909146" y="1882890"/>
+              <a:ext cx="0" cy="2936245"/>
+            </a:xfrm>
+            <a:prstGeom prst="line">
+              <a:avLst/>
+            </a:prstGeom>
+            <a:ln w="9525">
+              <a:solidFill>
+                <a:schemeClr val="tx1"/>
+              </a:solidFill>
+            </a:ln>
+          </p:spPr>
+          <p:style>
+            <a:lnRef idx="2">
+              <a:schemeClr val="accent1"/>
+            </a:lnRef>
+            <a:fillRef idx="0">
+              <a:schemeClr val="accent1"/>
+            </a:fillRef>
+            <a:effectRef idx="1">
+              <a:schemeClr val="accent1"/>
+            </a:effectRef>
+            <a:fontRef idx="minor">
+              <a:schemeClr val="tx1"/>
+            </a:fontRef>
+          </p:style>
+        </p:cxnSp>
+      </p:grpSp>
+      <p:grpSp>
+        <p:nvGrpSpPr>
+          <p:cNvPr id="14" name="Group 13">
+            <a:extLst>
+              <a:ext uri="{FF2B5EF4-FFF2-40B4-BE49-F238E27FC236}">
+                <a16:creationId xmlns:a16="http://schemas.microsoft.com/office/drawing/2014/main" id="{F9060226-1E25-9836-5D17-38D67E230D2F}"/>
+              </a:ext>
+            </a:extLst>
+          </p:cNvPr>
+          <p:cNvGrpSpPr/>
+          <p:nvPr/>
+        </p:nvGrpSpPr>
+        <p:grpSpPr>
+          <a:xfrm>
+            <a:off x="1845411" y="1434512"/>
+            <a:ext cx="600778" cy="3537023"/>
+            <a:chOff x="3608757" y="1282112"/>
+            <a:chExt cx="600778" cy="3537023"/>
+          </a:xfrm>
+        </p:grpSpPr>
+        <p:sp>
+          <p:nvSpPr>
+            <p:cNvPr id="15" name="Rectangle 14">
+              <a:extLst>
+                <a:ext uri="{FF2B5EF4-FFF2-40B4-BE49-F238E27FC236}">
+                  <a16:creationId xmlns:a16="http://schemas.microsoft.com/office/drawing/2014/main" id="{62A114E7-049C-D8D1-35C7-FAB12170CC9B}"/>
+                </a:ext>
+              </a:extLst>
+            </p:cNvPr>
+            <p:cNvSpPr/>
+            <p:nvPr/>
+          </p:nvSpPr>
+          <p:spPr>
+            <a:xfrm>
+              <a:off x="3608757" y="1282112"/>
+              <a:ext cx="600778" cy="600778"/>
+            </a:xfrm>
+            <a:prstGeom prst="rect">
+              <a:avLst/>
+            </a:prstGeom>
+            <a:solidFill>
+              <a:schemeClr val="tx2">
+                <a:lumMod val="10000"/>
+                <a:lumOff val="90000"/>
+              </a:schemeClr>
+            </a:solidFill>
+            <a:ln w="9525"/>
+          </p:spPr>
+          <p:style>
+            <a:lnRef idx="2">
+              <a:schemeClr val="accent1">
+                <a:shade val="15000"/>
+              </a:schemeClr>
+            </a:lnRef>
+            <a:fillRef idx="1">
+              <a:schemeClr val="accent1"/>
+            </a:fillRef>
+            <a:effectRef idx="0">
+              <a:schemeClr val="accent1"/>
+            </a:effectRef>
+            <a:fontRef idx="minor">
+              <a:schemeClr val="lt1"/>
+            </a:fontRef>
+          </p:style>
+          <p:txBody>
+            <a:bodyPr rtlCol="0" anchor="ctr"/>
+            <a:lstStyle/>
+            <a:p>
+              <a:pPr algn="ctr"/>
+              <a:r>
+                <a:rPr lang="en-US" sz="1000" dirty="0">
+                  <a:solidFill>
+                    <a:schemeClr val="tx1"/>
+                  </a:solidFill>
+                  <a:latin typeface="Avenir Book" panose="02000503020000020003" pitchFamily="2" charset="0"/>
+                </a:rPr>
+                <a:t>Carol</a:t>
+              </a:r>
+            </a:p>
+          </p:txBody>
+        </p:sp>
+        <p:cxnSp>
+          <p:nvCxnSpPr>
+            <p:cNvPr id="16" name="Straight Connector 15">
+              <a:extLst>
+                <a:ext uri="{FF2B5EF4-FFF2-40B4-BE49-F238E27FC236}">
+                  <a16:creationId xmlns:a16="http://schemas.microsoft.com/office/drawing/2014/main" id="{DFB3D1A6-1E80-7B8A-BB8B-17052F348BE5}"/>
+                </a:ext>
+              </a:extLst>
+            </p:cNvPr>
+            <p:cNvCxnSpPr>
+              <a:cxnSpLocks/>
+              <a:stCxn id="15" idx="2"/>
+            </p:cNvCxnSpPr>
+            <p:nvPr/>
+          </p:nvCxnSpPr>
+          <p:spPr>
+            <a:xfrm>
+              <a:off x="3909146" y="1882890"/>
+              <a:ext cx="0" cy="2936245"/>
+            </a:xfrm>
+            <a:prstGeom prst="line">
+              <a:avLst/>
+            </a:prstGeom>
+            <a:ln w="9525">
+              <a:solidFill>
+                <a:schemeClr val="tx1"/>
+              </a:solidFill>
+            </a:ln>
+          </p:spPr>
+          <p:style>
+            <a:lnRef idx="2">
+              <a:schemeClr val="accent1"/>
+            </a:lnRef>
+            <a:fillRef idx="0">
+              <a:schemeClr val="accent1"/>
+            </a:fillRef>
+            <a:effectRef idx="1">
+              <a:schemeClr val="accent1"/>
+            </a:effectRef>
+            <a:fontRef idx="minor">
+              <a:schemeClr val="tx1"/>
+            </a:fontRef>
+          </p:style>
+        </p:cxnSp>
+      </p:grpSp>
+      <p:grpSp>
+        <p:nvGrpSpPr>
+          <p:cNvPr id="20" name="Group 19">
+            <a:extLst>
+              <a:ext uri="{FF2B5EF4-FFF2-40B4-BE49-F238E27FC236}">
+                <a16:creationId xmlns:a16="http://schemas.microsoft.com/office/drawing/2014/main" id="{788DBFFC-48F1-8A7F-B13D-BE181395E5A3}"/>
+              </a:ext>
+            </a:extLst>
+          </p:cNvPr>
+          <p:cNvGrpSpPr/>
+          <p:nvPr/>
+        </p:nvGrpSpPr>
+        <p:grpSpPr>
+          <a:xfrm>
+            <a:off x="5041237" y="1434512"/>
+            <a:ext cx="600777" cy="3537023"/>
+            <a:chOff x="4840314" y="1500414"/>
+            <a:chExt cx="600777" cy="3537023"/>
+          </a:xfrm>
+        </p:grpSpPr>
+        <p:sp>
+          <p:nvSpPr>
+            <p:cNvPr id="17" name="Oval 16">
+              <a:extLst>
+                <a:ext uri="{FF2B5EF4-FFF2-40B4-BE49-F238E27FC236}">
+                  <a16:creationId xmlns:a16="http://schemas.microsoft.com/office/drawing/2014/main" id="{590E73C1-CE61-2736-50F1-35BD38C83939}"/>
+                </a:ext>
+              </a:extLst>
+            </p:cNvPr>
+            <p:cNvSpPr/>
+            <p:nvPr/>
+          </p:nvSpPr>
+          <p:spPr>
+            <a:xfrm>
+              <a:off x="4840314" y="1500414"/>
+              <a:ext cx="600777" cy="600778"/>
+            </a:xfrm>
+            <a:prstGeom prst="ellipse">
+              <a:avLst/>
+            </a:prstGeom>
+            <a:solidFill>
+              <a:schemeClr val="tx2">
+                <a:lumMod val="10000"/>
+                <a:lumOff val="90000"/>
+              </a:schemeClr>
+            </a:solidFill>
+            <a:ln w="6350"/>
+          </p:spPr>
+          <p:style>
+            <a:lnRef idx="2">
+              <a:schemeClr val="accent1">
+                <a:shade val="15000"/>
+              </a:schemeClr>
+            </a:lnRef>
+            <a:fillRef idx="1">
+              <a:schemeClr val="accent1"/>
+            </a:fillRef>
+            <a:effectRef idx="0">
+              <a:schemeClr val="accent1"/>
+            </a:effectRef>
+            <a:fontRef idx="minor">
+              <a:schemeClr val="lt1"/>
+            </a:fontRef>
+          </p:style>
+          <p:txBody>
+            <a:bodyPr lIns="0" tIns="0" rIns="0" bIns="0" rtlCol="0" anchor="ctr"/>
+            <a:lstStyle/>
+            <a:p>
+              <a:pPr algn="ctr"/>
+              <a:r>
+                <a:rPr lang="en-US" sz="1000" dirty="0">
+                  <a:solidFill>
+                    <a:schemeClr val="tx1"/>
+                  </a:solidFill>
+                  <a:latin typeface="AVENIR LIGHT OBLIQUE" panose="020B0402020203090204" pitchFamily="34" charset="77"/>
+                </a:rPr>
+                <a:t>Hank</a:t>
+              </a:r>
+            </a:p>
+          </p:txBody>
+        </p:sp>
+        <p:cxnSp>
+          <p:nvCxnSpPr>
+            <p:cNvPr id="18" name="Straight Connector 17">
+              <a:extLst>
+                <a:ext uri="{FF2B5EF4-FFF2-40B4-BE49-F238E27FC236}">
+                  <a16:creationId xmlns:a16="http://schemas.microsoft.com/office/drawing/2014/main" id="{E2008D6F-05C4-984B-F63F-F69B4E6F3EC0}"/>
+                </a:ext>
+              </a:extLst>
+            </p:cNvPr>
+            <p:cNvCxnSpPr>
+              <a:cxnSpLocks/>
+              <a:stCxn id="17" idx="4"/>
+            </p:cNvCxnSpPr>
+            <p:nvPr/>
+          </p:nvCxnSpPr>
+          <p:spPr>
+            <a:xfrm>
+              <a:off x="5140703" y="2101192"/>
+              <a:ext cx="4410" cy="2936245"/>
+            </a:xfrm>
+            <a:prstGeom prst="line">
+              <a:avLst/>
+            </a:prstGeom>
+            <a:ln w="9525">
+              <a:solidFill>
+                <a:schemeClr val="tx1"/>
+              </a:solidFill>
+            </a:ln>
+          </p:spPr>
+          <p:style>
+            <a:lnRef idx="2">
+              <a:schemeClr val="accent1"/>
+            </a:lnRef>
+            <a:fillRef idx="0">
+              <a:schemeClr val="accent1"/>
+            </a:fillRef>
+            <a:effectRef idx="1">
+              <a:schemeClr val="accent1"/>
+            </a:effectRef>
+            <a:fontRef idx="minor">
+              <a:schemeClr val="tx1"/>
+            </a:fontRef>
+          </p:style>
+        </p:cxnSp>
+      </p:grpSp>
+      <p:grpSp>
+        <p:nvGrpSpPr>
+          <p:cNvPr id="21" name="Group 20">
+            <a:extLst>
+              <a:ext uri="{FF2B5EF4-FFF2-40B4-BE49-F238E27FC236}">
+                <a16:creationId xmlns:a16="http://schemas.microsoft.com/office/drawing/2014/main" id="{17BD5C65-21CD-0985-5807-1FF66B77FB6C}"/>
+              </a:ext>
+            </a:extLst>
+          </p:cNvPr>
+          <p:cNvGrpSpPr/>
+          <p:nvPr/>
+        </p:nvGrpSpPr>
+        <p:grpSpPr>
+          <a:xfrm>
+            <a:off x="6452685" y="1434512"/>
+            <a:ext cx="600777" cy="3537023"/>
+            <a:chOff x="4840314" y="1500414"/>
+            <a:chExt cx="600777" cy="3537023"/>
+          </a:xfrm>
+        </p:grpSpPr>
+        <p:sp>
+          <p:nvSpPr>
+            <p:cNvPr id="22" name="Oval 21">
+              <a:extLst>
+                <a:ext uri="{FF2B5EF4-FFF2-40B4-BE49-F238E27FC236}">
+                  <a16:creationId xmlns:a16="http://schemas.microsoft.com/office/drawing/2014/main" id="{01D47920-01FC-30AB-478E-AF8493776FDC}"/>
+                </a:ext>
+              </a:extLst>
+            </p:cNvPr>
+            <p:cNvSpPr/>
+            <p:nvPr/>
+          </p:nvSpPr>
+          <p:spPr>
+            <a:xfrm>
+              <a:off x="4840314" y="1500414"/>
+              <a:ext cx="600777" cy="600778"/>
+            </a:xfrm>
+            <a:prstGeom prst="ellipse">
+              <a:avLst/>
+            </a:prstGeom>
+            <a:solidFill>
+              <a:schemeClr val="tx2">
+                <a:lumMod val="10000"/>
+                <a:lumOff val="90000"/>
+              </a:schemeClr>
+            </a:solidFill>
+            <a:ln w="6350"/>
+          </p:spPr>
+          <p:style>
+            <a:lnRef idx="2">
+              <a:schemeClr val="accent1">
+                <a:shade val="15000"/>
+              </a:schemeClr>
+            </a:lnRef>
+            <a:fillRef idx="1">
+              <a:schemeClr val="accent1"/>
+            </a:fillRef>
+            <a:effectRef idx="0">
+              <a:schemeClr val="accent1"/>
+            </a:effectRef>
+            <a:fontRef idx="minor">
+              <a:schemeClr val="lt1"/>
+            </a:fontRef>
+          </p:style>
+          <p:txBody>
+            <a:bodyPr lIns="0" tIns="0" rIns="0" bIns="0" rtlCol="0" anchor="ctr"/>
+            <a:lstStyle/>
+            <a:p>
+              <a:pPr algn="ctr"/>
+              <a:r>
+                <a:rPr lang="en-US" sz="1000" dirty="0">
+                  <a:solidFill>
+                    <a:schemeClr val="tx1"/>
+                  </a:solidFill>
+                  <a:latin typeface="AVENIR LIGHT OBLIQUE" panose="020B0402020203090204" pitchFamily="34" charset="77"/>
+                </a:rPr>
+                <a:t>Hugo</a:t>
+              </a:r>
+            </a:p>
+          </p:txBody>
+        </p:sp>
+        <p:cxnSp>
+          <p:nvCxnSpPr>
+            <p:cNvPr id="23" name="Straight Connector 22">
+              <a:extLst>
+                <a:ext uri="{FF2B5EF4-FFF2-40B4-BE49-F238E27FC236}">
+                  <a16:creationId xmlns:a16="http://schemas.microsoft.com/office/drawing/2014/main" id="{95C70D6F-C628-A58E-3202-1C5B56088961}"/>
+                </a:ext>
+              </a:extLst>
+            </p:cNvPr>
+            <p:cNvCxnSpPr>
+              <a:cxnSpLocks/>
+              <a:stCxn id="22" idx="4"/>
+            </p:cNvCxnSpPr>
+            <p:nvPr/>
+          </p:nvCxnSpPr>
+          <p:spPr>
+            <a:xfrm>
+              <a:off x="5140703" y="2101192"/>
+              <a:ext cx="4410" cy="2936245"/>
+            </a:xfrm>
+            <a:prstGeom prst="line">
+              <a:avLst/>
+            </a:prstGeom>
+            <a:ln w="9525">
+              <a:solidFill>
+                <a:schemeClr val="tx1"/>
+              </a:solidFill>
+            </a:ln>
+          </p:spPr>
+          <p:style>
+            <a:lnRef idx="2">
+              <a:schemeClr val="accent1"/>
+            </a:lnRef>
+            <a:fillRef idx="0">
+              <a:schemeClr val="accent1"/>
+            </a:fillRef>
+            <a:effectRef idx="1">
+              <a:schemeClr val="accent1"/>
+            </a:effectRef>
+            <a:fontRef idx="minor">
+              <a:schemeClr val="tx1"/>
+            </a:fontRef>
+          </p:style>
+        </p:cxnSp>
+      </p:grpSp>
+      <p:sp>
+        <p:nvSpPr>
+          <p:cNvPr id="24" name="Rectangle 23">
+            <a:extLst>
+              <a:ext uri="{FF2B5EF4-FFF2-40B4-BE49-F238E27FC236}">
+                <a16:creationId xmlns:a16="http://schemas.microsoft.com/office/drawing/2014/main" id="{0F6B5FC9-1875-13A1-9A55-B850810A7F34}"/>
+              </a:ext>
+            </a:extLst>
+          </p:cNvPr>
+          <p:cNvSpPr/>
+          <p:nvPr/>
+        </p:nvSpPr>
+        <p:spPr>
+          <a:xfrm>
+            <a:off x="575426" y="1027238"/>
+            <a:ext cx="11045074" cy="4396250"/>
+          </a:xfrm>
+          <a:prstGeom prst="rect">
+            <a:avLst/>
+          </a:prstGeom>
+          <a:noFill/>
+          <a:ln w="9525">
+            <a:solidFill>
+              <a:schemeClr val="bg1">
+                <a:lumMod val="65000"/>
+              </a:schemeClr>
+            </a:solidFill>
+          </a:ln>
+        </p:spPr>
+        <p:style>
+          <a:lnRef idx="2">
+            <a:schemeClr val="accent1">
+              <a:shade val="15000"/>
+            </a:schemeClr>
+          </a:lnRef>
+          <a:fillRef idx="1">
+            <a:schemeClr val="accent1"/>
+          </a:fillRef>
+          <a:effectRef idx="0">
+            <a:schemeClr val="accent1"/>
+          </a:effectRef>
+          <a:fontRef idx="minor">
+            <a:schemeClr val="lt1"/>
+          </a:fontRef>
+        </p:style>
+        <p:txBody>
+          <a:bodyPr rtlCol="0" anchor="ctr"/>
+          <a:lstStyle/>
+          <a:p>
+            <a:pPr algn="ctr"/>
+            <a:endParaRPr lang="en-US" sz="1000" dirty="0">
+              <a:solidFill>
+                <a:schemeClr val="tx1"/>
+              </a:solidFill>
+              <a:latin typeface="Avenir Book" panose="02000503020000020003" pitchFamily="2" charset="0"/>
+            </a:endParaRPr>
+          </a:p>
+        </p:txBody>
+      </p:sp>
+      <p:sp>
+        <p:nvSpPr>
+          <p:cNvPr id="25" name="Rectangle 24">
+            <a:extLst>
+              <a:ext uri="{FF2B5EF4-FFF2-40B4-BE49-F238E27FC236}">
+                <a16:creationId xmlns:a16="http://schemas.microsoft.com/office/drawing/2014/main" id="{6CD4514A-45F2-9200-D9C4-371DE023D7F8}"/>
+              </a:ext>
+            </a:extLst>
+          </p:cNvPr>
+          <p:cNvSpPr/>
+          <p:nvPr/>
+        </p:nvSpPr>
+        <p:spPr>
+          <a:xfrm>
+            <a:off x="5462324" y="1301780"/>
+            <a:ext cx="1203948" cy="600778"/>
+          </a:xfrm>
+          <a:prstGeom prst="rect">
+            <a:avLst/>
+          </a:prstGeom>
+          <a:noFill/>
+          <a:ln w="9525">
+            <a:noFill/>
+          </a:ln>
+        </p:spPr>
+        <p:style>
+          <a:lnRef idx="2">
+            <a:schemeClr val="accent1">
+              <a:shade val="15000"/>
+            </a:schemeClr>
+          </a:lnRef>
+          <a:fillRef idx="1">
+            <a:schemeClr val="accent1"/>
+          </a:fillRef>
+          <a:effectRef idx="0">
+            <a:schemeClr val="accent1"/>
+          </a:effectRef>
+          <a:fontRef idx="minor">
+            <a:schemeClr val="lt1"/>
+          </a:fontRef>
+        </p:style>
+        <p:txBody>
+          <a:bodyPr rtlCol="0" anchor="ctr"/>
+          <a:lstStyle/>
+          <a:p>
+            <a:pPr algn="ctr"/>
+            <a:r>
+              <a:rPr lang="en-US" sz="4000" dirty="0">
+                <a:solidFill>
+                  <a:schemeClr val="tx1"/>
+                </a:solidFill>
+                <a:latin typeface="Avenir Book" panose="02000503020000020003" pitchFamily="2" charset="0"/>
+              </a:rPr>
+              <a:t>...</a:t>
+            </a:r>
+          </a:p>
+        </p:txBody>
+      </p:sp>
+      <p:grpSp>
+        <p:nvGrpSpPr>
+          <p:cNvPr id="35" name="Group 34">
+            <a:extLst>
+              <a:ext uri="{FF2B5EF4-FFF2-40B4-BE49-F238E27FC236}">
+                <a16:creationId xmlns:a16="http://schemas.microsoft.com/office/drawing/2014/main" id="{F945E0F3-5B89-C3E6-C48C-891A71320874}"/>
+              </a:ext>
+            </a:extLst>
+          </p:cNvPr>
+          <p:cNvGrpSpPr/>
+          <p:nvPr/>
+        </p:nvGrpSpPr>
+        <p:grpSpPr>
+          <a:xfrm>
+            <a:off x="2145799" y="2077799"/>
+            <a:ext cx="3195826" cy="612038"/>
+            <a:chOff x="2145799" y="2684192"/>
+            <a:chExt cx="3195826" cy="612038"/>
+          </a:xfrm>
+        </p:grpSpPr>
+        <p:grpSp>
+          <p:nvGrpSpPr>
+            <p:cNvPr id="31" name="Group 30">
+              <a:extLst>
+                <a:ext uri="{FF2B5EF4-FFF2-40B4-BE49-F238E27FC236}">
+                  <a16:creationId xmlns:a16="http://schemas.microsoft.com/office/drawing/2014/main" id="{C7252AA2-859F-3FA4-8A67-65BCCAB56F56}"/>
+                </a:ext>
+              </a:extLst>
+            </p:cNvPr>
+            <p:cNvGrpSpPr/>
+            <p:nvPr/>
+          </p:nvGrpSpPr>
+          <p:grpSpPr>
+            <a:xfrm>
+              <a:off x="2145799" y="2684192"/>
+              <a:ext cx="3195826" cy="298861"/>
+              <a:chOff x="2145799" y="2684192"/>
+              <a:chExt cx="3195826" cy="298861"/>
+            </a:xfrm>
+          </p:grpSpPr>
+          <p:cxnSp>
+            <p:nvCxnSpPr>
+              <p:cNvPr id="27" name="Straight Connector 26">
+                <a:extLst>
+                  <a:ext uri="{FF2B5EF4-FFF2-40B4-BE49-F238E27FC236}">
+                    <a16:creationId xmlns:a16="http://schemas.microsoft.com/office/drawing/2014/main" id="{E7E85747-01A3-5EC6-D841-BF173DAB9362}"/>
+                  </a:ext>
+                </a:extLst>
+              </p:cNvPr>
+              <p:cNvCxnSpPr>
+                <a:cxnSpLocks/>
+              </p:cNvCxnSpPr>
+              <p:nvPr/>
+            </p:nvCxnSpPr>
+            <p:spPr>
+              <a:xfrm flipH="1">
+                <a:off x="2145799" y="2934929"/>
+                <a:ext cx="3195826" cy="0"/>
+              </a:xfrm>
+              <a:prstGeom prst="line">
+                <a:avLst/>
+              </a:prstGeom>
+              <a:ln w="9525">
+                <a:solidFill>
+                  <a:srgbClr val="FF0000"/>
+                </a:solidFill>
+                <a:headEnd type="triangle"/>
+              </a:ln>
+            </p:spPr>
+            <p:style>
+              <a:lnRef idx="2">
+                <a:schemeClr val="accent1"/>
+              </a:lnRef>
+              <a:fillRef idx="0">
+                <a:schemeClr val="accent1"/>
+              </a:fillRef>
+              <a:effectRef idx="1">
+                <a:schemeClr val="accent1"/>
+              </a:effectRef>
+              <a:fontRef idx="minor">
+                <a:schemeClr val="tx1"/>
+              </a:fontRef>
+            </p:style>
+          </p:cxnSp>
+          <p:sp>
+            <p:nvSpPr>
+              <p:cNvPr id="30" name="Rectangle 29">
+                <a:extLst>
+                  <a:ext uri="{FF2B5EF4-FFF2-40B4-BE49-F238E27FC236}">
+                    <a16:creationId xmlns:a16="http://schemas.microsoft.com/office/drawing/2014/main" id="{8F5122EC-8E1F-DE8B-5685-836CD4D299F6}"/>
+                  </a:ext>
+                </a:extLst>
+              </p:cNvPr>
+              <p:cNvSpPr/>
+              <p:nvPr/>
+            </p:nvSpPr>
+            <p:spPr>
+              <a:xfrm>
+                <a:off x="2145799" y="2684192"/>
+                <a:ext cx="2784678" cy="298861"/>
+              </a:xfrm>
+              <a:prstGeom prst="rect">
+                <a:avLst/>
+              </a:prstGeom>
+              <a:noFill/>
+              <a:ln w="9525">
+                <a:noFill/>
+              </a:ln>
+            </p:spPr>
+            <p:style>
+              <a:lnRef idx="2">
+                <a:schemeClr val="accent1">
+                  <a:shade val="15000"/>
+                </a:schemeClr>
+              </a:lnRef>
+              <a:fillRef idx="1">
+                <a:schemeClr val="accent1"/>
+              </a:fillRef>
+              <a:effectRef idx="0">
+                <a:schemeClr val="accent1"/>
+              </a:effectRef>
+              <a:fontRef idx="minor">
+                <a:schemeClr val="lt1"/>
+              </a:fontRef>
+            </p:style>
+            <p:txBody>
+              <a:bodyPr rtlCol="0" anchor="ctr"/>
+              <a:lstStyle/>
+              <a:p>
+                <a:r>
+                  <a:rPr lang="en-US" sz="1000" dirty="0">
+                    <a:solidFill>
+                      <a:srgbClr val="FF0000"/>
+                    </a:solidFill>
+                    <a:latin typeface="Avenir Book" panose="02000503020000020003" pitchFamily="2" charset="0"/>
+                  </a:rPr>
+                  <a:t>PUT registration</a:t>
+                </a:r>
+              </a:p>
+            </p:txBody>
+          </p:sp>
+        </p:grpSp>
+        <p:grpSp>
+          <p:nvGrpSpPr>
+            <p:cNvPr id="32" name="Group 31">
+              <a:extLst>
+                <a:ext uri="{FF2B5EF4-FFF2-40B4-BE49-F238E27FC236}">
+                  <a16:creationId xmlns:a16="http://schemas.microsoft.com/office/drawing/2014/main" id="{BBA2A2DD-8DF3-80E0-FF55-77291C7B0B60}"/>
+                </a:ext>
+              </a:extLst>
+            </p:cNvPr>
+            <p:cNvGrpSpPr/>
+            <p:nvPr/>
+          </p:nvGrpSpPr>
+          <p:grpSpPr>
+            <a:xfrm>
+              <a:off x="2145799" y="2997369"/>
+              <a:ext cx="3195826" cy="298861"/>
+              <a:chOff x="2145799" y="2684192"/>
+              <a:chExt cx="3195826" cy="298861"/>
+            </a:xfrm>
+          </p:grpSpPr>
+          <p:cxnSp>
+            <p:nvCxnSpPr>
+              <p:cNvPr id="33" name="Straight Connector 32">
+                <a:extLst>
+                  <a:ext uri="{FF2B5EF4-FFF2-40B4-BE49-F238E27FC236}">
+                    <a16:creationId xmlns:a16="http://schemas.microsoft.com/office/drawing/2014/main" id="{65CA86CA-BDC4-A983-82B9-B8D39E73DCCD}"/>
+                  </a:ext>
+                </a:extLst>
+              </p:cNvPr>
+              <p:cNvCxnSpPr>
+                <a:cxnSpLocks/>
+              </p:cNvCxnSpPr>
+              <p:nvPr/>
+            </p:nvCxnSpPr>
+            <p:spPr>
+              <a:xfrm flipH="1">
+                <a:off x="2145799" y="2934929"/>
+                <a:ext cx="3195826" cy="0"/>
+              </a:xfrm>
+              <a:prstGeom prst="line">
+                <a:avLst/>
+              </a:prstGeom>
+              <a:ln w="9525">
+                <a:solidFill>
+                  <a:srgbClr val="FF0000"/>
+                </a:solidFill>
+                <a:headEnd type="triangle"/>
+              </a:ln>
+            </p:spPr>
+            <p:style>
+              <a:lnRef idx="2">
+                <a:schemeClr val="accent1"/>
+              </a:lnRef>
+              <a:fillRef idx="0">
+                <a:schemeClr val="accent1"/>
+              </a:fillRef>
+              <a:effectRef idx="1">
+                <a:schemeClr val="accent1"/>
+              </a:effectRef>
+              <a:fontRef idx="minor">
+                <a:schemeClr val="tx1"/>
+              </a:fontRef>
+            </p:style>
+          </p:cxnSp>
+          <p:sp>
+            <p:nvSpPr>
+              <p:cNvPr id="34" name="Rectangle 33">
+                <a:extLst>
+                  <a:ext uri="{FF2B5EF4-FFF2-40B4-BE49-F238E27FC236}">
+                    <a16:creationId xmlns:a16="http://schemas.microsoft.com/office/drawing/2014/main" id="{E4485CA7-40CF-0BC4-B8F1-912E0746168B}"/>
+                  </a:ext>
+                </a:extLst>
+              </p:cNvPr>
+              <p:cNvSpPr/>
+              <p:nvPr/>
+            </p:nvSpPr>
+            <p:spPr>
+              <a:xfrm>
+                <a:off x="2145799" y="2684192"/>
+                <a:ext cx="2784678" cy="298861"/>
+              </a:xfrm>
+              <a:prstGeom prst="rect">
+                <a:avLst/>
+              </a:prstGeom>
+              <a:noFill/>
+              <a:ln w="9525">
+                <a:noFill/>
+              </a:ln>
+            </p:spPr>
+            <p:style>
+              <a:lnRef idx="2">
+                <a:schemeClr val="accent1">
+                  <a:shade val="15000"/>
+                </a:schemeClr>
+              </a:lnRef>
+              <a:fillRef idx="1">
+                <a:schemeClr val="accent1"/>
+              </a:fillRef>
+              <a:effectRef idx="0">
+                <a:schemeClr val="accent1"/>
+              </a:effectRef>
+              <a:fontRef idx="minor">
+                <a:schemeClr val="lt1"/>
+              </a:fontRef>
+            </p:style>
+            <p:txBody>
+              <a:bodyPr rtlCol="0" anchor="ctr"/>
+              <a:lstStyle/>
+              <a:p>
+                <a:r>
+                  <a:rPr lang="en-US" sz="1000" dirty="0">
+                    <a:solidFill>
+                      <a:srgbClr val="FF0000"/>
+                    </a:solidFill>
+                    <a:latin typeface="Avenir Book" panose="02000503020000020003" pitchFamily="2" charset="0"/>
+                  </a:rPr>
+                  <a:t>GET </a:t>
+                </a:r>
+                <a:r>
+                  <a:rPr lang="en-US" sz="1000" dirty="0" err="1">
+                    <a:solidFill>
+                      <a:srgbClr val="FF0000"/>
+                    </a:solidFill>
+                    <a:latin typeface="Avenir Book" panose="02000503020000020003" pitchFamily="2" charset="0"/>
+                  </a:rPr>
+                  <a:t>psrd</a:t>
+                </a:r>
+                <a:endParaRPr lang="en-US" sz="1000" dirty="0">
+                  <a:solidFill>
+                    <a:srgbClr val="FF0000"/>
+                  </a:solidFill>
+                  <a:latin typeface="Avenir Book" panose="02000503020000020003" pitchFamily="2" charset="0"/>
+                </a:endParaRPr>
+              </a:p>
+            </p:txBody>
+          </p:sp>
+        </p:grpSp>
+      </p:grpSp>
+      <p:grpSp>
+        <p:nvGrpSpPr>
+          <p:cNvPr id="36" name="Group 35">
+            <a:extLst>
+              <a:ext uri="{FF2B5EF4-FFF2-40B4-BE49-F238E27FC236}">
+                <a16:creationId xmlns:a16="http://schemas.microsoft.com/office/drawing/2014/main" id="{0DDCE860-A8CB-3B9A-A77F-A74DAB0D0295}"/>
+              </a:ext>
+            </a:extLst>
+          </p:cNvPr>
+          <p:cNvGrpSpPr/>
+          <p:nvPr/>
+        </p:nvGrpSpPr>
+        <p:grpSpPr>
+          <a:xfrm>
+            <a:off x="2145799" y="2794782"/>
+            <a:ext cx="4607274" cy="612038"/>
+            <a:chOff x="2145799" y="2684192"/>
+            <a:chExt cx="4607274" cy="612038"/>
+          </a:xfrm>
+        </p:grpSpPr>
+        <p:grpSp>
+          <p:nvGrpSpPr>
+            <p:cNvPr id="37" name="Group 36">
+              <a:extLst>
+                <a:ext uri="{FF2B5EF4-FFF2-40B4-BE49-F238E27FC236}">
+                  <a16:creationId xmlns:a16="http://schemas.microsoft.com/office/drawing/2014/main" id="{89B52564-CB00-C57B-FA65-FB393B5C5E57}"/>
+                </a:ext>
+              </a:extLst>
+            </p:cNvPr>
+            <p:cNvGrpSpPr/>
+            <p:nvPr/>
+          </p:nvGrpSpPr>
+          <p:grpSpPr>
+            <a:xfrm>
+              <a:off x="2145799" y="2684192"/>
+              <a:ext cx="4607274" cy="298861"/>
+              <a:chOff x="2145799" y="2684192"/>
+              <a:chExt cx="4607274" cy="298861"/>
+            </a:xfrm>
+          </p:grpSpPr>
+          <p:cxnSp>
+            <p:nvCxnSpPr>
+              <p:cNvPr id="41" name="Straight Connector 40">
+                <a:extLst>
+                  <a:ext uri="{FF2B5EF4-FFF2-40B4-BE49-F238E27FC236}">
+                    <a16:creationId xmlns:a16="http://schemas.microsoft.com/office/drawing/2014/main" id="{3ACBE410-1217-C1F0-0962-DA9E39547C2A}"/>
+                  </a:ext>
+                </a:extLst>
+              </p:cNvPr>
+              <p:cNvCxnSpPr>
+                <a:cxnSpLocks/>
+              </p:cNvCxnSpPr>
+              <p:nvPr/>
+            </p:nvCxnSpPr>
+            <p:spPr>
+              <a:xfrm flipH="1">
+                <a:off x="2145799" y="2934929"/>
+                <a:ext cx="4607274" cy="0"/>
+              </a:xfrm>
+              <a:prstGeom prst="line">
+                <a:avLst/>
+              </a:prstGeom>
+              <a:ln w="9525">
+                <a:solidFill>
+                  <a:srgbClr val="FF0000"/>
+                </a:solidFill>
+                <a:headEnd type="triangle"/>
+              </a:ln>
+            </p:spPr>
+            <p:style>
+              <a:lnRef idx="2">
+                <a:schemeClr val="accent1"/>
+              </a:lnRef>
+              <a:fillRef idx="0">
+                <a:schemeClr val="accent1"/>
+              </a:fillRef>
+              <a:effectRef idx="1">
+                <a:schemeClr val="accent1"/>
+              </a:effectRef>
+              <a:fontRef idx="minor">
+                <a:schemeClr val="tx1"/>
+              </a:fontRef>
+            </p:style>
+          </p:cxnSp>
+          <p:sp>
+            <p:nvSpPr>
+              <p:cNvPr id="42" name="Rectangle 41">
+                <a:extLst>
+                  <a:ext uri="{FF2B5EF4-FFF2-40B4-BE49-F238E27FC236}">
+                    <a16:creationId xmlns:a16="http://schemas.microsoft.com/office/drawing/2014/main" id="{E1884416-8714-C367-508F-11ECFA456D2B}"/>
+                  </a:ext>
+                </a:extLst>
+              </p:cNvPr>
+              <p:cNvSpPr/>
+              <p:nvPr/>
+            </p:nvSpPr>
+            <p:spPr>
+              <a:xfrm>
+                <a:off x="2145799" y="2684192"/>
+                <a:ext cx="2784678" cy="298861"/>
+              </a:xfrm>
+              <a:prstGeom prst="rect">
+                <a:avLst/>
+              </a:prstGeom>
+              <a:noFill/>
+              <a:ln w="9525">
+                <a:noFill/>
+              </a:ln>
+            </p:spPr>
+            <p:style>
+              <a:lnRef idx="2">
+                <a:schemeClr val="accent1">
+                  <a:shade val="15000"/>
+                </a:schemeClr>
+              </a:lnRef>
+              <a:fillRef idx="1">
+                <a:schemeClr val="accent1"/>
+              </a:fillRef>
+              <a:effectRef idx="0">
+                <a:schemeClr val="accent1"/>
+              </a:effectRef>
+              <a:fontRef idx="minor">
+                <a:schemeClr val="lt1"/>
+              </a:fontRef>
+            </p:style>
+            <p:txBody>
+              <a:bodyPr rtlCol="0" anchor="ctr"/>
+              <a:lstStyle/>
+              <a:p>
+                <a:r>
+                  <a:rPr lang="en-US" sz="1000">
+                    <a:solidFill>
+                      <a:srgbClr val="FF0000"/>
+                    </a:solidFill>
+                    <a:latin typeface="Avenir Book" panose="02000503020000020003" pitchFamily="2" charset="0"/>
+                  </a:rPr>
+                  <a:t>PUT registration</a:t>
+                </a:r>
+                <a:endParaRPr lang="en-US" sz="1000" dirty="0">
+                  <a:solidFill>
+                    <a:srgbClr val="FF0000"/>
+                  </a:solidFill>
+                  <a:latin typeface="Avenir Book" panose="02000503020000020003" pitchFamily="2" charset="0"/>
+                </a:endParaRPr>
+              </a:p>
+            </p:txBody>
+          </p:sp>
+        </p:grpSp>
+        <p:grpSp>
+          <p:nvGrpSpPr>
+            <p:cNvPr id="38" name="Group 37">
+              <a:extLst>
+                <a:ext uri="{FF2B5EF4-FFF2-40B4-BE49-F238E27FC236}">
+                  <a16:creationId xmlns:a16="http://schemas.microsoft.com/office/drawing/2014/main" id="{4D63BEAA-B914-5169-CBF2-E839586B288F}"/>
+                </a:ext>
+              </a:extLst>
+            </p:cNvPr>
+            <p:cNvGrpSpPr/>
+            <p:nvPr/>
+          </p:nvGrpSpPr>
+          <p:grpSpPr>
+            <a:xfrm>
+              <a:off x="2145799" y="2997369"/>
+              <a:ext cx="4607274" cy="298861"/>
+              <a:chOff x="2145799" y="2684192"/>
+              <a:chExt cx="4607274" cy="298861"/>
+            </a:xfrm>
+          </p:grpSpPr>
+          <p:cxnSp>
+            <p:nvCxnSpPr>
+              <p:cNvPr id="39" name="Straight Connector 38">
+                <a:extLst>
+                  <a:ext uri="{FF2B5EF4-FFF2-40B4-BE49-F238E27FC236}">
+                    <a16:creationId xmlns:a16="http://schemas.microsoft.com/office/drawing/2014/main" id="{CDBA45C2-048D-7835-06A7-C403393483B0}"/>
+                  </a:ext>
+                </a:extLst>
+              </p:cNvPr>
+              <p:cNvCxnSpPr>
+                <a:cxnSpLocks/>
+              </p:cNvCxnSpPr>
+              <p:nvPr/>
+            </p:nvCxnSpPr>
+            <p:spPr>
+              <a:xfrm flipH="1">
+                <a:off x="2145799" y="2934929"/>
+                <a:ext cx="4607274" cy="0"/>
+              </a:xfrm>
+              <a:prstGeom prst="line">
+                <a:avLst/>
+              </a:prstGeom>
+              <a:ln w="9525">
+                <a:solidFill>
+                  <a:srgbClr val="FF0000"/>
+                </a:solidFill>
+                <a:headEnd type="triangle"/>
+              </a:ln>
+            </p:spPr>
+            <p:style>
+              <a:lnRef idx="2">
+                <a:schemeClr val="accent1"/>
+              </a:lnRef>
+              <a:fillRef idx="0">
+                <a:schemeClr val="accent1"/>
+              </a:fillRef>
+              <a:effectRef idx="1">
+                <a:schemeClr val="accent1"/>
+              </a:effectRef>
+              <a:fontRef idx="minor">
+                <a:schemeClr val="tx1"/>
+              </a:fontRef>
+            </p:style>
+          </p:cxnSp>
+          <p:sp>
+            <p:nvSpPr>
+              <p:cNvPr id="40" name="Rectangle 39">
+                <a:extLst>
+                  <a:ext uri="{FF2B5EF4-FFF2-40B4-BE49-F238E27FC236}">
+                    <a16:creationId xmlns:a16="http://schemas.microsoft.com/office/drawing/2014/main" id="{723966DC-C1A4-88DF-7B9B-601C78B06C0F}"/>
+                  </a:ext>
+                </a:extLst>
+              </p:cNvPr>
+              <p:cNvSpPr/>
+              <p:nvPr/>
+            </p:nvSpPr>
+            <p:spPr>
+              <a:xfrm>
+                <a:off x="2145799" y="2684192"/>
+                <a:ext cx="2784678" cy="298861"/>
+              </a:xfrm>
+              <a:prstGeom prst="rect">
+                <a:avLst/>
+              </a:prstGeom>
+              <a:noFill/>
+              <a:ln w="9525">
+                <a:noFill/>
+              </a:ln>
+            </p:spPr>
+            <p:style>
+              <a:lnRef idx="2">
+                <a:schemeClr val="accent1">
+                  <a:shade val="15000"/>
+                </a:schemeClr>
+              </a:lnRef>
+              <a:fillRef idx="1">
+                <a:schemeClr val="accent1"/>
+              </a:fillRef>
+              <a:effectRef idx="0">
+                <a:schemeClr val="accent1"/>
+              </a:effectRef>
+              <a:fontRef idx="minor">
+                <a:schemeClr val="lt1"/>
+              </a:fontRef>
+            </p:style>
+            <p:txBody>
+              <a:bodyPr rtlCol="0" anchor="ctr"/>
+              <a:lstStyle/>
+              <a:p>
+                <a:r>
+                  <a:rPr lang="en-US" sz="1000" dirty="0">
+                    <a:solidFill>
+                      <a:srgbClr val="FF0000"/>
+                    </a:solidFill>
+                    <a:latin typeface="Avenir Book" panose="02000503020000020003" pitchFamily="2" charset="0"/>
+                  </a:rPr>
+                  <a:t>GET </a:t>
+                </a:r>
+                <a:r>
+                  <a:rPr lang="en-US" sz="1000" dirty="0" err="1">
+                    <a:solidFill>
+                      <a:srgbClr val="FF0000"/>
+                    </a:solidFill>
+                    <a:latin typeface="Avenir Book" panose="02000503020000020003" pitchFamily="2" charset="0"/>
+                  </a:rPr>
+                  <a:t>psrd</a:t>
+                </a:r>
+                <a:endParaRPr lang="en-US" sz="1000" dirty="0">
+                  <a:solidFill>
+                    <a:srgbClr val="FF0000"/>
+                  </a:solidFill>
+                  <a:latin typeface="Avenir Book" panose="02000503020000020003" pitchFamily="2" charset="0"/>
+                </a:endParaRPr>
+              </a:p>
+            </p:txBody>
+          </p:sp>
+        </p:grpSp>
+      </p:grpSp>
+      <p:grpSp>
+        <p:nvGrpSpPr>
+          <p:cNvPr id="45" name="Group 44">
+            <a:extLst>
+              <a:ext uri="{FF2B5EF4-FFF2-40B4-BE49-F238E27FC236}">
+                <a16:creationId xmlns:a16="http://schemas.microsoft.com/office/drawing/2014/main" id="{CF4C12BA-A173-B622-AB35-8A4667510D1A}"/>
+              </a:ext>
+            </a:extLst>
+          </p:cNvPr>
+          <p:cNvGrpSpPr/>
+          <p:nvPr/>
+        </p:nvGrpSpPr>
+        <p:grpSpPr>
+          <a:xfrm flipH="1">
+            <a:off x="6753073" y="3526779"/>
+            <a:ext cx="3195826" cy="612038"/>
+            <a:chOff x="2145799" y="2684192"/>
+            <a:chExt cx="3195826" cy="612038"/>
+          </a:xfrm>
+        </p:grpSpPr>
+        <p:grpSp>
+          <p:nvGrpSpPr>
+            <p:cNvPr id="46" name="Group 45">
+              <a:extLst>
+                <a:ext uri="{FF2B5EF4-FFF2-40B4-BE49-F238E27FC236}">
+                  <a16:creationId xmlns:a16="http://schemas.microsoft.com/office/drawing/2014/main" id="{45E8EA47-294A-E762-99AC-26233B315772}"/>
+                </a:ext>
+              </a:extLst>
+            </p:cNvPr>
+            <p:cNvGrpSpPr/>
+            <p:nvPr/>
+          </p:nvGrpSpPr>
+          <p:grpSpPr>
+            <a:xfrm>
+              <a:off x="2145799" y="2684192"/>
+              <a:ext cx="3195826" cy="298861"/>
+              <a:chOff x="2145799" y="2684192"/>
+              <a:chExt cx="3195826" cy="298861"/>
+            </a:xfrm>
+          </p:grpSpPr>
+          <p:cxnSp>
+            <p:nvCxnSpPr>
+              <p:cNvPr id="50" name="Straight Connector 49">
+                <a:extLst>
+                  <a:ext uri="{FF2B5EF4-FFF2-40B4-BE49-F238E27FC236}">
+                    <a16:creationId xmlns:a16="http://schemas.microsoft.com/office/drawing/2014/main" id="{C3B6AFCA-5CE0-C31C-CF5C-925A5B71FF90}"/>
+                  </a:ext>
+                </a:extLst>
+              </p:cNvPr>
+              <p:cNvCxnSpPr>
+                <a:cxnSpLocks/>
+              </p:cNvCxnSpPr>
+              <p:nvPr/>
+            </p:nvCxnSpPr>
+            <p:spPr>
+              <a:xfrm flipH="1">
+                <a:off x="2145799" y="2934929"/>
+                <a:ext cx="3195826" cy="0"/>
+              </a:xfrm>
+              <a:prstGeom prst="line">
+                <a:avLst/>
+              </a:prstGeom>
+              <a:ln w="9525">
+                <a:solidFill>
+                  <a:srgbClr val="FF0000"/>
+                </a:solidFill>
+                <a:headEnd type="triangle"/>
+              </a:ln>
+            </p:spPr>
+            <p:style>
+              <a:lnRef idx="2">
+                <a:schemeClr val="accent1"/>
+              </a:lnRef>
+              <a:fillRef idx="0">
+                <a:schemeClr val="accent1"/>
+              </a:fillRef>
+              <a:effectRef idx="1">
+                <a:schemeClr val="accent1"/>
+              </a:effectRef>
+              <a:fontRef idx="minor">
+                <a:schemeClr val="tx1"/>
+              </a:fontRef>
+            </p:style>
+          </p:cxnSp>
+          <p:sp>
+            <p:nvSpPr>
+              <p:cNvPr id="51" name="Rectangle 50">
+                <a:extLst>
+                  <a:ext uri="{FF2B5EF4-FFF2-40B4-BE49-F238E27FC236}">
+                    <a16:creationId xmlns:a16="http://schemas.microsoft.com/office/drawing/2014/main" id="{6551DE2D-B0FD-7650-348F-790BF15D06A7}"/>
+                  </a:ext>
+                </a:extLst>
+              </p:cNvPr>
+              <p:cNvSpPr/>
+              <p:nvPr/>
+            </p:nvSpPr>
+            <p:spPr>
+              <a:xfrm>
+                <a:off x="2145799" y="2684192"/>
+                <a:ext cx="2784678" cy="298861"/>
+              </a:xfrm>
+              <a:prstGeom prst="rect">
+                <a:avLst/>
+              </a:prstGeom>
+              <a:noFill/>
+              <a:ln w="9525">
+                <a:noFill/>
+              </a:ln>
+            </p:spPr>
+            <p:style>
+              <a:lnRef idx="2">
+                <a:schemeClr val="accent1">
+                  <a:shade val="15000"/>
+                </a:schemeClr>
+              </a:lnRef>
+              <a:fillRef idx="1">
+                <a:schemeClr val="accent1"/>
+              </a:fillRef>
+              <a:effectRef idx="0">
+                <a:schemeClr val="accent1"/>
+              </a:effectRef>
+              <a:fontRef idx="minor">
+                <a:schemeClr val="lt1"/>
+              </a:fontRef>
+            </p:style>
+            <p:txBody>
+              <a:bodyPr rtlCol="0" anchor="ctr"/>
+              <a:lstStyle/>
+              <a:p>
+                <a:r>
+                  <a:rPr lang="en-US" sz="1000" dirty="0">
+                    <a:solidFill>
+                      <a:srgbClr val="FF0000"/>
+                    </a:solidFill>
+                    <a:latin typeface="Avenir Book" panose="02000503020000020003" pitchFamily="2" charset="0"/>
+                  </a:rPr>
+                  <a:t>PUT registration</a:t>
+                </a:r>
+              </a:p>
+            </p:txBody>
+          </p:sp>
+        </p:grpSp>
+        <p:grpSp>
+          <p:nvGrpSpPr>
+            <p:cNvPr id="47" name="Group 46">
+              <a:extLst>
+                <a:ext uri="{FF2B5EF4-FFF2-40B4-BE49-F238E27FC236}">
+                  <a16:creationId xmlns:a16="http://schemas.microsoft.com/office/drawing/2014/main" id="{91C9EEE2-FD1B-09E1-3D71-B150D7C89084}"/>
+                </a:ext>
+              </a:extLst>
+            </p:cNvPr>
+            <p:cNvGrpSpPr/>
+            <p:nvPr/>
+          </p:nvGrpSpPr>
+          <p:grpSpPr>
+            <a:xfrm>
+              <a:off x="2145799" y="2997369"/>
+              <a:ext cx="3195826" cy="298861"/>
+              <a:chOff x="2145799" y="2684192"/>
+              <a:chExt cx="3195826" cy="298861"/>
+            </a:xfrm>
+          </p:grpSpPr>
+          <p:cxnSp>
+            <p:nvCxnSpPr>
+              <p:cNvPr id="48" name="Straight Connector 47">
+                <a:extLst>
+                  <a:ext uri="{FF2B5EF4-FFF2-40B4-BE49-F238E27FC236}">
+                    <a16:creationId xmlns:a16="http://schemas.microsoft.com/office/drawing/2014/main" id="{42E1CF90-8451-2888-A8D1-72959D1BF1C9}"/>
+                  </a:ext>
+                </a:extLst>
+              </p:cNvPr>
+              <p:cNvCxnSpPr>
+                <a:cxnSpLocks/>
+              </p:cNvCxnSpPr>
+              <p:nvPr/>
+            </p:nvCxnSpPr>
+            <p:spPr>
+              <a:xfrm flipH="1">
+                <a:off x="2145799" y="2934929"/>
+                <a:ext cx="3195826" cy="0"/>
+              </a:xfrm>
+              <a:prstGeom prst="line">
+                <a:avLst/>
+              </a:prstGeom>
+              <a:ln w="9525">
+                <a:solidFill>
+                  <a:srgbClr val="FF0000"/>
+                </a:solidFill>
+                <a:headEnd type="triangle"/>
+              </a:ln>
+            </p:spPr>
+            <p:style>
+              <a:lnRef idx="2">
+                <a:schemeClr val="accent1"/>
+              </a:lnRef>
+              <a:fillRef idx="0">
+                <a:schemeClr val="accent1"/>
+              </a:fillRef>
+              <a:effectRef idx="1">
+                <a:schemeClr val="accent1"/>
+              </a:effectRef>
+              <a:fontRef idx="minor">
+                <a:schemeClr val="tx1"/>
+              </a:fontRef>
+            </p:style>
+          </p:cxnSp>
+          <p:sp>
+            <p:nvSpPr>
+              <p:cNvPr id="49" name="Rectangle 48">
+                <a:extLst>
+                  <a:ext uri="{FF2B5EF4-FFF2-40B4-BE49-F238E27FC236}">
+                    <a16:creationId xmlns:a16="http://schemas.microsoft.com/office/drawing/2014/main" id="{60BF63FD-3A8E-CAC4-755E-1C25CE465046}"/>
+                  </a:ext>
+                </a:extLst>
+              </p:cNvPr>
+              <p:cNvSpPr/>
+              <p:nvPr/>
+            </p:nvSpPr>
+            <p:spPr>
+              <a:xfrm>
+                <a:off x="2145799" y="2684192"/>
+                <a:ext cx="2784678" cy="298861"/>
+              </a:xfrm>
+              <a:prstGeom prst="rect">
+                <a:avLst/>
+              </a:prstGeom>
+              <a:noFill/>
+              <a:ln w="9525">
+                <a:noFill/>
+              </a:ln>
+            </p:spPr>
+            <p:style>
+              <a:lnRef idx="2">
+                <a:schemeClr val="accent1">
+                  <a:shade val="15000"/>
+                </a:schemeClr>
+              </a:lnRef>
+              <a:fillRef idx="1">
+                <a:schemeClr val="accent1"/>
+              </a:fillRef>
+              <a:effectRef idx="0">
+                <a:schemeClr val="accent1"/>
+              </a:effectRef>
+              <a:fontRef idx="minor">
+                <a:schemeClr val="lt1"/>
+              </a:fontRef>
+            </p:style>
+            <p:txBody>
+              <a:bodyPr rtlCol="0" anchor="ctr"/>
+              <a:lstStyle/>
+              <a:p>
+                <a:r>
+                  <a:rPr lang="en-US" sz="1000" dirty="0">
+                    <a:solidFill>
+                      <a:srgbClr val="FF0000"/>
+                    </a:solidFill>
+                    <a:latin typeface="Avenir Book" panose="02000503020000020003" pitchFamily="2" charset="0"/>
+                  </a:rPr>
+                  <a:t>GET </a:t>
+                </a:r>
+                <a:r>
+                  <a:rPr lang="en-US" sz="1000" dirty="0" err="1">
+                    <a:solidFill>
+                      <a:srgbClr val="FF0000"/>
+                    </a:solidFill>
+                    <a:latin typeface="Avenir Book" panose="02000503020000020003" pitchFamily="2" charset="0"/>
+                  </a:rPr>
+                  <a:t>psrd</a:t>
+                </a:r>
+                <a:endParaRPr lang="en-US" sz="1000" dirty="0">
+                  <a:solidFill>
+                    <a:srgbClr val="FF0000"/>
+                  </a:solidFill>
+                  <a:latin typeface="Avenir Book" panose="02000503020000020003" pitchFamily="2" charset="0"/>
+                </a:endParaRPr>
+              </a:p>
+            </p:txBody>
+          </p:sp>
+        </p:grpSp>
+      </p:grpSp>
+      <p:grpSp>
+        <p:nvGrpSpPr>
+          <p:cNvPr id="52" name="Group 51">
+            <a:extLst>
+              <a:ext uri="{FF2B5EF4-FFF2-40B4-BE49-F238E27FC236}">
+                <a16:creationId xmlns:a16="http://schemas.microsoft.com/office/drawing/2014/main" id="{274C9872-2A0F-3D2E-7ABC-D2A623D5F965}"/>
+              </a:ext>
+            </a:extLst>
+          </p:cNvPr>
+          <p:cNvGrpSpPr/>
+          <p:nvPr/>
+        </p:nvGrpSpPr>
+        <p:grpSpPr>
+          <a:xfrm flipH="1">
+            <a:off x="5341625" y="4243762"/>
+            <a:ext cx="4607274" cy="612038"/>
+            <a:chOff x="2145799" y="2684192"/>
+            <a:chExt cx="4607274" cy="612038"/>
+          </a:xfrm>
+        </p:grpSpPr>
+        <p:grpSp>
+          <p:nvGrpSpPr>
+            <p:cNvPr id="53" name="Group 52">
+              <a:extLst>
+                <a:ext uri="{FF2B5EF4-FFF2-40B4-BE49-F238E27FC236}">
+                  <a16:creationId xmlns:a16="http://schemas.microsoft.com/office/drawing/2014/main" id="{511382C1-4879-95D2-F2C2-F1AD324FF722}"/>
+                </a:ext>
+              </a:extLst>
+            </p:cNvPr>
+            <p:cNvGrpSpPr/>
+            <p:nvPr/>
+          </p:nvGrpSpPr>
+          <p:grpSpPr>
+            <a:xfrm>
+              <a:off x="2145799" y="2684192"/>
+              <a:ext cx="4607274" cy="298861"/>
+              <a:chOff x="2145799" y="2684192"/>
+              <a:chExt cx="4607274" cy="298861"/>
+            </a:xfrm>
+          </p:grpSpPr>
+          <p:cxnSp>
+            <p:nvCxnSpPr>
+              <p:cNvPr id="57" name="Straight Connector 56">
+                <a:extLst>
+                  <a:ext uri="{FF2B5EF4-FFF2-40B4-BE49-F238E27FC236}">
+                    <a16:creationId xmlns:a16="http://schemas.microsoft.com/office/drawing/2014/main" id="{7EB06316-808F-603D-1386-89EA49CB6B14}"/>
+                  </a:ext>
+                </a:extLst>
+              </p:cNvPr>
+              <p:cNvCxnSpPr>
+                <a:cxnSpLocks/>
+              </p:cNvCxnSpPr>
+              <p:nvPr/>
+            </p:nvCxnSpPr>
+            <p:spPr>
+              <a:xfrm flipH="1">
+                <a:off x="2145799" y="2934929"/>
+                <a:ext cx="4607274" cy="0"/>
+              </a:xfrm>
+              <a:prstGeom prst="line">
+                <a:avLst/>
+              </a:prstGeom>
+              <a:ln w="9525">
+                <a:solidFill>
+                  <a:srgbClr val="FF0000"/>
+                </a:solidFill>
+                <a:headEnd type="triangle"/>
+              </a:ln>
+            </p:spPr>
+            <p:style>
+              <a:lnRef idx="2">
+                <a:schemeClr val="accent1"/>
+              </a:lnRef>
+              <a:fillRef idx="0">
+                <a:schemeClr val="accent1"/>
+              </a:fillRef>
+              <a:effectRef idx="1">
+                <a:schemeClr val="accent1"/>
+              </a:effectRef>
+              <a:fontRef idx="minor">
+                <a:schemeClr val="tx1"/>
+              </a:fontRef>
+            </p:style>
+          </p:cxnSp>
+          <p:sp>
+            <p:nvSpPr>
+              <p:cNvPr id="58" name="Rectangle 57">
+                <a:extLst>
+                  <a:ext uri="{FF2B5EF4-FFF2-40B4-BE49-F238E27FC236}">
+                    <a16:creationId xmlns:a16="http://schemas.microsoft.com/office/drawing/2014/main" id="{2D396F21-9B29-2E42-1089-F4B634C22103}"/>
+                  </a:ext>
+                </a:extLst>
+              </p:cNvPr>
+              <p:cNvSpPr/>
+              <p:nvPr/>
+            </p:nvSpPr>
+            <p:spPr>
+              <a:xfrm>
+                <a:off x="2145799" y="2684192"/>
+                <a:ext cx="2784678" cy="298861"/>
+              </a:xfrm>
+              <a:prstGeom prst="rect">
+                <a:avLst/>
+              </a:prstGeom>
+              <a:noFill/>
+              <a:ln w="9525">
+                <a:noFill/>
+              </a:ln>
+            </p:spPr>
+            <p:style>
+              <a:lnRef idx="2">
+                <a:schemeClr val="accent1">
+                  <a:shade val="15000"/>
+                </a:schemeClr>
+              </a:lnRef>
+              <a:fillRef idx="1">
+                <a:schemeClr val="accent1"/>
+              </a:fillRef>
+              <a:effectRef idx="0">
+                <a:schemeClr val="accent1"/>
+              </a:effectRef>
+              <a:fontRef idx="minor">
+                <a:schemeClr val="lt1"/>
+              </a:fontRef>
+            </p:style>
+            <p:txBody>
+              <a:bodyPr rtlCol="0" anchor="ctr"/>
+              <a:lstStyle/>
+              <a:p>
+                <a:r>
+                  <a:rPr lang="en-US" sz="1000" dirty="0">
+                    <a:solidFill>
+                      <a:srgbClr val="FF0000"/>
+                    </a:solidFill>
+                    <a:latin typeface="Avenir Book" panose="02000503020000020003" pitchFamily="2" charset="0"/>
+                  </a:rPr>
+                  <a:t>PUT registration</a:t>
+                </a:r>
+              </a:p>
+            </p:txBody>
+          </p:sp>
+        </p:grpSp>
+        <p:grpSp>
+          <p:nvGrpSpPr>
+            <p:cNvPr id="54" name="Group 53">
+              <a:extLst>
+                <a:ext uri="{FF2B5EF4-FFF2-40B4-BE49-F238E27FC236}">
+                  <a16:creationId xmlns:a16="http://schemas.microsoft.com/office/drawing/2014/main" id="{41A69A98-1D44-171B-BF83-373AADFBD424}"/>
+                </a:ext>
+              </a:extLst>
+            </p:cNvPr>
+            <p:cNvGrpSpPr/>
+            <p:nvPr/>
+          </p:nvGrpSpPr>
+          <p:grpSpPr>
+            <a:xfrm>
+              <a:off x="2145799" y="2997369"/>
+              <a:ext cx="4607274" cy="298861"/>
+              <a:chOff x="2145799" y="2684192"/>
+              <a:chExt cx="4607274" cy="298861"/>
+            </a:xfrm>
+          </p:grpSpPr>
+          <p:cxnSp>
+            <p:nvCxnSpPr>
+              <p:cNvPr id="55" name="Straight Connector 54">
+                <a:extLst>
+                  <a:ext uri="{FF2B5EF4-FFF2-40B4-BE49-F238E27FC236}">
+                    <a16:creationId xmlns:a16="http://schemas.microsoft.com/office/drawing/2014/main" id="{127435E4-4637-76A9-0C5F-D6C9CF13C3DA}"/>
+                  </a:ext>
+                </a:extLst>
+              </p:cNvPr>
+              <p:cNvCxnSpPr>
+                <a:cxnSpLocks/>
+              </p:cNvCxnSpPr>
+              <p:nvPr/>
+            </p:nvCxnSpPr>
+            <p:spPr>
+              <a:xfrm flipH="1">
+                <a:off x="2145799" y="2934929"/>
+                <a:ext cx="4607274" cy="0"/>
+              </a:xfrm>
+              <a:prstGeom prst="line">
+                <a:avLst/>
+              </a:prstGeom>
+              <a:ln w="9525">
+                <a:solidFill>
+                  <a:srgbClr val="FF0000"/>
+                </a:solidFill>
+                <a:headEnd type="triangle"/>
+              </a:ln>
+            </p:spPr>
+            <p:style>
+              <a:lnRef idx="2">
+                <a:schemeClr val="accent1"/>
+              </a:lnRef>
+              <a:fillRef idx="0">
+                <a:schemeClr val="accent1"/>
+              </a:fillRef>
+              <a:effectRef idx="1">
+                <a:schemeClr val="accent1"/>
+              </a:effectRef>
+              <a:fontRef idx="minor">
+                <a:schemeClr val="tx1"/>
+              </a:fontRef>
+            </p:style>
+          </p:cxnSp>
+          <p:sp>
+            <p:nvSpPr>
+              <p:cNvPr id="56" name="Rectangle 55">
+                <a:extLst>
+                  <a:ext uri="{FF2B5EF4-FFF2-40B4-BE49-F238E27FC236}">
+                    <a16:creationId xmlns:a16="http://schemas.microsoft.com/office/drawing/2014/main" id="{3928276B-7CC2-C69B-F819-F4EEF1C57120}"/>
+                  </a:ext>
+                </a:extLst>
+              </p:cNvPr>
+              <p:cNvSpPr/>
+              <p:nvPr/>
+            </p:nvSpPr>
+            <p:spPr>
+              <a:xfrm>
+                <a:off x="2145799" y="2684192"/>
+                <a:ext cx="2784678" cy="298861"/>
+              </a:xfrm>
+              <a:prstGeom prst="rect">
+                <a:avLst/>
+              </a:prstGeom>
+              <a:noFill/>
+              <a:ln w="9525">
+                <a:noFill/>
+              </a:ln>
+            </p:spPr>
+            <p:style>
+              <a:lnRef idx="2">
+                <a:schemeClr val="accent1">
+                  <a:shade val="15000"/>
+                </a:schemeClr>
+              </a:lnRef>
+              <a:fillRef idx="1">
+                <a:schemeClr val="accent1"/>
+              </a:fillRef>
+              <a:effectRef idx="0">
+                <a:schemeClr val="accent1"/>
+              </a:effectRef>
+              <a:fontRef idx="minor">
+                <a:schemeClr val="lt1"/>
+              </a:fontRef>
+            </p:style>
+            <p:txBody>
+              <a:bodyPr rtlCol="0" anchor="ctr"/>
+              <a:lstStyle/>
+              <a:p>
+                <a:r>
+                  <a:rPr lang="en-US" sz="1000" dirty="0">
+                    <a:solidFill>
+                      <a:srgbClr val="FF0000"/>
+                    </a:solidFill>
+                    <a:latin typeface="Avenir Book" panose="02000503020000020003" pitchFamily="2" charset="0"/>
+                  </a:rPr>
+                  <a:t>GET </a:t>
+                </a:r>
+                <a:r>
+                  <a:rPr lang="en-US" sz="1000" dirty="0" err="1">
+                    <a:solidFill>
+                      <a:srgbClr val="FF0000"/>
+                    </a:solidFill>
+                    <a:latin typeface="Avenir Book" panose="02000503020000020003" pitchFamily="2" charset="0"/>
+                  </a:rPr>
+                  <a:t>psrd</a:t>
+                </a:r>
+                <a:endParaRPr lang="en-US" sz="1000" dirty="0">
+                  <a:solidFill>
+                    <a:srgbClr val="FF0000"/>
+                  </a:solidFill>
+                  <a:latin typeface="Avenir Book" panose="02000503020000020003" pitchFamily="2" charset="0"/>
+                </a:endParaRPr>
+              </a:p>
+            </p:txBody>
+          </p:sp>
+        </p:grpSp>
+      </p:grpSp>
+    </p:spTree>
+    <p:extLst>
+      <p:ext uri="{BB962C8B-B14F-4D97-AF65-F5344CB8AC3E}">
+        <p14:creationId xmlns:p14="http://schemas.microsoft.com/office/powerpoint/2010/main" val="2243908987"/>
+      </p:ext>
+    </p:extLst>
+  </p:cSld>
+  <p:clrMapOvr>
+    <a:masterClrMapping/>
+  </p:clrMapOvr>
+</p:sld>
+</file>
+
+<file path=ppt/slides/slide11.xml><?xml version="1.0" encoding="utf-8"?>
 <p:sld xmlns:a="http://schemas.openxmlformats.org/drawingml/2006/main" xmlns:r="http://schemas.openxmlformats.org/officeDocument/2006/relationships" xmlns:p="http://schemas.openxmlformats.org/presentationml/2006/main">
   <p:cSld>
     <p:spTree>
@@ -6005,7 +7914,7 @@
 </p:sld>
 </file>
 
-<file path=ppt/slides/slide11.xml><?xml version="1.0" encoding="utf-8"?>
+<file path=ppt/slides/slide12.xml><?xml version="1.0" encoding="utf-8"?>
 <p:sld xmlns:a="http://schemas.openxmlformats.org/drawingml/2006/main" xmlns:r="http://schemas.openxmlformats.org/officeDocument/2006/relationships" xmlns:p="http://schemas.openxmlformats.org/presentationml/2006/main">
   <p:cSld>
     <p:spTree>
@@ -6924,7 +8833,7 @@
 </p:sld>
 </file>
 
-<file path=ppt/slides/slide12.xml><?xml version="1.0" encoding="utf-8"?>
+<file path=ppt/slides/slide13.xml><?xml version="1.0" encoding="utf-8"?>
 <p:sld xmlns:a="http://schemas.openxmlformats.org/drawingml/2006/main" xmlns:r="http://schemas.openxmlformats.org/officeDocument/2006/relationships" xmlns:p="http://schemas.openxmlformats.org/presentationml/2006/main">
   <p:cSld>
     <p:spTree>
@@ -11858,6 +13767,66 @@
       </p:grpSpPr>
       <p:pic>
         <p:nvPicPr>
+          <p:cNvPr id="6" name="Picture 5">
+            <a:extLst>
+              <a:ext uri="{FF2B5EF4-FFF2-40B4-BE49-F238E27FC236}">
+                <a16:creationId xmlns:a16="http://schemas.microsoft.com/office/drawing/2014/main" id="{43A7B373-2306-E4FA-7FF2-DA7699FBB0F2}"/>
+              </a:ext>
+            </a:extLst>
+          </p:cNvPr>
+          <p:cNvPicPr>
+            <a:picLocks noChangeAspect="1"/>
+          </p:cNvPicPr>
+          <p:nvPr/>
+        </p:nvPicPr>
+        <p:blipFill>
+          <a:blip r:embed="rId2"/>
+          <a:stretch>
+            <a:fillRect/>
+          </a:stretch>
+        </p:blipFill>
+        <p:spPr>
+          <a:xfrm>
+            <a:off x="2209800" y="957557"/>
+            <a:ext cx="7772400" cy="4942886"/>
+          </a:xfrm>
+          <a:prstGeom prst="rect">
+            <a:avLst/>
+          </a:prstGeom>
+        </p:spPr>
+      </p:pic>
+    </p:spTree>
+    <p:extLst>
+      <p:ext uri="{BB962C8B-B14F-4D97-AF65-F5344CB8AC3E}">
+        <p14:creationId xmlns:p14="http://schemas.microsoft.com/office/powerpoint/2010/main" val="791609908"/>
+      </p:ext>
+    </p:extLst>
+  </p:cSld>
+  <p:clrMapOvr>
+    <a:masterClrMapping/>
+  </p:clrMapOvr>
+</p:sld>
+</file>
+
+<file path=ppt/slides/slide3.xml><?xml version="1.0" encoding="utf-8"?>
+<p:sld xmlns:a="http://schemas.openxmlformats.org/drawingml/2006/main" xmlns:r="http://schemas.openxmlformats.org/officeDocument/2006/relationships" xmlns:p="http://schemas.openxmlformats.org/presentationml/2006/main">
+  <p:cSld>
+    <p:spTree>
+      <p:nvGrpSpPr>
+        <p:cNvPr id="1" name=""/>
+        <p:cNvGrpSpPr/>
+        <p:nvPr/>
+      </p:nvGrpSpPr>
+      <p:grpSpPr>
+        <a:xfrm>
+          <a:off x="0" y="0"/>
+          <a:ext cx="0" cy="0"/>
+          <a:chOff x="0" y="0"/>
+          <a:chExt cx="0" cy="0"/>
+        </a:xfrm>
+      </p:grpSpPr>
+      <p:pic>
+        <p:nvPicPr>
           <p:cNvPr id="2" name="Picture 1">
             <a:extLst>
               <a:ext uri="{FF2B5EF4-FFF2-40B4-BE49-F238E27FC236}">
@@ -11899,7 +13868,7 @@
 </p:sld>
 </file>
 
-<file path=ppt/slides/slide3.xml><?xml version="1.0" encoding="utf-8"?>
+<file path=ppt/slides/slide4.xml><?xml version="1.0" encoding="utf-8"?>
 <p:sld xmlns:a="http://schemas.openxmlformats.org/drawingml/2006/main" xmlns:r="http://schemas.openxmlformats.org/officeDocument/2006/relationships" xmlns:p="http://schemas.openxmlformats.org/presentationml/2006/main">
   <p:cSld>
     <p:spTree>
@@ -11959,7 +13928,7 @@
 </p:sld>
 </file>
 
-<file path=ppt/slides/slide4.xml><?xml version="1.0" encoding="utf-8"?>
+<file path=ppt/slides/slide5.xml><?xml version="1.0" encoding="utf-8"?>
 <p:sld xmlns:a="http://schemas.openxmlformats.org/drawingml/2006/main" xmlns:r="http://schemas.openxmlformats.org/officeDocument/2006/relationships" xmlns:p="http://schemas.openxmlformats.org/presentationml/2006/main">
   <p:cSld>
     <p:spTree>
@@ -14465,7 +16434,7 @@
 </p:sld>
 </file>
 
-<file path=ppt/slides/slide5.xml><?xml version="1.0" encoding="utf-8"?>
+<file path=ppt/slides/slide6.xml><?xml version="1.0" encoding="utf-8"?>
 <p:sld xmlns:a="http://schemas.openxmlformats.org/drawingml/2006/main" xmlns:r="http://schemas.openxmlformats.org/officeDocument/2006/relationships" xmlns:p="http://schemas.openxmlformats.org/presentationml/2006/main">
   <p:cSld>
     <p:spTree>
@@ -17921,7 +19890,7 @@
 </p:sld>
 </file>
 
-<file path=ppt/slides/slide6.xml><?xml version="1.0" encoding="utf-8"?>
+<file path=ppt/slides/slide7.xml><?xml version="1.0" encoding="utf-8"?>
 <p:sld xmlns:a="http://schemas.openxmlformats.org/drawingml/2006/main" xmlns:r="http://schemas.openxmlformats.org/officeDocument/2006/relationships" xmlns:p="http://schemas.openxmlformats.org/presentationml/2006/main">
   <p:cSld>
     <p:spTree>
@@ -21297,7 +23266,7 @@
 </p:sld>
 </file>
 
-<file path=ppt/slides/slide7.xml><?xml version="1.0" encoding="utf-8"?>
+<file path=ppt/slides/slide8.xml><?xml version="1.0" encoding="utf-8"?>
 <p:sld xmlns:a="http://schemas.openxmlformats.org/drawingml/2006/main" xmlns:r="http://schemas.openxmlformats.org/officeDocument/2006/relationships" xmlns:p="http://schemas.openxmlformats.org/presentationml/2006/main">
   <p:cSld>
     <p:spTree>
@@ -22406,7 +24375,7 @@
 </p:sld>
 </file>
 
-<file path=ppt/slides/slide8.xml><?xml version="1.0" encoding="utf-8"?>
+<file path=ppt/slides/slide9.xml><?xml version="1.0" encoding="utf-8"?>
 <p:sld xmlns:a="http://schemas.openxmlformats.org/drawingml/2006/main" xmlns:r="http://schemas.openxmlformats.org/officeDocument/2006/relationships" xmlns:p="http://schemas.openxmlformats.org/presentationml/2006/main">
   <p:cSld>
     <p:spTree>
@@ -24917,1783 +26886,6 @@
     <p:extLst>
       <p:ext uri="{BB962C8B-B14F-4D97-AF65-F5344CB8AC3E}">
         <p14:creationId xmlns:p14="http://schemas.microsoft.com/office/powerpoint/2010/main" val="3347430111"/>
-      </p:ext>
-    </p:extLst>
-  </p:cSld>
-  <p:clrMapOvr>
-    <a:masterClrMapping/>
-  </p:clrMapOvr>
-</p:sld>
-</file>
-
-<file path=ppt/slides/slide9.xml><?xml version="1.0" encoding="utf-8"?>
-<p:sld xmlns:a="http://schemas.openxmlformats.org/drawingml/2006/main" xmlns:r="http://schemas.openxmlformats.org/officeDocument/2006/relationships" xmlns:p="http://schemas.openxmlformats.org/presentationml/2006/main">
-  <p:cSld>
-    <p:spTree>
-      <p:nvGrpSpPr>
-        <p:cNvPr id="1" name=""/>
-        <p:cNvGrpSpPr/>
-        <p:nvPr/>
-      </p:nvGrpSpPr>
-      <p:grpSpPr>
-        <a:xfrm>
-          <a:off x="0" y="0"/>
-          <a:ext cx="0" cy="0"/>
-          <a:chOff x="0" y="0"/>
-          <a:chExt cx="0" cy="0"/>
-        </a:xfrm>
-      </p:grpSpPr>
-      <p:grpSp>
-        <p:nvGrpSpPr>
-          <p:cNvPr id="13" name="Group 12">
-            <a:extLst>
-              <a:ext uri="{FF2B5EF4-FFF2-40B4-BE49-F238E27FC236}">
-                <a16:creationId xmlns:a16="http://schemas.microsoft.com/office/drawing/2014/main" id="{3116D5A4-77C1-CADF-0372-1CE15D96B3F7}"/>
-              </a:ext>
-            </a:extLst>
-          </p:cNvPr>
-          <p:cNvGrpSpPr/>
-          <p:nvPr/>
-        </p:nvGrpSpPr>
-        <p:grpSpPr>
-          <a:xfrm>
-            <a:off x="9649561" y="1434512"/>
-            <a:ext cx="600778" cy="3537023"/>
-            <a:chOff x="3608757" y="1282112"/>
-            <a:chExt cx="600778" cy="3537023"/>
-          </a:xfrm>
-        </p:grpSpPr>
-        <p:sp>
-          <p:nvSpPr>
-            <p:cNvPr id="2" name="Rectangle 1">
-              <a:extLst>
-                <a:ext uri="{FF2B5EF4-FFF2-40B4-BE49-F238E27FC236}">
-                  <a16:creationId xmlns:a16="http://schemas.microsoft.com/office/drawing/2014/main" id="{8D9F02F5-5029-4E5E-E371-20BF19D8B497}"/>
-                </a:ext>
-              </a:extLst>
-            </p:cNvPr>
-            <p:cNvSpPr/>
-            <p:nvPr/>
-          </p:nvSpPr>
-          <p:spPr>
-            <a:xfrm>
-              <a:off x="3608757" y="1282112"/>
-              <a:ext cx="600778" cy="600778"/>
-            </a:xfrm>
-            <a:prstGeom prst="rect">
-              <a:avLst/>
-            </a:prstGeom>
-            <a:solidFill>
-              <a:schemeClr val="tx2">
-                <a:lumMod val="10000"/>
-                <a:lumOff val="90000"/>
-              </a:schemeClr>
-            </a:solidFill>
-            <a:ln w="9525"/>
-          </p:spPr>
-          <p:style>
-            <a:lnRef idx="2">
-              <a:schemeClr val="accent1">
-                <a:shade val="15000"/>
-              </a:schemeClr>
-            </a:lnRef>
-            <a:fillRef idx="1">
-              <a:schemeClr val="accent1"/>
-            </a:fillRef>
-            <a:effectRef idx="0">
-              <a:schemeClr val="accent1"/>
-            </a:effectRef>
-            <a:fontRef idx="minor">
-              <a:schemeClr val="lt1"/>
-            </a:fontRef>
-          </p:style>
-          <p:txBody>
-            <a:bodyPr rtlCol="0" anchor="ctr"/>
-            <a:lstStyle/>
-            <a:p>
-              <a:pPr algn="ctr"/>
-              <a:r>
-                <a:rPr lang="en-US" sz="1000" dirty="0">
-                  <a:solidFill>
-                    <a:schemeClr val="tx1"/>
-                  </a:solidFill>
-                  <a:latin typeface="Avenir Book" panose="02000503020000020003" pitchFamily="2" charset="0"/>
-                </a:rPr>
-                <a:t>Conny</a:t>
-              </a:r>
-            </a:p>
-          </p:txBody>
-        </p:sp>
-        <p:cxnSp>
-          <p:nvCxnSpPr>
-            <p:cNvPr id="3" name="Straight Connector 2">
-              <a:extLst>
-                <a:ext uri="{FF2B5EF4-FFF2-40B4-BE49-F238E27FC236}">
-                  <a16:creationId xmlns:a16="http://schemas.microsoft.com/office/drawing/2014/main" id="{387D53CB-DA6A-2BCF-9E1C-B6547719F656}"/>
-                </a:ext>
-              </a:extLst>
-            </p:cNvPr>
-            <p:cNvCxnSpPr>
-              <a:cxnSpLocks/>
-              <a:stCxn id="2" idx="2"/>
-            </p:cNvCxnSpPr>
-            <p:nvPr/>
-          </p:nvCxnSpPr>
-          <p:spPr>
-            <a:xfrm>
-              <a:off x="3909146" y="1882890"/>
-              <a:ext cx="0" cy="2936245"/>
-            </a:xfrm>
-            <a:prstGeom prst="line">
-              <a:avLst/>
-            </a:prstGeom>
-            <a:ln w="9525">
-              <a:solidFill>
-                <a:schemeClr val="tx1"/>
-              </a:solidFill>
-            </a:ln>
-          </p:spPr>
-          <p:style>
-            <a:lnRef idx="2">
-              <a:schemeClr val="accent1"/>
-            </a:lnRef>
-            <a:fillRef idx="0">
-              <a:schemeClr val="accent1"/>
-            </a:fillRef>
-            <a:effectRef idx="1">
-              <a:schemeClr val="accent1"/>
-            </a:effectRef>
-            <a:fontRef idx="minor">
-              <a:schemeClr val="tx1"/>
-            </a:fontRef>
-          </p:style>
-        </p:cxnSp>
-      </p:grpSp>
-      <p:grpSp>
-        <p:nvGrpSpPr>
-          <p:cNvPr id="14" name="Group 13">
-            <a:extLst>
-              <a:ext uri="{FF2B5EF4-FFF2-40B4-BE49-F238E27FC236}">
-                <a16:creationId xmlns:a16="http://schemas.microsoft.com/office/drawing/2014/main" id="{F9060226-1E25-9836-5D17-38D67E230D2F}"/>
-              </a:ext>
-            </a:extLst>
-          </p:cNvPr>
-          <p:cNvGrpSpPr/>
-          <p:nvPr/>
-        </p:nvGrpSpPr>
-        <p:grpSpPr>
-          <a:xfrm>
-            <a:off x="1845411" y="1434512"/>
-            <a:ext cx="600778" cy="3537023"/>
-            <a:chOff x="3608757" y="1282112"/>
-            <a:chExt cx="600778" cy="3537023"/>
-          </a:xfrm>
-        </p:grpSpPr>
-        <p:sp>
-          <p:nvSpPr>
-            <p:cNvPr id="15" name="Rectangle 14">
-              <a:extLst>
-                <a:ext uri="{FF2B5EF4-FFF2-40B4-BE49-F238E27FC236}">
-                  <a16:creationId xmlns:a16="http://schemas.microsoft.com/office/drawing/2014/main" id="{62A114E7-049C-D8D1-35C7-FAB12170CC9B}"/>
-                </a:ext>
-              </a:extLst>
-            </p:cNvPr>
-            <p:cNvSpPr/>
-            <p:nvPr/>
-          </p:nvSpPr>
-          <p:spPr>
-            <a:xfrm>
-              <a:off x="3608757" y="1282112"/>
-              <a:ext cx="600778" cy="600778"/>
-            </a:xfrm>
-            <a:prstGeom prst="rect">
-              <a:avLst/>
-            </a:prstGeom>
-            <a:solidFill>
-              <a:schemeClr val="tx2">
-                <a:lumMod val="10000"/>
-                <a:lumOff val="90000"/>
-              </a:schemeClr>
-            </a:solidFill>
-            <a:ln w="9525"/>
-          </p:spPr>
-          <p:style>
-            <a:lnRef idx="2">
-              <a:schemeClr val="accent1">
-                <a:shade val="15000"/>
-              </a:schemeClr>
-            </a:lnRef>
-            <a:fillRef idx="1">
-              <a:schemeClr val="accent1"/>
-            </a:fillRef>
-            <a:effectRef idx="0">
-              <a:schemeClr val="accent1"/>
-            </a:effectRef>
-            <a:fontRef idx="minor">
-              <a:schemeClr val="lt1"/>
-            </a:fontRef>
-          </p:style>
-          <p:txBody>
-            <a:bodyPr rtlCol="0" anchor="ctr"/>
-            <a:lstStyle/>
-            <a:p>
-              <a:pPr algn="ctr"/>
-              <a:r>
-                <a:rPr lang="en-US" sz="1000" dirty="0">
-                  <a:solidFill>
-                    <a:schemeClr val="tx1"/>
-                  </a:solidFill>
-                  <a:latin typeface="Avenir Book" panose="02000503020000020003" pitchFamily="2" charset="0"/>
-                </a:rPr>
-                <a:t>Carol</a:t>
-              </a:r>
-            </a:p>
-          </p:txBody>
-        </p:sp>
-        <p:cxnSp>
-          <p:nvCxnSpPr>
-            <p:cNvPr id="16" name="Straight Connector 15">
-              <a:extLst>
-                <a:ext uri="{FF2B5EF4-FFF2-40B4-BE49-F238E27FC236}">
-                  <a16:creationId xmlns:a16="http://schemas.microsoft.com/office/drawing/2014/main" id="{DFB3D1A6-1E80-7B8A-BB8B-17052F348BE5}"/>
-                </a:ext>
-              </a:extLst>
-            </p:cNvPr>
-            <p:cNvCxnSpPr>
-              <a:cxnSpLocks/>
-              <a:stCxn id="15" idx="2"/>
-            </p:cNvCxnSpPr>
-            <p:nvPr/>
-          </p:nvCxnSpPr>
-          <p:spPr>
-            <a:xfrm>
-              <a:off x="3909146" y="1882890"/>
-              <a:ext cx="0" cy="2936245"/>
-            </a:xfrm>
-            <a:prstGeom prst="line">
-              <a:avLst/>
-            </a:prstGeom>
-            <a:ln w="9525">
-              <a:solidFill>
-                <a:schemeClr val="tx1"/>
-              </a:solidFill>
-            </a:ln>
-          </p:spPr>
-          <p:style>
-            <a:lnRef idx="2">
-              <a:schemeClr val="accent1"/>
-            </a:lnRef>
-            <a:fillRef idx="0">
-              <a:schemeClr val="accent1"/>
-            </a:fillRef>
-            <a:effectRef idx="1">
-              <a:schemeClr val="accent1"/>
-            </a:effectRef>
-            <a:fontRef idx="minor">
-              <a:schemeClr val="tx1"/>
-            </a:fontRef>
-          </p:style>
-        </p:cxnSp>
-      </p:grpSp>
-      <p:grpSp>
-        <p:nvGrpSpPr>
-          <p:cNvPr id="20" name="Group 19">
-            <a:extLst>
-              <a:ext uri="{FF2B5EF4-FFF2-40B4-BE49-F238E27FC236}">
-                <a16:creationId xmlns:a16="http://schemas.microsoft.com/office/drawing/2014/main" id="{788DBFFC-48F1-8A7F-B13D-BE181395E5A3}"/>
-              </a:ext>
-            </a:extLst>
-          </p:cNvPr>
-          <p:cNvGrpSpPr/>
-          <p:nvPr/>
-        </p:nvGrpSpPr>
-        <p:grpSpPr>
-          <a:xfrm>
-            <a:off x="5041237" y="1434512"/>
-            <a:ext cx="600777" cy="3537023"/>
-            <a:chOff x="4840314" y="1500414"/>
-            <a:chExt cx="600777" cy="3537023"/>
-          </a:xfrm>
-        </p:grpSpPr>
-        <p:sp>
-          <p:nvSpPr>
-            <p:cNvPr id="17" name="Oval 16">
-              <a:extLst>
-                <a:ext uri="{FF2B5EF4-FFF2-40B4-BE49-F238E27FC236}">
-                  <a16:creationId xmlns:a16="http://schemas.microsoft.com/office/drawing/2014/main" id="{590E73C1-CE61-2736-50F1-35BD38C83939}"/>
-                </a:ext>
-              </a:extLst>
-            </p:cNvPr>
-            <p:cNvSpPr/>
-            <p:nvPr/>
-          </p:nvSpPr>
-          <p:spPr>
-            <a:xfrm>
-              <a:off x="4840314" y="1500414"/>
-              <a:ext cx="600777" cy="600778"/>
-            </a:xfrm>
-            <a:prstGeom prst="ellipse">
-              <a:avLst/>
-            </a:prstGeom>
-            <a:solidFill>
-              <a:schemeClr val="tx2">
-                <a:lumMod val="10000"/>
-                <a:lumOff val="90000"/>
-              </a:schemeClr>
-            </a:solidFill>
-            <a:ln w="6350"/>
-          </p:spPr>
-          <p:style>
-            <a:lnRef idx="2">
-              <a:schemeClr val="accent1">
-                <a:shade val="15000"/>
-              </a:schemeClr>
-            </a:lnRef>
-            <a:fillRef idx="1">
-              <a:schemeClr val="accent1"/>
-            </a:fillRef>
-            <a:effectRef idx="0">
-              <a:schemeClr val="accent1"/>
-            </a:effectRef>
-            <a:fontRef idx="minor">
-              <a:schemeClr val="lt1"/>
-            </a:fontRef>
-          </p:style>
-          <p:txBody>
-            <a:bodyPr lIns="0" tIns="0" rIns="0" bIns="0" rtlCol="0" anchor="ctr"/>
-            <a:lstStyle/>
-            <a:p>
-              <a:pPr algn="ctr"/>
-              <a:r>
-                <a:rPr lang="en-US" sz="1000" dirty="0">
-                  <a:solidFill>
-                    <a:schemeClr val="tx1"/>
-                  </a:solidFill>
-                  <a:latin typeface="AVENIR LIGHT OBLIQUE" panose="020B0402020203090204" pitchFamily="34" charset="77"/>
-                </a:rPr>
-                <a:t>Hank</a:t>
-              </a:r>
-            </a:p>
-          </p:txBody>
-        </p:sp>
-        <p:cxnSp>
-          <p:nvCxnSpPr>
-            <p:cNvPr id="18" name="Straight Connector 17">
-              <a:extLst>
-                <a:ext uri="{FF2B5EF4-FFF2-40B4-BE49-F238E27FC236}">
-                  <a16:creationId xmlns:a16="http://schemas.microsoft.com/office/drawing/2014/main" id="{E2008D6F-05C4-984B-F63F-F69B4E6F3EC0}"/>
-                </a:ext>
-              </a:extLst>
-            </p:cNvPr>
-            <p:cNvCxnSpPr>
-              <a:cxnSpLocks/>
-              <a:stCxn id="17" idx="4"/>
-            </p:cNvCxnSpPr>
-            <p:nvPr/>
-          </p:nvCxnSpPr>
-          <p:spPr>
-            <a:xfrm>
-              <a:off x="5140703" y="2101192"/>
-              <a:ext cx="4410" cy="2936245"/>
-            </a:xfrm>
-            <a:prstGeom prst="line">
-              <a:avLst/>
-            </a:prstGeom>
-            <a:ln w="9525">
-              <a:solidFill>
-                <a:schemeClr val="tx1"/>
-              </a:solidFill>
-            </a:ln>
-          </p:spPr>
-          <p:style>
-            <a:lnRef idx="2">
-              <a:schemeClr val="accent1"/>
-            </a:lnRef>
-            <a:fillRef idx="0">
-              <a:schemeClr val="accent1"/>
-            </a:fillRef>
-            <a:effectRef idx="1">
-              <a:schemeClr val="accent1"/>
-            </a:effectRef>
-            <a:fontRef idx="minor">
-              <a:schemeClr val="tx1"/>
-            </a:fontRef>
-          </p:style>
-        </p:cxnSp>
-      </p:grpSp>
-      <p:grpSp>
-        <p:nvGrpSpPr>
-          <p:cNvPr id="21" name="Group 20">
-            <a:extLst>
-              <a:ext uri="{FF2B5EF4-FFF2-40B4-BE49-F238E27FC236}">
-                <a16:creationId xmlns:a16="http://schemas.microsoft.com/office/drawing/2014/main" id="{17BD5C65-21CD-0985-5807-1FF66B77FB6C}"/>
-              </a:ext>
-            </a:extLst>
-          </p:cNvPr>
-          <p:cNvGrpSpPr/>
-          <p:nvPr/>
-        </p:nvGrpSpPr>
-        <p:grpSpPr>
-          <a:xfrm>
-            <a:off x="6452685" y="1434512"/>
-            <a:ext cx="600777" cy="3537023"/>
-            <a:chOff x="4840314" y="1500414"/>
-            <a:chExt cx="600777" cy="3537023"/>
-          </a:xfrm>
-        </p:grpSpPr>
-        <p:sp>
-          <p:nvSpPr>
-            <p:cNvPr id="22" name="Oval 21">
-              <a:extLst>
-                <a:ext uri="{FF2B5EF4-FFF2-40B4-BE49-F238E27FC236}">
-                  <a16:creationId xmlns:a16="http://schemas.microsoft.com/office/drawing/2014/main" id="{01D47920-01FC-30AB-478E-AF8493776FDC}"/>
-                </a:ext>
-              </a:extLst>
-            </p:cNvPr>
-            <p:cNvSpPr/>
-            <p:nvPr/>
-          </p:nvSpPr>
-          <p:spPr>
-            <a:xfrm>
-              <a:off x="4840314" y="1500414"/>
-              <a:ext cx="600777" cy="600778"/>
-            </a:xfrm>
-            <a:prstGeom prst="ellipse">
-              <a:avLst/>
-            </a:prstGeom>
-            <a:solidFill>
-              <a:schemeClr val="tx2">
-                <a:lumMod val="10000"/>
-                <a:lumOff val="90000"/>
-              </a:schemeClr>
-            </a:solidFill>
-            <a:ln w="6350"/>
-          </p:spPr>
-          <p:style>
-            <a:lnRef idx="2">
-              <a:schemeClr val="accent1">
-                <a:shade val="15000"/>
-              </a:schemeClr>
-            </a:lnRef>
-            <a:fillRef idx="1">
-              <a:schemeClr val="accent1"/>
-            </a:fillRef>
-            <a:effectRef idx="0">
-              <a:schemeClr val="accent1"/>
-            </a:effectRef>
-            <a:fontRef idx="minor">
-              <a:schemeClr val="lt1"/>
-            </a:fontRef>
-          </p:style>
-          <p:txBody>
-            <a:bodyPr lIns="0" tIns="0" rIns="0" bIns="0" rtlCol="0" anchor="ctr"/>
-            <a:lstStyle/>
-            <a:p>
-              <a:pPr algn="ctr"/>
-              <a:r>
-                <a:rPr lang="en-US" sz="1000" dirty="0">
-                  <a:solidFill>
-                    <a:schemeClr val="tx1"/>
-                  </a:solidFill>
-                  <a:latin typeface="AVENIR LIGHT OBLIQUE" panose="020B0402020203090204" pitchFamily="34" charset="77"/>
-                </a:rPr>
-                <a:t>Hugo</a:t>
-              </a:r>
-            </a:p>
-          </p:txBody>
-        </p:sp>
-        <p:cxnSp>
-          <p:nvCxnSpPr>
-            <p:cNvPr id="23" name="Straight Connector 22">
-              <a:extLst>
-                <a:ext uri="{FF2B5EF4-FFF2-40B4-BE49-F238E27FC236}">
-                  <a16:creationId xmlns:a16="http://schemas.microsoft.com/office/drawing/2014/main" id="{95C70D6F-C628-A58E-3202-1C5B56088961}"/>
-                </a:ext>
-              </a:extLst>
-            </p:cNvPr>
-            <p:cNvCxnSpPr>
-              <a:cxnSpLocks/>
-              <a:stCxn id="22" idx="4"/>
-            </p:cNvCxnSpPr>
-            <p:nvPr/>
-          </p:nvCxnSpPr>
-          <p:spPr>
-            <a:xfrm>
-              <a:off x="5140703" y="2101192"/>
-              <a:ext cx="4410" cy="2936245"/>
-            </a:xfrm>
-            <a:prstGeom prst="line">
-              <a:avLst/>
-            </a:prstGeom>
-            <a:ln w="9525">
-              <a:solidFill>
-                <a:schemeClr val="tx1"/>
-              </a:solidFill>
-            </a:ln>
-          </p:spPr>
-          <p:style>
-            <a:lnRef idx="2">
-              <a:schemeClr val="accent1"/>
-            </a:lnRef>
-            <a:fillRef idx="0">
-              <a:schemeClr val="accent1"/>
-            </a:fillRef>
-            <a:effectRef idx="1">
-              <a:schemeClr val="accent1"/>
-            </a:effectRef>
-            <a:fontRef idx="minor">
-              <a:schemeClr val="tx1"/>
-            </a:fontRef>
-          </p:style>
-        </p:cxnSp>
-      </p:grpSp>
-      <p:sp>
-        <p:nvSpPr>
-          <p:cNvPr id="24" name="Rectangle 23">
-            <a:extLst>
-              <a:ext uri="{FF2B5EF4-FFF2-40B4-BE49-F238E27FC236}">
-                <a16:creationId xmlns:a16="http://schemas.microsoft.com/office/drawing/2014/main" id="{0F6B5FC9-1875-13A1-9A55-B850810A7F34}"/>
-              </a:ext>
-            </a:extLst>
-          </p:cNvPr>
-          <p:cNvSpPr/>
-          <p:nvPr/>
-        </p:nvSpPr>
-        <p:spPr>
-          <a:xfrm>
-            <a:off x="575426" y="1027238"/>
-            <a:ext cx="11045074" cy="4396250"/>
-          </a:xfrm>
-          <a:prstGeom prst="rect">
-            <a:avLst/>
-          </a:prstGeom>
-          <a:noFill/>
-          <a:ln w="9525">
-            <a:solidFill>
-              <a:schemeClr val="bg1">
-                <a:lumMod val="65000"/>
-              </a:schemeClr>
-            </a:solidFill>
-          </a:ln>
-        </p:spPr>
-        <p:style>
-          <a:lnRef idx="2">
-            <a:schemeClr val="accent1">
-              <a:shade val="15000"/>
-            </a:schemeClr>
-          </a:lnRef>
-          <a:fillRef idx="1">
-            <a:schemeClr val="accent1"/>
-          </a:fillRef>
-          <a:effectRef idx="0">
-            <a:schemeClr val="accent1"/>
-          </a:effectRef>
-          <a:fontRef idx="minor">
-            <a:schemeClr val="lt1"/>
-          </a:fontRef>
-        </p:style>
-        <p:txBody>
-          <a:bodyPr rtlCol="0" anchor="ctr"/>
-          <a:lstStyle/>
-          <a:p>
-            <a:pPr algn="ctr"/>
-            <a:endParaRPr lang="en-US" sz="1000" dirty="0">
-              <a:solidFill>
-                <a:schemeClr val="tx1"/>
-              </a:solidFill>
-              <a:latin typeface="Avenir Book" panose="02000503020000020003" pitchFamily="2" charset="0"/>
-            </a:endParaRPr>
-          </a:p>
-        </p:txBody>
-      </p:sp>
-      <p:sp>
-        <p:nvSpPr>
-          <p:cNvPr id="25" name="Rectangle 24">
-            <a:extLst>
-              <a:ext uri="{FF2B5EF4-FFF2-40B4-BE49-F238E27FC236}">
-                <a16:creationId xmlns:a16="http://schemas.microsoft.com/office/drawing/2014/main" id="{6CD4514A-45F2-9200-D9C4-371DE023D7F8}"/>
-              </a:ext>
-            </a:extLst>
-          </p:cNvPr>
-          <p:cNvSpPr/>
-          <p:nvPr/>
-        </p:nvSpPr>
-        <p:spPr>
-          <a:xfrm>
-            <a:off x="5462324" y="1301780"/>
-            <a:ext cx="1203948" cy="600778"/>
-          </a:xfrm>
-          <a:prstGeom prst="rect">
-            <a:avLst/>
-          </a:prstGeom>
-          <a:noFill/>
-          <a:ln w="9525">
-            <a:noFill/>
-          </a:ln>
-        </p:spPr>
-        <p:style>
-          <a:lnRef idx="2">
-            <a:schemeClr val="accent1">
-              <a:shade val="15000"/>
-            </a:schemeClr>
-          </a:lnRef>
-          <a:fillRef idx="1">
-            <a:schemeClr val="accent1"/>
-          </a:fillRef>
-          <a:effectRef idx="0">
-            <a:schemeClr val="accent1"/>
-          </a:effectRef>
-          <a:fontRef idx="minor">
-            <a:schemeClr val="lt1"/>
-          </a:fontRef>
-        </p:style>
-        <p:txBody>
-          <a:bodyPr rtlCol="0" anchor="ctr"/>
-          <a:lstStyle/>
-          <a:p>
-            <a:pPr algn="ctr"/>
-            <a:r>
-              <a:rPr lang="en-US" sz="4000" dirty="0">
-                <a:solidFill>
-                  <a:schemeClr val="tx1"/>
-                </a:solidFill>
-                <a:latin typeface="Avenir Book" panose="02000503020000020003" pitchFamily="2" charset="0"/>
-              </a:rPr>
-              <a:t>...</a:t>
-            </a:r>
-          </a:p>
-        </p:txBody>
-      </p:sp>
-      <p:grpSp>
-        <p:nvGrpSpPr>
-          <p:cNvPr id="35" name="Group 34">
-            <a:extLst>
-              <a:ext uri="{FF2B5EF4-FFF2-40B4-BE49-F238E27FC236}">
-                <a16:creationId xmlns:a16="http://schemas.microsoft.com/office/drawing/2014/main" id="{F945E0F3-5B89-C3E6-C48C-891A71320874}"/>
-              </a:ext>
-            </a:extLst>
-          </p:cNvPr>
-          <p:cNvGrpSpPr/>
-          <p:nvPr/>
-        </p:nvGrpSpPr>
-        <p:grpSpPr>
-          <a:xfrm>
-            <a:off x="2145799" y="2077799"/>
-            <a:ext cx="3195826" cy="612038"/>
-            <a:chOff x="2145799" y="2684192"/>
-            <a:chExt cx="3195826" cy="612038"/>
-          </a:xfrm>
-        </p:grpSpPr>
-        <p:grpSp>
-          <p:nvGrpSpPr>
-            <p:cNvPr id="31" name="Group 30">
-              <a:extLst>
-                <a:ext uri="{FF2B5EF4-FFF2-40B4-BE49-F238E27FC236}">
-                  <a16:creationId xmlns:a16="http://schemas.microsoft.com/office/drawing/2014/main" id="{C7252AA2-859F-3FA4-8A67-65BCCAB56F56}"/>
-                </a:ext>
-              </a:extLst>
-            </p:cNvPr>
-            <p:cNvGrpSpPr/>
-            <p:nvPr/>
-          </p:nvGrpSpPr>
-          <p:grpSpPr>
-            <a:xfrm>
-              <a:off x="2145799" y="2684192"/>
-              <a:ext cx="3195826" cy="298861"/>
-              <a:chOff x="2145799" y="2684192"/>
-              <a:chExt cx="3195826" cy="298861"/>
-            </a:xfrm>
-          </p:grpSpPr>
-          <p:cxnSp>
-            <p:nvCxnSpPr>
-              <p:cNvPr id="27" name="Straight Connector 26">
-                <a:extLst>
-                  <a:ext uri="{FF2B5EF4-FFF2-40B4-BE49-F238E27FC236}">
-                    <a16:creationId xmlns:a16="http://schemas.microsoft.com/office/drawing/2014/main" id="{E7E85747-01A3-5EC6-D841-BF173DAB9362}"/>
-                  </a:ext>
-                </a:extLst>
-              </p:cNvPr>
-              <p:cNvCxnSpPr>
-                <a:cxnSpLocks/>
-              </p:cNvCxnSpPr>
-              <p:nvPr/>
-            </p:nvCxnSpPr>
-            <p:spPr>
-              <a:xfrm flipH="1">
-                <a:off x="2145799" y="2934929"/>
-                <a:ext cx="3195826" cy="0"/>
-              </a:xfrm>
-              <a:prstGeom prst="line">
-                <a:avLst/>
-              </a:prstGeom>
-              <a:ln w="9525">
-                <a:solidFill>
-                  <a:srgbClr val="FF0000"/>
-                </a:solidFill>
-                <a:headEnd type="triangle"/>
-              </a:ln>
-            </p:spPr>
-            <p:style>
-              <a:lnRef idx="2">
-                <a:schemeClr val="accent1"/>
-              </a:lnRef>
-              <a:fillRef idx="0">
-                <a:schemeClr val="accent1"/>
-              </a:fillRef>
-              <a:effectRef idx="1">
-                <a:schemeClr val="accent1"/>
-              </a:effectRef>
-              <a:fontRef idx="minor">
-                <a:schemeClr val="tx1"/>
-              </a:fontRef>
-            </p:style>
-          </p:cxnSp>
-          <p:sp>
-            <p:nvSpPr>
-              <p:cNvPr id="30" name="Rectangle 29">
-                <a:extLst>
-                  <a:ext uri="{FF2B5EF4-FFF2-40B4-BE49-F238E27FC236}">
-                    <a16:creationId xmlns:a16="http://schemas.microsoft.com/office/drawing/2014/main" id="{8F5122EC-8E1F-DE8B-5685-836CD4D299F6}"/>
-                  </a:ext>
-                </a:extLst>
-              </p:cNvPr>
-              <p:cNvSpPr/>
-              <p:nvPr/>
-            </p:nvSpPr>
-            <p:spPr>
-              <a:xfrm>
-                <a:off x="2145799" y="2684192"/>
-                <a:ext cx="2784678" cy="298861"/>
-              </a:xfrm>
-              <a:prstGeom prst="rect">
-                <a:avLst/>
-              </a:prstGeom>
-              <a:noFill/>
-              <a:ln w="9525">
-                <a:noFill/>
-              </a:ln>
-            </p:spPr>
-            <p:style>
-              <a:lnRef idx="2">
-                <a:schemeClr val="accent1">
-                  <a:shade val="15000"/>
-                </a:schemeClr>
-              </a:lnRef>
-              <a:fillRef idx="1">
-                <a:schemeClr val="accent1"/>
-              </a:fillRef>
-              <a:effectRef idx="0">
-                <a:schemeClr val="accent1"/>
-              </a:effectRef>
-              <a:fontRef idx="minor">
-                <a:schemeClr val="lt1"/>
-              </a:fontRef>
-            </p:style>
-            <p:txBody>
-              <a:bodyPr rtlCol="0" anchor="ctr"/>
-              <a:lstStyle/>
-              <a:p>
-                <a:r>
-                  <a:rPr lang="en-US" sz="1000" dirty="0">
-                    <a:solidFill>
-                      <a:srgbClr val="FF0000"/>
-                    </a:solidFill>
-                    <a:latin typeface="Avenir Book" panose="02000503020000020003" pitchFamily="2" charset="0"/>
-                  </a:rPr>
-                  <a:t>PUT registration</a:t>
-                </a:r>
-              </a:p>
-            </p:txBody>
-          </p:sp>
-        </p:grpSp>
-        <p:grpSp>
-          <p:nvGrpSpPr>
-            <p:cNvPr id="32" name="Group 31">
-              <a:extLst>
-                <a:ext uri="{FF2B5EF4-FFF2-40B4-BE49-F238E27FC236}">
-                  <a16:creationId xmlns:a16="http://schemas.microsoft.com/office/drawing/2014/main" id="{BBA2A2DD-8DF3-80E0-FF55-77291C7B0B60}"/>
-                </a:ext>
-              </a:extLst>
-            </p:cNvPr>
-            <p:cNvGrpSpPr/>
-            <p:nvPr/>
-          </p:nvGrpSpPr>
-          <p:grpSpPr>
-            <a:xfrm>
-              <a:off x="2145799" y="2997369"/>
-              <a:ext cx="3195826" cy="298861"/>
-              <a:chOff x="2145799" y="2684192"/>
-              <a:chExt cx="3195826" cy="298861"/>
-            </a:xfrm>
-          </p:grpSpPr>
-          <p:cxnSp>
-            <p:nvCxnSpPr>
-              <p:cNvPr id="33" name="Straight Connector 32">
-                <a:extLst>
-                  <a:ext uri="{FF2B5EF4-FFF2-40B4-BE49-F238E27FC236}">
-                    <a16:creationId xmlns:a16="http://schemas.microsoft.com/office/drawing/2014/main" id="{65CA86CA-BDC4-A983-82B9-B8D39E73DCCD}"/>
-                  </a:ext>
-                </a:extLst>
-              </p:cNvPr>
-              <p:cNvCxnSpPr>
-                <a:cxnSpLocks/>
-              </p:cNvCxnSpPr>
-              <p:nvPr/>
-            </p:nvCxnSpPr>
-            <p:spPr>
-              <a:xfrm flipH="1">
-                <a:off x="2145799" y="2934929"/>
-                <a:ext cx="3195826" cy="0"/>
-              </a:xfrm>
-              <a:prstGeom prst="line">
-                <a:avLst/>
-              </a:prstGeom>
-              <a:ln w="9525">
-                <a:solidFill>
-                  <a:srgbClr val="FF0000"/>
-                </a:solidFill>
-                <a:headEnd type="triangle"/>
-              </a:ln>
-            </p:spPr>
-            <p:style>
-              <a:lnRef idx="2">
-                <a:schemeClr val="accent1"/>
-              </a:lnRef>
-              <a:fillRef idx="0">
-                <a:schemeClr val="accent1"/>
-              </a:fillRef>
-              <a:effectRef idx="1">
-                <a:schemeClr val="accent1"/>
-              </a:effectRef>
-              <a:fontRef idx="minor">
-                <a:schemeClr val="tx1"/>
-              </a:fontRef>
-            </p:style>
-          </p:cxnSp>
-          <p:sp>
-            <p:nvSpPr>
-              <p:cNvPr id="34" name="Rectangle 33">
-                <a:extLst>
-                  <a:ext uri="{FF2B5EF4-FFF2-40B4-BE49-F238E27FC236}">
-                    <a16:creationId xmlns:a16="http://schemas.microsoft.com/office/drawing/2014/main" id="{E4485CA7-40CF-0BC4-B8F1-912E0746168B}"/>
-                  </a:ext>
-                </a:extLst>
-              </p:cNvPr>
-              <p:cNvSpPr/>
-              <p:nvPr/>
-            </p:nvSpPr>
-            <p:spPr>
-              <a:xfrm>
-                <a:off x="2145799" y="2684192"/>
-                <a:ext cx="2784678" cy="298861"/>
-              </a:xfrm>
-              <a:prstGeom prst="rect">
-                <a:avLst/>
-              </a:prstGeom>
-              <a:noFill/>
-              <a:ln w="9525">
-                <a:noFill/>
-              </a:ln>
-            </p:spPr>
-            <p:style>
-              <a:lnRef idx="2">
-                <a:schemeClr val="accent1">
-                  <a:shade val="15000"/>
-                </a:schemeClr>
-              </a:lnRef>
-              <a:fillRef idx="1">
-                <a:schemeClr val="accent1"/>
-              </a:fillRef>
-              <a:effectRef idx="0">
-                <a:schemeClr val="accent1"/>
-              </a:effectRef>
-              <a:fontRef idx="minor">
-                <a:schemeClr val="lt1"/>
-              </a:fontRef>
-            </p:style>
-            <p:txBody>
-              <a:bodyPr rtlCol="0" anchor="ctr"/>
-              <a:lstStyle/>
-              <a:p>
-                <a:r>
-                  <a:rPr lang="en-US" sz="1000" dirty="0">
-                    <a:solidFill>
-                      <a:srgbClr val="FF0000"/>
-                    </a:solidFill>
-                    <a:latin typeface="Avenir Book" panose="02000503020000020003" pitchFamily="2" charset="0"/>
-                  </a:rPr>
-                  <a:t>GET </a:t>
-                </a:r>
-                <a:r>
-                  <a:rPr lang="en-US" sz="1000" dirty="0" err="1">
-                    <a:solidFill>
-                      <a:srgbClr val="FF0000"/>
-                    </a:solidFill>
-                    <a:latin typeface="Avenir Book" panose="02000503020000020003" pitchFamily="2" charset="0"/>
-                  </a:rPr>
-                  <a:t>psrd</a:t>
-                </a:r>
-                <a:endParaRPr lang="en-US" sz="1000" dirty="0">
-                  <a:solidFill>
-                    <a:srgbClr val="FF0000"/>
-                  </a:solidFill>
-                  <a:latin typeface="Avenir Book" panose="02000503020000020003" pitchFamily="2" charset="0"/>
-                </a:endParaRPr>
-              </a:p>
-            </p:txBody>
-          </p:sp>
-        </p:grpSp>
-      </p:grpSp>
-      <p:grpSp>
-        <p:nvGrpSpPr>
-          <p:cNvPr id="36" name="Group 35">
-            <a:extLst>
-              <a:ext uri="{FF2B5EF4-FFF2-40B4-BE49-F238E27FC236}">
-                <a16:creationId xmlns:a16="http://schemas.microsoft.com/office/drawing/2014/main" id="{0DDCE860-A8CB-3B9A-A77F-A74DAB0D0295}"/>
-              </a:ext>
-            </a:extLst>
-          </p:cNvPr>
-          <p:cNvGrpSpPr/>
-          <p:nvPr/>
-        </p:nvGrpSpPr>
-        <p:grpSpPr>
-          <a:xfrm>
-            <a:off x="2145799" y="2794782"/>
-            <a:ext cx="4607274" cy="612038"/>
-            <a:chOff x="2145799" y="2684192"/>
-            <a:chExt cx="4607274" cy="612038"/>
-          </a:xfrm>
-        </p:grpSpPr>
-        <p:grpSp>
-          <p:nvGrpSpPr>
-            <p:cNvPr id="37" name="Group 36">
-              <a:extLst>
-                <a:ext uri="{FF2B5EF4-FFF2-40B4-BE49-F238E27FC236}">
-                  <a16:creationId xmlns:a16="http://schemas.microsoft.com/office/drawing/2014/main" id="{89B52564-CB00-C57B-FA65-FB393B5C5E57}"/>
-                </a:ext>
-              </a:extLst>
-            </p:cNvPr>
-            <p:cNvGrpSpPr/>
-            <p:nvPr/>
-          </p:nvGrpSpPr>
-          <p:grpSpPr>
-            <a:xfrm>
-              <a:off x="2145799" y="2684192"/>
-              <a:ext cx="4607274" cy="298861"/>
-              <a:chOff x="2145799" y="2684192"/>
-              <a:chExt cx="4607274" cy="298861"/>
-            </a:xfrm>
-          </p:grpSpPr>
-          <p:cxnSp>
-            <p:nvCxnSpPr>
-              <p:cNvPr id="41" name="Straight Connector 40">
-                <a:extLst>
-                  <a:ext uri="{FF2B5EF4-FFF2-40B4-BE49-F238E27FC236}">
-                    <a16:creationId xmlns:a16="http://schemas.microsoft.com/office/drawing/2014/main" id="{3ACBE410-1217-C1F0-0962-DA9E39547C2A}"/>
-                  </a:ext>
-                </a:extLst>
-              </p:cNvPr>
-              <p:cNvCxnSpPr>
-                <a:cxnSpLocks/>
-              </p:cNvCxnSpPr>
-              <p:nvPr/>
-            </p:nvCxnSpPr>
-            <p:spPr>
-              <a:xfrm flipH="1">
-                <a:off x="2145799" y="2934929"/>
-                <a:ext cx="4607274" cy="0"/>
-              </a:xfrm>
-              <a:prstGeom prst="line">
-                <a:avLst/>
-              </a:prstGeom>
-              <a:ln w="9525">
-                <a:solidFill>
-                  <a:srgbClr val="FF0000"/>
-                </a:solidFill>
-                <a:headEnd type="triangle"/>
-              </a:ln>
-            </p:spPr>
-            <p:style>
-              <a:lnRef idx="2">
-                <a:schemeClr val="accent1"/>
-              </a:lnRef>
-              <a:fillRef idx="0">
-                <a:schemeClr val="accent1"/>
-              </a:fillRef>
-              <a:effectRef idx="1">
-                <a:schemeClr val="accent1"/>
-              </a:effectRef>
-              <a:fontRef idx="minor">
-                <a:schemeClr val="tx1"/>
-              </a:fontRef>
-            </p:style>
-          </p:cxnSp>
-          <p:sp>
-            <p:nvSpPr>
-              <p:cNvPr id="42" name="Rectangle 41">
-                <a:extLst>
-                  <a:ext uri="{FF2B5EF4-FFF2-40B4-BE49-F238E27FC236}">
-                    <a16:creationId xmlns:a16="http://schemas.microsoft.com/office/drawing/2014/main" id="{E1884416-8714-C367-508F-11ECFA456D2B}"/>
-                  </a:ext>
-                </a:extLst>
-              </p:cNvPr>
-              <p:cNvSpPr/>
-              <p:nvPr/>
-            </p:nvSpPr>
-            <p:spPr>
-              <a:xfrm>
-                <a:off x="2145799" y="2684192"/>
-                <a:ext cx="2784678" cy="298861"/>
-              </a:xfrm>
-              <a:prstGeom prst="rect">
-                <a:avLst/>
-              </a:prstGeom>
-              <a:noFill/>
-              <a:ln w="9525">
-                <a:noFill/>
-              </a:ln>
-            </p:spPr>
-            <p:style>
-              <a:lnRef idx="2">
-                <a:schemeClr val="accent1">
-                  <a:shade val="15000"/>
-                </a:schemeClr>
-              </a:lnRef>
-              <a:fillRef idx="1">
-                <a:schemeClr val="accent1"/>
-              </a:fillRef>
-              <a:effectRef idx="0">
-                <a:schemeClr val="accent1"/>
-              </a:effectRef>
-              <a:fontRef idx="minor">
-                <a:schemeClr val="lt1"/>
-              </a:fontRef>
-            </p:style>
-            <p:txBody>
-              <a:bodyPr rtlCol="0" anchor="ctr"/>
-              <a:lstStyle/>
-              <a:p>
-                <a:r>
-                  <a:rPr lang="en-US" sz="1000">
-                    <a:solidFill>
-                      <a:srgbClr val="FF0000"/>
-                    </a:solidFill>
-                    <a:latin typeface="Avenir Book" panose="02000503020000020003" pitchFamily="2" charset="0"/>
-                  </a:rPr>
-                  <a:t>PUT registration</a:t>
-                </a:r>
-                <a:endParaRPr lang="en-US" sz="1000" dirty="0">
-                  <a:solidFill>
-                    <a:srgbClr val="FF0000"/>
-                  </a:solidFill>
-                  <a:latin typeface="Avenir Book" panose="02000503020000020003" pitchFamily="2" charset="0"/>
-                </a:endParaRPr>
-              </a:p>
-            </p:txBody>
-          </p:sp>
-        </p:grpSp>
-        <p:grpSp>
-          <p:nvGrpSpPr>
-            <p:cNvPr id="38" name="Group 37">
-              <a:extLst>
-                <a:ext uri="{FF2B5EF4-FFF2-40B4-BE49-F238E27FC236}">
-                  <a16:creationId xmlns:a16="http://schemas.microsoft.com/office/drawing/2014/main" id="{4D63BEAA-B914-5169-CBF2-E839586B288F}"/>
-                </a:ext>
-              </a:extLst>
-            </p:cNvPr>
-            <p:cNvGrpSpPr/>
-            <p:nvPr/>
-          </p:nvGrpSpPr>
-          <p:grpSpPr>
-            <a:xfrm>
-              <a:off x="2145799" y="2997369"/>
-              <a:ext cx="4607274" cy="298861"/>
-              <a:chOff x="2145799" y="2684192"/>
-              <a:chExt cx="4607274" cy="298861"/>
-            </a:xfrm>
-          </p:grpSpPr>
-          <p:cxnSp>
-            <p:nvCxnSpPr>
-              <p:cNvPr id="39" name="Straight Connector 38">
-                <a:extLst>
-                  <a:ext uri="{FF2B5EF4-FFF2-40B4-BE49-F238E27FC236}">
-                    <a16:creationId xmlns:a16="http://schemas.microsoft.com/office/drawing/2014/main" id="{CDBA45C2-048D-7835-06A7-C403393483B0}"/>
-                  </a:ext>
-                </a:extLst>
-              </p:cNvPr>
-              <p:cNvCxnSpPr>
-                <a:cxnSpLocks/>
-              </p:cNvCxnSpPr>
-              <p:nvPr/>
-            </p:nvCxnSpPr>
-            <p:spPr>
-              <a:xfrm flipH="1">
-                <a:off x="2145799" y="2934929"/>
-                <a:ext cx="4607274" cy="0"/>
-              </a:xfrm>
-              <a:prstGeom prst="line">
-                <a:avLst/>
-              </a:prstGeom>
-              <a:ln w="9525">
-                <a:solidFill>
-                  <a:srgbClr val="FF0000"/>
-                </a:solidFill>
-                <a:headEnd type="triangle"/>
-              </a:ln>
-            </p:spPr>
-            <p:style>
-              <a:lnRef idx="2">
-                <a:schemeClr val="accent1"/>
-              </a:lnRef>
-              <a:fillRef idx="0">
-                <a:schemeClr val="accent1"/>
-              </a:fillRef>
-              <a:effectRef idx="1">
-                <a:schemeClr val="accent1"/>
-              </a:effectRef>
-              <a:fontRef idx="minor">
-                <a:schemeClr val="tx1"/>
-              </a:fontRef>
-            </p:style>
-          </p:cxnSp>
-          <p:sp>
-            <p:nvSpPr>
-              <p:cNvPr id="40" name="Rectangle 39">
-                <a:extLst>
-                  <a:ext uri="{FF2B5EF4-FFF2-40B4-BE49-F238E27FC236}">
-                    <a16:creationId xmlns:a16="http://schemas.microsoft.com/office/drawing/2014/main" id="{723966DC-C1A4-88DF-7B9B-601C78B06C0F}"/>
-                  </a:ext>
-                </a:extLst>
-              </p:cNvPr>
-              <p:cNvSpPr/>
-              <p:nvPr/>
-            </p:nvSpPr>
-            <p:spPr>
-              <a:xfrm>
-                <a:off x="2145799" y="2684192"/>
-                <a:ext cx="2784678" cy="298861"/>
-              </a:xfrm>
-              <a:prstGeom prst="rect">
-                <a:avLst/>
-              </a:prstGeom>
-              <a:noFill/>
-              <a:ln w="9525">
-                <a:noFill/>
-              </a:ln>
-            </p:spPr>
-            <p:style>
-              <a:lnRef idx="2">
-                <a:schemeClr val="accent1">
-                  <a:shade val="15000"/>
-                </a:schemeClr>
-              </a:lnRef>
-              <a:fillRef idx="1">
-                <a:schemeClr val="accent1"/>
-              </a:fillRef>
-              <a:effectRef idx="0">
-                <a:schemeClr val="accent1"/>
-              </a:effectRef>
-              <a:fontRef idx="minor">
-                <a:schemeClr val="lt1"/>
-              </a:fontRef>
-            </p:style>
-            <p:txBody>
-              <a:bodyPr rtlCol="0" anchor="ctr"/>
-              <a:lstStyle/>
-              <a:p>
-                <a:r>
-                  <a:rPr lang="en-US" sz="1000" dirty="0">
-                    <a:solidFill>
-                      <a:srgbClr val="FF0000"/>
-                    </a:solidFill>
-                    <a:latin typeface="Avenir Book" panose="02000503020000020003" pitchFamily="2" charset="0"/>
-                  </a:rPr>
-                  <a:t>GET </a:t>
-                </a:r>
-                <a:r>
-                  <a:rPr lang="en-US" sz="1000" dirty="0" err="1">
-                    <a:solidFill>
-                      <a:srgbClr val="FF0000"/>
-                    </a:solidFill>
-                    <a:latin typeface="Avenir Book" panose="02000503020000020003" pitchFamily="2" charset="0"/>
-                  </a:rPr>
-                  <a:t>psrd</a:t>
-                </a:r>
-                <a:endParaRPr lang="en-US" sz="1000" dirty="0">
-                  <a:solidFill>
-                    <a:srgbClr val="FF0000"/>
-                  </a:solidFill>
-                  <a:latin typeface="Avenir Book" panose="02000503020000020003" pitchFamily="2" charset="0"/>
-                </a:endParaRPr>
-              </a:p>
-            </p:txBody>
-          </p:sp>
-        </p:grpSp>
-      </p:grpSp>
-      <p:grpSp>
-        <p:nvGrpSpPr>
-          <p:cNvPr id="45" name="Group 44">
-            <a:extLst>
-              <a:ext uri="{FF2B5EF4-FFF2-40B4-BE49-F238E27FC236}">
-                <a16:creationId xmlns:a16="http://schemas.microsoft.com/office/drawing/2014/main" id="{CF4C12BA-A173-B622-AB35-8A4667510D1A}"/>
-              </a:ext>
-            </a:extLst>
-          </p:cNvPr>
-          <p:cNvGrpSpPr/>
-          <p:nvPr/>
-        </p:nvGrpSpPr>
-        <p:grpSpPr>
-          <a:xfrm flipH="1">
-            <a:off x="6753073" y="3526779"/>
-            <a:ext cx="3195826" cy="612038"/>
-            <a:chOff x="2145799" y="2684192"/>
-            <a:chExt cx="3195826" cy="612038"/>
-          </a:xfrm>
-        </p:grpSpPr>
-        <p:grpSp>
-          <p:nvGrpSpPr>
-            <p:cNvPr id="46" name="Group 45">
-              <a:extLst>
-                <a:ext uri="{FF2B5EF4-FFF2-40B4-BE49-F238E27FC236}">
-                  <a16:creationId xmlns:a16="http://schemas.microsoft.com/office/drawing/2014/main" id="{45E8EA47-294A-E762-99AC-26233B315772}"/>
-                </a:ext>
-              </a:extLst>
-            </p:cNvPr>
-            <p:cNvGrpSpPr/>
-            <p:nvPr/>
-          </p:nvGrpSpPr>
-          <p:grpSpPr>
-            <a:xfrm>
-              <a:off x="2145799" y="2684192"/>
-              <a:ext cx="3195826" cy="298861"/>
-              <a:chOff x="2145799" y="2684192"/>
-              <a:chExt cx="3195826" cy="298861"/>
-            </a:xfrm>
-          </p:grpSpPr>
-          <p:cxnSp>
-            <p:nvCxnSpPr>
-              <p:cNvPr id="50" name="Straight Connector 49">
-                <a:extLst>
-                  <a:ext uri="{FF2B5EF4-FFF2-40B4-BE49-F238E27FC236}">
-                    <a16:creationId xmlns:a16="http://schemas.microsoft.com/office/drawing/2014/main" id="{C3B6AFCA-5CE0-C31C-CF5C-925A5B71FF90}"/>
-                  </a:ext>
-                </a:extLst>
-              </p:cNvPr>
-              <p:cNvCxnSpPr>
-                <a:cxnSpLocks/>
-              </p:cNvCxnSpPr>
-              <p:nvPr/>
-            </p:nvCxnSpPr>
-            <p:spPr>
-              <a:xfrm flipH="1">
-                <a:off x="2145799" y="2934929"/>
-                <a:ext cx="3195826" cy="0"/>
-              </a:xfrm>
-              <a:prstGeom prst="line">
-                <a:avLst/>
-              </a:prstGeom>
-              <a:ln w="9525">
-                <a:solidFill>
-                  <a:srgbClr val="FF0000"/>
-                </a:solidFill>
-                <a:headEnd type="triangle"/>
-              </a:ln>
-            </p:spPr>
-            <p:style>
-              <a:lnRef idx="2">
-                <a:schemeClr val="accent1"/>
-              </a:lnRef>
-              <a:fillRef idx="0">
-                <a:schemeClr val="accent1"/>
-              </a:fillRef>
-              <a:effectRef idx="1">
-                <a:schemeClr val="accent1"/>
-              </a:effectRef>
-              <a:fontRef idx="minor">
-                <a:schemeClr val="tx1"/>
-              </a:fontRef>
-            </p:style>
-          </p:cxnSp>
-          <p:sp>
-            <p:nvSpPr>
-              <p:cNvPr id="51" name="Rectangle 50">
-                <a:extLst>
-                  <a:ext uri="{FF2B5EF4-FFF2-40B4-BE49-F238E27FC236}">
-                    <a16:creationId xmlns:a16="http://schemas.microsoft.com/office/drawing/2014/main" id="{6551DE2D-B0FD-7650-348F-790BF15D06A7}"/>
-                  </a:ext>
-                </a:extLst>
-              </p:cNvPr>
-              <p:cNvSpPr/>
-              <p:nvPr/>
-            </p:nvSpPr>
-            <p:spPr>
-              <a:xfrm>
-                <a:off x="2145799" y="2684192"/>
-                <a:ext cx="2784678" cy="298861"/>
-              </a:xfrm>
-              <a:prstGeom prst="rect">
-                <a:avLst/>
-              </a:prstGeom>
-              <a:noFill/>
-              <a:ln w="9525">
-                <a:noFill/>
-              </a:ln>
-            </p:spPr>
-            <p:style>
-              <a:lnRef idx="2">
-                <a:schemeClr val="accent1">
-                  <a:shade val="15000"/>
-                </a:schemeClr>
-              </a:lnRef>
-              <a:fillRef idx="1">
-                <a:schemeClr val="accent1"/>
-              </a:fillRef>
-              <a:effectRef idx="0">
-                <a:schemeClr val="accent1"/>
-              </a:effectRef>
-              <a:fontRef idx="minor">
-                <a:schemeClr val="lt1"/>
-              </a:fontRef>
-            </p:style>
-            <p:txBody>
-              <a:bodyPr rtlCol="0" anchor="ctr"/>
-              <a:lstStyle/>
-              <a:p>
-                <a:r>
-                  <a:rPr lang="en-US" sz="1000" dirty="0">
-                    <a:solidFill>
-                      <a:srgbClr val="FF0000"/>
-                    </a:solidFill>
-                    <a:latin typeface="Avenir Book" panose="02000503020000020003" pitchFamily="2" charset="0"/>
-                  </a:rPr>
-                  <a:t>PUT registration</a:t>
-                </a:r>
-              </a:p>
-            </p:txBody>
-          </p:sp>
-        </p:grpSp>
-        <p:grpSp>
-          <p:nvGrpSpPr>
-            <p:cNvPr id="47" name="Group 46">
-              <a:extLst>
-                <a:ext uri="{FF2B5EF4-FFF2-40B4-BE49-F238E27FC236}">
-                  <a16:creationId xmlns:a16="http://schemas.microsoft.com/office/drawing/2014/main" id="{91C9EEE2-FD1B-09E1-3D71-B150D7C89084}"/>
-                </a:ext>
-              </a:extLst>
-            </p:cNvPr>
-            <p:cNvGrpSpPr/>
-            <p:nvPr/>
-          </p:nvGrpSpPr>
-          <p:grpSpPr>
-            <a:xfrm>
-              <a:off x="2145799" y="2997369"/>
-              <a:ext cx="3195826" cy="298861"/>
-              <a:chOff x="2145799" y="2684192"/>
-              <a:chExt cx="3195826" cy="298861"/>
-            </a:xfrm>
-          </p:grpSpPr>
-          <p:cxnSp>
-            <p:nvCxnSpPr>
-              <p:cNvPr id="48" name="Straight Connector 47">
-                <a:extLst>
-                  <a:ext uri="{FF2B5EF4-FFF2-40B4-BE49-F238E27FC236}">
-                    <a16:creationId xmlns:a16="http://schemas.microsoft.com/office/drawing/2014/main" id="{42E1CF90-8451-2888-A8D1-72959D1BF1C9}"/>
-                  </a:ext>
-                </a:extLst>
-              </p:cNvPr>
-              <p:cNvCxnSpPr>
-                <a:cxnSpLocks/>
-              </p:cNvCxnSpPr>
-              <p:nvPr/>
-            </p:nvCxnSpPr>
-            <p:spPr>
-              <a:xfrm flipH="1">
-                <a:off x="2145799" y="2934929"/>
-                <a:ext cx="3195826" cy="0"/>
-              </a:xfrm>
-              <a:prstGeom prst="line">
-                <a:avLst/>
-              </a:prstGeom>
-              <a:ln w="9525">
-                <a:solidFill>
-                  <a:srgbClr val="FF0000"/>
-                </a:solidFill>
-                <a:headEnd type="triangle"/>
-              </a:ln>
-            </p:spPr>
-            <p:style>
-              <a:lnRef idx="2">
-                <a:schemeClr val="accent1"/>
-              </a:lnRef>
-              <a:fillRef idx="0">
-                <a:schemeClr val="accent1"/>
-              </a:fillRef>
-              <a:effectRef idx="1">
-                <a:schemeClr val="accent1"/>
-              </a:effectRef>
-              <a:fontRef idx="minor">
-                <a:schemeClr val="tx1"/>
-              </a:fontRef>
-            </p:style>
-          </p:cxnSp>
-          <p:sp>
-            <p:nvSpPr>
-              <p:cNvPr id="49" name="Rectangle 48">
-                <a:extLst>
-                  <a:ext uri="{FF2B5EF4-FFF2-40B4-BE49-F238E27FC236}">
-                    <a16:creationId xmlns:a16="http://schemas.microsoft.com/office/drawing/2014/main" id="{60BF63FD-3A8E-CAC4-755E-1C25CE465046}"/>
-                  </a:ext>
-                </a:extLst>
-              </p:cNvPr>
-              <p:cNvSpPr/>
-              <p:nvPr/>
-            </p:nvSpPr>
-            <p:spPr>
-              <a:xfrm>
-                <a:off x="2145799" y="2684192"/>
-                <a:ext cx="2784678" cy="298861"/>
-              </a:xfrm>
-              <a:prstGeom prst="rect">
-                <a:avLst/>
-              </a:prstGeom>
-              <a:noFill/>
-              <a:ln w="9525">
-                <a:noFill/>
-              </a:ln>
-            </p:spPr>
-            <p:style>
-              <a:lnRef idx="2">
-                <a:schemeClr val="accent1">
-                  <a:shade val="15000"/>
-                </a:schemeClr>
-              </a:lnRef>
-              <a:fillRef idx="1">
-                <a:schemeClr val="accent1"/>
-              </a:fillRef>
-              <a:effectRef idx="0">
-                <a:schemeClr val="accent1"/>
-              </a:effectRef>
-              <a:fontRef idx="minor">
-                <a:schemeClr val="lt1"/>
-              </a:fontRef>
-            </p:style>
-            <p:txBody>
-              <a:bodyPr rtlCol="0" anchor="ctr"/>
-              <a:lstStyle/>
-              <a:p>
-                <a:r>
-                  <a:rPr lang="en-US" sz="1000" dirty="0">
-                    <a:solidFill>
-                      <a:srgbClr val="FF0000"/>
-                    </a:solidFill>
-                    <a:latin typeface="Avenir Book" panose="02000503020000020003" pitchFamily="2" charset="0"/>
-                  </a:rPr>
-                  <a:t>GET </a:t>
-                </a:r>
-                <a:r>
-                  <a:rPr lang="en-US" sz="1000" dirty="0" err="1">
-                    <a:solidFill>
-                      <a:srgbClr val="FF0000"/>
-                    </a:solidFill>
-                    <a:latin typeface="Avenir Book" panose="02000503020000020003" pitchFamily="2" charset="0"/>
-                  </a:rPr>
-                  <a:t>psrd</a:t>
-                </a:r>
-                <a:endParaRPr lang="en-US" sz="1000" dirty="0">
-                  <a:solidFill>
-                    <a:srgbClr val="FF0000"/>
-                  </a:solidFill>
-                  <a:latin typeface="Avenir Book" panose="02000503020000020003" pitchFamily="2" charset="0"/>
-                </a:endParaRPr>
-              </a:p>
-            </p:txBody>
-          </p:sp>
-        </p:grpSp>
-      </p:grpSp>
-      <p:grpSp>
-        <p:nvGrpSpPr>
-          <p:cNvPr id="52" name="Group 51">
-            <a:extLst>
-              <a:ext uri="{FF2B5EF4-FFF2-40B4-BE49-F238E27FC236}">
-                <a16:creationId xmlns:a16="http://schemas.microsoft.com/office/drawing/2014/main" id="{274C9872-2A0F-3D2E-7ABC-D2A623D5F965}"/>
-              </a:ext>
-            </a:extLst>
-          </p:cNvPr>
-          <p:cNvGrpSpPr/>
-          <p:nvPr/>
-        </p:nvGrpSpPr>
-        <p:grpSpPr>
-          <a:xfrm flipH="1">
-            <a:off x="5341625" y="4243762"/>
-            <a:ext cx="4607274" cy="612038"/>
-            <a:chOff x="2145799" y="2684192"/>
-            <a:chExt cx="4607274" cy="612038"/>
-          </a:xfrm>
-        </p:grpSpPr>
-        <p:grpSp>
-          <p:nvGrpSpPr>
-            <p:cNvPr id="53" name="Group 52">
-              <a:extLst>
-                <a:ext uri="{FF2B5EF4-FFF2-40B4-BE49-F238E27FC236}">
-                  <a16:creationId xmlns:a16="http://schemas.microsoft.com/office/drawing/2014/main" id="{511382C1-4879-95D2-F2C2-F1AD324FF722}"/>
-                </a:ext>
-              </a:extLst>
-            </p:cNvPr>
-            <p:cNvGrpSpPr/>
-            <p:nvPr/>
-          </p:nvGrpSpPr>
-          <p:grpSpPr>
-            <a:xfrm>
-              <a:off x="2145799" y="2684192"/>
-              <a:ext cx="4607274" cy="298861"/>
-              <a:chOff x="2145799" y="2684192"/>
-              <a:chExt cx="4607274" cy="298861"/>
-            </a:xfrm>
-          </p:grpSpPr>
-          <p:cxnSp>
-            <p:nvCxnSpPr>
-              <p:cNvPr id="57" name="Straight Connector 56">
-                <a:extLst>
-                  <a:ext uri="{FF2B5EF4-FFF2-40B4-BE49-F238E27FC236}">
-                    <a16:creationId xmlns:a16="http://schemas.microsoft.com/office/drawing/2014/main" id="{7EB06316-808F-603D-1386-89EA49CB6B14}"/>
-                  </a:ext>
-                </a:extLst>
-              </p:cNvPr>
-              <p:cNvCxnSpPr>
-                <a:cxnSpLocks/>
-              </p:cNvCxnSpPr>
-              <p:nvPr/>
-            </p:nvCxnSpPr>
-            <p:spPr>
-              <a:xfrm flipH="1">
-                <a:off x="2145799" y="2934929"/>
-                <a:ext cx="4607274" cy="0"/>
-              </a:xfrm>
-              <a:prstGeom prst="line">
-                <a:avLst/>
-              </a:prstGeom>
-              <a:ln w="9525">
-                <a:solidFill>
-                  <a:srgbClr val="FF0000"/>
-                </a:solidFill>
-                <a:headEnd type="triangle"/>
-              </a:ln>
-            </p:spPr>
-            <p:style>
-              <a:lnRef idx="2">
-                <a:schemeClr val="accent1"/>
-              </a:lnRef>
-              <a:fillRef idx="0">
-                <a:schemeClr val="accent1"/>
-              </a:fillRef>
-              <a:effectRef idx="1">
-                <a:schemeClr val="accent1"/>
-              </a:effectRef>
-              <a:fontRef idx="minor">
-                <a:schemeClr val="tx1"/>
-              </a:fontRef>
-            </p:style>
-          </p:cxnSp>
-          <p:sp>
-            <p:nvSpPr>
-              <p:cNvPr id="58" name="Rectangle 57">
-                <a:extLst>
-                  <a:ext uri="{FF2B5EF4-FFF2-40B4-BE49-F238E27FC236}">
-                    <a16:creationId xmlns:a16="http://schemas.microsoft.com/office/drawing/2014/main" id="{2D396F21-9B29-2E42-1089-F4B634C22103}"/>
-                  </a:ext>
-                </a:extLst>
-              </p:cNvPr>
-              <p:cNvSpPr/>
-              <p:nvPr/>
-            </p:nvSpPr>
-            <p:spPr>
-              <a:xfrm>
-                <a:off x="2145799" y="2684192"/>
-                <a:ext cx="2784678" cy="298861"/>
-              </a:xfrm>
-              <a:prstGeom prst="rect">
-                <a:avLst/>
-              </a:prstGeom>
-              <a:noFill/>
-              <a:ln w="9525">
-                <a:noFill/>
-              </a:ln>
-            </p:spPr>
-            <p:style>
-              <a:lnRef idx="2">
-                <a:schemeClr val="accent1">
-                  <a:shade val="15000"/>
-                </a:schemeClr>
-              </a:lnRef>
-              <a:fillRef idx="1">
-                <a:schemeClr val="accent1"/>
-              </a:fillRef>
-              <a:effectRef idx="0">
-                <a:schemeClr val="accent1"/>
-              </a:effectRef>
-              <a:fontRef idx="minor">
-                <a:schemeClr val="lt1"/>
-              </a:fontRef>
-            </p:style>
-            <p:txBody>
-              <a:bodyPr rtlCol="0" anchor="ctr"/>
-              <a:lstStyle/>
-              <a:p>
-                <a:r>
-                  <a:rPr lang="en-US" sz="1000" dirty="0">
-                    <a:solidFill>
-                      <a:srgbClr val="FF0000"/>
-                    </a:solidFill>
-                    <a:latin typeface="Avenir Book" panose="02000503020000020003" pitchFamily="2" charset="0"/>
-                  </a:rPr>
-                  <a:t>PUT registration</a:t>
-                </a:r>
-              </a:p>
-            </p:txBody>
-          </p:sp>
-        </p:grpSp>
-        <p:grpSp>
-          <p:nvGrpSpPr>
-            <p:cNvPr id="54" name="Group 53">
-              <a:extLst>
-                <a:ext uri="{FF2B5EF4-FFF2-40B4-BE49-F238E27FC236}">
-                  <a16:creationId xmlns:a16="http://schemas.microsoft.com/office/drawing/2014/main" id="{41A69A98-1D44-171B-BF83-373AADFBD424}"/>
-                </a:ext>
-              </a:extLst>
-            </p:cNvPr>
-            <p:cNvGrpSpPr/>
-            <p:nvPr/>
-          </p:nvGrpSpPr>
-          <p:grpSpPr>
-            <a:xfrm>
-              <a:off x="2145799" y="2997369"/>
-              <a:ext cx="4607274" cy="298861"/>
-              <a:chOff x="2145799" y="2684192"/>
-              <a:chExt cx="4607274" cy="298861"/>
-            </a:xfrm>
-          </p:grpSpPr>
-          <p:cxnSp>
-            <p:nvCxnSpPr>
-              <p:cNvPr id="55" name="Straight Connector 54">
-                <a:extLst>
-                  <a:ext uri="{FF2B5EF4-FFF2-40B4-BE49-F238E27FC236}">
-                    <a16:creationId xmlns:a16="http://schemas.microsoft.com/office/drawing/2014/main" id="{127435E4-4637-76A9-0C5F-D6C9CF13C3DA}"/>
-                  </a:ext>
-                </a:extLst>
-              </p:cNvPr>
-              <p:cNvCxnSpPr>
-                <a:cxnSpLocks/>
-              </p:cNvCxnSpPr>
-              <p:nvPr/>
-            </p:nvCxnSpPr>
-            <p:spPr>
-              <a:xfrm flipH="1">
-                <a:off x="2145799" y="2934929"/>
-                <a:ext cx="4607274" cy="0"/>
-              </a:xfrm>
-              <a:prstGeom prst="line">
-                <a:avLst/>
-              </a:prstGeom>
-              <a:ln w="9525">
-                <a:solidFill>
-                  <a:srgbClr val="FF0000"/>
-                </a:solidFill>
-                <a:headEnd type="triangle"/>
-              </a:ln>
-            </p:spPr>
-            <p:style>
-              <a:lnRef idx="2">
-                <a:schemeClr val="accent1"/>
-              </a:lnRef>
-              <a:fillRef idx="0">
-                <a:schemeClr val="accent1"/>
-              </a:fillRef>
-              <a:effectRef idx="1">
-                <a:schemeClr val="accent1"/>
-              </a:effectRef>
-              <a:fontRef idx="minor">
-                <a:schemeClr val="tx1"/>
-              </a:fontRef>
-            </p:style>
-          </p:cxnSp>
-          <p:sp>
-            <p:nvSpPr>
-              <p:cNvPr id="56" name="Rectangle 55">
-                <a:extLst>
-                  <a:ext uri="{FF2B5EF4-FFF2-40B4-BE49-F238E27FC236}">
-                    <a16:creationId xmlns:a16="http://schemas.microsoft.com/office/drawing/2014/main" id="{3928276B-7CC2-C69B-F819-F4EEF1C57120}"/>
-                  </a:ext>
-                </a:extLst>
-              </p:cNvPr>
-              <p:cNvSpPr/>
-              <p:nvPr/>
-            </p:nvSpPr>
-            <p:spPr>
-              <a:xfrm>
-                <a:off x="2145799" y="2684192"/>
-                <a:ext cx="2784678" cy="298861"/>
-              </a:xfrm>
-              <a:prstGeom prst="rect">
-                <a:avLst/>
-              </a:prstGeom>
-              <a:noFill/>
-              <a:ln w="9525">
-                <a:noFill/>
-              </a:ln>
-            </p:spPr>
-            <p:style>
-              <a:lnRef idx="2">
-                <a:schemeClr val="accent1">
-                  <a:shade val="15000"/>
-                </a:schemeClr>
-              </a:lnRef>
-              <a:fillRef idx="1">
-                <a:schemeClr val="accent1"/>
-              </a:fillRef>
-              <a:effectRef idx="0">
-                <a:schemeClr val="accent1"/>
-              </a:effectRef>
-              <a:fontRef idx="minor">
-                <a:schemeClr val="lt1"/>
-              </a:fontRef>
-            </p:style>
-            <p:txBody>
-              <a:bodyPr rtlCol="0" anchor="ctr"/>
-              <a:lstStyle/>
-              <a:p>
-                <a:r>
-                  <a:rPr lang="en-US" sz="1000" dirty="0">
-                    <a:solidFill>
-                      <a:srgbClr val="FF0000"/>
-                    </a:solidFill>
-                    <a:latin typeface="Avenir Book" panose="02000503020000020003" pitchFamily="2" charset="0"/>
-                  </a:rPr>
-                  <a:t>GET </a:t>
-                </a:r>
-                <a:r>
-                  <a:rPr lang="en-US" sz="1000" dirty="0" err="1">
-                    <a:solidFill>
-                      <a:srgbClr val="FF0000"/>
-                    </a:solidFill>
-                    <a:latin typeface="Avenir Book" panose="02000503020000020003" pitchFamily="2" charset="0"/>
-                  </a:rPr>
-                  <a:t>psrd</a:t>
-                </a:r>
-                <a:endParaRPr lang="en-US" sz="1000" dirty="0">
-                  <a:solidFill>
-                    <a:srgbClr val="FF0000"/>
-                  </a:solidFill>
-                  <a:latin typeface="Avenir Book" panose="02000503020000020003" pitchFamily="2" charset="0"/>
-                </a:endParaRPr>
-              </a:p>
-            </p:txBody>
-          </p:sp>
-        </p:grpSp>
-      </p:grpSp>
-    </p:spTree>
-    <p:extLst>
-      <p:ext uri="{BB962C8B-B14F-4D97-AF65-F5344CB8AC3E}">
-        <p14:creationId xmlns:p14="http://schemas.microsoft.com/office/powerpoint/2010/main" val="2243908987"/>
       </p:ext>
     </p:extLst>
   </p:cSld>

--- a/docs/figures/figures.pptx
+++ b/docs/figures/figures.pptx
@@ -208,7 +208,7 @@
           <a:p>
             <a:fld id="{66C4A6C0-F2EC-FC45-B98B-ED31D507F3F3}" type="datetimeFigureOut">
               <a:rPr lang="en-US" smtClean="0"/>
-              <a:t>10/31/25</a:t>
+              <a:t>11/1/25</a:t>
             </a:fld>
             <a:endParaRPr lang="en-US"/>
           </a:p>
@@ -503,6 +503,13 @@
           </p:nvPr>
         </p:nvSpPr>
         <p:spPr/>
+        <p:txBody>
+          <a:bodyPr/>
+          <a:lstStyle/>
+          <a:p>
+            <a:endParaRPr lang="en-US"/>
+          </a:p>
+        </p:txBody>
       </p:sp>
       <p:sp>
         <p:nvSpPr>
@@ -587,6 +594,13 @@
           </p:nvPr>
         </p:nvSpPr>
         <p:spPr/>
+        <p:txBody>
+          <a:bodyPr/>
+          <a:lstStyle/>
+          <a:p>
+            <a:endParaRPr lang="en-US"/>
+          </a:p>
+        </p:txBody>
       </p:sp>
       <p:sp>
         <p:nvSpPr>
@@ -790,7 +804,7 @@
           <a:p>
             <a:fld id="{6E32B2FD-E7C2-BB4E-8CD5-3A0929CC3D5F}" type="datetimeFigureOut">
               <a:rPr lang="en-US" smtClean="0"/>
-              <a:t>10/31/25</a:t>
+              <a:t>11/1/25</a:t>
             </a:fld>
             <a:endParaRPr lang="en-US"/>
           </a:p>
@@ -988,7 +1002,7 @@
           <a:p>
             <a:fld id="{6E32B2FD-E7C2-BB4E-8CD5-3A0929CC3D5F}" type="datetimeFigureOut">
               <a:rPr lang="en-US" smtClean="0"/>
-              <a:t>10/31/25</a:t>
+              <a:t>11/1/25</a:t>
             </a:fld>
             <a:endParaRPr lang="en-US"/>
           </a:p>
@@ -1196,7 +1210,7 @@
           <a:p>
             <a:fld id="{6E32B2FD-E7C2-BB4E-8CD5-3A0929CC3D5F}" type="datetimeFigureOut">
               <a:rPr lang="en-US" smtClean="0"/>
-              <a:t>10/31/25</a:t>
+              <a:t>11/1/25</a:t>
             </a:fld>
             <a:endParaRPr lang="en-US"/>
           </a:p>
@@ -1394,7 +1408,7 @@
           <a:p>
             <a:fld id="{6E32B2FD-E7C2-BB4E-8CD5-3A0929CC3D5F}" type="datetimeFigureOut">
               <a:rPr lang="en-US" smtClean="0"/>
-              <a:t>10/31/25</a:t>
+              <a:t>11/1/25</a:t>
             </a:fld>
             <a:endParaRPr lang="en-US"/>
           </a:p>
@@ -1669,7 +1683,7 @@
           <a:p>
             <a:fld id="{6E32B2FD-E7C2-BB4E-8CD5-3A0929CC3D5F}" type="datetimeFigureOut">
               <a:rPr lang="en-US" smtClean="0"/>
-              <a:t>10/31/25</a:t>
+              <a:t>11/1/25</a:t>
             </a:fld>
             <a:endParaRPr lang="en-US"/>
           </a:p>
@@ -1934,7 +1948,7 @@
           <a:p>
             <a:fld id="{6E32B2FD-E7C2-BB4E-8CD5-3A0929CC3D5F}" type="datetimeFigureOut">
               <a:rPr lang="en-US" smtClean="0"/>
-              <a:t>10/31/25</a:t>
+              <a:t>11/1/25</a:t>
             </a:fld>
             <a:endParaRPr lang="en-US"/>
           </a:p>
@@ -2346,7 +2360,7 @@
           <a:p>
             <a:fld id="{6E32B2FD-E7C2-BB4E-8CD5-3A0929CC3D5F}" type="datetimeFigureOut">
               <a:rPr lang="en-US" smtClean="0"/>
-              <a:t>10/31/25</a:t>
+              <a:t>11/1/25</a:t>
             </a:fld>
             <a:endParaRPr lang="en-US"/>
           </a:p>
@@ -2487,7 +2501,7 @@
           <a:p>
             <a:fld id="{6E32B2FD-E7C2-BB4E-8CD5-3A0929CC3D5F}" type="datetimeFigureOut">
               <a:rPr lang="en-US" smtClean="0"/>
-              <a:t>10/31/25</a:t>
+              <a:t>11/1/25</a:t>
             </a:fld>
             <a:endParaRPr lang="en-US"/>
           </a:p>
@@ -2600,7 +2614,7 @@
           <a:p>
             <a:fld id="{6E32B2FD-E7C2-BB4E-8CD5-3A0929CC3D5F}" type="datetimeFigureOut">
               <a:rPr lang="en-US" smtClean="0"/>
-              <a:t>10/31/25</a:t>
+              <a:t>11/1/25</a:t>
             </a:fld>
             <a:endParaRPr lang="en-US"/>
           </a:p>
@@ -2911,7 +2925,7 @@
           <a:p>
             <a:fld id="{6E32B2FD-E7C2-BB4E-8CD5-3A0929CC3D5F}" type="datetimeFigureOut">
               <a:rPr lang="en-US" smtClean="0"/>
-              <a:t>10/31/25</a:t>
+              <a:t>11/1/25</a:t>
             </a:fld>
             <a:endParaRPr lang="en-US"/>
           </a:p>
@@ -3199,7 +3213,7 @@
           <a:p>
             <a:fld id="{6E32B2FD-E7C2-BB4E-8CD5-3A0929CC3D5F}" type="datetimeFigureOut">
               <a:rPr lang="en-US" smtClean="0"/>
-              <a:t>10/31/25</a:t>
+              <a:t>11/1/25</a:t>
             </a:fld>
             <a:endParaRPr lang="en-US"/>
           </a:p>
@@ -3440,7 +3454,7 @@
           <a:p>
             <a:fld id="{6E32B2FD-E7C2-BB4E-8CD5-3A0929CC3D5F}" type="datetimeFigureOut">
               <a:rPr lang="en-US" smtClean="0"/>
-              <a:t>10/31/25</a:t>
+              <a:t>11/1/25</a:t>
             </a:fld>
             <a:endParaRPr lang="en-US"/>
           </a:p>
@@ -16428,8 +16442,8 @@
         </p:nvSpPr>
         <p:spPr>
           <a:xfrm>
-            <a:off x="575426" y="1027238"/>
-            <a:ext cx="11045074" cy="4078162"/>
+            <a:off x="573463" y="1260613"/>
+            <a:ext cx="11045074" cy="4336774"/>
           </a:xfrm>
           <a:prstGeom prst="rect">
             <a:avLst/>
@@ -16491,7 +16505,7 @@
         </p:nvCxnSpPr>
         <p:spPr>
           <a:xfrm flipH="1">
-            <a:off x="4505683" y="3339574"/>
+            <a:off x="4503720" y="3831561"/>
             <a:ext cx="4348200" cy="752141"/>
           </a:xfrm>
           <a:prstGeom prst="line">
@@ -16538,7 +16552,7 @@
         </p:nvCxnSpPr>
         <p:spPr>
           <a:xfrm flipH="1">
-            <a:off x="5592733" y="3339574"/>
+            <a:off x="5590770" y="3831561"/>
             <a:ext cx="3261150" cy="752141"/>
           </a:xfrm>
           <a:prstGeom prst="line">
@@ -16585,7 +16599,7 @@
         </p:nvCxnSpPr>
         <p:spPr>
           <a:xfrm flipH="1">
-            <a:off x="6679783" y="3339574"/>
+            <a:off x="6677820" y="3831561"/>
             <a:ext cx="2174100" cy="752141"/>
           </a:xfrm>
           <a:prstGeom prst="line">
@@ -16631,7 +16645,7 @@
         </p:nvCxnSpPr>
         <p:spPr>
           <a:xfrm flipH="1">
-            <a:off x="7766833" y="3339574"/>
+            <a:off x="7764870" y="3831561"/>
             <a:ext cx="1087049" cy="752141"/>
           </a:xfrm>
           <a:prstGeom prst="line">
@@ -16678,7 +16692,7 @@
         </p:nvCxnSpPr>
         <p:spPr>
           <a:xfrm>
-            <a:off x="8853883" y="3339574"/>
+            <a:off x="8851920" y="3831561"/>
             <a:ext cx="0" cy="752141"/>
           </a:xfrm>
           <a:prstGeom prst="line">
@@ -16725,7 +16739,7 @@
         </p:nvCxnSpPr>
         <p:spPr>
           <a:xfrm flipH="1">
-            <a:off x="4505683" y="3339574"/>
+            <a:off x="4503720" y="3831561"/>
             <a:ext cx="2174100" cy="752141"/>
           </a:xfrm>
           <a:prstGeom prst="line">
@@ -16772,7 +16786,7 @@
         </p:nvCxnSpPr>
         <p:spPr>
           <a:xfrm flipH="1">
-            <a:off x="5592733" y="3339574"/>
+            <a:off x="5590770" y="3831561"/>
             <a:ext cx="1087050" cy="752141"/>
           </a:xfrm>
           <a:prstGeom prst="line">
@@ -16819,7 +16833,7 @@
         </p:nvCxnSpPr>
         <p:spPr>
           <a:xfrm>
-            <a:off x="6679783" y="3339574"/>
+            <a:off x="6677820" y="3831561"/>
             <a:ext cx="0" cy="752141"/>
           </a:xfrm>
           <a:prstGeom prst="line">
@@ -16866,7 +16880,7 @@
         </p:nvCxnSpPr>
         <p:spPr>
           <a:xfrm>
-            <a:off x="6679783" y="3339574"/>
+            <a:off x="6677820" y="3831561"/>
             <a:ext cx="1087050" cy="752141"/>
           </a:xfrm>
           <a:prstGeom prst="line">
@@ -16913,7 +16927,7 @@
         </p:nvCxnSpPr>
         <p:spPr>
           <a:xfrm>
-            <a:off x="6679783" y="3339574"/>
+            <a:off x="6677820" y="3831561"/>
             <a:ext cx="2174100" cy="752141"/>
           </a:xfrm>
           <a:prstGeom prst="line">
@@ -16956,7 +16970,7 @@
         </p:nvSpPr>
         <p:spPr>
           <a:xfrm>
-            <a:off x="4193644" y="4091715"/>
+            <a:off x="4191681" y="4583702"/>
             <a:ext cx="624078" cy="624078"/>
           </a:xfrm>
           <a:prstGeom prst="ellipse">
@@ -16998,7 +17012,7 @@
                 </a:solidFill>
                 <a:latin typeface="AVENIR LIGHT OBLIQUE" panose="020B0402020203090204" pitchFamily="34" charset="77"/>
               </a:rPr>
-              <a:t>Hank</a:t>
+              <a:t>hank</a:t>
             </a:r>
           </a:p>
         </p:txBody>
@@ -17017,7 +17031,7 @@
         </p:nvSpPr>
         <p:spPr>
           <a:xfrm>
-            <a:off x="5280694" y="4091715"/>
+            <a:off x="5278731" y="4583702"/>
             <a:ext cx="624078" cy="624078"/>
           </a:xfrm>
           <a:prstGeom prst="ellipse">
@@ -17059,7 +17073,7 @@
                 </a:solidFill>
                 <a:latin typeface="AVENIR LIGHT OBLIQUE" panose="020B0402020203090204" pitchFamily="34" charset="77"/>
               </a:rPr>
-              <a:t>Helen</a:t>
+              <a:t>helen</a:t>
             </a:r>
           </a:p>
         </p:txBody>
@@ -17078,7 +17092,7 @@
         </p:nvSpPr>
         <p:spPr>
           <a:xfrm>
-            <a:off x="6367744" y="4091715"/>
+            <a:off x="6365781" y="4583702"/>
             <a:ext cx="624078" cy="624078"/>
           </a:xfrm>
           <a:prstGeom prst="ellipse">
@@ -17120,7 +17134,7 @@
                 </a:solidFill>
                 <a:latin typeface="AVENIR LIGHT OBLIQUE" panose="020B0402020203090204" pitchFamily="34" charset="77"/>
               </a:rPr>
-              <a:t>Hilary</a:t>
+              <a:t>hilary</a:t>
             </a:r>
           </a:p>
         </p:txBody>
@@ -17139,7 +17153,7 @@
         </p:nvSpPr>
         <p:spPr>
           <a:xfrm>
-            <a:off x="7454794" y="4091715"/>
+            <a:off x="7452831" y="4583702"/>
             <a:ext cx="624078" cy="624078"/>
           </a:xfrm>
           <a:prstGeom prst="ellipse">
@@ -17181,7 +17195,7 @@
                 </a:solidFill>
                 <a:latin typeface="AVENIR LIGHT OBLIQUE" panose="020B0402020203090204" pitchFamily="34" charset="77"/>
               </a:rPr>
-              <a:t>Holly</a:t>
+              <a:t>holly</a:t>
             </a:r>
           </a:p>
         </p:txBody>
@@ -17200,7 +17214,7 @@
         </p:nvSpPr>
         <p:spPr>
           <a:xfrm>
-            <a:off x="8541844" y="4091715"/>
+            <a:off x="8539881" y="4583702"/>
             <a:ext cx="624078" cy="624078"/>
           </a:xfrm>
           <a:prstGeom prst="ellipse">
@@ -17242,7 +17256,7 @@
                 </a:solidFill>
                 <a:latin typeface="AVENIR LIGHT OBLIQUE" panose="020B0402020203090204" pitchFamily="34" charset="77"/>
               </a:rPr>
-              <a:t>Hugo</a:t>
+              <a:t>hugo</a:t>
             </a:r>
           </a:p>
         </p:txBody>
@@ -17261,7 +17275,7 @@
         </p:nvSpPr>
         <p:spPr>
           <a:xfrm>
-            <a:off x="4193644" y="2715496"/>
+            <a:off x="4191681" y="3207483"/>
             <a:ext cx="624078" cy="624078"/>
           </a:xfrm>
           <a:prstGeom prst="rect">
@@ -17303,7 +17317,7 @@
                 </a:solidFill>
                 <a:latin typeface="Avenir Book" panose="02000503020000020003" pitchFamily="2" charset="0"/>
               </a:rPr>
-              <a:t>Carol</a:t>
+              <a:t>carol</a:t>
             </a:r>
           </a:p>
         </p:txBody>
@@ -17322,7 +17336,7 @@
         </p:nvSpPr>
         <p:spPr>
           <a:xfrm>
-            <a:off x="5280694" y="2715496"/>
+            <a:off x="5278731" y="3207483"/>
             <a:ext cx="624078" cy="624078"/>
           </a:xfrm>
           <a:prstGeom prst="rect">
@@ -17392,7 +17406,7 @@
         </p:nvSpPr>
         <p:spPr>
           <a:xfrm>
-            <a:off x="6367744" y="2715496"/>
+            <a:off x="6365781" y="3207483"/>
             <a:ext cx="624078" cy="624078"/>
           </a:xfrm>
           <a:prstGeom prst="rect">
@@ -17462,7 +17476,7 @@
         </p:nvSpPr>
         <p:spPr>
           <a:xfrm>
-            <a:off x="7454794" y="2715496"/>
+            <a:off x="7452831" y="3207483"/>
             <a:ext cx="624078" cy="624078"/>
           </a:xfrm>
           <a:prstGeom prst="rect">
@@ -17504,7 +17518,7 @@
                 </a:solidFill>
                 <a:latin typeface="Avenir Book" panose="02000503020000020003" pitchFamily="2" charset="0"/>
               </a:rPr>
-              <a:t>Conny</a:t>
+              <a:t>conny</a:t>
             </a:r>
           </a:p>
         </p:txBody>
@@ -17523,7 +17537,7 @@
         </p:nvSpPr>
         <p:spPr>
           <a:xfrm>
-            <a:off x="8541844" y="2715496"/>
+            <a:off x="8539881" y="3207483"/>
             <a:ext cx="624078" cy="624078"/>
           </a:xfrm>
           <a:prstGeom prst="rect">
@@ -17597,7 +17611,7 @@
         </p:nvCxnSpPr>
         <p:spPr>
           <a:xfrm flipH="1">
-            <a:off x="4505683" y="3339574"/>
+            <a:off x="4503720" y="3831561"/>
             <a:ext cx="1087050" cy="752141"/>
           </a:xfrm>
           <a:prstGeom prst="line">
@@ -17644,7 +17658,7 @@
         </p:nvCxnSpPr>
         <p:spPr>
           <a:xfrm>
-            <a:off x="5592733" y="3339574"/>
+            <a:off x="5590770" y="3831561"/>
             <a:ext cx="0" cy="752141"/>
           </a:xfrm>
           <a:prstGeom prst="line">
@@ -17691,7 +17705,7 @@
         </p:nvCxnSpPr>
         <p:spPr>
           <a:xfrm>
-            <a:off x="5592733" y="3339574"/>
+            <a:off x="5590770" y="3831561"/>
             <a:ext cx="1087050" cy="752141"/>
           </a:xfrm>
           <a:prstGeom prst="line">
@@ -17738,7 +17752,7 @@
         </p:nvCxnSpPr>
         <p:spPr>
           <a:xfrm>
-            <a:off x="5592733" y="3339574"/>
+            <a:off x="5590770" y="3831561"/>
             <a:ext cx="2174100" cy="752141"/>
           </a:xfrm>
           <a:prstGeom prst="line">
@@ -17785,7 +17799,7 @@
         </p:nvCxnSpPr>
         <p:spPr>
           <a:xfrm>
-            <a:off x="5592733" y="3339574"/>
+            <a:off x="5590770" y="3831561"/>
             <a:ext cx="3261150" cy="752141"/>
           </a:xfrm>
           <a:prstGeom prst="line">
@@ -17832,7 +17846,7 @@
         </p:nvCxnSpPr>
         <p:spPr>
           <a:xfrm flipH="1">
-            <a:off x="6679783" y="3339574"/>
+            <a:off x="6677820" y="3831561"/>
             <a:ext cx="1087050" cy="752141"/>
           </a:xfrm>
           <a:prstGeom prst="line">
@@ -17877,7 +17891,7 @@
         </p:nvCxnSpPr>
         <p:spPr>
           <a:xfrm flipH="1">
-            <a:off x="5592733" y="3339574"/>
+            <a:off x="5590770" y="3831561"/>
             <a:ext cx="2174100" cy="752141"/>
           </a:xfrm>
           <a:prstGeom prst="line">
@@ -17922,7 +17936,7 @@
         </p:nvCxnSpPr>
         <p:spPr>
           <a:xfrm flipH="1">
-            <a:off x="4505683" y="3339574"/>
+            <a:off x="4503720" y="3831561"/>
             <a:ext cx="3261150" cy="752141"/>
           </a:xfrm>
           <a:prstGeom prst="line">
@@ -17967,7 +17981,7 @@
         </p:nvCxnSpPr>
         <p:spPr>
           <a:xfrm>
-            <a:off x="7766833" y="3339574"/>
+            <a:off x="7764870" y="3831561"/>
             <a:ext cx="0" cy="752141"/>
           </a:xfrm>
           <a:prstGeom prst="line">
@@ -18012,7 +18026,7 @@
         </p:nvCxnSpPr>
         <p:spPr>
           <a:xfrm>
-            <a:off x="7766833" y="3339574"/>
+            <a:off x="7764870" y="3831561"/>
             <a:ext cx="1087050" cy="752141"/>
           </a:xfrm>
           <a:prstGeom prst="line">
@@ -18056,7 +18070,7 @@
         </p:nvCxnSpPr>
         <p:spPr>
           <a:xfrm>
-            <a:off x="4505683" y="3339574"/>
+            <a:off x="4503720" y="3831561"/>
             <a:ext cx="0" cy="752141"/>
           </a:xfrm>
           <a:prstGeom prst="line">
@@ -18101,7 +18115,7 @@
         </p:nvCxnSpPr>
         <p:spPr>
           <a:xfrm>
-            <a:off x="4505683" y="3339574"/>
+            <a:off x="4503720" y="3831561"/>
             <a:ext cx="2174100" cy="752141"/>
           </a:xfrm>
           <a:prstGeom prst="line">
@@ -18146,7 +18160,7 @@
         </p:nvCxnSpPr>
         <p:spPr>
           <a:xfrm>
-            <a:off x="4505683" y="3339574"/>
+            <a:off x="4503720" y="3831561"/>
             <a:ext cx="3261150" cy="752141"/>
           </a:xfrm>
           <a:prstGeom prst="line">
@@ -18191,7 +18205,7 @@
         </p:nvCxnSpPr>
         <p:spPr>
           <a:xfrm>
-            <a:off x="4505683" y="3339574"/>
+            <a:off x="4503720" y="3831561"/>
             <a:ext cx="4348200" cy="752141"/>
           </a:xfrm>
           <a:prstGeom prst="line">
@@ -18236,7 +18250,7 @@
         </p:nvCxnSpPr>
         <p:spPr>
           <a:xfrm>
-            <a:off x="4505683" y="3339574"/>
+            <a:off x="4503720" y="3831561"/>
             <a:ext cx="1087050" cy="752141"/>
           </a:xfrm>
           <a:prstGeom prst="line">
@@ -18281,7 +18295,7 @@
         </p:nvCxnSpPr>
         <p:spPr>
           <a:xfrm flipH="1">
-            <a:off x="4505683" y="1976086"/>
+            <a:off x="4503720" y="2468073"/>
             <a:ext cx="4896" cy="739410"/>
           </a:xfrm>
           <a:prstGeom prst="line">
@@ -18326,7 +18340,7 @@
         </p:nvCxnSpPr>
         <p:spPr>
           <a:xfrm>
-            <a:off x="7761937" y="1976090"/>
+            <a:off x="7759974" y="2468077"/>
             <a:ext cx="4896" cy="739406"/>
           </a:xfrm>
           <a:prstGeom prst="line">
@@ -18364,20 +18378,18 @@
           </p:cNvPr>
           <p:cNvCxnSpPr>
             <a:cxnSpLocks/>
-            <a:stCxn id="110" idx="5"/>
-            <a:endCxn id="113" idx="1"/>
           </p:cNvCxnSpPr>
           <p:nvPr/>
         </p:nvCxnSpPr>
         <p:spPr>
           <a:xfrm>
-            <a:off x="4822616" y="1590384"/>
-            <a:ext cx="2627284" cy="4"/>
+            <a:off x="4503720" y="1575317"/>
+            <a:ext cx="3256254" cy="0"/>
           </a:xfrm>
           <a:prstGeom prst="line">
             <a:avLst/>
           </a:prstGeom>
-          <a:ln w="9525">
+          <a:ln w="9525" cap="rnd">
             <a:solidFill>
               <a:schemeClr val="tx1"/>
             </a:solidFill>
@@ -18412,7 +18424,7 @@
         </p:nvSpPr>
         <p:spPr>
           <a:xfrm>
-            <a:off x="2714002" y="2715496"/>
+            <a:off x="2712039" y="3207483"/>
             <a:ext cx="1016669" cy="624078"/>
           </a:xfrm>
           <a:prstGeom prst="rect">
@@ -18453,6 +18465,17 @@
               <a:t>Clients</a:t>
             </a:r>
           </a:p>
+          <a:p>
+            <a:r>
+              <a:rPr lang="en-US" sz="1000" dirty="0">
+                <a:solidFill>
+                  <a:schemeClr val="tx1"/>
+                </a:solidFill>
+                <a:latin typeface="Avenir Book" panose="02000503020000020003" pitchFamily="2" charset="0"/>
+              </a:rPr>
+              <a:t>(KMEs)</a:t>
+            </a:r>
+          </a:p>
         </p:txBody>
       </p:sp>
       <p:sp>
@@ -18469,7 +18492,7 @@
         </p:nvSpPr>
         <p:spPr>
           <a:xfrm>
-            <a:off x="2714002" y="4091715"/>
+            <a:off x="2712039" y="4583702"/>
             <a:ext cx="1016669" cy="624078"/>
           </a:xfrm>
           <a:prstGeom prst="rect">
@@ -18526,7 +18549,7 @@
         </p:nvSpPr>
         <p:spPr>
           <a:xfrm>
-            <a:off x="2714001" y="1339277"/>
+            <a:off x="2712038" y="1831264"/>
             <a:ext cx="1016669" cy="624078"/>
           </a:xfrm>
           <a:prstGeom prst="rect">
@@ -18567,6 +18590,17 @@
               <a:t>Encryptors</a:t>
             </a:r>
           </a:p>
+          <a:p>
+            <a:r>
+              <a:rPr lang="en-US" sz="1000" dirty="0">
+                <a:solidFill>
+                  <a:schemeClr val="tx1"/>
+                </a:solidFill>
+                <a:latin typeface="Avenir Book" panose="02000503020000020003" pitchFamily="2" charset="0"/>
+              </a:rPr>
+              <a:t>(SAEs)</a:t>
+            </a:r>
+          </a:p>
         </p:txBody>
       </p:sp>
       <p:sp>
@@ -18583,7 +18617,7 @@
         </p:nvSpPr>
         <p:spPr>
           <a:xfrm>
-            <a:off x="3404832" y="2013850"/>
+            <a:off x="3402869" y="2505837"/>
             <a:ext cx="1016669" cy="624078"/>
           </a:xfrm>
           <a:prstGeom prst="rect">
@@ -18658,7 +18692,7 @@
         </p:nvSpPr>
         <p:spPr>
           <a:xfrm>
-            <a:off x="3398262" y="3390069"/>
+            <a:off x="3396299" y="3882056"/>
             <a:ext cx="1016669" cy="624078"/>
           </a:xfrm>
           <a:prstGeom prst="rect">
@@ -18716,8 +18750,8 @@
         </p:nvSpPr>
         <p:spPr>
           <a:xfrm>
-            <a:off x="5328949" y="1403309"/>
-            <a:ext cx="1534102" cy="624078"/>
+            <a:off x="5483977" y="1362697"/>
+            <a:ext cx="1534102" cy="262505"/>
           </a:xfrm>
           <a:prstGeom prst="rect">
             <a:avLst/>
@@ -18774,7 +18808,7 @@
         </p:nvSpPr>
         <p:spPr>
           <a:xfrm>
-            <a:off x="4198541" y="1352008"/>
+            <a:off x="4196578" y="1843995"/>
             <a:ext cx="624076" cy="624078"/>
           </a:xfrm>
           <a:prstGeom prst="pentagon">
@@ -18820,7 +18854,7 @@
                 </a:solidFill>
                 <a:latin typeface="Avenir Book" panose="02000503020000020003" pitchFamily="2" charset="0"/>
               </a:rPr>
-              <a:t>Patrick</a:t>
+              <a:t>sam</a:t>
             </a:r>
           </a:p>
         </p:txBody>
@@ -18839,7 +18873,7 @@
         </p:nvSpPr>
         <p:spPr>
           <a:xfrm>
-            <a:off x="7449899" y="1352012"/>
+            <a:off x="7447936" y="1843999"/>
             <a:ext cx="624076" cy="624078"/>
           </a:xfrm>
           <a:prstGeom prst="pentagon">
@@ -18885,7 +18919,443 @@
                 </a:solidFill>
                 <a:latin typeface="Avenir Book" panose="02000503020000020003" pitchFamily="2" charset="0"/>
               </a:rPr>
-              <a:t>Porter</a:t>
+              <a:t>sofia</a:t>
+            </a:r>
+          </a:p>
+        </p:txBody>
+      </p:sp>
+      <p:cxnSp>
+        <p:nvCxnSpPr>
+          <p:cNvPr id="2" name="Straight Connector 1">
+            <a:extLst>
+              <a:ext uri="{FF2B5EF4-FFF2-40B4-BE49-F238E27FC236}">
+                <a16:creationId xmlns:a16="http://schemas.microsoft.com/office/drawing/2014/main" id="{3097EC8A-A20C-8760-2C44-25CE9CC96309}"/>
+              </a:ext>
+            </a:extLst>
+          </p:cNvPr>
+          <p:cNvCxnSpPr>
+            <a:cxnSpLocks/>
+          </p:cNvCxnSpPr>
+          <p:nvPr/>
+        </p:nvCxnSpPr>
+        <p:spPr>
+          <a:xfrm>
+            <a:off x="4503720" y="1569673"/>
+            <a:ext cx="0" cy="274322"/>
+          </a:xfrm>
+          <a:prstGeom prst="line">
+            <a:avLst/>
+          </a:prstGeom>
+          <a:ln w="9525" cap="rnd">
+            <a:solidFill>
+              <a:schemeClr val="tx1"/>
+            </a:solidFill>
+          </a:ln>
+        </p:spPr>
+        <p:style>
+          <a:lnRef idx="2">
+            <a:schemeClr val="accent1"/>
+          </a:lnRef>
+          <a:fillRef idx="0">
+            <a:schemeClr val="accent1"/>
+          </a:fillRef>
+          <a:effectRef idx="1">
+            <a:schemeClr val="accent1"/>
+          </a:effectRef>
+          <a:fontRef idx="minor">
+            <a:schemeClr val="tx1"/>
+          </a:fontRef>
+        </p:style>
+      </p:cxnSp>
+      <p:cxnSp>
+        <p:nvCxnSpPr>
+          <p:cNvPr id="14" name="Straight Connector 13">
+            <a:extLst>
+              <a:ext uri="{FF2B5EF4-FFF2-40B4-BE49-F238E27FC236}">
+                <a16:creationId xmlns:a16="http://schemas.microsoft.com/office/drawing/2014/main" id="{9587CB9D-147E-CB9E-6DF4-659D9BE7D242}"/>
+              </a:ext>
+            </a:extLst>
+          </p:cNvPr>
+          <p:cNvCxnSpPr>
+            <a:cxnSpLocks/>
+          </p:cNvCxnSpPr>
+          <p:nvPr/>
+        </p:nvCxnSpPr>
+        <p:spPr>
+          <a:xfrm>
+            <a:off x="7759974" y="1575317"/>
+            <a:ext cx="0" cy="274322"/>
+          </a:xfrm>
+          <a:prstGeom prst="line">
+            <a:avLst/>
+          </a:prstGeom>
+          <a:ln w="9525" cap="rnd">
+            <a:solidFill>
+              <a:schemeClr val="tx1"/>
+            </a:solidFill>
+          </a:ln>
+        </p:spPr>
+        <p:style>
+          <a:lnRef idx="2">
+            <a:schemeClr val="accent1"/>
+          </a:lnRef>
+          <a:fillRef idx="0">
+            <a:schemeClr val="accent1"/>
+          </a:fillRef>
+          <a:effectRef idx="1">
+            <a:schemeClr val="accent1"/>
+          </a:effectRef>
+          <a:fontRef idx="minor">
+            <a:schemeClr val="tx1"/>
+          </a:fontRef>
+        </p:style>
+      </p:cxnSp>
+      <p:cxnSp>
+        <p:nvCxnSpPr>
+          <p:cNvPr id="16" name="Straight Connector 15">
+            <a:extLst>
+              <a:ext uri="{FF2B5EF4-FFF2-40B4-BE49-F238E27FC236}">
+                <a16:creationId xmlns:a16="http://schemas.microsoft.com/office/drawing/2014/main" id="{69922FB3-D647-9FE1-FDD1-6DDBE82B2DF6}"/>
+              </a:ext>
+            </a:extLst>
+          </p:cNvPr>
+          <p:cNvCxnSpPr>
+            <a:cxnSpLocks/>
+            <a:stCxn id="19" idx="3"/>
+          </p:cNvCxnSpPr>
+          <p:nvPr/>
+        </p:nvCxnSpPr>
+        <p:spPr>
+          <a:xfrm flipH="1">
+            <a:off x="5580978" y="2468073"/>
+            <a:ext cx="4896" cy="739410"/>
+          </a:xfrm>
+          <a:prstGeom prst="line">
+            <a:avLst/>
+          </a:prstGeom>
+          <a:ln w="9525">
+            <a:solidFill>
+              <a:schemeClr val="bg1">
+                <a:lumMod val="85000"/>
+              </a:schemeClr>
+            </a:solidFill>
+          </a:ln>
+        </p:spPr>
+        <p:style>
+          <a:lnRef idx="2">
+            <a:schemeClr val="accent1"/>
+          </a:lnRef>
+          <a:fillRef idx="0">
+            <a:schemeClr val="accent1"/>
+          </a:fillRef>
+          <a:effectRef idx="1">
+            <a:schemeClr val="accent1"/>
+          </a:effectRef>
+          <a:fontRef idx="minor">
+            <a:schemeClr val="tx1"/>
+          </a:fontRef>
+        </p:style>
+      </p:cxnSp>
+      <p:sp>
+        <p:nvSpPr>
+          <p:cNvPr id="19" name="Regular Pentagon 18">
+            <a:extLst>
+              <a:ext uri="{FF2B5EF4-FFF2-40B4-BE49-F238E27FC236}">
+                <a16:creationId xmlns:a16="http://schemas.microsoft.com/office/drawing/2014/main" id="{96DB188F-FDBA-ED49-3A18-E709E422EA9B}"/>
+              </a:ext>
+            </a:extLst>
+          </p:cNvPr>
+          <p:cNvSpPr/>
+          <p:nvPr/>
+        </p:nvSpPr>
+        <p:spPr>
+          <a:xfrm>
+            <a:off x="5273836" y="1843995"/>
+            <a:ext cx="624076" cy="624078"/>
+          </a:xfrm>
+          <a:prstGeom prst="pentagon">
+            <a:avLst/>
+          </a:prstGeom>
+          <a:solidFill>
+            <a:schemeClr val="tx2">
+              <a:lumMod val="10000"/>
+              <a:lumOff val="90000"/>
+              <a:alpha val="19903"/>
+            </a:schemeClr>
+          </a:solidFill>
+          <a:ln w="9525">
+            <a:solidFill>
+              <a:schemeClr val="bg1">
+                <a:lumMod val="85000"/>
+              </a:schemeClr>
+            </a:solidFill>
+          </a:ln>
+        </p:spPr>
+        <p:style>
+          <a:lnRef idx="2">
+            <a:schemeClr val="accent1">
+              <a:shade val="15000"/>
+            </a:schemeClr>
+          </a:lnRef>
+          <a:fillRef idx="1">
+            <a:schemeClr val="accent1"/>
+          </a:fillRef>
+          <a:effectRef idx="0">
+            <a:schemeClr val="accent1"/>
+          </a:effectRef>
+          <a:fontRef idx="minor">
+            <a:schemeClr val="lt1"/>
+          </a:fontRef>
+        </p:style>
+        <p:txBody>
+          <a:bodyPr lIns="0" rIns="0" rtlCol="0" anchor="ctr"/>
+          <a:lstStyle/>
+          <a:p>
+            <a:pPr algn="ctr"/>
+            <a:r>
+              <a:rPr lang="en-US" sz="1000" dirty="0">
+                <a:solidFill>
+                  <a:schemeClr val="bg1">
+                    <a:lumMod val="85000"/>
+                  </a:schemeClr>
+                </a:solidFill>
+                <a:latin typeface="Avenir Book" panose="02000503020000020003" pitchFamily="2" charset="0"/>
+              </a:rPr>
+              <a:t>serena</a:t>
+            </a:r>
+          </a:p>
+        </p:txBody>
+      </p:sp>
+      <p:cxnSp>
+        <p:nvCxnSpPr>
+          <p:cNvPr id="20" name="Straight Connector 19">
+            <a:extLst>
+              <a:ext uri="{FF2B5EF4-FFF2-40B4-BE49-F238E27FC236}">
+                <a16:creationId xmlns:a16="http://schemas.microsoft.com/office/drawing/2014/main" id="{F374C326-0638-1513-4A9B-79E9CF2D0942}"/>
+              </a:ext>
+            </a:extLst>
+          </p:cNvPr>
+          <p:cNvCxnSpPr>
+            <a:cxnSpLocks/>
+            <a:stCxn id="22" idx="3"/>
+            <a:endCxn id="13" idx="0"/>
+          </p:cNvCxnSpPr>
+          <p:nvPr/>
+        </p:nvCxnSpPr>
+        <p:spPr>
+          <a:xfrm>
+            <a:off x="8516559" y="2468073"/>
+            <a:ext cx="335361" cy="739410"/>
+          </a:xfrm>
+          <a:prstGeom prst="line">
+            <a:avLst/>
+          </a:prstGeom>
+          <a:ln w="9525">
+            <a:solidFill>
+              <a:schemeClr val="bg1">
+                <a:lumMod val="85000"/>
+              </a:schemeClr>
+            </a:solidFill>
+          </a:ln>
+        </p:spPr>
+        <p:style>
+          <a:lnRef idx="2">
+            <a:schemeClr val="accent1"/>
+          </a:lnRef>
+          <a:fillRef idx="0">
+            <a:schemeClr val="accent1"/>
+          </a:fillRef>
+          <a:effectRef idx="1">
+            <a:schemeClr val="accent1"/>
+          </a:effectRef>
+          <a:fontRef idx="minor">
+            <a:schemeClr val="tx1"/>
+          </a:fontRef>
+        </p:style>
+      </p:cxnSp>
+      <p:sp>
+        <p:nvSpPr>
+          <p:cNvPr id="22" name="Regular Pentagon 21">
+            <a:extLst>
+              <a:ext uri="{FF2B5EF4-FFF2-40B4-BE49-F238E27FC236}">
+                <a16:creationId xmlns:a16="http://schemas.microsoft.com/office/drawing/2014/main" id="{F084301F-EEA3-A4FE-F6C2-7E6DAC02B356}"/>
+              </a:ext>
+            </a:extLst>
+          </p:cNvPr>
+          <p:cNvSpPr/>
+          <p:nvPr/>
+        </p:nvSpPr>
+        <p:spPr>
+          <a:xfrm>
+            <a:off x="8204521" y="1843995"/>
+            <a:ext cx="624076" cy="624078"/>
+          </a:xfrm>
+          <a:prstGeom prst="pentagon">
+            <a:avLst/>
+          </a:prstGeom>
+          <a:solidFill>
+            <a:schemeClr val="tx2">
+              <a:lumMod val="10000"/>
+              <a:lumOff val="90000"/>
+              <a:alpha val="19903"/>
+            </a:schemeClr>
+          </a:solidFill>
+          <a:ln w="9525">
+            <a:solidFill>
+              <a:schemeClr val="bg1">
+                <a:lumMod val="85000"/>
+              </a:schemeClr>
+            </a:solidFill>
+          </a:ln>
+        </p:spPr>
+        <p:style>
+          <a:lnRef idx="2">
+            <a:schemeClr val="accent1">
+              <a:shade val="15000"/>
+            </a:schemeClr>
+          </a:lnRef>
+          <a:fillRef idx="1">
+            <a:schemeClr val="accent1"/>
+          </a:fillRef>
+          <a:effectRef idx="0">
+            <a:schemeClr val="accent1"/>
+          </a:effectRef>
+          <a:fontRef idx="minor">
+            <a:schemeClr val="lt1"/>
+          </a:fontRef>
+        </p:style>
+        <p:txBody>
+          <a:bodyPr lIns="0" rIns="0" rtlCol="0" anchor="ctr"/>
+          <a:lstStyle/>
+          <a:p>
+            <a:pPr algn="ctr"/>
+            <a:r>
+              <a:rPr lang="en-US" sz="1000" dirty="0">
+                <a:solidFill>
+                  <a:schemeClr val="bg1">
+                    <a:lumMod val="85000"/>
+                  </a:schemeClr>
+                </a:solidFill>
+                <a:latin typeface="Avenir Book" panose="02000503020000020003" pitchFamily="2" charset="0"/>
+              </a:rPr>
+              <a:t>sunny</a:t>
+            </a:r>
+          </a:p>
+        </p:txBody>
+      </p:sp>
+      <p:cxnSp>
+        <p:nvCxnSpPr>
+          <p:cNvPr id="23" name="Straight Connector 22">
+            <a:extLst>
+              <a:ext uri="{FF2B5EF4-FFF2-40B4-BE49-F238E27FC236}">
+                <a16:creationId xmlns:a16="http://schemas.microsoft.com/office/drawing/2014/main" id="{42DA6DF2-F958-AD28-CE06-46B3CD265B22}"/>
+              </a:ext>
+            </a:extLst>
+          </p:cNvPr>
+          <p:cNvCxnSpPr>
+            <a:cxnSpLocks/>
+            <a:stCxn id="25" idx="3"/>
+            <a:endCxn id="13" idx="0"/>
+          </p:cNvCxnSpPr>
+          <p:nvPr/>
+        </p:nvCxnSpPr>
+        <p:spPr>
+          <a:xfrm flipH="1">
+            <a:off x="8851920" y="2471364"/>
+            <a:ext cx="340259" cy="736119"/>
+          </a:xfrm>
+          <a:prstGeom prst="line">
+            <a:avLst/>
+          </a:prstGeom>
+          <a:ln w="9525">
+            <a:solidFill>
+              <a:schemeClr val="bg1">
+                <a:lumMod val="85000"/>
+              </a:schemeClr>
+            </a:solidFill>
+          </a:ln>
+        </p:spPr>
+        <p:style>
+          <a:lnRef idx="2">
+            <a:schemeClr val="accent1"/>
+          </a:lnRef>
+          <a:fillRef idx="0">
+            <a:schemeClr val="accent1"/>
+          </a:fillRef>
+          <a:effectRef idx="1">
+            <a:schemeClr val="accent1"/>
+          </a:effectRef>
+          <a:fontRef idx="minor">
+            <a:schemeClr val="tx1"/>
+          </a:fontRef>
+        </p:style>
+      </p:cxnSp>
+      <p:sp>
+        <p:nvSpPr>
+          <p:cNvPr id="25" name="Regular Pentagon 24">
+            <a:extLst>
+              <a:ext uri="{FF2B5EF4-FFF2-40B4-BE49-F238E27FC236}">
+                <a16:creationId xmlns:a16="http://schemas.microsoft.com/office/drawing/2014/main" id="{98E41C2E-A0F7-7BFE-BC2A-1DA7BB38B9B2}"/>
+              </a:ext>
+            </a:extLst>
+          </p:cNvPr>
+          <p:cNvSpPr/>
+          <p:nvPr/>
+        </p:nvSpPr>
+        <p:spPr>
+          <a:xfrm>
+            <a:off x="8880141" y="1847286"/>
+            <a:ext cx="624076" cy="624078"/>
+          </a:xfrm>
+          <a:prstGeom prst="pentagon">
+            <a:avLst/>
+          </a:prstGeom>
+          <a:solidFill>
+            <a:schemeClr val="tx2">
+              <a:lumMod val="10000"/>
+              <a:lumOff val="90000"/>
+              <a:alpha val="19903"/>
+            </a:schemeClr>
+          </a:solidFill>
+          <a:ln w="9525">
+            <a:solidFill>
+              <a:schemeClr val="bg1">
+                <a:lumMod val="85000"/>
+              </a:schemeClr>
+            </a:solidFill>
+          </a:ln>
+        </p:spPr>
+        <p:style>
+          <a:lnRef idx="2">
+            <a:schemeClr val="accent1">
+              <a:shade val="15000"/>
+            </a:schemeClr>
+          </a:lnRef>
+          <a:fillRef idx="1">
+            <a:schemeClr val="accent1"/>
+          </a:fillRef>
+          <a:effectRef idx="0">
+            <a:schemeClr val="accent1"/>
+          </a:effectRef>
+          <a:fontRef idx="minor">
+            <a:schemeClr val="lt1"/>
+          </a:fontRef>
+        </p:style>
+        <p:txBody>
+          <a:bodyPr lIns="0" rIns="0" rtlCol="0" anchor="ctr"/>
+          <a:lstStyle/>
+          <a:p>
+            <a:pPr algn="ctr"/>
+            <a:r>
+              <a:rPr lang="en-US" sz="1000" dirty="0">
+                <a:solidFill>
+                  <a:schemeClr val="bg1">
+                    <a:lumMod val="85000"/>
+                  </a:schemeClr>
+                </a:solidFill>
+                <a:latin typeface="Avenir Book" panose="02000503020000020003" pitchFamily="2" charset="0"/>
+              </a:rPr>
+              <a:t>susan</a:t>
             </a:r>
           </a:p>
         </p:txBody>

--- a/docs/figures/figures.pptx
+++ b/docs/figures/figures.pptx
@@ -16310,10 +16310,10 @@
       </p:grpSpPr>
       <p:pic>
         <p:nvPicPr>
-          <p:cNvPr id="2" name="Picture 1">
+          <p:cNvPr id="3" name="Picture 2">
             <a:extLst>
               <a:ext uri="{FF2B5EF4-FFF2-40B4-BE49-F238E27FC236}">
-                <a16:creationId xmlns:a16="http://schemas.microsoft.com/office/drawing/2014/main" id="{06C64E02-6747-0671-6A48-B4D91245E5F0}"/>
+                <a16:creationId xmlns:a16="http://schemas.microsoft.com/office/drawing/2014/main" id="{5562332C-AC04-D7C7-08AC-BE365D14451B}"/>
               </a:ext>
             </a:extLst>
           </p:cNvPr>
